--- a/Section01/Section01.pptx
+++ b/Section01/Section01.pptx
@@ -5,14 +5,23 @@
     <p:sldMasterId id="2147483778" r:id="rId4"/>
   </p:sldMasterIdLst>
   <p:notesMasterIdLst>
-    <p:notesMasterId r:id="rId7"/>
+    <p:notesMasterId r:id="rId16"/>
   </p:notesMasterIdLst>
   <p:handoutMasterIdLst>
-    <p:handoutMasterId r:id="rId8"/>
+    <p:handoutMasterId r:id="rId17"/>
   </p:handoutMasterIdLst>
   <p:sldIdLst>
     <p:sldId id="315" r:id="rId5"/>
-    <p:sldId id="316" r:id="rId6"/>
+    <p:sldId id="319" r:id="rId6"/>
+    <p:sldId id="317" r:id="rId7"/>
+    <p:sldId id="318" r:id="rId8"/>
+    <p:sldId id="320" r:id="rId9"/>
+    <p:sldId id="321" r:id="rId10"/>
+    <p:sldId id="322" r:id="rId11"/>
+    <p:sldId id="323" r:id="rId12"/>
+    <p:sldId id="324" r:id="rId13"/>
+    <p:sldId id="326" r:id="rId14"/>
+    <p:sldId id="327" r:id="rId15"/>
   </p:sldIdLst>
   <p:sldSz cx="12192000" cy="6858000"/>
   <p:notesSz cx="6858000" cy="9144000"/>
@@ -117,7 +126,16 @@
         <p14:section name="Default Section" id="{A6194743-3C7C-499C-B327-CF08643433A4}">
           <p14:sldIdLst>
             <p14:sldId id="315"/>
-            <p14:sldId id="316"/>
+            <p14:sldId id="319"/>
+            <p14:sldId id="317"/>
+            <p14:sldId id="318"/>
+            <p14:sldId id="320"/>
+            <p14:sldId id="321"/>
+            <p14:sldId id="322"/>
+            <p14:sldId id="323"/>
+            <p14:sldId id="324"/>
+            <p14:sldId id="326"/>
+            <p14:sldId id="327"/>
           </p14:sldIdLst>
         </p14:section>
       </p14:sectionLst>
@@ -227,7 +245,7 @@
             <a:pPr rtl="0"/>
             <a:fld id="{FAB3E6E3-061B-41A2-BBDC-C5312A04A40A}" type="datetime1">
               <a:rPr lang="es-ES" smtClean="0"/>
-              <a:t>15/09/2022</a:t>
+              <a:t>21/09/2022</a:t>
             </a:fld>
             <a:endParaRPr lang="es-ES" dirty="0"/>
           </a:p>
@@ -397,7 +415,7 @@
             <a:pPr rtl="0"/>
             <a:fld id="{2145992C-CBBF-4F24-8325-F5CB0EAAC0E9}" type="datetime1">
               <a:rPr lang="es-ES" noProof="0" smtClean="0"/>
-              <a:t>15/09/2022</a:t>
+              <a:t>21/09/2022</a:t>
             </a:fld>
             <a:endParaRPr lang="es-ES" noProof="0" dirty="0"/>
           </a:p>
@@ -668,6 +686,1233 @@
 </p:notesMaster>
 </file>
 
+<file path=ppt/notesSlides/notesSlide1.xml><?xml version="1.0" encoding="utf-8"?>
+<p:notes xmlns:a="http://schemas.openxmlformats.org/drawingml/2006/main" xmlns:r="http://schemas.openxmlformats.org/officeDocument/2006/relationships" xmlns:p="http://schemas.openxmlformats.org/presentationml/2006/main">
+  <p:cSld>
+    <p:spTree>
+      <p:nvGrpSpPr>
+        <p:cNvPr id="1" name=""/>
+        <p:cNvGrpSpPr/>
+        <p:nvPr/>
+      </p:nvGrpSpPr>
+      <p:grpSpPr>
+        <a:xfrm>
+          <a:off x="0" y="0"/>
+          <a:ext cx="0" cy="0"/>
+          <a:chOff x="0" y="0"/>
+          <a:chExt cx="0" cy="0"/>
+        </a:xfrm>
+      </p:grpSpPr>
+      <p:sp>
+        <p:nvSpPr>
+          <p:cNvPr id="2" name="Slide Image Placeholder 1"/>
+          <p:cNvSpPr>
+            <a:spLocks noGrp="1" noRot="1" noChangeAspect="1"/>
+          </p:cNvSpPr>
+          <p:nvPr>
+            <p:ph type="sldImg"/>
+          </p:nvPr>
+        </p:nvSpPr>
+        <p:spPr/>
+      </p:sp>
+      <p:sp>
+        <p:nvSpPr>
+          <p:cNvPr id="3" name="Notes Placeholder 2"/>
+          <p:cNvSpPr>
+            <a:spLocks noGrp="1"/>
+          </p:cNvSpPr>
+          <p:nvPr>
+            <p:ph type="body" idx="1"/>
+          </p:nvPr>
+        </p:nvSpPr>
+        <p:spPr/>
+        <p:txBody>
+          <a:bodyPr/>
+          <a:lstStyle/>
+          <a:p>
+            <a:r>
+              <a:rPr lang="es-CO" sz="1000" b="0" i="0" dirty="0">
+                <a:solidFill>
+                  <a:srgbClr val="24292F"/>
+                </a:solidFill>
+                <a:effectLst/>
+                <a:latin typeface="Segoe UI Light" panose="020B0502040204020203" pitchFamily="34" charset="0"/>
+                <a:cs typeface="Segoe UI Light" panose="020B0502040204020203" pitchFamily="34" charset="0"/>
+              </a:rPr>
+              <a:t>El desarrollo colaborativo se refiere al proceso de creación de contenidos académicos y científicos a través de la interacción simultánea de más de una persona para alcanzar uno o varios objetivos comunes; es así como programadores, investigadores y educadores colaboran entre ellos para obtener un producto de calidad que puede ser un software, una investigación, un curso, un programa académico o un libro electrónico, entre otros. No existe una manera única en que esta interacción se lleve a cabo debido a que el desarrollo colaborativo es un concepto amplio que se puede abordar desde diferentes perspectivas.</a:t>
+            </a:r>
+            <a:endParaRPr lang="es-CO" sz="1000" dirty="0">
+              <a:latin typeface="Segoe UI Light" panose="020B0502040204020203" pitchFamily="34" charset="0"/>
+              <a:cs typeface="Segoe UI Light" panose="020B0502040204020203" pitchFamily="34" charset="0"/>
+            </a:endParaRPr>
+          </a:p>
+        </p:txBody>
+      </p:sp>
+      <p:sp>
+        <p:nvSpPr>
+          <p:cNvPr id="4" name="Slide Number Placeholder 3"/>
+          <p:cNvSpPr>
+            <a:spLocks noGrp="1"/>
+          </p:cNvSpPr>
+          <p:nvPr>
+            <p:ph type="sldNum" sz="quarter" idx="5"/>
+          </p:nvPr>
+        </p:nvSpPr>
+        <p:spPr/>
+        <p:txBody>
+          <a:bodyPr/>
+          <a:lstStyle/>
+          <a:p>
+            <a:pPr rtl="0"/>
+            <a:fld id="{810E1E9A-E921-4174-A0FC-51868D7AC568}" type="slidenum">
+              <a:rPr lang="es-ES" noProof="0" smtClean="0"/>
+              <a:t>3</a:t>
+            </a:fld>
+            <a:endParaRPr lang="es-ES" noProof="0" dirty="0"/>
+          </a:p>
+        </p:txBody>
+      </p:sp>
+    </p:spTree>
+    <p:extLst>
+      <p:ext uri="{BB962C8B-B14F-4D97-AF65-F5344CB8AC3E}">
+        <p14:creationId xmlns:p14="http://schemas.microsoft.com/office/powerpoint/2010/main" val="2191621344"/>
+      </p:ext>
+    </p:extLst>
+  </p:cSld>
+  <p:clrMapOvr>
+    <a:masterClrMapping/>
+  </p:clrMapOvr>
+</p:notes>
+</file>
+
+<file path=ppt/notesSlides/notesSlide2.xml><?xml version="1.0" encoding="utf-8"?>
+<p:notes xmlns:a="http://schemas.openxmlformats.org/drawingml/2006/main" xmlns:r="http://schemas.openxmlformats.org/officeDocument/2006/relationships" xmlns:p="http://schemas.openxmlformats.org/presentationml/2006/main">
+  <p:cSld>
+    <p:spTree>
+      <p:nvGrpSpPr>
+        <p:cNvPr id="1" name=""/>
+        <p:cNvGrpSpPr/>
+        <p:nvPr/>
+      </p:nvGrpSpPr>
+      <p:grpSpPr>
+        <a:xfrm>
+          <a:off x="0" y="0"/>
+          <a:ext cx="0" cy="0"/>
+          <a:chOff x="0" y="0"/>
+          <a:chExt cx="0" cy="0"/>
+        </a:xfrm>
+      </p:grpSpPr>
+      <p:sp>
+        <p:nvSpPr>
+          <p:cNvPr id="2" name="Slide Image Placeholder 1"/>
+          <p:cNvSpPr>
+            <a:spLocks noGrp="1" noRot="1" noChangeAspect="1"/>
+          </p:cNvSpPr>
+          <p:nvPr>
+            <p:ph type="sldImg"/>
+          </p:nvPr>
+        </p:nvSpPr>
+        <p:spPr/>
+      </p:sp>
+      <p:sp>
+        <p:nvSpPr>
+          <p:cNvPr id="3" name="Notes Placeholder 2"/>
+          <p:cNvSpPr>
+            <a:spLocks noGrp="1"/>
+          </p:cNvSpPr>
+          <p:nvPr>
+            <p:ph type="body" idx="1"/>
+          </p:nvPr>
+        </p:nvSpPr>
+        <p:spPr/>
+        <p:txBody>
+          <a:bodyPr/>
+          <a:lstStyle/>
+          <a:p>
+            <a:pPr algn="l"/>
+            <a:r>
+              <a:rPr lang="es-CO" sz="1200" b="0" i="0" dirty="0">
+                <a:solidFill>
+                  <a:srgbClr val="24292F"/>
+                </a:solidFill>
+                <a:effectLst/>
+                <a:latin typeface="-apple-system"/>
+              </a:rPr>
+              <a:t>Tradicionalmente, pensamos que la creación de contenidos académicos y científicos se puede realizar de manera individual y aislada de otras personas; incluso, la formación profesional que recibimos en las aulas privilegia en cierto sentido esta modalidad. Es verdad que existen tareas que se pueden desarrollar en solitario, especialmente cuando se trabaja en la producción científica de trabajos de investigación y/o profundización con un alcance particular; sin embargo, cuando el nivel de dificultad de la investigación o los contenidos de los </a:t>
+            </a:r>
+            <a:r>
+              <a:rPr lang="es-CO" sz="1200" b="0" i="0" dirty="0" err="1">
+                <a:solidFill>
+                  <a:srgbClr val="24292F"/>
+                </a:solidFill>
+                <a:effectLst/>
+                <a:latin typeface="-apple-system"/>
+              </a:rPr>
+              <a:t>microcurrículos</a:t>
+            </a:r>
+            <a:r>
+              <a:rPr lang="es-CO" sz="1200" b="0" i="0" dirty="0">
+                <a:solidFill>
+                  <a:srgbClr val="24292F"/>
+                </a:solidFill>
+                <a:effectLst/>
+                <a:latin typeface="-apple-system"/>
+              </a:rPr>
+              <a:t> aumenta, ya sea por las nuevas innovaciones tecnológicas, porque requieren de conocimiento experto de múltiples disciplinas o por avances en docencia, la creación y actualización necesariamente se tiene que desarrollar en compañía de otras personas. De esta manera, la interacción humana en el proceso de creación de contenidos de calidad es en muchas ocasiones, obligatoria.</a:t>
+            </a:r>
+          </a:p>
+          <a:p>
+            <a:br>
+              <a:rPr lang="es-CO" sz="1200" dirty="0"/>
+            </a:br>
+            <a:endParaRPr lang="es-CO" sz="1000" dirty="0">
+              <a:latin typeface="Segoe UI Light" panose="020B0502040204020203" pitchFamily="34" charset="0"/>
+              <a:cs typeface="Segoe UI Light" panose="020B0502040204020203" pitchFamily="34" charset="0"/>
+            </a:endParaRPr>
+          </a:p>
+        </p:txBody>
+      </p:sp>
+      <p:sp>
+        <p:nvSpPr>
+          <p:cNvPr id="4" name="Slide Number Placeholder 3"/>
+          <p:cNvSpPr>
+            <a:spLocks noGrp="1"/>
+          </p:cNvSpPr>
+          <p:nvPr>
+            <p:ph type="sldNum" sz="quarter" idx="5"/>
+          </p:nvPr>
+        </p:nvSpPr>
+        <p:spPr/>
+        <p:txBody>
+          <a:bodyPr/>
+          <a:lstStyle/>
+          <a:p>
+            <a:pPr rtl="0"/>
+            <a:fld id="{810E1E9A-E921-4174-A0FC-51868D7AC568}" type="slidenum">
+              <a:rPr lang="es-ES" noProof="0" smtClean="0"/>
+              <a:t>4</a:t>
+            </a:fld>
+            <a:endParaRPr lang="es-ES" noProof="0" dirty="0"/>
+          </a:p>
+        </p:txBody>
+      </p:sp>
+    </p:spTree>
+    <p:extLst>
+      <p:ext uri="{BB962C8B-B14F-4D97-AF65-F5344CB8AC3E}">
+        <p14:creationId xmlns:p14="http://schemas.microsoft.com/office/powerpoint/2010/main" val="1215802017"/>
+      </p:ext>
+    </p:extLst>
+  </p:cSld>
+  <p:clrMapOvr>
+    <a:masterClrMapping/>
+  </p:clrMapOvr>
+</p:notes>
+</file>
+
+<file path=ppt/notesSlides/notesSlide3.xml><?xml version="1.0" encoding="utf-8"?>
+<p:notes xmlns:a="http://schemas.openxmlformats.org/drawingml/2006/main" xmlns:r="http://schemas.openxmlformats.org/officeDocument/2006/relationships" xmlns:p="http://schemas.openxmlformats.org/presentationml/2006/main">
+  <p:cSld>
+    <p:spTree>
+      <p:nvGrpSpPr>
+        <p:cNvPr id="1" name=""/>
+        <p:cNvGrpSpPr/>
+        <p:nvPr/>
+      </p:nvGrpSpPr>
+      <p:grpSpPr>
+        <a:xfrm>
+          <a:off x="0" y="0"/>
+          <a:ext cx="0" cy="0"/>
+          <a:chOff x="0" y="0"/>
+          <a:chExt cx="0" cy="0"/>
+        </a:xfrm>
+      </p:grpSpPr>
+      <p:sp>
+        <p:nvSpPr>
+          <p:cNvPr id="2" name="Slide Image Placeholder 1"/>
+          <p:cNvSpPr>
+            <a:spLocks noGrp="1" noRot="1" noChangeAspect="1"/>
+          </p:cNvSpPr>
+          <p:nvPr>
+            <p:ph type="sldImg"/>
+          </p:nvPr>
+        </p:nvSpPr>
+        <p:spPr/>
+      </p:sp>
+      <p:sp>
+        <p:nvSpPr>
+          <p:cNvPr id="3" name="Notes Placeholder 2"/>
+          <p:cNvSpPr>
+            <a:spLocks noGrp="1"/>
+          </p:cNvSpPr>
+          <p:nvPr>
+            <p:ph type="body" idx="1"/>
+          </p:nvPr>
+        </p:nvSpPr>
+        <p:spPr/>
+        <p:txBody>
+          <a:bodyPr/>
+          <a:lstStyle/>
+          <a:p>
+            <a:pPr algn="l">
+              <a:buFont typeface="Arial" panose="020B0604020202020204" pitchFamily="34" charset="0"/>
+              <a:buNone/>
+            </a:pPr>
+            <a:r>
+              <a:rPr lang="es-CO" b="0" i="0" dirty="0">
+                <a:solidFill>
+                  <a:srgbClr val="24292F"/>
+                </a:solidFill>
+                <a:effectLst/>
+                <a:latin typeface="-apple-system"/>
+              </a:rPr>
+              <a:t>Los contenidos producidos combinan la experticia de los integrantes del equipo de trabajo, de la facultad o el programa académico, del grupo de investigación o del centro de estudios al cual pertenecen.</a:t>
+            </a:r>
+          </a:p>
+          <a:p>
+            <a:pPr algn="l">
+              <a:buFont typeface="Arial" panose="020B0604020202020204" pitchFamily="34" charset="0"/>
+              <a:buNone/>
+            </a:pPr>
+            <a:r>
+              <a:rPr lang="es-CO" b="0" i="0" dirty="0">
+                <a:solidFill>
+                  <a:srgbClr val="24292F"/>
+                </a:solidFill>
+                <a:effectLst/>
+                <a:latin typeface="-apple-system"/>
+              </a:rPr>
+              <a:t>Creación de redes colaborativas donde los repositorios de los grupos o centros es abierta y compartida dentro de los miembros de la institución y otras instituciones y comunidades científicas.</a:t>
+            </a:r>
+          </a:p>
+          <a:p>
+            <a:pPr algn="l">
+              <a:buFont typeface="Arial" panose="020B0604020202020204" pitchFamily="34" charset="0"/>
+              <a:buNone/>
+            </a:pPr>
+            <a:r>
+              <a:rPr lang="es-CO" b="0" i="0" dirty="0">
+                <a:solidFill>
+                  <a:srgbClr val="24292F"/>
+                </a:solidFill>
+                <a:effectLst/>
+                <a:latin typeface="-apple-system"/>
+              </a:rPr>
+              <a:t>Interacción directa entre grupos, profesores y estudiantes a través de discusiones.</a:t>
+            </a:r>
+          </a:p>
+          <a:p>
+            <a:pPr algn="l">
+              <a:buFont typeface="Arial" panose="020B0604020202020204" pitchFamily="34" charset="0"/>
+              <a:buNone/>
+            </a:pPr>
+            <a:r>
+              <a:rPr lang="es-CO" b="0" i="0" dirty="0">
+                <a:solidFill>
+                  <a:srgbClr val="24292F"/>
+                </a:solidFill>
+                <a:effectLst/>
+                <a:latin typeface="-apple-system"/>
+              </a:rPr>
+              <a:t>Facilidad de desarrollo en la solución de casos de estudio debido a que los miembros de la red pueden plantear diferentes formas de abordar el problema y se pueden obtener múltiples soluciones.</a:t>
+            </a:r>
+          </a:p>
+          <a:p>
+            <a:pPr algn="l">
+              <a:buFont typeface="Arial" panose="020B0604020202020204" pitchFamily="34" charset="0"/>
+              <a:buNone/>
+            </a:pPr>
+            <a:r>
+              <a:rPr lang="es-CO" b="0" i="0" dirty="0">
+                <a:solidFill>
+                  <a:srgbClr val="24292F"/>
+                </a:solidFill>
+                <a:effectLst/>
+                <a:latin typeface="-apple-system"/>
+              </a:rPr>
+              <a:t>El conocimiento compartido facilita los procesos de enseñanza y aprendizaje debido a que una vez se cuenta con la línea base de conocimiento, los miembros del equipo buscan nuevas formas de transmitir este conocimiento de una forma más asertiva.</a:t>
+            </a:r>
+          </a:p>
+          <a:p>
+            <a:r>
+              <a:rPr lang="es-CO" dirty="0"/>
+              <a:t>Agrega valor a todos los niveles de las organizaciones a las cuales pertenecen los colaboradores.</a:t>
+            </a:r>
+            <a:br>
+              <a:rPr lang="es-CO" sz="1200" dirty="0"/>
+            </a:br>
+            <a:endParaRPr lang="es-CO" sz="1000" dirty="0">
+              <a:latin typeface="Segoe UI Light" panose="020B0502040204020203" pitchFamily="34" charset="0"/>
+              <a:cs typeface="Segoe UI Light" panose="020B0502040204020203" pitchFamily="34" charset="0"/>
+            </a:endParaRPr>
+          </a:p>
+        </p:txBody>
+      </p:sp>
+      <p:sp>
+        <p:nvSpPr>
+          <p:cNvPr id="4" name="Slide Number Placeholder 3"/>
+          <p:cNvSpPr>
+            <a:spLocks noGrp="1"/>
+          </p:cNvSpPr>
+          <p:nvPr>
+            <p:ph type="sldNum" sz="quarter" idx="5"/>
+          </p:nvPr>
+        </p:nvSpPr>
+        <p:spPr/>
+        <p:txBody>
+          <a:bodyPr/>
+          <a:lstStyle/>
+          <a:p>
+            <a:pPr rtl="0"/>
+            <a:fld id="{810E1E9A-E921-4174-A0FC-51868D7AC568}" type="slidenum">
+              <a:rPr lang="es-ES" noProof="0" smtClean="0"/>
+              <a:t>5</a:t>
+            </a:fld>
+            <a:endParaRPr lang="es-ES" noProof="0" dirty="0"/>
+          </a:p>
+        </p:txBody>
+      </p:sp>
+    </p:spTree>
+    <p:extLst>
+      <p:ext uri="{BB962C8B-B14F-4D97-AF65-F5344CB8AC3E}">
+        <p14:creationId xmlns:p14="http://schemas.microsoft.com/office/powerpoint/2010/main" val="2767105915"/>
+      </p:ext>
+    </p:extLst>
+  </p:cSld>
+  <p:clrMapOvr>
+    <a:masterClrMapping/>
+  </p:clrMapOvr>
+</p:notes>
+</file>
+
+<file path=ppt/notesSlides/notesSlide4.xml><?xml version="1.0" encoding="utf-8"?>
+<p:notes xmlns:a="http://schemas.openxmlformats.org/drawingml/2006/main" xmlns:r="http://schemas.openxmlformats.org/officeDocument/2006/relationships" xmlns:p="http://schemas.openxmlformats.org/presentationml/2006/main">
+  <p:cSld>
+    <p:spTree>
+      <p:nvGrpSpPr>
+        <p:cNvPr id="1" name=""/>
+        <p:cNvGrpSpPr/>
+        <p:nvPr/>
+      </p:nvGrpSpPr>
+      <p:grpSpPr>
+        <a:xfrm>
+          <a:off x="0" y="0"/>
+          <a:ext cx="0" cy="0"/>
+          <a:chOff x="0" y="0"/>
+          <a:chExt cx="0" cy="0"/>
+        </a:xfrm>
+      </p:grpSpPr>
+      <p:sp>
+        <p:nvSpPr>
+          <p:cNvPr id="2" name="Slide Image Placeholder 1"/>
+          <p:cNvSpPr>
+            <a:spLocks noGrp="1" noRot="1" noChangeAspect="1"/>
+          </p:cNvSpPr>
+          <p:nvPr>
+            <p:ph type="sldImg"/>
+          </p:nvPr>
+        </p:nvSpPr>
+        <p:spPr/>
+      </p:sp>
+      <p:sp>
+        <p:nvSpPr>
+          <p:cNvPr id="3" name="Notes Placeholder 2"/>
+          <p:cNvSpPr>
+            <a:spLocks noGrp="1"/>
+          </p:cNvSpPr>
+          <p:nvPr>
+            <p:ph type="body" idx="1"/>
+          </p:nvPr>
+        </p:nvSpPr>
+        <p:spPr/>
+        <p:txBody>
+          <a:bodyPr/>
+          <a:lstStyle/>
+          <a:p>
+            <a:pPr algn="l">
+              <a:buFont typeface="Arial" panose="020B0604020202020204" pitchFamily="34" charset="0"/>
+              <a:buNone/>
+            </a:pPr>
+            <a:r>
+              <a:rPr lang="es-CO" sz="1200" b="0" i="0" dirty="0">
+                <a:solidFill>
+                  <a:srgbClr val="24292F"/>
+                </a:solidFill>
+                <a:effectLst/>
+                <a:latin typeface="-apple-system"/>
+              </a:rPr>
+              <a:t>La cooperación y colaboración son elementos vitales en el desarrollo de procesos creativos y producción de conocimiento.</a:t>
+            </a:r>
+            <a:endParaRPr lang="es-CO" sz="1200" dirty="0">
+              <a:latin typeface="Segoe UI Light" panose="020B0502040204020203" pitchFamily="34" charset="0"/>
+              <a:cs typeface="Segoe UI Light" panose="020B0502040204020203" pitchFamily="34" charset="0"/>
+            </a:endParaRPr>
+          </a:p>
+        </p:txBody>
+      </p:sp>
+      <p:sp>
+        <p:nvSpPr>
+          <p:cNvPr id="4" name="Slide Number Placeholder 3"/>
+          <p:cNvSpPr>
+            <a:spLocks noGrp="1"/>
+          </p:cNvSpPr>
+          <p:nvPr>
+            <p:ph type="sldNum" sz="quarter" idx="5"/>
+          </p:nvPr>
+        </p:nvSpPr>
+        <p:spPr/>
+        <p:txBody>
+          <a:bodyPr/>
+          <a:lstStyle/>
+          <a:p>
+            <a:pPr rtl="0"/>
+            <a:fld id="{810E1E9A-E921-4174-A0FC-51868D7AC568}" type="slidenum">
+              <a:rPr lang="es-ES" noProof="0" smtClean="0"/>
+              <a:t>6</a:t>
+            </a:fld>
+            <a:endParaRPr lang="es-ES" noProof="0" dirty="0"/>
+          </a:p>
+        </p:txBody>
+      </p:sp>
+    </p:spTree>
+    <p:extLst>
+      <p:ext uri="{BB962C8B-B14F-4D97-AF65-F5344CB8AC3E}">
+        <p14:creationId xmlns:p14="http://schemas.microsoft.com/office/powerpoint/2010/main" val="948185185"/>
+      </p:ext>
+    </p:extLst>
+  </p:cSld>
+  <p:clrMapOvr>
+    <a:masterClrMapping/>
+  </p:clrMapOvr>
+</p:notes>
+</file>
+
+<file path=ppt/notesSlides/notesSlide5.xml><?xml version="1.0" encoding="utf-8"?>
+<p:notes xmlns:a="http://schemas.openxmlformats.org/drawingml/2006/main" xmlns:r="http://schemas.openxmlformats.org/officeDocument/2006/relationships" xmlns:p="http://schemas.openxmlformats.org/presentationml/2006/main">
+  <p:cSld>
+    <p:spTree>
+      <p:nvGrpSpPr>
+        <p:cNvPr id="1" name=""/>
+        <p:cNvGrpSpPr/>
+        <p:nvPr/>
+      </p:nvGrpSpPr>
+      <p:grpSpPr>
+        <a:xfrm>
+          <a:off x="0" y="0"/>
+          <a:ext cx="0" cy="0"/>
+          <a:chOff x="0" y="0"/>
+          <a:chExt cx="0" cy="0"/>
+        </a:xfrm>
+      </p:grpSpPr>
+      <p:sp>
+        <p:nvSpPr>
+          <p:cNvPr id="2" name="Slide Image Placeholder 1"/>
+          <p:cNvSpPr>
+            <a:spLocks noGrp="1" noRot="1" noChangeAspect="1"/>
+          </p:cNvSpPr>
+          <p:nvPr>
+            <p:ph type="sldImg"/>
+          </p:nvPr>
+        </p:nvSpPr>
+        <p:spPr/>
+      </p:sp>
+      <p:sp>
+        <p:nvSpPr>
+          <p:cNvPr id="3" name="Notes Placeholder 2"/>
+          <p:cNvSpPr>
+            <a:spLocks noGrp="1"/>
+          </p:cNvSpPr>
+          <p:nvPr>
+            <p:ph type="body" idx="1"/>
+          </p:nvPr>
+        </p:nvSpPr>
+        <p:spPr/>
+        <p:txBody>
+          <a:bodyPr/>
+          <a:lstStyle/>
+          <a:p>
+            <a:pPr algn="l">
+              <a:buFont typeface="Arial" panose="020B0604020202020204" pitchFamily="34" charset="0"/>
+              <a:buNone/>
+            </a:pPr>
+            <a:r>
+              <a:rPr lang="es-CO" b="0" i="0" dirty="0">
+                <a:solidFill>
+                  <a:srgbClr val="24292F"/>
+                </a:solidFill>
+                <a:effectLst/>
+                <a:latin typeface="-apple-system"/>
+              </a:rPr>
+              <a:t>El desarrollo de contenidos bajo el esquema de desarrollo colaborativo, agrega valor a tu perfil profesional, a tu equipo de trabajo y a la organización a la que perteneces.</a:t>
+            </a:r>
+          </a:p>
+          <a:p>
+            <a:pPr algn="l">
+              <a:buFont typeface="Arial" panose="020B0604020202020204" pitchFamily="34" charset="0"/>
+              <a:buNone/>
+            </a:pPr>
+            <a:endParaRPr lang="es-CO" sz="1200" b="0" i="0" dirty="0">
+              <a:solidFill>
+                <a:srgbClr val="24292F"/>
+              </a:solidFill>
+              <a:effectLst/>
+              <a:latin typeface="-apple-system"/>
+              <a:cs typeface="Segoe UI Light" panose="020B0502040204020203" pitchFamily="34" charset="0"/>
+            </a:endParaRPr>
+          </a:p>
+          <a:p>
+            <a:r>
+              <a:rPr lang="es-CO" sz="1200" b="1" dirty="0">
+                <a:solidFill>
+                  <a:schemeClr val="bg1">
+                    <a:lumMod val="25000"/>
+                  </a:schemeClr>
+                </a:solidFill>
+                <a:latin typeface="Segoe UI" panose="020B0502040204020203" pitchFamily="34" charset="0"/>
+                <a:ea typeface="Segoe UI Black" panose="020B0A02040204020203" pitchFamily="34" charset="0"/>
+                <a:cs typeface="Segoe UI" panose="020B0502040204020203" pitchFamily="34" charset="0"/>
+              </a:rPr>
+              <a:t>¿Cómo?</a:t>
+            </a:r>
+          </a:p>
+          <a:p>
+            <a:endParaRPr lang="es-CO" sz="1200" dirty="0">
+              <a:solidFill>
+                <a:schemeClr val="bg1">
+                  <a:lumMod val="25000"/>
+                </a:schemeClr>
+              </a:solidFill>
+              <a:latin typeface="Segoe UI" panose="020B0502040204020203" pitchFamily="34" charset="0"/>
+              <a:ea typeface="Segoe UI Black" panose="020B0A02040204020203" pitchFamily="34" charset="0"/>
+              <a:cs typeface="Segoe UI" panose="020B0502040204020203" pitchFamily="34" charset="0"/>
+            </a:endParaRPr>
+          </a:p>
+          <a:p>
+            <a:r>
+              <a:rPr lang="es-CO" sz="1200" dirty="0">
+                <a:solidFill>
+                  <a:schemeClr val="bg1">
+                    <a:lumMod val="25000"/>
+                  </a:schemeClr>
+                </a:solidFill>
+                <a:latin typeface="Segoe UI" panose="020B0502040204020203" pitchFamily="34" charset="0"/>
+                <a:ea typeface="Segoe UI Black" panose="020B0A02040204020203" pitchFamily="34" charset="0"/>
+                <a:cs typeface="Segoe UI" panose="020B0502040204020203" pitchFamily="34" charset="0"/>
+              </a:rPr>
+              <a:t>En entornos educativos, múltiples profesores pueden enseñar la misma asignatura y a través del desarrollo colaborativo, pueden crear y desarrollar un curso global con un </a:t>
+            </a:r>
+            <a:r>
+              <a:rPr lang="es-CO" sz="1200" dirty="0" err="1">
+                <a:solidFill>
+                  <a:schemeClr val="bg1">
+                    <a:lumMod val="25000"/>
+                  </a:schemeClr>
+                </a:solidFill>
+                <a:latin typeface="Segoe UI" panose="020B0502040204020203" pitchFamily="34" charset="0"/>
+                <a:ea typeface="Segoe UI Black" panose="020B0A02040204020203" pitchFamily="34" charset="0"/>
+                <a:cs typeface="Segoe UI" panose="020B0502040204020203" pitchFamily="34" charset="0"/>
+              </a:rPr>
+              <a:t>micro-currículo</a:t>
+            </a:r>
+            <a:r>
+              <a:rPr lang="es-CO" sz="1200" dirty="0">
+                <a:solidFill>
+                  <a:schemeClr val="bg1">
+                    <a:lumMod val="25000"/>
+                  </a:schemeClr>
+                </a:solidFill>
+                <a:latin typeface="Segoe UI" panose="020B0502040204020203" pitchFamily="34" charset="0"/>
+                <a:ea typeface="Segoe UI Black" panose="020B0A02040204020203" pitchFamily="34" charset="0"/>
+                <a:cs typeface="Segoe UI" panose="020B0502040204020203" pitchFamily="34" charset="0"/>
+              </a:rPr>
+              <a:t> común que combine la experticia de los diferentes miembros del equipo.</a:t>
+            </a:r>
+          </a:p>
+          <a:p>
+            <a:pPr algn="l">
+              <a:buFont typeface="Arial" panose="020B0604020202020204" pitchFamily="34" charset="0"/>
+              <a:buNone/>
+            </a:pPr>
+            <a:endParaRPr lang="es-CO" sz="1200" b="0" i="0" dirty="0">
+              <a:solidFill>
+                <a:srgbClr val="24292F"/>
+              </a:solidFill>
+              <a:effectLst/>
+              <a:latin typeface="-apple-system"/>
+              <a:cs typeface="Segoe UI Light" panose="020B0502040204020203" pitchFamily="34" charset="0"/>
+            </a:endParaRPr>
+          </a:p>
+          <a:p>
+            <a:pPr algn="l">
+              <a:buFont typeface="Arial" panose="020B0604020202020204" pitchFamily="34" charset="0"/>
+              <a:buNone/>
+            </a:pPr>
+            <a:r>
+              <a:rPr lang="es-CO" sz="1200" b="0" i="0" dirty="0">
+                <a:solidFill>
+                  <a:srgbClr val="24292F"/>
+                </a:solidFill>
+                <a:effectLst/>
+                <a:latin typeface="-apple-system"/>
+                <a:cs typeface="Segoe UI Light" panose="020B0502040204020203" pitchFamily="34" charset="0"/>
+              </a:rPr>
+              <a:t>El valor que obtienes como creador de contenidos compartidos es poder incluir tus participaciones en tu portafolio personal referenciando los diferentes repositorios creados.</a:t>
+            </a:r>
+          </a:p>
+        </p:txBody>
+      </p:sp>
+      <p:sp>
+        <p:nvSpPr>
+          <p:cNvPr id="4" name="Slide Number Placeholder 3"/>
+          <p:cNvSpPr>
+            <a:spLocks noGrp="1"/>
+          </p:cNvSpPr>
+          <p:nvPr>
+            <p:ph type="sldNum" sz="quarter" idx="5"/>
+          </p:nvPr>
+        </p:nvSpPr>
+        <p:spPr/>
+        <p:txBody>
+          <a:bodyPr/>
+          <a:lstStyle/>
+          <a:p>
+            <a:pPr rtl="0"/>
+            <a:fld id="{810E1E9A-E921-4174-A0FC-51868D7AC568}" type="slidenum">
+              <a:rPr lang="es-ES" noProof="0" smtClean="0"/>
+              <a:t>7</a:t>
+            </a:fld>
+            <a:endParaRPr lang="es-ES" noProof="0" dirty="0"/>
+          </a:p>
+        </p:txBody>
+      </p:sp>
+    </p:spTree>
+    <p:extLst>
+      <p:ext uri="{BB962C8B-B14F-4D97-AF65-F5344CB8AC3E}">
+        <p14:creationId xmlns:p14="http://schemas.microsoft.com/office/powerpoint/2010/main" val="295051074"/>
+      </p:ext>
+    </p:extLst>
+  </p:cSld>
+  <p:clrMapOvr>
+    <a:masterClrMapping/>
+  </p:clrMapOvr>
+</p:notes>
+</file>
+
+<file path=ppt/notesSlides/notesSlide6.xml><?xml version="1.0" encoding="utf-8"?>
+<p:notes xmlns:a="http://schemas.openxmlformats.org/drawingml/2006/main" xmlns:r="http://schemas.openxmlformats.org/officeDocument/2006/relationships" xmlns:p="http://schemas.openxmlformats.org/presentationml/2006/main">
+  <p:cSld>
+    <p:spTree>
+      <p:nvGrpSpPr>
+        <p:cNvPr id="1" name=""/>
+        <p:cNvGrpSpPr/>
+        <p:nvPr/>
+      </p:nvGrpSpPr>
+      <p:grpSpPr>
+        <a:xfrm>
+          <a:off x="0" y="0"/>
+          <a:ext cx="0" cy="0"/>
+          <a:chOff x="0" y="0"/>
+          <a:chExt cx="0" cy="0"/>
+        </a:xfrm>
+      </p:grpSpPr>
+      <p:sp>
+        <p:nvSpPr>
+          <p:cNvPr id="2" name="Slide Image Placeholder 1"/>
+          <p:cNvSpPr>
+            <a:spLocks noGrp="1" noRot="1" noChangeAspect="1"/>
+          </p:cNvSpPr>
+          <p:nvPr>
+            <p:ph type="sldImg"/>
+          </p:nvPr>
+        </p:nvSpPr>
+        <p:spPr/>
+      </p:sp>
+      <p:sp>
+        <p:nvSpPr>
+          <p:cNvPr id="3" name="Notes Placeholder 2"/>
+          <p:cNvSpPr>
+            <a:spLocks noGrp="1"/>
+          </p:cNvSpPr>
+          <p:nvPr>
+            <p:ph type="body" idx="1"/>
+          </p:nvPr>
+        </p:nvSpPr>
+        <p:spPr/>
+        <p:txBody>
+          <a:bodyPr/>
+          <a:lstStyle/>
+          <a:p>
+            <a:r>
+              <a:rPr lang="es-CO" sz="1200" b="1" dirty="0">
+                <a:solidFill>
+                  <a:schemeClr val="bg1">
+                    <a:lumMod val="25000"/>
+                  </a:schemeClr>
+                </a:solidFill>
+                <a:latin typeface="Segoe UI" panose="020B0502040204020203" pitchFamily="34" charset="0"/>
+                <a:ea typeface="Segoe UI Black" panose="020B0A02040204020203" pitchFamily="34" charset="0"/>
+                <a:cs typeface="Segoe UI" panose="020B0502040204020203" pitchFamily="34" charset="0"/>
+              </a:rPr>
+              <a:t>¿Cómo?</a:t>
+            </a:r>
+          </a:p>
+          <a:p>
+            <a:endParaRPr lang="es-CO" sz="1200" dirty="0">
+              <a:solidFill>
+                <a:schemeClr val="bg1">
+                  <a:lumMod val="25000"/>
+                </a:schemeClr>
+              </a:solidFill>
+              <a:latin typeface="Segoe UI" panose="020B0502040204020203" pitchFamily="34" charset="0"/>
+              <a:ea typeface="Segoe UI Black" panose="020B0A02040204020203" pitchFamily="34" charset="0"/>
+              <a:cs typeface="Segoe UI" panose="020B0502040204020203" pitchFamily="34" charset="0"/>
+            </a:endParaRPr>
+          </a:p>
+          <a:p>
+            <a:r>
+              <a:rPr lang="es-CO" b="0" i="0" dirty="0">
+                <a:solidFill>
+                  <a:srgbClr val="24292F"/>
+                </a:solidFill>
+                <a:effectLst/>
+                <a:latin typeface="-apple-system"/>
+              </a:rPr>
+              <a:t>Un equipo de trabajo organizado y multidisciplinar, estará al tanto de nuevos métodos y herramientas que podrá implementar en contenidos existentes dentro de la organización.</a:t>
+            </a:r>
+            <a:endParaRPr lang="es-CO" sz="1200" b="0" i="0" dirty="0">
+              <a:solidFill>
+                <a:srgbClr val="24292F"/>
+              </a:solidFill>
+              <a:effectLst/>
+              <a:latin typeface="-apple-system"/>
+              <a:cs typeface="Segoe UI Light" panose="020B0502040204020203" pitchFamily="34" charset="0"/>
+            </a:endParaRPr>
+          </a:p>
+        </p:txBody>
+      </p:sp>
+      <p:sp>
+        <p:nvSpPr>
+          <p:cNvPr id="4" name="Slide Number Placeholder 3"/>
+          <p:cNvSpPr>
+            <a:spLocks noGrp="1"/>
+          </p:cNvSpPr>
+          <p:nvPr>
+            <p:ph type="sldNum" sz="quarter" idx="5"/>
+          </p:nvPr>
+        </p:nvSpPr>
+        <p:spPr/>
+        <p:txBody>
+          <a:bodyPr/>
+          <a:lstStyle/>
+          <a:p>
+            <a:pPr rtl="0"/>
+            <a:fld id="{810E1E9A-E921-4174-A0FC-51868D7AC568}" type="slidenum">
+              <a:rPr lang="es-ES" noProof="0" smtClean="0"/>
+              <a:t>8</a:t>
+            </a:fld>
+            <a:endParaRPr lang="es-ES" noProof="0" dirty="0"/>
+          </a:p>
+        </p:txBody>
+      </p:sp>
+    </p:spTree>
+    <p:extLst>
+      <p:ext uri="{BB962C8B-B14F-4D97-AF65-F5344CB8AC3E}">
+        <p14:creationId xmlns:p14="http://schemas.microsoft.com/office/powerpoint/2010/main" val="3153220204"/>
+      </p:ext>
+    </p:extLst>
+  </p:cSld>
+  <p:clrMapOvr>
+    <a:masterClrMapping/>
+  </p:clrMapOvr>
+</p:notes>
+</file>
+
+<file path=ppt/notesSlides/notesSlide7.xml><?xml version="1.0" encoding="utf-8"?>
+<p:notes xmlns:a="http://schemas.openxmlformats.org/drawingml/2006/main" xmlns:r="http://schemas.openxmlformats.org/officeDocument/2006/relationships" xmlns:p="http://schemas.openxmlformats.org/presentationml/2006/main">
+  <p:cSld>
+    <p:spTree>
+      <p:nvGrpSpPr>
+        <p:cNvPr id="1" name=""/>
+        <p:cNvGrpSpPr/>
+        <p:nvPr/>
+      </p:nvGrpSpPr>
+      <p:grpSpPr>
+        <a:xfrm>
+          <a:off x="0" y="0"/>
+          <a:ext cx="0" cy="0"/>
+          <a:chOff x="0" y="0"/>
+          <a:chExt cx="0" cy="0"/>
+        </a:xfrm>
+      </p:grpSpPr>
+      <p:sp>
+        <p:nvSpPr>
+          <p:cNvPr id="2" name="Slide Image Placeholder 1"/>
+          <p:cNvSpPr>
+            <a:spLocks noGrp="1" noRot="1" noChangeAspect="1"/>
+          </p:cNvSpPr>
+          <p:nvPr>
+            <p:ph type="sldImg"/>
+          </p:nvPr>
+        </p:nvSpPr>
+        <p:spPr/>
+      </p:sp>
+      <p:sp>
+        <p:nvSpPr>
+          <p:cNvPr id="3" name="Notes Placeholder 2"/>
+          <p:cNvSpPr>
+            <a:spLocks noGrp="1"/>
+          </p:cNvSpPr>
+          <p:nvPr>
+            <p:ph type="body" idx="1"/>
+          </p:nvPr>
+        </p:nvSpPr>
+        <p:spPr/>
+        <p:txBody>
+          <a:bodyPr/>
+          <a:lstStyle/>
+          <a:p>
+            <a:r>
+              <a:rPr lang="es-CO" sz="1200" b="1" dirty="0">
+                <a:solidFill>
+                  <a:schemeClr val="bg1">
+                    <a:lumMod val="25000"/>
+                  </a:schemeClr>
+                </a:solidFill>
+                <a:latin typeface="Segoe UI" panose="020B0502040204020203" pitchFamily="34" charset="0"/>
+                <a:ea typeface="Segoe UI Black" panose="020B0A02040204020203" pitchFamily="34" charset="0"/>
+                <a:cs typeface="Segoe UI" panose="020B0502040204020203" pitchFamily="34" charset="0"/>
+              </a:rPr>
+              <a:t>¿Cómo?</a:t>
+            </a:r>
+          </a:p>
+          <a:p>
+            <a:endParaRPr lang="es-CO" sz="1200" dirty="0">
+              <a:solidFill>
+                <a:schemeClr val="bg1">
+                  <a:lumMod val="25000"/>
+                </a:schemeClr>
+              </a:solidFill>
+              <a:latin typeface="Segoe UI" panose="020B0502040204020203" pitchFamily="34" charset="0"/>
+              <a:ea typeface="Segoe UI Black" panose="020B0A02040204020203" pitchFamily="34" charset="0"/>
+              <a:cs typeface="Segoe UI" panose="020B0502040204020203" pitchFamily="34" charset="0"/>
+            </a:endParaRPr>
+          </a:p>
+          <a:p>
+            <a:r>
+              <a:rPr lang="es-CO" b="0" i="0" dirty="0">
+                <a:solidFill>
+                  <a:srgbClr val="24292F"/>
+                </a:solidFill>
+                <a:effectLst/>
+                <a:latin typeface="-apple-system"/>
+              </a:rPr>
+              <a:t>Al desarrollar una investigación, crear un curso, escribir un libro o participar en un proyecto, crea un repositorio documentado e invita a otros miembros de tu equipo y organización a colaborar.</a:t>
+            </a:r>
+            <a:endParaRPr lang="es-CO" sz="1200" b="0" i="0" dirty="0">
+              <a:solidFill>
+                <a:srgbClr val="24292F"/>
+              </a:solidFill>
+              <a:effectLst/>
+              <a:latin typeface="-apple-system"/>
+              <a:cs typeface="Segoe UI Light" panose="020B0502040204020203" pitchFamily="34" charset="0"/>
+            </a:endParaRPr>
+          </a:p>
+        </p:txBody>
+      </p:sp>
+      <p:sp>
+        <p:nvSpPr>
+          <p:cNvPr id="4" name="Slide Number Placeholder 3"/>
+          <p:cNvSpPr>
+            <a:spLocks noGrp="1"/>
+          </p:cNvSpPr>
+          <p:nvPr>
+            <p:ph type="sldNum" sz="quarter" idx="5"/>
+          </p:nvPr>
+        </p:nvSpPr>
+        <p:spPr/>
+        <p:txBody>
+          <a:bodyPr/>
+          <a:lstStyle/>
+          <a:p>
+            <a:pPr rtl="0"/>
+            <a:fld id="{810E1E9A-E921-4174-A0FC-51868D7AC568}" type="slidenum">
+              <a:rPr lang="es-ES" noProof="0" smtClean="0"/>
+              <a:t>9</a:t>
+            </a:fld>
+            <a:endParaRPr lang="es-ES" noProof="0" dirty="0"/>
+          </a:p>
+        </p:txBody>
+      </p:sp>
+    </p:spTree>
+    <p:extLst>
+      <p:ext uri="{BB962C8B-B14F-4D97-AF65-F5344CB8AC3E}">
+        <p14:creationId xmlns:p14="http://schemas.microsoft.com/office/powerpoint/2010/main" val="2219993216"/>
+      </p:ext>
+    </p:extLst>
+  </p:cSld>
+  <p:clrMapOvr>
+    <a:masterClrMapping/>
+  </p:clrMapOvr>
+</p:notes>
+</file>
+
+<file path=ppt/notesSlides/notesSlide8.xml><?xml version="1.0" encoding="utf-8"?>
+<p:notes xmlns:a="http://schemas.openxmlformats.org/drawingml/2006/main" xmlns:r="http://schemas.openxmlformats.org/officeDocument/2006/relationships" xmlns:p="http://schemas.openxmlformats.org/presentationml/2006/main">
+  <p:cSld>
+    <p:spTree>
+      <p:nvGrpSpPr>
+        <p:cNvPr id="1" name=""/>
+        <p:cNvGrpSpPr/>
+        <p:nvPr/>
+      </p:nvGrpSpPr>
+      <p:grpSpPr>
+        <a:xfrm>
+          <a:off x="0" y="0"/>
+          <a:ext cx="0" cy="0"/>
+          <a:chOff x="0" y="0"/>
+          <a:chExt cx="0" cy="0"/>
+        </a:xfrm>
+      </p:grpSpPr>
+      <p:sp>
+        <p:nvSpPr>
+          <p:cNvPr id="2" name="Slide Image Placeholder 1"/>
+          <p:cNvSpPr>
+            <a:spLocks noGrp="1" noRot="1" noChangeAspect="1"/>
+          </p:cNvSpPr>
+          <p:nvPr>
+            <p:ph type="sldImg"/>
+          </p:nvPr>
+        </p:nvSpPr>
+        <p:spPr/>
+      </p:sp>
+      <p:sp>
+        <p:nvSpPr>
+          <p:cNvPr id="3" name="Notes Placeholder 2"/>
+          <p:cNvSpPr>
+            <a:spLocks noGrp="1"/>
+          </p:cNvSpPr>
+          <p:nvPr>
+            <p:ph type="body" idx="1"/>
+          </p:nvPr>
+        </p:nvSpPr>
+        <p:spPr/>
+        <p:txBody>
+          <a:bodyPr/>
+          <a:lstStyle/>
+          <a:p>
+            <a:r>
+              <a:rPr lang="es-CO" sz="1200" b="1" dirty="0">
+                <a:solidFill>
+                  <a:schemeClr val="bg1">
+                    <a:lumMod val="25000"/>
+                  </a:schemeClr>
+                </a:solidFill>
+                <a:latin typeface="Segoe UI" panose="020B0502040204020203" pitchFamily="34" charset="0"/>
+                <a:ea typeface="Segoe UI Black" panose="020B0A02040204020203" pitchFamily="34" charset="0"/>
+                <a:cs typeface="Segoe UI" panose="020B0502040204020203" pitchFamily="34" charset="0"/>
+              </a:rPr>
+              <a:t>¿Cómo?</a:t>
+            </a:r>
+          </a:p>
+          <a:p>
+            <a:endParaRPr lang="es-CO" sz="1200" dirty="0">
+              <a:solidFill>
+                <a:schemeClr val="bg1">
+                  <a:lumMod val="25000"/>
+                </a:schemeClr>
+              </a:solidFill>
+              <a:latin typeface="Segoe UI" panose="020B0502040204020203" pitchFamily="34" charset="0"/>
+              <a:ea typeface="Segoe UI Black" panose="020B0A02040204020203" pitchFamily="34" charset="0"/>
+              <a:cs typeface="Segoe UI" panose="020B0502040204020203" pitchFamily="34" charset="0"/>
+            </a:endParaRPr>
+          </a:p>
+          <a:p>
+            <a:r>
+              <a:rPr lang="es-CO" b="0" i="0" dirty="0">
+                <a:solidFill>
+                  <a:srgbClr val="24292F"/>
+                </a:solidFill>
+                <a:effectLst/>
+                <a:latin typeface="-apple-system"/>
+              </a:rPr>
+              <a:t>Crea centros de discusión en cada repositorio para documentar la interacción entre los miembros y usuarios, publica frecuentemente noticias para mantener actualizada a tu comunidad.</a:t>
+            </a:r>
+            <a:endParaRPr lang="es-CO" sz="1200" b="0" i="0" dirty="0">
+              <a:solidFill>
+                <a:srgbClr val="24292F"/>
+              </a:solidFill>
+              <a:effectLst/>
+              <a:latin typeface="-apple-system"/>
+              <a:cs typeface="Segoe UI Light" panose="020B0502040204020203" pitchFamily="34" charset="0"/>
+            </a:endParaRPr>
+          </a:p>
+        </p:txBody>
+      </p:sp>
+      <p:sp>
+        <p:nvSpPr>
+          <p:cNvPr id="4" name="Slide Number Placeholder 3"/>
+          <p:cNvSpPr>
+            <a:spLocks noGrp="1"/>
+          </p:cNvSpPr>
+          <p:nvPr>
+            <p:ph type="sldNum" sz="quarter" idx="5"/>
+          </p:nvPr>
+        </p:nvSpPr>
+        <p:spPr/>
+        <p:txBody>
+          <a:bodyPr/>
+          <a:lstStyle/>
+          <a:p>
+            <a:pPr rtl="0"/>
+            <a:fld id="{810E1E9A-E921-4174-A0FC-51868D7AC568}" type="slidenum">
+              <a:rPr lang="es-ES" noProof="0" smtClean="0"/>
+              <a:t>10</a:t>
+            </a:fld>
+            <a:endParaRPr lang="es-ES" noProof="0" dirty="0"/>
+          </a:p>
+        </p:txBody>
+      </p:sp>
+    </p:spTree>
+    <p:extLst>
+      <p:ext uri="{BB962C8B-B14F-4D97-AF65-F5344CB8AC3E}">
+        <p14:creationId xmlns:p14="http://schemas.microsoft.com/office/powerpoint/2010/main" val="2788241539"/>
+      </p:ext>
+    </p:extLst>
+  </p:cSld>
+  <p:clrMapOvr>
+    <a:masterClrMapping/>
+  </p:clrMapOvr>
+</p:notes>
+</file>
+
+<file path=ppt/notesSlides/notesSlide9.xml><?xml version="1.0" encoding="utf-8"?>
+<p:notes xmlns:a="http://schemas.openxmlformats.org/drawingml/2006/main" xmlns:r="http://schemas.openxmlformats.org/officeDocument/2006/relationships" xmlns:p="http://schemas.openxmlformats.org/presentationml/2006/main">
+  <p:cSld>
+    <p:spTree>
+      <p:nvGrpSpPr>
+        <p:cNvPr id="1" name=""/>
+        <p:cNvGrpSpPr/>
+        <p:nvPr/>
+      </p:nvGrpSpPr>
+      <p:grpSpPr>
+        <a:xfrm>
+          <a:off x="0" y="0"/>
+          <a:ext cx="0" cy="0"/>
+          <a:chOff x="0" y="0"/>
+          <a:chExt cx="0" cy="0"/>
+        </a:xfrm>
+      </p:grpSpPr>
+      <p:sp>
+        <p:nvSpPr>
+          <p:cNvPr id="2" name="Slide Image Placeholder 1"/>
+          <p:cNvSpPr>
+            <a:spLocks noGrp="1" noRot="1" noChangeAspect="1"/>
+          </p:cNvSpPr>
+          <p:nvPr>
+            <p:ph type="sldImg"/>
+          </p:nvPr>
+        </p:nvSpPr>
+        <p:spPr/>
+      </p:sp>
+      <p:sp>
+        <p:nvSpPr>
+          <p:cNvPr id="3" name="Notes Placeholder 2"/>
+          <p:cNvSpPr>
+            <a:spLocks noGrp="1"/>
+          </p:cNvSpPr>
+          <p:nvPr>
+            <p:ph type="body" idx="1"/>
+          </p:nvPr>
+        </p:nvSpPr>
+        <p:spPr/>
+        <p:txBody>
+          <a:bodyPr/>
+          <a:lstStyle/>
+          <a:p>
+            <a:r>
+              <a:rPr lang="es-CO" sz="1200" b="1" dirty="0">
+                <a:solidFill>
+                  <a:schemeClr val="bg1">
+                    <a:lumMod val="25000"/>
+                  </a:schemeClr>
+                </a:solidFill>
+                <a:latin typeface="Segoe UI" panose="020B0502040204020203" pitchFamily="34" charset="0"/>
+                <a:ea typeface="Segoe UI Black" panose="020B0A02040204020203" pitchFamily="34" charset="0"/>
+                <a:cs typeface="Segoe UI" panose="020B0502040204020203" pitchFamily="34" charset="0"/>
+              </a:rPr>
+              <a:t>¿Cómo?</a:t>
+            </a:r>
+          </a:p>
+          <a:p>
+            <a:endParaRPr lang="es-CO" sz="1200" dirty="0">
+              <a:solidFill>
+                <a:schemeClr val="bg1">
+                  <a:lumMod val="25000"/>
+                </a:schemeClr>
+              </a:solidFill>
+              <a:latin typeface="Segoe UI" panose="020B0502040204020203" pitchFamily="34" charset="0"/>
+              <a:ea typeface="Segoe UI Black" panose="020B0A02040204020203" pitchFamily="34" charset="0"/>
+              <a:cs typeface="Segoe UI" panose="020B0502040204020203" pitchFamily="34" charset="0"/>
+            </a:endParaRPr>
+          </a:p>
+          <a:p>
+            <a:r>
+              <a:rPr lang="es-CO" b="0" i="0" dirty="0">
+                <a:solidFill>
+                  <a:srgbClr val="24292F"/>
+                </a:solidFill>
+                <a:effectLst/>
+                <a:latin typeface="-apple-system"/>
+              </a:rPr>
+              <a:t>Crea centros de discusión en cada repositorio para documentar la interacción entre los miembros y usuarios, publica frecuentemente noticias para mantener actualizada a tu comunidad.</a:t>
+            </a:r>
+            <a:endParaRPr lang="es-CO" sz="1200" b="0" i="0" dirty="0">
+              <a:solidFill>
+                <a:srgbClr val="24292F"/>
+              </a:solidFill>
+              <a:effectLst/>
+              <a:latin typeface="-apple-system"/>
+              <a:cs typeface="Segoe UI Light" panose="020B0502040204020203" pitchFamily="34" charset="0"/>
+            </a:endParaRPr>
+          </a:p>
+        </p:txBody>
+      </p:sp>
+      <p:sp>
+        <p:nvSpPr>
+          <p:cNvPr id="4" name="Slide Number Placeholder 3"/>
+          <p:cNvSpPr>
+            <a:spLocks noGrp="1"/>
+          </p:cNvSpPr>
+          <p:nvPr>
+            <p:ph type="sldNum" sz="quarter" idx="5"/>
+          </p:nvPr>
+        </p:nvSpPr>
+        <p:spPr/>
+        <p:txBody>
+          <a:bodyPr/>
+          <a:lstStyle/>
+          <a:p>
+            <a:pPr rtl="0"/>
+            <a:fld id="{810E1E9A-E921-4174-A0FC-51868D7AC568}" type="slidenum">
+              <a:rPr lang="es-ES" noProof="0" smtClean="0"/>
+              <a:t>11</a:t>
+            </a:fld>
+            <a:endParaRPr lang="es-ES" noProof="0" dirty="0"/>
+          </a:p>
+        </p:txBody>
+      </p:sp>
+    </p:spTree>
+    <p:extLst>
+      <p:ext uri="{BB962C8B-B14F-4D97-AF65-F5344CB8AC3E}">
+        <p14:creationId xmlns:p14="http://schemas.microsoft.com/office/powerpoint/2010/main" val="1133735133"/>
+      </p:ext>
+    </p:extLst>
+  </p:cSld>
+  <p:clrMapOvr>
+    <a:masterClrMapping/>
+  </p:clrMapOvr>
+</p:notes>
+</file>
+
 <file path=ppt/slideLayouts/slideLayout1.xml><?xml version="1.0" encoding="utf-8"?>
 <p:sldLayout xmlns:a="http://schemas.openxmlformats.org/drawingml/2006/main" xmlns:r="http://schemas.openxmlformats.org/officeDocument/2006/relationships" xmlns:p="http://schemas.openxmlformats.org/presentationml/2006/main" preserve="1" userDrawn="1">
   <p:cSld name="Diapositiva de bienvenida e introducción">
@@ -811,7 +2056,7 @@
             <a:pPr rtl="0"/>
             <a:fld id="{55224D71-97F5-4B9D-B11B-235152E09E96}" type="datetime1">
               <a:rPr lang="es-ES" noProof="0" smtClean="0"/>
-              <a:t>15/09/2022</a:t>
+              <a:t>21/09/2022</a:t>
             </a:fld>
             <a:endParaRPr lang="es-ES" noProof="0" dirty="0"/>
           </a:p>
@@ -1160,7 +2405,7 @@
             <a:pPr rtl="0"/>
             <a:fld id="{2AB3A384-AAB1-4A76-A43B-EFE930A802BF}" type="datetime1">
               <a:rPr lang="es-ES" noProof="0" smtClean="0"/>
-              <a:t>15/09/2022</a:t>
+              <a:t>21/09/2022</a:t>
             </a:fld>
             <a:endParaRPr lang="es-ES" noProof="0" dirty="0"/>
           </a:p>
@@ -1302,7 +2547,7 @@
             <a:pPr rtl="0"/>
             <a:fld id="{95F109E8-29A7-4A4D-BBAF-954B5246DC6B}" type="datetime1">
               <a:rPr lang="es-ES" noProof="0" smtClean="0"/>
-              <a:t>15/09/2022</a:t>
+              <a:t>21/09/2022</a:t>
             </a:fld>
             <a:endParaRPr lang="es-ES" noProof="0" dirty="0"/>
           </a:p>
@@ -1416,7 +2661,7 @@
             <a:pPr rtl="0"/>
             <a:fld id="{3EDF4B7F-437B-43B6-8193-868254AADFEB}" type="datetime1">
               <a:rPr lang="es-ES" noProof="0" smtClean="0"/>
-              <a:t>15/09/2022</a:t>
+              <a:t>21/09/2022</a:t>
             </a:fld>
             <a:endParaRPr lang="es-ES" noProof="0" dirty="0"/>
           </a:p>
@@ -1716,7 +2961,7 @@
             <a:pPr rtl="0"/>
             <a:fld id="{5FD9D2A0-9803-4B3F-A6B6-606959F35242}" type="datetime1">
               <a:rPr lang="es-ES" noProof="0" smtClean="0"/>
-              <a:t>15/09/2022</a:t>
+              <a:t>21/09/2022</a:t>
             </a:fld>
             <a:endParaRPr lang="es-ES" noProof="0" dirty="0"/>
           </a:p>
@@ -1987,7 +3232,7 @@
             <a:pPr rtl="0"/>
             <a:fld id="{B48CB6FA-6884-4007-A174-A67BE7A1CA93}" type="datetime1">
               <a:rPr lang="es-ES" noProof="0" smtClean="0"/>
-              <a:t>15/09/2022</a:t>
+              <a:t>21/09/2022</a:t>
             </a:fld>
             <a:endParaRPr lang="es-ES" noProof="0" dirty="0"/>
           </a:p>
@@ -2258,7 +3503,7 @@
             <a:pPr rtl="0"/>
             <a:fld id="{DCA87387-1199-4F13-92EC-EA845724990E}" type="datetime1">
               <a:rPr lang="es-ES" noProof="0" smtClean="0"/>
-              <a:t>15/09/2022</a:t>
+              <a:t>21/09/2022</a:t>
             </a:fld>
             <a:endParaRPr lang="es-ES" noProof="0" dirty="0"/>
           </a:p>
@@ -2436,7 +3681,7 @@
             <a:pPr rtl="0"/>
             <a:fld id="{0277B9E3-6C0A-45A5-BAE5-CD19B242173D}" type="datetime1">
               <a:rPr lang="es-ES" noProof="0" smtClean="0"/>
-              <a:t>15/09/2022</a:t>
+              <a:t>21/09/2022</a:t>
             </a:fld>
             <a:endParaRPr lang="es-ES" noProof="0" dirty="0"/>
           </a:p>
@@ -2624,7 +3869,7 @@
             <a:pPr rtl="0"/>
             <a:fld id="{AB41DD2C-FA4F-413E-A1B5-23565A0780B7}" type="datetime1">
               <a:rPr lang="es-ES" noProof="0" smtClean="0"/>
-              <a:t>15/09/2022</a:t>
+              <a:t>21/09/2022</a:t>
             </a:fld>
             <a:endParaRPr lang="es-ES" noProof="0" dirty="0"/>
           </a:p>
@@ -2874,7 +4119,7 @@
             <a:pPr rtl="0"/>
             <a:fld id="{0D82DBE2-B5E9-4999-A9C0-55ED93FCE73D}" type="datetime1">
               <a:rPr lang="es-ES" noProof="0" smtClean="0"/>
-              <a:t>15/09/2022</a:t>
+              <a:t>21/09/2022</a:t>
             </a:fld>
             <a:endParaRPr lang="es-ES" noProof="0" dirty="0"/>
           </a:p>
@@ -3124,7 +4369,7 @@
             <a:pPr rtl="0"/>
             <a:fld id="{89B7BC24-C90D-4DAD-A6CB-BBA58C4D57BB}" type="datetime1">
               <a:rPr lang="es-ES" noProof="0" smtClean="0"/>
-              <a:t>15/09/2022</a:t>
+              <a:t>21/09/2022</a:t>
             </a:fld>
             <a:endParaRPr lang="es-ES" noProof="0" dirty="0"/>
           </a:p>
@@ -3387,7 +4632,7 @@
             <a:pPr rtl="0"/>
             <a:fld id="{217D4995-77A4-48E5-92B1-2DC992A39FBB}" type="datetime1">
               <a:rPr lang="es-ES" noProof="0" smtClean="0"/>
-              <a:t>15/09/2022</a:t>
+              <a:t>21/09/2022</a:t>
             </a:fld>
             <a:endParaRPr lang="es-ES" noProof="0" dirty="0"/>
           </a:p>
@@ -3661,7 +4906,7 @@
             <a:pPr rtl="0"/>
             <a:fld id="{AE8112B3-1F24-452F-80DE-56BF301098EC}" type="datetime1">
               <a:rPr lang="es-ES" noProof="0" smtClean="0"/>
-              <a:t>15/09/2022</a:t>
+              <a:t>21/09/2022</a:t>
             </a:fld>
             <a:endParaRPr lang="es-ES" noProof="0" dirty="0"/>
           </a:p>
@@ -4027,7 +5272,7 @@
             <a:pPr rtl="0"/>
             <a:fld id="{39B46DA2-8C2E-44C4-A865-CD3D33CFD45F}" type="datetime1">
               <a:rPr lang="es-ES" noProof="0" smtClean="0"/>
-              <a:t>15/09/2022</a:t>
+              <a:t>21/09/2022</a:t>
             </a:fld>
             <a:endParaRPr lang="es-ES" noProof="0" dirty="0"/>
           </a:p>
@@ -4382,7 +5627,7 @@
             <a:pPr rtl="0"/>
             <a:fld id="{D1525062-C568-4AE5-A98F-45E6D6D3E9AC}" type="datetime1">
               <a:rPr lang="es-ES" noProof="0" smtClean="0"/>
-              <a:t>15/09/2022</a:t>
+              <a:t>21/09/2022</a:t>
             </a:fld>
             <a:endParaRPr lang="es-ES" noProof="0" dirty="0"/>
           </a:p>
@@ -4877,7 +6122,7 @@
             <a:pPr rtl="0"/>
             <a:fld id="{8EBA81B0-EA87-4E7B-A74D-942650D6BCED}" type="datetime1">
               <a:rPr lang="es-ES" noProof="0" smtClean="0"/>
-              <a:t>15/09/2022</a:t>
+              <a:t>21/09/2022</a:t>
             </a:fld>
             <a:endParaRPr lang="es-ES" noProof="0" dirty="0"/>
           </a:p>
@@ -5372,7 +6617,7 @@
             <a:pPr rtl="0"/>
             <a:fld id="{F6653BDA-CE15-46D4-A5A4-C9E9758DEFB2}" type="datetime1">
               <a:rPr lang="es-ES" noProof="0" smtClean="0"/>
-              <a:t>15/09/2022</a:t>
+              <a:t>21/09/2022</a:t>
             </a:fld>
             <a:endParaRPr lang="es-ES" noProof="0" dirty="0"/>
           </a:p>
@@ -5596,7 +6841,7 @@
             <a:pPr rtl="0"/>
             <a:fld id="{72696FBB-EB5C-4293-9014-59E70AE1A5E6}" type="datetime1">
               <a:rPr lang="es-ES" noProof="0" smtClean="0"/>
-              <a:t>15/09/2022</a:t>
+              <a:t>21/09/2022</a:t>
             </a:fld>
             <a:endParaRPr lang="es-ES" noProof="0" dirty="0"/>
           </a:p>
@@ -6054,8 +7299,8 @@
         </p:blipFill>
         <p:spPr>
           <a:xfrm>
-            <a:off x="2080704" y="1419785"/>
-            <a:ext cx="8030591" cy="4018430"/>
+            <a:off x="1419650" y="1089000"/>
+            <a:ext cx="9352699" cy="4680000"/>
           </a:xfrm>
           <a:prstGeom prst="rect">
             <a:avLst/>
@@ -6066,6 +7311,566 @@
     <p:extLst>
       <p:ext uri="{BB962C8B-B14F-4D97-AF65-F5344CB8AC3E}">
         <p14:creationId xmlns:p14="http://schemas.microsoft.com/office/powerpoint/2010/main" val="451387599"/>
+      </p:ext>
+    </p:extLst>
+  </p:cSld>
+  <p:clrMapOvr>
+    <a:masterClrMapping/>
+  </p:clrMapOvr>
+</p:sld>
+</file>
+
+<file path=ppt/slides/slide10.xml><?xml version="1.0" encoding="utf-8"?>
+<p:sld xmlns:a="http://schemas.openxmlformats.org/drawingml/2006/main" xmlns:r="http://schemas.openxmlformats.org/officeDocument/2006/relationships" xmlns:p="http://schemas.openxmlformats.org/presentationml/2006/main">
+  <p:cSld>
+    <p:spTree>
+      <p:nvGrpSpPr>
+        <p:cNvPr id="1" name=""/>
+        <p:cNvGrpSpPr/>
+        <p:nvPr/>
+      </p:nvGrpSpPr>
+      <p:grpSpPr>
+        <a:xfrm>
+          <a:off x="0" y="0"/>
+          <a:ext cx="0" cy="0"/>
+          <a:chOff x="0" y="0"/>
+          <a:chExt cx="0" cy="0"/>
+        </a:xfrm>
+      </p:grpSpPr>
+      <p:sp>
+        <p:nvSpPr>
+          <p:cNvPr id="15" name="Title 1">
+            <a:extLst>
+              <a:ext uri="{FF2B5EF4-FFF2-40B4-BE49-F238E27FC236}">
+                <a16:creationId xmlns:a16="http://schemas.microsoft.com/office/drawing/2014/main" id="{D8113FAF-0AA7-0EDA-4B5D-4E57EA2995CE}"/>
+              </a:ext>
+            </a:extLst>
+          </p:cNvPr>
+          <p:cNvSpPr>
+            <a:spLocks noGrp="1"/>
+          </p:cNvSpPr>
+          <p:nvPr>
+            <p:ph type="title"/>
+          </p:nvPr>
+        </p:nvSpPr>
+        <p:spPr>
+          <a:xfrm>
+            <a:off x="1" y="1599517"/>
+            <a:ext cx="12191999" cy="930208"/>
+          </a:xfrm>
+        </p:spPr>
+        <p:txBody>
+          <a:bodyPr anchor="ctr" anchorCtr="0">
+            <a:normAutofit/>
+          </a:bodyPr>
+          <a:lstStyle/>
+          <a:p>
+            <a:pPr algn="ctr"/>
+            <a:r>
+              <a:rPr lang="es-CO" sz="3600" b="1" dirty="0">
+                <a:solidFill>
+                  <a:schemeClr val="bg1">
+                    <a:lumMod val="25000"/>
+                  </a:schemeClr>
+                </a:solidFill>
+                <a:latin typeface="Segoe UI" panose="020B0502040204020203" pitchFamily="34" charset="0"/>
+                <a:ea typeface="Segoe UI Black" panose="020B0A02040204020203" pitchFamily="34" charset="0"/>
+                <a:cs typeface="Segoe UI" panose="020B0502040204020203" pitchFamily="34" charset="0"/>
+              </a:rPr>
+              <a:t>Agregar valor </a:t>
+            </a:r>
+            <a:r>
+              <a:rPr lang="es-CO" sz="3600" dirty="0">
+                <a:solidFill>
+                  <a:schemeClr val="bg1">
+                    <a:lumMod val="25000"/>
+                  </a:schemeClr>
+                </a:solidFill>
+                <a:latin typeface="Segoe UI" panose="020B0502040204020203" pitchFamily="34" charset="0"/>
+                <a:ea typeface="Segoe UI Black" panose="020B0A02040204020203" pitchFamily="34" charset="0"/>
+                <a:cs typeface="Segoe UI" panose="020B0502040204020203" pitchFamily="34" charset="0"/>
+              </a:rPr>
+              <a:t>a mi organización</a:t>
+            </a:r>
+          </a:p>
+        </p:txBody>
+      </p:sp>
+      <p:pic>
+        <p:nvPicPr>
+          <p:cNvPr id="5" name="Graphic 4" descr="Medal outline">
+            <a:extLst>
+              <a:ext uri="{FF2B5EF4-FFF2-40B4-BE49-F238E27FC236}">
+                <a16:creationId xmlns:a16="http://schemas.microsoft.com/office/drawing/2014/main" id="{28E32130-11E7-EAC1-F4FB-043EBB871CE1}"/>
+              </a:ext>
+            </a:extLst>
+          </p:cNvPr>
+          <p:cNvPicPr>
+            <a:picLocks noChangeAspect="1"/>
+          </p:cNvPicPr>
+          <p:nvPr/>
+        </p:nvPicPr>
+        <p:blipFill>
+          <a:blip r:embed="rId3">
+            <a:extLst>
+              <a:ext uri="{96DAC541-7B7A-43D3-8B79-37D633B846F1}">
+                <asvg:svgBlip xmlns:asvg="http://schemas.microsoft.com/office/drawing/2016/SVG/main" r:embed="rId4"/>
+              </a:ext>
+            </a:extLst>
+          </a:blip>
+          <a:stretch>
+            <a:fillRect/>
+          </a:stretch>
+        </p:blipFill>
+        <p:spPr>
+          <a:xfrm>
+            <a:off x="1436719" y="1344621"/>
+            <a:ext cx="1440000" cy="1440000"/>
+          </a:xfrm>
+          <a:prstGeom prst="rect">
+            <a:avLst/>
+          </a:prstGeom>
+        </p:spPr>
+      </p:pic>
+      <p:sp>
+        <p:nvSpPr>
+          <p:cNvPr id="6" name="Title 1">
+            <a:extLst>
+              <a:ext uri="{FF2B5EF4-FFF2-40B4-BE49-F238E27FC236}">
+                <a16:creationId xmlns:a16="http://schemas.microsoft.com/office/drawing/2014/main" id="{19E2098E-14EE-4901-726C-4BBE71E36B79}"/>
+              </a:ext>
+            </a:extLst>
+          </p:cNvPr>
+          <p:cNvSpPr txBox="1">
+            <a:spLocks/>
+          </p:cNvSpPr>
+          <p:nvPr/>
+        </p:nvSpPr>
+        <p:spPr>
+          <a:xfrm>
+            <a:off x="1668479" y="2984757"/>
+            <a:ext cx="8855041" cy="1643514"/>
+          </a:xfrm>
+          <a:prstGeom prst="rect">
+            <a:avLst/>
+          </a:prstGeom>
+        </p:spPr>
+        <p:txBody>
+          <a:bodyPr vert="horz" lIns="91440" tIns="45720" rIns="91440" bIns="45720" rtlCol="0" anchor="ctr" anchorCtr="0">
+            <a:normAutofit/>
+          </a:bodyPr>
+          <a:lstStyle>
+            <a:lvl1pPr algn="l" defTabSz="914377" rtl="0" eaLnBrk="1" latinLnBrk="0" hangingPunct="1">
+              <a:lnSpc>
+                <a:spcPct val="90000"/>
+              </a:lnSpc>
+              <a:spcBef>
+                <a:spcPct val="0"/>
+              </a:spcBef>
+              <a:buNone/>
+              <a:defRPr sz="2600" kern="1200">
+                <a:solidFill>
+                  <a:schemeClr val="tx1"/>
+                </a:solidFill>
+                <a:latin typeface="+mj-lt"/>
+                <a:ea typeface="+mj-ea"/>
+                <a:cs typeface="+mj-cs"/>
+              </a:defRPr>
+            </a:lvl1pPr>
+          </a:lstStyle>
+          <a:p>
+            <a:pPr algn="ctr"/>
+            <a:r>
+              <a:rPr lang="es-CO" sz="2800" b="1" dirty="0">
+                <a:solidFill>
+                  <a:schemeClr val="bg1">
+                    <a:lumMod val="25000"/>
+                  </a:schemeClr>
+                </a:solidFill>
+                <a:latin typeface="Segoe UI" panose="020B0502040204020203" pitchFamily="34" charset="0"/>
+                <a:ea typeface="Segoe UI Black" panose="020B0A02040204020203" pitchFamily="34" charset="0"/>
+                <a:cs typeface="Segoe UI" panose="020B0502040204020203" pitchFamily="34" charset="0"/>
+              </a:rPr>
+              <a:t>Interactúa</a:t>
+            </a:r>
+            <a:r>
+              <a:rPr lang="es-CO" sz="2800" dirty="0">
+                <a:solidFill>
+                  <a:schemeClr val="bg1">
+                    <a:lumMod val="25000"/>
+                  </a:schemeClr>
+                </a:solidFill>
+                <a:latin typeface="Segoe UI" panose="020B0502040204020203" pitchFamily="34" charset="0"/>
+                <a:ea typeface="Segoe UI Black" panose="020B0A02040204020203" pitchFamily="34" charset="0"/>
+                <a:cs typeface="Segoe UI" panose="020B0502040204020203" pitchFamily="34" charset="0"/>
+              </a:rPr>
+              <a:t> con los miembros de tu comunidad.</a:t>
+            </a:r>
+          </a:p>
+        </p:txBody>
+      </p:sp>
+      <p:sp>
+        <p:nvSpPr>
+          <p:cNvPr id="2" name="TextBox 1">
+            <a:extLst>
+              <a:ext uri="{FF2B5EF4-FFF2-40B4-BE49-F238E27FC236}">
+                <a16:creationId xmlns:a16="http://schemas.microsoft.com/office/drawing/2014/main" id="{5B323161-4A44-48EB-011B-1D0368B6ABAF}"/>
+              </a:ext>
+            </a:extLst>
+          </p:cNvPr>
+          <p:cNvSpPr txBox="1"/>
+          <p:nvPr/>
+        </p:nvSpPr>
+        <p:spPr>
+          <a:xfrm>
+            <a:off x="0" y="6550223"/>
+            <a:ext cx="12192000" cy="307777"/>
+          </a:xfrm>
+          <a:prstGeom prst="rect">
+            <a:avLst/>
+          </a:prstGeom>
+          <a:noFill/>
+        </p:spPr>
+        <p:txBody>
+          <a:bodyPr wrap="square" rtlCol="0">
+            <a:spAutoFit/>
+          </a:bodyPr>
+          <a:lstStyle/>
+          <a:p>
+            <a:pPr algn="ctr"/>
+            <a:r>
+              <a:rPr lang="en-US" sz="1400" b="0" strike="noStrike" dirty="0" err="1">
+                <a:solidFill>
+                  <a:schemeClr val="bg1">
+                    <a:lumMod val="25000"/>
+                  </a:schemeClr>
+                </a:solidFill>
+                <a:effectLst/>
+                <a:latin typeface="+mj-lt"/>
+              </a:rPr>
+              <a:t>Tomado</a:t>
+            </a:r>
+            <a:r>
+              <a:rPr lang="en-US" sz="1400" b="0" strike="noStrike" dirty="0">
+                <a:solidFill>
+                  <a:schemeClr val="bg1">
+                    <a:lumMod val="25000"/>
+                  </a:schemeClr>
+                </a:solidFill>
+                <a:effectLst/>
+                <a:latin typeface="+mj-lt"/>
+              </a:rPr>
+              <a:t> y/o </a:t>
+            </a:r>
+            <a:r>
+              <a:rPr lang="en-US" sz="1400" b="0" strike="noStrike" dirty="0" err="1">
+                <a:solidFill>
+                  <a:schemeClr val="bg1">
+                    <a:lumMod val="25000"/>
+                  </a:schemeClr>
+                </a:solidFill>
+                <a:effectLst/>
+                <a:latin typeface="+mj-lt"/>
+              </a:rPr>
+              <a:t>adaptado</a:t>
+            </a:r>
+            <a:r>
+              <a:rPr lang="en-US" sz="1400" b="0" strike="noStrike" dirty="0">
+                <a:solidFill>
+                  <a:schemeClr val="bg1">
+                    <a:lumMod val="25000"/>
+                  </a:schemeClr>
+                </a:solidFill>
+                <a:effectLst/>
+                <a:latin typeface="+mj-lt"/>
+              </a:rPr>
+              <a:t> de: 7 Ways To Add Value To Your Business | Brian Tracy, </a:t>
+            </a:r>
+            <a:r>
+              <a:rPr lang="en-US" sz="1400" b="0" strike="noStrike" dirty="0">
+                <a:solidFill>
+                  <a:schemeClr val="bg1">
+                    <a:lumMod val="25000"/>
+                  </a:schemeClr>
+                </a:solidFill>
+                <a:effectLst/>
+                <a:latin typeface="+mj-lt"/>
+                <a:hlinkClick r:id="rId5"/>
+              </a:rPr>
+              <a:t>https://www.youtube.com/watch?v=xztW-nosYn0</a:t>
+            </a:r>
+            <a:r>
+              <a:rPr lang="en-US" sz="1400" b="0" strike="noStrike" dirty="0">
+                <a:solidFill>
+                  <a:schemeClr val="bg1">
+                    <a:lumMod val="25000"/>
+                  </a:schemeClr>
+                </a:solidFill>
+                <a:effectLst/>
+                <a:latin typeface="+mj-lt"/>
+              </a:rPr>
+              <a:t> </a:t>
+            </a:r>
+            <a:endParaRPr lang="es-CO" sz="1400" dirty="0">
+              <a:solidFill>
+                <a:schemeClr val="bg1">
+                  <a:lumMod val="25000"/>
+                </a:schemeClr>
+              </a:solidFill>
+              <a:latin typeface="+mj-lt"/>
+            </a:endParaRPr>
+          </a:p>
+        </p:txBody>
+      </p:sp>
+    </p:spTree>
+    <p:extLst>
+      <p:ext uri="{BB962C8B-B14F-4D97-AF65-F5344CB8AC3E}">
+        <p14:creationId xmlns:p14="http://schemas.microsoft.com/office/powerpoint/2010/main" val="1249351066"/>
+      </p:ext>
+    </p:extLst>
+  </p:cSld>
+  <p:clrMapOvr>
+    <a:masterClrMapping/>
+  </p:clrMapOvr>
+</p:sld>
+</file>
+
+<file path=ppt/slides/slide11.xml><?xml version="1.0" encoding="utf-8"?>
+<p:sld xmlns:a="http://schemas.openxmlformats.org/drawingml/2006/main" xmlns:r="http://schemas.openxmlformats.org/officeDocument/2006/relationships" xmlns:p="http://schemas.openxmlformats.org/presentationml/2006/main">
+  <p:cSld>
+    <p:spTree>
+      <p:nvGrpSpPr>
+        <p:cNvPr id="1" name=""/>
+        <p:cNvGrpSpPr/>
+        <p:nvPr/>
+      </p:nvGrpSpPr>
+      <p:grpSpPr>
+        <a:xfrm>
+          <a:off x="0" y="0"/>
+          <a:ext cx="0" cy="0"/>
+          <a:chOff x="0" y="0"/>
+          <a:chExt cx="0" cy="0"/>
+        </a:xfrm>
+      </p:grpSpPr>
+      <p:sp>
+        <p:nvSpPr>
+          <p:cNvPr id="15" name="Title 1">
+            <a:extLst>
+              <a:ext uri="{FF2B5EF4-FFF2-40B4-BE49-F238E27FC236}">
+                <a16:creationId xmlns:a16="http://schemas.microsoft.com/office/drawing/2014/main" id="{D8113FAF-0AA7-0EDA-4B5D-4E57EA2995CE}"/>
+              </a:ext>
+            </a:extLst>
+          </p:cNvPr>
+          <p:cNvSpPr>
+            <a:spLocks noGrp="1"/>
+          </p:cNvSpPr>
+          <p:nvPr>
+            <p:ph type="title"/>
+          </p:nvPr>
+        </p:nvSpPr>
+        <p:spPr>
+          <a:xfrm>
+            <a:off x="-1" y="3132547"/>
+            <a:ext cx="12191999" cy="930208"/>
+          </a:xfrm>
+        </p:spPr>
+        <p:txBody>
+          <a:bodyPr anchor="ctr" anchorCtr="0">
+            <a:normAutofit/>
+          </a:bodyPr>
+          <a:lstStyle/>
+          <a:p>
+            <a:pPr algn="ctr"/>
+            <a:r>
+              <a:rPr lang="es-CO" sz="3600" b="1" dirty="0">
+                <a:solidFill>
+                  <a:schemeClr val="bg1">
+                    <a:lumMod val="25000"/>
+                  </a:schemeClr>
+                </a:solidFill>
+                <a:latin typeface="Segoe UI" panose="020B0502040204020203" pitchFamily="34" charset="0"/>
+                <a:ea typeface="Segoe UI Black" panose="020B0A02040204020203" pitchFamily="34" charset="0"/>
+                <a:cs typeface="Segoe UI" panose="020B0502040204020203" pitchFamily="34" charset="0"/>
+              </a:rPr>
+              <a:t>Herramientas</a:t>
+            </a:r>
+            <a:r>
+              <a:rPr lang="es-CO" sz="3600" dirty="0">
+                <a:solidFill>
+                  <a:schemeClr val="bg1">
+                    <a:lumMod val="25000"/>
+                  </a:schemeClr>
+                </a:solidFill>
+                <a:latin typeface="Segoe UI" panose="020B0502040204020203" pitchFamily="34" charset="0"/>
+                <a:ea typeface="Segoe UI Black" panose="020B0A02040204020203" pitchFamily="34" charset="0"/>
+                <a:cs typeface="Segoe UI" panose="020B0502040204020203" pitchFamily="34" charset="0"/>
+              </a:rPr>
+              <a:t> para desarrollo colaborativo</a:t>
+            </a:r>
+          </a:p>
+        </p:txBody>
+      </p:sp>
+      <p:sp>
+        <p:nvSpPr>
+          <p:cNvPr id="2" name="TextBox 1">
+            <a:extLst>
+              <a:ext uri="{FF2B5EF4-FFF2-40B4-BE49-F238E27FC236}">
+                <a16:creationId xmlns:a16="http://schemas.microsoft.com/office/drawing/2014/main" id="{5B323161-4A44-48EB-011B-1D0368B6ABAF}"/>
+              </a:ext>
+            </a:extLst>
+          </p:cNvPr>
+          <p:cNvSpPr txBox="1"/>
+          <p:nvPr/>
+        </p:nvSpPr>
+        <p:spPr>
+          <a:xfrm>
+            <a:off x="0" y="6550223"/>
+            <a:ext cx="12192000" cy="307777"/>
+          </a:xfrm>
+          <a:prstGeom prst="rect">
+            <a:avLst/>
+          </a:prstGeom>
+          <a:noFill/>
+        </p:spPr>
+        <p:txBody>
+          <a:bodyPr wrap="square" rtlCol="0">
+            <a:spAutoFit/>
+          </a:bodyPr>
+          <a:lstStyle/>
+          <a:p>
+            <a:pPr algn="ctr"/>
+            <a:r>
+              <a:rPr lang="en-US" sz="1400" b="0" strike="noStrike" dirty="0">
+                <a:solidFill>
+                  <a:schemeClr val="bg1">
+                    <a:lumMod val="25000"/>
+                  </a:schemeClr>
+                </a:solidFill>
+                <a:effectLst/>
+                <a:latin typeface="+mj-lt"/>
+                <a:hlinkClick r:id="rId3"/>
+              </a:rPr>
+              <a:t>https://github.com/rcfdtools/R.TeachingResearchGuide/tree/main/Section01/CollabTools</a:t>
+            </a:r>
+            <a:r>
+              <a:rPr lang="en-US" sz="1400" b="0" strike="noStrike" dirty="0">
+                <a:solidFill>
+                  <a:schemeClr val="bg1">
+                    <a:lumMod val="25000"/>
+                  </a:schemeClr>
+                </a:solidFill>
+                <a:effectLst/>
+                <a:latin typeface="+mj-lt"/>
+              </a:rPr>
+              <a:t> </a:t>
+            </a:r>
+            <a:endParaRPr lang="es-CO" sz="1400" dirty="0">
+              <a:solidFill>
+                <a:schemeClr val="bg1">
+                  <a:lumMod val="25000"/>
+                </a:schemeClr>
+              </a:solidFill>
+              <a:latin typeface="+mj-lt"/>
+            </a:endParaRPr>
+          </a:p>
+        </p:txBody>
+      </p:sp>
+      <p:grpSp>
+        <p:nvGrpSpPr>
+          <p:cNvPr id="13" name="Group 12">
+            <a:extLst>
+              <a:ext uri="{FF2B5EF4-FFF2-40B4-BE49-F238E27FC236}">
+                <a16:creationId xmlns:a16="http://schemas.microsoft.com/office/drawing/2014/main" id="{9A49B948-F703-2E66-E346-3FA06E460EA2}"/>
+              </a:ext>
+            </a:extLst>
+          </p:cNvPr>
+          <p:cNvGrpSpPr/>
+          <p:nvPr/>
+        </p:nvGrpSpPr>
+        <p:grpSpPr>
+          <a:xfrm>
+            <a:off x="4655998" y="1682973"/>
+            <a:ext cx="2880000" cy="1449574"/>
+            <a:chOff x="4501483" y="1682973"/>
+            <a:chExt cx="2880000" cy="1449574"/>
+          </a:xfrm>
+        </p:grpSpPr>
+        <p:pic>
+          <p:nvPicPr>
+            <p:cNvPr id="10" name="Graphic 9" descr="Tools outline">
+              <a:extLst>
+                <a:ext uri="{FF2B5EF4-FFF2-40B4-BE49-F238E27FC236}">
+                  <a16:creationId xmlns:a16="http://schemas.microsoft.com/office/drawing/2014/main" id="{2EF2C4E7-3282-1FE2-1563-408D7B98D252}"/>
+                </a:ext>
+              </a:extLst>
+            </p:cNvPr>
+            <p:cNvPicPr>
+              <a:picLocks noChangeAspect="1"/>
+            </p:cNvPicPr>
+            <p:nvPr/>
+          </p:nvPicPr>
+          <p:blipFill>
+            <a:blip r:embed="rId4">
+              <a:extLst>
+                <a:ext uri="{96DAC541-7B7A-43D3-8B79-37D633B846F1}">
+                  <asvg:svgBlip xmlns:asvg="http://schemas.microsoft.com/office/drawing/2016/SVG/main" r:embed="rId5"/>
+                </a:ext>
+              </a:extLst>
+            </a:blip>
+            <a:stretch>
+              <a:fillRect/>
+            </a:stretch>
+          </p:blipFill>
+          <p:spPr>
+            <a:xfrm>
+              <a:off x="5941483" y="1682973"/>
+              <a:ext cx="1440000" cy="1440000"/>
+            </a:xfrm>
+            <a:prstGeom prst="rect">
+              <a:avLst/>
+            </a:prstGeom>
+          </p:spPr>
+        </p:pic>
+        <p:pic>
+          <p:nvPicPr>
+            <p:cNvPr id="12" name="Graphic 11" descr="Drawing Figure outline">
+              <a:extLst>
+                <a:ext uri="{FF2B5EF4-FFF2-40B4-BE49-F238E27FC236}">
+                  <a16:creationId xmlns:a16="http://schemas.microsoft.com/office/drawing/2014/main" id="{3287E20F-FDA6-AEC2-69C1-0990D730B70D}"/>
+                </a:ext>
+              </a:extLst>
+            </p:cNvPr>
+            <p:cNvPicPr>
+              <a:picLocks noChangeAspect="1"/>
+            </p:cNvPicPr>
+            <p:nvPr/>
+          </p:nvPicPr>
+          <p:blipFill>
+            <a:blip r:embed="rId6">
+              <a:extLst>
+                <a:ext uri="{96DAC541-7B7A-43D3-8B79-37D633B846F1}">
+                  <asvg:svgBlip xmlns:asvg="http://schemas.microsoft.com/office/drawing/2016/SVG/main" r:embed="rId7"/>
+                </a:ext>
+              </a:extLst>
+            </a:blip>
+            <a:stretch>
+              <a:fillRect/>
+            </a:stretch>
+          </p:blipFill>
+          <p:spPr>
+            <a:xfrm>
+              <a:off x="4501483" y="1692547"/>
+              <a:ext cx="1440000" cy="1440000"/>
+            </a:xfrm>
+            <a:prstGeom prst="rect">
+              <a:avLst/>
+            </a:prstGeom>
+          </p:spPr>
+        </p:pic>
+      </p:grpSp>
+    </p:spTree>
+    <p:extLst>
+      <p:ext uri="{BB962C8B-B14F-4D97-AF65-F5344CB8AC3E}">
+        <p14:creationId xmlns:p14="http://schemas.microsoft.com/office/powerpoint/2010/main" val="4120895327"/>
       </p:ext>
     </p:extLst>
   </p:cSld>
@@ -6094,10 +7899,385 @@
       </p:grpSpPr>
       <p:sp>
         <p:nvSpPr>
-          <p:cNvPr id="10" name="Rectangle: Rounded Corners 9">
+          <p:cNvPr id="2" name="Title 1">
             <a:extLst>
               <a:ext uri="{FF2B5EF4-FFF2-40B4-BE49-F238E27FC236}">
-                <a16:creationId xmlns:a16="http://schemas.microsoft.com/office/drawing/2014/main" id="{9D1FC293-F5B8-27C1-3B19-179F2790883C}"/>
+                <a16:creationId xmlns:a16="http://schemas.microsoft.com/office/drawing/2014/main" id="{219F1F77-4EC6-8A06-C80C-CDC4C4F6F78A}"/>
+              </a:ext>
+            </a:extLst>
+          </p:cNvPr>
+          <p:cNvSpPr>
+            <a:spLocks noGrp="1"/>
+          </p:cNvSpPr>
+          <p:nvPr>
+            <p:ph type="title"/>
+          </p:nvPr>
+        </p:nvSpPr>
+        <p:spPr>
+          <a:xfrm>
+            <a:off x="0" y="2624140"/>
+            <a:ext cx="12191999" cy="1609719"/>
+          </a:xfrm>
+        </p:spPr>
+        <p:txBody>
+          <a:bodyPr anchor="ctr" anchorCtr="0">
+            <a:normAutofit/>
+          </a:bodyPr>
+          <a:lstStyle/>
+          <a:p>
+            <a:pPr algn="ctr"/>
+            <a:r>
+              <a:rPr lang="es-CO" sz="3600" dirty="0">
+                <a:solidFill>
+                  <a:schemeClr val="bg1">
+                    <a:lumMod val="25000"/>
+                  </a:schemeClr>
+                </a:solidFill>
+                <a:effectLst/>
+                <a:latin typeface="Segoe UI" panose="020B0502040204020203" pitchFamily="34" charset="0"/>
+                <a:ea typeface="Segoe UI Black" panose="020B0A02040204020203" pitchFamily="34" charset="0"/>
+                <a:cs typeface="Segoe UI" panose="020B0502040204020203" pitchFamily="34" charset="0"/>
+              </a:rPr>
+              <a:t>Sección 1 - </a:t>
+            </a:r>
+            <a:r>
+              <a:rPr lang="es-CO" sz="3600" b="1" dirty="0">
+                <a:solidFill>
+                  <a:schemeClr val="bg1">
+                    <a:lumMod val="25000"/>
+                  </a:schemeClr>
+                </a:solidFill>
+                <a:effectLst/>
+                <a:latin typeface="Segoe UI" panose="020B0502040204020203" pitchFamily="34" charset="0"/>
+                <a:ea typeface="Segoe UI Black" panose="020B0A02040204020203" pitchFamily="34" charset="0"/>
+                <a:cs typeface="Segoe UI" panose="020B0502040204020203" pitchFamily="34" charset="0"/>
+              </a:rPr>
+              <a:t>Introducción, fundamentos </a:t>
+            </a:r>
+            <a:r>
+              <a:rPr lang="es-CO" sz="3600" b="1" dirty="0">
+                <a:solidFill>
+                  <a:schemeClr val="bg1">
+                    <a:lumMod val="25000"/>
+                  </a:schemeClr>
+                </a:solidFill>
+                <a:latin typeface="Segoe UI" panose="020B0502040204020203" pitchFamily="34" charset="0"/>
+                <a:ea typeface="Segoe UI Black" panose="020B0A02040204020203" pitchFamily="34" charset="0"/>
+                <a:cs typeface="Segoe UI" panose="020B0502040204020203" pitchFamily="34" charset="0"/>
+              </a:rPr>
+              <a:t>e  implementación</a:t>
+            </a:r>
+            <a:r>
+              <a:rPr lang="es-CO" sz="3600" dirty="0">
+                <a:solidFill>
+                  <a:schemeClr val="bg1">
+                    <a:lumMod val="25000"/>
+                  </a:schemeClr>
+                </a:solidFill>
+                <a:latin typeface="Segoe UI" panose="020B0502040204020203" pitchFamily="34" charset="0"/>
+                <a:ea typeface="Segoe UI Black" panose="020B0A02040204020203" pitchFamily="34" charset="0"/>
+                <a:cs typeface="Segoe UI" panose="020B0502040204020203" pitchFamily="34" charset="0"/>
+              </a:rPr>
+              <a:t> de GitHub</a:t>
+            </a:r>
+            <a:endParaRPr lang="es-CO" sz="3600" dirty="0">
+              <a:solidFill>
+                <a:schemeClr val="bg1">
+                  <a:lumMod val="25000"/>
+                </a:schemeClr>
+              </a:solidFill>
+            </a:endParaRPr>
+          </a:p>
+        </p:txBody>
+      </p:sp>
+    </p:spTree>
+    <p:extLst>
+      <p:ext uri="{BB962C8B-B14F-4D97-AF65-F5344CB8AC3E}">
+        <p14:creationId xmlns:p14="http://schemas.microsoft.com/office/powerpoint/2010/main" val="526481340"/>
+      </p:ext>
+    </p:extLst>
+  </p:cSld>
+  <p:clrMapOvr>
+    <a:masterClrMapping/>
+  </p:clrMapOvr>
+</p:sld>
+</file>
+
+<file path=ppt/slides/slide3.xml><?xml version="1.0" encoding="utf-8"?>
+<p:sld xmlns:a="http://schemas.openxmlformats.org/drawingml/2006/main" xmlns:r="http://schemas.openxmlformats.org/officeDocument/2006/relationships" xmlns:p="http://schemas.openxmlformats.org/presentationml/2006/main">
+  <p:cSld>
+    <p:spTree>
+      <p:nvGrpSpPr>
+        <p:cNvPr id="1" name=""/>
+        <p:cNvGrpSpPr/>
+        <p:nvPr/>
+      </p:nvGrpSpPr>
+      <p:grpSpPr>
+        <a:xfrm>
+          <a:off x="0" y="0"/>
+          <a:ext cx="0" cy="0"/>
+          <a:chOff x="0" y="0"/>
+          <a:chExt cx="0" cy="0"/>
+        </a:xfrm>
+      </p:grpSpPr>
+      <p:pic>
+        <p:nvPicPr>
+          <p:cNvPr id="4" name="Graphic 3" descr="Female Profile outline">
+            <a:extLst>
+              <a:ext uri="{FF2B5EF4-FFF2-40B4-BE49-F238E27FC236}">
+                <a16:creationId xmlns:a16="http://schemas.microsoft.com/office/drawing/2014/main" id="{9E580087-1848-2C74-059E-4FB712D2062B}"/>
+              </a:ext>
+            </a:extLst>
+          </p:cNvPr>
+          <p:cNvPicPr>
+            <a:picLocks noChangeAspect="1"/>
+          </p:cNvPicPr>
+          <p:nvPr/>
+        </p:nvPicPr>
+        <p:blipFill>
+          <a:blip r:embed="rId3">
+            <a:extLst>
+              <a:ext uri="{96DAC541-7B7A-43D3-8B79-37D633B846F1}">
+                <asvg:svgBlip xmlns:asvg="http://schemas.microsoft.com/office/drawing/2016/SVG/main" r:embed="rId4"/>
+              </a:ext>
+            </a:extLst>
+          </a:blip>
+          <a:stretch>
+            <a:fillRect/>
+          </a:stretch>
+        </p:blipFill>
+        <p:spPr>
+          <a:xfrm>
+            <a:off x="2938716" y="1930704"/>
+            <a:ext cx="1440000" cy="1440000"/>
+          </a:xfrm>
+          <a:prstGeom prst="rect">
+            <a:avLst/>
+          </a:prstGeom>
+        </p:spPr>
+      </p:pic>
+      <p:pic>
+        <p:nvPicPr>
+          <p:cNvPr id="6" name="Graphic 5" descr="Office worker male with solid fill">
+            <a:extLst>
+              <a:ext uri="{FF2B5EF4-FFF2-40B4-BE49-F238E27FC236}">
+                <a16:creationId xmlns:a16="http://schemas.microsoft.com/office/drawing/2014/main" id="{4D75C8EA-7B01-EDEE-9F66-28EF2EB9AA35}"/>
+              </a:ext>
+            </a:extLst>
+          </p:cNvPr>
+          <p:cNvPicPr>
+            <a:picLocks noChangeAspect="1"/>
+          </p:cNvPicPr>
+          <p:nvPr/>
+        </p:nvPicPr>
+        <p:blipFill>
+          <a:blip r:embed="rId5">
+            <a:extLst>
+              <a:ext uri="{96DAC541-7B7A-43D3-8B79-37D633B846F1}">
+                <asvg:svgBlip xmlns:asvg="http://schemas.microsoft.com/office/drawing/2016/SVG/main" r:embed="rId6"/>
+              </a:ext>
+            </a:extLst>
+          </a:blip>
+          <a:stretch>
+            <a:fillRect/>
+          </a:stretch>
+        </p:blipFill>
+        <p:spPr>
+          <a:xfrm>
+            <a:off x="2938716" y="4029560"/>
+            <a:ext cx="1440000" cy="1440000"/>
+          </a:xfrm>
+          <a:prstGeom prst="rect">
+            <a:avLst/>
+          </a:prstGeom>
+        </p:spPr>
+      </p:pic>
+      <p:pic>
+        <p:nvPicPr>
+          <p:cNvPr id="9" name="Graphic 8" descr="School boy outline">
+            <a:extLst>
+              <a:ext uri="{FF2B5EF4-FFF2-40B4-BE49-F238E27FC236}">
+                <a16:creationId xmlns:a16="http://schemas.microsoft.com/office/drawing/2014/main" id="{B952148E-0920-0FD5-1639-60A7B9A58D10}"/>
+              </a:ext>
+            </a:extLst>
+          </p:cNvPr>
+          <p:cNvPicPr>
+            <a:picLocks noChangeAspect="1"/>
+          </p:cNvPicPr>
+          <p:nvPr/>
+        </p:nvPicPr>
+        <p:blipFill>
+          <a:blip r:embed="rId7">
+            <a:extLst>
+              <a:ext uri="{96DAC541-7B7A-43D3-8B79-37D633B846F1}">
+                <asvg:svgBlip xmlns:asvg="http://schemas.microsoft.com/office/drawing/2016/SVG/main" r:embed="rId8"/>
+              </a:ext>
+            </a:extLst>
+          </a:blip>
+          <a:stretch>
+            <a:fillRect/>
+          </a:stretch>
+        </p:blipFill>
+        <p:spPr>
+          <a:xfrm>
+            <a:off x="1183036" y="3999002"/>
+            <a:ext cx="1440000" cy="1440000"/>
+          </a:xfrm>
+          <a:prstGeom prst="rect">
+            <a:avLst/>
+          </a:prstGeom>
+        </p:spPr>
+      </p:pic>
+      <p:pic>
+        <p:nvPicPr>
+          <p:cNvPr id="11" name="Graphic 10" descr="School boy outline">
+            <a:extLst>
+              <a:ext uri="{FF2B5EF4-FFF2-40B4-BE49-F238E27FC236}">
+                <a16:creationId xmlns:a16="http://schemas.microsoft.com/office/drawing/2014/main" id="{9254C4EE-8B31-AECE-9432-1A9EA90E67F5}"/>
+              </a:ext>
+            </a:extLst>
+          </p:cNvPr>
+          <p:cNvPicPr>
+            <a:picLocks noChangeAspect="1"/>
+          </p:cNvPicPr>
+          <p:nvPr/>
+        </p:nvPicPr>
+        <p:blipFill>
+          <a:blip r:embed="rId7">
+            <a:extLst>
+              <a:ext uri="{96DAC541-7B7A-43D3-8B79-37D633B846F1}">
+                <asvg:svgBlip xmlns:asvg="http://schemas.microsoft.com/office/drawing/2016/SVG/main" r:embed="rId8"/>
+              </a:ext>
+            </a:extLst>
+          </a:blip>
+          <a:stretch>
+            <a:fillRect/>
+          </a:stretch>
+        </p:blipFill>
+        <p:spPr>
+          <a:xfrm>
+            <a:off x="6281662" y="4096361"/>
+            <a:ext cx="1440000" cy="1440000"/>
+          </a:xfrm>
+          <a:prstGeom prst="rect">
+            <a:avLst/>
+          </a:prstGeom>
+        </p:spPr>
+      </p:pic>
+      <p:pic>
+        <p:nvPicPr>
+          <p:cNvPr id="12" name="Graphic 11" descr="Female Profile outline">
+            <a:extLst>
+              <a:ext uri="{FF2B5EF4-FFF2-40B4-BE49-F238E27FC236}">
+                <a16:creationId xmlns:a16="http://schemas.microsoft.com/office/drawing/2014/main" id="{ADDF707C-B255-3580-FFAF-EBB2B309957D}"/>
+              </a:ext>
+            </a:extLst>
+          </p:cNvPr>
+          <p:cNvPicPr>
+            <a:picLocks noChangeAspect="1"/>
+          </p:cNvPicPr>
+          <p:nvPr/>
+        </p:nvPicPr>
+        <p:blipFill>
+          <a:blip r:embed="rId3">
+            <a:extLst>
+              <a:ext uri="{96DAC541-7B7A-43D3-8B79-37D633B846F1}">
+                <asvg:svgBlip xmlns:asvg="http://schemas.microsoft.com/office/drawing/2016/SVG/main" r:embed="rId4"/>
+              </a:ext>
+            </a:extLst>
+          </a:blip>
+          <a:stretch>
+            <a:fillRect/>
+          </a:stretch>
+        </p:blipFill>
+        <p:spPr>
+          <a:xfrm>
+            <a:off x="7941868" y="4126411"/>
+            <a:ext cx="1440000" cy="1440000"/>
+          </a:xfrm>
+          <a:prstGeom prst="rect">
+            <a:avLst/>
+          </a:prstGeom>
+        </p:spPr>
+      </p:pic>
+      <p:pic>
+        <p:nvPicPr>
+          <p:cNvPr id="13" name="Graphic 12" descr="Office worker male with solid fill">
+            <a:extLst>
+              <a:ext uri="{FF2B5EF4-FFF2-40B4-BE49-F238E27FC236}">
+                <a16:creationId xmlns:a16="http://schemas.microsoft.com/office/drawing/2014/main" id="{5B9940A1-F079-0EA8-181C-33594F12EAC0}"/>
+              </a:ext>
+            </a:extLst>
+          </p:cNvPr>
+          <p:cNvPicPr>
+            <a:picLocks noChangeAspect="1"/>
+          </p:cNvPicPr>
+          <p:nvPr/>
+        </p:nvPicPr>
+        <p:blipFill>
+          <a:blip r:embed="rId5">
+            <a:extLst>
+              <a:ext uri="{96DAC541-7B7A-43D3-8B79-37D633B846F1}">
+                <asvg:svgBlip xmlns:asvg="http://schemas.microsoft.com/office/drawing/2016/SVG/main" r:embed="rId6"/>
+              </a:ext>
+            </a:extLst>
+          </a:blip>
+          <a:stretch>
+            <a:fillRect/>
+          </a:stretch>
+        </p:blipFill>
+        <p:spPr>
+          <a:xfrm>
+            <a:off x="5063790" y="1823122"/>
+            <a:ext cx="1440000" cy="1440000"/>
+          </a:xfrm>
+          <a:prstGeom prst="rect">
+            <a:avLst/>
+          </a:prstGeom>
+        </p:spPr>
+      </p:pic>
+      <p:pic>
+        <p:nvPicPr>
+          <p:cNvPr id="17" name="Graphic 16" descr="Construction worker male outline">
+            <a:extLst>
+              <a:ext uri="{FF2B5EF4-FFF2-40B4-BE49-F238E27FC236}">
+                <a16:creationId xmlns:a16="http://schemas.microsoft.com/office/drawing/2014/main" id="{51B4BBF5-BF99-135F-F1D6-E5073CB0263B}"/>
+              </a:ext>
+            </a:extLst>
+          </p:cNvPr>
+          <p:cNvPicPr>
+            <a:picLocks noChangeAspect="1"/>
+          </p:cNvPicPr>
+          <p:nvPr/>
+        </p:nvPicPr>
+        <p:blipFill>
+          <a:blip r:embed="rId9">
+            <a:extLst>
+              <a:ext uri="{96DAC541-7B7A-43D3-8B79-37D633B846F1}">
+                <asvg:svgBlip xmlns:asvg="http://schemas.microsoft.com/office/drawing/2016/SVG/main" r:embed="rId10"/>
+              </a:ext>
+            </a:extLst>
+          </a:blip>
+          <a:stretch>
+            <a:fillRect/>
+          </a:stretch>
+        </p:blipFill>
+        <p:spPr>
+          <a:xfrm>
+            <a:off x="8861034" y="1831086"/>
+            <a:ext cx="1440000" cy="1440000"/>
+          </a:xfrm>
+          <a:prstGeom prst="rect">
+            <a:avLst/>
+          </a:prstGeom>
+        </p:spPr>
+      </p:pic>
+      <p:sp>
+        <p:nvSpPr>
+          <p:cNvPr id="18" name="Rectangle: Rounded Corners 17">
+            <a:extLst>
+              <a:ext uri="{FF2B5EF4-FFF2-40B4-BE49-F238E27FC236}">
+                <a16:creationId xmlns:a16="http://schemas.microsoft.com/office/drawing/2014/main" id="{5CD7DB88-D856-7660-23BB-F8FF0673F2A7}"/>
               </a:ext>
             </a:extLst>
           </p:cNvPr>
@@ -6106,47 +8286,47 @@
         </p:nvSpPr>
         <p:spPr>
           <a:xfrm>
-            <a:off x="512399" y="1334996"/>
-            <a:ext cx="6619921" cy="630000"/>
+            <a:off x="1129553" y="3556361"/>
+            <a:ext cx="10101431" cy="180000"/>
           </a:xfrm>
           <a:prstGeom prst="roundRect">
             <a:avLst/>
           </a:prstGeom>
-          <a:solidFill>
-            <a:schemeClr val="bg1">
-              <a:lumMod val="25000"/>
-            </a:schemeClr>
-          </a:solidFill>
           <a:ln>
             <a:noFill/>
           </a:ln>
         </p:spPr>
-        <p:txBody>
-          <a:bodyPr vert="horz" lIns="91440" tIns="45720" rIns="91440" bIns="45720" rtlCol="0" anchor="ctr" anchorCtr="0">
-            <a:noAutofit/>
-          </a:bodyPr>
+        <p:style>
+          <a:lnRef idx="2">
+            <a:schemeClr val="accent6">
+              <a:shade val="50000"/>
+            </a:schemeClr>
+          </a:lnRef>
+          <a:fillRef idx="1">
+            <a:schemeClr val="accent6"/>
+          </a:fillRef>
+          <a:effectRef idx="0">
+            <a:schemeClr val="accent6"/>
+          </a:effectRef>
+          <a:fontRef idx="minor">
+            <a:schemeClr val="lt1"/>
+          </a:fontRef>
+        </p:style>
+        <p:txBody>
+          <a:bodyPr rtlCol="0" anchor="ctr"/>
           <a:lstStyle/>
           <a:p>
-            <a:r>
-              <a:rPr lang="es-CO" sz="3600" b="1" dirty="0">
-                <a:solidFill>
-                  <a:schemeClr val="bg1"/>
-                </a:solidFill>
-                <a:latin typeface="Segoe UI" panose="020B0502040204020203" pitchFamily="34" charset="0"/>
-                <a:ea typeface="Segoe UI Black" panose="020B0A02040204020203" pitchFamily="34" charset="0"/>
-                <a:cs typeface="Segoe UI" panose="020B0502040204020203" pitchFamily="34" charset="0"/>
-              </a:rPr>
-              <a:t>e  implementación de GitHub</a:t>
-            </a:r>
-          </a:p>
-        </p:txBody>
-      </p:sp>
-      <p:sp>
-        <p:nvSpPr>
-          <p:cNvPr id="7" name="Rectangle: Rounded Corners 6">
+            <a:pPr algn="ctr"/>
+            <a:endParaRPr lang="es-CO"/>
+          </a:p>
+        </p:txBody>
+      </p:sp>
+      <p:sp>
+        <p:nvSpPr>
+          <p:cNvPr id="19" name="Oval 18">
             <a:extLst>
               <a:ext uri="{FF2B5EF4-FFF2-40B4-BE49-F238E27FC236}">
-                <a16:creationId xmlns:a16="http://schemas.microsoft.com/office/drawing/2014/main" id="{6EA4C1E3-67EF-8EEE-0691-C6AB77531DC3}"/>
+                <a16:creationId xmlns:a16="http://schemas.microsoft.com/office/drawing/2014/main" id="{03D759BD-C839-F1D3-3008-AAC11B1C2029}"/>
               </a:ext>
             </a:extLst>
           </p:cNvPr>
@@ -6155,62 +8335,3329 @@
         </p:nvSpPr>
         <p:spPr>
           <a:xfrm>
-            <a:off x="512399" y="471637"/>
-            <a:ext cx="8641226" cy="630000"/>
+            <a:off x="859553" y="3376361"/>
+            <a:ext cx="540000" cy="540000"/>
           </a:xfrm>
-          <a:prstGeom prst="roundRect">
+          <a:prstGeom prst="ellipse">
             <a:avLst/>
           </a:prstGeom>
-          <a:solidFill>
-            <a:schemeClr val="bg1">
-              <a:lumMod val="25000"/>
-            </a:schemeClr>
-          </a:solidFill>
           <a:ln>
             <a:noFill/>
           </a:ln>
         </p:spPr>
-        <p:txBody>
-          <a:bodyPr vert="horz" lIns="91440" tIns="45720" rIns="91440" bIns="45720" rtlCol="0" anchor="ctr" anchorCtr="0">
-            <a:noAutofit/>
+        <p:style>
+          <a:lnRef idx="2">
+            <a:schemeClr val="accent6">
+              <a:shade val="50000"/>
+            </a:schemeClr>
+          </a:lnRef>
+          <a:fillRef idx="1">
+            <a:schemeClr val="accent6"/>
+          </a:fillRef>
+          <a:effectRef idx="0">
+            <a:schemeClr val="accent6"/>
+          </a:effectRef>
+          <a:fontRef idx="minor">
+            <a:schemeClr val="lt1"/>
+          </a:fontRef>
+        </p:style>
+        <p:txBody>
+          <a:bodyPr rtlCol="0" anchor="ctr"/>
+          <a:lstStyle/>
+          <a:p>
+            <a:pPr algn="ctr"/>
+            <a:endParaRPr lang="es-CO"/>
+          </a:p>
+        </p:txBody>
+      </p:sp>
+      <p:sp>
+        <p:nvSpPr>
+          <p:cNvPr id="20" name="Oval 19">
+            <a:extLst>
+              <a:ext uri="{FF2B5EF4-FFF2-40B4-BE49-F238E27FC236}">
+                <a16:creationId xmlns:a16="http://schemas.microsoft.com/office/drawing/2014/main" id="{A9031C2A-D850-DF6F-1099-58789215474A}"/>
+              </a:ext>
+            </a:extLst>
+          </p:cNvPr>
+          <p:cNvSpPr/>
+          <p:nvPr/>
+        </p:nvSpPr>
+        <p:spPr>
+          <a:xfrm>
+            <a:off x="1713642" y="3381358"/>
+            <a:ext cx="540000" cy="540000"/>
+          </a:xfrm>
+          <a:prstGeom prst="ellipse">
+            <a:avLst/>
+          </a:prstGeom>
+          <a:ln>
+            <a:noFill/>
+          </a:ln>
+        </p:spPr>
+        <p:style>
+          <a:lnRef idx="2">
+            <a:schemeClr val="accent6">
+              <a:shade val="50000"/>
+            </a:schemeClr>
+          </a:lnRef>
+          <a:fillRef idx="1">
+            <a:schemeClr val="accent6"/>
+          </a:fillRef>
+          <a:effectRef idx="0">
+            <a:schemeClr val="accent6"/>
+          </a:effectRef>
+          <a:fontRef idx="minor">
+            <a:schemeClr val="lt1"/>
+          </a:fontRef>
+        </p:style>
+        <p:txBody>
+          <a:bodyPr rtlCol="0" anchor="ctr"/>
+          <a:lstStyle/>
+          <a:p>
+            <a:pPr algn="ctr"/>
+            <a:endParaRPr lang="es-CO"/>
+          </a:p>
+        </p:txBody>
+      </p:sp>
+      <p:sp>
+        <p:nvSpPr>
+          <p:cNvPr id="22" name="Oval 21">
+            <a:extLst>
+              <a:ext uri="{FF2B5EF4-FFF2-40B4-BE49-F238E27FC236}">
+                <a16:creationId xmlns:a16="http://schemas.microsoft.com/office/drawing/2014/main" id="{C892A092-E165-8BFA-58FE-C29B8C376DF9}"/>
+              </a:ext>
+            </a:extLst>
+          </p:cNvPr>
+          <p:cNvSpPr/>
+          <p:nvPr/>
+        </p:nvSpPr>
+        <p:spPr>
+          <a:xfrm>
+            <a:off x="3388716" y="3430132"/>
+            <a:ext cx="540000" cy="540000"/>
+          </a:xfrm>
+          <a:prstGeom prst="ellipse">
+            <a:avLst/>
+          </a:prstGeom>
+          <a:ln>
+            <a:noFill/>
+          </a:ln>
+        </p:spPr>
+        <p:style>
+          <a:lnRef idx="2">
+            <a:schemeClr val="accent6">
+              <a:shade val="50000"/>
+            </a:schemeClr>
+          </a:lnRef>
+          <a:fillRef idx="1">
+            <a:schemeClr val="accent6"/>
+          </a:fillRef>
+          <a:effectRef idx="0">
+            <a:schemeClr val="accent6"/>
+          </a:effectRef>
+          <a:fontRef idx="minor">
+            <a:schemeClr val="lt1"/>
+          </a:fontRef>
+        </p:style>
+        <p:txBody>
+          <a:bodyPr rtlCol="0" anchor="ctr"/>
+          <a:lstStyle/>
+          <a:p>
+            <a:pPr algn="ctr"/>
+            <a:endParaRPr lang="es-CO"/>
+          </a:p>
+        </p:txBody>
+      </p:sp>
+      <p:sp>
+        <p:nvSpPr>
+          <p:cNvPr id="23" name="Oval 22">
+            <a:extLst>
+              <a:ext uri="{FF2B5EF4-FFF2-40B4-BE49-F238E27FC236}">
+                <a16:creationId xmlns:a16="http://schemas.microsoft.com/office/drawing/2014/main" id="{3263FD8A-3385-A855-700E-BC83D684E9E2}"/>
+              </a:ext>
+            </a:extLst>
+          </p:cNvPr>
+          <p:cNvSpPr/>
+          <p:nvPr/>
+        </p:nvSpPr>
+        <p:spPr>
+          <a:xfrm>
+            <a:off x="5513790" y="3443362"/>
+            <a:ext cx="540000" cy="540000"/>
+          </a:xfrm>
+          <a:prstGeom prst="ellipse">
+            <a:avLst/>
+          </a:prstGeom>
+          <a:ln>
+            <a:noFill/>
+          </a:ln>
+        </p:spPr>
+        <p:style>
+          <a:lnRef idx="2">
+            <a:schemeClr val="accent6">
+              <a:shade val="50000"/>
+            </a:schemeClr>
+          </a:lnRef>
+          <a:fillRef idx="1">
+            <a:schemeClr val="accent6"/>
+          </a:fillRef>
+          <a:effectRef idx="0">
+            <a:schemeClr val="accent6"/>
+          </a:effectRef>
+          <a:fontRef idx="minor">
+            <a:schemeClr val="lt1"/>
+          </a:fontRef>
+        </p:style>
+        <p:txBody>
+          <a:bodyPr rtlCol="0" anchor="ctr"/>
+          <a:lstStyle/>
+          <a:p>
+            <a:pPr algn="ctr"/>
+            <a:endParaRPr lang="es-CO"/>
+          </a:p>
+        </p:txBody>
+      </p:sp>
+      <p:sp>
+        <p:nvSpPr>
+          <p:cNvPr id="24" name="Oval 23">
+            <a:extLst>
+              <a:ext uri="{FF2B5EF4-FFF2-40B4-BE49-F238E27FC236}">
+                <a16:creationId xmlns:a16="http://schemas.microsoft.com/office/drawing/2014/main" id="{12D97561-B200-DE23-0273-F2B688FA96FC}"/>
+              </a:ext>
+            </a:extLst>
+          </p:cNvPr>
+          <p:cNvSpPr/>
+          <p:nvPr/>
+        </p:nvSpPr>
+        <p:spPr>
+          <a:xfrm>
+            <a:off x="6731662" y="3430132"/>
+            <a:ext cx="540000" cy="540000"/>
+          </a:xfrm>
+          <a:prstGeom prst="ellipse">
+            <a:avLst/>
+          </a:prstGeom>
+          <a:ln>
+            <a:noFill/>
+          </a:ln>
+        </p:spPr>
+        <p:style>
+          <a:lnRef idx="2">
+            <a:schemeClr val="accent6">
+              <a:shade val="50000"/>
+            </a:schemeClr>
+          </a:lnRef>
+          <a:fillRef idx="1">
+            <a:schemeClr val="accent6"/>
+          </a:fillRef>
+          <a:effectRef idx="0">
+            <a:schemeClr val="accent6"/>
+          </a:effectRef>
+          <a:fontRef idx="minor">
+            <a:schemeClr val="lt1"/>
+          </a:fontRef>
+        </p:style>
+        <p:txBody>
+          <a:bodyPr rtlCol="0" anchor="ctr"/>
+          <a:lstStyle/>
+          <a:p>
+            <a:pPr algn="ctr"/>
+            <a:endParaRPr lang="es-CO"/>
+          </a:p>
+        </p:txBody>
+      </p:sp>
+      <p:sp>
+        <p:nvSpPr>
+          <p:cNvPr id="25" name="Oval 24">
+            <a:extLst>
+              <a:ext uri="{FF2B5EF4-FFF2-40B4-BE49-F238E27FC236}">
+                <a16:creationId xmlns:a16="http://schemas.microsoft.com/office/drawing/2014/main" id="{8B2BCDF1-BA0A-547E-357D-D066A9E6AB7F}"/>
+              </a:ext>
+            </a:extLst>
+          </p:cNvPr>
+          <p:cNvSpPr/>
+          <p:nvPr/>
+        </p:nvSpPr>
+        <p:spPr>
+          <a:xfrm>
+            <a:off x="8391868" y="3417705"/>
+            <a:ext cx="540000" cy="540000"/>
+          </a:xfrm>
+          <a:prstGeom prst="ellipse">
+            <a:avLst/>
+          </a:prstGeom>
+          <a:ln>
+            <a:noFill/>
+          </a:ln>
+        </p:spPr>
+        <p:style>
+          <a:lnRef idx="2">
+            <a:schemeClr val="accent6">
+              <a:shade val="50000"/>
+            </a:schemeClr>
+          </a:lnRef>
+          <a:fillRef idx="1">
+            <a:schemeClr val="accent6"/>
+          </a:fillRef>
+          <a:effectRef idx="0">
+            <a:schemeClr val="accent6"/>
+          </a:effectRef>
+          <a:fontRef idx="minor">
+            <a:schemeClr val="lt1"/>
+          </a:fontRef>
+        </p:style>
+        <p:txBody>
+          <a:bodyPr rtlCol="0" anchor="ctr"/>
+          <a:lstStyle/>
+          <a:p>
+            <a:pPr algn="ctr"/>
+            <a:endParaRPr lang="es-CO"/>
+          </a:p>
+        </p:txBody>
+      </p:sp>
+      <p:sp>
+        <p:nvSpPr>
+          <p:cNvPr id="26" name="Oval 25">
+            <a:extLst>
+              <a:ext uri="{FF2B5EF4-FFF2-40B4-BE49-F238E27FC236}">
+                <a16:creationId xmlns:a16="http://schemas.microsoft.com/office/drawing/2014/main" id="{17CE0F48-09EC-FB62-D355-2A400769C46D}"/>
+              </a:ext>
+            </a:extLst>
+          </p:cNvPr>
+          <p:cNvSpPr/>
+          <p:nvPr/>
+        </p:nvSpPr>
+        <p:spPr>
+          <a:xfrm>
+            <a:off x="9311034" y="3414825"/>
+            <a:ext cx="540000" cy="540000"/>
+          </a:xfrm>
+          <a:prstGeom prst="ellipse">
+            <a:avLst/>
+          </a:prstGeom>
+          <a:ln>
+            <a:noFill/>
+          </a:ln>
+        </p:spPr>
+        <p:style>
+          <a:lnRef idx="2">
+            <a:schemeClr val="accent6">
+              <a:shade val="50000"/>
+            </a:schemeClr>
+          </a:lnRef>
+          <a:fillRef idx="1">
+            <a:schemeClr val="accent6"/>
+          </a:fillRef>
+          <a:effectRef idx="0">
+            <a:schemeClr val="accent6"/>
+          </a:effectRef>
+          <a:fontRef idx="minor">
+            <a:schemeClr val="lt1"/>
+          </a:fontRef>
+        </p:style>
+        <p:txBody>
+          <a:bodyPr rtlCol="0" anchor="ctr"/>
+          <a:lstStyle/>
+          <a:p>
+            <a:pPr algn="ctr"/>
+            <a:endParaRPr lang="es-CO"/>
+          </a:p>
+        </p:txBody>
+      </p:sp>
+      <p:sp>
+        <p:nvSpPr>
+          <p:cNvPr id="27" name="Oval 26">
+            <a:extLst>
+              <a:ext uri="{FF2B5EF4-FFF2-40B4-BE49-F238E27FC236}">
+                <a16:creationId xmlns:a16="http://schemas.microsoft.com/office/drawing/2014/main" id="{EC57D0E6-41A3-A883-08C7-0CF10CA759B8}"/>
+              </a:ext>
+            </a:extLst>
+          </p:cNvPr>
+          <p:cNvSpPr/>
+          <p:nvPr/>
+        </p:nvSpPr>
+        <p:spPr>
+          <a:xfrm>
+            <a:off x="10960984" y="3390953"/>
+            <a:ext cx="540000" cy="540000"/>
+          </a:xfrm>
+          <a:prstGeom prst="ellipse">
+            <a:avLst/>
+          </a:prstGeom>
+          <a:ln>
+            <a:noFill/>
+          </a:ln>
+        </p:spPr>
+        <p:style>
+          <a:lnRef idx="2">
+            <a:schemeClr val="accent6">
+              <a:shade val="50000"/>
+            </a:schemeClr>
+          </a:lnRef>
+          <a:fillRef idx="1">
+            <a:schemeClr val="accent6"/>
+          </a:fillRef>
+          <a:effectRef idx="0">
+            <a:schemeClr val="accent6"/>
+          </a:effectRef>
+          <a:fontRef idx="minor">
+            <a:schemeClr val="lt1"/>
+          </a:fontRef>
+        </p:style>
+        <p:txBody>
+          <a:bodyPr rtlCol="0" anchor="ctr"/>
+          <a:lstStyle/>
+          <a:p>
+            <a:pPr algn="ctr"/>
+            <a:endParaRPr lang="es-CO"/>
+          </a:p>
+        </p:txBody>
+      </p:sp>
+      <p:pic>
+        <p:nvPicPr>
+          <p:cNvPr id="37" name="Graphic 36" descr="School boy outline">
+            <a:extLst>
+              <a:ext uri="{FF2B5EF4-FFF2-40B4-BE49-F238E27FC236}">
+                <a16:creationId xmlns:a16="http://schemas.microsoft.com/office/drawing/2014/main" id="{903E4AF8-9ACC-67E9-80AC-BF284011B3A5}"/>
+              </a:ext>
+            </a:extLst>
+          </p:cNvPr>
+          <p:cNvPicPr>
+            <a:picLocks noChangeAspect="1"/>
+          </p:cNvPicPr>
+          <p:nvPr/>
+        </p:nvPicPr>
+        <p:blipFill>
+          <a:blip r:embed="rId7">
+            <a:extLst>
+              <a:ext uri="{96DAC541-7B7A-43D3-8B79-37D633B846F1}">
+                <asvg:svgBlip xmlns:asvg="http://schemas.microsoft.com/office/drawing/2016/SVG/main" r:embed="rId8"/>
+              </a:ext>
+            </a:extLst>
+          </a:blip>
+          <a:stretch>
+            <a:fillRect/>
+          </a:stretch>
+        </p:blipFill>
+        <p:spPr>
+          <a:xfrm>
+            <a:off x="10510984" y="4129849"/>
+            <a:ext cx="1440000" cy="1440000"/>
+          </a:xfrm>
+          <a:prstGeom prst="rect">
+            <a:avLst/>
+          </a:prstGeom>
+        </p:spPr>
+      </p:pic>
+      <p:sp>
+        <p:nvSpPr>
+          <p:cNvPr id="39" name="Title 1">
+            <a:extLst>
+              <a:ext uri="{FF2B5EF4-FFF2-40B4-BE49-F238E27FC236}">
+                <a16:creationId xmlns:a16="http://schemas.microsoft.com/office/drawing/2014/main" id="{A27D5E8D-9945-76BF-9902-32BFD1840804}"/>
+              </a:ext>
+            </a:extLst>
+          </p:cNvPr>
+          <p:cNvSpPr>
+            <a:spLocks noGrp="1"/>
+          </p:cNvSpPr>
+          <p:nvPr>
+            <p:ph type="title"/>
+          </p:nvPr>
+        </p:nvSpPr>
+        <p:spPr>
+          <a:xfrm>
+            <a:off x="1" y="391431"/>
+            <a:ext cx="12191999" cy="930208"/>
+          </a:xfrm>
+        </p:spPr>
+        <p:txBody>
+          <a:bodyPr anchor="ctr" anchorCtr="0">
+            <a:normAutofit/>
           </a:bodyPr>
           <a:lstStyle/>
           <a:p>
-            <a:pPr defTabSz="914377">
+            <a:pPr algn="ctr"/>
+            <a:r>
+              <a:rPr lang="es-CO" sz="3600" b="1" dirty="0">
+                <a:solidFill>
+                  <a:schemeClr val="bg1">
+                    <a:lumMod val="25000"/>
+                  </a:schemeClr>
+                </a:solidFill>
+                <a:latin typeface="Segoe UI" panose="020B0502040204020203" pitchFamily="34" charset="0"/>
+                <a:ea typeface="Segoe UI Black" panose="020B0A02040204020203" pitchFamily="34" charset="0"/>
+                <a:cs typeface="Segoe UI" panose="020B0502040204020203" pitchFamily="34" charset="0"/>
+              </a:rPr>
+              <a:t>¿Qué es </a:t>
+            </a:r>
+            <a:r>
+              <a:rPr lang="es-CO" sz="3600" dirty="0">
+                <a:solidFill>
+                  <a:schemeClr val="bg1">
+                    <a:lumMod val="25000"/>
+                  </a:schemeClr>
+                </a:solidFill>
+                <a:latin typeface="Segoe UI" panose="020B0502040204020203" pitchFamily="34" charset="0"/>
+                <a:ea typeface="Segoe UI Black" panose="020B0A02040204020203" pitchFamily="34" charset="0"/>
+                <a:cs typeface="Segoe UI" panose="020B0502040204020203" pitchFamily="34" charset="0"/>
+              </a:rPr>
+              <a:t>el desarrollo colaborativo</a:t>
+            </a:r>
+            <a:r>
+              <a:rPr lang="es-CO" sz="3600" b="1" dirty="0">
+                <a:solidFill>
+                  <a:schemeClr val="bg1">
+                    <a:lumMod val="25000"/>
+                  </a:schemeClr>
+                </a:solidFill>
+                <a:latin typeface="Segoe UI" panose="020B0502040204020203" pitchFamily="34" charset="0"/>
+                <a:ea typeface="Segoe UI Black" panose="020B0A02040204020203" pitchFamily="34" charset="0"/>
+                <a:cs typeface="Segoe UI" panose="020B0502040204020203" pitchFamily="34" charset="0"/>
+              </a:rPr>
+              <a:t>?</a:t>
+            </a:r>
+          </a:p>
+        </p:txBody>
+      </p:sp>
+      <p:sp>
+        <p:nvSpPr>
+          <p:cNvPr id="41" name="TextBox 40">
+            <a:extLst>
+              <a:ext uri="{FF2B5EF4-FFF2-40B4-BE49-F238E27FC236}">
+                <a16:creationId xmlns:a16="http://schemas.microsoft.com/office/drawing/2014/main" id="{18385092-CEA9-9D91-6EB8-37D91613ECD5}"/>
+              </a:ext>
+            </a:extLst>
+          </p:cNvPr>
+          <p:cNvSpPr txBox="1"/>
+          <p:nvPr/>
+        </p:nvSpPr>
+        <p:spPr>
+          <a:xfrm>
+            <a:off x="0" y="6550223"/>
+            <a:ext cx="12192000" cy="307777"/>
+          </a:xfrm>
+          <a:prstGeom prst="rect">
+            <a:avLst/>
+          </a:prstGeom>
+          <a:noFill/>
+        </p:spPr>
+        <p:txBody>
+          <a:bodyPr wrap="square" rtlCol="0">
+            <a:spAutoFit/>
+          </a:bodyPr>
+          <a:lstStyle/>
+          <a:p>
+            <a:pPr algn="ctr"/>
+            <a:r>
+              <a:rPr lang="en-US" sz="1400" b="0" strike="noStrike">
+                <a:solidFill>
+                  <a:schemeClr val="bg1">
+                    <a:lumMod val="25000"/>
+                  </a:schemeClr>
+                </a:solidFill>
+                <a:effectLst/>
+                <a:latin typeface="+mj-lt"/>
+                <a:hlinkClick r:id="rId11"/>
+              </a:rPr>
+              <a:t>https://github.com/rcfdtools/R.TeachingResearchGuide/tree/main/Section01/WhatIsCollab</a:t>
+            </a:r>
+            <a:r>
+              <a:rPr lang="en-US" sz="1400" b="0" strike="noStrike">
+                <a:solidFill>
+                  <a:schemeClr val="bg1">
+                    <a:lumMod val="25000"/>
+                  </a:schemeClr>
+                </a:solidFill>
+                <a:effectLst/>
+                <a:latin typeface="+mj-lt"/>
+              </a:rPr>
+              <a:t> </a:t>
+            </a:r>
+            <a:endParaRPr lang="es-CO" sz="1400" dirty="0">
+              <a:solidFill>
+                <a:schemeClr val="bg1">
+                  <a:lumMod val="25000"/>
+                </a:schemeClr>
+              </a:solidFill>
+              <a:latin typeface="+mj-lt"/>
+            </a:endParaRPr>
+          </a:p>
+        </p:txBody>
+      </p:sp>
+    </p:spTree>
+    <p:extLst>
+      <p:ext uri="{BB962C8B-B14F-4D97-AF65-F5344CB8AC3E}">
+        <p14:creationId xmlns:p14="http://schemas.microsoft.com/office/powerpoint/2010/main" val="1487087817"/>
+      </p:ext>
+    </p:extLst>
+  </p:cSld>
+  <p:clrMapOvr>
+    <a:masterClrMapping/>
+  </p:clrMapOvr>
+</p:sld>
+</file>
+
+<file path=ppt/slides/slide4.xml><?xml version="1.0" encoding="utf-8"?>
+<p:sld xmlns:a="http://schemas.openxmlformats.org/drawingml/2006/main" xmlns:r="http://schemas.openxmlformats.org/officeDocument/2006/relationships" xmlns:p="http://schemas.openxmlformats.org/presentationml/2006/main">
+  <p:cSld>
+    <p:bg>
+      <p:bgPr>
+        <a:solidFill>
+          <a:schemeClr val="bg1">
+            <a:lumMod val="90000"/>
+          </a:schemeClr>
+        </a:solidFill>
+        <a:effectLst/>
+      </p:bgPr>
+    </p:bg>
+    <p:spTree>
+      <p:nvGrpSpPr>
+        <p:cNvPr id="1" name=""/>
+        <p:cNvGrpSpPr/>
+        <p:nvPr/>
+      </p:nvGrpSpPr>
+      <p:grpSpPr>
+        <a:xfrm>
+          <a:off x="0" y="0"/>
+          <a:ext cx="0" cy="0"/>
+          <a:chOff x="0" y="0"/>
+          <a:chExt cx="0" cy="0"/>
+        </a:xfrm>
+      </p:grpSpPr>
+      <p:sp>
+        <p:nvSpPr>
+          <p:cNvPr id="3" name="Title 1">
+            <a:extLst>
+              <a:ext uri="{FF2B5EF4-FFF2-40B4-BE49-F238E27FC236}">
+                <a16:creationId xmlns:a16="http://schemas.microsoft.com/office/drawing/2014/main" id="{D08D12F9-E8A4-D663-64BC-C01DFFBEA9E8}"/>
+              </a:ext>
+            </a:extLst>
+          </p:cNvPr>
+          <p:cNvSpPr>
+            <a:spLocks noGrp="1"/>
+          </p:cNvSpPr>
+          <p:nvPr>
+            <p:ph type="title"/>
+          </p:nvPr>
+        </p:nvSpPr>
+        <p:spPr>
+          <a:xfrm>
+            <a:off x="1" y="134809"/>
+            <a:ext cx="12191999" cy="930208"/>
+          </a:xfrm>
+        </p:spPr>
+        <p:txBody>
+          <a:bodyPr anchor="ctr" anchorCtr="0">
+            <a:normAutofit/>
+          </a:bodyPr>
+          <a:lstStyle/>
+          <a:p>
+            <a:pPr algn="ctr"/>
+            <a:r>
+              <a:rPr lang="es-CO" sz="3600" b="1" dirty="0">
+                <a:solidFill>
+                  <a:schemeClr val="bg1">
+                    <a:lumMod val="25000"/>
+                  </a:schemeClr>
+                </a:solidFill>
+                <a:latin typeface="Segoe UI" panose="020B0502040204020203" pitchFamily="34" charset="0"/>
+                <a:ea typeface="Segoe UI Black" panose="020B0A02040204020203" pitchFamily="34" charset="0"/>
+                <a:cs typeface="Segoe UI" panose="020B0502040204020203" pitchFamily="34" charset="0"/>
+              </a:rPr>
+              <a:t>Creación</a:t>
+            </a:r>
+            <a:r>
+              <a:rPr lang="es-CO" sz="3600" dirty="0">
+                <a:solidFill>
+                  <a:schemeClr val="bg1">
+                    <a:lumMod val="25000"/>
+                  </a:schemeClr>
+                </a:solidFill>
+                <a:latin typeface="Segoe UI" panose="020B0502040204020203" pitchFamily="34" charset="0"/>
+                <a:ea typeface="Segoe UI Black" panose="020B0A02040204020203" pitchFamily="34" charset="0"/>
+                <a:cs typeface="Segoe UI" panose="020B0502040204020203" pitchFamily="34" charset="0"/>
+              </a:rPr>
+              <a:t> de contenidos de forma </a:t>
+            </a:r>
+            <a:r>
+              <a:rPr lang="es-CO" sz="3600" b="1" dirty="0">
+                <a:solidFill>
+                  <a:schemeClr val="bg1">
+                    <a:lumMod val="25000"/>
+                  </a:schemeClr>
+                </a:solidFill>
+                <a:latin typeface="Segoe UI" panose="020B0502040204020203" pitchFamily="34" charset="0"/>
+                <a:ea typeface="Segoe UI Black" panose="020B0A02040204020203" pitchFamily="34" charset="0"/>
+                <a:cs typeface="Segoe UI" panose="020B0502040204020203" pitchFamily="34" charset="0"/>
+              </a:rPr>
+              <a:t>individual o colectiva</a:t>
+            </a:r>
+          </a:p>
+        </p:txBody>
+      </p:sp>
+      <p:pic>
+        <p:nvPicPr>
+          <p:cNvPr id="8" name="Graphic 7">
+            <a:extLst>
+              <a:ext uri="{FF2B5EF4-FFF2-40B4-BE49-F238E27FC236}">
+                <a16:creationId xmlns:a16="http://schemas.microsoft.com/office/drawing/2014/main" id="{015AC5EB-8392-CCEF-54F0-6BE33E91AE15}"/>
+              </a:ext>
+            </a:extLst>
+          </p:cNvPr>
+          <p:cNvPicPr>
+            <a:picLocks noChangeAspect="1"/>
+          </p:cNvPicPr>
+          <p:nvPr/>
+        </p:nvPicPr>
+        <p:blipFill>
+          <a:blip r:embed="rId3">
+            <a:extLst>
+              <a:ext uri="{96DAC541-7B7A-43D3-8B79-37D633B846F1}">
+                <asvg:svgBlip xmlns:asvg="http://schemas.microsoft.com/office/drawing/2016/SVG/main" r:embed="rId4"/>
+              </a:ext>
+            </a:extLst>
+          </a:blip>
+          <a:stretch>
+            <a:fillRect/>
+          </a:stretch>
+        </p:blipFill>
+        <p:spPr>
+          <a:xfrm>
+            <a:off x="425755" y="956560"/>
+            <a:ext cx="11340489" cy="5579157"/>
+          </a:xfrm>
+          <a:prstGeom prst="rect">
+            <a:avLst/>
+          </a:prstGeom>
+        </p:spPr>
+      </p:pic>
+      <p:sp>
+        <p:nvSpPr>
+          <p:cNvPr id="16" name="TextBox 15">
+            <a:extLst>
+              <a:ext uri="{FF2B5EF4-FFF2-40B4-BE49-F238E27FC236}">
+                <a16:creationId xmlns:a16="http://schemas.microsoft.com/office/drawing/2014/main" id="{D44A580F-908E-08E8-914C-D687BBBB7923}"/>
+              </a:ext>
+            </a:extLst>
+          </p:cNvPr>
+          <p:cNvSpPr txBox="1"/>
+          <p:nvPr/>
+        </p:nvSpPr>
+        <p:spPr>
+          <a:xfrm>
+            <a:off x="0" y="6550223"/>
+            <a:ext cx="12192000" cy="307777"/>
+          </a:xfrm>
+          <a:prstGeom prst="rect">
+            <a:avLst/>
+          </a:prstGeom>
+          <a:noFill/>
+        </p:spPr>
+        <p:txBody>
+          <a:bodyPr wrap="square" rtlCol="0">
+            <a:spAutoFit/>
+          </a:bodyPr>
+          <a:lstStyle/>
+          <a:p>
+            <a:pPr algn="ctr"/>
+            <a:r>
+              <a:rPr lang="es-CO" sz="1400" dirty="0">
+                <a:solidFill>
+                  <a:schemeClr val="bg1">
+                    <a:lumMod val="25000"/>
+                  </a:schemeClr>
+                </a:solidFill>
+                <a:latin typeface="+mj-lt"/>
+              </a:rPr>
+              <a:t>Tomado o adaptado de: Programación colaborativa - De la necesidad de su uso a la psicología de sus interacciones, </a:t>
+            </a:r>
+            <a:r>
+              <a:rPr lang="es-CO" sz="1400" dirty="0">
+                <a:solidFill>
+                  <a:schemeClr val="bg1">
+                    <a:lumMod val="25000"/>
+                  </a:schemeClr>
+                </a:solidFill>
+                <a:latin typeface="+mj-lt"/>
+                <a:hlinkClick r:id="rId5"/>
+              </a:rPr>
+              <a:t>https://www.scielo.org.mx</a:t>
+            </a:r>
+            <a:r>
+              <a:rPr lang="es-CO" sz="1400" dirty="0">
+                <a:solidFill>
+                  <a:schemeClr val="bg1">
+                    <a:lumMod val="25000"/>
+                  </a:schemeClr>
+                </a:solidFill>
+                <a:latin typeface="+mj-lt"/>
+              </a:rPr>
+              <a:t>  </a:t>
+            </a:r>
+          </a:p>
+        </p:txBody>
+      </p:sp>
+    </p:spTree>
+    <p:extLst>
+      <p:ext uri="{BB962C8B-B14F-4D97-AF65-F5344CB8AC3E}">
+        <p14:creationId xmlns:p14="http://schemas.microsoft.com/office/powerpoint/2010/main" val="650177068"/>
+      </p:ext>
+    </p:extLst>
+  </p:cSld>
+  <p:clrMapOvr>
+    <a:masterClrMapping/>
+  </p:clrMapOvr>
+</p:sld>
+</file>
+
+<file path=ppt/slides/slide5.xml><?xml version="1.0" encoding="utf-8"?>
+<p:sld xmlns:a="http://schemas.openxmlformats.org/drawingml/2006/main" xmlns:r="http://schemas.openxmlformats.org/officeDocument/2006/relationships" xmlns:p="http://schemas.openxmlformats.org/presentationml/2006/main">
+  <p:cSld>
+    <p:spTree>
+      <p:nvGrpSpPr>
+        <p:cNvPr id="1" name=""/>
+        <p:cNvGrpSpPr/>
+        <p:nvPr/>
+      </p:nvGrpSpPr>
+      <p:grpSpPr>
+        <a:xfrm>
+          <a:off x="0" y="0"/>
+          <a:ext cx="0" cy="0"/>
+          <a:chOff x="0" y="0"/>
+          <a:chExt cx="0" cy="0"/>
+        </a:xfrm>
+      </p:grpSpPr>
+      <p:sp>
+        <p:nvSpPr>
+          <p:cNvPr id="3" name="Title 1">
+            <a:extLst>
+              <a:ext uri="{FF2B5EF4-FFF2-40B4-BE49-F238E27FC236}">
+                <a16:creationId xmlns:a16="http://schemas.microsoft.com/office/drawing/2014/main" id="{D08D12F9-E8A4-D663-64BC-C01DFFBEA9E8}"/>
+              </a:ext>
+            </a:extLst>
+          </p:cNvPr>
+          <p:cNvSpPr>
+            <a:spLocks noGrp="1"/>
+          </p:cNvSpPr>
+          <p:nvPr>
+            <p:ph type="title"/>
+          </p:nvPr>
+        </p:nvSpPr>
+        <p:spPr>
+          <a:xfrm>
+            <a:off x="1" y="291223"/>
+            <a:ext cx="12191999" cy="930208"/>
+          </a:xfrm>
+        </p:spPr>
+        <p:txBody>
+          <a:bodyPr anchor="ctr" anchorCtr="0">
+            <a:normAutofit/>
+          </a:bodyPr>
+          <a:lstStyle/>
+          <a:p>
+            <a:pPr algn="ctr"/>
+            <a:r>
+              <a:rPr lang="es-CO" sz="3600" b="1" dirty="0">
+                <a:solidFill>
+                  <a:schemeClr val="bg1">
+                    <a:lumMod val="25000"/>
+                  </a:schemeClr>
+                </a:solidFill>
+                <a:latin typeface="Segoe UI" panose="020B0502040204020203" pitchFamily="34" charset="0"/>
+                <a:ea typeface="Segoe UI Black" panose="020B0A02040204020203" pitchFamily="34" charset="0"/>
+                <a:cs typeface="Segoe UI" panose="020B0502040204020203" pitchFamily="34" charset="0"/>
+              </a:rPr>
+              <a:t>Beneficios</a:t>
+            </a:r>
+            <a:r>
+              <a:rPr lang="es-CO" sz="3600" dirty="0">
+                <a:solidFill>
+                  <a:schemeClr val="bg1">
+                    <a:lumMod val="25000"/>
+                  </a:schemeClr>
+                </a:solidFill>
+                <a:latin typeface="Segoe UI" panose="020B0502040204020203" pitchFamily="34" charset="0"/>
+                <a:ea typeface="Segoe UI Black" panose="020B0A02040204020203" pitchFamily="34" charset="0"/>
+                <a:cs typeface="Segoe UI" panose="020B0502040204020203" pitchFamily="34" charset="0"/>
+              </a:rPr>
+              <a:t> de trabajar colaborativamente</a:t>
+            </a:r>
+          </a:p>
+        </p:txBody>
+      </p:sp>
+      <p:sp>
+        <p:nvSpPr>
+          <p:cNvPr id="2" name="Title 1">
+            <a:extLst>
+              <a:ext uri="{FF2B5EF4-FFF2-40B4-BE49-F238E27FC236}">
+                <a16:creationId xmlns:a16="http://schemas.microsoft.com/office/drawing/2014/main" id="{E489CDCC-A75B-6D18-1E85-FE6BD3835AEE}"/>
+              </a:ext>
+            </a:extLst>
+          </p:cNvPr>
+          <p:cNvSpPr txBox="1">
+            <a:spLocks/>
+          </p:cNvSpPr>
+          <p:nvPr/>
+        </p:nvSpPr>
+        <p:spPr>
+          <a:xfrm>
+            <a:off x="960291" y="3646682"/>
+            <a:ext cx="10271418" cy="2550545"/>
+          </a:xfrm>
+          <a:prstGeom prst="rect">
+            <a:avLst/>
+          </a:prstGeom>
+        </p:spPr>
+        <p:txBody>
+          <a:bodyPr vert="horz" lIns="91440" tIns="45720" rIns="91440" bIns="45720" rtlCol="0" anchor="ctr" anchorCtr="0">
+            <a:normAutofit/>
+          </a:bodyPr>
+          <a:lstStyle>
+            <a:lvl1pPr algn="l" defTabSz="914377" rtl="0" eaLnBrk="1" latinLnBrk="0" hangingPunct="1">
               <a:lnSpc>
                 <a:spcPct val="90000"/>
               </a:lnSpc>
               <a:spcBef>
                 <a:spcPct val="0"/>
               </a:spcBef>
+              <a:buNone/>
+              <a:defRPr sz="2600" kern="1200">
+                <a:solidFill>
+                  <a:schemeClr val="tx1"/>
+                </a:solidFill>
+                <a:latin typeface="+mj-lt"/>
+                <a:ea typeface="+mj-ea"/>
+                <a:cs typeface="+mj-cs"/>
+              </a:defRPr>
+            </a:lvl1pPr>
+          </a:lstStyle>
+          <a:p>
+            <a:pPr marL="571500" indent="-571500">
+              <a:buFont typeface="Wingdings" panose="05000000000000000000" pitchFamily="2" charset="2"/>
+              <a:buChar char="ü"/>
             </a:pPr>
             <a:r>
-              <a:rPr lang="es-CO" sz="3600" b="1" dirty="0">
-                <a:solidFill>
-                  <a:schemeClr val="bg1"/>
-                </a:solidFill>
-                <a:effectLst/>
+              <a:rPr lang="es-CO" sz="2800" dirty="0">
+                <a:solidFill>
+                  <a:schemeClr val="bg1">
+                    <a:lumMod val="25000"/>
+                  </a:schemeClr>
+                </a:solidFill>
                 <a:latin typeface="Segoe UI" panose="020B0502040204020203" pitchFamily="34" charset="0"/>
                 <a:ea typeface="Segoe UI Black" panose="020B0A02040204020203" pitchFamily="34" charset="0"/>
                 <a:cs typeface="Segoe UI" panose="020B0502040204020203" pitchFamily="34" charset="0"/>
               </a:rPr>
-              <a:t>Sección 1 - Introducción, fundamentos</a:t>
-            </a:r>
-            <a:endParaRPr lang="es-CO" sz="3600" b="1" dirty="0">
+              <a:t>Combinación de experticia.</a:t>
+            </a:r>
+          </a:p>
+          <a:p>
+            <a:pPr marL="571500" indent="-571500">
+              <a:buFont typeface="Wingdings" panose="05000000000000000000" pitchFamily="2" charset="2"/>
+              <a:buChar char="ü"/>
+            </a:pPr>
+            <a:r>
+              <a:rPr lang="es-CO" sz="2800" dirty="0">
+                <a:solidFill>
+                  <a:schemeClr val="bg1">
+                    <a:lumMod val="25000"/>
+                  </a:schemeClr>
+                </a:solidFill>
+                <a:latin typeface="Segoe UI" panose="020B0502040204020203" pitchFamily="34" charset="0"/>
+                <a:ea typeface="Segoe UI Black" panose="020B0A02040204020203" pitchFamily="34" charset="0"/>
+                <a:cs typeface="Segoe UI" panose="020B0502040204020203" pitchFamily="34" charset="0"/>
+              </a:rPr>
+              <a:t>Creación de redes colaborativas.</a:t>
+            </a:r>
+          </a:p>
+          <a:p>
+            <a:pPr marL="571500" indent="-571500">
+              <a:buFont typeface="Wingdings" panose="05000000000000000000" pitchFamily="2" charset="2"/>
+              <a:buChar char="ü"/>
+            </a:pPr>
+            <a:r>
+              <a:rPr lang="es-CO" sz="2800" dirty="0">
+                <a:solidFill>
+                  <a:schemeClr val="bg1">
+                    <a:lumMod val="25000"/>
+                  </a:schemeClr>
+                </a:solidFill>
+                <a:latin typeface="Segoe UI" panose="020B0502040204020203" pitchFamily="34" charset="0"/>
+                <a:ea typeface="Segoe UI Black" panose="020B0A02040204020203" pitchFamily="34" charset="0"/>
+                <a:cs typeface="Segoe UI" panose="020B0502040204020203" pitchFamily="34" charset="0"/>
+              </a:rPr>
+              <a:t>Interacción directa entre grupos, profesores y estudiantes.</a:t>
+            </a:r>
+          </a:p>
+          <a:p>
+            <a:pPr marL="571500" indent="-571500">
+              <a:buFont typeface="Wingdings" panose="05000000000000000000" pitchFamily="2" charset="2"/>
+              <a:buChar char="ü"/>
+            </a:pPr>
+            <a:r>
+              <a:rPr lang="es-CO" sz="2800" dirty="0">
+                <a:solidFill>
+                  <a:schemeClr val="bg1">
+                    <a:lumMod val="25000"/>
+                  </a:schemeClr>
+                </a:solidFill>
+                <a:latin typeface="Segoe UI" panose="020B0502040204020203" pitchFamily="34" charset="0"/>
+                <a:ea typeface="Segoe UI Black" panose="020B0A02040204020203" pitchFamily="34" charset="0"/>
+                <a:cs typeface="Segoe UI" panose="020B0502040204020203" pitchFamily="34" charset="0"/>
+              </a:rPr>
+              <a:t>Solución de casos de estudio desde diferentes perspectivas.</a:t>
+            </a:r>
+          </a:p>
+          <a:p>
+            <a:pPr marL="571500" indent="-571500">
+              <a:buFont typeface="Wingdings" panose="05000000000000000000" pitchFamily="2" charset="2"/>
+              <a:buChar char="ü"/>
+            </a:pPr>
+            <a:r>
+              <a:rPr lang="es-CO" sz="2800" dirty="0">
+                <a:solidFill>
+                  <a:schemeClr val="bg1">
+                    <a:lumMod val="25000"/>
+                  </a:schemeClr>
+                </a:solidFill>
+                <a:latin typeface="Segoe UI" panose="020B0502040204020203" pitchFamily="34" charset="0"/>
+                <a:ea typeface="Segoe UI Black" panose="020B0A02040204020203" pitchFamily="34" charset="0"/>
+                <a:cs typeface="Segoe UI" panose="020B0502040204020203" pitchFamily="34" charset="0"/>
+              </a:rPr>
+              <a:t>Conocimiento compartido.</a:t>
+            </a:r>
+          </a:p>
+          <a:p>
+            <a:pPr marL="571500" indent="-571500">
+              <a:buFont typeface="Wingdings" panose="05000000000000000000" pitchFamily="2" charset="2"/>
+              <a:buChar char="ü"/>
+            </a:pPr>
+            <a:r>
+              <a:rPr lang="es-CO" sz="2800" dirty="0">
+                <a:solidFill>
+                  <a:schemeClr val="bg1">
+                    <a:lumMod val="25000"/>
+                  </a:schemeClr>
+                </a:solidFill>
+                <a:latin typeface="Segoe UI" panose="020B0502040204020203" pitchFamily="34" charset="0"/>
+                <a:ea typeface="Segoe UI Black" panose="020B0A02040204020203" pitchFamily="34" charset="0"/>
+                <a:cs typeface="Segoe UI" panose="020B0502040204020203" pitchFamily="34" charset="0"/>
+              </a:rPr>
+              <a:t>Agrega valor a las organizaciones.</a:t>
+            </a:r>
+          </a:p>
+        </p:txBody>
+      </p:sp>
+      <p:pic>
+        <p:nvPicPr>
+          <p:cNvPr id="5" name="Graphic 4" descr="Brain in head outline">
+            <a:extLst>
+              <a:ext uri="{FF2B5EF4-FFF2-40B4-BE49-F238E27FC236}">
+                <a16:creationId xmlns:a16="http://schemas.microsoft.com/office/drawing/2014/main" id="{9CC085F6-4AEF-D1A0-04D4-63AF45533AA3}"/>
+              </a:ext>
+            </a:extLst>
+          </p:cNvPr>
+          <p:cNvPicPr>
+            <a:picLocks noChangeAspect="1"/>
+          </p:cNvPicPr>
+          <p:nvPr/>
+        </p:nvPicPr>
+        <p:blipFill>
+          <a:blip r:embed="rId3">
+            <a:extLst>
+              <a:ext uri="{96DAC541-7B7A-43D3-8B79-37D633B846F1}">
+                <asvg:svgBlip xmlns:asvg="http://schemas.microsoft.com/office/drawing/2016/SVG/main" r:embed="rId4"/>
+              </a:ext>
+            </a:extLst>
+          </a:blip>
+          <a:stretch>
+            <a:fillRect/>
+          </a:stretch>
+        </p:blipFill>
+        <p:spPr>
+          <a:xfrm>
+            <a:off x="833569" y="1674857"/>
+            <a:ext cx="1440000" cy="1440000"/>
+          </a:xfrm>
+          <a:prstGeom prst="rect">
+            <a:avLst/>
+          </a:prstGeom>
+        </p:spPr>
+      </p:pic>
+      <p:pic>
+        <p:nvPicPr>
+          <p:cNvPr id="7" name="Graphic 6" descr="Brainstorm outline">
+            <a:extLst>
+              <a:ext uri="{FF2B5EF4-FFF2-40B4-BE49-F238E27FC236}">
+                <a16:creationId xmlns:a16="http://schemas.microsoft.com/office/drawing/2014/main" id="{EBBBB7FD-7A43-94FD-F0DA-F68F39DF2663}"/>
+              </a:ext>
+            </a:extLst>
+          </p:cNvPr>
+          <p:cNvPicPr>
+            <a:picLocks noChangeAspect="1"/>
+          </p:cNvPicPr>
+          <p:nvPr/>
+        </p:nvPicPr>
+        <p:blipFill>
+          <a:blip r:embed="rId5">
+            <a:extLst>
+              <a:ext uri="{96DAC541-7B7A-43D3-8B79-37D633B846F1}">
+                <asvg:svgBlip xmlns:asvg="http://schemas.microsoft.com/office/drawing/2016/SVG/main" r:embed="rId6"/>
+              </a:ext>
+            </a:extLst>
+          </a:blip>
+          <a:stretch>
+            <a:fillRect/>
+          </a:stretch>
+        </p:blipFill>
+        <p:spPr>
+          <a:xfrm>
+            <a:off x="9543139" y="1674857"/>
+            <a:ext cx="1440000" cy="1440000"/>
+          </a:xfrm>
+          <a:prstGeom prst="rect">
+            <a:avLst/>
+          </a:prstGeom>
+        </p:spPr>
+      </p:pic>
+      <p:pic>
+        <p:nvPicPr>
+          <p:cNvPr id="10" name="Graphic 9" descr="Classroom outline">
+            <a:extLst>
+              <a:ext uri="{FF2B5EF4-FFF2-40B4-BE49-F238E27FC236}">
+                <a16:creationId xmlns:a16="http://schemas.microsoft.com/office/drawing/2014/main" id="{B5CCC2BF-486B-16E1-0544-D00ED8EB1BA9}"/>
+              </a:ext>
+            </a:extLst>
+          </p:cNvPr>
+          <p:cNvPicPr>
+            <a:picLocks noChangeAspect="1"/>
+          </p:cNvPicPr>
+          <p:nvPr/>
+        </p:nvPicPr>
+        <p:blipFill>
+          <a:blip r:embed="rId7">
+            <a:extLst>
+              <a:ext uri="{96DAC541-7B7A-43D3-8B79-37D633B846F1}">
+                <asvg:svgBlip xmlns:asvg="http://schemas.microsoft.com/office/drawing/2016/SVG/main" r:embed="rId8"/>
+              </a:ext>
+            </a:extLst>
+          </a:blip>
+          <a:stretch>
+            <a:fillRect/>
+          </a:stretch>
+        </p:blipFill>
+        <p:spPr>
+          <a:xfrm>
+            <a:off x="6731052" y="1674857"/>
+            <a:ext cx="1440000" cy="1440000"/>
+          </a:xfrm>
+          <a:prstGeom prst="rect">
+            <a:avLst/>
+          </a:prstGeom>
+        </p:spPr>
+      </p:pic>
+      <p:pic>
+        <p:nvPicPr>
+          <p:cNvPr id="12" name="Graphic 11" descr="Connections outline">
+            <a:extLst>
+              <a:ext uri="{FF2B5EF4-FFF2-40B4-BE49-F238E27FC236}">
+                <a16:creationId xmlns:a16="http://schemas.microsoft.com/office/drawing/2014/main" id="{02DCD504-2554-9B1C-E99A-B2108DAF743C}"/>
+              </a:ext>
+            </a:extLst>
+          </p:cNvPr>
+          <p:cNvPicPr>
+            <a:picLocks noChangeAspect="1"/>
+          </p:cNvPicPr>
+          <p:nvPr/>
+        </p:nvPicPr>
+        <p:blipFill>
+          <a:blip r:embed="rId9">
+            <a:extLst>
+              <a:ext uri="{96DAC541-7B7A-43D3-8B79-37D633B846F1}">
+                <asvg:svgBlip xmlns:asvg="http://schemas.microsoft.com/office/drawing/2016/SVG/main" r:embed="rId10"/>
+              </a:ext>
+            </a:extLst>
+          </a:blip>
+          <a:stretch>
+            <a:fillRect/>
+          </a:stretch>
+        </p:blipFill>
+        <p:spPr>
+          <a:xfrm>
+            <a:off x="3715765" y="1674857"/>
+            <a:ext cx="1440000" cy="1440000"/>
+          </a:xfrm>
+          <a:prstGeom prst="rect">
+            <a:avLst/>
+          </a:prstGeom>
+        </p:spPr>
+      </p:pic>
+    </p:spTree>
+    <p:extLst>
+      <p:ext uri="{BB962C8B-B14F-4D97-AF65-F5344CB8AC3E}">
+        <p14:creationId xmlns:p14="http://schemas.microsoft.com/office/powerpoint/2010/main" val="530889561"/>
+      </p:ext>
+    </p:extLst>
+  </p:cSld>
+  <p:clrMapOvr>
+    <a:masterClrMapping/>
+  </p:clrMapOvr>
+</p:sld>
+</file>
+
+<file path=ppt/slides/slide6.xml><?xml version="1.0" encoding="utf-8"?>
+<p:sld xmlns:a="http://schemas.openxmlformats.org/drawingml/2006/main" xmlns:r="http://schemas.openxmlformats.org/officeDocument/2006/relationships" xmlns:p="http://schemas.openxmlformats.org/presentationml/2006/main">
+  <p:cSld>
+    <p:spTree>
+      <p:nvGrpSpPr>
+        <p:cNvPr id="1" name=""/>
+        <p:cNvGrpSpPr/>
+        <p:nvPr/>
+      </p:nvGrpSpPr>
+      <p:grpSpPr>
+        <a:xfrm>
+          <a:off x="0" y="0"/>
+          <a:ext cx="0" cy="0"/>
+          <a:chOff x="0" y="0"/>
+          <a:chExt cx="0" cy="0"/>
+        </a:xfrm>
+      </p:grpSpPr>
+      <p:graphicFrame>
+        <p:nvGraphicFramePr>
+          <p:cNvPr id="11" name="Table 10">
+            <a:extLst>
+              <a:ext uri="{FF2B5EF4-FFF2-40B4-BE49-F238E27FC236}">
+                <a16:creationId xmlns:a16="http://schemas.microsoft.com/office/drawing/2014/main" id="{EEC9D47C-7FF5-A2A7-692E-D86B2FE6424F}"/>
+              </a:ext>
+            </a:extLst>
+          </p:cNvPr>
+          <p:cNvGraphicFramePr>
+            <a:graphicFrameLocks noGrp="1"/>
+          </p:cNvGraphicFramePr>
+          <p:nvPr>
+            <p:extLst>
+              <p:ext uri="{D42A27DB-BD31-4B8C-83A1-F6EECF244321}">
+                <p14:modId xmlns:p14="http://schemas.microsoft.com/office/powerpoint/2010/main" val="3847936238"/>
+              </p:ext>
+            </p:extLst>
+          </p:nvPr>
+        </p:nvGraphicFramePr>
+        <p:xfrm>
+          <a:off x="1402750" y="1802040"/>
+          <a:ext cx="9386499" cy="3826619"/>
+        </p:xfrm>
+        <a:graphic>
+          <a:graphicData uri="http://schemas.openxmlformats.org/drawingml/2006/table">
+            <a:tbl>
+              <a:tblPr>
+                <a:tableStyleId>{6E25E649-3F16-4E02-A733-19D2CDBF48F0}</a:tableStyleId>
+              </a:tblPr>
+              <a:tblGrid>
+                <a:gridCol w="2411829">
+                  <a:extLst>
+                    <a:ext uri="{9D8B030D-6E8A-4147-A177-3AD203B41FA5}">
+                      <a16:colId xmlns:a16="http://schemas.microsoft.com/office/drawing/2014/main" val="2450113201"/>
+                    </a:ext>
+                  </a:extLst>
+                </a:gridCol>
+                <a:gridCol w="3099971">
+                  <a:extLst>
+                    <a:ext uri="{9D8B030D-6E8A-4147-A177-3AD203B41FA5}">
+                      <a16:colId xmlns:a16="http://schemas.microsoft.com/office/drawing/2014/main" val="2523571973"/>
+                    </a:ext>
+                  </a:extLst>
+                </a:gridCol>
+                <a:gridCol w="3874699">
+                  <a:extLst>
+                    <a:ext uri="{9D8B030D-6E8A-4147-A177-3AD203B41FA5}">
+                      <a16:colId xmlns:a16="http://schemas.microsoft.com/office/drawing/2014/main" val="2215633197"/>
+                    </a:ext>
+                  </a:extLst>
+                </a:gridCol>
+              </a:tblGrid>
+              <a:tr h="302310">
+                <a:tc>
+                  <a:txBody>
+                    <a:bodyPr/>
+                    <a:lstStyle/>
+                    <a:p>
+                      <a:pPr algn="l" fontAlgn="ctr">
+                        <a:spcBef>
+                          <a:spcPts val="0"/>
+                        </a:spcBef>
+                        <a:spcAft>
+                          <a:spcPts val="0"/>
+                        </a:spcAft>
+                      </a:pPr>
+                      <a:r>
+                        <a:rPr lang="es-CO" sz="2600" b="1" u="none" strike="noStrike" dirty="0">
+                          <a:solidFill>
+                            <a:srgbClr val="24292F"/>
+                          </a:solidFill>
+                          <a:effectLst/>
+                          <a:latin typeface="Segoe UI" panose="020B0502040204020203" pitchFamily="34" charset="0"/>
+                          <a:cs typeface="Segoe UI" panose="020B0502040204020203" pitchFamily="34" charset="0"/>
+                        </a:rPr>
+                        <a:t>Alcance</a:t>
+                      </a:r>
+                      <a:endParaRPr lang="es-CO" sz="2600" b="0" i="0" u="none" strike="noStrike" dirty="0">
+                        <a:effectLst/>
+                        <a:latin typeface="Segoe UI" panose="020B0502040204020203" pitchFamily="34" charset="0"/>
+                        <a:cs typeface="Segoe UI" panose="020B0502040204020203" pitchFamily="34" charset="0"/>
+                      </a:endParaRPr>
+                    </a:p>
+                  </a:txBody>
+                  <a:tcPr marL="113178" marR="12575" marT="12575" marB="0" anchor="ctr"/>
+                </a:tc>
+                <a:tc>
+                  <a:txBody>
+                    <a:bodyPr/>
+                    <a:lstStyle/>
+                    <a:p>
+                      <a:pPr algn="l" fontAlgn="ctr">
+                        <a:spcBef>
+                          <a:spcPts val="0"/>
+                        </a:spcBef>
+                        <a:spcAft>
+                          <a:spcPts val="0"/>
+                        </a:spcAft>
+                      </a:pPr>
+                      <a:r>
+                        <a:rPr lang="es-CO" sz="2600" b="1" u="none" strike="noStrike">
+                          <a:solidFill>
+                            <a:srgbClr val="24292F"/>
+                          </a:solidFill>
+                          <a:effectLst/>
+                          <a:latin typeface="Segoe UI" panose="020B0502040204020203" pitchFamily="34" charset="0"/>
+                          <a:cs typeface="Segoe UI" panose="020B0502040204020203" pitchFamily="34" charset="0"/>
+                        </a:rPr>
+                        <a:t>Cooperación</a:t>
+                      </a:r>
+                      <a:endParaRPr lang="es-CO" sz="2600" b="0" i="0" u="none" strike="noStrike">
+                        <a:effectLst/>
+                        <a:latin typeface="Segoe UI" panose="020B0502040204020203" pitchFamily="34" charset="0"/>
+                        <a:cs typeface="Segoe UI" panose="020B0502040204020203" pitchFamily="34" charset="0"/>
+                      </a:endParaRPr>
+                    </a:p>
+                  </a:txBody>
+                  <a:tcPr marL="113178" marR="12575" marT="12575" marB="0" anchor="ctr"/>
+                </a:tc>
+                <a:tc>
+                  <a:txBody>
+                    <a:bodyPr/>
+                    <a:lstStyle/>
+                    <a:p>
+                      <a:pPr algn="l" fontAlgn="ctr">
+                        <a:spcBef>
+                          <a:spcPts val="0"/>
+                        </a:spcBef>
+                        <a:spcAft>
+                          <a:spcPts val="0"/>
+                        </a:spcAft>
+                      </a:pPr>
+                      <a:r>
+                        <a:rPr lang="es-CO" sz="2600" b="1" u="none" strike="noStrike" dirty="0">
+                          <a:solidFill>
+                            <a:srgbClr val="24292F"/>
+                          </a:solidFill>
+                          <a:effectLst/>
+                          <a:latin typeface="Segoe UI" panose="020B0502040204020203" pitchFamily="34" charset="0"/>
+                          <a:cs typeface="Segoe UI" panose="020B0502040204020203" pitchFamily="34" charset="0"/>
+                        </a:rPr>
+                        <a:t>Colaboración</a:t>
+                      </a:r>
+                      <a:endParaRPr lang="es-CO" sz="2600" b="0" i="0" u="none" strike="noStrike" dirty="0">
+                        <a:effectLst/>
+                        <a:latin typeface="Segoe UI" panose="020B0502040204020203" pitchFamily="34" charset="0"/>
+                        <a:cs typeface="Segoe UI" panose="020B0502040204020203" pitchFamily="34" charset="0"/>
+                      </a:endParaRPr>
+                    </a:p>
+                  </a:txBody>
+                  <a:tcPr marL="113178" marR="12575" marT="12575" marB="0" anchor="ctr"/>
+                </a:tc>
+                <a:extLst>
+                  <a:ext uri="{0D108BD9-81ED-4DB2-BD59-A6C34878D82A}">
+                    <a16:rowId xmlns:a16="http://schemas.microsoft.com/office/drawing/2014/main" val="108041231"/>
+                  </a:ext>
+                </a:extLst>
+              </a:tr>
+              <a:tr h="440638">
+                <a:tc>
+                  <a:txBody>
+                    <a:bodyPr/>
+                    <a:lstStyle/>
+                    <a:p>
+                      <a:pPr algn="l" fontAlgn="ctr">
+                        <a:spcBef>
+                          <a:spcPts val="0"/>
+                        </a:spcBef>
+                        <a:spcAft>
+                          <a:spcPts val="0"/>
+                        </a:spcAft>
+                      </a:pPr>
+                      <a:r>
+                        <a:rPr lang="es-CO" sz="2600" b="1" u="none" strike="noStrike">
+                          <a:solidFill>
+                            <a:srgbClr val="24292F"/>
+                          </a:solidFill>
+                          <a:effectLst/>
+                          <a:latin typeface="Segoe UI" panose="020B0502040204020203" pitchFamily="34" charset="0"/>
+                          <a:cs typeface="Segoe UI" panose="020B0502040204020203" pitchFamily="34" charset="0"/>
+                        </a:rPr>
+                        <a:t>Requiere</a:t>
+                      </a:r>
+                      <a:endParaRPr lang="es-CO" sz="2600" b="0" i="0" u="none" strike="noStrike">
+                        <a:effectLst/>
+                        <a:latin typeface="Segoe UI" panose="020B0502040204020203" pitchFamily="34" charset="0"/>
+                        <a:cs typeface="Segoe UI" panose="020B0502040204020203" pitchFamily="34" charset="0"/>
+                      </a:endParaRPr>
+                    </a:p>
+                  </a:txBody>
+                  <a:tcPr marL="113178" marR="12575" marT="75452" marB="75452" anchor="ctr"/>
+                </a:tc>
+                <a:tc>
+                  <a:txBody>
+                    <a:bodyPr/>
+                    <a:lstStyle/>
+                    <a:p>
+                      <a:pPr algn="l" fontAlgn="ctr">
+                        <a:spcBef>
+                          <a:spcPts val="0"/>
+                        </a:spcBef>
+                        <a:spcAft>
+                          <a:spcPts val="0"/>
+                        </a:spcAft>
+                      </a:pPr>
+                      <a:r>
+                        <a:rPr lang="es-CO" sz="2600" b="0" u="none" strike="noStrike" dirty="0">
+                          <a:solidFill>
+                            <a:srgbClr val="24292F"/>
+                          </a:solidFill>
+                          <a:effectLst/>
+                          <a:latin typeface="Segoe UI" panose="020B0502040204020203" pitchFamily="34" charset="0"/>
+                          <a:cs typeface="Segoe UI" panose="020B0502040204020203" pitchFamily="34" charset="0"/>
+                        </a:rPr>
+                        <a:t>Respeto mutuo</a:t>
+                      </a:r>
+                      <a:endParaRPr lang="es-CO" sz="2600" b="0" i="0" u="none" strike="noStrike" dirty="0">
+                        <a:effectLst/>
+                        <a:latin typeface="Segoe UI" panose="020B0502040204020203" pitchFamily="34" charset="0"/>
+                        <a:cs typeface="Segoe UI" panose="020B0502040204020203" pitchFamily="34" charset="0"/>
+                      </a:endParaRPr>
+                    </a:p>
+                  </a:txBody>
+                  <a:tcPr marL="113178" marR="12575" marT="75452" marB="75452" anchor="ctr"/>
+                </a:tc>
+                <a:tc>
+                  <a:txBody>
+                    <a:bodyPr/>
+                    <a:lstStyle/>
+                    <a:p>
+                      <a:pPr algn="l" fontAlgn="ctr">
+                        <a:spcBef>
+                          <a:spcPts val="0"/>
+                        </a:spcBef>
+                        <a:spcAft>
+                          <a:spcPts val="0"/>
+                        </a:spcAft>
+                      </a:pPr>
+                      <a:r>
+                        <a:rPr lang="es-CO" sz="2600" b="0" u="none" strike="noStrike">
+                          <a:solidFill>
+                            <a:srgbClr val="24292F"/>
+                          </a:solidFill>
+                          <a:effectLst/>
+                          <a:latin typeface="Segoe UI" panose="020B0502040204020203" pitchFamily="34" charset="0"/>
+                          <a:cs typeface="Segoe UI" panose="020B0502040204020203" pitchFamily="34" charset="0"/>
+                        </a:rPr>
+                        <a:t>Confianza mutua</a:t>
+                      </a:r>
+                      <a:endParaRPr lang="es-CO" sz="2600" b="0" i="0" u="none" strike="noStrike">
+                        <a:effectLst/>
+                        <a:latin typeface="Segoe UI" panose="020B0502040204020203" pitchFamily="34" charset="0"/>
+                        <a:cs typeface="Segoe UI" panose="020B0502040204020203" pitchFamily="34" charset="0"/>
+                      </a:endParaRPr>
+                    </a:p>
+                  </a:txBody>
+                  <a:tcPr marL="113178" marR="12575" marT="75452" marB="75452" anchor="ctr"/>
+                </a:tc>
+                <a:extLst>
+                  <a:ext uri="{0D108BD9-81ED-4DB2-BD59-A6C34878D82A}">
+                    <a16:rowId xmlns:a16="http://schemas.microsoft.com/office/drawing/2014/main" val="3727643987"/>
+                  </a:ext>
+                </a:extLst>
+              </a:tr>
+              <a:tr h="440638">
+                <a:tc>
+                  <a:txBody>
+                    <a:bodyPr/>
+                    <a:lstStyle/>
+                    <a:p>
+                      <a:pPr algn="l" fontAlgn="ctr">
+                        <a:spcBef>
+                          <a:spcPts val="0"/>
+                        </a:spcBef>
+                        <a:spcAft>
+                          <a:spcPts val="0"/>
+                        </a:spcAft>
+                      </a:pPr>
+                      <a:r>
+                        <a:rPr lang="es-CO" sz="2600" b="1" u="none" strike="noStrike">
+                          <a:solidFill>
+                            <a:srgbClr val="24292F"/>
+                          </a:solidFill>
+                          <a:effectLst/>
+                          <a:latin typeface="Segoe UI" panose="020B0502040204020203" pitchFamily="34" charset="0"/>
+                          <a:cs typeface="Segoe UI" panose="020B0502040204020203" pitchFamily="34" charset="0"/>
+                        </a:rPr>
+                        <a:t>Requiere</a:t>
+                      </a:r>
+                      <a:endParaRPr lang="es-CO" sz="2600" b="0" i="0" u="none" strike="noStrike">
+                        <a:effectLst/>
+                        <a:latin typeface="Segoe UI" panose="020B0502040204020203" pitchFamily="34" charset="0"/>
+                        <a:cs typeface="Segoe UI" panose="020B0502040204020203" pitchFamily="34" charset="0"/>
+                      </a:endParaRPr>
+                    </a:p>
+                  </a:txBody>
+                  <a:tcPr marL="113178" marR="12575" marT="75452" marB="75452" anchor="ctr"/>
+                </a:tc>
+                <a:tc>
+                  <a:txBody>
+                    <a:bodyPr/>
+                    <a:lstStyle/>
+                    <a:p>
+                      <a:pPr algn="l" fontAlgn="ctr">
+                        <a:spcBef>
+                          <a:spcPts val="0"/>
+                        </a:spcBef>
+                        <a:spcAft>
+                          <a:spcPts val="0"/>
+                        </a:spcAft>
+                      </a:pPr>
+                      <a:r>
+                        <a:rPr lang="es-CO" sz="2600" b="0" u="none" strike="noStrike">
+                          <a:solidFill>
+                            <a:srgbClr val="24292F"/>
+                          </a:solidFill>
+                          <a:effectLst/>
+                          <a:latin typeface="Segoe UI" panose="020B0502040204020203" pitchFamily="34" charset="0"/>
+                          <a:cs typeface="Segoe UI" panose="020B0502040204020203" pitchFamily="34" charset="0"/>
+                        </a:rPr>
+                        <a:t>Transparencia</a:t>
+                      </a:r>
+                      <a:endParaRPr lang="es-CO" sz="2600" b="0" i="0" u="none" strike="noStrike">
+                        <a:effectLst/>
+                        <a:latin typeface="Segoe UI" panose="020B0502040204020203" pitchFamily="34" charset="0"/>
+                        <a:cs typeface="Segoe UI" panose="020B0502040204020203" pitchFamily="34" charset="0"/>
+                      </a:endParaRPr>
+                    </a:p>
+                  </a:txBody>
+                  <a:tcPr marL="113178" marR="12575" marT="75452" marB="75452" anchor="ctr"/>
+                </a:tc>
+                <a:tc>
+                  <a:txBody>
+                    <a:bodyPr/>
+                    <a:lstStyle/>
+                    <a:p>
+                      <a:pPr algn="l" fontAlgn="ctr">
+                        <a:spcBef>
+                          <a:spcPts val="0"/>
+                        </a:spcBef>
+                        <a:spcAft>
+                          <a:spcPts val="0"/>
+                        </a:spcAft>
+                      </a:pPr>
+                      <a:r>
+                        <a:rPr lang="es-CO" sz="2600" b="0" u="none" strike="noStrike">
+                          <a:solidFill>
+                            <a:srgbClr val="24292F"/>
+                          </a:solidFill>
+                          <a:effectLst/>
+                          <a:latin typeface="Segoe UI" panose="020B0502040204020203" pitchFamily="34" charset="0"/>
+                          <a:cs typeface="Segoe UI" panose="020B0502040204020203" pitchFamily="34" charset="0"/>
+                        </a:rPr>
+                        <a:t>Vulnerabilidad</a:t>
+                      </a:r>
+                      <a:endParaRPr lang="es-CO" sz="2600" b="0" i="0" u="none" strike="noStrike">
+                        <a:effectLst/>
+                        <a:latin typeface="Segoe UI" panose="020B0502040204020203" pitchFamily="34" charset="0"/>
+                        <a:cs typeface="Segoe UI" panose="020B0502040204020203" pitchFamily="34" charset="0"/>
+                      </a:endParaRPr>
+                    </a:p>
+                  </a:txBody>
+                  <a:tcPr marL="113178" marR="12575" marT="75452" marB="75452" anchor="ctr"/>
+                </a:tc>
+                <a:extLst>
+                  <a:ext uri="{0D108BD9-81ED-4DB2-BD59-A6C34878D82A}">
+                    <a16:rowId xmlns:a16="http://schemas.microsoft.com/office/drawing/2014/main" val="3307690023"/>
+                  </a:ext>
+                </a:extLst>
+              </a:tr>
+              <a:tr h="440638">
+                <a:tc>
+                  <a:txBody>
+                    <a:bodyPr/>
+                    <a:lstStyle/>
+                    <a:p>
+                      <a:pPr algn="l" fontAlgn="ctr">
+                        <a:spcBef>
+                          <a:spcPts val="0"/>
+                        </a:spcBef>
+                        <a:spcAft>
+                          <a:spcPts val="0"/>
+                        </a:spcAft>
+                      </a:pPr>
+                      <a:r>
+                        <a:rPr lang="es-CO" sz="2600" b="1" u="none" strike="noStrike">
+                          <a:solidFill>
+                            <a:srgbClr val="24292F"/>
+                          </a:solidFill>
+                          <a:effectLst/>
+                          <a:latin typeface="Segoe UI" panose="020B0502040204020203" pitchFamily="34" charset="0"/>
+                          <a:cs typeface="Segoe UI" panose="020B0502040204020203" pitchFamily="34" charset="0"/>
+                        </a:rPr>
+                        <a:t>Incluye</a:t>
+                      </a:r>
+                      <a:endParaRPr lang="es-CO" sz="2600" b="0" i="0" u="none" strike="noStrike">
+                        <a:effectLst/>
+                        <a:latin typeface="Segoe UI" panose="020B0502040204020203" pitchFamily="34" charset="0"/>
+                        <a:cs typeface="Segoe UI" panose="020B0502040204020203" pitchFamily="34" charset="0"/>
+                      </a:endParaRPr>
+                    </a:p>
+                  </a:txBody>
+                  <a:tcPr marL="113178" marR="12575" marT="75452" marB="75452" anchor="ctr"/>
+                </a:tc>
+                <a:tc>
+                  <a:txBody>
+                    <a:bodyPr/>
+                    <a:lstStyle/>
+                    <a:p>
+                      <a:pPr algn="l" fontAlgn="ctr">
+                        <a:spcBef>
+                          <a:spcPts val="0"/>
+                        </a:spcBef>
+                        <a:spcAft>
+                          <a:spcPts val="0"/>
+                        </a:spcAft>
+                      </a:pPr>
+                      <a:r>
+                        <a:rPr lang="es-CO" sz="2600" b="0" u="none" strike="noStrike">
+                          <a:solidFill>
+                            <a:srgbClr val="24292F"/>
+                          </a:solidFill>
+                          <a:effectLst/>
+                          <a:latin typeface="Segoe UI" panose="020B0502040204020203" pitchFamily="34" charset="0"/>
+                          <a:cs typeface="Segoe UI" panose="020B0502040204020203" pitchFamily="34" charset="0"/>
+                        </a:rPr>
+                        <a:t>Ideas compartidas</a:t>
+                      </a:r>
+                      <a:endParaRPr lang="es-CO" sz="2600" b="0" i="0" u="none" strike="noStrike">
+                        <a:effectLst/>
+                        <a:latin typeface="Segoe UI" panose="020B0502040204020203" pitchFamily="34" charset="0"/>
+                        <a:cs typeface="Segoe UI" panose="020B0502040204020203" pitchFamily="34" charset="0"/>
+                      </a:endParaRPr>
+                    </a:p>
+                  </a:txBody>
+                  <a:tcPr marL="113178" marR="12575" marT="75452" marB="75452" anchor="ctr"/>
+                </a:tc>
+                <a:tc>
+                  <a:txBody>
+                    <a:bodyPr/>
+                    <a:lstStyle/>
+                    <a:p>
+                      <a:pPr algn="l" fontAlgn="ctr">
+                        <a:spcBef>
+                          <a:spcPts val="0"/>
+                        </a:spcBef>
+                        <a:spcAft>
+                          <a:spcPts val="0"/>
+                        </a:spcAft>
+                      </a:pPr>
+                      <a:r>
+                        <a:rPr lang="es-CO" sz="2600" b="0" u="none" strike="noStrike">
+                          <a:solidFill>
+                            <a:srgbClr val="24292F"/>
+                          </a:solidFill>
+                          <a:effectLst/>
+                          <a:latin typeface="Segoe UI" panose="020B0502040204020203" pitchFamily="34" charset="0"/>
+                          <a:cs typeface="Segoe UI" panose="020B0502040204020203" pitchFamily="34" charset="0"/>
+                        </a:rPr>
+                        <a:t>Valor compartido</a:t>
+                      </a:r>
+                      <a:endParaRPr lang="es-CO" sz="2600" b="0" i="0" u="none" strike="noStrike">
+                        <a:effectLst/>
+                        <a:latin typeface="Segoe UI" panose="020B0502040204020203" pitchFamily="34" charset="0"/>
+                        <a:cs typeface="Segoe UI" panose="020B0502040204020203" pitchFamily="34" charset="0"/>
+                      </a:endParaRPr>
+                    </a:p>
+                  </a:txBody>
+                  <a:tcPr marL="113178" marR="12575" marT="75452" marB="75452" anchor="ctr"/>
+                </a:tc>
+                <a:extLst>
+                  <a:ext uri="{0D108BD9-81ED-4DB2-BD59-A6C34878D82A}">
+                    <a16:rowId xmlns:a16="http://schemas.microsoft.com/office/drawing/2014/main" val="1264919260"/>
+                  </a:ext>
+                </a:extLst>
+              </a:tr>
+              <a:tr h="440638">
+                <a:tc>
+                  <a:txBody>
+                    <a:bodyPr/>
+                    <a:lstStyle/>
+                    <a:p>
+                      <a:pPr algn="l" fontAlgn="ctr">
+                        <a:spcBef>
+                          <a:spcPts val="0"/>
+                        </a:spcBef>
+                        <a:spcAft>
+                          <a:spcPts val="0"/>
+                        </a:spcAft>
+                      </a:pPr>
+                      <a:r>
+                        <a:rPr lang="es-CO" sz="2600" b="1" u="none" strike="noStrike">
+                          <a:solidFill>
+                            <a:srgbClr val="24292F"/>
+                          </a:solidFill>
+                          <a:effectLst/>
+                          <a:latin typeface="Segoe UI" panose="020B0502040204020203" pitchFamily="34" charset="0"/>
+                          <a:cs typeface="Segoe UI" panose="020B0502040204020203" pitchFamily="34" charset="0"/>
+                        </a:rPr>
+                        <a:t>Dependencia</a:t>
+                      </a:r>
+                      <a:endParaRPr lang="es-CO" sz="2600" b="0" i="0" u="none" strike="noStrike">
+                        <a:effectLst/>
+                        <a:latin typeface="Segoe UI" panose="020B0502040204020203" pitchFamily="34" charset="0"/>
+                        <a:cs typeface="Segoe UI" panose="020B0502040204020203" pitchFamily="34" charset="0"/>
+                      </a:endParaRPr>
+                    </a:p>
+                  </a:txBody>
+                  <a:tcPr marL="113178" marR="12575" marT="75452" marB="75452" anchor="ctr"/>
+                </a:tc>
+                <a:tc>
+                  <a:txBody>
+                    <a:bodyPr/>
+                    <a:lstStyle/>
+                    <a:p>
+                      <a:pPr algn="l" fontAlgn="ctr">
+                        <a:spcBef>
+                          <a:spcPts val="0"/>
+                        </a:spcBef>
+                        <a:spcAft>
+                          <a:spcPts val="0"/>
+                        </a:spcAft>
+                      </a:pPr>
+                      <a:r>
+                        <a:rPr lang="es-CO" sz="2600" b="0" u="none" strike="noStrike">
+                          <a:solidFill>
+                            <a:srgbClr val="24292F"/>
+                          </a:solidFill>
+                          <a:effectLst/>
+                          <a:latin typeface="Segoe UI" panose="020B0502040204020203" pitchFamily="34" charset="0"/>
+                          <a:cs typeface="Segoe UI" panose="020B0502040204020203" pitchFamily="34" charset="0"/>
+                        </a:rPr>
+                        <a:t>Independencia</a:t>
+                      </a:r>
+                      <a:endParaRPr lang="es-CO" sz="2600" b="0" i="0" u="none" strike="noStrike">
+                        <a:effectLst/>
+                        <a:latin typeface="Segoe UI" panose="020B0502040204020203" pitchFamily="34" charset="0"/>
+                        <a:cs typeface="Segoe UI" panose="020B0502040204020203" pitchFamily="34" charset="0"/>
+                      </a:endParaRPr>
+                    </a:p>
+                  </a:txBody>
+                  <a:tcPr marL="113178" marR="12575" marT="75452" marB="75452" anchor="ctr"/>
+                </a:tc>
+                <a:tc>
+                  <a:txBody>
+                    <a:bodyPr/>
+                    <a:lstStyle/>
+                    <a:p>
+                      <a:pPr algn="l" fontAlgn="ctr">
+                        <a:spcBef>
+                          <a:spcPts val="0"/>
+                        </a:spcBef>
+                        <a:spcAft>
+                          <a:spcPts val="0"/>
+                        </a:spcAft>
+                      </a:pPr>
+                      <a:r>
+                        <a:rPr lang="es-CO" sz="2600" b="0" u="none" strike="noStrike">
+                          <a:solidFill>
+                            <a:srgbClr val="24292F"/>
+                          </a:solidFill>
+                          <a:effectLst/>
+                          <a:latin typeface="Segoe UI" panose="020B0502040204020203" pitchFamily="34" charset="0"/>
+                          <a:cs typeface="Segoe UI" panose="020B0502040204020203" pitchFamily="34" charset="0"/>
+                        </a:rPr>
+                        <a:t>Interdependencia</a:t>
+                      </a:r>
+                      <a:endParaRPr lang="es-CO" sz="2600" b="0" i="0" u="none" strike="noStrike">
+                        <a:effectLst/>
+                        <a:latin typeface="Segoe UI" panose="020B0502040204020203" pitchFamily="34" charset="0"/>
+                        <a:cs typeface="Segoe UI" panose="020B0502040204020203" pitchFamily="34" charset="0"/>
+                      </a:endParaRPr>
+                    </a:p>
+                  </a:txBody>
+                  <a:tcPr marL="113178" marR="12575" marT="75452" marB="75452" anchor="ctr"/>
+                </a:tc>
+                <a:extLst>
+                  <a:ext uri="{0D108BD9-81ED-4DB2-BD59-A6C34878D82A}">
+                    <a16:rowId xmlns:a16="http://schemas.microsoft.com/office/drawing/2014/main" val="4181832109"/>
+                  </a:ext>
+                </a:extLst>
+              </a:tr>
+              <a:tr h="440638">
+                <a:tc>
+                  <a:txBody>
+                    <a:bodyPr/>
+                    <a:lstStyle/>
+                    <a:p>
+                      <a:pPr algn="l" fontAlgn="ctr">
+                        <a:spcBef>
+                          <a:spcPts val="0"/>
+                        </a:spcBef>
+                        <a:spcAft>
+                          <a:spcPts val="0"/>
+                        </a:spcAft>
+                      </a:pPr>
+                      <a:r>
+                        <a:rPr lang="es-CO" sz="2600" b="1" u="none" strike="noStrike">
+                          <a:solidFill>
+                            <a:srgbClr val="24292F"/>
+                          </a:solidFill>
+                          <a:effectLst/>
+                          <a:latin typeface="Segoe UI" panose="020B0502040204020203" pitchFamily="34" charset="0"/>
+                          <a:cs typeface="Segoe UI" panose="020B0502040204020203" pitchFamily="34" charset="0"/>
+                        </a:rPr>
+                        <a:t>Interacción</a:t>
+                      </a:r>
+                      <a:endParaRPr lang="es-CO" sz="2600" b="0" i="0" u="none" strike="noStrike">
+                        <a:effectLst/>
+                        <a:latin typeface="Segoe UI" panose="020B0502040204020203" pitchFamily="34" charset="0"/>
+                        <a:cs typeface="Segoe UI" panose="020B0502040204020203" pitchFamily="34" charset="0"/>
+                      </a:endParaRPr>
+                    </a:p>
+                  </a:txBody>
+                  <a:tcPr marL="113178" marR="12575" marT="75452" marB="75452" anchor="ctr"/>
+                </a:tc>
+                <a:tc>
+                  <a:txBody>
+                    <a:bodyPr/>
+                    <a:lstStyle/>
+                    <a:p>
+                      <a:pPr algn="l" fontAlgn="ctr">
+                        <a:spcBef>
+                          <a:spcPts val="0"/>
+                        </a:spcBef>
+                        <a:spcAft>
+                          <a:spcPts val="0"/>
+                        </a:spcAft>
+                      </a:pPr>
+                      <a:r>
+                        <a:rPr lang="es-CO" sz="2600" b="0" u="none" strike="noStrike">
+                          <a:solidFill>
+                            <a:srgbClr val="24292F"/>
+                          </a:solidFill>
+                          <a:effectLst/>
+                          <a:latin typeface="Segoe UI" panose="020B0502040204020203" pitchFamily="34" charset="0"/>
+                          <a:cs typeface="Segoe UI" panose="020B0502040204020203" pitchFamily="34" charset="0"/>
+                        </a:rPr>
+                        <a:t>Corto plazo</a:t>
+                      </a:r>
+                      <a:endParaRPr lang="es-CO" sz="2600" b="0" i="0" u="none" strike="noStrike">
+                        <a:effectLst/>
+                        <a:latin typeface="Segoe UI" panose="020B0502040204020203" pitchFamily="34" charset="0"/>
+                        <a:cs typeface="Segoe UI" panose="020B0502040204020203" pitchFamily="34" charset="0"/>
+                      </a:endParaRPr>
+                    </a:p>
+                  </a:txBody>
+                  <a:tcPr marL="113178" marR="12575" marT="75452" marB="75452" anchor="ctr"/>
+                </a:tc>
+                <a:tc>
+                  <a:txBody>
+                    <a:bodyPr/>
+                    <a:lstStyle/>
+                    <a:p>
+                      <a:pPr algn="l" fontAlgn="ctr">
+                        <a:spcBef>
+                          <a:spcPts val="0"/>
+                        </a:spcBef>
+                        <a:spcAft>
+                          <a:spcPts val="0"/>
+                        </a:spcAft>
+                      </a:pPr>
+                      <a:r>
+                        <a:rPr lang="es-CO" sz="2600" b="0" u="none" strike="noStrike">
+                          <a:solidFill>
+                            <a:srgbClr val="24292F"/>
+                          </a:solidFill>
+                          <a:effectLst/>
+                          <a:latin typeface="Segoe UI" panose="020B0502040204020203" pitchFamily="34" charset="0"/>
+                          <a:cs typeface="Segoe UI" panose="020B0502040204020203" pitchFamily="34" charset="0"/>
+                        </a:rPr>
+                        <a:t>Largo plazo</a:t>
+                      </a:r>
+                      <a:endParaRPr lang="es-CO" sz="2600" b="0" i="0" u="none" strike="noStrike">
+                        <a:effectLst/>
+                        <a:latin typeface="Segoe UI" panose="020B0502040204020203" pitchFamily="34" charset="0"/>
+                        <a:cs typeface="Segoe UI" panose="020B0502040204020203" pitchFamily="34" charset="0"/>
+                      </a:endParaRPr>
+                    </a:p>
+                  </a:txBody>
+                  <a:tcPr marL="113178" marR="12575" marT="75452" marB="75452" anchor="ctr"/>
+                </a:tc>
+                <a:extLst>
+                  <a:ext uri="{0D108BD9-81ED-4DB2-BD59-A6C34878D82A}">
+                    <a16:rowId xmlns:a16="http://schemas.microsoft.com/office/drawing/2014/main" val="229240234"/>
+                  </a:ext>
+                </a:extLst>
+              </a:tr>
+              <a:tr h="682084">
+                <a:tc>
+                  <a:txBody>
+                    <a:bodyPr/>
+                    <a:lstStyle/>
+                    <a:p>
+                      <a:pPr algn="l" fontAlgn="ctr">
+                        <a:spcBef>
+                          <a:spcPts val="0"/>
+                        </a:spcBef>
+                        <a:spcAft>
+                          <a:spcPts val="0"/>
+                        </a:spcAft>
+                      </a:pPr>
+                      <a:r>
+                        <a:rPr lang="es-CO" sz="2600" b="1" u="none" strike="noStrike" dirty="0">
+                          <a:solidFill>
+                            <a:srgbClr val="24292F"/>
+                          </a:solidFill>
+                          <a:effectLst/>
+                          <a:latin typeface="Segoe UI" panose="020B0502040204020203" pitchFamily="34" charset="0"/>
+                          <a:cs typeface="Segoe UI" panose="020B0502040204020203" pitchFamily="34" charset="0"/>
+                        </a:rPr>
+                        <a:t>Involucra</a:t>
+                      </a:r>
+                      <a:endParaRPr lang="es-CO" sz="2600" b="0" i="0" u="none" strike="noStrike" dirty="0">
+                        <a:effectLst/>
+                        <a:latin typeface="Segoe UI" panose="020B0502040204020203" pitchFamily="34" charset="0"/>
+                        <a:cs typeface="Segoe UI" panose="020B0502040204020203" pitchFamily="34" charset="0"/>
+                      </a:endParaRPr>
+                    </a:p>
+                  </a:txBody>
+                  <a:tcPr marL="113178" marR="12575" marT="75452" marB="75452" anchor="ctr"/>
+                </a:tc>
+                <a:tc>
+                  <a:txBody>
+                    <a:bodyPr/>
+                    <a:lstStyle/>
+                    <a:p>
+                      <a:pPr algn="l" fontAlgn="ctr">
+                        <a:spcBef>
+                          <a:spcPts val="0"/>
+                        </a:spcBef>
+                        <a:spcAft>
+                          <a:spcPts val="0"/>
+                        </a:spcAft>
+                      </a:pPr>
+                      <a:r>
+                        <a:rPr lang="es-CO" sz="2600" b="0" u="none" strike="noStrike">
+                          <a:solidFill>
+                            <a:srgbClr val="24292F"/>
+                          </a:solidFill>
+                          <a:effectLst/>
+                          <a:latin typeface="Segoe UI" panose="020B0502040204020203" pitchFamily="34" charset="0"/>
+                          <a:cs typeface="Segoe UI" panose="020B0502040204020203" pitchFamily="34" charset="0"/>
+                        </a:rPr>
+                        <a:t>Compartir ideas</a:t>
+                      </a:r>
+                      <a:endParaRPr lang="es-CO" sz="2600" b="0" i="0" u="none" strike="noStrike">
+                        <a:effectLst/>
+                        <a:latin typeface="Segoe UI" panose="020B0502040204020203" pitchFamily="34" charset="0"/>
+                        <a:cs typeface="Segoe UI" panose="020B0502040204020203" pitchFamily="34" charset="0"/>
+                      </a:endParaRPr>
+                    </a:p>
+                  </a:txBody>
+                  <a:tcPr marL="113178" marR="12575" marT="75452" marB="75452" anchor="ctr"/>
+                </a:tc>
+                <a:tc>
+                  <a:txBody>
+                    <a:bodyPr/>
+                    <a:lstStyle/>
+                    <a:p>
+                      <a:pPr algn="l" fontAlgn="ctr">
+                        <a:spcBef>
+                          <a:spcPts val="0"/>
+                        </a:spcBef>
+                        <a:spcAft>
+                          <a:spcPts val="0"/>
+                        </a:spcAft>
+                      </a:pPr>
+                      <a:r>
+                        <a:rPr lang="es-CO" sz="2600" b="0" u="none" strike="noStrike" dirty="0">
+                          <a:solidFill>
+                            <a:srgbClr val="24292F"/>
+                          </a:solidFill>
+                          <a:effectLst/>
+                          <a:latin typeface="Segoe UI" panose="020B0502040204020203" pitchFamily="34" charset="0"/>
+                          <a:cs typeface="Segoe UI" panose="020B0502040204020203" pitchFamily="34" charset="0"/>
+                        </a:rPr>
+                        <a:t>Generar nuevas ideas</a:t>
+                      </a:r>
+                      <a:endParaRPr lang="es-CO" sz="2600" b="0" i="0" u="none" strike="noStrike" dirty="0">
+                        <a:effectLst/>
+                        <a:latin typeface="Segoe UI" panose="020B0502040204020203" pitchFamily="34" charset="0"/>
+                        <a:cs typeface="Segoe UI" panose="020B0502040204020203" pitchFamily="34" charset="0"/>
+                      </a:endParaRPr>
+                    </a:p>
+                  </a:txBody>
+                  <a:tcPr marL="113178" marR="12575" marT="75452" marB="75452" anchor="ctr"/>
+                </a:tc>
+                <a:extLst>
+                  <a:ext uri="{0D108BD9-81ED-4DB2-BD59-A6C34878D82A}">
+                    <a16:rowId xmlns:a16="http://schemas.microsoft.com/office/drawing/2014/main" val="749134231"/>
+                  </a:ext>
+                </a:extLst>
+              </a:tr>
+            </a:tbl>
+          </a:graphicData>
+        </a:graphic>
+      </p:graphicFrame>
+      <p:sp>
+        <p:nvSpPr>
+          <p:cNvPr id="15" name="Title 1">
+            <a:extLst>
+              <a:ext uri="{FF2B5EF4-FFF2-40B4-BE49-F238E27FC236}">
+                <a16:creationId xmlns:a16="http://schemas.microsoft.com/office/drawing/2014/main" id="{D8113FAF-0AA7-0EDA-4B5D-4E57EA2995CE}"/>
+              </a:ext>
+            </a:extLst>
+          </p:cNvPr>
+          <p:cNvSpPr>
+            <a:spLocks noGrp="1"/>
+          </p:cNvSpPr>
+          <p:nvPr>
+            <p:ph type="title"/>
+          </p:nvPr>
+        </p:nvSpPr>
+        <p:spPr>
+          <a:xfrm>
+            <a:off x="1" y="291223"/>
+            <a:ext cx="12191999" cy="930208"/>
+          </a:xfrm>
+        </p:spPr>
+        <p:txBody>
+          <a:bodyPr anchor="ctr" anchorCtr="0">
+            <a:normAutofit/>
+          </a:bodyPr>
+          <a:lstStyle/>
+          <a:p>
+            <a:pPr algn="ctr"/>
+            <a:r>
+              <a:rPr lang="es-CO" sz="3600" b="1" dirty="0">
+                <a:solidFill>
+                  <a:schemeClr val="bg1">
+                    <a:lumMod val="25000"/>
+                  </a:schemeClr>
+                </a:solidFill>
+                <a:latin typeface="Segoe UI" panose="020B0502040204020203" pitchFamily="34" charset="0"/>
+                <a:ea typeface="Segoe UI Black" panose="020B0A02040204020203" pitchFamily="34" charset="0"/>
+                <a:cs typeface="Segoe UI" panose="020B0502040204020203" pitchFamily="34" charset="0"/>
+              </a:rPr>
+              <a:t>Cooperación </a:t>
+            </a:r>
+            <a:r>
+              <a:rPr lang="es-CO" sz="3600" dirty="0">
+                <a:solidFill>
+                  <a:schemeClr val="bg1">
+                    <a:lumMod val="25000"/>
+                  </a:schemeClr>
+                </a:solidFill>
+                <a:latin typeface="Segoe UI" panose="020B0502040204020203" pitchFamily="34" charset="0"/>
+                <a:ea typeface="Segoe UI Black" panose="020B0A02040204020203" pitchFamily="34" charset="0"/>
+                <a:cs typeface="Segoe UI" panose="020B0502040204020203" pitchFamily="34" charset="0"/>
+              </a:rPr>
+              <a:t>vs.</a:t>
+            </a:r>
+            <a:r>
+              <a:rPr lang="es-CO" sz="3600" b="1" dirty="0">
+                <a:solidFill>
+                  <a:schemeClr val="bg1">
+                    <a:lumMod val="25000"/>
+                  </a:schemeClr>
+                </a:solidFill>
+                <a:latin typeface="Segoe UI" panose="020B0502040204020203" pitchFamily="34" charset="0"/>
+                <a:ea typeface="Segoe UI Black" panose="020B0A02040204020203" pitchFamily="34" charset="0"/>
+                <a:cs typeface="Segoe UI" panose="020B0502040204020203" pitchFamily="34" charset="0"/>
+              </a:rPr>
+              <a:t> Colaboración</a:t>
+            </a:r>
+          </a:p>
+        </p:txBody>
+      </p:sp>
+      <p:sp>
+        <p:nvSpPr>
+          <p:cNvPr id="17" name="TextBox 16">
+            <a:extLst>
+              <a:ext uri="{FF2B5EF4-FFF2-40B4-BE49-F238E27FC236}">
+                <a16:creationId xmlns:a16="http://schemas.microsoft.com/office/drawing/2014/main" id="{A5862F48-6E77-D027-37B7-BA821D14EBC9}"/>
+              </a:ext>
+            </a:extLst>
+          </p:cNvPr>
+          <p:cNvSpPr txBox="1"/>
+          <p:nvPr/>
+        </p:nvSpPr>
+        <p:spPr>
+          <a:xfrm>
+            <a:off x="0" y="6550223"/>
+            <a:ext cx="12192000" cy="307777"/>
+          </a:xfrm>
+          <a:prstGeom prst="rect">
+            <a:avLst/>
+          </a:prstGeom>
+          <a:noFill/>
+        </p:spPr>
+        <p:txBody>
+          <a:bodyPr wrap="square" rtlCol="0">
+            <a:spAutoFit/>
+          </a:bodyPr>
+          <a:lstStyle/>
+          <a:p>
+            <a:pPr algn="ctr"/>
+            <a:r>
+              <a:rPr lang="en-US" sz="1400" dirty="0" err="1">
+                <a:solidFill>
+                  <a:schemeClr val="bg1">
+                    <a:lumMod val="25000"/>
+                  </a:schemeClr>
+                </a:solidFill>
+                <a:latin typeface="+mj-lt"/>
+              </a:rPr>
+              <a:t>Tomado</a:t>
+            </a:r>
+            <a:r>
+              <a:rPr lang="en-US" sz="1400" dirty="0">
+                <a:solidFill>
+                  <a:schemeClr val="bg1">
+                    <a:lumMod val="25000"/>
+                  </a:schemeClr>
+                </a:solidFill>
+                <a:latin typeface="+mj-lt"/>
+              </a:rPr>
+              <a:t> o </a:t>
+            </a:r>
+            <a:r>
+              <a:rPr lang="en-US" sz="1400" dirty="0" err="1">
+                <a:solidFill>
+                  <a:schemeClr val="bg1">
+                    <a:lumMod val="25000"/>
+                  </a:schemeClr>
+                </a:solidFill>
+                <a:latin typeface="+mj-lt"/>
+              </a:rPr>
+              <a:t>adaptado</a:t>
+            </a:r>
+            <a:r>
+              <a:rPr lang="en-US" sz="1400" dirty="0">
+                <a:solidFill>
+                  <a:schemeClr val="bg1">
+                    <a:lumMod val="25000"/>
+                  </a:schemeClr>
+                </a:solidFill>
+                <a:latin typeface="+mj-lt"/>
+              </a:rPr>
+              <a:t> de: Cooperation vs Collaboration: When To Use Each Approach, </a:t>
+            </a:r>
+            <a:r>
+              <a:rPr lang="en-US" sz="1400" dirty="0">
+                <a:solidFill>
+                  <a:schemeClr val="bg1">
+                    <a:lumMod val="25000"/>
+                  </a:schemeClr>
+                </a:solidFill>
+                <a:latin typeface="+mj-lt"/>
+                <a:hlinkClick r:id="rId3"/>
+              </a:rPr>
+              <a:t>https://www.youtube.com/watch?v=Gr5mAboH1Kk</a:t>
+            </a:r>
+            <a:r>
+              <a:rPr lang="en-US" sz="1400" dirty="0">
+                <a:solidFill>
+                  <a:schemeClr val="bg1">
+                    <a:lumMod val="25000"/>
+                  </a:schemeClr>
+                </a:solidFill>
+                <a:latin typeface="+mj-lt"/>
+              </a:rPr>
+              <a:t> </a:t>
+            </a:r>
+          </a:p>
+        </p:txBody>
+      </p:sp>
+      <p:pic>
+        <p:nvPicPr>
+          <p:cNvPr id="23" name="Graphic 22" descr="Hero Male outline">
+            <a:extLst>
+              <a:ext uri="{FF2B5EF4-FFF2-40B4-BE49-F238E27FC236}">
+                <a16:creationId xmlns:a16="http://schemas.microsoft.com/office/drawing/2014/main" id="{4B5134C5-63A3-8AE8-42F0-65CDF987B9AC}"/>
+              </a:ext>
+            </a:extLst>
+          </p:cNvPr>
+          <p:cNvPicPr>
+            <a:picLocks noChangeAspect="1"/>
+          </p:cNvPicPr>
+          <p:nvPr/>
+        </p:nvPicPr>
+        <p:blipFill>
+          <a:blip r:embed="rId4">
+            <a:extLst>
+              <a:ext uri="{96DAC541-7B7A-43D3-8B79-37D633B846F1}">
+                <asvg:svgBlip xmlns:asvg="http://schemas.microsoft.com/office/drawing/2016/SVG/main" r:embed="rId5"/>
+              </a:ext>
+            </a:extLst>
+          </a:blip>
+          <a:stretch>
+            <a:fillRect/>
+          </a:stretch>
+        </p:blipFill>
+        <p:spPr>
+          <a:xfrm>
+            <a:off x="1674169" y="183711"/>
+            <a:ext cx="1145231" cy="1145231"/>
+          </a:xfrm>
+          <a:prstGeom prst="rect">
+            <a:avLst/>
+          </a:prstGeom>
+        </p:spPr>
+      </p:pic>
+    </p:spTree>
+    <p:extLst>
+      <p:ext uri="{BB962C8B-B14F-4D97-AF65-F5344CB8AC3E}">
+        <p14:creationId xmlns:p14="http://schemas.microsoft.com/office/powerpoint/2010/main" val="3508957415"/>
+      </p:ext>
+    </p:extLst>
+  </p:cSld>
+  <p:clrMapOvr>
+    <a:masterClrMapping/>
+  </p:clrMapOvr>
+</p:sld>
+</file>
+
+<file path=ppt/slides/slide7.xml><?xml version="1.0" encoding="utf-8"?>
+<p:sld xmlns:a="http://schemas.openxmlformats.org/drawingml/2006/main" xmlns:r="http://schemas.openxmlformats.org/officeDocument/2006/relationships" xmlns:p="http://schemas.openxmlformats.org/presentationml/2006/main">
+  <p:cSld>
+    <p:spTree>
+      <p:nvGrpSpPr>
+        <p:cNvPr id="1" name=""/>
+        <p:cNvGrpSpPr/>
+        <p:nvPr/>
+      </p:nvGrpSpPr>
+      <p:grpSpPr>
+        <a:xfrm>
+          <a:off x="0" y="0"/>
+          <a:ext cx="0" cy="0"/>
+          <a:chOff x="0" y="0"/>
+          <a:chExt cx="0" cy="0"/>
+        </a:xfrm>
+      </p:grpSpPr>
+      <p:sp>
+        <p:nvSpPr>
+          <p:cNvPr id="15" name="Title 1">
+            <a:extLst>
+              <a:ext uri="{FF2B5EF4-FFF2-40B4-BE49-F238E27FC236}">
+                <a16:creationId xmlns:a16="http://schemas.microsoft.com/office/drawing/2014/main" id="{D8113FAF-0AA7-0EDA-4B5D-4E57EA2995CE}"/>
+              </a:ext>
+            </a:extLst>
+          </p:cNvPr>
+          <p:cNvSpPr>
+            <a:spLocks noGrp="1"/>
+          </p:cNvSpPr>
+          <p:nvPr>
+            <p:ph type="title"/>
+          </p:nvPr>
+        </p:nvSpPr>
+        <p:spPr>
+          <a:xfrm>
+            <a:off x="1" y="1599517"/>
+            <a:ext cx="12191999" cy="930208"/>
+          </a:xfrm>
+        </p:spPr>
+        <p:txBody>
+          <a:bodyPr anchor="ctr" anchorCtr="0">
+            <a:normAutofit/>
+          </a:bodyPr>
+          <a:lstStyle/>
+          <a:p>
+            <a:pPr algn="ctr"/>
+            <a:r>
+              <a:rPr lang="es-CO" sz="3600" b="1" dirty="0">
+                <a:solidFill>
+                  <a:schemeClr val="bg1">
+                    <a:lumMod val="25000"/>
+                  </a:schemeClr>
+                </a:solidFill>
+                <a:latin typeface="Segoe UI" panose="020B0502040204020203" pitchFamily="34" charset="0"/>
+                <a:ea typeface="Segoe UI Black" panose="020B0A02040204020203" pitchFamily="34" charset="0"/>
+                <a:cs typeface="Segoe UI" panose="020B0502040204020203" pitchFamily="34" charset="0"/>
+              </a:rPr>
+              <a:t>Agregar valor </a:t>
+            </a:r>
+            <a:r>
+              <a:rPr lang="es-CO" sz="3600" dirty="0">
+                <a:solidFill>
+                  <a:schemeClr val="bg1">
+                    <a:lumMod val="25000"/>
+                  </a:schemeClr>
+                </a:solidFill>
+                <a:latin typeface="Segoe UI" panose="020B0502040204020203" pitchFamily="34" charset="0"/>
+                <a:ea typeface="Segoe UI Black" panose="020B0A02040204020203" pitchFamily="34" charset="0"/>
+                <a:cs typeface="Segoe UI" panose="020B0502040204020203" pitchFamily="34" charset="0"/>
+              </a:rPr>
+              <a:t>a mi organización</a:t>
+            </a:r>
+          </a:p>
+        </p:txBody>
+      </p:sp>
+      <p:sp>
+        <p:nvSpPr>
+          <p:cNvPr id="17" name="TextBox 16">
+            <a:extLst>
+              <a:ext uri="{FF2B5EF4-FFF2-40B4-BE49-F238E27FC236}">
+                <a16:creationId xmlns:a16="http://schemas.microsoft.com/office/drawing/2014/main" id="{A5862F48-6E77-D027-37B7-BA821D14EBC9}"/>
+              </a:ext>
+            </a:extLst>
+          </p:cNvPr>
+          <p:cNvSpPr txBox="1"/>
+          <p:nvPr/>
+        </p:nvSpPr>
+        <p:spPr>
+          <a:xfrm>
+            <a:off x="0" y="6550223"/>
+            <a:ext cx="12192000" cy="307777"/>
+          </a:xfrm>
+          <a:prstGeom prst="rect">
+            <a:avLst/>
+          </a:prstGeom>
+          <a:noFill/>
+        </p:spPr>
+        <p:txBody>
+          <a:bodyPr wrap="square" rtlCol="0">
+            <a:spAutoFit/>
+          </a:bodyPr>
+          <a:lstStyle/>
+          <a:p>
+            <a:pPr algn="ctr"/>
+            <a:r>
+              <a:rPr lang="en-US" sz="1400" b="0" strike="noStrike" dirty="0" err="1">
+                <a:solidFill>
+                  <a:schemeClr val="bg1">
+                    <a:lumMod val="25000"/>
+                  </a:schemeClr>
+                </a:solidFill>
+                <a:effectLst/>
+                <a:latin typeface="+mj-lt"/>
+              </a:rPr>
+              <a:t>Tomado</a:t>
+            </a:r>
+            <a:r>
+              <a:rPr lang="en-US" sz="1400" b="0" strike="noStrike" dirty="0">
+                <a:solidFill>
+                  <a:schemeClr val="bg1">
+                    <a:lumMod val="25000"/>
+                  </a:schemeClr>
+                </a:solidFill>
+                <a:effectLst/>
+                <a:latin typeface="+mj-lt"/>
+              </a:rPr>
+              <a:t> y/o </a:t>
+            </a:r>
+            <a:r>
+              <a:rPr lang="en-US" sz="1400" b="0" strike="noStrike" dirty="0" err="1">
+                <a:solidFill>
+                  <a:schemeClr val="bg1">
+                    <a:lumMod val="25000"/>
+                  </a:schemeClr>
+                </a:solidFill>
+                <a:effectLst/>
+                <a:latin typeface="+mj-lt"/>
+              </a:rPr>
+              <a:t>adaptado</a:t>
+            </a:r>
+            <a:r>
+              <a:rPr lang="en-US" sz="1400" b="0" strike="noStrike" dirty="0">
+                <a:solidFill>
+                  <a:schemeClr val="bg1">
+                    <a:lumMod val="25000"/>
+                  </a:schemeClr>
+                </a:solidFill>
+                <a:effectLst/>
+                <a:latin typeface="+mj-lt"/>
+              </a:rPr>
+              <a:t> de: 7 Ways To Add Value To Your Business | Brian Tracy, </a:t>
+            </a:r>
+            <a:r>
+              <a:rPr lang="en-US" sz="1400" b="0" strike="noStrike" dirty="0">
+                <a:solidFill>
+                  <a:schemeClr val="bg1">
+                    <a:lumMod val="25000"/>
+                  </a:schemeClr>
+                </a:solidFill>
+                <a:effectLst/>
+                <a:latin typeface="+mj-lt"/>
+                <a:hlinkClick r:id="rId3"/>
+              </a:rPr>
+              <a:t>https://www.youtube.com/watch?v=xztW-nosYn0</a:t>
+            </a:r>
+            <a:r>
+              <a:rPr lang="en-US" sz="1400" b="0" strike="noStrike" dirty="0">
+                <a:solidFill>
+                  <a:schemeClr val="bg1">
+                    <a:lumMod val="25000"/>
+                  </a:schemeClr>
+                </a:solidFill>
+                <a:effectLst/>
+                <a:latin typeface="+mj-lt"/>
+              </a:rPr>
+              <a:t> </a:t>
+            </a:r>
+            <a:endParaRPr lang="es-CO" sz="1400" dirty="0">
               <a:solidFill>
-                <a:schemeClr val="bg1"/>
+                <a:schemeClr val="bg1">
+                  <a:lumMod val="25000"/>
+                </a:schemeClr>
+              </a:solidFill>
+              <a:latin typeface="+mj-lt"/>
+            </a:endParaRPr>
+          </a:p>
+        </p:txBody>
+      </p:sp>
+      <p:pic>
+        <p:nvPicPr>
+          <p:cNvPr id="5" name="Graphic 4" descr="Medal outline">
+            <a:extLst>
+              <a:ext uri="{FF2B5EF4-FFF2-40B4-BE49-F238E27FC236}">
+                <a16:creationId xmlns:a16="http://schemas.microsoft.com/office/drawing/2014/main" id="{28E32130-11E7-EAC1-F4FB-043EBB871CE1}"/>
+              </a:ext>
+            </a:extLst>
+          </p:cNvPr>
+          <p:cNvPicPr>
+            <a:picLocks noChangeAspect="1"/>
+          </p:cNvPicPr>
+          <p:nvPr/>
+        </p:nvPicPr>
+        <p:blipFill>
+          <a:blip r:embed="rId4">
+            <a:extLst>
+              <a:ext uri="{96DAC541-7B7A-43D3-8B79-37D633B846F1}">
+                <asvg:svgBlip xmlns:asvg="http://schemas.microsoft.com/office/drawing/2016/SVG/main" r:embed="rId5"/>
+              </a:ext>
+            </a:extLst>
+          </a:blip>
+          <a:stretch>
+            <a:fillRect/>
+          </a:stretch>
+        </p:blipFill>
+        <p:spPr>
+          <a:xfrm>
+            <a:off x="1436719" y="1344621"/>
+            <a:ext cx="1440000" cy="1440000"/>
+          </a:xfrm>
+          <a:prstGeom prst="rect">
+            <a:avLst/>
+          </a:prstGeom>
+        </p:spPr>
+      </p:pic>
+      <p:sp>
+        <p:nvSpPr>
+          <p:cNvPr id="6" name="Title 1">
+            <a:extLst>
+              <a:ext uri="{FF2B5EF4-FFF2-40B4-BE49-F238E27FC236}">
+                <a16:creationId xmlns:a16="http://schemas.microsoft.com/office/drawing/2014/main" id="{19E2098E-14EE-4901-726C-4BBE71E36B79}"/>
+              </a:ext>
+            </a:extLst>
+          </p:cNvPr>
+          <p:cNvSpPr txBox="1">
+            <a:spLocks/>
+          </p:cNvSpPr>
+          <p:nvPr/>
+        </p:nvSpPr>
+        <p:spPr>
+          <a:xfrm>
+            <a:off x="1668479" y="2984757"/>
+            <a:ext cx="8855041" cy="1507468"/>
+          </a:xfrm>
+          <a:prstGeom prst="rect">
+            <a:avLst/>
+          </a:prstGeom>
+        </p:spPr>
+        <p:txBody>
+          <a:bodyPr vert="horz" lIns="91440" tIns="45720" rIns="91440" bIns="45720" rtlCol="0" anchor="ctr" anchorCtr="0">
+            <a:normAutofit/>
+          </a:bodyPr>
+          <a:lstStyle>
+            <a:lvl1pPr algn="l" defTabSz="914377" rtl="0" eaLnBrk="1" latinLnBrk="0" hangingPunct="1">
+              <a:lnSpc>
+                <a:spcPct val="90000"/>
+              </a:lnSpc>
+              <a:spcBef>
+                <a:spcPct val="0"/>
+              </a:spcBef>
+              <a:buNone/>
+              <a:defRPr sz="2600" kern="1200">
+                <a:solidFill>
+                  <a:schemeClr val="tx1"/>
+                </a:solidFill>
+                <a:latin typeface="+mj-lt"/>
+                <a:ea typeface="+mj-ea"/>
+                <a:cs typeface="+mj-cs"/>
+              </a:defRPr>
+            </a:lvl1pPr>
+          </a:lstStyle>
+          <a:p>
+            <a:pPr algn="ctr"/>
+            <a:r>
+              <a:rPr lang="es-CO" sz="2800" b="1" dirty="0">
+                <a:solidFill>
+                  <a:schemeClr val="bg1">
+                    <a:lumMod val="25000"/>
+                  </a:schemeClr>
+                </a:solidFill>
+                <a:latin typeface="Segoe UI" panose="020B0502040204020203" pitchFamily="34" charset="0"/>
+                <a:ea typeface="Segoe UI Black" panose="020B0A02040204020203" pitchFamily="34" charset="0"/>
+                <a:cs typeface="Segoe UI" panose="020B0502040204020203" pitchFamily="34" charset="0"/>
+              </a:rPr>
+              <a:t>Combina</a:t>
+            </a:r>
+            <a:r>
+              <a:rPr lang="es-CO" sz="2800" dirty="0">
+                <a:solidFill>
+                  <a:schemeClr val="bg1">
+                    <a:lumMod val="25000"/>
+                  </a:schemeClr>
+                </a:solidFill>
+                <a:latin typeface="Segoe UI" panose="020B0502040204020203" pitchFamily="34" charset="0"/>
+                <a:ea typeface="Segoe UI Black" panose="020B0A02040204020203" pitchFamily="34" charset="0"/>
+                <a:cs typeface="Segoe UI" panose="020B0502040204020203" pitchFamily="34" charset="0"/>
+              </a:rPr>
+              <a:t> tu </a:t>
+            </a:r>
+            <a:r>
+              <a:rPr lang="es-CO" sz="2800" b="1" dirty="0">
+                <a:solidFill>
+                  <a:schemeClr val="bg1">
+                    <a:lumMod val="25000"/>
+                  </a:schemeClr>
+                </a:solidFill>
+                <a:latin typeface="Segoe UI" panose="020B0502040204020203" pitchFamily="34" charset="0"/>
+                <a:ea typeface="Segoe UI Black" panose="020B0A02040204020203" pitchFamily="34" charset="0"/>
+                <a:cs typeface="Segoe UI" panose="020B0502040204020203" pitchFamily="34" charset="0"/>
+              </a:rPr>
+              <a:t>experticia</a:t>
+            </a:r>
+            <a:r>
+              <a:rPr lang="es-CO" sz="2800" dirty="0">
+                <a:solidFill>
+                  <a:schemeClr val="bg1">
+                    <a:lumMod val="25000"/>
+                  </a:schemeClr>
+                </a:solidFill>
+                <a:latin typeface="Segoe UI" panose="020B0502040204020203" pitchFamily="34" charset="0"/>
+                <a:ea typeface="Segoe UI Black" panose="020B0A02040204020203" pitchFamily="34" charset="0"/>
+                <a:cs typeface="Segoe UI" panose="020B0502040204020203" pitchFamily="34" charset="0"/>
+              </a:rPr>
+              <a:t> y la experticia de los miembros de tú equipo de trabajo </a:t>
+            </a:r>
+            <a:r>
+              <a:rPr lang="es-CO" sz="2800" b="1" dirty="0">
+                <a:solidFill>
+                  <a:schemeClr val="bg1">
+                    <a:lumMod val="25000"/>
+                  </a:schemeClr>
+                </a:solidFill>
+                <a:latin typeface="Segoe UI" panose="020B0502040204020203" pitchFamily="34" charset="0"/>
+                <a:ea typeface="Segoe UI Black" panose="020B0A02040204020203" pitchFamily="34" charset="0"/>
+                <a:cs typeface="Segoe UI" panose="020B0502040204020203" pitchFamily="34" charset="0"/>
+              </a:rPr>
+              <a:t>para crear contenidos</a:t>
+            </a:r>
+            <a:r>
+              <a:rPr lang="es-CO" sz="2800" dirty="0">
+                <a:solidFill>
+                  <a:schemeClr val="bg1">
+                    <a:lumMod val="25000"/>
+                  </a:schemeClr>
+                </a:solidFill>
+                <a:latin typeface="Segoe UI" panose="020B0502040204020203" pitchFamily="34" charset="0"/>
+                <a:ea typeface="Segoe UI Black" panose="020B0A02040204020203" pitchFamily="34" charset="0"/>
+                <a:cs typeface="Segoe UI" panose="020B0502040204020203" pitchFamily="34" charset="0"/>
+              </a:rPr>
+              <a:t> compartidos.</a:t>
+            </a:r>
+          </a:p>
+        </p:txBody>
+      </p:sp>
+    </p:spTree>
+    <p:extLst>
+      <p:ext uri="{BB962C8B-B14F-4D97-AF65-F5344CB8AC3E}">
+        <p14:creationId xmlns:p14="http://schemas.microsoft.com/office/powerpoint/2010/main" val="2562635824"/>
+      </p:ext>
+    </p:extLst>
+  </p:cSld>
+  <p:clrMapOvr>
+    <a:masterClrMapping/>
+  </p:clrMapOvr>
+</p:sld>
+</file>
+
+<file path=ppt/slides/slide8.xml><?xml version="1.0" encoding="utf-8"?>
+<p:sld xmlns:a="http://schemas.openxmlformats.org/drawingml/2006/main" xmlns:r="http://schemas.openxmlformats.org/officeDocument/2006/relationships" xmlns:p="http://schemas.openxmlformats.org/presentationml/2006/main">
+  <p:cSld>
+    <p:spTree>
+      <p:nvGrpSpPr>
+        <p:cNvPr id="1" name=""/>
+        <p:cNvGrpSpPr/>
+        <p:nvPr/>
+      </p:nvGrpSpPr>
+      <p:grpSpPr>
+        <a:xfrm>
+          <a:off x="0" y="0"/>
+          <a:ext cx="0" cy="0"/>
+          <a:chOff x="0" y="0"/>
+          <a:chExt cx="0" cy="0"/>
+        </a:xfrm>
+      </p:grpSpPr>
+      <p:sp>
+        <p:nvSpPr>
+          <p:cNvPr id="15" name="Title 1">
+            <a:extLst>
+              <a:ext uri="{FF2B5EF4-FFF2-40B4-BE49-F238E27FC236}">
+                <a16:creationId xmlns:a16="http://schemas.microsoft.com/office/drawing/2014/main" id="{D8113FAF-0AA7-0EDA-4B5D-4E57EA2995CE}"/>
+              </a:ext>
+            </a:extLst>
+          </p:cNvPr>
+          <p:cNvSpPr>
+            <a:spLocks noGrp="1"/>
+          </p:cNvSpPr>
+          <p:nvPr>
+            <p:ph type="title"/>
+          </p:nvPr>
+        </p:nvSpPr>
+        <p:spPr>
+          <a:xfrm>
+            <a:off x="1" y="1599517"/>
+            <a:ext cx="12191999" cy="930208"/>
+          </a:xfrm>
+        </p:spPr>
+        <p:txBody>
+          <a:bodyPr anchor="ctr" anchorCtr="0">
+            <a:normAutofit/>
+          </a:bodyPr>
+          <a:lstStyle/>
+          <a:p>
+            <a:pPr algn="ctr"/>
+            <a:r>
+              <a:rPr lang="es-CO" sz="3600" b="1" dirty="0">
+                <a:solidFill>
+                  <a:schemeClr val="bg1">
+                    <a:lumMod val="25000"/>
+                  </a:schemeClr>
+                </a:solidFill>
+                <a:latin typeface="Segoe UI" panose="020B0502040204020203" pitchFamily="34" charset="0"/>
+                <a:ea typeface="Segoe UI Black" panose="020B0A02040204020203" pitchFamily="34" charset="0"/>
+                <a:cs typeface="Segoe UI" panose="020B0502040204020203" pitchFamily="34" charset="0"/>
+              </a:rPr>
+              <a:t>Agregar valor </a:t>
+            </a:r>
+            <a:r>
+              <a:rPr lang="es-CO" sz="3600" dirty="0">
+                <a:solidFill>
+                  <a:schemeClr val="bg1">
+                    <a:lumMod val="25000"/>
+                  </a:schemeClr>
+                </a:solidFill>
+                <a:latin typeface="Segoe UI" panose="020B0502040204020203" pitchFamily="34" charset="0"/>
+                <a:ea typeface="Segoe UI Black" panose="020B0A02040204020203" pitchFamily="34" charset="0"/>
+                <a:cs typeface="Segoe UI" panose="020B0502040204020203" pitchFamily="34" charset="0"/>
+              </a:rPr>
+              <a:t>a mi organización</a:t>
+            </a:r>
+          </a:p>
+        </p:txBody>
+      </p:sp>
+      <p:pic>
+        <p:nvPicPr>
+          <p:cNvPr id="5" name="Graphic 4" descr="Medal outline">
+            <a:extLst>
+              <a:ext uri="{FF2B5EF4-FFF2-40B4-BE49-F238E27FC236}">
+                <a16:creationId xmlns:a16="http://schemas.microsoft.com/office/drawing/2014/main" id="{28E32130-11E7-EAC1-F4FB-043EBB871CE1}"/>
+              </a:ext>
+            </a:extLst>
+          </p:cNvPr>
+          <p:cNvPicPr>
+            <a:picLocks noChangeAspect="1"/>
+          </p:cNvPicPr>
+          <p:nvPr/>
+        </p:nvPicPr>
+        <p:blipFill>
+          <a:blip r:embed="rId3">
+            <a:extLst>
+              <a:ext uri="{96DAC541-7B7A-43D3-8B79-37D633B846F1}">
+                <asvg:svgBlip xmlns:asvg="http://schemas.microsoft.com/office/drawing/2016/SVG/main" r:embed="rId4"/>
+              </a:ext>
+            </a:extLst>
+          </a:blip>
+          <a:stretch>
+            <a:fillRect/>
+          </a:stretch>
+        </p:blipFill>
+        <p:spPr>
+          <a:xfrm>
+            <a:off x="1436719" y="1344621"/>
+            <a:ext cx="1440000" cy="1440000"/>
+          </a:xfrm>
+          <a:prstGeom prst="rect">
+            <a:avLst/>
+          </a:prstGeom>
+        </p:spPr>
+      </p:pic>
+      <p:sp>
+        <p:nvSpPr>
+          <p:cNvPr id="6" name="Title 1">
+            <a:extLst>
+              <a:ext uri="{FF2B5EF4-FFF2-40B4-BE49-F238E27FC236}">
+                <a16:creationId xmlns:a16="http://schemas.microsoft.com/office/drawing/2014/main" id="{19E2098E-14EE-4901-726C-4BBE71E36B79}"/>
+              </a:ext>
+            </a:extLst>
+          </p:cNvPr>
+          <p:cNvSpPr txBox="1">
+            <a:spLocks/>
+          </p:cNvSpPr>
+          <p:nvPr/>
+        </p:nvSpPr>
+        <p:spPr>
+          <a:xfrm>
+            <a:off x="1668479" y="2984757"/>
+            <a:ext cx="8855041" cy="2528622"/>
+          </a:xfrm>
+          <a:prstGeom prst="rect">
+            <a:avLst/>
+          </a:prstGeom>
+        </p:spPr>
+        <p:txBody>
+          <a:bodyPr vert="horz" lIns="91440" tIns="45720" rIns="91440" bIns="45720" rtlCol="0" anchor="ctr" anchorCtr="0">
+            <a:normAutofit/>
+          </a:bodyPr>
+          <a:lstStyle>
+            <a:lvl1pPr algn="l" defTabSz="914377" rtl="0" eaLnBrk="1" latinLnBrk="0" hangingPunct="1">
+              <a:lnSpc>
+                <a:spcPct val="90000"/>
+              </a:lnSpc>
+              <a:spcBef>
+                <a:spcPct val="0"/>
+              </a:spcBef>
+              <a:buNone/>
+              <a:defRPr sz="2600" kern="1200">
+                <a:solidFill>
+                  <a:schemeClr val="tx1"/>
+                </a:solidFill>
+                <a:latin typeface="+mj-lt"/>
+                <a:ea typeface="+mj-ea"/>
+                <a:cs typeface="+mj-cs"/>
+              </a:defRPr>
+            </a:lvl1pPr>
+          </a:lstStyle>
+          <a:p>
+            <a:pPr algn="ctr"/>
+            <a:r>
+              <a:rPr lang="es-CO" sz="2800" b="1" dirty="0">
+                <a:solidFill>
+                  <a:schemeClr val="bg1">
+                    <a:lumMod val="25000"/>
+                  </a:schemeClr>
+                </a:solidFill>
+                <a:latin typeface="Segoe UI" panose="020B0502040204020203" pitchFamily="34" charset="0"/>
+                <a:ea typeface="Segoe UI Black" panose="020B0A02040204020203" pitchFamily="34" charset="0"/>
+                <a:cs typeface="Segoe UI" panose="020B0502040204020203" pitchFamily="34" charset="0"/>
+              </a:rPr>
+              <a:t>Crea </a:t>
+            </a:r>
+            <a:r>
+              <a:rPr lang="es-CO" sz="2800" dirty="0">
+                <a:solidFill>
+                  <a:schemeClr val="bg1">
+                    <a:lumMod val="25000"/>
+                  </a:schemeClr>
+                </a:solidFill>
+                <a:latin typeface="Segoe UI" panose="020B0502040204020203" pitchFamily="34" charset="0"/>
+                <a:ea typeface="Segoe UI Black" panose="020B0A02040204020203" pitchFamily="34" charset="0"/>
+                <a:cs typeface="Segoe UI" panose="020B0502040204020203" pitchFamily="34" charset="0"/>
+              </a:rPr>
+              <a:t>oportunamente</a:t>
+            </a:r>
+            <a:r>
+              <a:rPr lang="es-CO" sz="2800" b="1" dirty="0">
+                <a:solidFill>
+                  <a:schemeClr val="bg1">
+                    <a:lumMod val="25000"/>
+                  </a:schemeClr>
+                </a:solidFill>
+                <a:latin typeface="Segoe UI" panose="020B0502040204020203" pitchFamily="34" charset="0"/>
+                <a:ea typeface="Segoe UI Black" panose="020B0A02040204020203" pitchFamily="34" charset="0"/>
+                <a:cs typeface="Segoe UI" panose="020B0502040204020203" pitchFamily="34" charset="0"/>
+              </a:rPr>
+              <a:t> contenidos </a:t>
+            </a:r>
+            <a:r>
+              <a:rPr lang="es-CO" sz="2800" dirty="0">
+                <a:solidFill>
+                  <a:schemeClr val="bg1">
+                    <a:lumMod val="25000"/>
+                  </a:schemeClr>
+                </a:solidFill>
+                <a:latin typeface="Segoe UI" panose="020B0502040204020203" pitchFamily="34" charset="0"/>
+                <a:ea typeface="Segoe UI Black" panose="020B0A02040204020203" pitchFamily="34" charset="0"/>
+                <a:cs typeface="Segoe UI" panose="020B0502040204020203" pitchFamily="34" charset="0"/>
+              </a:rPr>
+              <a:t>científicos </a:t>
+            </a:r>
+            <a:r>
+              <a:rPr lang="es-CO" sz="2800" b="1" dirty="0">
+                <a:solidFill>
+                  <a:schemeClr val="bg1">
+                    <a:lumMod val="25000"/>
+                  </a:schemeClr>
+                </a:solidFill>
+                <a:latin typeface="Segoe UI" panose="020B0502040204020203" pitchFamily="34" charset="0"/>
+                <a:ea typeface="Segoe UI Black" panose="020B0A02040204020203" pitchFamily="34" charset="0"/>
+                <a:cs typeface="Segoe UI" panose="020B0502040204020203" pitchFamily="34" charset="0"/>
+              </a:rPr>
+              <a:t>de alta calidad</a:t>
+            </a:r>
+            <a:r>
+              <a:rPr lang="es-CO" sz="2800" dirty="0">
+                <a:solidFill>
+                  <a:schemeClr val="bg1">
+                    <a:lumMod val="25000"/>
+                  </a:schemeClr>
+                </a:solidFill>
+                <a:latin typeface="Segoe UI" panose="020B0502040204020203" pitchFamily="34" charset="0"/>
+                <a:ea typeface="Segoe UI Black" panose="020B0A02040204020203" pitchFamily="34" charset="0"/>
+                <a:cs typeface="Segoe UI" panose="020B0502040204020203" pitchFamily="34" charset="0"/>
+              </a:rPr>
+              <a:t> con actualización permanente.</a:t>
+            </a:r>
+          </a:p>
+          <a:p>
+            <a:pPr algn="ctr"/>
+            <a:endParaRPr lang="es-CO" sz="2800" dirty="0">
+              <a:solidFill>
+                <a:schemeClr val="bg1">
+                  <a:lumMod val="25000"/>
+                </a:schemeClr>
               </a:solidFill>
               <a:latin typeface="Segoe UI" panose="020B0502040204020203" pitchFamily="34" charset="0"/>
               <a:ea typeface="Segoe UI Black" panose="020B0A02040204020203" pitchFamily="34" charset="0"/>
               <a:cs typeface="Segoe UI" panose="020B0502040204020203" pitchFamily="34" charset="0"/>
             </a:endParaRPr>
           </a:p>
+          <a:p>
+            <a:pPr algn="ctr"/>
+            <a:r>
+              <a:rPr lang="es-CO" sz="2800" i="1" dirty="0">
+                <a:solidFill>
+                  <a:schemeClr val="bg1">
+                    <a:lumMod val="25000"/>
+                  </a:schemeClr>
+                </a:solidFill>
+                <a:latin typeface="Segoe UI" panose="020B0502040204020203" pitchFamily="34" charset="0"/>
+                <a:ea typeface="Segoe UI Black" panose="020B0A02040204020203" pitchFamily="34" charset="0"/>
+                <a:cs typeface="Segoe UI" panose="020B0502040204020203" pitchFamily="34" charset="0"/>
+              </a:rPr>
+              <a:t>"Encuentra las necesidades de tus usuarios y dales lo que necesitan mucho más rápido que tus competidores"</a:t>
+            </a:r>
+          </a:p>
+        </p:txBody>
+      </p:sp>
+      <p:sp>
+        <p:nvSpPr>
+          <p:cNvPr id="2" name="TextBox 1">
+            <a:extLst>
+              <a:ext uri="{FF2B5EF4-FFF2-40B4-BE49-F238E27FC236}">
+                <a16:creationId xmlns:a16="http://schemas.microsoft.com/office/drawing/2014/main" id="{060E4CF1-B5B3-0D80-6B35-EFD97AD193A8}"/>
+              </a:ext>
+            </a:extLst>
+          </p:cNvPr>
+          <p:cNvSpPr txBox="1"/>
+          <p:nvPr/>
+        </p:nvSpPr>
+        <p:spPr>
+          <a:xfrm>
+            <a:off x="0" y="6550223"/>
+            <a:ext cx="12192000" cy="307777"/>
+          </a:xfrm>
+          <a:prstGeom prst="rect">
+            <a:avLst/>
+          </a:prstGeom>
+          <a:noFill/>
+        </p:spPr>
+        <p:txBody>
+          <a:bodyPr wrap="square" rtlCol="0">
+            <a:spAutoFit/>
+          </a:bodyPr>
+          <a:lstStyle/>
+          <a:p>
+            <a:pPr algn="ctr"/>
+            <a:r>
+              <a:rPr lang="en-US" sz="1400" b="0" strike="noStrike" dirty="0" err="1">
+                <a:solidFill>
+                  <a:schemeClr val="bg1">
+                    <a:lumMod val="25000"/>
+                  </a:schemeClr>
+                </a:solidFill>
+                <a:effectLst/>
+                <a:latin typeface="+mj-lt"/>
+              </a:rPr>
+              <a:t>Tomado</a:t>
+            </a:r>
+            <a:r>
+              <a:rPr lang="en-US" sz="1400" b="0" strike="noStrike" dirty="0">
+                <a:solidFill>
+                  <a:schemeClr val="bg1">
+                    <a:lumMod val="25000"/>
+                  </a:schemeClr>
+                </a:solidFill>
+                <a:effectLst/>
+                <a:latin typeface="+mj-lt"/>
+              </a:rPr>
+              <a:t> y/o </a:t>
+            </a:r>
+            <a:r>
+              <a:rPr lang="en-US" sz="1400" b="0" strike="noStrike" dirty="0" err="1">
+                <a:solidFill>
+                  <a:schemeClr val="bg1">
+                    <a:lumMod val="25000"/>
+                  </a:schemeClr>
+                </a:solidFill>
+                <a:effectLst/>
+                <a:latin typeface="+mj-lt"/>
+              </a:rPr>
+              <a:t>adaptado</a:t>
+            </a:r>
+            <a:r>
+              <a:rPr lang="en-US" sz="1400" b="0" strike="noStrike" dirty="0">
+                <a:solidFill>
+                  <a:schemeClr val="bg1">
+                    <a:lumMod val="25000"/>
+                  </a:schemeClr>
+                </a:solidFill>
+                <a:effectLst/>
+                <a:latin typeface="+mj-lt"/>
+              </a:rPr>
+              <a:t> de: 7 Ways To Add Value To Your Business | Brian Tracy, </a:t>
+            </a:r>
+            <a:r>
+              <a:rPr lang="en-US" sz="1400" b="0" strike="noStrike" dirty="0">
+                <a:solidFill>
+                  <a:schemeClr val="bg1">
+                    <a:lumMod val="25000"/>
+                  </a:schemeClr>
+                </a:solidFill>
+                <a:effectLst/>
+                <a:latin typeface="+mj-lt"/>
+                <a:hlinkClick r:id="rId5"/>
+              </a:rPr>
+              <a:t>https://www.youtube.com/watch?v=xztW-nosYn0</a:t>
+            </a:r>
+            <a:r>
+              <a:rPr lang="en-US" sz="1400" b="0" strike="noStrike" dirty="0">
+                <a:solidFill>
+                  <a:schemeClr val="bg1">
+                    <a:lumMod val="25000"/>
+                  </a:schemeClr>
+                </a:solidFill>
+                <a:effectLst/>
+                <a:latin typeface="+mj-lt"/>
+              </a:rPr>
+              <a:t> </a:t>
+            </a:r>
+            <a:endParaRPr lang="es-CO" sz="1400" dirty="0">
+              <a:solidFill>
+                <a:schemeClr val="bg1">
+                  <a:lumMod val="25000"/>
+                </a:schemeClr>
+              </a:solidFill>
+              <a:latin typeface="+mj-lt"/>
+            </a:endParaRPr>
+          </a:p>
         </p:txBody>
       </p:sp>
     </p:spTree>
     <p:extLst>
       <p:ext uri="{BB962C8B-B14F-4D97-AF65-F5344CB8AC3E}">
-        <p14:creationId xmlns:p14="http://schemas.microsoft.com/office/powerpoint/2010/main" val="1517157643"/>
+        <p14:creationId xmlns:p14="http://schemas.microsoft.com/office/powerpoint/2010/main" val="4010175768"/>
+      </p:ext>
+    </p:extLst>
+  </p:cSld>
+  <p:clrMapOvr>
+    <a:masterClrMapping/>
+  </p:clrMapOvr>
+</p:sld>
+</file>
+
+<file path=ppt/slides/slide9.xml><?xml version="1.0" encoding="utf-8"?>
+<p:sld xmlns:a="http://schemas.openxmlformats.org/drawingml/2006/main" xmlns:r="http://schemas.openxmlformats.org/officeDocument/2006/relationships" xmlns:p="http://schemas.openxmlformats.org/presentationml/2006/main">
+  <p:cSld>
+    <p:spTree>
+      <p:nvGrpSpPr>
+        <p:cNvPr id="1" name=""/>
+        <p:cNvGrpSpPr/>
+        <p:nvPr/>
+      </p:nvGrpSpPr>
+      <p:grpSpPr>
+        <a:xfrm>
+          <a:off x="0" y="0"/>
+          <a:ext cx="0" cy="0"/>
+          <a:chOff x="0" y="0"/>
+          <a:chExt cx="0" cy="0"/>
+        </a:xfrm>
+      </p:grpSpPr>
+      <p:sp>
+        <p:nvSpPr>
+          <p:cNvPr id="15" name="Title 1">
+            <a:extLst>
+              <a:ext uri="{FF2B5EF4-FFF2-40B4-BE49-F238E27FC236}">
+                <a16:creationId xmlns:a16="http://schemas.microsoft.com/office/drawing/2014/main" id="{D8113FAF-0AA7-0EDA-4B5D-4E57EA2995CE}"/>
+              </a:ext>
+            </a:extLst>
+          </p:cNvPr>
+          <p:cNvSpPr>
+            <a:spLocks noGrp="1"/>
+          </p:cNvSpPr>
+          <p:nvPr>
+            <p:ph type="title"/>
+          </p:nvPr>
+        </p:nvSpPr>
+        <p:spPr>
+          <a:xfrm>
+            <a:off x="1" y="1599517"/>
+            <a:ext cx="12191999" cy="930208"/>
+          </a:xfrm>
+        </p:spPr>
+        <p:txBody>
+          <a:bodyPr anchor="ctr" anchorCtr="0">
+            <a:normAutofit/>
+          </a:bodyPr>
+          <a:lstStyle/>
+          <a:p>
+            <a:pPr algn="ctr"/>
+            <a:r>
+              <a:rPr lang="es-CO" sz="3600" b="1" dirty="0">
+                <a:solidFill>
+                  <a:schemeClr val="bg1">
+                    <a:lumMod val="25000"/>
+                  </a:schemeClr>
+                </a:solidFill>
+                <a:latin typeface="Segoe UI" panose="020B0502040204020203" pitchFamily="34" charset="0"/>
+                <a:ea typeface="Segoe UI Black" panose="020B0A02040204020203" pitchFamily="34" charset="0"/>
+                <a:cs typeface="Segoe UI" panose="020B0502040204020203" pitchFamily="34" charset="0"/>
+              </a:rPr>
+              <a:t>Agregar valor </a:t>
+            </a:r>
+            <a:r>
+              <a:rPr lang="es-CO" sz="3600" dirty="0">
+                <a:solidFill>
+                  <a:schemeClr val="bg1">
+                    <a:lumMod val="25000"/>
+                  </a:schemeClr>
+                </a:solidFill>
+                <a:latin typeface="Segoe UI" panose="020B0502040204020203" pitchFamily="34" charset="0"/>
+                <a:ea typeface="Segoe UI Black" panose="020B0A02040204020203" pitchFamily="34" charset="0"/>
+                <a:cs typeface="Segoe UI" panose="020B0502040204020203" pitchFamily="34" charset="0"/>
+              </a:rPr>
+              <a:t>a mi organización</a:t>
+            </a:r>
+          </a:p>
+        </p:txBody>
+      </p:sp>
+      <p:pic>
+        <p:nvPicPr>
+          <p:cNvPr id="5" name="Graphic 4" descr="Medal outline">
+            <a:extLst>
+              <a:ext uri="{FF2B5EF4-FFF2-40B4-BE49-F238E27FC236}">
+                <a16:creationId xmlns:a16="http://schemas.microsoft.com/office/drawing/2014/main" id="{28E32130-11E7-EAC1-F4FB-043EBB871CE1}"/>
+              </a:ext>
+            </a:extLst>
+          </p:cNvPr>
+          <p:cNvPicPr>
+            <a:picLocks noChangeAspect="1"/>
+          </p:cNvPicPr>
+          <p:nvPr/>
+        </p:nvPicPr>
+        <p:blipFill>
+          <a:blip r:embed="rId3">
+            <a:extLst>
+              <a:ext uri="{96DAC541-7B7A-43D3-8B79-37D633B846F1}">
+                <asvg:svgBlip xmlns:asvg="http://schemas.microsoft.com/office/drawing/2016/SVG/main" r:embed="rId4"/>
+              </a:ext>
+            </a:extLst>
+          </a:blip>
+          <a:stretch>
+            <a:fillRect/>
+          </a:stretch>
+        </p:blipFill>
+        <p:spPr>
+          <a:xfrm>
+            <a:off x="1436719" y="1344621"/>
+            <a:ext cx="1440000" cy="1440000"/>
+          </a:xfrm>
+          <a:prstGeom prst="rect">
+            <a:avLst/>
+          </a:prstGeom>
+        </p:spPr>
+      </p:pic>
+      <p:sp>
+        <p:nvSpPr>
+          <p:cNvPr id="6" name="Title 1">
+            <a:extLst>
+              <a:ext uri="{FF2B5EF4-FFF2-40B4-BE49-F238E27FC236}">
+                <a16:creationId xmlns:a16="http://schemas.microsoft.com/office/drawing/2014/main" id="{19E2098E-14EE-4901-726C-4BBE71E36B79}"/>
+              </a:ext>
+            </a:extLst>
+          </p:cNvPr>
+          <p:cNvSpPr txBox="1">
+            <a:spLocks/>
+          </p:cNvSpPr>
+          <p:nvPr/>
+        </p:nvSpPr>
+        <p:spPr>
+          <a:xfrm>
+            <a:off x="1668479" y="2984757"/>
+            <a:ext cx="8855041" cy="1643514"/>
+          </a:xfrm>
+          <a:prstGeom prst="rect">
+            <a:avLst/>
+          </a:prstGeom>
+        </p:spPr>
+        <p:txBody>
+          <a:bodyPr vert="horz" lIns="91440" tIns="45720" rIns="91440" bIns="45720" rtlCol="0" anchor="ctr" anchorCtr="0">
+            <a:normAutofit/>
+          </a:bodyPr>
+          <a:lstStyle>
+            <a:lvl1pPr algn="l" defTabSz="914377" rtl="0" eaLnBrk="1" latinLnBrk="0" hangingPunct="1">
+              <a:lnSpc>
+                <a:spcPct val="90000"/>
+              </a:lnSpc>
+              <a:spcBef>
+                <a:spcPct val="0"/>
+              </a:spcBef>
+              <a:buNone/>
+              <a:defRPr sz="2600" kern="1200">
+                <a:solidFill>
+                  <a:schemeClr val="tx1"/>
+                </a:solidFill>
+                <a:latin typeface="+mj-lt"/>
+                <a:ea typeface="+mj-ea"/>
+                <a:cs typeface="+mj-cs"/>
+              </a:defRPr>
+            </a:lvl1pPr>
+          </a:lstStyle>
+          <a:p>
+            <a:pPr algn="ctr"/>
+            <a:r>
+              <a:rPr lang="es-CO" sz="2800" b="1" dirty="0">
+                <a:solidFill>
+                  <a:schemeClr val="bg1">
+                    <a:lumMod val="25000"/>
+                  </a:schemeClr>
+                </a:solidFill>
+                <a:latin typeface="Segoe UI" panose="020B0502040204020203" pitchFamily="34" charset="0"/>
+                <a:ea typeface="Segoe UI Black" panose="020B0A02040204020203" pitchFamily="34" charset="0"/>
+                <a:cs typeface="Segoe UI" panose="020B0502040204020203" pitchFamily="34" charset="0"/>
+              </a:rPr>
+              <a:t>Busca</a:t>
+            </a:r>
+            <a:r>
+              <a:rPr lang="es-CO" sz="2800" dirty="0">
+                <a:solidFill>
+                  <a:schemeClr val="bg1">
+                    <a:lumMod val="25000"/>
+                  </a:schemeClr>
+                </a:solidFill>
+                <a:latin typeface="Segoe UI" panose="020B0502040204020203" pitchFamily="34" charset="0"/>
+                <a:ea typeface="Segoe UI Black" panose="020B0A02040204020203" pitchFamily="34" charset="0"/>
+                <a:cs typeface="Segoe UI" panose="020B0502040204020203" pitchFamily="34" charset="0"/>
+              </a:rPr>
+              <a:t> siempre </a:t>
+            </a:r>
+            <a:r>
+              <a:rPr lang="es-CO" sz="2800" b="1" dirty="0">
+                <a:solidFill>
+                  <a:schemeClr val="bg1">
+                    <a:lumMod val="25000"/>
+                  </a:schemeClr>
+                </a:solidFill>
+                <a:latin typeface="Segoe UI" panose="020B0502040204020203" pitchFamily="34" charset="0"/>
+                <a:ea typeface="Segoe UI Black" panose="020B0A02040204020203" pitchFamily="34" charset="0"/>
+                <a:cs typeface="Segoe UI" panose="020B0502040204020203" pitchFamily="34" charset="0"/>
+              </a:rPr>
+              <a:t>la manera de dar valor </a:t>
+            </a:r>
+            <a:r>
+              <a:rPr lang="es-CO" sz="2800" dirty="0">
+                <a:solidFill>
+                  <a:schemeClr val="bg1">
+                    <a:lumMod val="25000"/>
+                  </a:schemeClr>
+                </a:solidFill>
+                <a:latin typeface="Segoe UI" panose="020B0502040204020203" pitchFamily="34" charset="0"/>
+                <a:ea typeface="Segoe UI Black" panose="020B0A02040204020203" pitchFamily="34" charset="0"/>
+                <a:cs typeface="Segoe UI" panose="020B0502040204020203" pitchFamily="34" charset="0"/>
+              </a:rPr>
+              <a:t>agregado </a:t>
+            </a:r>
+            <a:r>
+              <a:rPr lang="es-CO" sz="2800" b="1" dirty="0">
+                <a:solidFill>
+                  <a:schemeClr val="bg1">
+                    <a:lumMod val="25000"/>
+                  </a:schemeClr>
+                </a:solidFill>
+                <a:latin typeface="Segoe UI" panose="020B0502040204020203" pitchFamily="34" charset="0"/>
+                <a:ea typeface="Segoe UI Black" panose="020B0A02040204020203" pitchFamily="34" charset="0"/>
+                <a:cs typeface="Segoe UI" panose="020B0502040204020203" pitchFamily="34" charset="0"/>
+              </a:rPr>
+              <a:t>a todos los contenidos</a:t>
+            </a:r>
+            <a:r>
+              <a:rPr lang="es-CO" sz="2800" dirty="0">
+                <a:solidFill>
+                  <a:schemeClr val="bg1">
+                    <a:lumMod val="25000"/>
+                  </a:schemeClr>
+                </a:solidFill>
+                <a:latin typeface="Segoe UI" panose="020B0502040204020203" pitchFamily="34" charset="0"/>
+                <a:ea typeface="Segoe UI Black" panose="020B0A02040204020203" pitchFamily="34" charset="0"/>
+                <a:cs typeface="Segoe UI" panose="020B0502040204020203" pitchFamily="34" charset="0"/>
+              </a:rPr>
+              <a:t> en los que participes.</a:t>
+            </a:r>
+          </a:p>
+        </p:txBody>
+      </p:sp>
+      <p:sp>
+        <p:nvSpPr>
+          <p:cNvPr id="2" name="TextBox 1">
+            <a:extLst>
+              <a:ext uri="{FF2B5EF4-FFF2-40B4-BE49-F238E27FC236}">
+                <a16:creationId xmlns:a16="http://schemas.microsoft.com/office/drawing/2014/main" id="{119D31AE-0C87-DA1B-45F3-C029134BEBB9}"/>
+              </a:ext>
+            </a:extLst>
+          </p:cNvPr>
+          <p:cNvSpPr txBox="1"/>
+          <p:nvPr/>
+        </p:nvSpPr>
+        <p:spPr>
+          <a:xfrm>
+            <a:off x="0" y="6550223"/>
+            <a:ext cx="12192000" cy="307777"/>
+          </a:xfrm>
+          <a:prstGeom prst="rect">
+            <a:avLst/>
+          </a:prstGeom>
+          <a:noFill/>
+        </p:spPr>
+        <p:txBody>
+          <a:bodyPr wrap="square" rtlCol="0">
+            <a:spAutoFit/>
+          </a:bodyPr>
+          <a:lstStyle/>
+          <a:p>
+            <a:pPr algn="ctr"/>
+            <a:r>
+              <a:rPr lang="en-US" sz="1400" b="0" strike="noStrike" dirty="0" err="1">
+                <a:solidFill>
+                  <a:schemeClr val="bg1">
+                    <a:lumMod val="25000"/>
+                  </a:schemeClr>
+                </a:solidFill>
+                <a:effectLst/>
+                <a:latin typeface="+mj-lt"/>
+              </a:rPr>
+              <a:t>Tomado</a:t>
+            </a:r>
+            <a:r>
+              <a:rPr lang="en-US" sz="1400" b="0" strike="noStrike" dirty="0">
+                <a:solidFill>
+                  <a:schemeClr val="bg1">
+                    <a:lumMod val="25000"/>
+                  </a:schemeClr>
+                </a:solidFill>
+                <a:effectLst/>
+                <a:latin typeface="+mj-lt"/>
+              </a:rPr>
+              <a:t> y/o </a:t>
+            </a:r>
+            <a:r>
+              <a:rPr lang="en-US" sz="1400" b="0" strike="noStrike" dirty="0" err="1">
+                <a:solidFill>
+                  <a:schemeClr val="bg1">
+                    <a:lumMod val="25000"/>
+                  </a:schemeClr>
+                </a:solidFill>
+                <a:effectLst/>
+                <a:latin typeface="+mj-lt"/>
+              </a:rPr>
+              <a:t>adaptado</a:t>
+            </a:r>
+            <a:r>
+              <a:rPr lang="en-US" sz="1400" b="0" strike="noStrike" dirty="0">
+                <a:solidFill>
+                  <a:schemeClr val="bg1">
+                    <a:lumMod val="25000"/>
+                  </a:schemeClr>
+                </a:solidFill>
+                <a:effectLst/>
+                <a:latin typeface="+mj-lt"/>
+              </a:rPr>
+              <a:t> de: 7 Ways To Add Value To Your Business | Brian Tracy, </a:t>
+            </a:r>
+            <a:r>
+              <a:rPr lang="en-US" sz="1400" b="0" strike="noStrike" dirty="0">
+                <a:solidFill>
+                  <a:schemeClr val="bg1">
+                    <a:lumMod val="25000"/>
+                  </a:schemeClr>
+                </a:solidFill>
+                <a:effectLst/>
+                <a:latin typeface="+mj-lt"/>
+                <a:hlinkClick r:id="rId5"/>
+              </a:rPr>
+              <a:t>https://www.youtube.com/watch?v=xztW-nosYn0</a:t>
+            </a:r>
+            <a:r>
+              <a:rPr lang="en-US" sz="1400" b="0" strike="noStrike" dirty="0">
+                <a:solidFill>
+                  <a:schemeClr val="bg1">
+                    <a:lumMod val="25000"/>
+                  </a:schemeClr>
+                </a:solidFill>
+                <a:effectLst/>
+                <a:latin typeface="+mj-lt"/>
+              </a:rPr>
+              <a:t> </a:t>
+            </a:r>
+            <a:endParaRPr lang="es-CO" sz="1400" dirty="0">
+              <a:solidFill>
+                <a:schemeClr val="bg1">
+                  <a:lumMod val="25000"/>
+                </a:schemeClr>
+              </a:solidFill>
+              <a:latin typeface="+mj-lt"/>
+            </a:endParaRPr>
+          </a:p>
+        </p:txBody>
+      </p:sp>
+    </p:spTree>
+    <p:extLst>
+      <p:ext uri="{BB962C8B-B14F-4D97-AF65-F5344CB8AC3E}">
+        <p14:creationId xmlns:p14="http://schemas.microsoft.com/office/powerpoint/2010/main" val="1069731735"/>
       </p:ext>
     </p:extLst>
   </p:cSld>
@@ -6993,57 +12440,6 @@
 </file>
 
 <file path=customXml/item2.xml><?xml version="1.0" encoding="utf-8"?>
-<p:properties xmlns:p="http://schemas.microsoft.com/office/2006/metadata/properties" xmlns:xsi="http://www.w3.org/2001/XMLSchema-instance" xmlns:pc="http://schemas.microsoft.com/office/infopath/2007/PartnerControls">
-  <documentManagement>
-    <NotebookType xmlns="bf3e1746-bde1-4d6e-9c3f-7182572f7502" xsi:nil="true"/>
-    <CultureName xmlns="bf3e1746-bde1-4d6e-9c3f-7182572f7502" xsi:nil="true"/>
-    <Students xmlns="bf3e1746-bde1-4d6e-9c3f-7182572f7502">
-      <UserInfo>
-        <DisplayName/>
-        <AccountId xsi:nil="true"/>
-        <AccountType/>
-      </UserInfo>
-    </Students>
-    <Distribution_Groups xmlns="bf3e1746-bde1-4d6e-9c3f-7182572f7502" xsi:nil="true"/>
-    <FolderType xmlns="bf3e1746-bde1-4d6e-9c3f-7182572f7502" xsi:nil="true"/>
-    <Student_Groups xmlns="bf3e1746-bde1-4d6e-9c3f-7182572f7502">
-      <UserInfo>
-        <DisplayName/>
-        <AccountId xsi:nil="true"/>
-        <AccountType/>
-      </UserInfo>
-    </Student_Groups>
-    <Self_Registration_Enabled xmlns="bf3e1746-bde1-4d6e-9c3f-7182572f7502" xsi:nil="true"/>
-    <TeamsChannelId xmlns="bf3e1746-bde1-4d6e-9c3f-7182572f7502" xsi:nil="true"/>
-    <IsNotebookLocked xmlns="bf3e1746-bde1-4d6e-9c3f-7182572f7502" xsi:nil="true"/>
-    <DefaultSectionNames xmlns="bf3e1746-bde1-4d6e-9c3f-7182572f7502" xsi:nil="true"/>
-    <Is_Collaboration_Space_Locked xmlns="bf3e1746-bde1-4d6e-9c3f-7182572f7502" xsi:nil="true"/>
-    <Invited_Teachers xmlns="bf3e1746-bde1-4d6e-9c3f-7182572f7502" xsi:nil="true"/>
-    <Math_Settings xmlns="bf3e1746-bde1-4d6e-9c3f-7182572f7502" xsi:nil="true"/>
-    <Templates xmlns="bf3e1746-bde1-4d6e-9c3f-7182572f7502" xsi:nil="true"/>
-    <Has_Teacher_Only_SectionGroup xmlns="bf3e1746-bde1-4d6e-9c3f-7182572f7502" xsi:nil="true"/>
-    <AppVersion xmlns="bf3e1746-bde1-4d6e-9c3f-7182572f7502" xsi:nil="true"/>
-    <Invited_Students xmlns="bf3e1746-bde1-4d6e-9c3f-7182572f7502" xsi:nil="true"/>
-    <Owner xmlns="bf3e1746-bde1-4d6e-9c3f-7182572f7502">
-      <UserInfo>
-        <DisplayName/>
-        <AccountId xsi:nil="true"/>
-        <AccountType/>
-      </UserInfo>
-    </Owner>
-    <Teachers xmlns="bf3e1746-bde1-4d6e-9c3f-7182572f7502">
-      <UserInfo>
-        <DisplayName/>
-        <AccountId xsi:nil="true"/>
-        <AccountType/>
-      </UserInfo>
-    </Teachers>
-    <LMS_Mappings xmlns="bf3e1746-bde1-4d6e-9c3f-7182572f7502" xsi:nil="true"/>
-  </documentManagement>
-</p:properties>
-</file>
-
-<file path=customXml/item3.xml><?xml version="1.0" encoding="utf-8"?>
 <ct:contentTypeSchema xmlns:ct="http://schemas.microsoft.com/office/2006/metadata/contentType" xmlns:ma="http://schemas.microsoft.com/office/2006/metadata/properties/metaAttributes" ct:_="" ma:_="" ma:contentTypeName="Document" ma:contentTypeID="0x010100C089011499791B4EB69D0A56FFA67F2B" ma:contentTypeVersion="30" ma:contentTypeDescription="Create a new document." ma:contentTypeScope="" ma:versionID="f76dc847e91b26043a9f85409c9c8da8">
   <xsd:schema xmlns:xsd="http://www.w3.org/2001/XMLSchema" xmlns:xs="http://www.w3.org/2001/XMLSchema" xmlns:p="http://schemas.microsoft.com/office/2006/metadata/properties" xmlns:ns3="bf3e1746-bde1-4d6e-9c3f-7182572f7502" xmlns:ns4="14224164-2045-4b51-92bb-313d0f626d83" targetNamespace="http://schemas.microsoft.com/office/2006/metadata/properties" ma:root="true" ma:fieldsID="e77e75136ac7a83ebab10a30c2d6fe6c" ns3:_="" ns4:_="">
     <xsd:import namespace="bf3e1746-bde1-4d6e-9c3f-7182572f7502"/>
@@ -7434,6 +12830,57 @@
 </ct:contentTypeSchema>
 </file>
 
+<file path=customXml/item3.xml><?xml version="1.0" encoding="utf-8"?>
+<p:properties xmlns:p="http://schemas.microsoft.com/office/2006/metadata/properties" xmlns:xsi="http://www.w3.org/2001/XMLSchema-instance" xmlns:pc="http://schemas.microsoft.com/office/infopath/2007/PartnerControls">
+  <documentManagement>
+    <NotebookType xmlns="bf3e1746-bde1-4d6e-9c3f-7182572f7502" xsi:nil="true"/>
+    <CultureName xmlns="bf3e1746-bde1-4d6e-9c3f-7182572f7502" xsi:nil="true"/>
+    <Students xmlns="bf3e1746-bde1-4d6e-9c3f-7182572f7502">
+      <UserInfo>
+        <DisplayName/>
+        <AccountId xsi:nil="true"/>
+        <AccountType/>
+      </UserInfo>
+    </Students>
+    <Distribution_Groups xmlns="bf3e1746-bde1-4d6e-9c3f-7182572f7502" xsi:nil="true"/>
+    <FolderType xmlns="bf3e1746-bde1-4d6e-9c3f-7182572f7502" xsi:nil="true"/>
+    <Student_Groups xmlns="bf3e1746-bde1-4d6e-9c3f-7182572f7502">
+      <UserInfo>
+        <DisplayName/>
+        <AccountId xsi:nil="true"/>
+        <AccountType/>
+      </UserInfo>
+    </Student_Groups>
+    <Self_Registration_Enabled xmlns="bf3e1746-bde1-4d6e-9c3f-7182572f7502" xsi:nil="true"/>
+    <TeamsChannelId xmlns="bf3e1746-bde1-4d6e-9c3f-7182572f7502" xsi:nil="true"/>
+    <IsNotebookLocked xmlns="bf3e1746-bde1-4d6e-9c3f-7182572f7502" xsi:nil="true"/>
+    <DefaultSectionNames xmlns="bf3e1746-bde1-4d6e-9c3f-7182572f7502" xsi:nil="true"/>
+    <Is_Collaboration_Space_Locked xmlns="bf3e1746-bde1-4d6e-9c3f-7182572f7502" xsi:nil="true"/>
+    <Invited_Teachers xmlns="bf3e1746-bde1-4d6e-9c3f-7182572f7502" xsi:nil="true"/>
+    <Math_Settings xmlns="bf3e1746-bde1-4d6e-9c3f-7182572f7502" xsi:nil="true"/>
+    <Templates xmlns="bf3e1746-bde1-4d6e-9c3f-7182572f7502" xsi:nil="true"/>
+    <Has_Teacher_Only_SectionGroup xmlns="bf3e1746-bde1-4d6e-9c3f-7182572f7502" xsi:nil="true"/>
+    <AppVersion xmlns="bf3e1746-bde1-4d6e-9c3f-7182572f7502" xsi:nil="true"/>
+    <Invited_Students xmlns="bf3e1746-bde1-4d6e-9c3f-7182572f7502" xsi:nil="true"/>
+    <Owner xmlns="bf3e1746-bde1-4d6e-9c3f-7182572f7502">
+      <UserInfo>
+        <DisplayName/>
+        <AccountId xsi:nil="true"/>
+        <AccountType/>
+      </UserInfo>
+    </Owner>
+    <Teachers xmlns="bf3e1746-bde1-4d6e-9c3f-7182572f7502">
+      <UserInfo>
+        <DisplayName/>
+        <AccountId xsi:nil="true"/>
+        <AccountType/>
+      </UserInfo>
+    </Teachers>
+    <LMS_Mappings xmlns="bf3e1746-bde1-4d6e-9c3f-7182572f7502" xsi:nil="true"/>
+  </documentManagement>
+</p:properties>
+</file>
+
 <file path=customXml/itemProps1.xml><?xml version="1.0" encoding="utf-8"?>
 <ds:datastoreItem xmlns:ds="http://schemas.openxmlformats.org/officeDocument/2006/customXml" ds:itemID="{B024FD56-CE1B-42FC-9E83-BFBF160724C6}">
   <ds:schemaRefs>
@@ -7443,23 +12890,6 @@
 </file>
 
 <file path=customXml/itemProps2.xml><?xml version="1.0" encoding="utf-8"?>
-<ds:datastoreItem xmlns:ds="http://schemas.openxmlformats.org/officeDocument/2006/customXml" ds:itemID="{DEDD01B8-816B-49B7-8C81-03AB51D87C54}">
-  <ds:schemaRefs>
-    <ds:schemaRef ds:uri="http://schemas.microsoft.com/office/infopath/2007/PartnerControls"/>
-    <ds:schemaRef ds:uri="http://schemas.microsoft.com/office/2006/metadata/properties"/>
-    <ds:schemaRef ds:uri="14224164-2045-4b51-92bb-313d0f626d83"/>
-    <ds:schemaRef ds:uri="http://www.w3.org/XML/1998/namespace"/>
-    <ds:schemaRef ds:uri="http://schemas.microsoft.com/office/2006/documentManagement/types"/>
-    <ds:schemaRef ds:uri="http://purl.org/dc/dcmitype/"/>
-    <ds:schemaRef ds:uri="http://schemas.openxmlformats.org/package/2006/metadata/core-properties"/>
-    <ds:schemaRef ds:uri="http://purl.org/dc/terms/"/>
-    <ds:schemaRef ds:uri="bf3e1746-bde1-4d6e-9c3f-7182572f7502"/>
-    <ds:schemaRef ds:uri="http://purl.org/dc/elements/1.1/"/>
-  </ds:schemaRefs>
-</ds:datastoreItem>
-</file>
-
-<file path=customXml/itemProps3.xml><?xml version="1.0" encoding="utf-8"?>
 <ds:datastoreItem xmlns:ds="http://schemas.openxmlformats.org/officeDocument/2006/customXml" ds:itemID="{A129B439-51BE-4A7D-9272-FBD057297E66}">
   <ds:schemaRefs>
     <ds:schemaRef ds:uri="http://schemas.microsoft.com/office/2006/metadata/contentType"/>
@@ -7476,4 +12906,21 @@
     <ds:schemaRef ds:uri="http://schemas.microsoft.com/internal/obd"/>
   </ds:schemaRefs>
 </ds:datastoreItem>
+</file>
+
+<file path=customXml/itemProps3.xml><?xml version="1.0" encoding="utf-8"?>
+<ds:datastoreItem xmlns:ds="http://schemas.openxmlformats.org/officeDocument/2006/customXml" ds:itemID="{DEDD01B8-816B-49B7-8C81-03AB51D87C54}">
+  <ds:schemaRefs>
+    <ds:schemaRef ds:uri="http://schemas.microsoft.com/office/infopath/2007/PartnerControls"/>
+    <ds:schemaRef ds:uri="http://schemas.microsoft.com/office/2006/metadata/properties"/>
+    <ds:schemaRef ds:uri="http://purl.org/dc/terms/"/>
+    <ds:schemaRef ds:uri="http://www.w3.org/XML/1998/namespace"/>
+    <ds:schemaRef ds:uri="http://schemas.openxmlformats.org/package/2006/metadata/core-properties"/>
+    <ds:schemaRef ds:uri="http://schemas.microsoft.com/office/2006/documentManagement/types"/>
+    <ds:schemaRef ds:uri="14224164-2045-4b51-92bb-313d0f626d83"/>
+    <ds:schemaRef ds:uri="bf3e1746-bde1-4d6e-9c3f-7182572f7502"/>
+    <ds:schemaRef ds:uri="http://purl.org/dc/dcmitype/"/>
+    <ds:schemaRef ds:uri="http://purl.org/dc/elements/1.1/"/>
+  </ds:schemaRefs>
+</ds:datastoreItem>
 </file>
--- a/Section01/Section01.pptx
+++ b/Section01/Section01.pptx
@@ -5,10 +5,10 @@
     <p:sldMasterId id="2147483778" r:id="rId4"/>
   </p:sldMasterIdLst>
   <p:notesMasterIdLst>
-    <p:notesMasterId r:id="rId16"/>
+    <p:notesMasterId r:id="rId19"/>
   </p:notesMasterIdLst>
   <p:handoutMasterIdLst>
-    <p:handoutMasterId r:id="rId17"/>
+    <p:handoutMasterId r:id="rId20"/>
   </p:handoutMasterIdLst>
   <p:sldIdLst>
     <p:sldId id="315" r:id="rId5"/>
@@ -22,6 +22,9 @@
     <p:sldId id="324" r:id="rId13"/>
     <p:sldId id="326" r:id="rId14"/>
     <p:sldId id="327" r:id="rId15"/>
+    <p:sldId id="328" r:id="rId16"/>
+    <p:sldId id="329" r:id="rId17"/>
+    <p:sldId id="330" r:id="rId18"/>
   </p:sldIdLst>
   <p:sldSz cx="12192000" cy="6858000"/>
   <p:notesSz cx="6858000" cy="9144000"/>
@@ -136,6 +139,9 @@
             <p14:sldId id="324"/>
             <p14:sldId id="326"/>
             <p14:sldId id="327"/>
+            <p14:sldId id="328"/>
+            <p14:sldId id="329"/>
+            <p14:sldId id="330"/>
           </p14:sldIdLst>
         </p14:section>
       </p14:sectionLst>
@@ -245,7 +251,7 @@
             <a:pPr rtl="0"/>
             <a:fld id="{FAB3E6E3-061B-41A2-BBDC-C5312A04A40A}" type="datetime1">
               <a:rPr lang="es-ES" smtClean="0"/>
-              <a:t>21/09/2022</a:t>
+              <a:t>22/09/2022</a:t>
             </a:fld>
             <a:endParaRPr lang="es-ES" dirty="0"/>
           </a:p>
@@ -415,7 +421,7 @@
             <a:pPr rtl="0"/>
             <a:fld id="{2145992C-CBBF-4F24-8325-F5CB0EAAC0E9}" type="datetime1">
               <a:rPr lang="es-ES" noProof="0" smtClean="0"/>
-              <a:t>21/09/2022</a:t>
+              <a:t>22/09/2022</a:t>
             </a:fld>
             <a:endParaRPr lang="es-ES" noProof="0" dirty="0"/>
           </a:p>
@@ -785,6 +791,362 @@
 </p:notes>
 </file>
 
+<file path=ppt/notesSlides/notesSlide10.xml><?xml version="1.0" encoding="utf-8"?>
+<p:notes xmlns:a="http://schemas.openxmlformats.org/drawingml/2006/main" xmlns:r="http://schemas.openxmlformats.org/officeDocument/2006/relationships" xmlns:p="http://schemas.openxmlformats.org/presentationml/2006/main">
+  <p:cSld>
+    <p:spTree>
+      <p:nvGrpSpPr>
+        <p:cNvPr id="1" name=""/>
+        <p:cNvGrpSpPr/>
+        <p:nvPr/>
+      </p:nvGrpSpPr>
+      <p:grpSpPr>
+        <a:xfrm>
+          <a:off x="0" y="0"/>
+          <a:ext cx="0" cy="0"/>
+          <a:chOff x="0" y="0"/>
+          <a:chExt cx="0" cy="0"/>
+        </a:xfrm>
+      </p:grpSpPr>
+      <p:sp>
+        <p:nvSpPr>
+          <p:cNvPr id="2" name="Slide Image Placeholder 1"/>
+          <p:cNvSpPr>
+            <a:spLocks noGrp="1" noRot="1" noChangeAspect="1"/>
+          </p:cNvSpPr>
+          <p:nvPr>
+            <p:ph type="sldImg"/>
+          </p:nvPr>
+        </p:nvSpPr>
+        <p:spPr/>
+      </p:sp>
+      <p:sp>
+        <p:nvSpPr>
+          <p:cNvPr id="3" name="Notes Placeholder 2"/>
+          <p:cNvSpPr>
+            <a:spLocks noGrp="1"/>
+          </p:cNvSpPr>
+          <p:nvPr>
+            <p:ph type="body" idx="1"/>
+          </p:nvPr>
+        </p:nvSpPr>
+        <p:spPr/>
+        <p:txBody>
+          <a:bodyPr/>
+          <a:lstStyle/>
+          <a:p>
+            <a:endParaRPr lang="es-CO" sz="1200" b="0" i="0" dirty="0">
+              <a:solidFill>
+                <a:srgbClr val="24292F"/>
+              </a:solidFill>
+              <a:effectLst/>
+              <a:latin typeface="-apple-system"/>
+              <a:cs typeface="Segoe UI Light" panose="020B0502040204020203" pitchFamily="34" charset="0"/>
+            </a:endParaRPr>
+          </a:p>
+        </p:txBody>
+      </p:sp>
+      <p:sp>
+        <p:nvSpPr>
+          <p:cNvPr id="4" name="Slide Number Placeholder 3"/>
+          <p:cNvSpPr>
+            <a:spLocks noGrp="1"/>
+          </p:cNvSpPr>
+          <p:nvPr>
+            <p:ph type="sldNum" sz="quarter" idx="5"/>
+          </p:nvPr>
+        </p:nvSpPr>
+        <p:spPr/>
+        <p:txBody>
+          <a:bodyPr/>
+          <a:lstStyle/>
+          <a:p>
+            <a:pPr rtl="0"/>
+            <a:fld id="{810E1E9A-E921-4174-A0FC-51868D7AC568}" type="slidenum">
+              <a:rPr lang="es-ES" noProof="0" smtClean="0"/>
+              <a:t>12</a:t>
+            </a:fld>
+            <a:endParaRPr lang="es-ES" noProof="0" dirty="0"/>
+          </a:p>
+        </p:txBody>
+      </p:sp>
+    </p:spTree>
+    <p:extLst>
+      <p:ext uri="{BB962C8B-B14F-4D97-AF65-F5344CB8AC3E}">
+        <p14:creationId xmlns:p14="http://schemas.microsoft.com/office/powerpoint/2010/main" val="2886917430"/>
+      </p:ext>
+    </p:extLst>
+  </p:cSld>
+  <p:clrMapOvr>
+    <a:masterClrMapping/>
+  </p:clrMapOvr>
+</p:notes>
+</file>
+
+<file path=ppt/notesSlides/notesSlide11.xml><?xml version="1.0" encoding="utf-8"?>
+<p:notes xmlns:a="http://schemas.openxmlformats.org/drawingml/2006/main" xmlns:r="http://schemas.openxmlformats.org/officeDocument/2006/relationships" xmlns:p="http://schemas.openxmlformats.org/presentationml/2006/main">
+  <p:cSld>
+    <p:spTree>
+      <p:nvGrpSpPr>
+        <p:cNvPr id="1" name=""/>
+        <p:cNvGrpSpPr/>
+        <p:nvPr/>
+      </p:nvGrpSpPr>
+      <p:grpSpPr>
+        <a:xfrm>
+          <a:off x="0" y="0"/>
+          <a:ext cx="0" cy="0"/>
+          <a:chOff x="0" y="0"/>
+          <a:chExt cx="0" cy="0"/>
+        </a:xfrm>
+      </p:grpSpPr>
+      <p:sp>
+        <p:nvSpPr>
+          <p:cNvPr id="2" name="Slide Image Placeholder 1"/>
+          <p:cNvSpPr>
+            <a:spLocks noGrp="1" noRot="1" noChangeAspect="1"/>
+          </p:cNvSpPr>
+          <p:nvPr>
+            <p:ph type="sldImg"/>
+          </p:nvPr>
+        </p:nvSpPr>
+        <p:spPr/>
+      </p:sp>
+      <p:sp>
+        <p:nvSpPr>
+          <p:cNvPr id="3" name="Notes Placeholder 2"/>
+          <p:cNvSpPr>
+            <a:spLocks noGrp="1"/>
+          </p:cNvSpPr>
+          <p:nvPr>
+            <p:ph type="body" idx="1"/>
+          </p:nvPr>
+        </p:nvSpPr>
+        <p:spPr/>
+        <p:txBody>
+          <a:bodyPr/>
+          <a:lstStyle/>
+          <a:p>
+            <a:endParaRPr lang="es-CO" sz="1200" b="0" i="0" dirty="0">
+              <a:solidFill>
+                <a:srgbClr val="24292F"/>
+              </a:solidFill>
+              <a:effectLst/>
+              <a:latin typeface="-apple-system"/>
+              <a:cs typeface="Segoe UI Light" panose="020B0502040204020203" pitchFamily="34" charset="0"/>
+            </a:endParaRPr>
+          </a:p>
+        </p:txBody>
+      </p:sp>
+      <p:sp>
+        <p:nvSpPr>
+          <p:cNvPr id="4" name="Slide Number Placeholder 3"/>
+          <p:cNvSpPr>
+            <a:spLocks noGrp="1"/>
+          </p:cNvSpPr>
+          <p:nvPr>
+            <p:ph type="sldNum" sz="quarter" idx="5"/>
+          </p:nvPr>
+        </p:nvSpPr>
+        <p:spPr/>
+        <p:txBody>
+          <a:bodyPr/>
+          <a:lstStyle/>
+          <a:p>
+            <a:pPr rtl="0"/>
+            <a:fld id="{810E1E9A-E921-4174-A0FC-51868D7AC568}" type="slidenum">
+              <a:rPr lang="es-ES" noProof="0" smtClean="0"/>
+              <a:t>13</a:t>
+            </a:fld>
+            <a:endParaRPr lang="es-ES" noProof="0" dirty="0"/>
+          </a:p>
+        </p:txBody>
+      </p:sp>
+    </p:spTree>
+    <p:extLst>
+      <p:ext uri="{BB962C8B-B14F-4D97-AF65-F5344CB8AC3E}">
+        <p14:creationId xmlns:p14="http://schemas.microsoft.com/office/powerpoint/2010/main" val="3892636266"/>
+      </p:ext>
+    </p:extLst>
+  </p:cSld>
+  <p:clrMapOvr>
+    <a:masterClrMapping/>
+  </p:clrMapOvr>
+</p:notes>
+</file>
+
+<file path=ppt/notesSlides/notesSlide12.xml><?xml version="1.0" encoding="utf-8"?>
+<p:notes xmlns:a="http://schemas.openxmlformats.org/drawingml/2006/main" xmlns:r="http://schemas.openxmlformats.org/officeDocument/2006/relationships" xmlns:p="http://schemas.openxmlformats.org/presentationml/2006/main">
+  <p:cSld>
+    <p:spTree>
+      <p:nvGrpSpPr>
+        <p:cNvPr id="1" name=""/>
+        <p:cNvGrpSpPr/>
+        <p:nvPr/>
+      </p:nvGrpSpPr>
+      <p:grpSpPr>
+        <a:xfrm>
+          <a:off x="0" y="0"/>
+          <a:ext cx="0" cy="0"/>
+          <a:chOff x="0" y="0"/>
+          <a:chExt cx="0" cy="0"/>
+        </a:xfrm>
+      </p:grpSpPr>
+      <p:sp>
+        <p:nvSpPr>
+          <p:cNvPr id="2" name="Slide Image Placeholder 1"/>
+          <p:cNvSpPr>
+            <a:spLocks noGrp="1" noRot="1" noChangeAspect="1"/>
+          </p:cNvSpPr>
+          <p:nvPr>
+            <p:ph type="sldImg"/>
+          </p:nvPr>
+        </p:nvSpPr>
+        <p:spPr/>
+      </p:sp>
+      <p:sp>
+        <p:nvSpPr>
+          <p:cNvPr id="3" name="Notes Placeholder 2"/>
+          <p:cNvSpPr>
+            <a:spLocks noGrp="1"/>
+          </p:cNvSpPr>
+          <p:nvPr>
+            <p:ph type="body" idx="1"/>
+          </p:nvPr>
+        </p:nvSpPr>
+        <p:spPr/>
+        <p:txBody>
+          <a:bodyPr/>
+          <a:lstStyle/>
+          <a:p>
+            <a:r>
+              <a:rPr lang="es-CO" b="0" i="0" dirty="0">
+                <a:solidFill>
+                  <a:srgbClr val="24292F"/>
+                </a:solidFill>
+                <a:effectLst/>
+                <a:latin typeface="-apple-system"/>
+              </a:rPr>
+              <a:t>Para responder esta pregunta, creemos una lista de requerimientos específicos para el enfoque de educación e investigación planteado en este curso y para las 3 plataformas más populares.</a:t>
+            </a:r>
+          </a:p>
+          <a:p>
+            <a:endParaRPr lang="es-CO" sz="1200" b="0" i="0" dirty="0">
+              <a:solidFill>
+                <a:srgbClr val="24292F"/>
+              </a:solidFill>
+              <a:effectLst/>
+              <a:latin typeface="-apple-system"/>
+              <a:cs typeface="Segoe UI Light" panose="020B0502040204020203" pitchFamily="34" charset="0"/>
+            </a:endParaRPr>
+          </a:p>
+          <a:p>
+            <a:r>
+              <a:rPr lang="es-CO" b="0" i="0" dirty="0">
+                <a:solidFill>
+                  <a:srgbClr val="57606A"/>
+                </a:solidFill>
+                <a:effectLst/>
+                <a:latin typeface="-apple-system"/>
+              </a:rPr>
+              <a:t>Los requerimientos presentados en la tabla anterior han sido definidos por </a:t>
+            </a:r>
+            <a:r>
+              <a:rPr lang="es-CO" b="0" i="0" u="none" strike="noStrike" dirty="0" err="1">
+                <a:effectLst/>
+                <a:latin typeface="-apple-system"/>
+                <a:hlinkClick r:id="rId3"/>
+              </a:rPr>
+              <a:t>rcfdtools</a:t>
+            </a:r>
+            <a:r>
+              <a:rPr lang="es-CO" b="0" i="0" dirty="0">
+                <a:solidFill>
+                  <a:srgbClr val="57606A"/>
+                </a:solidFill>
+                <a:effectLst/>
+                <a:latin typeface="-apple-system"/>
+              </a:rPr>
+              <a:t> y su validación puede cambiar por cambios en las políticas propias de cada plataforma.</a:t>
+            </a:r>
+            <a:endParaRPr lang="es-CO" sz="1200" b="0" i="0" dirty="0">
+              <a:solidFill>
+                <a:srgbClr val="24292F"/>
+              </a:solidFill>
+              <a:effectLst/>
+              <a:latin typeface="-apple-system"/>
+              <a:cs typeface="Segoe UI Light" panose="020B0502040204020203" pitchFamily="34" charset="0"/>
+            </a:endParaRPr>
+          </a:p>
+          <a:p>
+            <a:endParaRPr lang="es-CO" sz="1200" b="0" i="0" dirty="0">
+              <a:solidFill>
+                <a:srgbClr val="24292F"/>
+              </a:solidFill>
+              <a:effectLst/>
+              <a:latin typeface="-apple-system"/>
+              <a:cs typeface="Segoe UI Light" panose="020B0502040204020203" pitchFamily="34" charset="0"/>
+            </a:endParaRPr>
+          </a:p>
+          <a:p>
+            <a:r>
+              <a:rPr lang="es-CO" b="0" i="0" dirty="0">
+                <a:solidFill>
+                  <a:srgbClr val="24292F"/>
+                </a:solidFill>
+                <a:effectLst/>
+                <a:latin typeface="-apple-system"/>
+              </a:rPr>
+              <a:t>De acuerdo a la cobertura en los requerimientos indicados, la plataforma para el desarrollo de contenidos por desarrollo colaborativo orientado a educación e investigación es GitHub.</a:t>
+            </a:r>
+            <a:endParaRPr lang="es-CO" sz="1200" b="0" i="0" dirty="0">
+              <a:solidFill>
+                <a:srgbClr val="24292F"/>
+              </a:solidFill>
+              <a:effectLst/>
+              <a:latin typeface="-apple-system"/>
+              <a:cs typeface="Segoe UI Light" panose="020B0502040204020203" pitchFamily="34" charset="0"/>
+            </a:endParaRPr>
+          </a:p>
+        </p:txBody>
+      </p:sp>
+      <p:sp>
+        <p:nvSpPr>
+          <p:cNvPr id="4" name="Slide Number Placeholder 3"/>
+          <p:cNvSpPr>
+            <a:spLocks noGrp="1"/>
+          </p:cNvSpPr>
+          <p:nvPr>
+            <p:ph type="sldNum" sz="quarter" idx="5"/>
+          </p:nvPr>
+        </p:nvSpPr>
+        <p:spPr/>
+        <p:txBody>
+          <a:bodyPr/>
+          <a:lstStyle/>
+          <a:p>
+            <a:pPr rtl="0"/>
+            <a:fld id="{810E1E9A-E921-4174-A0FC-51868D7AC568}" type="slidenum">
+              <a:rPr lang="es-ES" noProof="0" smtClean="0"/>
+              <a:t>14</a:t>
+            </a:fld>
+            <a:endParaRPr lang="es-ES" noProof="0" dirty="0"/>
+          </a:p>
+        </p:txBody>
+      </p:sp>
+    </p:spTree>
+    <p:extLst>
+      <p:ext uri="{BB962C8B-B14F-4D97-AF65-F5344CB8AC3E}">
+        <p14:creationId xmlns:p14="http://schemas.microsoft.com/office/powerpoint/2010/main" val="2471891349"/>
+      </p:ext>
+    </p:extLst>
+  </p:cSld>
+  <p:clrMapOvr>
+    <a:masterClrMapping/>
+  </p:clrMapOvr>
+</p:notes>
+</file>
+
 <file path=ppt/notesSlides/notesSlide2.xml><?xml version="1.0" encoding="utf-8"?>
 <p:notes xmlns:a="http://schemas.openxmlformats.org/drawingml/2006/main" xmlns:r="http://schemas.openxmlformats.org/officeDocument/2006/relationships" xmlns:p="http://schemas.openxmlformats.org/presentationml/2006/main">
   <p:cSld>
@@ -1828,33 +2190,7 @@
           <a:bodyPr/>
           <a:lstStyle/>
           <a:p>
-            <a:r>
-              <a:rPr lang="es-CO" sz="1200" b="1" dirty="0">
-                <a:solidFill>
-                  <a:schemeClr val="bg1">
-                    <a:lumMod val="25000"/>
-                  </a:schemeClr>
-                </a:solidFill>
-                <a:latin typeface="Segoe UI" panose="020B0502040204020203" pitchFamily="34" charset="0"/>
-                <a:ea typeface="Segoe UI Black" panose="020B0A02040204020203" pitchFamily="34" charset="0"/>
-                <a:cs typeface="Segoe UI" panose="020B0502040204020203" pitchFamily="34" charset="0"/>
-              </a:rPr>
-              <a:t>¿Cómo?</a:t>
-            </a:r>
-          </a:p>
-          <a:p>
-            <a:endParaRPr lang="es-CO" sz="1200" dirty="0">
-              <a:solidFill>
-                <a:schemeClr val="bg1">
-                  <a:lumMod val="25000"/>
-                </a:schemeClr>
-              </a:solidFill>
-              <a:latin typeface="Segoe UI" panose="020B0502040204020203" pitchFamily="34" charset="0"/>
-              <a:ea typeface="Segoe UI Black" panose="020B0A02040204020203" pitchFamily="34" charset="0"/>
-              <a:cs typeface="Segoe UI" panose="020B0502040204020203" pitchFamily="34" charset="0"/>
-            </a:endParaRPr>
-          </a:p>
-          <a:p>
+            <a:pPr algn="l"/>
             <a:r>
               <a:rPr lang="es-CO" b="0" i="0" dirty="0">
                 <a:solidFill>
@@ -1863,8 +2199,10 @@
                 <a:effectLst/>
                 <a:latin typeface="-apple-system"/>
               </a:rPr>
-              <a:t>Crea centros de discusión en cada repositorio para documentar la interacción entre los miembros y usuarios, publica frecuentemente noticias para mantener actualizada a tu comunidad.</a:t>
-            </a:r>
+              <a:t>Existen diferentes herramientas o plataformas informáticas para desarrollo colaborativo que facilitan la interacción y gestión de la información. Los equipos de desarrollo ya no deben estar en el mismo lugar para poder comunicarse y crear, ni siquiera tienen que conocerse para poder dar sus criterios y participar en un proyecto. El desarrollo colaborativo es un modelo que parte de la base de que el conocimiento disponible públicamente, para ser accedido y revisado por otros investigadores, educadores o estudiantes. Debido a que este modelo está ligado al software libre, las reglas son similares: cuando un creador de contenido aporta algo a un repositorio fuente, o participa en el desarrollo colaborativo, sus aportes deben quedar públicos y disponibles para que pueda ser evaluado, mejorado o utilizado.</a:t>
+            </a:r>
+          </a:p>
+          <a:p>
             <a:endParaRPr lang="es-CO" sz="1200" b="0" i="0" dirty="0">
               <a:solidFill>
                 <a:srgbClr val="24292F"/>
@@ -2056,7 +2394,7 @@
             <a:pPr rtl="0"/>
             <a:fld id="{55224D71-97F5-4B9D-B11B-235152E09E96}" type="datetime1">
               <a:rPr lang="es-ES" noProof="0" smtClean="0"/>
-              <a:t>21/09/2022</a:t>
+              <a:t>22/09/2022</a:t>
             </a:fld>
             <a:endParaRPr lang="es-ES" noProof="0" dirty="0"/>
           </a:p>
@@ -2405,7 +2743,7 @@
             <a:pPr rtl="0"/>
             <a:fld id="{2AB3A384-AAB1-4A76-A43B-EFE930A802BF}" type="datetime1">
               <a:rPr lang="es-ES" noProof="0" smtClean="0"/>
-              <a:t>21/09/2022</a:t>
+              <a:t>22/09/2022</a:t>
             </a:fld>
             <a:endParaRPr lang="es-ES" noProof="0" dirty="0"/>
           </a:p>
@@ -2547,7 +2885,7 @@
             <a:pPr rtl="0"/>
             <a:fld id="{95F109E8-29A7-4A4D-BBAF-954B5246DC6B}" type="datetime1">
               <a:rPr lang="es-ES" noProof="0" smtClean="0"/>
-              <a:t>21/09/2022</a:t>
+              <a:t>22/09/2022</a:t>
             </a:fld>
             <a:endParaRPr lang="es-ES" noProof="0" dirty="0"/>
           </a:p>
@@ -2661,7 +2999,7 @@
             <a:pPr rtl="0"/>
             <a:fld id="{3EDF4B7F-437B-43B6-8193-868254AADFEB}" type="datetime1">
               <a:rPr lang="es-ES" noProof="0" smtClean="0"/>
-              <a:t>21/09/2022</a:t>
+              <a:t>22/09/2022</a:t>
             </a:fld>
             <a:endParaRPr lang="es-ES" noProof="0" dirty="0"/>
           </a:p>
@@ -2961,7 +3299,7 @@
             <a:pPr rtl="0"/>
             <a:fld id="{5FD9D2A0-9803-4B3F-A6B6-606959F35242}" type="datetime1">
               <a:rPr lang="es-ES" noProof="0" smtClean="0"/>
-              <a:t>21/09/2022</a:t>
+              <a:t>22/09/2022</a:t>
             </a:fld>
             <a:endParaRPr lang="es-ES" noProof="0" dirty="0"/>
           </a:p>
@@ -3232,7 +3570,7 @@
             <a:pPr rtl="0"/>
             <a:fld id="{B48CB6FA-6884-4007-A174-A67BE7A1CA93}" type="datetime1">
               <a:rPr lang="es-ES" noProof="0" smtClean="0"/>
-              <a:t>21/09/2022</a:t>
+              <a:t>22/09/2022</a:t>
             </a:fld>
             <a:endParaRPr lang="es-ES" noProof="0" dirty="0"/>
           </a:p>
@@ -3503,7 +3841,7 @@
             <a:pPr rtl="0"/>
             <a:fld id="{DCA87387-1199-4F13-92EC-EA845724990E}" type="datetime1">
               <a:rPr lang="es-ES" noProof="0" smtClean="0"/>
-              <a:t>21/09/2022</a:t>
+              <a:t>22/09/2022</a:t>
             </a:fld>
             <a:endParaRPr lang="es-ES" noProof="0" dirty="0"/>
           </a:p>
@@ -3681,7 +4019,7 @@
             <a:pPr rtl="0"/>
             <a:fld id="{0277B9E3-6C0A-45A5-BAE5-CD19B242173D}" type="datetime1">
               <a:rPr lang="es-ES" noProof="0" smtClean="0"/>
-              <a:t>21/09/2022</a:t>
+              <a:t>22/09/2022</a:t>
             </a:fld>
             <a:endParaRPr lang="es-ES" noProof="0" dirty="0"/>
           </a:p>
@@ -3869,7 +4207,7 @@
             <a:pPr rtl="0"/>
             <a:fld id="{AB41DD2C-FA4F-413E-A1B5-23565A0780B7}" type="datetime1">
               <a:rPr lang="es-ES" noProof="0" smtClean="0"/>
-              <a:t>21/09/2022</a:t>
+              <a:t>22/09/2022</a:t>
             </a:fld>
             <a:endParaRPr lang="es-ES" noProof="0" dirty="0"/>
           </a:p>
@@ -4119,7 +4457,7 @@
             <a:pPr rtl="0"/>
             <a:fld id="{0D82DBE2-B5E9-4999-A9C0-55ED93FCE73D}" type="datetime1">
               <a:rPr lang="es-ES" noProof="0" smtClean="0"/>
-              <a:t>21/09/2022</a:t>
+              <a:t>22/09/2022</a:t>
             </a:fld>
             <a:endParaRPr lang="es-ES" noProof="0" dirty="0"/>
           </a:p>
@@ -4369,7 +4707,7 @@
             <a:pPr rtl="0"/>
             <a:fld id="{89B7BC24-C90D-4DAD-A6CB-BBA58C4D57BB}" type="datetime1">
               <a:rPr lang="es-ES" noProof="0" smtClean="0"/>
-              <a:t>21/09/2022</a:t>
+              <a:t>22/09/2022</a:t>
             </a:fld>
             <a:endParaRPr lang="es-ES" noProof="0" dirty="0"/>
           </a:p>
@@ -4632,7 +4970,7 @@
             <a:pPr rtl="0"/>
             <a:fld id="{217D4995-77A4-48E5-92B1-2DC992A39FBB}" type="datetime1">
               <a:rPr lang="es-ES" noProof="0" smtClean="0"/>
-              <a:t>21/09/2022</a:t>
+              <a:t>22/09/2022</a:t>
             </a:fld>
             <a:endParaRPr lang="es-ES" noProof="0" dirty="0"/>
           </a:p>
@@ -4906,7 +5244,7 @@
             <a:pPr rtl="0"/>
             <a:fld id="{AE8112B3-1F24-452F-80DE-56BF301098EC}" type="datetime1">
               <a:rPr lang="es-ES" noProof="0" smtClean="0"/>
-              <a:t>21/09/2022</a:t>
+              <a:t>22/09/2022</a:t>
             </a:fld>
             <a:endParaRPr lang="es-ES" noProof="0" dirty="0"/>
           </a:p>
@@ -5272,7 +5610,7 @@
             <a:pPr rtl="0"/>
             <a:fld id="{39B46DA2-8C2E-44C4-A865-CD3D33CFD45F}" type="datetime1">
               <a:rPr lang="es-ES" noProof="0" smtClean="0"/>
-              <a:t>21/09/2022</a:t>
+              <a:t>22/09/2022</a:t>
             </a:fld>
             <a:endParaRPr lang="es-ES" noProof="0" dirty="0"/>
           </a:p>
@@ -5627,7 +5965,7 @@
             <a:pPr rtl="0"/>
             <a:fld id="{D1525062-C568-4AE5-A98F-45E6D6D3E9AC}" type="datetime1">
               <a:rPr lang="es-ES" noProof="0" smtClean="0"/>
-              <a:t>21/09/2022</a:t>
+              <a:t>22/09/2022</a:t>
             </a:fld>
             <a:endParaRPr lang="es-ES" noProof="0" dirty="0"/>
           </a:p>
@@ -6122,7 +6460,7 @@
             <a:pPr rtl="0"/>
             <a:fld id="{8EBA81B0-EA87-4E7B-A74D-942650D6BCED}" type="datetime1">
               <a:rPr lang="es-ES" noProof="0" smtClean="0"/>
-              <a:t>21/09/2022</a:t>
+              <a:t>22/09/2022</a:t>
             </a:fld>
             <a:endParaRPr lang="es-ES" noProof="0" dirty="0"/>
           </a:p>
@@ -6617,7 +6955,7 @@
             <a:pPr rtl="0"/>
             <a:fld id="{F6653BDA-CE15-46D4-A5A4-C9E9758DEFB2}" type="datetime1">
               <a:rPr lang="es-ES" noProof="0" smtClean="0"/>
-              <a:t>21/09/2022</a:t>
+              <a:t>22/09/2022</a:t>
             </a:fld>
             <a:endParaRPr lang="es-ES" noProof="0" dirty="0"/>
           </a:p>
@@ -6841,7 +7179,7 @@
             <a:pPr rtl="0"/>
             <a:fld id="{72696FBB-EB5C-4293-9014-59E70AE1A5E6}" type="datetime1">
               <a:rPr lang="es-ES" noProof="0" smtClean="0"/>
-              <a:t>21/09/2022</a:t>
+              <a:t>22/09/2022</a:t>
             </a:fld>
             <a:endParaRPr lang="es-ES" noProof="0" dirty="0"/>
           </a:p>
@@ -7637,6 +7975,16 @@
 <file path=ppt/slides/slide11.xml><?xml version="1.0" encoding="utf-8"?>
 <p:sld xmlns:a="http://schemas.openxmlformats.org/drawingml/2006/main" xmlns:r="http://schemas.openxmlformats.org/officeDocument/2006/relationships" xmlns:p="http://schemas.openxmlformats.org/presentationml/2006/main">
   <p:cSld>
+    <p:bg>
+      <p:bgPr>
+        <a:solidFill>
+          <a:schemeClr val="bg1">
+            <a:lumMod val="90000"/>
+          </a:schemeClr>
+        </a:solidFill>
+        <a:effectLst/>
+      </p:bgPr>
+    </p:bg>
     <p:spTree>
       <p:nvGrpSpPr>
         <p:cNvPr id="1" name=""/>
@@ -7880,6 +8228,2488 @@
 </p:sld>
 </file>
 
+<file path=ppt/slides/slide12.xml><?xml version="1.0" encoding="utf-8"?>
+<p:sld xmlns:a="http://schemas.openxmlformats.org/drawingml/2006/main" xmlns:r="http://schemas.openxmlformats.org/officeDocument/2006/relationships" xmlns:p="http://schemas.openxmlformats.org/presentationml/2006/main">
+  <p:cSld>
+    <p:spTree>
+      <p:nvGrpSpPr>
+        <p:cNvPr id="1" name=""/>
+        <p:cNvGrpSpPr/>
+        <p:nvPr/>
+      </p:nvGrpSpPr>
+      <p:grpSpPr>
+        <a:xfrm>
+          <a:off x="0" y="0"/>
+          <a:ext cx="0" cy="0"/>
+          <a:chOff x="0" y="0"/>
+          <a:chExt cx="0" cy="0"/>
+        </a:xfrm>
+      </p:grpSpPr>
+      <p:sp>
+        <p:nvSpPr>
+          <p:cNvPr id="15" name="Title 1">
+            <a:extLst>
+              <a:ext uri="{FF2B5EF4-FFF2-40B4-BE49-F238E27FC236}">
+                <a16:creationId xmlns:a16="http://schemas.microsoft.com/office/drawing/2014/main" id="{D8113FAF-0AA7-0EDA-4B5D-4E57EA2995CE}"/>
+              </a:ext>
+            </a:extLst>
+          </p:cNvPr>
+          <p:cNvSpPr>
+            <a:spLocks noGrp="1"/>
+          </p:cNvSpPr>
+          <p:nvPr>
+            <p:ph type="title"/>
+          </p:nvPr>
+        </p:nvSpPr>
+        <p:spPr>
+          <a:xfrm>
+            <a:off x="0" y="292448"/>
+            <a:ext cx="12191999" cy="930208"/>
+          </a:xfrm>
+        </p:spPr>
+        <p:txBody>
+          <a:bodyPr anchor="ctr" anchorCtr="0">
+            <a:normAutofit fontScale="90000"/>
+          </a:bodyPr>
+          <a:lstStyle/>
+          <a:p>
+            <a:pPr algn="ctr"/>
+            <a:r>
+              <a:rPr lang="es-CO" sz="3600" b="1" dirty="0">
+                <a:solidFill>
+                  <a:schemeClr val="bg1">
+                    <a:lumMod val="25000"/>
+                  </a:schemeClr>
+                </a:solidFill>
+                <a:latin typeface="Segoe UI" panose="020B0502040204020203" pitchFamily="34" charset="0"/>
+                <a:ea typeface="Segoe UI Black" panose="020B0A02040204020203" pitchFamily="34" charset="0"/>
+                <a:cs typeface="Segoe UI" panose="020B0502040204020203" pitchFamily="34" charset="0"/>
+              </a:rPr>
+              <a:t>Características </a:t>
+            </a:r>
+            <a:r>
+              <a:rPr lang="es-CO" sz="3600" dirty="0">
+                <a:solidFill>
+                  <a:schemeClr val="bg1">
+                    <a:lumMod val="25000"/>
+                  </a:schemeClr>
+                </a:solidFill>
+                <a:latin typeface="Segoe UI" panose="020B0502040204020203" pitchFamily="34" charset="0"/>
+                <a:ea typeface="Segoe UI Black" panose="020B0A02040204020203" pitchFamily="34" charset="0"/>
+                <a:cs typeface="Segoe UI" panose="020B0502040204020203" pitchFamily="34" charset="0"/>
+              </a:rPr>
+              <a:t>de las </a:t>
+            </a:r>
+            <a:r>
+              <a:rPr lang="es-CO" sz="3600" b="1" dirty="0">
+                <a:solidFill>
+                  <a:schemeClr val="bg1">
+                    <a:lumMod val="25000"/>
+                  </a:schemeClr>
+                </a:solidFill>
+                <a:latin typeface="Segoe UI" panose="020B0502040204020203" pitchFamily="34" charset="0"/>
+                <a:ea typeface="Segoe UI Black" panose="020B0A02040204020203" pitchFamily="34" charset="0"/>
+                <a:cs typeface="Segoe UI" panose="020B0502040204020203" pitchFamily="34" charset="0"/>
+              </a:rPr>
+              <a:t>plataformas</a:t>
+            </a:r>
+            <a:r>
+              <a:rPr lang="es-CO" sz="3600" dirty="0">
+                <a:solidFill>
+                  <a:schemeClr val="bg1">
+                    <a:lumMod val="25000"/>
+                  </a:schemeClr>
+                </a:solidFill>
+                <a:latin typeface="Segoe UI" panose="020B0502040204020203" pitchFamily="34" charset="0"/>
+                <a:ea typeface="Segoe UI Black" panose="020B0A02040204020203" pitchFamily="34" charset="0"/>
+                <a:cs typeface="Segoe UI" panose="020B0502040204020203" pitchFamily="34" charset="0"/>
+              </a:rPr>
+              <a:t> de desarrollo colaborativo</a:t>
+            </a:r>
+          </a:p>
+        </p:txBody>
+      </p:sp>
+      <p:sp>
+        <p:nvSpPr>
+          <p:cNvPr id="3" name="TextBox 2">
+            <a:extLst>
+              <a:ext uri="{FF2B5EF4-FFF2-40B4-BE49-F238E27FC236}">
+                <a16:creationId xmlns:a16="http://schemas.microsoft.com/office/drawing/2014/main" id="{73601239-4033-815A-3BCC-44CE8B4A0300}"/>
+              </a:ext>
+            </a:extLst>
+          </p:cNvPr>
+          <p:cNvSpPr txBox="1"/>
+          <p:nvPr/>
+        </p:nvSpPr>
+        <p:spPr>
+          <a:xfrm>
+            <a:off x="0" y="6550223"/>
+            <a:ext cx="12192000" cy="307777"/>
+          </a:xfrm>
+          <a:prstGeom prst="rect">
+            <a:avLst/>
+          </a:prstGeom>
+          <a:noFill/>
+        </p:spPr>
+        <p:txBody>
+          <a:bodyPr wrap="square" rtlCol="0">
+            <a:spAutoFit/>
+          </a:bodyPr>
+          <a:lstStyle/>
+          <a:p>
+            <a:pPr algn="ctr"/>
+            <a:r>
+              <a:rPr lang="en-US" sz="1400" b="0" strike="noStrike" dirty="0" err="1">
+                <a:solidFill>
+                  <a:schemeClr val="bg1">
+                    <a:lumMod val="25000"/>
+                  </a:schemeClr>
+                </a:solidFill>
+                <a:effectLst/>
+                <a:latin typeface="+mj-lt"/>
+              </a:rPr>
+              <a:t>Tomado</a:t>
+            </a:r>
+            <a:r>
+              <a:rPr lang="en-US" sz="1400" b="0" strike="noStrike" dirty="0">
+                <a:solidFill>
+                  <a:schemeClr val="bg1">
+                    <a:lumMod val="25000"/>
+                  </a:schemeClr>
+                </a:solidFill>
+                <a:effectLst/>
+                <a:latin typeface="+mj-lt"/>
+              </a:rPr>
+              <a:t> y/o </a:t>
+            </a:r>
+            <a:r>
+              <a:rPr lang="en-US" sz="1400" b="0" strike="noStrike" dirty="0" err="1">
+                <a:solidFill>
+                  <a:schemeClr val="bg1">
+                    <a:lumMod val="25000"/>
+                  </a:schemeClr>
+                </a:solidFill>
+                <a:effectLst/>
+                <a:latin typeface="+mj-lt"/>
+              </a:rPr>
+              <a:t>adaptado</a:t>
+            </a:r>
+            <a:r>
+              <a:rPr lang="en-US" sz="1400" b="0" strike="noStrike" dirty="0">
+                <a:solidFill>
+                  <a:schemeClr val="bg1">
+                    <a:lumMod val="25000"/>
+                  </a:schemeClr>
+                </a:solidFill>
+                <a:effectLst/>
+                <a:latin typeface="+mj-lt"/>
+              </a:rPr>
+              <a:t> de: </a:t>
+            </a:r>
+            <a:r>
+              <a:rPr lang="es-CO" sz="1400" b="0" strike="noStrike" dirty="0">
+                <a:solidFill>
+                  <a:schemeClr val="bg1">
+                    <a:lumMod val="25000"/>
+                  </a:schemeClr>
+                </a:solidFill>
+                <a:effectLst/>
+                <a:latin typeface="+mj-lt"/>
+              </a:rPr>
+              <a:t>Desarrollo colaborativo - Herramientas o plataformas más utilizadas</a:t>
+            </a:r>
+            <a:r>
+              <a:rPr lang="en-US" sz="1400" b="0" strike="noStrike" dirty="0">
+                <a:solidFill>
+                  <a:schemeClr val="bg1">
+                    <a:lumMod val="25000"/>
+                  </a:schemeClr>
+                </a:solidFill>
+                <a:effectLst/>
+                <a:latin typeface="+mj-lt"/>
+              </a:rPr>
+              <a:t>  </a:t>
+            </a:r>
+            <a:r>
+              <a:rPr lang="en-US" sz="1400" b="0" strike="noStrike" dirty="0">
+                <a:solidFill>
+                  <a:schemeClr val="bg1">
+                    <a:lumMod val="25000"/>
+                  </a:schemeClr>
+                </a:solidFill>
+                <a:effectLst/>
+                <a:latin typeface="+mj-lt"/>
+                <a:hlinkClick r:id="rId3"/>
+              </a:rPr>
+              <a:t>https://saasradar.net/herramientas-desarrollo-colaborativo</a:t>
+            </a:r>
+            <a:r>
+              <a:rPr lang="en-US" sz="1400" b="0" strike="noStrike" dirty="0">
+                <a:solidFill>
+                  <a:schemeClr val="bg1">
+                    <a:lumMod val="25000"/>
+                  </a:schemeClr>
+                </a:solidFill>
+                <a:effectLst/>
+                <a:latin typeface="+mj-lt"/>
+              </a:rPr>
+              <a:t> </a:t>
+            </a:r>
+            <a:endParaRPr lang="es-CO" sz="1400" dirty="0">
+              <a:solidFill>
+                <a:schemeClr val="bg1">
+                  <a:lumMod val="25000"/>
+                </a:schemeClr>
+              </a:solidFill>
+              <a:latin typeface="+mj-lt"/>
+            </a:endParaRPr>
+          </a:p>
+        </p:txBody>
+      </p:sp>
+      <p:sp>
+        <p:nvSpPr>
+          <p:cNvPr id="4" name="Title 1">
+            <a:extLst>
+              <a:ext uri="{FF2B5EF4-FFF2-40B4-BE49-F238E27FC236}">
+                <a16:creationId xmlns:a16="http://schemas.microsoft.com/office/drawing/2014/main" id="{815EEC20-81BB-EEA1-BA05-CCB7511C994A}"/>
+              </a:ext>
+            </a:extLst>
+          </p:cNvPr>
+          <p:cNvSpPr txBox="1">
+            <a:spLocks/>
+          </p:cNvSpPr>
+          <p:nvPr/>
+        </p:nvSpPr>
+        <p:spPr>
+          <a:xfrm>
+            <a:off x="557736" y="3335559"/>
+            <a:ext cx="11076526" cy="2550545"/>
+          </a:xfrm>
+          <a:prstGeom prst="rect">
+            <a:avLst/>
+          </a:prstGeom>
+        </p:spPr>
+        <p:txBody>
+          <a:bodyPr vert="horz" lIns="91440" tIns="45720" rIns="91440" bIns="45720" rtlCol="0" anchor="ctr" anchorCtr="0">
+            <a:normAutofit/>
+          </a:bodyPr>
+          <a:lstStyle>
+            <a:lvl1pPr algn="l" defTabSz="914377" rtl="0" eaLnBrk="1" latinLnBrk="0" hangingPunct="1">
+              <a:lnSpc>
+                <a:spcPct val="90000"/>
+              </a:lnSpc>
+              <a:spcBef>
+                <a:spcPct val="0"/>
+              </a:spcBef>
+              <a:buNone/>
+              <a:defRPr sz="2600" kern="1200">
+                <a:solidFill>
+                  <a:schemeClr val="tx1"/>
+                </a:solidFill>
+                <a:latin typeface="+mj-lt"/>
+                <a:ea typeface="+mj-ea"/>
+                <a:cs typeface="+mj-cs"/>
+              </a:defRPr>
+            </a:lvl1pPr>
+          </a:lstStyle>
+          <a:p>
+            <a:pPr marL="571500" indent="-571500">
+              <a:buFont typeface="Wingdings" panose="05000000000000000000" pitchFamily="2" charset="2"/>
+              <a:buChar char="ü"/>
+            </a:pPr>
+            <a:r>
+              <a:rPr lang="es-CO" sz="2800" dirty="0">
+                <a:solidFill>
+                  <a:schemeClr val="bg1">
+                    <a:lumMod val="25000"/>
+                  </a:schemeClr>
+                </a:solidFill>
+                <a:latin typeface="Segoe UI" panose="020B0502040204020203" pitchFamily="34" charset="0"/>
+                <a:ea typeface="Segoe UI Black" panose="020B0A02040204020203" pitchFamily="34" charset="0"/>
+                <a:cs typeface="Segoe UI" panose="020B0502040204020203" pitchFamily="34" charset="0"/>
+              </a:rPr>
+              <a:t>Disponibilidad del los archivos fuente de uno o varios proyectos.</a:t>
+            </a:r>
+          </a:p>
+          <a:p>
+            <a:pPr marL="571500" indent="-571500">
+              <a:buFont typeface="Wingdings" panose="05000000000000000000" pitchFamily="2" charset="2"/>
+              <a:buChar char="ü"/>
+            </a:pPr>
+            <a:r>
+              <a:rPr lang="es-CO" sz="2800" dirty="0">
+                <a:solidFill>
+                  <a:schemeClr val="bg1">
+                    <a:lumMod val="25000"/>
+                  </a:schemeClr>
+                </a:solidFill>
+                <a:latin typeface="Segoe UI" panose="020B0502040204020203" pitchFamily="34" charset="0"/>
+                <a:ea typeface="Segoe UI Black" panose="020B0A02040204020203" pitchFamily="34" charset="0"/>
+                <a:cs typeface="Segoe UI" panose="020B0502040204020203" pitchFamily="34" charset="0"/>
+              </a:rPr>
+              <a:t>Soporte y mantenimiento a investigaciones y sistemas informáticos ya concluidos y en explotación.</a:t>
+            </a:r>
+          </a:p>
+          <a:p>
+            <a:pPr marL="571500" indent="-571500">
+              <a:buFont typeface="Wingdings" panose="05000000000000000000" pitchFamily="2" charset="2"/>
+              <a:buChar char="ü"/>
+            </a:pPr>
+            <a:r>
+              <a:rPr lang="es-CO" sz="2800" dirty="0">
+                <a:solidFill>
+                  <a:schemeClr val="bg1">
+                    <a:lumMod val="25000"/>
+                  </a:schemeClr>
+                </a:solidFill>
+                <a:latin typeface="Segoe UI" panose="020B0502040204020203" pitchFamily="34" charset="0"/>
+                <a:ea typeface="Segoe UI Black" panose="020B0A02040204020203" pitchFamily="34" charset="0"/>
+                <a:cs typeface="Segoe UI" panose="020B0502040204020203" pitchFamily="34" charset="0"/>
+              </a:rPr>
+              <a:t>Control de versiones y trazabilidad.</a:t>
+            </a:r>
+          </a:p>
+          <a:p>
+            <a:pPr marL="571500" indent="-571500">
+              <a:buFont typeface="Wingdings" panose="05000000000000000000" pitchFamily="2" charset="2"/>
+              <a:buChar char="ü"/>
+            </a:pPr>
+            <a:r>
+              <a:rPr lang="es-CO" sz="2800" dirty="0">
+                <a:solidFill>
+                  <a:schemeClr val="bg1">
+                    <a:lumMod val="25000"/>
+                  </a:schemeClr>
+                </a:solidFill>
+                <a:latin typeface="Segoe UI" panose="020B0502040204020203" pitchFamily="34" charset="0"/>
+                <a:ea typeface="Segoe UI Black" panose="020B0A02040204020203" pitchFamily="34" charset="0"/>
+                <a:cs typeface="Segoe UI" panose="020B0502040204020203" pitchFamily="34" charset="0"/>
+              </a:rPr>
+              <a:t>Foros de discusión.</a:t>
+            </a:r>
+          </a:p>
+          <a:p>
+            <a:pPr marL="571500" indent="-571500">
+              <a:buFont typeface="Wingdings" panose="05000000000000000000" pitchFamily="2" charset="2"/>
+              <a:buChar char="ü"/>
+            </a:pPr>
+            <a:r>
+              <a:rPr lang="es-CO" sz="2800" dirty="0">
+                <a:solidFill>
+                  <a:schemeClr val="bg1">
+                    <a:lumMod val="25000"/>
+                  </a:schemeClr>
+                </a:solidFill>
+                <a:latin typeface="Segoe UI" panose="020B0502040204020203" pitchFamily="34" charset="0"/>
+                <a:ea typeface="Segoe UI Black" panose="020B0A02040204020203" pitchFamily="34" charset="0"/>
+                <a:cs typeface="Segoe UI" panose="020B0502040204020203" pitchFamily="34" charset="0"/>
+              </a:rPr>
+              <a:t>Wikis para gestionar la documentación.</a:t>
+            </a:r>
+          </a:p>
+        </p:txBody>
+      </p:sp>
+      <p:pic>
+        <p:nvPicPr>
+          <p:cNvPr id="7" name="Graphic 6" descr="Astronaut male outline">
+            <a:extLst>
+              <a:ext uri="{FF2B5EF4-FFF2-40B4-BE49-F238E27FC236}">
+                <a16:creationId xmlns:a16="http://schemas.microsoft.com/office/drawing/2014/main" id="{84AE53A6-D869-AFD5-70CC-FEF1AEEC2EFA}"/>
+              </a:ext>
+            </a:extLst>
+          </p:cNvPr>
+          <p:cNvPicPr>
+            <a:picLocks noChangeAspect="1"/>
+          </p:cNvPicPr>
+          <p:nvPr/>
+        </p:nvPicPr>
+        <p:blipFill>
+          <a:blip r:embed="rId4">
+            <a:extLst>
+              <a:ext uri="{96DAC541-7B7A-43D3-8B79-37D633B846F1}">
+                <asvg:svgBlip xmlns:asvg="http://schemas.microsoft.com/office/drawing/2016/SVG/main" r:embed="rId5"/>
+              </a:ext>
+            </a:extLst>
+          </a:blip>
+          <a:stretch>
+            <a:fillRect/>
+          </a:stretch>
+        </p:blipFill>
+        <p:spPr>
+          <a:xfrm>
+            <a:off x="2690633" y="1504125"/>
+            <a:ext cx="1440000" cy="1440000"/>
+          </a:xfrm>
+          <a:prstGeom prst="rect">
+            <a:avLst/>
+          </a:prstGeom>
+        </p:spPr>
+      </p:pic>
+      <p:pic>
+        <p:nvPicPr>
+          <p:cNvPr id="9" name="Graphic 8" descr="Storytelling outline">
+            <a:extLst>
+              <a:ext uri="{FF2B5EF4-FFF2-40B4-BE49-F238E27FC236}">
+                <a16:creationId xmlns:a16="http://schemas.microsoft.com/office/drawing/2014/main" id="{AF3BBB40-5F7D-0BB4-6BA0-ED1B1A27A20F}"/>
+              </a:ext>
+            </a:extLst>
+          </p:cNvPr>
+          <p:cNvPicPr>
+            <a:picLocks noChangeAspect="1"/>
+          </p:cNvPicPr>
+          <p:nvPr/>
+        </p:nvPicPr>
+        <p:blipFill>
+          <a:blip r:embed="rId6">
+            <a:extLst>
+              <a:ext uri="{96DAC541-7B7A-43D3-8B79-37D633B846F1}">
+                <asvg:svgBlip xmlns:asvg="http://schemas.microsoft.com/office/drawing/2016/SVG/main" r:embed="rId7"/>
+              </a:ext>
+            </a:extLst>
+          </a:blip>
+          <a:stretch>
+            <a:fillRect/>
+          </a:stretch>
+        </p:blipFill>
+        <p:spPr>
+          <a:xfrm>
+            <a:off x="8061367" y="1504125"/>
+            <a:ext cx="1440000" cy="1440000"/>
+          </a:xfrm>
+          <a:prstGeom prst="rect">
+            <a:avLst/>
+          </a:prstGeom>
+        </p:spPr>
+      </p:pic>
+      <p:pic>
+        <p:nvPicPr>
+          <p:cNvPr id="17" name="Graphic 16" descr="Syncing cloud outline">
+            <a:extLst>
+              <a:ext uri="{FF2B5EF4-FFF2-40B4-BE49-F238E27FC236}">
+                <a16:creationId xmlns:a16="http://schemas.microsoft.com/office/drawing/2014/main" id="{9F16B5F0-4892-FDAF-6256-A7E4A1BC0849}"/>
+              </a:ext>
+            </a:extLst>
+          </p:cNvPr>
+          <p:cNvPicPr>
+            <a:picLocks noChangeAspect="1"/>
+          </p:cNvPicPr>
+          <p:nvPr/>
+        </p:nvPicPr>
+        <p:blipFill>
+          <a:blip r:embed="rId8">
+            <a:extLst>
+              <a:ext uri="{96DAC541-7B7A-43D3-8B79-37D633B846F1}">
+                <asvg:svgBlip xmlns:asvg="http://schemas.microsoft.com/office/drawing/2016/SVG/main" r:embed="rId9"/>
+              </a:ext>
+            </a:extLst>
+          </a:blip>
+          <a:stretch>
+            <a:fillRect/>
+          </a:stretch>
+        </p:blipFill>
+        <p:spPr>
+          <a:xfrm>
+            <a:off x="5375999" y="1504125"/>
+            <a:ext cx="1440000" cy="1440000"/>
+          </a:xfrm>
+          <a:prstGeom prst="rect">
+            <a:avLst/>
+          </a:prstGeom>
+        </p:spPr>
+      </p:pic>
+    </p:spTree>
+    <p:extLst>
+      <p:ext uri="{BB962C8B-B14F-4D97-AF65-F5344CB8AC3E}">
+        <p14:creationId xmlns:p14="http://schemas.microsoft.com/office/powerpoint/2010/main" val="1399191968"/>
+      </p:ext>
+    </p:extLst>
+  </p:cSld>
+  <p:clrMapOvr>
+    <a:masterClrMapping/>
+  </p:clrMapOvr>
+</p:sld>
+</file>
+
+<file path=ppt/slides/slide13.xml><?xml version="1.0" encoding="utf-8"?>
+<p:sld xmlns:a="http://schemas.openxmlformats.org/drawingml/2006/main" xmlns:r="http://schemas.openxmlformats.org/officeDocument/2006/relationships" xmlns:p="http://schemas.openxmlformats.org/presentationml/2006/main">
+  <p:cSld>
+    <p:spTree>
+      <p:nvGrpSpPr>
+        <p:cNvPr id="1" name=""/>
+        <p:cNvGrpSpPr/>
+        <p:nvPr/>
+      </p:nvGrpSpPr>
+      <p:grpSpPr>
+        <a:xfrm>
+          <a:off x="0" y="0"/>
+          <a:ext cx="0" cy="0"/>
+          <a:chOff x="0" y="0"/>
+          <a:chExt cx="0" cy="0"/>
+        </a:xfrm>
+      </p:grpSpPr>
+      <p:sp>
+        <p:nvSpPr>
+          <p:cNvPr id="15" name="Title 1">
+            <a:extLst>
+              <a:ext uri="{FF2B5EF4-FFF2-40B4-BE49-F238E27FC236}">
+                <a16:creationId xmlns:a16="http://schemas.microsoft.com/office/drawing/2014/main" id="{D8113FAF-0AA7-0EDA-4B5D-4E57EA2995CE}"/>
+              </a:ext>
+            </a:extLst>
+          </p:cNvPr>
+          <p:cNvSpPr>
+            <a:spLocks noGrp="1"/>
+          </p:cNvSpPr>
+          <p:nvPr>
+            <p:ph type="title"/>
+          </p:nvPr>
+        </p:nvSpPr>
+        <p:spPr>
+          <a:xfrm>
+            <a:off x="1" y="1218723"/>
+            <a:ext cx="12191999" cy="930208"/>
+          </a:xfrm>
+        </p:spPr>
+        <p:txBody>
+          <a:bodyPr anchor="ctr" anchorCtr="0">
+            <a:normAutofit/>
+          </a:bodyPr>
+          <a:lstStyle/>
+          <a:p>
+            <a:pPr algn="ctr"/>
+            <a:r>
+              <a:rPr lang="es-CO" sz="3600" b="1" dirty="0">
+                <a:solidFill>
+                  <a:schemeClr val="bg1">
+                    <a:lumMod val="25000"/>
+                  </a:schemeClr>
+                </a:solidFill>
+                <a:latin typeface="Segoe UI" panose="020B0502040204020203" pitchFamily="34" charset="0"/>
+                <a:ea typeface="Segoe UI Black" panose="020B0A02040204020203" pitchFamily="34" charset="0"/>
+                <a:cs typeface="Segoe UI" panose="020B0502040204020203" pitchFamily="34" charset="0"/>
+              </a:rPr>
+              <a:t>Plataformas</a:t>
+            </a:r>
+            <a:r>
+              <a:rPr lang="es-CO" sz="3600" dirty="0">
+                <a:solidFill>
+                  <a:schemeClr val="bg1">
+                    <a:lumMod val="25000"/>
+                  </a:schemeClr>
+                </a:solidFill>
+                <a:latin typeface="Segoe UI" panose="020B0502040204020203" pitchFamily="34" charset="0"/>
+                <a:ea typeface="Segoe UI Black" panose="020B0A02040204020203" pitchFamily="34" charset="0"/>
+                <a:cs typeface="Segoe UI" panose="020B0502040204020203" pitchFamily="34" charset="0"/>
+              </a:rPr>
+              <a:t> de desarrollo colaborativo</a:t>
+            </a:r>
+          </a:p>
+        </p:txBody>
+      </p:sp>
+      <p:pic>
+        <p:nvPicPr>
+          <p:cNvPr id="5" name="Picture 4" descr="A picture containing text&#10;&#10;Description automatically generated">
+            <a:extLst>
+              <a:ext uri="{FF2B5EF4-FFF2-40B4-BE49-F238E27FC236}">
+                <a16:creationId xmlns:a16="http://schemas.microsoft.com/office/drawing/2014/main" id="{F59E366C-5DED-B599-5E1A-D1CBCE846CC2}"/>
+              </a:ext>
+            </a:extLst>
+          </p:cNvPr>
+          <p:cNvPicPr>
+            <a:picLocks noChangeAspect="1"/>
+          </p:cNvPicPr>
+          <p:nvPr/>
+        </p:nvPicPr>
+        <p:blipFill>
+          <a:blip r:embed="rId3"/>
+          <a:stretch>
+            <a:fillRect/>
+          </a:stretch>
+        </p:blipFill>
+        <p:spPr>
+          <a:xfrm>
+            <a:off x="380010" y="2480816"/>
+            <a:ext cx="11115304" cy="1896367"/>
+          </a:xfrm>
+          <a:prstGeom prst="rect">
+            <a:avLst/>
+          </a:prstGeom>
+        </p:spPr>
+      </p:pic>
+    </p:spTree>
+    <p:extLst>
+      <p:ext uri="{BB962C8B-B14F-4D97-AF65-F5344CB8AC3E}">
+        <p14:creationId xmlns:p14="http://schemas.microsoft.com/office/powerpoint/2010/main" val="1396733049"/>
+      </p:ext>
+    </p:extLst>
+  </p:cSld>
+  <p:clrMapOvr>
+    <a:masterClrMapping/>
+  </p:clrMapOvr>
+</p:sld>
+</file>
+
+<file path=ppt/slides/slide14.xml><?xml version="1.0" encoding="utf-8"?>
+<p:sld xmlns:a="http://schemas.openxmlformats.org/drawingml/2006/main" xmlns:r="http://schemas.openxmlformats.org/officeDocument/2006/relationships" xmlns:p="http://schemas.openxmlformats.org/presentationml/2006/main">
+  <p:cSld>
+    <p:spTree>
+      <p:nvGrpSpPr>
+        <p:cNvPr id="1" name=""/>
+        <p:cNvGrpSpPr/>
+        <p:nvPr/>
+      </p:nvGrpSpPr>
+      <p:grpSpPr>
+        <a:xfrm>
+          <a:off x="0" y="0"/>
+          <a:ext cx="0" cy="0"/>
+          <a:chOff x="0" y="0"/>
+          <a:chExt cx="0" cy="0"/>
+        </a:xfrm>
+      </p:grpSpPr>
+      <p:sp>
+        <p:nvSpPr>
+          <p:cNvPr id="15" name="Title 1">
+            <a:extLst>
+              <a:ext uri="{FF2B5EF4-FFF2-40B4-BE49-F238E27FC236}">
+                <a16:creationId xmlns:a16="http://schemas.microsoft.com/office/drawing/2014/main" id="{D8113FAF-0AA7-0EDA-4B5D-4E57EA2995CE}"/>
+              </a:ext>
+            </a:extLst>
+          </p:cNvPr>
+          <p:cNvSpPr>
+            <a:spLocks noGrp="1"/>
+          </p:cNvSpPr>
+          <p:nvPr>
+            <p:ph type="title"/>
+          </p:nvPr>
+        </p:nvSpPr>
+        <p:spPr>
+          <a:xfrm>
+            <a:off x="0" y="0"/>
+            <a:ext cx="12191999" cy="930208"/>
+          </a:xfrm>
+        </p:spPr>
+        <p:txBody>
+          <a:bodyPr anchor="ctr" anchorCtr="0">
+            <a:normAutofit/>
+          </a:bodyPr>
+          <a:lstStyle/>
+          <a:p>
+            <a:pPr algn="ctr"/>
+            <a:r>
+              <a:rPr lang="es-CO" sz="3600" b="1" dirty="0">
+                <a:solidFill>
+                  <a:schemeClr val="bg1">
+                    <a:lumMod val="25000"/>
+                  </a:schemeClr>
+                </a:solidFill>
+                <a:latin typeface="Segoe UI" panose="020B0502040204020203" pitchFamily="34" charset="0"/>
+                <a:ea typeface="Segoe UI Black" panose="020B0A02040204020203" pitchFamily="34" charset="0"/>
+                <a:cs typeface="Segoe UI" panose="020B0502040204020203" pitchFamily="34" charset="0"/>
+              </a:rPr>
+              <a:t>¿Cuál plataforma </a:t>
+            </a:r>
+            <a:r>
+              <a:rPr lang="es-CO" sz="3600" dirty="0">
+                <a:solidFill>
+                  <a:schemeClr val="bg1">
+                    <a:lumMod val="25000"/>
+                  </a:schemeClr>
+                </a:solidFill>
+                <a:latin typeface="Segoe UI" panose="020B0502040204020203" pitchFamily="34" charset="0"/>
+                <a:ea typeface="Segoe UI Black" panose="020B0A02040204020203" pitchFamily="34" charset="0"/>
+                <a:cs typeface="Segoe UI" panose="020B0502040204020203" pitchFamily="34" charset="0"/>
+              </a:rPr>
+              <a:t>debo usar</a:t>
+            </a:r>
+            <a:r>
+              <a:rPr lang="es-CO" sz="3600" b="1" dirty="0">
+                <a:solidFill>
+                  <a:schemeClr val="bg1">
+                    <a:lumMod val="25000"/>
+                  </a:schemeClr>
+                </a:solidFill>
+                <a:latin typeface="Segoe UI" panose="020B0502040204020203" pitchFamily="34" charset="0"/>
+                <a:ea typeface="Segoe UI Black" panose="020B0A02040204020203" pitchFamily="34" charset="0"/>
+                <a:cs typeface="Segoe UI" panose="020B0502040204020203" pitchFamily="34" charset="0"/>
+              </a:rPr>
+              <a:t>?</a:t>
+            </a:r>
+            <a:endParaRPr lang="es-CO" sz="3600" dirty="0">
+              <a:solidFill>
+                <a:schemeClr val="bg1">
+                  <a:lumMod val="25000"/>
+                </a:schemeClr>
+              </a:solidFill>
+              <a:latin typeface="Segoe UI" panose="020B0502040204020203" pitchFamily="34" charset="0"/>
+              <a:ea typeface="Segoe UI Black" panose="020B0A02040204020203" pitchFamily="34" charset="0"/>
+              <a:cs typeface="Segoe UI" panose="020B0502040204020203" pitchFamily="34" charset="0"/>
+            </a:endParaRPr>
+          </a:p>
+        </p:txBody>
+      </p:sp>
+      <p:graphicFrame>
+        <p:nvGraphicFramePr>
+          <p:cNvPr id="2" name="Table 1">
+            <a:extLst>
+              <a:ext uri="{FF2B5EF4-FFF2-40B4-BE49-F238E27FC236}">
+                <a16:creationId xmlns:a16="http://schemas.microsoft.com/office/drawing/2014/main" id="{FD76503E-5586-D28C-355A-419C1250A02C}"/>
+              </a:ext>
+            </a:extLst>
+          </p:cNvPr>
+          <p:cNvGraphicFramePr>
+            <a:graphicFrameLocks noGrp="1"/>
+          </p:cNvGraphicFramePr>
+          <p:nvPr>
+            <p:extLst>
+              <p:ext uri="{D42A27DB-BD31-4B8C-83A1-F6EECF244321}">
+                <p14:modId xmlns:p14="http://schemas.microsoft.com/office/powerpoint/2010/main" val="986465994"/>
+              </p:ext>
+            </p:extLst>
+          </p:nvPr>
+        </p:nvGraphicFramePr>
+        <p:xfrm>
+          <a:off x="489224" y="902115"/>
+          <a:ext cx="11213550" cy="5588234"/>
+        </p:xfrm>
+        <a:graphic>
+          <a:graphicData uri="http://schemas.openxmlformats.org/drawingml/2006/table">
+            <a:tbl>
+              <a:tblPr>
+                <a:tableStyleId>{6E25E649-3F16-4E02-A733-19D2CDBF48F0}</a:tableStyleId>
+              </a:tblPr>
+              <a:tblGrid>
+                <a:gridCol w="8137841">
+                  <a:extLst>
+                    <a:ext uri="{9D8B030D-6E8A-4147-A177-3AD203B41FA5}">
+                      <a16:colId xmlns:a16="http://schemas.microsoft.com/office/drawing/2014/main" val="1751238247"/>
+                    </a:ext>
+                  </a:extLst>
+                </a:gridCol>
+                <a:gridCol w="1128156">
+                  <a:extLst>
+                    <a:ext uri="{9D8B030D-6E8A-4147-A177-3AD203B41FA5}">
+                      <a16:colId xmlns:a16="http://schemas.microsoft.com/office/drawing/2014/main" val="769795539"/>
+                    </a:ext>
+                  </a:extLst>
+                </a:gridCol>
+                <a:gridCol w="890650">
+                  <a:extLst>
+                    <a:ext uri="{9D8B030D-6E8A-4147-A177-3AD203B41FA5}">
+                      <a16:colId xmlns:a16="http://schemas.microsoft.com/office/drawing/2014/main" val="2745942860"/>
+                    </a:ext>
+                  </a:extLst>
+                </a:gridCol>
+                <a:gridCol w="1056903">
+                  <a:extLst>
+                    <a:ext uri="{9D8B030D-6E8A-4147-A177-3AD203B41FA5}">
+                      <a16:colId xmlns:a16="http://schemas.microsoft.com/office/drawing/2014/main" val="3009411820"/>
+                    </a:ext>
+                  </a:extLst>
+                </a:gridCol>
+              </a:tblGrid>
+              <a:tr h="359130">
+                <a:tc>
+                  <a:txBody>
+                    <a:bodyPr/>
+                    <a:lstStyle/>
+                    <a:p>
+                      <a:pPr algn="l" fontAlgn="ctr"/>
+                      <a:r>
+                        <a:rPr lang="es-CO" sz="2000" b="1" u="none" strike="noStrike" dirty="0">
+                          <a:solidFill>
+                            <a:srgbClr val="24292F"/>
+                          </a:solidFill>
+                          <a:effectLst/>
+                          <a:latin typeface="Segoe UI" panose="020B0502040204020203" pitchFamily="34" charset="0"/>
+                          <a:cs typeface="Segoe UI" panose="020B0502040204020203" pitchFamily="34" charset="0"/>
+                        </a:rPr>
+                        <a:t>Requerimiento</a:t>
+                      </a:r>
+                      <a:endParaRPr lang="es-CO" sz="2000" b="1" i="0" u="none" strike="noStrike" dirty="0">
+                        <a:solidFill>
+                          <a:srgbClr val="24292F"/>
+                        </a:solidFill>
+                        <a:effectLst/>
+                        <a:latin typeface="Segoe UI" panose="020B0502040204020203" pitchFamily="34" charset="0"/>
+                        <a:cs typeface="Segoe UI" panose="020B0502040204020203" pitchFamily="34" charset="0"/>
+                      </a:endParaRPr>
+                    </a:p>
+                  </a:txBody>
+                  <a:tcPr marL="4873" marR="4873" marT="4873" marB="0" anchor="ctr"/>
+                </a:tc>
+                <a:tc>
+                  <a:txBody>
+                    <a:bodyPr/>
+                    <a:lstStyle/>
+                    <a:p>
+                      <a:pPr algn="ctr" fontAlgn="ctr"/>
+                      <a:r>
+                        <a:rPr lang="es-CO" sz="2000" b="1" u="none" strike="noStrike">
+                          <a:solidFill>
+                            <a:srgbClr val="24292F"/>
+                          </a:solidFill>
+                          <a:effectLst/>
+                          <a:latin typeface="Segoe UI" panose="020B0502040204020203" pitchFamily="34" charset="0"/>
+                          <a:cs typeface="Segoe UI" panose="020B0502040204020203" pitchFamily="34" charset="0"/>
+                        </a:rPr>
+                        <a:t>GitHub</a:t>
+                      </a:r>
+                      <a:endParaRPr lang="es-CO" sz="2000" b="1" i="0" u="none" strike="noStrike">
+                        <a:solidFill>
+                          <a:srgbClr val="24292F"/>
+                        </a:solidFill>
+                        <a:effectLst/>
+                        <a:latin typeface="Segoe UI" panose="020B0502040204020203" pitchFamily="34" charset="0"/>
+                        <a:cs typeface="Segoe UI" panose="020B0502040204020203" pitchFamily="34" charset="0"/>
+                      </a:endParaRPr>
+                    </a:p>
+                  </a:txBody>
+                  <a:tcPr marL="4873" marR="4873" marT="4873" marB="0" anchor="ctr"/>
+                </a:tc>
+                <a:tc>
+                  <a:txBody>
+                    <a:bodyPr/>
+                    <a:lstStyle/>
+                    <a:p>
+                      <a:pPr algn="ctr" fontAlgn="ctr"/>
+                      <a:r>
+                        <a:rPr lang="es-CO" sz="2000" b="1" u="none" strike="noStrike">
+                          <a:solidFill>
+                            <a:srgbClr val="24292F"/>
+                          </a:solidFill>
+                          <a:effectLst/>
+                          <a:latin typeface="Segoe UI" panose="020B0502040204020203" pitchFamily="34" charset="0"/>
+                          <a:cs typeface="Segoe UI" panose="020B0502040204020203" pitchFamily="34" charset="0"/>
+                        </a:rPr>
+                        <a:t>GitLab</a:t>
+                      </a:r>
+                      <a:endParaRPr lang="es-CO" sz="2000" b="1" i="0" u="none" strike="noStrike">
+                        <a:solidFill>
+                          <a:srgbClr val="24292F"/>
+                        </a:solidFill>
+                        <a:effectLst/>
+                        <a:latin typeface="Segoe UI" panose="020B0502040204020203" pitchFamily="34" charset="0"/>
+                        <a:cs typeface="Segoe UI" panose="020B0502040204020203" pitchFamily="34" charset="0"/>
+                      </a:endParaRPr>
+                    </a:p>
+                  </a:txBody>
+                  <a:tcPr marL="4873" marR="4873" marT="4873" marB="0" anchor="ctr"/>
+                </a:tc>
+                <a:tc>
+                  <a:txBody>
+                    <a:bodyPr/>
+                    <a:lstStyle/>
+                    <a:p>
+                      <a:pPr algn="ctr" fontAlgn="ctr"/>
+                      <a:r>
+                        <a:rPr lang="es-CO" sz="2000" b="1" u="none" strike="noStrike">
+                          <a:solidFill>
+                            <a:srgbClr val="24292F"/>
+                          </a:solidFill>
+                          <a:effectLst/>
+                          <a:latin typeface="Segoe UI" panose="020B0502040204020203" pitchFamily="34" charset="0"/>
+                          <a:cs typeface="Segoe UI" panose="020B0502040204020203" pitchFamily="34" charset="0"/>
+                        </a:rPr>
+                        <a:t>Google Code</a:t>
+                      </a:r>
+                      <a:endParaRPr lang="es-CO" sz="2000" b="1" i="0" u="none" strike="noStrike">
+                        <a:solidFill>
+                          <a:srgbClr val="24292F"/>
+                        </a:solidFill>
+                        <a:effectLst/>
+                        <a:latin typeface="Segoe UI" panose="020B0502040204020203" pitchFamily="34" charset="0"/>
+                        <a:cs typeface="Segoe UI" panose="020B0502040204020203" pitchFamily="34" charset="0"/>
+                      </a:endParaRPr>
+                    </a:p>
+                  </a:txBody>
+                  <a:tcPr marL="4873" marR="4873" marT="4873" marB="0" anchor="ctr"/>
+                </a:tc>
+                <a:extLst>
+                  <a:ext uri="{0D108BD9-81ED-4DB2-BD59-A6C34878D82A}">
+                    <a16:rowId xmlns:a16="http://schemas.microsoft.com/office/drawing/2014/main" val="196265309"/>
+                  </a:ext>
+                </a:extLst>
+              </a:tr>
+              <a:tr h="243584">
+                <a:tc>
+                  <a:txBody>
+                    <a:bodyPr/>
+                    <a:lstStyle/>
+                    <a:p>
+                      <a:pPr algn="l" fontAlgn="ctr"/>
+                      <a:r>
+                        <a:rPr lang="es-CO" sz="2000" b="0" u="none" strike="noStrike" dirty="0">
+                          <a:solidFill>
+                            <a:srgbClr val="24292F"/>
+                          </a:solidFill>
+                          <a:effectLst/>
+                          <a:latin typeface="Segoe UI" panose="020B0502040204020203" pitchFamily="34" charset="0"/>
+                          <a:cs typeface="Segoe UI" panose="020B0502040204020203" pitchFamily="34" charset="0"/>
+                        </a:rPr>
+                        <a:t>Creación de cuenta sin versión de prueba o que expira</a:t>
+                      </a:r>
+                      <a:endParaRPr lang="es-CO" sz="2000" b="0" i="0" u="none" strike="noStrike" dirty="0">
+                        <a:solidFill>
+                          <a:srgbClr val="24292F"/>
+                        </a:solidFill>
+                        <a:effectLst/>
+                        <a:latin typeface="Segoe UI" panose="020B0502040204020203" pitchFamily="34" charset="0"/>
+                        <a:cs typeface="Segoe UI" panose="020B0502040204020203" pitchFamily="34" charset="0"/>
+                      </a:endParaRPr>
+                    </a:p>
+                  </a:txBody>
+                  <a:tcPr marL="43855" marR="4873" marT="29237" marB="29237" anchor="ctr"/>
+                </a:tc>
+                <a:tc>
+                  <a:txBody>
+                    <a:bodyPr/>
+                    <a:lstStyle/>
+                    <a:p>
+                      <a:pPr algn="ctr" fontAlgn="ctr"/>
+                      <a:r>
+                        <a:rPr lang="es-CO" sz="2000" b="0" u="none" strike="noStrike">
+                          <a:solidFill>
+                            <a:srgbClr val="24292F"/>
+                          </a:solidFill>
+                          <a:effectLst/>
+                          <a:latin typeface="Segoe UI" panose="020B0502040204020203" pitchFamily="34" charset="0"/>
+                          <a:cs typeface="Segoe UI" panose="020B0502040204020203" pitchFamily="34" charset="0"/>
+                        </a:rPr>
+                        <a:t>✓</a:t>
+                      </a:r>
+                      <a:endParaRPr lang="es-CO" sz="2000" b="0" i="0" u="none" strike="noStrike">
+                        <a:solidFill>
+                          <a:srgbClr val="24292F"/>
+                        </a:solidFill>
+                        <a:effectLst/>
+                        <a:latin typeface="Segoe UI" panose="020B0502040204020203" pitchFamily="34" charset="0"/>
+                        <a:cs typeface="Segoe UI" panose="020B0502040204020203" pitchFamily="34" charset="0"/>
+                      </a:endParaRPr>
+                    </a:p>
+                  </a:txBody>
+                  <a:tcPr marL="4873" marR="4873" marT="29237" marB="29237" anchor="ctr"/>
+                </a:tc>
+                <a:tc>
+                  <a:txBody>
+                    <a:bodyPr/>
+                    <a:lstStyle/>
+                    <a:p>
+                      <a:pPr algn="ctr" fontAlgn="ctr"/>
+                      <a:r>
+                        <a:rPr lang="es-CO" sz="2000" b="0" u="none" strike="noStrike">
+                          <a:solidFill>
+                            <a:srgbClr val="24292F"/>
+                          </a:solidFill>
+                          <a:effectLst/>
+                          <a:latin typeface="Segoe UI" panose="020B0502040204020203" pitchFamily="34" charset="0"/>
+                          <a:cs typeface="Segoe UI" panose="020B0502040204020203" pitchFamily="34" charset="0"/>
+                        </a:rPr>
+                        <a:t> </a:t>
+                      </a:r>
+                      <a:endParaRPr lang="es-CO" sz="2000" b="0" i="0" u="none" strike="noStrike">
+                        <a:solidFill>
+                          <a:srgbClr val="24292F"/>
+                        </a:solidFill>
+                        <a:effectLst/>
+                        <a:latin typeface="Segoe UI" panose="020B0502040204020203" pitchFamily="34" charset="0"/>
+                        <a:cs typeface="Segoe UI" panose="020B0502040204020203" pitchFamily="34" charset="0"/>
+                      </a:endParaRPr>
+                    </a:p>
+                  </a:txBody>
+                  <a:tcPr marL="4873" marR="4873" marT="29237" marB="29237" anchor="ctr"/>
+                </a:tc>
+                <a:tc>
+                  <a:txBody>
+                    <a:bodyPr/>
+                    <a:lstStyle/>
+                    <a:p>
+                      <a:pPr algn="ctr" fontAlgn="ctr"/>
+                      <a:r>
+                        <a:rPr lang="es-CO" sz="2000" b="0" u="none" strike="noStrike">
+                          <a:solidFill>
+                            <a:srgbClr val="24292F"/>
+                          </a:solidFill>
+                          <a:effectLst/>
+                          <a:latin typeface="Segoe UI" panose="020B0502040204020203" pitchFamily="34" charset="0"/>
+                          <a:cs typeface="Segoe UI" panose="020B0502040204020203" pitchFamily="34" charset="0"/>
+                        </a:rPr>
+                        <a:t>✓</a:t>
+                      </a:r>
+                      <a:endParaRPr lang="es-CO" sz="2000" b="0" i="0" u="none" strike="noStrike">
+                        <a:solidFill>
+                          <a:srgbClr val="24292F"/>
+                        </a:solidFill>
+                        <a:effectLst/>
+                        <a:latin typeface="Segoe UI" panose="020B0502040204020203" pitchFamily="34" charset="0"/>
+                        <a:cs typeface="Segoe UI" panose="020B0502040204020203" pitchFamily="34" charset="0"/>
+                      </a:endParaRPr>
+                    </a:p>
+                  </a:txBody>
+                  <a:tcPr marL="4873" marR="4873" marT="29237" marB="29237" anchor="ctr"/>
+                </a:tc>
+                <a:extLst>
+                  <a:ext uri="{0D108BD9-81ED-4DB2-BD59-A6C34878D82A}">
+                    <a16:rowId xmlns:a16="http://schemas.microsoft.com/office/drawing/2014/main" val="3479224350"/>
+                  </a:ext>
+                </a:extLst>
+              </a:tr>
+              <a:tr h="243584">
+                <a:tc>
+                  <a:txBody>
+                    <a:bodyPr/>
+                    <a:lstStyle/>
+                    <a:p>
+                      <a:pPr algn="l" fontAlgn="ctr"/>
+                      <a:r>
+                        <a:rPr lang="es-CO" sz="2000" b="0" u="none" strike="noStrike" dirty="0">
+                          <a:solidFill>
+                            <a:srgbClr val="24292F"/>
+                          </a:solidFill>
+                          <a:effectLst/>
+                          <a:latin typeface="Segoe UI" panose="020B0502040204020203" pitchFamily="34" charset="0"/>
+                          <a:cs typeface="Segoe UI" panose="020B0502040204020203" pitchFamily="34" charset="0"/>
+                        </a:rPr>
+                        <a:t>Repositorios públicos sin </a:t>
+                      </a:r>
+                      <a:r>
+                        <a:rPr lang="es-CO" sz="2000" b="0" u="none" strike="noStrike" dirty="0" err="1">
+                          <a:solidFill>
+                            <a:srgbClr val="24292F"/>
+                          </a:solidFill>
+                          <a:effectLst/>
+                          <a:latin typeface="Segoe UI" panose="020B0502040204020203" pitchFamily="34" charset="0"/>
+                          <a:cs typeface="Segoe UI" panose="020B0502040204020203" pitchFamily="34" charset="0"/>
+                        </a:rPr>
+                        <a:t>Login</a:t>
+                      </a:r>
+                      <a:r>
+                        <a:rPr lang="es-CO" sz="2000" b="0" u="none" strike="noStrike" dirty="0">
+                          <a:solidFill>
+                            <a:srgbClr val="24292F"/>
+                          </a:solidFill>
+                          <a:effectLst/>
+                          <a:latin typeface="Segoe UI" panose="020B0502040204020203" pitchFamily="34" charset="0"/>
+                          <a:cs typeface="Segoe UI" panose="020B0502040204020203" pitchFamily="34" charset="0"/>
+                        </a:rPr>
+                        <a:t> de usuario</a:t>
+                      </a:r>
+                      <a:endParaRPr lang="es-CO" sz="2000" b="0" i="0" u="none" strike="noStrike" dirty="0">
+                        <a:solidFill>
+                          <a:srgbClr val="24292F"/>
+                        </a:solidFill>
+                        <a:effectLst/>
+                        <a:latin typeface="Segoe UI" panose="020B0502040204020203" pitchFamily="34" charset="0"/>
+                        <a:cs typeface="Segoe UI" panose="020B0502040204020203" pitchFamily="34" charset="0"/>
+                      </a:endParaRPr>
+                    </a:p>
+                  </a:txBody>
+                  <a:tcPr marL="43855" marR="4873" marT="29237" marB="29237" anchor="ctr"/>
+                </a:tc>
+                <a:tc>
+                  <a:txBody>
+                    <a:bodyPr/>
+                    <a:lstStyle/>
+                    <a:p>
+                      <a:pPr algn="ctr" fontAlgn="ctr"/>
+                      <a:r>
+                        <a:rPr lang="es-CO" sz="2000" b="0" u="none" strike="noStrike">
+                          <a:solidFill>
+                            <a:srgbClr val="24292F"/>
+                          </a:solidFill>
+                          <a:effectLst/>
+                          <a:latin typeface="Segoe UI" panose="020B0502040204020203" pitchFamily="34" charset="0"/>
+                          <a:cs typeface="Segoe UI" panose="020B0502040204020203" pitchFamily="34" charset="0"/>
+                        </a:rPr>
+                        <a:t>✓</a:t>
+                      </a:r>
+                      <a:endParaRPr lang="es-CO" sz="2000" b="0" i="0" u="none" strike="noStrike">
+                        <a:solidFill>
+                          <a:srgbClr val="24292F"/>
+                        </a:solidFill>
+                        <a:effectLst/>
+                        <a:latin typeface="Segoe UI" panose="020B0502040204020203" pitchFamily="34" charset="0"/>
+                        <a:cs typeface="Segoe UI" panose="020B0502040204020203" pitchFamily="34" charset="0"/>
+                      </a:endParaRPr>
+                    </a:p>
+                  </a:txBody>
+                  <a:tcPr marL="4873" marR="4873" marT="29237" marB="29237" anchor="ctr"/>
+                </a:tc>
+                <a:tc>
+                  <a:txBody>
+                    <a:bodyPr/>
+                    <a:lstStyle/>
+                    <a:p>
+                      <a:pPr algn="ctr" fontAlgn="ctr"/>
+                      <a:r>
+                        <a:rPr lang="es-CO" sz="2000" b="0" u="none" strike="noStrike">
+                          <a:solidFill>
+                            <a:srgbClr val="24292F"/>
+                          </a:solidFill>
+                          <a:effectLst/>
+                          <a:latin typeface="Segoe UI" panose="020B0502040204020203" pitchFamily="34" charset="0"/>
+                          <a:cs typeface="Segoe UI" panose="020B0502040204020203" pitchFamily="34" charset="0"/>
+                        </a:rPr>
+                        <a:t> </a:t>
+                      </a:r>
+                      <a:endParaRPr lang="es-CO" sz="2000" b="0" i="0" u="none" strike="noStrike">
+                        <a:solidFill>
+                          <a:srgbClr val="24292F"/>
+                        </a:solidFill>
+                        <a:effectLst/>
+                        <a:latin typeface="Segoe UI" panose="020B0502040204020203" pitchFamily="34" charset="0"/>
+                        <a:cs typeface="Segoe UI" panose="020B0502040204020203" pitchFamily="34" charset="0"/>
+                      </a:endParaRPr>
+                    </a:p>
+                  </a:txBody>
+                  <a:tcPr marL="4873" marR="4873" marT="29237" marB="29237" anchor="ctr"/>
+                </a:tc>
+                <a:tc>
+                  <a:txBody>
+                    <a:bodyPr/>
+                    <a:lstStyle/>
+                    <a:p>
+                      <a:pPr algn="ctr" fontAlgn="ctr"/>
+                      <a:r>
+                        <a:rPr lang="es-CO" sz="2000" b="0" u="none" strike="noStrike">
+                          <a:solidFill>
+                            <a:srgbClr val="24292F"/>
+                          </a:solidFill>
+                          <a:effectLst/>
+                          <a:latin typeface="Segoe UI" panose="020B0502040204020203" pitchFamily="34" charset="0"/>
+                          <a:cs typeface="Segoe UI" panose="020B0502040204020203" pitchFamily="34" charset="0"/>
+                        </a:rPr>
+                        <a:t> </a:t>
+                      </a:r>
+                      <a:endParaRPr lang="es-CO" sz="2000" b="0" i="0" u="none" strike="noStrike">
+                        <a:solidFill>
+                          <a:srgbClr val="24292F"/>
+                        </a:solidFill>
+                        <a:effectLst/>
+                        <a:latin typeface="Segoe UI" panose="020B0502040204020203" pitchFamily="34" charset="0"/>
+                        <a:cs typeface="Segoe UI" panose="020B0502040204020203" pitchFamily="34" charset="0"/>
+                      </a:endParaRPr>
+                    </a:p>
+                  </a:txBody>
+                  <a:tcPr marL="4873" marR="4873" marT="29237" marB="29237" anchor="ctr"/>
+                </a:tc>
+                <a:extLst>
+                  <a:ext uri="{0D108BD9-81ED-4DB2-BD59-A6C34878D82A}">
+                    <a16:rowId xmlns:a16="http://schemas.microsoft.com/office/drawing/2014/main" val="2475663142"/>
+                  </a:ext>
+                </a:extLst>
+              </a:tr>
+              <a:tr h="243584">
+                <a:tc>
+                  <a:txBody>
+                    <a:bodyPr/>
+                    <a:lstStyle/>
+                    <a:p>
+                      <a:pPr algn="l" fontAlgn="ctr"/>
+                      <a:r>
+                        <a:rPr lang="es-CO" sz="2000" b="0" u="none" strike="noStrike">
+                          <a:solidFill>
+                            <a:srgbClr val="24292F"/>
+                          </a:solidFill>
+                          <a:effectLst/>
+                          <a:latin typeface="Segoe UI" panose="020B0502040204020203" pitchFamily="34" charset="0"/>
+                          <a:cs typeface="Segoe UI" panose="020B0502040204020203" pitchFamily="34" charset="0"/>
+                        </a:rPr>
+                        <a:t>Repositorios ilimitados por usuario sin versión de pago</a:t>
+                      </a:r>
+                      <a:endParaRPr lang="es-CO" sz="2000" b="0" i="0" u="none" strike="noStrike">
+                        <a:solidFill>
+                          <a:srgbClr val="24292F"/>
+                        </a:solidFill>
+                        <a:effectLst/>
+                        <a:latin typeface="Segoe UI" panose="020B0502040204020203" pitchFamily="34" charset="0"/>
+                        <a:cs typeface="Segoe UI" panose="020B0502040204020203" pitchFamily="34" charset="0"/>
+                      </a:endParaRPr>
+                    </a:p>
+                  </a:txBody>
+                  <a:tcPr marL="43855" marR="4873" marT="29237" marB="29237" anchor="ctr"/>
+                </a:tc>
+                <a:tc>
+                  <a:txBody>
+                    <a:bodyPr/>
+                    <a:lstStyle/>
+                    <a:p>
+                      <a:pPr algn="ctr" fontAlgn="ctr"/>
+                      <a:r>
+                        <a:rPr lang="es-CO" sz="2000" b="0" u="none" strike="noStrike">
+                          <a:solidFill>
+                            <a:srgbClr val="24292F"/>
+                          </a:solidFill>
+                          <a:effectLst/>
+                          <a:latin typeface="Segoe UI" panose="020B0502040204020203" pitchFamily="34" charset="0"/>
+                          <a:cs typeface="Segoe UI" panose="020B0502040204020203" pitchFamily="34" charset="0"/>
+                        </a:rPr>
+                        <a:t>✓</a:t>
+                      </a:r>
+                      <a:endParaRPr lang="es-CO" sz="2000" b="0" i="0" u="none" strike="noStrike">
+                        <a:solidFill>
+                          <a:srgbClr val="24292F"/>
+                        </a:solidFill>
+                        <a:effectLst/>
+                        <a:latin typeface="Segoe UI" panose="020B0502040204020203" pitchFamily="34" charset="0"/>
+                        <a:cs typeface="Segoe UI" panose="020B0502040204020203" pitchFamily="34" charset="0"/>
+                      </a:endParaRPr>
+                    </a:p>
+                  </a:txBody>
+                  <a:tcPr marL="4873" marR="4873" marT="29237" marB="29237" anchor="ctr"/>
+                </a:tc>
+                <a:tc>
+                  <a:txBody>
+                    <a:bodyPr/>
+                    <a:lstStyle/>
+                    <a:p>
+                      <a:pPr algn="ctr" fontAlgn="ctr"/>
+                      <a:r>
+                        <a:rPr lang="es-CO" sz="2000" b="0" u="none" strike="noStrike">
+                          <a:solidFill>
+                            <a:srgbClr val="24292F"/>
+                          </a:solidFill>
+                          <a:effectLst/>
+                          <a:latin typeface="Segoe UI" panose="020B0502040204020203" pitchFamily="34" charset="0"/>
+                          <a:cs typeface="Segoe UI" panose="020B0502040204020203" pitchFamily="34" charset="0"/>
+                        </a:rPr>
+                        <a:t> </a:t>
+                      </a:r>
+                      <a:endParaRPr lang="es-CO" sz="2000" b="0" i="0" u="none" strike="noStrike">
+                        <a:solidFill>
+                          <a:srgbClr val="24292F"/>
+                        </a:solidFill>
+                        <a:effectLst/>
+                        <a:latin typeface="Segoe UI" panose="020B0502040204020203" pitchFamily="34" charset="0"/>
+                        <a:cs typeface="Segoe UI" panose="020B0502040204020203" pitchFamily="34" charset="0"/>
+                      </a:endParaRPr>
+                    </a:p>
+                  </a:txBody>
+                  <a:tcPr marL="4873" marR="4873" marT="29237" marB="29237" anchor="ctr"/>
+                </a:tc>
+                <a:tc>
+                  <a:txBody>
+                    <a:bodyPr/>
+                    <a:lstStyle/>
+                    <a:p>
+                      <a:pPr algn="ctr" fontAlgn="ctr"/>
+                      <a:r>
+                        <a:rPr lang="es-CO" sz="2000" b="0" u="none" strike="noStrike">
+                          <a:solidFill>
+                            <a:srgbClr val="24292F"/>
+                          </a:solidFill>
+                          <a:effectLst/>
+                          <a:latin typeface="Segoe UI" panose="020B0502040204020203" pitchFamily="34" charset="0"/>
+                          <a:cs typeface="Segoe UI" panose="020B0502040204020203" pitchFamily="34" charset="0"/>
+                        </a:rPr>
+                        <a:t> </a:t>
+                      </a:r>
+                      <a:endParaRPr lang="es-CO" sz="2000" b="0" i="0" u="none" strike="noStrike">
+                        <a:solidFill>
+                          <a:srgbClr val="24292F"/>
+                        </a:solidFill>
+                        <a:effectLst/>
+                        <a:latin typeface="Segoe UI" panose="020B0502040204020203" pitchFamily="34" charset="0"/>
+                        <a:cs typeface="Segoe UI" panose="020B0502040204020203" pitchFamily="34" charset="0"/>
+                      </a:endParaRPr>
+                    </a:p>
+                  </a:txBody>
+                  <a:tcPr marL="4873" marR="4873" marT="29237" marB="29237" anchor="ctr"/>
+                </a:tc>
+                <a:extLst>
+                  <a:ext uri="{0D108BD9-81ED-4DB2-BD59-A6C34878D82A}">
+                    <a16:rowId xmlns:a16="http://schemas.microsoft.com/office/drawing/2014/main" val="2343391577"/>
+                  </a:ext>
+                </a:extLst>
+              </a:tr>
+              <a:tr h="243584">
+                <a:tc>
+                  <a:txBody>
+                    <a:bodyPr/>
+                    <a:lstStyle/>
+                    <a:p>
+                      <a:pPr algn="l" fontAlgn="ctr"/>
+                      <a:r>
+                        <a:rPr lang="es-CO" sz="2000" b="0" u="none" strike="noStrike" dirty="0">
+                          <a:solidFill>
+                            <a:srgbClr val="24292F"/>
+                          </a:solidFill>
+                          <a:effectLst/>
+                          <a:latin typeface="Segoe UI" panose="020B0502040204020203" pitchFamily="34" charset="0"/>
+                          <a:cs typeface="Segoe UI" panose="020B0502040204020203" pitchFamily="34" charset="0"/>
+                        </a:rPr>
+                        <a:t>Creación de organizaciones</a:t>
+                      </a:r>
+                      <a:endParaRPr lang="es-CO" sz="2000" b="0" i="0" u="none" strike="noStrike" dirty="0">
+                        <a:solidFill>
+                          <a:srgbClr val="24292F"/>
+                        </a:solidFill>
+                        <a:effectLst/>
+                        <a:latin typeface="Segoe UI" panose="020B0502040204020203" pitchFamily="34" charset="0"/>
+                        <a:cs typeface="Segoe UI" panose="020B0502040204020203" pitchFamily="34" charset="0"/>
+                      </a:endParaRPr>
+                    </a:p>
+                  </a:txBody>
+                  <a:tcPr marL="43855" marR="4873" marT="29237" marB="29237" anchor="ctr"/>
+                </a:tc>
+                <a:tc>
+                  <a:txBody>
+                    <a:bodyPr/>
+                    <a:lstStyle/>
+                    <a:p>
+                      <a:pPr algn="ctr" fontAlgn="ctr"/>
+                      <a:r>
+                        <a:rPr lang="es-CO" sz="2000" b="0" u="none" strike="noStrike">
+                          <a:solidFill>
+                            <a:srgbClr val="24292F"/>
+                          </a:solidFill>
+                          <a:effectLst/>
+                          <a:latin typeface="Segoe UI" panose="020B0502040204020203" pitchFamily="34" charset="0"/>
+                          <a:cs typeface="Segoe UI" panose="020B0502040204020203" pitchFamily="34" charset="0"/>
+                        </a:rPr>
+                        <a:t>✓</a:t>
+                      </a:r>
+                      <a:endParaRPr lang="es-CO" sz="2000" b="0" i="0" u="none" strike="noStrike">
+                        <a:solidFill>
+                          <a:srgbClr val="24292F"/>
+                        </a:solidFill>
+                        <a:effectLst/>
+                        <a:latin typeface="Segoe UI" panose="020B0502040204020203" pitchFamily="34" charset="0"/>
+                        <a:cs typeface="Segoe UI" panose="020B0502040204020203" pitchFamily="34" charset="0"/>
+                      </a:endParaRPr>
+                    </a:p>
+                  </a:txBody>
+                  <a:tcPr marL="4873" marR="4873" marT="29237" marB="29237" anchor="ctr"/>
+                </a:tc>
+                <a:tc>
+                  <a:txBody>
+                    <a:bodyPr/>
+                    <a:lstStyle/>
+                    <a:p>
+                      <a:pPr algn="ctr" fontAlgn="ctr"/>
+                      <a:r>
+                        <a:rPr lang="es-CO" sz="2000" b="0" u="none" strike="noStrike">
+                          <a:solidFill>
+                            <a:srgbClr val="24292F"/>
+                          </a:solidFill>
+                          <a:effectLst/>
+                          <a:latin typeface="Segoe UI" panose="020B0502040204020203" pitchFamily="34" charset="0"/>
+                          <a:cs typeface="Segoe UI" panose="020B0502040204020203" pitchFamily="34" charset="0"/>
+                        </a:rPr>
+                        <a:t>✓</a:t>
+                      </a:r>
+                      <a:endParaRPr lang="es-CO" sz="2000" b="0" i="0" u="none" strike="noStrike">
+                        <a:solidFill>
+                          <a:srgbClr val="24292F"/>
+                        </a:solidFill>
+                        <a:effectLst/>
+                        <a:latin typeface="Segoe UI" panose="020B0502040204020203" pitchFamily="34" charset="0"/>
+                        <a:cs typeface="Segoe UI" panose="020B0502040204020203" pitchFamily="34" charset="0"/>
+                      </a:endParaRPr>
+                    </a:p>
+                  </a:txBody>
+                  <a:tcPr marL="4873" marR="4873" marT="29237" marB="29237" anchor="ctr"/>
+                </a:tc>
+                <a:tc>
+                  <a:txBody>
+                    <a:bodyPr/>
+                    <a:lstStyle/>
+                    <a:p>
+                      <a:pPr algn="ctr" fontAlgn="ctr"/>
+                      <a:r>
+                        <a:rPr lang="es-CO" sz="2000" b="0" u="none" strike="noStrike">
+                          <a:solidFill>
+                            <a:srgbClr val="24292F"/>
+                          </a:solidFill>
+                          <a:effectLst/>
+                          <a:latin typeface="Segoe UI" panose="020B0502040204020203" pitchFamily="34" charset="0"/>
+                          <a:cs typeface="Segoe UI" panose="020B0502040204020203" pitchFamily="34" charset="0"/>
+                        </a:rPr>
+                        <a:t> </a:t>
+                      </a:r>
+                      <a:endParaRPr lang="es-CO" sz="2000" b="0" i="0" u="none" strike="noStrike">
+                        <a:solidFill>
+                          <a:srgbClr val="24292F"/>
+                        </a:solidFill>
+                        <a:effectLst/>
+                        <a:latin typeface="Segoe UI" panose="020B0502040204020203" pitchFamily="34" charset="0"/>
+                        <a:cs typeface="Segoe UI" panose="020B0502040204020203" pitchFamily="34" charset="0"/>
+                      </a:endParaRPr>
+                    </a:p>
+                  </a:txBody>
+                  <a:tcPr marL="4873" marR="4873" marT="29237" marB="29237" anchor="ctr"/>
+                </a:tc>
+                <a:extLst>
+                  <a:ext uri="{0D108BD9-81ED-4DB2-BD59-A6C34878D82A}">
+                    <a16:rowId xmlns:a16="http://schemas.microsoft.com/office/drawing/2014/main" val="556682761"/>
+                  </a:ext>
+                </a:extLst>
+              </a:tr>
+              <a:tr h="243584">
+                <a:tc>
+                  <a:txBody>
+                    <a:bodyPr/>
+                    <a:lstStyle/>
+                    <a:p>
+                      <a:pPr algn="l" fontAlgn="ctr"/>
+                      <a:r>
+                        <a:rPr lang="es-CO" sz="2000" b="0" u="none" strike="noStrike">
+                          <a:solidFill>
+                            <a:srgbClr val="24292F"/>
+                          </a:solidFill>
+                          <a:effectLst/>
+                          <a:latin typeface="Segoe UI" panose="020B0502040204020203" pitchFamily="34" charset="0"/>
+                          <a:cs typeface="Segoe UI" panose="020B0502040204020203" pitchFamily="34" charset="0"/>
+                        </a:rPr>
+                        <a:t>Clonación de repositorios entre usuarios y organizaciones</a:t>
+                      </a:r>
+                      <a:endParaRPr lang="es-CO" sz="2000" b="0" i="0" u="none" strike="noStrike">
+                        <a:solidFill>
+                          <a:srgbClr val="24292F"/>
+                        </a:solidFill>
+                        <a:effectLst/>
+                        <a:latin typeface="Segoe UI" panose="020B0502040204020203" pitchFamily="34" charset="0"/>
+                        <a:cs typeface="Segoe UI" panose="020B0502040204020203" pitchFamily="34" charset="0"/>
+                      </a:endParaRPr>
+                    </a:p>
+                  </a:txBody>
+                  <a:tcPr marL="43855" marR="4873" marT="29237" marB="29237" anchor="ctr"/>
+                </a:tc>
+                <a:tc>
+                  <a:txBody>
+                    <a:bodyPr/>
+                    <a:lstStyle/>
+                    <a:p>
+                      <a:pPr algn="ctr" fontAlgn="ctr"/>
+                      <a:r>
+                        <a:rPr lang="es-CO" sz="2000" b="0" u="none" strike="noStrike">
+                          <a:solidFill>
+                            <a:srgbClr val="24292F"/>
+                          </a:solidFill>
+                          <a:effectLst/>
+                          <a:latin typeface="Segoe UI" panose="020B0502040204020203" pitchFamily="34" charset="0"/>
+                          <a:cs typeface="Segoe UI" panose="020B0502040204020203" pitchFamily="34" charset="0"/>
+                        </a:rPr>
+                        <a:t>✓</a:t>
+                      </a:r>
+                      <a:endParaRPr lang="es-CO" sz="2000" b="0" i="0" u="none" strike="noStrike">
+                        <a:solidFill>
+                          <a:srgbClr val="24292F"/>
+                        </a:solidFill>
+                        <a:effectLst/>
+                        <a:latin typeface="Segoe UI" panose="020B0502040204020203" pitchFamily="34" charset="0"/>
+                        <a:cs typeface="Segoe UI" panose="020B0502040204020203" pitchFamily="34" charset="0"/>
+                      </a:endParaRPr>
+                    </a:p>
+                  </a:txBody>
+                  <a:tcPr marL="4873" marR="4873" marT="29237" marB="29237" anchor="ctr"/>
+                </a:tc>
+                <a:tc>
+                  <a:txBody>
+                    <a:bodyPr/>
+                    <a:lstStyle/>
+                    <a:p>
+                      <a:pPr algn="ctr" fontAlgn="ctr"/>
+                      <a:r>
+                        <a:rPr lang="es-CO" sz="2000" b="0" u="none" strike="noStrike">
+                          <a:solidFill>
+                            <a:srgbClr val="24292F"/>
+                          </a:solidFill>
+                          <a:effectLst/>
+                          <a:latin typeface="Segoe UI" panose="020B0502040204020203" pitchFamily="34" charset="0"/>
+                          <a:cs typeface="Segoe UI" panose="020B0502040204020203" pitchFamily="34" charset="0"/>
+                        </a:rPr>
+                        <a:t>✓</a:t>
+                      </a:r>
+                      <a:endParaRPr lang="es-CO" sz="2000" b="0" i="0" u="none" strike="noStrike">
+                        <a:solidFill>
+                          <a:srgbClr val="24292F"/>
+                        </a:solidFill>
+                        <a:effectLst/>
+                        <a:latin typeface="Segoe UI" panose="020B0502040204020203" pitchFamily="34" charset="0"/>
+                        <a:cs typeface="Segoe UI" panose="020B0502040204020203" pitchFamily="34" charset="0"/>
+                      </a:endParaRPr>
+                    </a:p>
+                  </a:txBody>
+                  <a:tcPr marL="4873" marR="4873" marT="29237" marB="29237" anchor="ctr"/>
+                </a:tc>
+                <a:tc>
+                  <a:txBody>
+                    <a:bodyPr/>
+                    <a:lstStyle/>
+                    <a:p>
+                      <a:pPr algn="ctr" fontAlgn="ctr"/>
+                      <a:r>
+                        <a:rPr lang="es-CO" sz="2000" b="0" u="none" strike="noStrike">
+                          <a:solidFill>
+                            <a:srgbClr val="24292F"/>
+                          </a:solidFill>
+                          <a:effectLst/>
+                          <a:latin typeface="Segoe UI" panose="020B0502040204020203" pitchFamily="34" charset="0"/>
+                          <a:cs typeface="Segoe UI" panose="020B0502040204020203" pitchFamily="34" charset="0"/>
+                        </a:rPr>
+                        <a:t> </a:t>
+                      </a:r>
+                      <a:endParaRPr lang="es-CO" sz="2000" b="0" i="0" u="none" strike="noStrike">
+                        <a:solidFill>
+                          <a:srgbClr val="24292F"/>
+                        </a:solidFill>
+                        <a:effectLst/>
+                        <a:latin typeface="Segoe UI" panose="020B0502040204020203" pitchFamily="34" charset="0"/>
+                        <a:cs typeface="Segoe UI" panose="020B0502040204020203" pitchFamily="34" charset="0"/>
+                      </a:endParaRPr>
+                    </a:p>
+                  </a:txBody>
+                  <a:tcPr marL="4873" marR="4873" marT="29237" marB="29237" anchor="ctr"/>
+                </a:tc>
+                <a:extLst>
+                  <a:ext uri="{0D108BD9-81ED-4DB2-BD59-A6C34878D82A}">
+                    <a16:rowId xmlns:a16="http://schemas.microsoft.com/office/drawing/2014/main" val="3850760718"/>
+                  </a:ext>
+                </a:extLst>
+              </a:tr>
+              <a:tr h="243584">
+                <a:tc>
+                  <a:txBody>
+                    <a:bodyPr/>
+                    <a:lstStyle/>
+                    <a:p>
+                      <a:pPr algn="l" fontAlgn="ctr"/>
+                      <a:r>
+                        <a:rPr lang="es-CO" sz="2000" b="0" u="none" strike="noStrike">
+                          <a:solidFill>
+                            <a:srgbClr val="24292F"/>
+                          </a:solidFill>
+                          <a:effectLst/>
+                          <a:latin typeface="Segoe UI" panose="020B0502040204020203" pitchFamily="34" charset="0"/>
+                          <a:cs typeface="Segoe UI" panose="020B0502040204020203" pitchFamily="34" charset="0"/>
+                        </a:rPr>
+                        <a:t>Descarga directa de repositorio sin registro de usuario</a:t>
+                      </a:r>
+                      <a:endParaRPr lang="es-CO" sz="2000" b="0" i="0" u="none" strike="noStrike">
+                        <a:solidFill>
+                          <a:srgbClr val="24292F"/>
+                        </a:solidFill>
+                        <a:effectLst/>
+                        <a:latin typeface="Segoe UI" panose="020B0502040204020203" pitchFamily="34" charset="0"/>
+                        <a:cs typeface="Segoe UI" panose="020B0502040204020203" pitchFamily="34" charset="0"/>
+                      </a:endParaRPr>
+                    </a:p>
+                  </a:txBody>
+                  <a:tcPr marL="43855" marR="4873" marT="29237" marB="29237" anchor="ctr"/>
+                </a:tc>
+                <a:tc>
+                  <a:txBody>
+                    <a:bodyPr/>
+                    <a:lstStyle/>
+                    <a:p>
+                      <a:pPr algn="ctr" fontAlgn="ctr"/>
+                      <a:r>
+                        <a:rPr lang="es-CO" sz="2000" b="0" u="none" strike="noStrike">
+                          <a:solidFill>
+                            <a:srgbClr val="24292F"/>
+                          </a:solidFill>
+                          <a:effectLst/>
+                          <a:latin typeface="Segoe UI" panose="020B0502040204020203" pitchFamily="34" charset="0"/>
+                          <a:cs typeface="Segoe UI" panose="020B0502040204020203" pitchFamily="34" charset="0"/>
+                        </a:rPr>
+                        <a:t>✓</a:t>
+                      </a:r>
+                      <a:endParaRPr lang="es-CO" sz="2000" b="0" i="0" u="none" strike="noStrike">
+                        <a:solidFill>
+                          <a:srgbClr val="24292F"/>
+                        </a:solidFill>
+                        <a:effectLst/>
+                        <a:latin typeface="Segoe UI" panose="020B0502040204020203" pitchFamily="34" charset="0"/>
+                        <a:cs typeface="Segoe UI" panose="020B0502040204020203" pitchFamily="34" charset="0"/>
+                      </a:endParaRPr>
+                    </a:p>
+                  </a:txBody>
+                  <a:tcPr marL="4873" marR="4873" marT="29237" marB="29237" anchor="ctr"/>
+                </a:tc>
+                <a:tc>
+                  <a:txBody>
+                    <a:bodyPr/>
+                    <a:lstStyle/>
+                    <a:p>
+                      <a:pPr algn="ctr" fontAlgn="ctr"/>
+                      <a:r>
+                        <a:rPr lang="es-CO" sz="2000" b="0" u="none" strike="noStrike">
+                          <a:solidFill>
+                            <a:srgbClr val="24292F"/>
+                          </a:solidFill>
+                          <a:effectLst/>
+                          <a:latin typeface="Segoe UI" panose="020B0502040204020203" pitchFamily="34" charset="0"/>
+                          <a:cs typeface="Segoe UI" panose="020B0502040204020203" pitchFamily="34" charset="0"/>
+                        </a:rPr>
+                        <a:t> </a:t>
+                      </a:r>
+                      <a:endParaRPr lang="es-CO" sz="2000" b="0" i="0" u="none" strike="noStrike">
+                        <a:solidFill>
+                          <a:srgbClr val="24292F"/>
+                        </a:solidFill>
+                        <a:effectLst/>
+                        <a:latin typeface="Segoe UI" panose="020B0502040204020203" pitchFamily="34" charset="0"/>
+                        <a:cs typeface="Segoe UI" panose="020B0502040204020203" pitchFamily="34" charset="0"/>
+                      </a:endParaRPr>
+                    </a:p>
+                  </a:txBody>
+                  <a:tcPr marL="4873" marR="4873" marT="29237" marB="29237" anchor="ctr"/>
+                </a:tc>
+                <a:tc>
+                  <a:txBody>
+                    <a:bodyPr/>
+                    <a:lstStyle/>
+                    <a:p>
+                      <a:pPr algn="ctr" fontAlgn="ctr"/>
+                      <a:r>
+                        <a:rPr lang="es-CO" sz="2000" b="0" u="none" strike="noStrike">
+                          <a:solidFill>
+                            <a:srgbClr val="24292F"/>
+                          </a:solidFill>
+                          <a:effectLst/>
+                          <a:latin typeface="Segoe UI" panose="020B0502040204020203" pitchFamily="34" charset="0"/>
+                          <a:cs typeface="Segoe UI" panose="020B0502040204020203" pitchFamily="34" charset="0"/>
+                        </a:rPr>
+                        <a:t>✓</a:t>
+                      </a:r>
+                      <a:endParaRPr lang="es-CO" sz="2000" b="0" i="0" u="none" strike="noStrike">
+                        <a:solidFill>
+                          <a:srgbClr val="24292F"/>
+                        </a:solidFill>
+                        <a:effectLst/>
+                        <a:latin typeface="Segoe UI" panose="020B0502040204020203" pitchFamily="34" charset="0"/>
+                        <a:cs typeface="Segoe UI" panose="020B0502040204020203" pitchFamily="34" charset="0"/>
+                      </a:endParaRPr>
+                    </a:p>
+                  </a:txBody>
+                  <a:tcPr marL="4873" marR="4873" marT="29237" marB="29237" anchor="ctr"/>
+                </a:tc>
+                <a:extLst>
+                  <a:ext uri="{0D108BD9-81ED-4DB2-BD59-A6C34878D82A}">
+                    <a16:rowId xmlns:a16="http://schemas.microsoft.com/office/drawing/2014/main" val="3823443451"/>
+                  </a:ext>
+                </a:extLst>
+              </a:tr>
+              <a:tr h="243584">
+                <a:tc>
+                  <a:txBody>
+                    <a:bodyPr/>
+                    <a:lstStyle/>
+                    <a:p>
+                      <a:pPr algn="l" fontAlgn="ctr"/>
+                      <a:r>
+                        <a:rPr lang="es-CO" sz="2000" b="0" u="none" strike="noStrike">
+                          <a:solidFill>
+                            <a:srgbClr val="24292F"/>
+                          </a:solidFill>
+                          <a:effectLst/>
+                          <a:latin typeface="Segoe UI" panose="020B0502040204020203" pitchFamily="34" charset="0"/>
+                          <a:cs typeface="Segoe UI" panose="020B0502040204020203" pitchFamily="34" charset="0"/>
+                        </a:rPr>
+                        <a:t>Buscador de proyectos sin registro de usuario</a:t>
+                      </a:r>
+                      <a:endParaRPr lang="es-CO" sz="2000" b="0" i="0" u="none" strike="noStrike">
+                        <a:solidFill>
+                          <a:srgbClr val="24292F"/>
+                        </a:solidFill>
+                        <a:effectLst/>
+                        <a:latin typeface="Segoe UI" panose="020B0502040204020203" pitchFamily="34" charset="0"/>
+                        <a:cs typeface="Segoe UI" panose="020B0502040204020203" pitchFamily="34" charset="0"/>
+                      </a:endParaRPr>
+                    </a:p>
+                  </a:txBody>
+                  <a:tcPr marL="43855" marR="4873" marT="29237" marB="29237" anchor="ctr"/>
+                </a:tc>
+                <a:tc>
+                  <a:txBody>
+                    <a:bodyPr/>
+                    <a:lstStyle/>
+                    <a:p>
+                      <a:pPr algn="ctr" fontAlgn="ctr"/>
+                      <a:r>
+                        <a:rPr lang="es-CO" sz="2000" b="0" u="none" strike="noStrike">
+                          <a:solidFill>
+                            <a:srgbClr val="24292F"/>
+                          </a:solidFill>
+                          <a:effectLst/>
+                          <a:latin typeface="Segoe UI" panose="020B0502040204020203" pitchFamily="34" charset="0"/>
+                          <a:cs typeface="Segoe UI" panose="020B0502040204020203" pitchFamily="34" charset="0"/>
+                        </a:rPr>
+                        <a:t>✓</a:t>
+                      </a:r>
+                      <a:endParaRPr lang="es-CO" sz="2000" b="0" i="0" u="none" strike="noStrike">
+                        <a:solidFill>
+                          <a:srgbClr val="24292F"/>
+                        </a:solidFill>
+                        <a:effectLst/>
+                        <a:latin typeface="Segoe UI" panose="020B0502040204020203" pitchFamily="34" charset="0"/>
+                        <a:cs typeface="Segoe UI" panose="020B0502040204020203" pitchFamily="34" charset="0"/>
+                      </a:endParaRPr>
+                    </a:p>
+                  </a:txBody>
+                  <a:tcPr marL="4873" marR="4873" marT="29237" marB="29237" anchor="ctr"/>
+                </a:tc>
+                <a:tc>
+                  <a:txBody>
+                    <a:bodyPr/>
+                    <a:lstStyle/>
+                    <a:p>
+                      <a:pPr algn="ctr" fontAlgn="ctr"/>
+                      <a:r>
+                        <a:rPr lang="es-CO" sz="2000" b="0" u="none" strike="noStrike">
+                          <a:solidFill>
+                            <a:srgbClr val="24292F"/>
+                          </a:solidFill>
+                          <a:effectLst/>
+                          <a:latin typeface="Segoe UI" panose="020B0502040204020203" pitchFamily="34" charset="0"/>
+                          <a:cs typeface="Segoe UI" panose="020B0502040204020203" pitchFamily="34" charset="0"/>
+                        </a:rPr>
+                        <a:t> </a:t>
+                      </a:r>
+                      <a:endParaRPr lang="es-CO" sz="2000" b="0" i="0" u="none" strike="noStrike">
+                        <a:solidFill>
+                          <a:srgbClr val="24292F"/>
+                        </a:solidFill>
+                        <a:effectLst/>
+                        <a:latin typeface="Segoe UI" panose="020B0502040204020203" pitchFamily="34" charset="0"/>
+                        <a:cs typeface="Segoe UI" panose="020B0502040204020203" pitchFamily="34" charset="0"/>
+                      </a:endParaRPr>
+                    </a:p>
+                  </a:txBody>
+                  <a:tcPr marL="4873" marR="4873" marT="29237" marB="29237" anchor="ctr"/>
+                </a:tc>
+                <a:tc>
+                  <a:txBody>
+                    <a:bodyPr/>
+                    <a:lstStyle/>
+                    <a:p>
+                      <a:pPr algn="ctr" fontAlgn="ctr"/>
+                      <a:r>
+                        <a:rPr lang="es-CO" sz="2000" b="0" u="none" strike="noStrike">
+                          <a:solidFill>
+                            <a:srgbClr val="24292F"/>
+                          </a:solidFill>
+                          <a:effectLst/>
+                          <a:latin typeface="Segoe UI" panose="020B0502040204020203" pitchFamily="34" charset="0"/>
+                          <a:cs typeface="Segoe UI" panose="020B0502040204020203" pitchFamily="34" charset="0"/>
+                        </a:rPr>
+                        <a:t> </a:t>
+                      </a:r>
+                      <a:endParaRPr lang="es-CO" sz="2000" b="0" i="0" u="none" strike="noStrike">
+                        <a:solidFill>
+                          <a:srgbClr val="24292F"/>
+                        </a:solidFill>
+                        <a:effectLst/>
+                        <a:latin typeface="Segoe UI" panose="020B0502040204020203" pitchFamily="34" charset="0"/>
+                        <a:cs typeface="Segoe UI" panose="020B0502040204020203" pitchFamily="34" charset="0"/>
+                      </a:endParaRPr>
+                    </a:p>
+                  </a:txBody>
+                  <a:tcPr marL="4873" marR="4873" marT="29237" marB="29237" anchor="ctr"/>
+                </a:tc>
+                <a:extLst>
+                  <a:ext uri="{0D108BD9-81ED-4DB2-BD59-A6C34878D82A}">
+                    <a16:rowId xmlns:a16="http://schemas.microsoft.com/office/drawing/2014/main" val="2713878292"/>
+                  </a:ext>
+                </a:extLst>
+              </a:tr>
+              <a:tr h="243584">
+                <a:tc>
+                  <a:txBody>
+                    <a:bodyPr/>
+                    <a:lstStyle/>
+                    <a:p>
+                      <a:pPr algn="l" fontAlgn="ctr"/>
+                      <a:r>
+                        <a:rPr lang="es-CO" sz="2000" b="0" u="none" strike="noStrike" dirty="0">
+                          <a:solidFill>
+                            <a:srgbClr val="24292F"/>
+                          </a:solidFill>
+                          <a:effectLst/>
+                          <a:latin typeface="Segoe UI" panose="020B0502040204020203" pitchFamily="34" charset="0"/>
+                          <a:cs typeface="Segoe UI" panose="020B0502040204020203" pitchFamily="34" charset="0"/>
+                        </a:rPr>
+                        <a:t>Cargue masivo de archivos inferiores a 100 MB en cuentas libres</a:t>
+                      </a:r>
+                      <a:endParaRPr lang="es-CO" sz="2000" b="0" i="0" u="none" strike="noStrike" dirty="0">
+                        <a:solidFill>
+                          <a:srgbClr val="24292F"/>
+                        </a:solidFill>
+                        <a:effectLst/>
+                        <a:latin typeface="Segoe UI" panose="020B0502040204020203" pitchFamily="34" charset="0"/>
+                        <a:cs typeface="Segoe UI" panose="020B0502040204020203" pitchFamily="34" charset="0"/>
+                      </a:endParaRPr>
+                    </a:p>
+                  </a:txBody>
+                  <a:tcPr marL="43855" marR="4873" marT="29237" marB="29237" anchor="ctr"/>
+                </a:tc>
+                <a:tc>
+                  <a:txBody>
+                    <a:bodyPr/>
+                    <a:lstStyle/>
+                    <a:p>
+                      <a:pPr algn="ctr" fontAlgn="ctr"/>
+                      <a:r>
+                        <a:rPr lang="es-CO" sz="2000" b="0" u="none" strike="noStrike">
+                          <a:solidFill>
+                            <a:srgbClr val="24292F"/>
+                          </a:solidFill>
+                          <a:effectLst/>
+                          <a:latin typeface="Segoe UI" panose="020B0502040204020203" pitchFamily="34" charset="0"/>
+                          <a:cs typeface="Segoe UI" panose="020B0502040204020203" pitchFamily="34" charset="0"/>
+                        </a:rPr>
+                        <a:t>✓</a:t>
+                      </a:r>
+                      <a:endParaRPr lang="es-CO" sz="2000" b="0" i="0" u="none" strike="noStrike">
+                        <a:solidFill>
+                          <a:srgbClr val="24292F"/>
+                        </a:solidFill>
+                        <a:effectLst/>
+                        <a:latin typeface="Segoe UI" panose="020B0502040204020203" pitchFamily="34" charset="0"/>
+                        <a:cs typeface="Segoe UI" panose="020B0502040204020203" pitchFamily="34" charset="0"/>
+                      </a:endParaRPr>
+                    </a:p>
+                  </a:txBody>
+                  <a:tcPr marL="4873" marR="4873" marT="29237" marB="29237" anchor="ctr"/>
+                </a:tc>
+                <a:tc>
+                  <a:txBody>
+                    <a:bodyPr/>
+                    <a:lstStyle/>
+                    <a:p>
+                      <a:pPr algn="ctr" fontAlgn="ctr"/>
+                      <a:r>
+                        <a:rPr lang="es-CO" sz="2000" b="0" u="none" strike="noStrike">
+                          <a:solidFill>
+                            <a:srgbClr val="24292F"/>
+                          </a:solidFill>
+                          <a:effectLst/>
+                          <a:latin typeface="Segoe UI" panose="020B0502040204020203" pitchFamily="34" charset="0"/>
+                          <a:cs typeface="Segoe UI" panose="020B0502040204020203" pitchFamily="34" charset="0"/>
+                        </a:rPr>
+                        <a:t> </a:t>
+                      </a:r>
+                      <a:endParaRPr lang="es-CO" sz="2000" b="0" i="0" u="none" strike="noStrike">
+                        <a:solidFill>
+                          <a:srgbClr val="24292F"/>
+                        </a:solidFill>
+                        <a:effectLst/>
+                        <a:latin typeface="Segoe UI" panose="020B0502040204020203" pitchFamily="34" charset="0"/>
+                        <a:cs typeface="Segoe UI" panose="020B0502040204020203" pitchFamily="34" charset="0"/>
+                      </a:endParaRPr>
+                    </a:p>
+                  </a:txBody>
+                  <a:tcPr marL="4873" marR="4873" marT="29237" marB="29237" anchor="ctr"/>
+                </a:tc>
+                <a:tc>
+                  <a:txBody>
+                    <a:bodyPr/>
+                    <a:lstStyle/>
+                    <a:p>
+                      <a:pPr algn="ctr" fontAlgn="ctr"/>
+                      <a:r>
+                        <a:rPr lang="es-CO" sz="2000" b="0" u="none" strike="noStrike">
+                          <a:solidFill>
+                            <a:srgbClr val="24292F"/>
+                          </a:solidFill>
+                          <a:effectLst/>
+                          <a:latin typeface="Segoe UI" panose="020B0502040204020203" pitchFamily="34" charset="0"/>
+                          <a:cs typeface="Segoe UI" panose="020B0502040204020203" pitchFamily="34" charset="0"/>
+                        </a:rPr>
+                        <a:t> </a:t>
+                      </a:r>
+                      <a:endParaRPr lang="es-CO" sz="2000" b="0" i="0" u="none" strike="noStrike">
+                        <a:solidFill>
+                          <a:srgbClr val="24292F"/>
+                        </a:solidFill>
+                        <a:effectLst/>
+                        <a:latin typeface="Segoe UI" panose="020B0502040204020203" pitchFamily="34" charset="0"/>
+                        <a:cs typeface="Segoe UI" panose="020B0502040204020203" pitchFamily="34" charset="0"/>
+                      </a:endParaRPr>
+                    </a:p>
+                  </a:txBody>
+                  <a:tcPr marL="4873" marR="4873" marT="29237" marB="29237" anchor="ctr"/>
+                </a:tc>
+                <a:extLst>
+                  <a:ext uri="{0D108BD9-81ED-4DB2-BD59-A6C34878D82A}">
+                    <a16:rowId xmlns:a16="http://schemas.microsoft.com/office/drawing/2014/main" val="2154648127"/>
+                  </a:ext>
+                </a:extLst>
+              </a:tr>
+              <a:tr h="243584">
+                <a:tc>
+                  <a:txBody>
+                    <a:bodyPr/>
+                    <a:lstStyle/>
+                    <a:p>
+                      <a:pPr algn="l" fontAlgn="ctr"/>
+                      <a:r>
+                        <a:rPr lang="es-CO" sz="2000" b="0" u="none" strike="noStrike">
+                          <a:solidFill>
+                            <a:srgbClr val="24292F"/>
+                          </a:solidFill>
+                          <a:effectLst/>
+                          <a:latin typeface="Segoe UI" panose="020B0502040204020203" pitchFamily="34" charset="0"/>
+                          <a:cs typeface="Segoe UI" panose="020B0502040204020203" pitchFamily="34" charset="0"/>
+                        </a:rPr>
+                        <a:t>Gestión local de repositorio utilizando herramientas de desarrollo</a:t>
+                      </a:r>
+                      <a:endParaRPr lang="es-CO" sz="2000" b="0" i="0" u="none" strike="noStrike">
+                        <a:solidFill>
+                          <a:srgbClr val="24292F"/>
+                        </a:solidFill>
+                        <a:effectLst/>
+                        <a:latin typeface="Segoe UI" panose="020B0502040204020203" pitchFamily="34" charset="0"/>
+                        <a:cs typeface="Segoe UI" panose="020B0502040204020203" pitchFamily="34" charset="0"/>
+                      </a:endParaRPr>
+                    </a:p>
+                  </a:txBody>
+                  <a:tcPr marL="43855" marR="4873" marT="29237" marB="29237" anchor="ctr"/>
+                </a:tc>
+                <a:tc>
+                  <a:txBody>
+                    <a:bodyPr/>
+                    <a:lstStyle/>
+                    <a:p>
+                      <a:pPr algn="ctr" fontAlgn="ctr"/>
+                      <a:r>
+                        <a:rPr lang="es-CO" sz="2000" b="0" u="none" strike="noStrike">
+                          <a:solidFill>
+                            <a:srgbClr val="24292F"/>
+                          </a:solidFill>
+                          <a:effectLst/>
+                          <a:latin typeface="Segoe UI" panose="020B0502040204020203" pitchFamily="34" charset="0"/>
+                          <a:cs typeface="Segoe UI" panose="020B0502040204020203" pitchFamily="34" charset="0"/>
+                        </a:rPr>
+                        <a:t>✓</a:t>
+                      </a:r>
+                      <a:endParaRPr lang="es-CO" sz="2000" b="0" i="0" u="none" strike="noStrike">
+                        <a:solidFill>
+                          <a:srgbClr val="24292F"/>
+                        </a:solidFill>
+                        <a:effectLst/>
+                        <a:latin typeface="Segoe UI" panose="020B0502040204020203" pitchFamily="34" charset="0"/>
+                        <a:cs typeface="Segoe UI" panose="020B0502040204020203" pitchFamily="34" charset="0"/>
+                      </a:endParaRPr>
+                    </a:p>
+                  </a:txBody>
+                  <a:tcPr marL="4873" marR="4873" marT="29237" marB="29237" anchor="ctr"/>
+                </a:tc>
+                <a:tc>
+                  <a:txBody>
+                    <a:bodyPr/>
+                    <a:lstStyle/>
+                    <a:p>
+                      <a:pPr algn="ctr" fontAlgn="ctr"/>
+                      <a:r>
+                        <a:rPr lang="es-CO" sz="2000" b="0" u="none" strike="noStrike">
+                          <a:solidFill>
+                            <a:srgbClr val="24292F"/>
+                          </a:solidFill>
+                          <a:effectLst/>
+                          <a:latin typeface="Segoe UI" panose="020B0502040204020203" pitchFamily="34" charset="0"/>
+                          <a:cs typeface="Segoe UI" panose="020B0502040204020203" pitchFamily="34" charset="0"/>
+                        </a:rPr>
+                        <a:t>✓</a:t>
+                      </a:r>
+                      <a:endParaRPr lang="es-CO" sz="2000" b="0" i="0" u="none" strike="noStrike">
+                        <a:solidFill>
+                          <a:srgbClr val="24292F"/>
+                        </a:solidFill>
+                        <a:effectLst/>
+                        <a:latin typeface="Segoe UI" panose="020B0502040204020203" pitchFamily="34" charset="0"/>
+                        <a:cs typeface="Segoe UI" panose="020B0502040204020203" pitchFamily="34" charset="0"/>
+                      </a:endParaRPr>
+                    </a:p>
+                  </a:txBody>
+                  <a:tcPr marL="4873" marR="4873" marT="29237" marB="29237" anchor="ctr"/>
+                </a:tc>
+                <a:tc>
+                  <a:txBody>
+                    <a:bodyPr/>
+                    <a:lstStyle/>
+                    <a:p>
+                      <a:pPr algn="ctr" fontAlgn="ctr"/>
+                      <a:r>
+                        <a:rPr lang="es-CO" sz="2000" b="0" u="none" strike="noStrike">
+                          <a:solidFill>
+                            <a:srgbClr val="24292F"/>
+                          </a:solidFill>
+                          <a:effectLst/>
+                          <a:latin typeface="Segoe UI" panose="020B0502040204020203" pitchFamily="34" charset="0"/>
+                          <a:cs typeface="Segoe UI" panose="020B0502040204020203" pitchFamily="34" charset="0"/>
+                        </a:rPr>
+                        <a:t>✓</a:t>
+                      </a:r>
+                      <a:endParaRPr lang="es-CO" sz="2000" b="0" i="0" u="none" strike="noStrike">
+                        <a:solidFill>
+                          <a:srgbClr val="24292F"/>
+                        </a:solidFill>
+                        <a:effectLst/>
+                        <a:latin typeface="Segoe UI" panose="020B0502040204020203" pitchFamily="34" charset="0"/>
+                        <a:cs typeface="Segoe UI" panose="020B0502040204020203" pitchFamily="34" charset="0"/>
+                      </a:endParaRPr>
+                    </a:p>
+                  </a:txBody>
+                  <a:tcPr marL="4873" marR="4873" marT="29237" marB="29237" anchor="ctr"/>
+                </a:tc>
+                <a:extLst>
+                  <a:ext uri="{0D108BD9-81ED-4DB2-BD59-A6C34878D82A}">
+                    <a16:rowId xmlns:a16="http://schemas.microsoft.com/office/drawing/2014/main" val="1636858730"/>
+                  </a:ext>
+                </a:extLst>
+              </a:tr>
+              <a:tr h="243584">
+                <a:tc>
+                  <a:txBody>
+                    <a:bodyPr/>
+                    <a:lstStyle/>
+                    <a:p>
+                      <a:pPr algn="l" fontAlgn="ctr"/>
+                      <a:r>
+                        <a:rPr lang="es-CO" sz="2000" b="0" u="none" strike="noStrike" dirty="0">
+                          <a:solidFill>
+                            <a:srgbClr val="24292F"/>
+                          </a:solidFill>
+                          <a:effectLst/>
+                          <a:latin typeface="Segoe UI" panose="020B0502040204020203" pitchFamily="34" charset="0"/>
+                          <a:cs typeface="Segoe UI" panose="020B0502040204020203" pitchFamily="34" charset="0"/>
+                        </a:rPr>
+                        <a:t>Entornos de discusión por repositorio público</a:t>
+                      </a:r>
+                      <a:endParaRPr lang="es-CO" sz="2000" b="0" i="0" u="none" strike="noStrike" dirty="0">
+                        <a:solidFill>
+                          <a:srgbClr val="24292F"/>
+                        </a:solidFill>
+                        <a:effectLst/>
+                        <a:latin typeface="Segoe UI" panose="020B0502040204020203" pitchFamily="34" charset="0"/>
+                        <a:cs typeface="Segoe UI" panose="020B0502040204020203" pitchFamily="34" charset="0"/>
+                      </a:endParaRPr>
+                    </a:p>
+                  </a:txBody>
+                  <a:tcPr marL="43855" marR="4873" marT="29237" marB="29237" anchor="ctr"/>
+                </a:tc>
+                <a:tc>
+                  <a:txBody>
+                    <a:bodyPr/>
+                    <a:lstStyle/>
+                    <a:p>
+                      <a:pPr algn="ctr" fontAlgn="ctr"/>
+                      <a:r>
+                        <a:rPr lang="es-CO" sz="2000" b="0" u="none" strike="noStrike">
+                          <a:solidFill>
+                            <a:srgbClr val="24292F"/>
+                          </a:solidFill>
+                          <a:effectLst/>
+                          <a:latin typeface="Segoe UI" panose="020B0502040204020203" pitchFamily="34" charset="0"/>
+                          <a:cs typeface="Segoe UI" panose="020B0502040204020203" pitchFamily="34" charset="0"/>
+                        </a:rPr>
+                        <a:t>✓</a:t>
+                      </a:r>
+                      <a:endParaRPr lang="es-CO" sz="2000" b="0" i="0" u="none" strike="noStrike">
+                        <a:solidFill>
+                          <a:srgbClr val="24292F"/>
+                        </a:solidFill>
+                        <a:effectLst/>
+                        <a:latin typeface="Segoe UI" panose="020B0502040204020203" pitchFamily="34" charset="0"/>
+                        <a:cs typeface="Segoe UI" panose="020B0502040204020203" pitchFamily="34" charset="0"/>
+                      </a:endParaRPr>
+                    </a:p>
+                  </a:txBody>
+                  <a:tcPr marL="4873" marR="4873" marT="29237" marB="29237" anchor="ctr"/>
+                </a:tc>
+                <a:tc>
+                  <a:txBody>
+                    <a:bodyPr/>
+                    <a:lstStyle/>
+                    <a:p>
+                      <a:pPr algn="ctr" fontAlgn="ctr"/>
+                      <a:r>
+                        <a:rPr lang="es-CO" sz="2000" b="0" u="none" strike="noStrike">
+                          <a:solidFill>
+                            <a:srgbClr val="24292F"/>
+                          </a:solidFill>
+                          <a:effectLst/>
+                          <a:latin typeface="Segoe UI" panose="020B0502040204020203" pitchFamily="34" charset="0"/>
+                          <a:cs typeface="Segoe UI" panose="020B0502040204020203" pitchFamily="34" charset="0"/>
+                        </a:rPr>
+                        <a:t>✓</a:t>
+                      </a:r>
+                      <a:endParaRPr lang="es-CO" sz="2000" b="0" i="0" u="none" strike="noStrike">
+                        <a:solidFill>
+                          <a:srgbClr val="24292F"/>
+                        </a:solidFill>
+                        <a:effectLst/>
+                        <a:latin typeface="Segoe UI" panose="020B0502040204020203" pitchFamily="34" charset="0"/>
+                        <a:cs typeface="Segoe UI" panose="020B0502040204020203" pitchFamily="34" charset="0"/>
+                      </a:endParaRPr>
+                    </a:p>
+                  </a:txBody>
+                  <a:tcPr marL="4873" marR="4873" marT="29237" marB="29237" anchor="ctr"/>
+                </a:tc>
+                <a:tc>
+                  <a:txBody>
+                    <a:bodyPr/>
+                    <a:lstStyle/>
+                    <a:p>
+                      <a:pPr algn="ctr" fontAlgn="ctr"/>
+                      <a:r>
+                        <a:rPr lang="es-CO" sz="2000" b="0" u="none" strike="noStrike">
+                          <a:solidFill>
+                            <a:srgbClr val="24292F"/>
+                          </a:solidFill>
+                          <a:effectLst/>
+                          <a:latin typeface="Segoe UI" panose="020B0502040204020203" pitchFamily="34" charset="0"/>
+                          <a:cs typeface="Segoe UI" panose="020B0502040204020203" pitchFamily="34" charset="0"/>
+                        </a:rPr>
+                        <a:t>✓</a:t>
+                      </a:r>
+                      <a:endParaRPr lang="es-CO" sz="2000" b="0" i="0" u="none" strike="noStrike">
+                        <a:solidFill>
+                          <a:srgbClr val="24292F"/>
+                        </a:solidFill>
+                        <a:effectLst/>
+                        <a:latin typeface="Segoe UI" panose="020B0502040204020203" pitchFamily="34" charset="0"/>
+                        <a:cs typeface="Segoe UI" panose="020B0502040204020203" pitchFamily="34" charset="0"/>
+                      </a:endParaRPr>
+                    </a:p>
+                  </a:txBody>
+                  <a:tcPr marL="4873" marR="4873" marT="29237" marB="29237" anchor="ctr"/>
+                </a:tc>
+                <a:extLst>
+                  <a:ext uri="{0D108BD9-81ED-4DB2-BD59-A6C34878D82A}">
+                    <a16:rowId xmlns:a16="http://schemas.microsoft.com/office/drawing/2014/main" val="2426833031"/>
+                  </a:ext>
+                </a:extLst>
+              </a:tr>
+              <a:tr h="243584">
+                <a:tc>
+                  <a:txBody>
+                    <a:bodyPr/>
+                    <a:lstStyle/>
+                    <a:p>
+                      <a:pPr algn="l" fontAlgn="ctr"/>
+                      <a:r>
+                        <a:rPr lang="es-CO" sz="2000" b="0" u="none" strike="noStrike">
+                          <a:solidFill>
+                            <a:srgbClr val="24292F"/>
+                          </a:solidFill>
+                          <a:effectLst/>
+                          <a:latin typeface="Segoe UI" panose="020B0502040204020203" pitchFamily="34" charset="0"/>
+                          <a:cs typeface="Segoe UI" panose="020B0502040204020203" pitchFamily="34" charset="0"/>
+                        </a:rPr>
+                        <a:t>Llamado de recursos entre repositorios</a:t>
+                      </a:r>
+                      <a:endParaRPr lang="es-CO" sz="2000" b="0" i="0" u="none" strike="noStrike">
+                        <a:solidFill>
+                          <a:srgbClr val="24292F"/>
+                        </a:solidFill>
+                        <a:effectLst/>
+                        <a:latin typeface="Segoe UI" panose="020B0502040204020203" pitchFamily="34" charset="0"/>
+                        <a:cs typeface="Segoe UI" panose="020B0502040204020203" pitchFamily="34" charset="0"/>
+                      </a:endParaRPr>
+                    </a:p>
+                  </a:txBody>
+                  <a:tcPr marL="43855" marR="4873" marT="29237" marB="29237" anchor="ctr"/>
+                </a:tc>
+                <a:tc rowSpan="2">
+                  <a:txBody>
+                    <a:bodyPr/>
+                    <a:lstStyle/>
+                    <a:p>
+                      <a:pPr algn="ctr" fontAlgn="ctr"/>
+                      <a:r>
+                        <a:rPr lang="es-CO" sz="2000" b="0" u="none" strike="noStrike">
+                          <a:solidFill>
+                            <a:srgbClr val="24292F"/>
+                          </a:solidFill>
+                          <a:effectLst/>
+                          <a:latin typeface="Segoe UI" panose="020B0502040204020203" pitchFamily="34" charset="0"/>
+                          <a:cs typeface="Segoe UI" panose="020B0502040204020203" pitchFamily="34" charset="0"/>
+                        </a:rPr>
+                        <a:t>✓</a:t>
+                      </a:r>
+                      <a:endParaRPr lang="es-CO" sz="2000" b="0" i="0" u="none" strike="noStrike">
+                        <a:solidFill>
+                          <a:srgbClr val="24292F"/>
+                        </a:solidFill>
+                        <a:effectLst/>
+                        <a:latin typeface="Segoe UI" panose="020B0502040204020203" pitchFamily="34" charset="0"/>
+                        <a:cs typeface="Segoe UI" panose="020B0502040204020203" pitchFamily="34" charset="0"/>
+                      </a:endParaRPr>
+                    </a:p>
+                  </a:txBody>
+                  <a:tcPr marL="4873" marR="4873" marT="29237" marB="29237" anchor="ctr"/>
+                </a:tc>
+                <a:tc rowSpan="2">
+                  <a:txBody>
+                    <a:bodyPr/>
+                    <a:lstStyle/>
+                    <a:p>
+                      <a:pPr algn="ctr" fontAlgn="ctr"/>
+                      <a:r>
+                        <a:rPr lang="es-CO" sz="2000" b="0" u="none" strike="noStrike">
+                          <a:solidFill>
+                            <a:srgbClr val="24292F"/>
+                          </a:solidFill>
+                          <a:effectLst/>
+                          <a:latin typeface="Segoe UI" panose="020B0502040204020203" pitchFamily="34" charset="0"/>
+                          <a:cs typeface="Segoe UI" panose="020B0502040204020203" pitchFamily="34" charset="0"/>
+                        </a:rPr>
+                        <a:t>✓</a:t>
+                      </a:r>
+                      <a:endParaRPr lang="es-CO" sz="2000" b="0" i="0" u="none" strike="noStrike">
+                        <a:solidFill>
+                          <a:srgbClr val="24292F"/>
+                        </a:solidFill>
+                        <a:effectLst/>
+                        <a:latin typeface="Segoe UI" panose="020B0502040204020203" pitchFamily="34" charset="0"/>
+                        <a:cs typeface="Segoe UI" panose="020B0502040204020203" pitchFamily="34" charset="0"/>
+                      </a:endParaRPr>
+                    </a:p>
+                  </a:txBody>
+                  <a:tcPr marL="4873" marR="4873" marT="29237" marB="29237" anchor="ctr"/>
+                </a:tc>
+                <a:tc rowSpan="2">
+                  <a:txBody>
+                    <a:bodyPr/>
+                    <a:lstStyle/>
+                    <a:p>
+                      <a:pPr algn="ctr" fontAlgn="ctr"/>
+                      <a:r>
+                        <a:rPr lang="es-CO" sz="2000" b="0" u="none" strike="noStrike">
+                          <a:solidFill>
+                            <a:srgbClr val="24292F"/>
+                          </a:solidFill>
+                          <a:effectLst/>
+                          <a:latin typeface="Segoe UI" panose="020B0502040204020203" pitchFamily="34" charset="0"/>
+                          <a:cs typeface="Segoe UI" panose="020B0502040204020203" pitchFamily="34" charset="0"/>
+                        </a:rPr>
+                        <a:t>✓</a:t>
+                      </a:r>
+                      <a:endParaRPr lang="es-CO" sz="2000" b="0" i="0" u="none" strike="noStrike">
+                        <a:solidFill>
+                          <a:srgbClr val="24292F"/>
+                        </a:solidFill>
+                        <a:effectLst/>
+                        <a:latin typeface="Segoe UI" panose="020B0502040204020203" pitchFamily="34" charset="0"/>
+                        <a:cs typeface="Segoe UI" panose="020B0502040204020203" pitchFamily="34" charset="0"/>
+                      </a:endParaRPr>
+                    </a:p>
+                  </a:txBody>
+                  <a:tcPr marL="4873" marR="4873" marT="29237" marB="29237" anchor="ctr"/>
+                </a:tc>
+                <a:extLst>
+                  <a:ext uri="{0D108BD9-81ED-4DB2-BD59-A6C34878D82A}">
+                    <a16:rowId xmlns:a16="http://schemas.microsoft.com/office/drawing/2014/main" val="2080408605"/>
+                  </a:ext>
+                </a:extLst>
+              </a:tr>
+              <a:tr h="179565">
+                <a:tc>
+                  <a:txBody>
+                    <a:bodyPr/>
+                    <a:lstStyle/>
+                    <a:p>
+                      <a:pPr algn="l" fontAlgn="ctr"/>
+                      <a:r>
+                        <a:rPr lang="es-CO" sz="2000" b="0" u="none" strike="noStrike">
+                          <a:solidFill>
+                            <a:srgbClr val="24292F"/>
+                          </a:solidFill>
+                          <a:effectLst/>
+                          <a:latin typeface="Segoe UI" panose="020B0502040204020203" pitchFamily="34" charset="0"/>
+                          <a:cs typeface="Segoe UI" panose="020B0502040204020203" pitchFamily="34" charset="0"/>
+                        </a:rPr>
+                        <a:t>(archivos, paquetes de datos, librerías...)</a:t>
+                      </a:r>
+                      <a:endParaRPr lang="es-CO" sz="2000" b="0" i="0" u="none" strike="noStrike">
+                        <a:solidFill>
+                          <a:srgbClr val="24292F"/>
+                        </a:solidFill>
+                        <a:effectLst/>
+                        <a:latin typeface="Segoe UI" panose="020B0502040204020203" pitchFamily="34" charset="0"/>
+                        <a:cs typeface="Segoe UI" panose="020B0502040204020203" pitchFamily="34" charset="0"/>
+                      </a:endParaRPr>
+                    </a:p>
+                  </a:txBody>
+                  <a:tcPr marL="43855" marR="4873" marT="4873" marB="0" anchor="ctr"/>
+                </a:tc>
+                <a:tc vMerge="1">
+                  <a:txBody>
+                    <a:bodyPr/>
+                    <a:lstStyle/>
+                    <a:p>
+                      <a:endParaRPr lang="es-CO"/>
+                    </a:p>
+                  </a:txBody>
+                  <a:tcPr/>
+                </a:tc>
+                <a:tc vMerge="1">
+                  <a:txBody>
+                    <a:bodyPr/>
+                    <a:lstStyle/>
+                    <a:p>
+                      <a:endParaRPr lang="es-CO"/>
+                    </a:p>
+                  </a:txBody>
+                  <a:tcPr/>
+                </a:tc>
+                <a:tc vMerge="1">
+                  <a:txBody>
+                    <a:bodyPr/>
+                    <a:lstStyle/>
+                    <a:p>
+                      <a:endParaRPr lang="es-CO"/>
+                    </a:p>
+                  </a:txBody>
+                  <a:tcPr/>
+                </a:tc>
+                <a:extLst>
+                  <a:ext uri="{0D108BD9-81ED-4DB2-BD59-A6C34878D82A}">
+                    <a16:rowId xmlns:a16="http://schemas.microsoft.com/office/drawing/2014/main" val="635844202"/>
+                  </a:ext>
+                </a:extLst>
+              </a:tr>
+              <a:tr h="243584">
+                <a:tc>
+                  <a:txBody>
+                    <a:bodyPr/>
+                    <a:lstStyle/>
+                    <a:p>
+                      <a:pPr algn="l" fontAlgn="ctr"/>
+                      <a:r>
+                        <a:rPr lang="es-CO" sz="2000" b="0" u="none" strike="noStrike" dirty="0">
+                          <a:solidFill>
+                            <a:srgbClr val="24292F"/>
+                          </a:solidFill>
+                          <a:effectLst/>
+                          <a:latin typeface="Segoe UI" panose="020B0502040204020203" pitchFamily="34" charset="0"/>
+                          <a:cs typeface="Segoe UI" panose="020B0502040204020203" pitchFamily="34" charset="0"/>
+                        </a:rPr>
+                        <a:t>Aplicación móvil oficial con opciones de edición, discusiones, asuntos, notificaciones.</a:t>
+                      </a:r>
+                      <a:endParaRPr lang="es-CO" sz="2000" b="0" i="0" u="none" strike="noStrike" dirty="0">
+                        <a:solidFill>
+                          <a:srgbClr val="24292F"/>
+                        </a:solidFill>
+                        <a:effectLst/>
+                        <a:latin typeface="Segoe UI" panose="020B0502040204020203" pitchFamily="34" charset="0"/>
+                        <a:cs typeface="Segoe UI" panose="020B0502040204020203" pitchFamily="34" charset="0"/>
+                      </a:endParaRPr>
+                    </a:p>
+                  </a:txBody>
+                  <a:tcPr marL="43855" marR="4873" marT="29237" marB="29237" anchor="ctr"/>
+                </a:tc>
+                <a:tc>
+                  <a:txBody>
+                    <a:bodyPr/>
+                    <a:lstStyle/>
+                    <a:p>
+                      <a:pPr algn="ctr" fontAlgn="ctr"/>
+                      <a:r>
+                        <a:rPr lang="es-CO" sz="2000" b="0" u="none" strike="noStrike">
+                          <a:solidFill>
+                            <a:srgbClr val="24292F"/>
+                          </a:solidFill>
+                          <a:effectLst/>
+                          <a:latin typeface="Segoe UI" panose="020B0502040204020203" pitchFamily="34" charset="0"/>
+                          <a:cs typeface="Segoe UI" panose="020B0502040204020203" pitchFamily="34" charset="0"/>
+                        </a:rPr>
+                        <a:t>✓</a:t>
+                      </a:r>
+                      <a:endParaRPr lang="es-CO" sz="2000" b="0" i="0" u="none" strike="noStrike">
+                        <a:solidFill>
+                          <a:srgbClr val="24292F"/>
+                        </a:solidFill>
+                        <a:effectLst/>
+                        <a:latin typeface="Segoe UI" panose="020B0502040204020203" pitchFamily="34" charset="0"/>
+                        <a:cs typeface="Segoe UI" panose="020B0502040204020203" pitchFamily="34" charset="0"/>
+                      </a:endParaRPr>
+                    </a:p>
+                  </a:txBody>
+                  <a:tcPr marL="4873" marR="4873" marT="29237" marB="29237" anchor="ctr"/>
+                </a:tc>
+                <a:tc>
+                  <a:txBody>
+                    <a:bodyPr/>
+                    <a:lstStyle/>
+                    <a:p>
+                      <a:pPr algn="ctr" fontAlgn="ctr"/>
+                      <a:r>
+                        <a:rPr lang="es-CO" sz="2000" b="0" u="none" strike="noStrike">
+                          <a:solidFill>
+                            <a:srgbClr val="24292F"/>
+                          </a:solidFill>
+                          <a:effectLst/>
+                          <a:latin typeface="Segoe UI" panose="020B0502040204020203" pitchFamily="34" charset="0"/>
+                          <a:cs typeface="Segoe UI" panose="020B0502040204020203" pitchFamily="34" charset="0"/>
+                        </a:rPr>
+                        <a:t> </a:t>
+                      </a:r>
+                      <a:endParaRPr lang="es-CO" sz="2000" b="0" i="0" u="none" strike="noStrike">
+                        <a:solidFill>
+                          <a:srgbClr val="24292F"/>
+                        </a:solidFill>
+                        <a:effectLst/>
+                        <a:latin typeface="Segoe UI" panose="020B0502040204020203" pitchFamily="34" charset="0"/>
+                        <a:cs typeface="Segoe UI" panose="020B0502040204020203" pitchFamily="34" charset="0"/>
+                      </a:endParaRPr>
+                    </a:p>
+                  </a:txBody>
+                  <a:tcPr marL="4873" marR="4873" marT="29237" marB="29237" anchor="ctr"/>
+                </a:tc>
+                <a:tc>
+                  <a:txBody>
+                    <a:bodyPr/>
+                    <a:lstStyle/>
+                    <a:p>
+                      <a:pPr algn="l" fontAlgn="b"/>
+                      <a:r>
+                        <a:rPr lang="es-CO" sz="2000" b="0" u="none" strike="noStrike" dirty="0">
+                          <a:solidFill>
+                            <a:srgbClr val="000000"/>
+                          </a:solidFill>
+                          <a:effectLst/>
+                          <a:latin typeface="Segoe UI" panose="020B0502040204020203" pitchFamily="34" charset="0"/>
+                          <a:cs typeface="Segoe UI" panose="020B0502040204020203" pitchFamily="34" charset="0"/>
+                        </a:rPr>
+                        <a:t> </a:t>
+                      </a:r>
+                      <a:endParaRPr lang="es-CO" sz="2000" b="0" i="0" u="none" strike="noStrike" dirty="0">
+                        <a:solidFill>
+                          <a:srgbClr val="000000"/>
+                        </a:solidFill>
+                        <a:effectLst/>
+                        <a:latin typeface="Segoe UI" panose="020B0502040204020203" pitchFamily="34" charset="0"/>
+                        <a:cs typeface="Segoe UI" panose="020B0502040204020203" pitchFamily="34" charset="0"/>
+                      </a:endParaRPr>
+                    </a:p>
+                  </a:txBody>
+                  <a:tcPr marL="4873" marR="4873" marT="4873" marB="0" anchor="b"/>
+                </a:tc>
+                <a:extLst>
+                  <a:ext uri="{0D108BD9-81ED-4DB2-BD59-A6C34878D82A}">
+                    <a16:rowId xmlns:a16="http://schemas.microsoft.com/office/drawing/2014/main" val="2258964480"/>
+                  </a:ext>
+                </a:extLst>
+              </a:tr>
+            </a:tbl>
+          </a:graphicData>
+        </a:graphic>
+      </p:graphicFrame>
+    </p:spTree>
+    <p:extLst>
+      <p:ext uri="{BB962C8B-B14F-4D97-AF65-F5344CB8AC3E}">
+        <p14:creationId xmlns:p14="http://schemas.microsoft.com/office/powerpoint/2010/main" val="390796517"/>
+      </p:ext>
+    </p:extLst>
+  </p:cSld>
+  <p:clrMapOvr>
+    <a:masterClrMapping/>
+  </p:clrMapOvr>
+</p:sld>
+</file>
+
 <file path=ppt/slides/slide2.xml><?xml version="1.0" encoding="utf-8"?>
 <p:sld xmlns:a="http://schemas.openxmlformats.org/drawingml/2006/main" xmlns:r="http://schemas.openxmlformats.org/officeDocument/2006/relationships" xmlns:p="http://schemas.openxmlformats.org/presentationml/2006/main">
   <p:cSld>
@@ -7952,20 +10782,61 @@
                 <a:ea typeface="Segoe UI Black" panose="020B0A02040204020203" pitchFamily="34" charset="0"/>
                 <a:cs typeface="Segoe UI" panose="020B0502040204020203" pitchFamily="34" charset="0"/>
               </a:rPr>
-              <a:t>Introducción, fundamentos </a:t>
-            </a:r>
-            <a:r>
-              <a:rPr lang="es-CO" sz="3600" b="1" dirty="0">
+              <a:t>Introducción</a:t>
+            </a:r>
+            <a:r>
+              <a:rPr lang="es-CO" sz="3600" dirty="0">
                 <a:solidFill>
                   <a:schemeClr val="bg1">
                     <a:lumMod val="25000"/>
                   </a:schemeClr>
                 </a:solidFill>
+                <a:effectLst/>
                 <a:latin typeface="Segoe UI" panose="020B0502040204020203" pitchFamily="34" charset="0"/>
                 <a:ea typeface="Segoe UI Black" panose="020B0A02040204020203" pitchFamily="34" charset="0"/>
                 <a:cs typeface="Segoe UI" panose="020B0502040204020203" pitchFamily="34" charset="0"/>
               </a:rPr>
-              <a:t>e  implementación</a:t>
+              <a:t>,</a:t>
+            </a:r>
+            <a:r>
+              <a:rPr lang="es-CO" sz="3600" b="1" dirty="0">
+                <a:solidFill>
+                  <a:schemeClr val="bg1">
+                    <a:lumMod val="25000"/>
+                  </a:schemeClr>
+                </a:solidFill>
+                <a:effectLst/>
+                <a:latin typeface="Segoe UI" panose="020B0502040204020203" pitchFamily="34" charset="0"/>
+                <a:ea typeface="Segoe UI Black" panose="020B0A02040204020203" pitchFamily="34" charset="0"/>
+                <a:cs typeface="Segoe UI" panose="020B0502040204020203" pitchFamily="34" charset="0"/>
+              </a:rPr>
+              <a:t> fundamentos </a:t>
+            </a:r>
+            <a:r>
+              <a:rPr lang="es-CO" sz="3600" dirty="0">
+                <a:solidFill>
+                  <a:schemeClr val="bg1">
+                    <a:lumMod val="25000"/>
+                  </a:schemeClr>
+                </a:solidFill>
+                <a:latin typeface="Segoe UI" panose="020B0502040204020203" pitchFamily="34" charset="0"/>
+                <a:ea typeface="Segoe UI Black" panose="020B0A02040204020203" pitchFamily="34" charset="0"/>
+                <a:cs typeface="Segoe UI" panose="020B0502040204020203" pitchFamily="34" charset="0"/>
+              </a:rPr>
+              <a:t>e</a:t>
+            </a:r>
+            <a:r>
+              <a:rPr lang="es-CO" sz="3600" b="1" dirty="0">
+                <a:solidFill>
+                  <a:schemeClr val="bg1">
+                    <a:lumMod val="25000"/>
+                  </a:schemeClr>
+                </a:solidFill>
+                <a:latin typeface="Segoe UI" panose="020B0502040204020203" pitchFamily="34" charset="0"/>
+                <a:ea typeface="Segoe UI Black" panose="020B0A02040204020203" pitchFamily="34" charset="0"/>
+                <a:cs typeface="Segoe UI" panose="020B0502040204020203" pitchFamily="34" charset="0"/>
+              </a:rPr>
+              <a:t>  implementación</a:t>
             </a:r>
             <a:r>
               <a:rPr lang="es-CO" sz="3600" dirty="0">
@@ -8006,6 +10877,16 @@
 <file path=ppt/slides/slide3.xml><?xml version="1.0" encoding="utf-8"?>
 <p:sld xmlns:a="http://schemas.openxmlformats.org/drawingml/2006/main" xmlns:r="http://schemas.openxmlformats.org/officeDocument/2006/relationships" xmlns:p="http://schemas.openxmlformats.org/presentationml/2006/main">
   <p:cSld>
+    <p:bg>
+      <p:bgPr>
+        <a:solidFill>
+          <a:schemeClr val="bg1">
+            <a:lumMod val="90000"/>
+          </a:schemeClr>
+        </a:solidFill>
+        <a:effectLst/>
+      </p:bgPr>
+    </p:bg>
     <p:spTree>
       <p:nvGrpSpPr>
         <p:cNvPr id="1" name=""/>
@@ -8850,7 +11731,7 @@
           <a:p>
             <a:pPr algn="ctr"/>
             <a:r>
-              <a:rPr lang="en-US" sz="1400" b="0" strike="noStrike">
+              <a:rPr lang="en-US" sz="1400" b="0" strike="noStrike" dirty="0">
                 <a:solidFill>
                   <a:schemeClr val="bg1">
                     <a:lumMod val="25000"/>
@@ -8863,7 +11744,7 @@
               <a:t>https://github.com/rcfdtools/R.TeachingResearchGuide/tree/main/Section01/WhatIsCollab</a:t>
             </a:r>
             <a:r>
-              <a:rPr lang="en-US" sz="1400" b="0" strike="noStrike">
+              <a:rPr lang="en-US" sz="1400" b="0" strike="noStrike" dirty="0">
                 <a:solidFill>
                   <a:schemeClr val="bg1">
                     <a:lumMod val="25000"/>
@@ -8904,9 +11785,7 @@
     <p:bg>
       <p:bgPr>
         <a:solidFill>
-          <a:schemeClr val="bg1">
-            <a:lumMod val="90000"/>
-          </a:schemeClr>
+          <a:schemeClr val="bg1"/>
         </a:solidFill>
         <a:effectLst/>
       </p:bgPr>
@@ -12431,12 +15310,54 @@
 </file>
 
 <file path=customXml/item1.xml><?xml version="1.0" encoding="utf-8"?>
-<?mso-contentType ?>
-<FormTemplates xmlns="http://schemas.microsoft.com/sharepoint/v3/contenttype/forms">
-  <Display>DocumentLibraryForm</Display>
-  <Edit>DocumentLibraryForm</Edit>
-  <New>DocumentLibraryForm</New>
-</FormTemplates>
+<p:properties xmlns:p="http://schemas.microsoft.com/office/2006/metadata/properties" xmlns:xsi="http://www.w3.org/2001/XMLSchema-instance" xmlns:pc="http://schemas.microsoft.com/office/infopath/2007/PartnerControls">
+  <documentManagement>
+    <NotebookType xmlns="bf3e1746-bde1-4d6e-9c3f-7182572f7502" xsi:nil="true"/>
+    <CultureName xmlns="bf3e1746-bde1-4d6e-9c3f-7182572f7502" xsi:nil="true"/>
+    <Students xmlns="bf3e1746-bde1-4d6e-9c3f-7182572f7502">
+      <UserInfo>
+        <DisplayName/>
+        <AccountId xsi:nil="true"/>
+        <AccountType/>
+      </UserInfo>
+    </Students>
+    <Distribution_Groups xmlns="bf3e1746-bde1-4d6e-9c3f-7182572f7502" xsi:nil="true"/>
+    <FolderType xmlns="bf3e1746-bde1-4d6e-9c3f-7182572f7502" xsi:nil="true"/>
+    <Student_Groups xmlns="bf3e1746-bde1-4d6e-9c3f-7182572f7502">
+      <UserInfo>
+        <DisplayName/>
+        <AccountId xsi:nil="true"/>
+        <AccountType/>
+      </UserInfo>
+    </Student_Groups>
+    <Self_Registration_Enabled xmlns="bf3e1746-bde1-4d6e-9c3f-7182572f7502" xsi:nil="true"/>
+    <TeamsChannelId xmlns="bf3e1746-bde1-4d6e-9c3f-7182572f7502" xsi:nil="true"/>
+    <IsNotebookLocked xmlns="bf3e1746-bde1-4d6e-9c3f-7182572f7502" xsi:nil="true"/>
+    <DefaultSectionNames xmlns="bf3e1746-bde1-4d6e-9c3f-7182572f7502" xsi:nil="true"/>
+    <Is_Collaboration_Space_Locked xmlns="bf3e1746-bde1-4d6e-9c3f-7182572f7502" xsi:nil="true"/>
+    <Invited_Teachers xmlns="bf3e1746-bde1-4d6e-9c3f-7182572f7502" xsi:nil="true"/>
+    <Math_Settings xmlns="bf3e1746-bde1-4d6e-9c3f-7182572f7502" xsi:nil="true"/>
+    <Templates xmlns="bf3e1746-bde1-4d6e-9c3f-7182572f7502" xsi:nil="true"/>
+    <Has_Teacher_Only_SectionGroup xmlns="bf3e1746-bde1-4d6e-9c3f-7182572f7502" xsi:nil="true"/>
+    <AppVersion xmlns="bf3e1746-bde1-4d6e-9c3f-7182572f7502" xsi:nil="true"/>
+    <Invited_Students xmlns="bf3e1746-bde1-4d6e-9c3f-7182572f7502" xsi:nil="true"/>
+    <Owner xmlns="bf3e1746-bde1-4d6e-9c3f-7182572f7502">
+      <UserInfo>
+        <DisplayName/>
+        <AccountId xsi:nil="true"/>
+        <AccountType/>
+      </UserInfo>
+    </Owner>
+    <Teachers xmlns="bf3e1746-bde1-4d6e-9c3f-7182572f7502">
+      <UserInfo>
+        <DisplayName/>
+        <AccountId xsi:nil="true"/>
+        <AccountType/>
+      </UserInfo>
+    </Teachers>
+    <LMS_Mappings xmlns="bf3e1746-bde1-4d6e-9c3f-7182572f7502" xsi:nil="true"/>
+  </documentManagement>
+</p:properties>
 </file>
 
 <file path=customXml/item2.xml><?xml version="1.0" encoding="utf-8"?>
@@ -12831,60 +15752,27 @@
 </file>
 
 <file path=customXml/item3.xml><?xml version="1.0" encoding="utf-8"?>
-<p:properties xmlns:p="http://schemas.microsoft.com/office/2006/metadata/properties" xmlns:xsi="http://www.w3.org/2001/XMLSchema-instance" xmlns:pc="http://schemas.microsoft.com/office/infopath/2007/PartnerControls">
-  <documentManagement>
-    <NotebookType xmlns="bf3e1746-bde1-4d6e-9c3f-7182572f7502" xsi:nil="true"/>
-    <CultureName xmlns="bf3e1746-bde1-4d6e-9c3f-7182572f7502" xsi:nil="true"/>
-    <Students xmlns="bf3e1746-bde1-4d6e-9c3f-7182572f7502">
-      <UserInfo>
-        <DisplayName/>
-        <AccountId xsi:nil="true"/>
-        <AccountType/>
-      </UserInfo>
-    </Students>
-    <Distribution_Groups xmlns="bf3e1746-bde1-4d6e-9c3f-7182572f7502" xsi:nil="true"/>
-    <FolderType xmlns="bf3e1746-bde1-4d6e-9c3f-7182572f7502" xsi:nil="true"/>
-    <Student_Groups xmlns="bf3e1746-bde1-4d6e-9c3f-7182572f7502">
-      <UserInfo>
-        <DisplayName/>
-        <AccountId xsi:nil="true"/>
-        <AccountType/>
-      </UserInfo>
-    </Student_Groups>
-    <Self_Registration_Enabled xmlns="bf3e1746-bde1-4d6e-9c3f-7182572f7502" xsi:nil="true"/>
-    <TeamsChannelId xmlns="bf3e1746-bde1-4d6e-9c3f-7182572f7502" xsi:nil="true"/>
-    <IsNotebookLocked xmlns="bf3e1746-bde1-4d6e-9c3f-7182572f7502" xsi:nil="true"/>
-    <DefaultSectionNames xmlns="bf3e1746-bde1-4d6e-9c3f-7182572f7502" xsi:nil="true"/>
-    <Is_Collaboration_Space_Locked xmlns="bf3e1746-bde1-4d6e-9c3f-7182572f7502" xsi:nil="true"/>
-    <Invited_Teachers xmlns="bf3e1746-bde1-4d6e-9c3f-7182572f7502" xsi:nil="true"/>
-    <Math_Settings xmlns="bf3e1746-bde1-4d6e-9c3f-7182572f7502" xsi:nil="true"/>
-    <Templates xmlns="bf3e1746-bde1-4d6e-9c3f-7182572f7502" xsi:nil="true"/>
-    <Has_Teacher_Only_SectionGroup xmlns="bf3e1746-bde1-4d6e-9c3f-7182572f7502" xsi:nil="true"/>
-    <AppVersion xmlns="bf3e1746-bde1-4d6e-9c3f-7182572f7502" xsi:nil="true"/>
-    <Invited_Students xmlns="bf3e1746-bde1-4d6e-9c3f-7182572f7502" xsi:nil="true"/>
-    <Owner xmlns="bf3e1746-bde1-4d6e-9c3f-7182572f7502">
-      <UserInfo>
-        <DisplayName/>
-        <AccountId xsi:nil="true"/>
-        <AccountType/>
-      </UserInfo>
-    </Owner>
-    <Teachers xmlns="bf3e1746-bde1-4d6e-9c3f-7182572f7502">
-      <UserInfo>
-        <DisplayName/>
-        <AccountId xsi:nil="true"/>
-        <AccountType/>
-      </UserInfo>
-    </Teachers>
-    <LMS_Mappings xmlns="bf3e1746-bde1-4d6e-9c3f-7182572f7502" xsi:nil="true"/>
-  </documentManagement>
-</p:properties>
+<?mso-contentType ?>
+<FormTemplates xmlns="http://schemas.microsoft.com/sharepoint/v3/contenttype/forms">
+  <Display>DocumentLibraryForm</Display>
+  <Edit>DocumentLibraryForm</Edit>
+  <New>DocumentLibraryForm</New>
+</FormTemplates>
 </file>
 
 <file path=customXml/itemProps1.xml><?xml version="1.0" encoding="utf-8"?>
-<ds:datastoreItem xmlns:ds="http://schemas.openxmlformats.org/officeDocument/2006/customXml" ds:itemID="{B024FD56-CE1B-42FC-9E83-BFBF160724C6}">
+<ds:datastoreItem xmlns:ds="http://schemas.openxmlformats.org/officeDocument/2006/customXml" ds:itemID="{DEDD01B8-816B-49B7-8C81-03AB51D87C54}">
   <ds:schemaRefs>
-    <ds:schemaRef ds:uri="http://schemas.microsoft.com/sharepoint/v3/contenttype/forms"/>
+    <ds:schemaRef ds:uri="http://schemas.microsoft.com/office/infopath/2007/PartnerControls"/>
+    <ds:schemaRef ds:uri="http://schemas.microsoft.com/office/2006/metadata/properties"/>
+    <ds:schemaRef ds:uri="http://purl.org/dc/terms/"/>
+    <ds:schemaRef ds:uri="http://www.w3.org/XML/1998/namespace"/>
+    <ds:schemaRef ds:uri="http://schemas.openxmlformats.org/package/2006/metadata/core-properties"/>
+    <ds:schemaRef ds:uri="http://schemas.microsoft.com/office/2006/documentManagement/types"/>
+    <ds:schemaRef ds:uri="14224164-2045-4b51-92bb-313d0f626d83"/>
+    <ds:schemaRef ds:uri="bf3e1746-bde1-4d6e-9c3f-7182572f7502"/>
+    <ds:schemaRef ds:uri="http://purl.org/dc/dcmitype/"/>
+    <ds:schemaRef ds:uri="http://purl.org/dc/elements/1.1/"/>
   </ds:schemaRefs>
 </ds:datastoreItem>
 </file>
@@ -12909,18 +15797,9 @@
 </file>
 
 <file path=customXml/itemProps3.xml><?xml version="1.0" encoding="utf-8"?>
-<ds:datastoreItem xmlns:ds="http://schemas.openxmlformats.org/officeDocument/2006/customXml" ds:itemID="{DEDD01B8-816B-49B7-8C81-03AB51D87C54}">
+<ds:datastoreItem xmlns:ds="http://schemas.openxmlformats.org/officeDocument/2006/customXml" ds:itemID="{B024FD56-CE1B-42FC-9E83-BFBF160724C6}">
   <ds:schemaRefs>
-    <ds:schemaRef ds:uri="http://schemas.microsoft.com/office/infopath/2007/PartnerControls"/>
-    <ds:schemaRef ds:uri="http://schemas.microsoft.com/office/2006/metadata/properties"/>
-    <ds:schemaRef ds:uri="http://purl.org/dc/terms/"/>
-    <ds:schemaRef ds:uri="http://www.w3.org/XML/1998/namespace"/>
-    <ds:schemaRef ds:uri="http://schemas.openxmlformats.org/package/2006/metadata/core-properties"/>
-    <ds:schemaRef ds:uri="http://schemas.microsoft.com/office/2006/documentManagement/types"/>
-    <ds:schemaRef ds:uri="14224164-2045-4b51-92bb-313d0f626d83"/>
-    <ds:schemaRef ds:uri="bf3e1746-bde1-4d6e-9c3f-7182572f7502"/>
-    <ds:schemaRef ds:uri="http://purl.org/dc/dcmitype/"/>
-    <ds:schemaRef ds:uri="http://purl.org/dc/elements/1.1/"/>
+    <ds:schemaRef ds:uri="http://schemas.microsoft.com/sharepoint/v3/contenttype/forms"/>
   </ds:schemaRefs>
 </ds:datastoreItem>
 </file>
--- a/Section01/Section01.pptx
+++ b/Section01/Section01.pptx
@@ -5,10 +5,10 @@
     <p:sldMasterId id="2147483778" r:id="rId4"/>
   </p:sldMasterIdLst>
   <p:notesMasterIdLst>
-    <p:notesMasterId r:id="rId19"/>
+    <p:notesMasterId r:id="rId29"/>
   </p:notesMasterIdLst>
   <p:handoutMasterIdLst>
-    <p:handoutMasterId r:id="rId20"/>
+    <p:handoutMasterId r:id="rId30"/>
   </p:handoutMasterIdLst>
   <p:sldIdLst>
     <p:sldId id="315" r:id="rId5"/>
@@ -25,6 +25,16 @@
     <p:sldId id="328" r:id="rId16"/>
     <p:sldId id="329" r:id="rId17"/>
     <p:sldId id="330" r:id="rId18"/>
+    <p:sldId id="331" r:id="rId19"/>
+    <p:sldId id="332" r:id="rId20"/>
+    <p:sldId id="337" r:id="rId21"/>
+    <p:sldId id="333" r:id="rId22"/>
+    <p:sldId id="334" r:id="rId23"/>
+    <p:sldId id="335" r:id="rId24"/>
+    <p:sldId id="336" r:id="rId25"/>
+    <p:sldId id="338" r:id="rId26"/>
+    <p:sldId id="339" r:id="rId27"/>
+    <p:sldId id="340" r:id="rId28"/>
   </p:sldIdLst>
   <p:sldSz cx="12192000" cy="6858000"/>
   <p:notesSz cx="6858000" cy="9144000"/>
@@ -142,6 +152,16 @@
             <p14:sldId id="328"/>
             <p14:sldId id="329"/>
             <p14:sldId id="330"/>
+            <p14:sldId id="331"/>
+            <p14:sldId id="332"/>
+            <p14:sldId id="337"/>
+            <p14:sldId id="333"/>
+            <p14:sldId id="334"/>
+            <p14:sldId id="335"/>
+            <p14:sldId id="336"/>
+            <p14:sldId id="338"/>
+            <p14:sldId id="339"/>
+            <p14:sldId id="340"/>
           </p14:sldIdLst>
         </p14:section>
       </p14:sectionLst>
@@ -1147,6 +1167,760 @@
 </p:notes>
 </file>
 
+<file path=ppt/notesSlides/notesSlide13.xml><?xml version="1.0" encoding="utf-8"?>
+<p:notes xmlns:a="http://schemas.openxmlformats.org/drawingml/2006/main" xmlns:r="http://schemas.openxmlformats.org/officeDocument/2006/relationships" xmlns:p="http://schemas.openxmlformats.org/presentationml/2006/main">
+  <p:cSld>
+    <p:spTree>
+      <p:nvGrpSpPr>
+        <p:cNvPr id="1" name=""/>
+        <p:cNvGrpSpPr/>
+        <p:nvPr/>
+      </p:nvGrpSpPr>
+      <p:grpSpPr>
+        <a:xfrm>
+          <a:off x="0" y="0"/>
+          <a:ext cx="0" cy="0"/>
+          <a:chOff x="0" y="0"/>
+          <a:chExt cx="0" cy="0"/>
+        </a:xfrm>
+      </p:grpSpPr>
+      <p:sp>
+        <p:nvSpPr>
+          <p:cNvPr id="2" name="Slide Image Placeholder 1"/>
+          <p:cNvSpPr>
+            <a:spLocks noGrp="1" noRot="1" noChangeAspect="1"/>
+          </p:cNvSpPr>
+          <p:nvPr>
+            <p:ph type="sldImg"/>
+          </p:nvPr>
+        </p:nvSpPr>
+        <p:spPr/>
+      </p:sp>
+      <p:sp>
+        <p:nvSpPr>
+          <p:cNvPr id="3" name="Notes Placeholder 2"/>
+          <p:cNvSpPr>
+            <a:spLocks noGrp="1"/>
+          </p:cNvSpPr>
+          <p:nvPr>
+            <p:ph type="body" idx="1"/>
+          </p:nvPr>
+        </p:nvSpPr>
+        <p:spPr/>
+        <p:txBody>
+          <a:bodyPr/>
+          <a:lstStyle/>
+          <a:p>
+            <a:pPr algn="l"/>
+            <a:endParaRPr lang="es-CO" sz="1200" b="0" i="0" dirty="0">
+              <a:solidFill>
+                <a:srgbClr val="24292F"/>
+              </a:solidFill>
+              <a:effectLst/>
+              <a:latin typeface="-apple-system"/>
+              <a:cs typeface="Segoe UI Light" panose="020B0502040204020203" pitchFamily="34" charset="0"/>
+            </a:endParaRPr>
+          </a:p>
+        </p:txBody>
+      </p:sp>
+      <p:sp>
+        <p:nvSpPr>
+          <p:cNvPr id="4" name="Slide Number Placeholder 3"/>
+          <p:cNvSpPr>
+            <a:spLocks noGrp="1"/>
+          </p:cNvSpPr>
+          <p:nvPr>
+            <p:ph type="sldNum" sz="quarter" idx="5"/>
+          </p:nvPr>
+        </p:nvSpPr>
+        <p:spPr/>
+        <p:txBody>
+          <a:bodyPr/>
+          <a:lstStyle/>
+          <a:p>
+            <a:pPr rtl="0"/>
+            <a:fld id="{810E1E9A-E921-4174-A0FC-51868D7AC568}" type="slidenum">
+              <a:rPr lang="es-ES" noProof="0" smtClean="0"/>
+              <a:t>15</a:t>
+            </a:fld>
+            <a:endParaRPr lang="es-ES" noProof="0" dirty="0"/>
+          </a:p>
+        </p:txBody>
+      </p:sp>
+    </p:spTree>
+    <p:extLst>
+      <p:ext uri="{BB962C8B-B14F-4D97-AF65-F5344CB8AC3E}">
+        <p14:creationId xmlns:p14="http://schemas.microsoft.com/office/powerpoint/2010/main" val="1042957325"/>
+      </p:ext>
+    </p:extLst>
+  </p:cSld>
+  <p:clrMapOvr>
+    <a:masterClrMapping/>
+  </p:clrMapOvr>
+</p:notes>
+</file>
+
+<file path=ppt/notesSlides/notesSlide14.xml><?xml version="1.0" encoding="utf-8"?>
+<p:notes xmlns:a="http://schemas.openxmlformats.org/drawingml/2006/main" xmlns:r="http://schemas.openxmlformats.org/officeDocument/2006/relationships" xmlns:p="http://schemas.openxmlformats.org/presentationml/2006/main">
+  <p:cSld>
+    <p:spTree>
+      <p:nvGrpSpPr>
+        <p:cNvPr id="1" name=""/>
+        <p:cNvGrpSpPr/>
+        <p:nvPr/>
+      </p:nvGrpSpPr>
+      <p:grpSpPr>
+        <a:xfrm>
+          <a:off x="0" y="0"/>
+          <a:ext cx="0" cy="0"/>
+          <a:chOff x="0" y="0"/>
+          <a:chExt cx="0" cy="0"/>
+        </a:xfrm>
+      </p:grpSpPr>
+      <p:sp>
+        <p:nvSpPr>
+          <p:cNvPr id="2" name="Slide Image Placeholder 1"/>
+          <p:cNvSpPr>
+            <a:spLocks noGrp="1" noRot="1" noChangeAspect="1"/>
+          </p:cNvSpPr>
+          <p:nvPr>
+            <p:ph type="sldImg"/>
+          </p:nvPr>
+        </p:nvSpPr>
+        <p:spPr/>
+      </p:sp>
+      <p:sp>
+        <p:nvSpPr>
+          <p:cNvPr id="3" name="Notes Placeholder 2"/>
+          <p:cNvSpPr>
+            <a:spLocks noGrp="1"/>
+          </p:cNvSpPr>
+          <p:nvPr>
+            <p:ph type="body" idx="1"/>
+          </p:nvPr>
+        </p:nvSpPr>
+        <p:spPr/>
+        <p:txBody>
+          <a:bodyPr/>
+          <a:lstStyle/>
+          <a:p>
+            <a:pPr algn="l"/>
+            <a:r>
+              <a:rPr lang="es-CO" b="1" i="0" dirty="0">
+                <a:solidFill>
+                  <a:srgbClr val="24292F"/>
+                </a:solidFill>
+                <a:effectLst/>
+                <a:latin typeface="-apple-system"/>
+              </a:rPr>
+              <a:t>Rendimiento</a:t>
+            </a:r>
+          </a:p>
+          <a:p>
+            <a:pPr algn="l"/>
+            <a:r>
+              <a:rPr lang="es-CO" b="0" i="0" dirty="0">
+                <a:solidFill>
+                  <a:srgbClr val="24292F"/>
+                </a:solidFill>
+                <a:effectLst/>
+                <a:latin typeface="-apple-system"/>
+              </a:rPr>
+              <a:t>La confirmación de nuevos cambios, la ramificación, la fusión y la comparación de versiones anteriores se han optimizado en favor del rendimiento. Git no se deja engañar por los nombres de los archivos a la hora de determinar cuál debería ser el almacenamiento y el historial de versiones del árbol de archivos; en lugar de ello, se centra en el contenido del propio archivo. </a:t>
+            </a:r>
+          </a:p>
+          <a:p>
+            <a:pPr algn="l"/>
+            <a:endParaRPr lang="es-CO" b="0" i="0" dirty="0">
+              <a:solidFill>
+                <a:srgbClr val="24292F"/>
+              </a:solidFill>
+              <a:effectLst/>
+              <a:latin typeface="-apple-system"/>
+            </a:endParaRPr>
+          </a:p>
+          <a:p>
+            <a:pPr algn="l"/>
+            <a:r>
+              <a:rPr lang="es-CO" b="1" i="0" dirty="0">
+                <a:solidFill>
+                  <a:srgbClr val="24292F"/>
+                </a:solidFill>
+                <a:effectLst/>
+                <a:latin typeface="-apple-system"/>
+              </a:rPr>
+              <a:t>Seguridad</a:t>
+            </a:r>
+          </a:p>
+          <a:p>
+            <a:pPr algn="l"/>
+            <a:r>
+              <a:rPr lang="es-CO" b="0" i="0" dirty="0">
+                <a:solidFill>
+                  <a:srgbClr val="24292F"/>
+                </a:solidFill>
+                <a:effectLst/>
+                <a:latin typeface="-apple-system"/>
+              </a:rPr>
+              <a:t>Prioridad de conservar la integridad del código fuente gestionado. El contenido de los archivos y las verdaderas relaciones entre estos y los directorios, las versiones, las etiquetas y las confirmaciones, todos ellos objetos del repositorio de Git, están protegidos con un algoritmo de hash criptográficamente seguro llamado "SHA1". De este modo, se salvaguarda el código y el historial de cambios frente a las modificaciones accidentales y maliciosas, y se garantiza que el historial sea totalmente trazable.</a:t>
+            </a:r>
+          </a:p>
+          <a:p>
+            <a:pPr algn="l"/>
+            <a:endParaRPr lang="es-CO" b="0" i="0" dirty="0">
+              <a:solidFill>
+                <a:srgbClr val="24292F"/>
+              </a:solidFill>
+              <a:effectLst/>
+              <a:latin typeface="-apple-system"/>
+            </a:endParaRPr>
+          </a:p>
+          <a:p>
+            <a:pPr algn="l"/>
+            <a:r>
+              <a:rPr lang="es-CO" b="1" i="0" dirty="0">
+                <a:solidFill>
+                  <a:srgbClr val="24292F"/>
+                </a:solidFill>
+                <a:effectLst/>
+                <a:latin typeface="-apple-system"/>
+              </a:rPr>
+              <a:t>Flexibilidad</a:t>
+            </a:r>
+          </a:p>
+          <a:p>
+            <a:pPr algn="l"/>
+            <a:r>
+              <a:rPr lang="es-CO" b="0" i="0" dirty="0">
+                <a:solidFill>
+                  <a:srgbClr val="24292F"/>
+                </a:solidFill>
+                <a:effectLst/>
+                <a:latin typeface="-apple-system"/>
+              </a:rPr>
+              <a:t>Git es flexible en varios aspectos: en la capacidad para varios tipos de flujos de trabajo de desarrollo no lineal, en su eficiencia en proyectos tanto grandes como pequeños y en su compatibilidad con numerosos sistemas y protocolos.</a:t>
+            </a:r>
+          </a:p>
+          <a:p>
+            <a:pPr algn="l"/>
+            <a:endParaRPr lang="es-CO" sz="1200" b="0" i="0" dirty="0">
+              <a:solidFill>
+                <a:srgbClr val="24292F"/>
+              </a:solidFill>
+              <a:effectLst/>
+              <a:latin typeface="-apple-system"/>
+              <a:cs typeface="Segoe UI Light" panose="020B0502040204020203" pitchFamily="34" charset="0"/>
+            </a:endParaRPr>
+          </a:p>
+          <a:p>
+            <a:endParaRPr lang="es-CO" sz="1200" b="0" i="0" dirty="0">
+              <a:solidFill>
+                <a:srgbClr val="24292F"/>
+              </a:solidFill>
+              <a:effectLst/>
+              <a:latin typeface="-apple-system"/>
+              <a:cs typeface="Segoe UI Light" panose="020B0502040204020203" pitchFamily="34" charset="0"/>
+            </a:endParaRPr>
+          </a:p>
+        </p:txBody>
+      </p:sp>
+      <p:sp>
+        <p:nvSpPr>
+          <p:cNvPr id="4" name="Slide Number Placeholder 3"/>
+          <p:cNvSpPr>
+            <a:spLocks noGrp="1"/>
+          </p:cNvSpPr>
+          <p:nvPr>
+            <p:ph type="sldNum" sz="quarter" idx="5"/>
+          </p:nvPr>
+        </p:nvSpPr>
+        <p:spPr/>
+        <p:txBody>
+          <a:bodyPr/>
+          <a:lstStyle/>
+          <a:p>
+            <a:pPr rtl="0"/>
+            <a:fld id="{810E1E9A-E921-4174-A0FC-51868D7AC568}" type="slidenum">
+              <a:rPr lang="es-ES" noProof="0" smtClean="0"/>
+              <a:t>16</a:t>
+            </a:fld>
+            <a:endParaRPr lang="es-ES" noProof="0" dirty="0"/>
+          </a:p>
+        </p:txBody>
+      </p:sp>
+    </p:spTree>
+    <p:extLst>
+      <p:ext uri="{BB962C8B-B14F-4D97-AF65-F5344CB8AC3E}">
+        <p14:creationId xmlns:p14="http://schemas.microsoft.com/office/powerpoint/2010/main" val="3511847978"/>
+      </p:ext>
+    </p:extLst>
+  </p:cSld>
+  <p:clrMapOvr>
+    <a:masterClrMapping/>
+  </p:clrMapOvr>
+</p:notes>
+</file>
+
+<file path=ppt/notesSlides/notesSlide15.xml><?xml version="1.0" encoding="utf-8"?>
+<p:notes xmlns:a="http://schemas.openxmlformats.org/drawingml/2006/main" xmlns:r="http://schemas.openxmlformats.org/officeDocument/2006/relationships" xmlns:p="http://schemas.openxmlformats.org/presentationml/2006/main">
+  <p:cSld>
+    <p:spTree>
+      <p:nvGrpSpPr>
+        <p:cNvPr id="1" name=""/>
+        <p:cNvGrpSpPr/>
+        <p:nvPr/>
+      </p:nvGrpSpPr>
+      <p:grpSpPr>
+        <a:xfrm>
+          <a:off x="0" y="0"/>
+          <a:ext cx="0" cy="0"/>
+          <a:chOff x="0" y="0"/>
+          <a:chExt cx="0" cy="0"/>
+        </a:xfrm>
+      </p:grpSpPr>
+      <p:sp>
+        <p:nvSpPr>
+          <p:cNvPr id="2" name="Slide Image Placeholder 1"/>
+          <p:cNvSpPr>
+            <a:spLocks noGrp="1" noRot="1" noChangeAspect="1"/>
+          </p:cNvSpPr>
+          <p:nvPr>
+            <p:ph type="sldImg"/>
+          </p:nvPr>
+        </p:nvSpPr>
+        <p:spPr/>
+      </p:sp>
+      <p:sp>
+        <p:nvSpPr>
+          <p:cNvPr id="3" name="Notes Placeholder 2"/>
+          <p:cNvSpPr>
+            <a:spLocks noGrp="1"/>
+          </p:cNvSpPr>
+          <p:nvPr>
+            <p:ph type="body" idx="1"/>
+          </p:nvPr>
+        </p:nvSpPr>
+        <p:spPr/>
+        <p:txBody>
+          <a:bodyPr/>
+          <a:lstStyle/>
+          <a:p>
+            <a:endParaRPr lang="es-CO" sz="1200" b="0" i="0" dirty="0">
+              <a:solidFill>
+                <a:srgbClr val="24292F"/>
+              </a:solidFill>
+              <a:effectLst/>
+              <a:latin typeface="-apple-system"/>
+              <a:cs typeface="Segoe UI Light" panose="020B0502040204020203" pitchFamily="34" charset="0"/>
+            </a:endParaRPr>
+          </a:p>
+        </p:txBody>
+      </p:sp>
+      <p:sp>
+        <p:nvSpPr>
+          <p:cNvPr id="4" name="Slide Number Placeholder 3"/>
+          <p:cNvSpPr>
+            <a:spLocks noGrp="1"/>
+          </p:cNvSpPr>
+          <p:nvPr>
+            <p:ph type="sldNum" sz="quarter" idx="5"/>
+          </p:nvPr>
+        </p:nvSpPr>
+        <p:spPr/>
+        <p:txBody>
+          <a:bodyPr/>
+          <a:lstStyle/>
+          <a:p>
+            <a:pPr rtl="0"/>
+            <a:fld id="{810E1E9A-E921-4174-A0FC-51868D7AC568}" type="slidenum">
+              <a:rPr lang="es-ES" noProof="0" smtClean="0"/>
+              <a:t>17</a:t>
+            </a:fld>
+            <a:endParaRPr lang="es-ES" noProof="0" dirty="0"/>
+          </a:p>
+        </p:txBody>
+      </p:sp>
+    </p:spTree>
+    <p:extLst>
+      <p:ext uri="{BB962C8B-B14F-4D97-AF65-F5344CB8AC3E}">
+        <p14:creationId xmlns:p14="http://schemas.microsoft.com/office/powerpoint/2010/main" val="1991130683"/>
+      </p:ext>
+    </p:extLst>
+  </p:cSld>
+  <p:clrMapOvr>
+    <a:masterClrMapping/>
+  </p:clrMapOvr>
+</p:notes>
+</file>
+
+<file path=ppt/notesSlides/notesSlide16.xml><?xml version="1.0" encoding="utf-8"?>
+<p:notes xmlns:a="http://schemas.openxmlformats.org/drawingml/2006/main" xmlns:r="http://schemas.openxmlformats.org/officeDocument/2006/relationships" xmlns:p="http://schemas.openxmlformats.org/presentationml/2006/main">
+  <p:cSld>
+    <p:spTree>
+      <p:nvGrpSpPr>
+        <p:cNvPr id="1" name=""/>
+        <p:cNvGrpSpPr/>
+        <p:nvPr/>
+      </p:nvGrpSpPr>
+      <p:grpSpPr>
+        <a:xfrm>
+          <a:off x="0" y="0"/>
+          <a:ext cx="0" cy="0"/>
+          <a:chOff x="0" y="0"/>
+          <a:chExt cx="0" cy="0"/>
+        </a:xfrm>
+      </p:grpSpPr>
+      <p:sp>
+        <p:nvSpPr>
+          <p:cNvPr id="2" name="Slide Image Placeholder 1"/>
+          <p:cNvSpPr>
+            <a:spLocks noGrp="1" noRot="1" noChangeAspect="1"/>
+          </p:cNvSpPr>
+          <p:nvPr>
+            <p:ph type="sldImg"/>
+          </p:nvPr>
+        </p:nvSpPr>
+        <p:spPr/>
+      </p:sp>
+      <p:sp>
+        <p:nvSpPr>
+          <p:cNvPr id="3" name="Notes Placeholder 2"/>
+          <p:cNvSpPr>
+            <a:spLocks noGrp="1"/>
+          </p:cNvSpPr>
+          <p:nvPr>
+            <p:ph type="body" idx="1"/>
+          </p:nvPr>
+        </p:nvSpPr>
+        <p:spPr/>
+        <p:txBody>
+          <a:bodyPr/>
+          <a:lstStyle/>
+          <a:p>
+            <a:endParaRPr lang="es-CO" sz="1200" b="0" i="0" dirty="0">
+              <a:solidFill>
+                <a:srgbClr val="24292F"/>
+              </a:solidFill>
+              <a:effectLst/>
+              <a:latin typeface="-apple-system"/>
+              <a:cs typeface="Segoe UI Light" panose="020B0502040204020203" pitchFamily="34" charset="0"/>
+            </a:endParaRPr>
+          </a:p>
+        </p:txBody>
+      </p:sp>
+      <p:sp>
+        <p:nvSpPr>
+          <p:cNvPr id="4" name="Slide Number Placeholder 3"/>
+          <p:cNvSpPr>
+            <a:spLocks noGrp="1"/>
+          </p:cNvSpPr>
+          <p:nvPr>
+            <p:ph type="sldNum" sz="quarter" idx="5"/>
+          </p:nvPr>
+        </p:nvSpPr>
+        <p:spPr/>
+        <p:txBody>
+          <a:bodyPr/>
+          <a:lstStyle/>
+          <a:p>
+            <a:pPr rtl="0"/>
+            <a:fld id="{810E1E9A-E921-4174-A0FC-51868D7AC568}" type="slidenum">
+              <a:rPr lang="es-ES" noProof="0" smtClean="0"/>
+              <a:t>18</a:t>
+            </a:fld>
+            <a:endParaRPr lang="es-ES" noProof="0" dirty="0"/>
+          </a:p>
+        </p:txBody>
+      </p:sp>
+    </p:spTree>
+    <p:extLst>
+      <p:ext uri="{BB962C8B-B14F-4D97-AF65-F5344CB8AC3E}">
+        <p14:creationId xmlns:p14="http://schemas.microsoft.com/office/powerpoint/2010/main" val="1987997789"/>
+      </p:ext>
+    </p:extLst>
+  </p:cSld>
+  <p:clrMapOvr>
+    <a:masterClrMapping/>
+  </p:clrMapOvr>
+</p:notes>
+</file>
+
+<file path=ppt/notesSlides/notesSlide17.xml><?xml version="1.0" encoding="utf-8"?>
+<p:notes xmlns:a="http://schemas.openxmlformats.org/drawingml/2006/main" xmlns:r="http://schemas.openxmlformats.org/officeDocument/2006/relationships" xmlns:p="http://schemas.openxmlformats.org/presentationml/2006/main">
+  <p:cSld>
+    <p:spTree>
+      <p:nvGrpSpPr>
+        <p:cNvPr id="1" name=""/>
+        <p:cNvGrpSpPr/>
+        <p:nvPr/>
+      </p:nvGrpSpPr>
+      <p:grpSpPr>
+        <a:xfrm>
+          <a:off x="0" y="0"/>
+          <a:ext cx="0" cy="0"/>
+          <a:chOff x="0" y="0"/>
+          <a:chExt cx="0" cy="0"/>
+        </a:xfrm>
+      </p:grpSpPr>
+      <p:sp>
+        <p:nvSpPr>
+          <p:cNvPr id="2" name="Slide Image Placeholder 1"/>
+          <p:cNvSpPr>
+            <a:spLocks noGrp="1" noRot="1" noChangeAspect="1"/>
+          </p:cNvSpPr>
+          <p:nvPr>
+            <p:ph type="sldImg"/>
+          </p:nvPr>
+        </p:nvSpPr>
+        <p:spPr/>
+      </p:sp>
+      <p:sp>
+        <p:nvSpPr>
+          <p:cNvPr id="3" name="Notes Placeholder 2"/>
+          <p:cNvSpPr>
+            <a:spLocks noGrp="1"/>
+          </p:cNvSpPr>
+          <p:nvPr>
+            <p:ph type="body" idx="1"/>
+          </p:nvPr>
+        </p:nvSpPr>
+        <p:spPr/>
+        <p:txBody>
+          <a:bodyPr/>
+          <a:lstStyle/>
+          <a:p>
+            <a:endParaRPr lang="es-CO" sz="1200" b="0" i="0" dirty="0">
+              <a:solidFill>
+                <a:srgbClr val="24292F"/>
+              </a:solidFill>
+              <a:effectLst/>
+              <a:latin typeface="-apple-system"/>
+              <a:cs typeface="Segoe UI Light" panose="020B0502040204020203" pitchFamily="34" charset="0"/>
+            </a:endParaRPr>
+          </a:p>
+        </p:txBody>
+      </p:sp>
+      <p:sp>
+        <p:nvSpPr>
+          <p:cNvPr id="4" name="Slide Number Placeholder 3"/>
+          <p:cNvSpPr>
+            <a:spLocks noGrp="1"/>
+          </p:cNvSpPr>
+          <p:nvPr>
+            <p:ph type="sldNum" sz="quarter" idx="5"/>
+          </p:nvPr>
+        </p:nvSpPr>
+        <p:spPr/>
+        <p:txBody>
+          <a:bodyPr/>
+          <a:lstStyle/>
+          <a:p>
+            <a:pPr rtl="0"/>
+            <a:fld id="{810E1E9A-E921-4174-A0FC-51868D7AC568}" type="slidenum">
+              <a:rPr lang="es-ES" noProof="0" smtClean="0"/>
+              <a:t>19</a:t>
+            </a:fld>
+            <a:endParaRPr lang="es-ES" noProof="0" dirty="0"/>
+          </a:p>
+        </p:txBody>
+      </p:sp>
+    </p:spTree>
+    <p:extLst>
+      <p:ext uri="{BB962C8B-B14F-4D97-AF65-F5344CB8AC3E}">
+        <p14:creationId xmlns:p14="http://schemas.microsoft.com/office/powerpoint/2010/main" val="1017806530"/>
+      </p:ext>
+    </p:extLst>
+  </p:cSld>
+  <p:clrMapOvr>
+    <a:masterClrMapping/>
+  </p:clrMapOvr>
+</p:notes>
+</file>
+
+<file path=ppt/notesSlides/notesSlide18.xml><?xml version="1.0" encoding="utf-8"?>
+<p:notes xmlns:a="http://schemas.openxmlformats.org/drawingml/2006/main" xmlns:r="http://schemas.openxmlformats.org/officeDocument/2006/relationships" xmlns:p="http://schemas.openxmlformats.org/presentationml/2006/main">
+  <p:cSld>
+    <p:spTree>
+      <p:nvGrpSpPr>
+        <p:cNvPr id="1" name=""/>
+        <p:cNvGrpSpPr/>
+        <p:nvPr/>
+      </p:nvGrpSpPr>
+      <p:grpSpPr>
+        <a:xfrm>
+          <a:off x="0" y="0"/>
+          <a:ext cx="0" cy="0"/>
+          <a:chOff x="0" y="0"/>
+          <a:chExt cx="0" cy="0"/>
+        </a:xfrm>
+      </p:grpSpPr>
+      <p:sp>
+        <p:nvSpPr>
+          <p:cNvPr id="2" name="Slide Image Placeholder 1"/>
+          <p:cNvSpPr>
+            <a:spLocks noGrp="1" noRot="1" noChangeAspect="1"/>
+          </p:cNvSpPr>
+          <p:nvPr>
+            <p:ph type="sldImg"/>
+          </p:nvPr>
+        </p:nvSpPr>
+        <p:spPr/>
+      </p:sp>
+      <p:sp>
+        <p:nvSpPr>
+          <p:cNvPr id="3" name="Notes Placeholder 2"/>
+          <p:cNvSpPr>
+            <a:spLocks noGrp="1"/>
+          </p:cNvSpPr>
+          <p:nvPr>
+            <p:ph type="body" idx="1"/>
+          </p:nvPr>
+        </p:nvSpPr>
+        <p:spPr/>
+        <p:txBody>
+          <a:bodyPr/>
+          <a:lstStyle/>
+          <a:p>
+            <a:endParaRPr lang="es-CO" sz="1200" b="0" i="0" dirty="0">
+              <a:solidFill>
+                <a:srgbClr val="24292F"/>
+              </a:solidFill>
+              <a:effectLst/>
+              <a:latin typeface="-apple-system"/>
+              <a:cs typeface="Segoe UI Light" panose="020B0502040204020203" pitchFamily="34" charset="0"/>
+            </a:endParaRPr>
+          </a:p>
+        </p:txBody>
+      </p:sp>
+      <p:sp>
+        <p:nvSpPr>
+          <p:cNvPr id="4" name="Slide Number Placeholder 3"/>
+          <p:cNvSpPr>
+            <a:spLocks noGrp="1"/>
+          </p:cNvSpPr>
+          <p:nvPr>
+            <p:ph type="sldNum" sz="quarter" idx="5"/>
+          </p:nvPr>
+        </p:nvSpPr>
+        <p:spPr/>
+        <p:txBody>
+          <a:bodyPr/>
+          <a:lstStyle/>
+          <a:p>
+            <a:pPr rtl="0"/>
+            <a:fld id="{810E1E9A-E921-4174-A0FC-51868D7AC568}" type="slidenum">
+              <a:rPr lang="es-ES" noProof="0" smtClean="0"/>
+              <a:t>20</a:t>
+            </a:fld>
+            <a:endParaRPr lang="es-ES" noProof="0" dirty="0"/>
+          </a:p>
+        </p:txBody>
+      </p:sp>
+    </p:spTree>
+    <p:extLst>
+      <p:ext uri="{BB962C8B-B14F-4D97-AF65-F5344CB8AC3E}">
+        <p14:creationId xmlns:p14="http://schemas.microsoft.com/office/powerpoint/2010/main" val="3738008516"/>
+      </p:ext>
+    </p:extLst>
+  </p:cSld>
+  <p:clrMapOvr>
+    <a:masterClrMapping/>
+  </p:clrMapOvr>
+</p:notes>
+</file>
+
+<file path=ppt/notesSlides/notesSlide19.xml><?xml version="1.0" encoding="utf-8"?>
+<p:notes xmlns:a="http://schemas.openxmlformats.org/drawingml/2006/main" xmlns:r="http://schemas.openxmlformats.org/officeDocument/2006/relationships" xmlns:p="http://schemas.openxmlformats.org/presentationml/2006/main">
+  <p:cSld>
+    <p:spTree>
+      <p:nvGrpSpPr>
+        <p:cNvPr id="1" name=""/>
+        <p:cNvGrpSpPr/>
+        <p:nvPr/>
+      </p:nvGrpSpPr>
+      <p:grpSpPr>
+        <a:xfrm>
+          <a:off x="0" y="0"/>
+          <a:ext cx="0" cy="0"/>
+          <a:chOff x="0" y="0"/>
+          <a:chExt cx="0" cy="0"/>
+        </a:xfrm>
+      </p:grpSpPr>
+      <p:sp>
+        <p:nvSpPr>
+          <p:cNvPr id="2" name="Slide Image Placeholder 1"/>
+          <p:cNvSpPr>
+            <a:spLocks noGrp="1" noRot="1" noChangeAspect="1"/>
+          </p:cNvSpPr>
+          <p:nvPr>
+            <p:ph type="sldImg"/>
+          </p:nvPr>
+        </p:nvSpPr>
+        <p:spPr/>
+      </p:sp>
+      <p:sp>
+        <p:nvSpPr>
+          <p:cNvPr id="3" name="Notes Placeholder 2"/>
+          <p:cNvSpPr>
+            <a:spLocks noGrp="1"/>
+          </p:cNvSpPr>
+          <p:nvPr>
+            <p:ph type="body" idx="1"/>
+          </p:nvPr>
+        </p:nvSpPr>
+        <p:spPr/>
+        <p:txBody>
+          <a:bodyPr/>
+          <a:lstStyle/>
+          <a:p>
+            <a:endParaRPr lang="es-CO" sz="1200" b="0" i="0" dirty="0">
+              <a:solidFill>
+                <a:srgbClr val="24292F"/>
+              </a:solidFill>
+              <a:effectLst/>
+              <a:latin typeface="-apple-system"/>
+              <a:cs typeface="Segoe UI Light" panose="020B0502040204020203" pitchFamily="34" charset="0"/>
+            </a:endParaRPr>
+          </a:p>
+        </p:txBody>
+      </p:sp>
+      <p:sp>
+        <p:nvSpPr>
+          <p:cNvPr id="4" name="Slide Number Placeholder 3"/>
+          <p:cNvSpPr>
+            <a:spLocks noGrp="1"/>
+          </p:cNvSpPr>
+          <p:nvPr>
+            <p:ph type="sldNum" sz="quarter" idx="5"/>
+          </p:nvPr>
+        </p:nvSpPr>
+        <p:spPr/>
+        <p:txBody>
+          <a:bodyPr/>
+          <a:lstStyle/>
+          <a:p>
+            <a:pPr rtl="0"/>
+            <a:fld id="{810E1E9A-E921-4174-A0FC-51868D7AC568}" type="slidenum">
+              <a:rPr lang="es-ES" noProof="0" smtClean="0"/>
+              <a:t>21</a:t>
+            </a:fld>
+            <a:endParaRPr lang="es-ES" noProof="0" dirty="0"/>
+          </a:p>
+        </p:txBody>
+      </p:sp>
+    </p:spTree>
+    <p:extLst>
+      <p:ext uri="{BB962C8B-B14F-4D97-AF65-F5344CB8AC3E}">
+        <p14:creationId xmlns:p14="http://schemas.microsoft.com/office/powerpoint/2010/main" val="4162639289"/>
+      </p:ext>
+    </p:extLst>
+  </p:cSld>
+  <p:clrMapOvr>
+    <a:masterClrMapping/>
+  </p:clrMapOvr>
+</p:notes>
+</file>
+
 <file path=ppt/notesSlides/notesSlide2.xml><?xml version="1.0" encoding="utf-8"?>
 <p:notes xmlns:a="http://schemas.openxmlformats.org/drawingml/2006/main" xmlns:r="http://schemas.openxmlformats.org/officeDocument/2006/relationships" xmlns:p="http://schemas.openxmlformats.org/presentationml/2006/main">
   <p:cSld>
@@ -1262,6 +2036,495 @@
     <p:extLst>
       <p:ext uri="{BB962C8B-B14F-4D97-AF65-F5344CB8AC3E}">
         <p14:creationId xmlns:p14="http://schemas.microsoft.com/office/powerpoint/2010/main" val="1215802017"/>
+      </p:ext>
+    </p:extLst>
+  </p:cSld>
+  <p:clrMapOvr>
+    <a:masterClrMapping/>
+  </p:clrMapOvr>
+</p:notes>
+</file>
+
+<file path=ppt/notesSlides/notesSlide20.xml><?xml version="1.0" encoding="utf-8"?>
+<p:notes xmlns:a="http://schemas.openxmlformats.org/drawingml/2006/main" xmlns:r="http://schemas.openxmlformats.org/officeDocument/2006/relationships" xmlns:p="http://schemas.openxmlformats.org/presentationml/2006/main">
+  <p:cSld>
+    <p:spTree>
+      <p:nvGrpSpPr>
+        <p:cNvPr id="1" name=""/>
+        <p:cNvGrpSpPr/>
+        <p:nvPr/>
+      </p:nvGrpSpPr>
+      <p:grpSpPr>
+        <a:xfrm>
+          <a:off x="0" y="0"/>
+          <a:ext cx="0" cy="0"/>
+          <a:chOff x="0" y="0"/>
+          <a:chExt cx="0" cy="0"/>
+        </a:xfrm>
+      </p:grpSpPr>
+      <p:sp>
+        <p:nvSpPr>
+          <p:cNvPr id="2" name="Slide Image Placeholder 1"/>
+          <p:cNvSpPr>
+            <a:spLocks noGrp="1" noRot="1" noChangeAspect="1"/>
+          </p:cNvSpPr>
+          <p:nvPr>
+            <p:ph type="sldImg"/>
+          </p:nvPr>
+        </p:nvSpPr>
+        <p:spPr/>
+      </p:sp>
+      <p:sp>
+        <p:nvSpPr>
+          <p:cNvPr id="3" name="Notes Placeholder 2"/>
+          <p:cNvSpPr>
+            <a:spLocks noGrp="1"/>
+          </p:cNvSpPr>
+          <p:nvPr>
+            <p:ph type="body" idx="1"/>
+          </p:nvPr>
+        </p:nvSpPr>
+        <p:spPr/>
+        <p:txBody>
+          <a:bodyPr/>
+          <a:lstStyle/>
+          <a:p>
+            <a:pPr algn="l"/>
+            <a:r>
+              <a:rPr lang="es-CO" b="0" i="0" dirty="0">
+                <a:solidFill>
+                  <a:srgbClr val="24292F"/>
+                </a:solidFill>
+                <a:effectLst/>
+                <a:latin typeface="-apple-system"/>
+              </a:rPr>
+              <a:t>Los repositorios de GitHub utilizan para su documentación el lenguaje </a:t>
+            </a:r>
+            <a:r>
+              <a:rPr lang="es-CO" b="0" i="0" dirty="0" err="1">
+                <a:solidFill>
+                  <a:srgbClr val="24292F"/>
+                </a:solidFill>
+                <a:effectLst/>
+                <a:latin typeface="-apple-system"/>
+              </a:rPr>
+              <a:t>Markdown</a:t>
+            </a:r>
+            <a:r>
+              <a:rPr lang="es-CO" b="0" i="0" dirty="0">
+                <a:solidFill>
+                  <a:srgbClr val="24292F"/>
+                </a:solidFill>
+                <a:effectLst/>
+                <a:latin typeface="-apple-system"/>
+              </a:rPr>
+              <a:t>, que permite crear texto con formato, tablas, enlaces y utilizar elementos embebidos del lenguaje de hipertextos HTML y sin tener que definir estilos o tener conocimientos de programación. En este </a:t>
+            </a:r>
+            <a:r>
+              <a:rPr lang="es-CO" b="0" i="0" dirty="0" err="1">
+                <a:solidFill>
+                  <a:srgbClr val="24292F"/>
+                </a:solidFill>
+                <a:effectLst/>
+                <a:latin typeface="-apple-system"/>
+              </a:rPr>
+              <a:t>microcontenido</a:t>
+            </a:r>
+            <a:r>
+              <a:rPr lang="es-CO" b="0" i="0" dirty="0">
+                <a:solidFill>
+                  <a:srgbClr val="24292F"/>
+                </a:solidFill>
+                <a:effectLst/>
+                <a:latin typeface="-apple-system"/>
+              </a:rPr>
+              <a:t> encontrarás diferentes recursos para la escritura de e-Books y documentación wiki usando el lenguaje de marcas </a:t>
+            </a:r>
+            <a:r>
+              <a:rPr lang="es-CO" b="0" i="0" dirty="0" err="1">
+                <a:solidFill>
+                  <a:srgbClr val="24292F"/>
+                </a:solidFill>
+                <a:effectLst/>
+                <a:latin typeface="-apple-system"/>
+              </a:rPr>
+              <a:t>Markdown</a:t>
+            </a:r>
+            <a:r>
+              <a:rPr lang="es-CO" b="0" i="0" dirty="0">
+                <a:solidFill>
+                  <a:srgbClr val="24292F"/>
+                </a:solidFill>
+                <a:effectLst/>
+                <a:latin typeface="-apple-system"/>
+              </a:rPr>
+              <a:t>.</a:t>
+            </a:r>
+          </a:p>
+          <a:p>
+            <a:pPr algn="l"/>
+            <a:endParaRPr lang="es-CO" sz="1200" b="0" i="0" dirty="0">
+              <a:solidFill>
+                <a:srgbClr val="24292F"/>
+              </a:solidFill>
+              <a:effectLst/>
+              <a:latin typeface="-apple-system"/>
+              <a:cs typeface="Segoe UI Light" panose="020B0502040204020203" pitchFamily="34" charset="0"/>
+            </a:endParaRPr>
+          </a:p>
+          <a:p>
+            <a:pPr algn="l"/>
+            <a:r>
+              <a:rPr lang="es-CO" b="0" i="0" dirty="0" err="1">
+                <a:solidFill>
+                  <a:srgbClr val="24292F"/>
+                </a:solidFill>
+                <a:effectLst/>
+                <a:latin typeface="-apple-system"/>
+              </a:rPr>
+              <a:t>Markdown</a:t>
+            </a:r>
+            <a:r>
+              <a:rPr lang="es-CO" b="0" i="0" dirty="0">
+                <a:solidFill>
+                  <a:srgbClr val="24292F"/>
+                </a:solidFill>
+                <a:effectLst/>
+                <a:latin typeface="-apple-system"/>
+              </a:rPr>
+              <a:t> es un lenguaje de marcas que facilita la aplicación de formato a un texto empleando una serie de caracteres de una forma especial. En principio, fue pensado para elaborar textos cuyo destino iba a ser la web con más rapidez y sencillez que si estuviésemos usando directamente HTML, y si bien ese suele ser el mejor uso que podemos darle, también podemos emplearlo para cualquier tipo de texto, independientemente de cuál vaya a ser su destino. Como explica </a:t>
+            </a:r>
+            <a:r>
+              <a:rPr lang="es-CO" b="0" i="1" u="none" strike="noStrike" dirty="0">
+                <a:effectLst/>
+                <a:latin typeface="-apple-system"/>
+                <a:hlinkClick r:id="rId3"/>
+              </a:rPr>
+              <a:t>John </a:t>
+            </a:r>
+            <a:r>
+              <a:rPr lang="es-CO" b="0" i="1" u="none" strike="noStrike" dirty="0" err="1">
+                <a:effectLst/>
+                <a:latin typeface="-apple-system"/>
+                <a:hlinkClick r:id="rId3"/>
+              </a:rPr>
+              <a:t>Gruber</a:t>
+            </a:r>
+            <a:r>
+              <a:rPr lang="es-CO" b="0" i="0" dirty="0">
+                <a:solidFill>
+                  <a:srgbClr val="24292F"/>
+                </a:solidFill>
+                <a:effectLst/>
+                <a:latin typeface="-apple-system"/>
+              </a:rPr>
+              <a:t>, uno de sus creadores, </a:t>
+            </a:r>
+            <a:r>
+              <a:rPr lang="es-CO" b="0" i="0" dirty="0" err="1">
+                <a:solidFill>
+                  <a:srgbClr val="24292F"/>
+                </a:solidFill>
+                <a:effectLst/>
+                <a:latin typeface="-apple-system"/>
+              </a:rPr>
+              <a:t>Markdown</a:t>
+            </a:r>
+            <a:r>
+              <a:rPr lang="es-CO" b="0" i="0" dirty="0">
+                <a:solidFill>
+                  <a:srgbClr val="24292F"/>
+                </a:solidFill>
+                <a:effectLst/>
+                <a:latin typeface="-apple-system"/>
+              </a:rPr>
+              <a:t> es realmente dos cosas: por un lado, el lenguaje; por otro, una herramienta de software que convierte documentos .</a:t>
+            </a:r>
+            <a:r>
+              <a:rPr lang="es-CO" b="0" i="0" dirty="0" err="1">
+                <a:solidFill>
+                  <a:srgbClr val="24292F"/>
+                </a:solidFill>
+                <a:effectLst/>
+                <a:latin typeface="-apple-system"/>
+              </a:rPr>
+              <a:t>md</a:t>
+            </a:r>
+            <a:r>
+              <a:rPr lang="es-CO" b="0" i="0" dirty="0">
+                <a:solidFill>
+                  <a:srgbClr val="24292F"/>
+                </a:solidFill>
+                <a:effectLst/>
+                <a:latin typeface="-apple-system"/>
+              </a:rPr>
+              <a:t> en lenguaje HTML válido.</a:t>
+            </a:r>
+            <a:endParaRPr lang="es-CO" sz="1200" b="0" i="0" dirty="0">
+              <a:solidFill>
+                <a:srgbClr val="24292F"/>
+              </a:solidFill>
+              <a:effectLst/>
+              <a:latin typeface="-apple-system"/>
+              <a:cs typeface="Segoe UI Light" panose="020B0502040204020203" pitchFamily="34" charset="0"/>
+            </a:endParaRPr>
+          </a:p>
+          <a:p>
+            <a:pPr algn="l"/>
+            <a:endParaRPr lang="es-CO" sz="1200" b="0" i="0" dirty="0">
+              <a:solidFill>
+                <a:srgbClr val="24292F"/>
+              </a:solidFill>
+              <a:effectLst/>
+              <a:latin typeface="-apple-system"/>
+              <a:cs typeface="Segoe UI Light" panose="020B0502040204020203" pitchFamily="34" charset="0"/>
+            </a:endParaRPr>
+          </a:p>
+          <a:p>
+            <a:pPr algn="l"/>
+            <a:r>
+              <a:rPr lang="es-CO" sz="1200" b="0" i="0" dirty="0">
+                <a:solidFill>
+                  <a:srgbClr val="24292F"/>
+                </a:solidFill>
+                <a:effectLst/>
+                <a:latin typeface="-apple-system"/>
+                <a:cs typeface="Segoe UI Light" panose="020B0502040204020203" pitchFamily="34" charset="0"/>
+              </a:rPr>
+              <a:t>Tomado o adaptado de: </a:t>
+            </a:r>
+            <a:r>
+              <a:rPr lang="es-CO" b="0" i="0" u="sng" dirty="0">
+                <a:effectLst/>
+                <a:latin typeface="-apple-system"/>
+                <a:hlinkClick r:id="rId4"/>
+              </a:rPr>
+              <a:t>https://www.genbeta.com/guia-de-inicio/que-es-markdown-para-que-sirve-y-como-usarlo</a:t>
+            </a:r>
+            <a:endParaRPr lang="es-CO" sz="1200" b="0" i="0" dirty="0">
+              <a:solidFill>
+                <a:srgbClr val="24292F"/>
+              </a:solidFill>
+              <a:effectLst/>
+              <a:latin typeface="-apple-system"/>
+              <a:cs typeface="Segoe UI Light" panose="020B0502040204020203" pitchFamily="34" charset="0"/>
+            </a:endParaRPr>
+          </a:p>
+        </p:txBody>
+      </p:sp>
+      <p:sp>
+        <p:nvSpPr>
+          <p:cNvPr id="4" name="Slide Number Placeholder 3"/>
+          <p:cNvSpPr>
+            <a:spLocks noGrp="1"/>
+          </p:cNvSpPr>
+          <p:nvPr>
+            <p:ph type="sldNum" sz="quarter" idx="5"/>
+          </p:nvPr>
+        </p:nvSpPr>
+        <p:spPr/>
+        <p:txBody>
+          <a:bodyPr/>
+          <a:lstStyle/>
+          <a:p>
+            <a:pPr rtl="0"/>
+            <a:fld id="{810E1E9A-E921-4174-A0FC-51868D7AC568}" type="slidenum">
+              <a:rPr lang="es-ES" noProof="0" smtClean="0"/>
+              <a:t>22</a:t>
+            </a:fld>
+            <a:endParaRPr lang="es-ES" noProof="0" dirty="0"/>
+          </a:p>
+        </p:txBody>
+      </p:sp>
+    </p:spTree>
+    <p:extLst>
+      <p:ext uri="{BB962C8B-B14F-4D97-AF65-F5344CB8AC3E}">
+        <p14:creationId xmlns:p14="http://schemas.microsoft.com/office/powerpoint/2010/main" val="1453507862"/>
+      </p:ext>
+    </p:extLst>
+  </p:cSld>
+  <p:clrMapOvr>
+    <a:masterClrMapping/>
+  </p:clrMapOvr>
+</p:notes>
+</file>
+
+<file path=ppt/notesSlides/notesSlide21.xml><?xml version="1.0" encoding="utf-8"?>
+<p:notes xmlns:a="http://schemas.openxmlformats.org/drawingml/2006/main" xmlns:r="http://schemas.openxmlformats.org/officeDocument/2006/relationships" xmlns:p="http://schemas.openxmlformats.org/presentationml/2006/main">
+  <p:cSld>
+    <p:spTree>
+      <p:nvGrpSpPr>
+        <p:cNvPr id="1" name=""/>
+        <p:cNvGrpSpPr/>
+        <p:nvPr/>
+      </p:nvGrpSpPr>
+      <p:grpSpPr>
+        <a:xfrm>
+          <a:off x="0" y="0"/>
+          <a:ext cx="0" cy="0"/>
+          <a:chOff x="0" y="0"/>
+          <a:chExt cx="0" cy="0"/>
+        </a:xfrm>
+      </p:grpSpPr>
+      <p:sp>
+        <p:nvSpPr>
+          <p:cNvPr id="2" name="Slide Image Placeholder 1"/>
+          <p:cNvSpPr>
+            <a:spLocks noGrp="1" noRot="1" noChangeAspect="1"/>
+          </p:cNvSpPr>
+          <p:nvPr>
+            <p:ph type="sldImg"/>
+          </p:nvPr>
+        </p:nvSpPr>
+        <p:spPr/>
+      </p:sp>
+      <p:sp>
+        <p:nvSpPr>
+          <p:cNvPr id="3" name="Notes Placeholder 2"/>
+          <p:cNvSpPr>
+            <a:spLocks noGrp="1"/>
+          </p:cNvSpPr>
+          <p:nvPr>
+            <p:ph type="body" idx="1"/>
+          </p:nvPr>
+        </p:nvSpPr>
+        <p:spPr/>
+        <p:txBody>
+          <a:bodyPr/>
+          <a:lstStyle/>
+          <a:p>
+            <a:pPr algn="l"/>
+            <a:endParaRPr lang="es-CO" sz="1200" b="0" i="0" dirty="0">
+              <a:solidFill>
+                <a:srgbClr val="24292F"/>
+              </a:solidFill>
+              <a:effectLst/>
+              <a:latin typeface="-apple-system"/>
+              <a:cs typeface="Segoe UI Light" panose="020B0502040204020203" pitchFamily="34" charset="0"/>
+            </a:endParaRPr>
+          </a:p>
+        </p:txBody>
+      </p:sp>
+      <p:sp>
+        <p:nvSpPr>
+          <p:cNvPr id="4" name="Slide Number Placeholder 3"/>
+          <p:cNvSpPr>
+            <a:spLocks noGrp="1"/>
+          </p:cNvSpPr>
+          <p:nvPr>
+            <p:ph type="sldNum" sz="quarter" idx="5"/>
+          </p:nvPr>
+        </p:nvSpPr>
+        <p:spPr/>
+        <p:txBody>
+          <a:bodyPr/>
+          <a:lstStyle/>
+          <a:p>
+            <a:pPr rtl="0"/>
+            <a:fld id="{810E1E9A-E921-4174-A0FC-51868D7AC568}" type="slidenum">
+              <a:rPr lang="es-ES" noProof="0" smtClean="0"/>
+              <a:t>23</a:t>
+            </a:fld>
+            <a:endParaRPr lang="es-ES" noProof="0" dirty="0"/>
+          </a:p>
+        </p:txBody>
+      </p:sp>
+    </p:spTree>
+    <p:extLst>
+      <p:ext uri="{BB962C8B-B14F-4D97-AF65-F5344CB8AC3E}">
+        <p14:creationId xmlns:p14="http://schemas.microsoft.com/office/powerpoint/2010/main" val="478258954"/>
+      </p:ext>
+    </p:extLst>
+  </p:cSld>
+  <p:clrMapOvr>
+    <a:masterClrMapping/>
+  </p:clrMapOvr>
+</p:notes>
+</file>
+
+<file path=ppt/notesSlides/notesSlide22.xml><?xml version="1.0" encoding="utf-8"?>
+<p:notes xmlns:a="http://schemas.openxmlformats.org/drawingml/2006/main" xmlns:r="http://schemas.openxmlformats.org/officeDocument/2006/relationships" xmlns:p="http://schemas.openxmlformats.org/presentationml/2006/main">
+  <p:cSld>
+    <p:spTree>
+      <p:nvGrpSpPr>
+        <p:cNvPr id="1" name=""/>
+        <p:cNvGrpSpPr/>
+        <p:nvPr/>
+      </p:nvGrpSpPr>
+      <p:grpSpPr>
+        <a:xfrm>
+          <a:off x="0" y="0"/>
+          <a:ext cx="0" cy="0"/>
+          <a:chOff x="0" y="0"/>
+          <a:chExt cx="0" cy="0"/>
+        </a:xfrm>
+      </p:grpSpPr>
+      <p:sp>
+        <p:nvSpPr>
+          <p:cNvPr id="2" name="Slide Image Placeholder 1"/>
+          <p:cNvSpPr>
+            <a:spLocks noGrp="1" noRot="1" noChangeAspect="1"/>
+          </p:cNvSpPr>
+          <p:nvPr>
+            <p:ph type="sldImg"/>
+          </p:nvPr>
+        </p:nvSpPr>
+        <p:spPr/>
+      </p:sp>
+      <p:sp>
+        <p:nvSpPr>
+          <p:cNvPr id="3" name="Notes Placeholder 2"/>
+          <p:cNvSpPr>
+            <a:spLocks noGrp="1"/>
+          </p:cNvSpPr>
+          <p:nvPr>
+            <p:ph type="body" idx="1"/>
+          </p:nvPr>
+        </p:nvSpPr>
+        <p:spPr/>
+        <p:txBody>
+          <a:bodyPr/>
+          <a:lstStyle/>
+          <a:p>
+            <a:endParaRPr lang="es-CO" sz="1200" b="0" i="0" dirty="0">
+              <a:solidFill>
+                <a:srgbClr val="24292F"/>
+              </a:solidFill>
+              <a:effectLst/>
+              <a:latin typeface="-apple-system"/>
+              <a:cs typeface="Segoe UI Light" panose="020B0502040204020203" pitchFamily="34" charset="0"/>
+            </a:endParaRPr>
+          </a:p>
+        </p:txBody>
+      </p:sp>
+      <p:sp>
+        <p:nvSpPr>
+          <p:cNvPr id="4" name="Slide Number Placeholder 3"/>
+          <p:cNvSpPr>
+            <a:spLocks noGrp="1"/>
+          </p:cNvSpPr>
+          <p:nvPr>
+            <p:ph type="sldNum" sz="quarter" idx="5"/>
+          </p:nvPr>
+        </p:nvSpPr>
+        <p:spPr/>
+        <p:txBody>
+          <a:bodyPr/>
+          <a:lstStyle/>
+          <a:p>
+            <a:pPr rtl="0"/>
+            <a:fld id="{810E1E9A-E921-4174-A0FC-51868D7AC568}" type="slidenum">
+              <a:rPr lang="es-ES" noProof="0" smtClean="0"/>
+              <a:t>24</a:t>
+            </a:fld>
+            <a:endParaRPr lang="es-ES" noProof="0" dirty="0"/>
+          </a:p>
+        </p:txBody>
+      </p:sp>
+    </p:spTree>
+    <p:extLst>
+      <p:ext uri="{BB962C8B-B14F-4D97-AF65-F5344CB8AC3E}">
+        <p14:creationId xmlns:p14="http://schemas.microsoft.com/office/powerpoint/2010/main" val="4216047383"/>
       </p:ext>
     </p:extLst>
   </p:cSld>
@@ -7645,6 +8908,111 @@
           </a:prstGeom>
         </p:spPr>
       </p:pic>
+      <p:sp>
+        <p:nvSpPr>
+          <p:cNvPr id="2" name="TextBox 1">
+            <a:extLst>
+              <a:ext uri="{FF2B5EF4-FFF2-40B4-BE49-F238E27FC236}">
+                <a16:creationId xmlns:a16="http://schemas.microsoft.com/office/drawing/2014/main" id="{8965DC34-64E5-5129-DC3C-AFD7B41EA0A1}"/>
+              </a:ext>
+            </a:extLst>
+          </p:cNvPr>
+          <p:cNvSpPr txBox="1"/>
+          <p:nvPr/>
+        </p:nvSpPr>
+        <p:spPr>
+          <a:xfrm>
+            <a:off x="6096000" y="6550223"/>
+            <a:ext cx="6096000" cy="307777"/>
+          </a:xfrm>
+          <a:prstGeom prst="rect">
+            <a:avLst/>
+          </a:prstGeom>
+          <a:noFill/>
+        </p:spPr>
+        <p:txBody>
+          <a:bodyPr wrap="square" rtlCol="0">
+            <a:spAutoFit/>
+          </a:bodyPr>
+          <a:lstStyle/>
+          <a:p>
+            <a:pPr algn="r"/>
+            <a:r>
+              <a:rPr lang="en-US" sz="1400" dirty="0">
+                <a:solidFill>
+                  <a:schemeClr val="bg1">
+                    <a:lumMod val="25000"/>
+                  </a:schemeClr>
+                </a:solidFill>
+                <a:latin typeface="+mj-lt"/>
+              </a:rPr>
+              <a:t>v</a:t>
+            </a:r>
+            <a:r>
+              <a:rPr lang="es-CO" sz="1400" dirty="0">
+                <a:solidFill>
+                  <a:schemeClr val="bg1">
+                    <a:lumMod val="25000"/>
+                  </a:schemeClr>
+                </a:solidFill>
+                <a:latin typeface="+mj-lt"/>
+              </a:rPr>
+              <a:t>.20220922</a:t>
+            </a:r>
+          </a:p>
+        </p:txBody>
+      </p:sp>
+      <p:sp>
+        <p:nvSpPr>
+          <p:cNvPr id="3" name="TextBox 2">
+            <a:extLst>
+              <a:ext uri="{FF2B5EF4-FFF2-40B4-BE49-F238E27FC236}">
+                <a16:creationId xmlns:a16="http://schemas.microsoft.com/office/drawing/2014/main" id="{8062869A-C891-4710-0EA5-16D8B88B2458}"/>
+              </a:ext>
+            </a:extLst>
+          </p:cNvPr>
+          <p:cNvSpPr txBox="1"/>
+          <p:nvPr/>
+        </p:nvSpPr>
+        <p:spPr>
+          <a:xfrm>
+            <a:off x="0" y="6550223"/>
+            <a:ext cx="6096000" cy="307777"/>
+          </a:xfrm>
+          <a:prstGeom prst="rect">
+            <a:avLst/>
+          </a:prstGeom>
+          <a:noFill/>
+        </p:spPr>
+        <p:txBody>
+          <a:bodyPr wrap="square" rtlCol="0">
+            <a:spAutoFit/>
+          </a:bodyPr>
+          <a:lstStyle/>
+          <a:p>
+            <a:r>
+              <a:rPr lang="en-US" sz="1400" dirty="0">
+                <a:solidFill>
+                  <a:schemeClr val="bg1">
+                    <a:lumMod val="25000"/>
+                  </a:schemeClr>
+                </a:solidFill>
+                <a:latin typeface="+mj-lt"/>
+                <a:hlinkClick r:id="rId3"/>
+              </a:rPr>
+              <a:t>https://github.com/rcfdtools/R.TeachingResearchGuide</a:t>
+            </a:r>
+            <a:endParaRPr lang="es-CO" sz="1400" dirty="0">
+              <a:solidFill>
+                <a:schemeClr val="bg1">
+                  <a:lumMod val="25000"/>
+                </a:schemeClr>
+              </a:solidFill>
+              <a:latin typeface="+mj-lt"/>
+            </a:endParaRPr>
+          </a:p>
+        </p:txBody>
+      </p:sp>
     </p:spTree>
     <p:extLst>
       <p:ext uri="{BB962C8B-B14F-4D97-AF65-F5344CB8AC3E}">
@@ -8820,7 +10188,19 @@
           <p:nvPr/>
         </p:nvPicPr>
         <p:blipFill>
-          <a:blip r:embed="rId3"/>
+          <a:blip r:embed="rId3">
+            <a:extLst>
+              <a:ext uri="{BEBA8EAE-BF5A-486C-A8C5-ECC9F3942E4B}">
+                <a14:imgProps xmlns:a14="http://schemas.microsoft.com/office/drawing/2010/main">
+                  <a14:imgLayer r:embed="rId4">
+                    <a14:imgEffect>
+                      <a14:saturation sat="0"/>
+                    </a14:imgEffect>
+                  </a14:imgLayer>
+                </a14:imgProps>
+              </a:ext>
+            </a:extLst>
+          </a:blip>
           <a:stretch>
             <a:fillRect/>
           </a:stretch>
@@ -8918,7 +10298,7 @@
                 <a:ea typeface="Segoe UI Black" panose="020B0A02040204020203" pitchFamily="34" charset="0"/>
                 <a:cs typeface="Segoe UI" panose="020B0502040204020203" pitchFamily="34" charset="0"/>
               </a:rPr>
-              <a:t>debo usar</a:t>
+              <a:t>usar</a:t>
             </a:r>
             <a:r>
               <a:rPr lang="es-CO" sz="3600" b="1" dirty="0">
@@ -8961,7 +10341,7 @@
           <p:nvPr>
             <p:extLst>
               <p:ext uri="{D42A27DB-BD31-4B8C-83A1-F6EECF244321}">
-                <p14:modId xmlns:p14="http://schemas.microsoft.com/office/powerpoint/2010/main" val="986465994"/>
+                <p14:modId xmlns:p14="http://schemas.microsoft.com/office/powerpoint/2010/main" val="4101013780"/>
               </p:ext>
             </p:extLst>
           </p:nvPr>
@@ -9279,7 +10659,7 @@
                           <a:latin typeface="Segoe UI" panose="020B0502040204020203" pitchFamily="34" charset="0"/>
                           <a:cs typeface="Segoe UI" panose="020B0502040204020203" pitchFamily="34" charset="0"/>
                         </a:rPr>
-                        <a:t>Login</a:t>
+                        <a:t>login</a:t>
                       </a:r>
                       <a:r>
                         <a:rPr lang="es-CO" sz="2000" b="0" u="none" strike="noStrike" dirty="0">
@@ -10710,6 +12090,1473 @@
 </p:sld>
 </file>
 
+<file path=ppt/slides/slide15.xml><?xml version="1.0" encoding="utf-8"?>
+<p:sld xmlns:a="http://schemas.openxmlformats.org/drawingml/2006/main" xmlns:r="http://schemas.openxmlformats.org/officeDocument/2006/relationships" xmlns:p="http://schemas.openxmlformats.org/presentationml/2006/main">
+  <p:cSld>
+    <p:bg>
+      <p:bgPr>
+        <a:solidFill>
+          <a:schemeClr val="bg1">
+            <a:lumMod val="90000"/>
+          </a:schemeClr>
+        </a:solidFill>
+        <a:effectLst/>
+      </p:bgPr>
+    </p:bg>
+    <p:spTree>
+      <p:nvGrpSpPr>
+        <p:cNvPr id="1" name=""/>
+        <p:cNvGrpSpPr/>
+        <p:nvPr/>
+      </p:nvGrpSpPr>
+      <p:grpSpPr>
+        <a:xfrm>
+          <a:off x="0" y="0"/>
+          <a:ext cx="0" cy="0"/>
+          <a:chOff x="0" y="0"/>
+          <a:chExt cx="0" cy="0"/>
+        </a:xfrm>
+      </p:grpSpPr>
+      <p:sp>
+        <p:nvSpPr>
+          <p:cNvPr id="15" name="Title 1">
+            <a:extLst>
+              <a:ext uri="{FF2B5EF4-FFF2-40B4-BE49-F238E27FC236}">
+                <a16:creationId xmlns:a16="http://schemas.microsoft.com/office/drawing/2014/main" id="{D8113FAF-0AA7-0EDA-4B5D-4E57EA2995CE}"/>
+              </a:ext>
+            </a:extLst>
+          </p:cNvPr>
+          <p:cNvSpPr>
+            <a:spLocks noGrp="1"/>
+          </p:cNvSpPr>
+          <p:nvPr>
+            <p:ph type="title"/>
+          </p:nvPr>
+        </p:nvSpPr>
+        <p:spPr>
+          <a:xfrm>
+            <a:off x="1" y="3738188"/>
+            <a:ext cx="12191999" cy="930208"/>
+          </a:xfrm>
+        </p:spPr>
+        <p:txBody>
+          <a:bodyPr anchor="ctr" anchorCtr="0">
+            <a:normAutofit/>
+          </a:bodyPr>
+          <a:lstStyle/>
+          <a:p>
+            <a:pPr algn="ctr"/>
+            <a:r>
+              <a:rPr lang="es-CO" sz="3600" dirty="0">
+                <a:solidFill>
+                  <a:schemeClr val="bg1">
+                    <a:lumMod val="25000"/>
+                  </a:schemeClr>
+                </a:solidFill>
+                <a:latin typeface="Segoe UI" panose="020B0502040204020203" pitchFamily="34" charset="0"/>
+                <a:ea typeface="Segoe UI Black" panose="020B0A02040204020203" pitchFamily="34" charset="0"/>
+                <a:cs typeface="Segoe UI" panose="020B0502040204020203" pitchFamily="34" charset="0"/>
+              </a:rPr>
+              <a:t>Fundamentos de </a:t>
+            </a:r>
+            <a:r>
+              <a:rPr lang="es-CO" sz="3600" b="1" dirty="0">
+                <a:solidFill>
+                  <a:schemeClr val="bg1">
+                    <a:lumMod val="25000"/>
+                  </a:schemeClr>
+                </a:solidFill>
+                <a:latin typeface="Segoe UI" panose="020B0502040204020203" pitchFamily="34" charset="0"/>
+                <a:ea typeface="Segoe UI Black" panose="020B0A02040204020203" pitchFamily="34" charset="0"/>
+                <a:cs typeface="Segoe UI" panose="020B0502040204020203" pitchFamily="34" charset="0"/>
+              </a:rPr>
+              <a:t>Git</a:t>
+            </a:r>
+            <a:endParaRPr lang="es-CO" sz="3600" dirty="0">
+              <a:solidFill>
+                <a:schemeClr val="bg1">
+                  <a:lumMod val="25000"/>
+                </a:schemeClr>
+              </a:solidFill>
+              <a:latin typeface="Segoe UI" panose="020B0502040204020203" pitchFamily="34" charset="0"/>
+              <a:ea typeface="Segoe UI Black" panose="020B0A02040204020203" pitchFamily="34" charset="0"/>
+              <a:cs typeface="Segoe UI" panose="020B0502040204020203" pitchFamily="34" charset="0"/>
+            </a:endParaRPr>
+          </a:p>
+        </p:txBody>
+      </p:sp>
+      <p:sp>
+        <p:nvSpPr>
+          <p:cNvPr id="2" name="TextBox 1">
+            <a:extLst>
+              <a:ext uri="{FF2B5EF4-FFF2-40B4-BE49-F238E27FC236}">
+                <a16:creationId xmlns:a16="http://schemas.microsoft.com/office/drawing/2014/main" id="{5B323161-4A44-48EB-011B-1D0368B6ABAF}"/>
+              </a:ext>
+            </a:extLst>
+          </p:cNvPr>
+          <p:cNvSpPr txBox="1"/>
+          <p:nvPr/>
+        </p:nvSpPr>
+        <p:spPr>
+          <a:xfrm>
+            <a:off x="0" y="6550223"/>
+            <a:ext cx="12192000" cy="307777"/>
+          </a:xfrm>
+          <a:prstGeom prst="rect">
+            <a:avLst/>
+          </a:prstGeom>
+          <a:noFill/>
+        </p:spPr>
+        <p:txBody>
+          <a:bodyPr wrap="square" rtlCol="0">
+            <a:spAutoFit/>
+          </a:bodyPr>
+          <a:lstStyle/>
+          <a:p>
+            <a:pPr algn="ctr"/>
+            <a:r>
+              <a:rPr lang="en-US" sz="1400" dirty="0">
+                <a:solidFill>
+                  <a:schemeClr val="bg1">
+                    <a:lumMod val="25000"/>
+                  </a:schemeClr>
+                </a:solidFill>
+                <a:latin typeface="+mj-lt"/>
+                <a:hlinkClick r:id="rId3"/>
+              </a:rPr>
+              <a:t>https://github.com/rcfdtools/R.TeachingResearchGuide/tree/main/Section01/GitFundamentals</a:t>
+            </a:r>
+            <a:r>
+              <a:rPr lang="en-US" sz="1400" dirty="0">
+                <a:solidFill>
+                  <a:schemeClr val="bg1">
+                    <a:lumMod val="25000"/>
+                  </a:schemeClr>
+                </a:solidFill>
+                <a:latin typeface="+mj-lt"/>
+              </a:rPr>
+              <a:t> </a:t>
+            </a:r>
+            <a:endParaRPr lang="en-US" sz="1400" b="0" strike="noStrike" dirty="0">
+              <a:solidFill>
+                <a:schemeClr val="bg1">
+                  <a:lumMod val="25000"/>
+                </a:schemeClr>
+              </a:solidFill>
+              <a:effectLst/>
+              <a:latin typeface="+mj-lt"/>
+            </a:endParaRPr>
+          </a:p>
+        </p:txBody>
+      </p:sp>
+      <p:pic>
+        <p:nvPicPr>
+          <p:cNvPr id="4" name="Graphic 3">
+            <a:extLst>
+              <a:ext uri="{FF2B5EF4-FFF2-40B4-BE49-F238E27FC236}">
+                <a16:creationId xmlns:a16="http://schemas.microsoft.com/office/drawing/2014/main" id="{BCCD86F0-9AE6-7CFF-BF24-D2FEA03C1EC1}"/>
+              </a:ext>
+            </a:extLst>
+          </p:cNvPr>
+          <p:cNvPicPr>
+            <a:picLocks noChangeAspect="1"/>
+          </p:cNvPicPr>
+          <p:nvPr/>
+        </p:nvPicPr>
+        <p:blipFill>
+          <a:blip r:embed="rId4">
+            <a:extLst>
+              <a:ext uri="{96DAC541-7B7A-43D3-8B79-37D633B846F1}">
+                <asvg:svgBlip xmlns:asvg="http://schemas.microsoft.com/office/drawing/2016/SVG/main" r:embed="rId5"/>
+              </a:ext>
+            </a:extLst>
+          </a:blip>
+          <a:stretch>
+            <a:fillRect/>
+          </a:stretch>
+        </p:blipFill>
+        <p:spPr>
+          <a:xfrm>
+            <a:off x="4972187" y="1490563"/>
+            <a:ext cx="2247625" cy="2247625"/>
+          </a:xfrm>
+          <a:prstGeom prst="rect">
+            <a:avLst/>
+          </a:prstGeom>
+        </p:spPr>
+      </p:pic>
+    </p:spTree>
+    <p:extLst>
+      <p:ext uri="{BB962C8B-B14F-4D97-AF65-F5344CB8AC3E}">
+        <p14:creationId xmlns:p14="http://schemas.microsoft.com/office/powerpoint/2010/main" val="47865482"/>
+      </p:ext>
+    </p:extLst>
+  </p:cSld>
+  <p:clrMapOvr>
+    <a:masterClrMapping/>
+  </p:clrMapOvr>
+</p:sld>
+</file>
+
+<file path=ppt/slides/slide16.xml><?xml version="1.0" encoding="utf-8"?>
+<p:sld xmlns:a="http://schemas.openxmlformats.org/drawingml/2006/main" xmlns:r="http://schemas.openxmlformats.org/officeDocument/2006/relationships" xmlns:p="http://schemas.openxmlformats.org/presentationml/2006/main">
+  <p:cSld>
+    <p:spTree>
+      <p:nvGrpSpPr>
+        <p:cNvPr id="1" name=""/>
+        <p:cNvGrpSpPr/>
+        <p:nvPr/>
+      </p:nvGrpSpPr>
+      <p:grpSpPr>
+        <a:xfrm>
+          <a:off x="0" y="0"/>
+          <a:ext cx="0" cy="0"/>
+          <a:chOff x="0" y="0"/>
+          <a:chExt cx="0" cy="0"/>
+        </a:xfrm>
+      </p:grpSpPr>
+      <p:sp>
+        <p:nvSpPr>
+          <p:cNvPr id="15" name="Title 1">
+            <a:extLst>
+              <a:ext uri="{FF2B5EF4-FFF2-40B4-BE49-F238E27FC236}">
+                <a16:creationId xmlns:a16="http://schemas.microsoft.com/office/drawing/2014/main" id="{D8113FAF-0AA7-0EDA-4B5D-4E57EA2995CE}"/>
+              </a:ext>
+            </a:extLst>
+          </p:cNvPr>
+          <p:cNvSpPr>
+            <a:spLocks noGrp="1"/>
+          </p:cNvSpPr>
+          <p:nvPr>
+            <p:ph type="title"/>
+          </p:nvPr>
+        </p:nvSpPr>
+        <p:spPr>
+          <a:xfrm>
+            <a:off x="1" y="662727"/>
+            <a:ext cx="12191999" cy="912073"/>
+          </a:xfrm>
+        </p:spPr>
+        <p:txBody>
+          <a:bodyPr anchor="ctr" anchorCtr="0">
+            <a:normAutofit/>
+          </a:bodyPr>
+          <a:lstStyle/>
+          <a:p>
+            <a:pPr algn="ctr"/>
+            <a:r>
+              <a:rPr lang="es-CO" sz="3600" b="1" dirty="0">
+                <a:solidFill>
+                  <a:schemeClr val="bg1">
+                    <a:lumMod val="25000"/>
+                  </a:schemeClr>
+                </a:solidFill>
+                <a:latin typeface="Segoe UI" panose="020B0502040204020203" pitchFamily="34" charset="0"/>
+                <a:ea typeface="Segoe UI Black" panose="020B0A02040204020203" pitchFamily="34" charset="0"/>
+                <a:cs typeface="Segoe UI" panose="020B0502040204020203" pitchFamily="34" charset="0"/>
+              </a:rPr>
+              <a:t>¿</a:t>
+            </a:r>
+            <a:r>
+              <a:rPr lang="es-CO" sz="3600" dirty="0">
+                <a:solidFill>
+                  <a:schemeClr val="bg1">
+                    <a:lumMod val="25000"/>
+                  </a:schemeClr>
+                </a:solidFill>
+                <a:latin typeface="Segoe UI" panose="020B0502040204020203" pitchFamily="34" charset="0"/>
+                <a:ea typeface="Segoe UI Black" panose="020B0A02040204020203" pitchFamily="34" charset="0"/>
+                <a:cs typeface="Segoe UI" panose="020B0502040204020203" pitchFamily="34" charset="0"/>
+              </a:rPr>
+              <a:t>Qué es </a:t>
+            </a:r>
+            <a:r>
+              <a:rPr lang="es-CO" sz="3600" b="1" dirty="0">
+                <a:solidFill>
+                  <a:schemeClr val="bg1">
+                    <a:lumMod val="25000"/>
+                  </a:schemeClr>
+                </a:solidFill>
+                <a:latin typeface="Segoe UI" panose="020B0502040204020203" pitchFamily="34" charset="0"/>
+                <a:ea typeface="Segoe UI Black" panose="020B0A02040204020203" pitchFamily="34" charset="0"/>
+                <a:cs typeface="Segoe UI" panose="020B0502040204020203" pitchFamily="34" charset="0"/>
+              </a:rPr>
+              <a:t>Git?</a:t>
+            </a:r>
+            <a:endParaRPr lang="es-CO" sz="3600" dirty="0">
+              <a:solidFill>
+                <a:schemeClr val="bg1">
+                  <a:lumMod val="25000"/>
+                </a:schemeClr>
+              </a:solidFill>
+              <a:latin typeface="Segoe UI" panose="020B0502040204020203" pitchFamily="34" charset="0"/>
+              <a:ea typeface="Segoe UI Black" panose="020B0A02040204020203" pitchFamily="34" charset="0"/>
+              <a:cs typeface="Segoe UI" panose="020B0502040204020203" pitchFamily="34" charset="0"/>
+            </a:endParaRPr>
+          </a:p>
+        </p:txBody>
+      </p:sp>
+      <p:pic>
+        <p:nvPicPr>
+          <p:cNvPr id="2" name="Graphic 1">
+            <a:extLst>
+              <a:ext uri="{FF2B5EF4-FFF2-40B4-BE49-F238E27FC236}">
+                <a16:creationId xmlns:a16="http://schemas.microsoft.com/office/drawing/2014/main" id="{BF3A3315-99C8-AD1F-098F-805379DD645D}"/>
+              </a:ext>
+            </a:extLst>
+          </p:cNvPr>
+          <p:cNvPicPr>
+            <a:picLocks noChangeAspect="1"/>
+          </p:cNvPicPr>
+          <p:nvPr/>
+        </p:nvPicPr>
+        <p:blipFill>
+          <a:blip r:embed="rId3">
+            <a:extLst>
+              <a:ext uri="{96DAC541-7B7A-43D3-8B79-37D633B846F1}">
+                <asvg:svgBlip xmlns:asvg="http://schemas.microsoft.com/office/drawing/2016/SVG/main" r:embed="rId4"/>
+              </a:ext>
+            </a:extLst>
+          </a:blip>
+          <a:stretch>
+            <a:fillRect/>
+          </a:stretch>
+        </p:blipFill>
+        <p:spPr>
+          <a:xfrm>
+            <a:off x="3464662" y="662727"/>
+            <a:ext cx="1080000" cy="1080000"/>
+          </a:xfrm>
+          <a:prstGeom prst="rect">
+            <a:avLst/>
+          </a:prstGeom>
+        </p:spPr>
+      </p:pic>
+      <p:sp>
+        <p:nvSpPr>
+          <p:cNvPr id="3" name="Title 1">
+            <a:extLst>
+              <a:ext uri="{FF2B5EF4-FFF2-40B4-BE49-F238E27FC236}">
+                <a16:creationId xmlns:a16="http://schemas.microsoft.com/office/drawing/2014/main" id="{5293DDAA-B5E7-2D95-74A3-91A199E94E6C}"/>
+              </a:ext>
+            </a:extLst>
+          </p:cNvPr>
+          <p:cNvSpPr txBox="1">
+            <a:spLocks/>
+          </p:cNvSpPr>
+          <p:nvPr/>
+        </p:nvSpPr>
+        <p:spPr>
+          <a:xfrm>
+            <a:off x="1240639" y="2410318"/>
+            <a:ext cx="9710721" cy="3472314"/>
+          </a:xfrm>
+          <a:prstGeom prst="rect">
+            <a:avLst/>
+          </a:prstGeom>
+        </p:spPr>
+        <p:txBody>
+          <a:bodyPr vert="horz" lIns="91440" tIns="45720" rIns="91440" bIns="45720" rtlCol="0" anchor="ctr" anchorCtr="0">
+            <a:noAutofit/>
+          </a:bodyPr>
+          <a:lstStyle>
+            <a:lvl1pPr algn="l" defTabSz="914377" rtl="0" eaLnBrk="1" latinLnBrk="0" hangingPunct="1">
+              <a:lnSpc>
+                <a:spcPct val="90000"/>
+              </a:lnSpc>
+              <a:spcBef>
+                <a:spcPct val="0"/>
+              </a:spcBef>
+              <a:buNone/>
+              <a:defRPr sz="2600" kern="1200">
+                <a:solidFill>
+                  <a:schemeClr val="tx1"/>
+                </a:solidFill>
+                <a:latin typeface="+mj-lt"/>
+                <a:ea typeface="+mj-ea"/>
+                <a:cs typeface="+mj-cs"/>
+              </a:defRPr>
+            </a:lvl1pPr>
+          </a:lstStyle>
+          <a:p>
+            <a:pPr algn="ctr"/>
+            <a:r>
+              <a:rPr lang="es-CO" sz="2800" dirty="0">
+                <a:solidFill>
+                  <a:schemeClr val="bg1">
+                    <a:lumMod val="25000"/>
+                  </a:schemeClr>
+                </a:solidFill>
+                <a:latin typeface="Segoe UI" panose="020B0502040204020203" pitchFamily="34" charset="0"/>
+                <a:ea typeface="Segoe UI Black" panose="020B0A02040204020203" pitchFamily="34" charset="0"/>
+                <a:cs typeface="Segoe UI" panose="020B0502040204020203" pitchFamily="34" charset="0"/>
+              </a:rPr>
+              <a:t>Git es un </a:t>
+            </a:r>
+            <a:r>
+              <a:rPr lang="es-CO" sz="2800" b="1" dirty="0">
+                <a:solidFill>
+                  <a:schemeClr val="bg1">
+                    <a:lumMod val="25000"/>
+                  </a:schemeClr>
+                </a:solidFill>
+                <a:latin typeface="Segoe UI" panose="020B0502040204020203" pitchFamily="34" charset="0"/>
+                <a:ea typeface="Segoe UI Black" panose="020B0A02040204020203" pitchFamily="34" charset="0"/>
+                <a:cs typeface="Segoe UI" panose="020B0502040204020203" pitchFamily="34" charset="0"/>
+              </a:rPr>
+              <a:t>software</a:t>
+            </a:r>
+            <a:r>
+              <a:rPr lang="es-CO" sz="2800" dirty="0">
+                <a:solidFill>
+                  <a:schemeClr val="bg1">
+                    <a:lumMod val="25000"/>
+                  </a:schemeClr>
+                </a:solidFill>
+                <a:latin typeface="Segoe UI" panose="020B0502040204020203" pitchFamily="34" charset="0"/>
+                <a:ea typeface="Segoe UI Black" panose="020B0A02040204020203" pitchFamily="34" charset="0"/>
+                <a:cs typeface="Segoe UI" panose="020B0502040204020203" pitchFamily="34" charset="0"/>
+              </a:rPr>
+              <a:t> que </a:t>
+            </a:r>
+            <a:r>
+              <a:rPr lang="es-CO" sz="2800" b="1" dirty="0">
+                <a:solidFill>
+                  <a:schemeClr val="bg1">
+                    <a:lumMod val="25000"/>
+                  </a:schemeClr>
+                </a:solidFill>
+                <a:latin typeface="Segoe UI" panose="020B0502040204020203" pitchFamily="34" charset="0"/>
+                <a:ea typeface="Segoe UI Black" panose="020B0A02040204020203" pitchFamily="34" charset="0"/>
+                <a:cs typeface="Segoe UI" panose="020B0502040204020203" pitchFamily="34" charset="0"/>
+              </a:rPr>
+              <a:t>permite</a:t>
+            </a:r>
+            <a:r>
+              <a:rPr lang="es-CO" sz="2800" dirty="0">
+                <a:solidFill>
+                  <a:schemeClr val="bg1">
+                    <a:lumMod val="25000"/>
+                  </a:schemeClr>
+                </a:solidFill>
+                <a:latin typeface="Segoe UI" panose="020B0502040204020203" pitchFamily="34" charset="0"/>
+                <a:ea typeface="Segoe UI Black" panose="020B0A02040204020203" pitchFamily="34" charset="0"/>
+                <a:cs typeface="Segoe UI" panose="020B0502040204020203" pitchFamily="34" charset="0"/>
+              </a:rPr>
+              <a:t> </a:t>
+            </a:r>
+            <a:r>
+              <a:rPr lang="es-CO" sz="2800" b="1" dirty="0">
+                <a:solidFill>
+                  <a:schemeClr val="bg1">
+                    <a:lumMod val="25000"/>
+                  </a:schemeClr>
+                </a:solidFill>
+                <a:latin typeface="Segoe UI" panose="020B0502040204020203" pitchFamily="34" charset="0"/>
+                <a:ea typeface="Segoe UI Black" panose="020B0A02040204020203" pitchFamily="34" charset="0"/>
+                <a:cs typeface="Segoe UI" panose="020B0502040204020203" pitchFamily="34" charset="0"/>
+              </a:rPr>
+              <a:t>rastrear</a:t>
+            </a:r>
+            <a:r>
+              <a:rPr lang="es-CO" sz="2800" dirty="0">
+                <a:solidFill>
+                  <a:schemeClr val="bg1">
+                    <a:lumMod val="25000"/>
+                  </a:schemeClr>
+                </a:solidFill>
+                <a:latin typeface="Segoe UI" panose="020B0502040204020203" pitchFamily="34" charset="0"/>
+                <a:ea typeface="Segoe UI Black" panose="020B0A02040204020203" pitchFamily="34" charset="0"/>
+                <a:cs typeface="Segoe UI" panose="020B0502040204020203" pitchFamily="34" charset="0"/>
+              </a:rPr>
+              <a:t> y </a:t>
+            </a:r>
+            <a:r>
+              <a:rPr lang="es-CO" sz="2800" b="1" dirty="0">
+                <a:solidFill>
+                  <a:schemeClr val="bg1">
+                    <a:lumMod val="25000"/>
+                  </a:schemeClr>
+                </a:solidFill>
+                <a:latin typeface="Segoe UI" panose="020B0502040204020203" pitchFamily="34" charset="0"/>
+                <a:ea typeface="Segoe UI Black" panose="020B0A02040204020203" pitchFamily="34" charset="0"/>
+                <a:cs typeface="Segoe UI" panose="020B0502040204020203" pitchFamily="34" charset="0"/>
+              </a:rPr>
+              <a:t>validar</a:t>
+            </a:r>
+            <a:r>
+              <a:rPr lang="es-CO" sz="2800" dirty="0">
+                <a:solidFill>
+                  <a:schemeClr val="bg1">
+                    <a:lumMod val="25000"/>
+                  </a:schemeClr>
+                </a:solidFill>
+                <a:latin typeface="Segoe UI" panose="020B0502040204020203" pitchFamily="34" charset="0"/>
+                <a:ea typeface="Segoe UI Black" panose="020B0A02040204020203" pitchFamily="34" charset="0"/>
+                <a:cs typeface="Segoe UI" panose="020B0502040204020203" pitchFamily="34" charset="0"/>
+              </a:rPr>
+              <a:t> </a:t>
+            </a:r>
+            <a:r>
+              <a:rPr lang="es-CO" sz="2800" b="1" dirty="0">
+                <a:solidFill>
+                  <a:schemeClr val="bg1">
+                    <a:lumMod val="25000"/>
+                  </a:schemeClr>
+                </a:solidFill>
+                <a:latin typeface="Segoe UI" panose="020B0502040204020203" pitchFamily="34" charset="0"/>
+                <a:ea typeface="Segoe UI Black" panose="020B0A02040204020203" pitchFamily="34" charset="0"/>
+                <a:cs typeface="Segoe UI" panose="020B0502040204020203" pitchFamily="34" charset="0"/>
+              </a:rPr>
+              <a:t>cambios</a:t>
+            </a:r>
+            <a:r>
+              <a:rPr lang="es-CO" sz="2800" dirty="0">
+                <a:solidFill>
+                  <a:schemeClr val="bg1">
+                    <a:lumMod val="25000"/>
+                  </a:schemeClr>
+                </a:solidFill>
+                <a:latin typeface="Segoe UI" panose="020B0502040204020203" pitchFamily="34" charset="0"/>
+                <a:ea typeface="Segoe UI Black" panose="020B0A02040204020203" pitchFamily="34" charset="0"/>
+                <a:cs typeface="Segoe UI" panose="020B0502040204020203" pitchFamily="34" charset="0"/>
+              </a:rPr>
+              <a:t> en archivos de un proyecto o un repositorio.</a:t>
+            </a:r>
+          </a:p>
+          <a:p>
+            <a:pPr algn="ctr"/>
+            <a:endParaRPr lang="es-CO" sz="2800" dirty="0">
+              <a:solidFill>
+                <a:schemeClr val="bg1">
+                  <a:lumMod val="25000"/>
+                </a:schemeClr>
+              </a:solidFill>
+              <a:latin typeface="Segoe UI" panose="020B0502040204020203" pitchFamily="34" charset="0"/>
+              <a:ea typeface="Segoe UI Black" panose="020B0A02040204020203" pitchFamily="34" charset="0"/>
+              <a:cs typeface="Segoe UI" panose="020B0502040204020203" pitchFamily="34" charset="0"/>
+            </a:endParaRPr>
+          </a:p>
+          <a:p>
+            <a:pPr algn="ctr"/>
+            <a:r>
+              <a:rPr lang="es-CO" sz="2800" b="1" dirty="0">
+                <a:solidFill>
+                  <a:schemeClr val="bg1">
+                    <a:lumMod val="25000"/>
+                  </a:schemeClr>
+                </a:solidFill>
+                <a:latin typeface="Segoe UI" panose="020B0502040204020203" pitchFamily="34" charset="0"/>
+                <a:ea typeface="Segoe UI Black" panose="020B0A02040204020203" pitchFamily="34" charset="0"/>
+                <a:cs typeface="Segoe UI" panose="020B0502040204020203" pitchFamily="34" charset="0"/>
+              </a:rPr>
+              <a:t>Arquitectura distribuida </a:t>
+            </a:r>
+            <a:r>
+              <a:rPr lang="es-CO" sz="2800" dirty="0">
+                <a:solidFill>
+                  <a:schemeClr val="bg1">
+                    <a:lumMod val="25000"/>
+                  </a:schemeClr>
+                </a:solidFill>
+                <a:latin typeface="Segoe UI" panose="020B0502040204020203" pitchFamily="34" charset="0"/>
+                <a:ea typeface="Segoe UI Black" panose="020B0A02040204020203" pitchFamily="34" charset="0"/>
+                <a:cs typeface="Segoe UI" panose="020B0502040204020203" pitchFamily="34" charset="0"/>
+              </a:rPr>
+              <a:t>donde el código de cada desarrollador es también un repositorio que puede albergar el historial completo de todos los cambios.</a:t>
+            </a:r>
+          </a:p>
+          <a:p>
+            <a:pPr algn="ctr"/>
+            <a:endParaRPr lang="es-CO" sz="2800" dirty="0">
+              <a:solidFill>
+                <a:schemeClr val="bg1">
+                  <a:lumMod val="25000"/>
+                </a:schemeClr>
+              </a:solidFill>
+              <a:latin typeface="Segoe UI" panose="020B0502040204020203" pitchFamily="34" charset="0"/>
+              <a:ea typeface="Segoe UI Black" panose="020B0A02040204020203" pitchFamily="34" charset="0"/>
+              <a:cs typeface="Segoe UI" panose="020B0502040204020203" pitchFamily="34" charset="0"/>
+            </a:endParaRPr>
+          </a:p>
+          <a:p>
+            <a:pPr algn="ctr"/>
+            <a:r>
+              <a:rPr lang="es-CO" sz="2800" dirty="0">
+                <a:solidFill>
+                  <a:schemeClr val="bg1">
+                    <a:lumMod val="25000"/>
+                  </a:schemeClr>
+                </a:solidFill>
+                <a:latin typeface="Segoe UI" panose="020B0502040204020203" pitchFamily="34" charset="0"/>
+                <a:ea typeface="Segoe UI Black" panose="020B0A02040204020203" pitchFamily="34" charset="0"/>
+                <a:cs typeface="Segoe UI" panose="020B0502040204020203" pitchFamily="34" charset="0"/>
+              </a:rPr>
+              <a:t>Diseñado para ofrecer a usuarios:</a:t>
+            </a:r>
+          </a:p>
+          <a:p>
+            <a:pPr algn="ctr"/>
+            <a:r>
+              <a:rPr lang="es-CO" sz="2800" dirty="0">
+                <a:solidFill>
+                  <a:schemeClr val="bg1">
+                    <a:lumMod val="25000"/>
+                  </a:schemeClr>
+                </a:solidFill>
+                <a:latin typeface="Segoe UI" panose="020B0502040204020203" pitchFamily="34" charset="0"/>
+                <a:ea typeface="Segoe UI Black" panose="020B0A02040204020203" pitchFamily="34" charset="0"/>
+                <a:cs typeface="Segoe UI" panose="020B0502040204020203" pitchFamily="34" charset="0"/>
+              </a:rPr>
+              <a:t>rendimiento, seguridad y la flexibilidad</a:t>
+            </a:r>
+          </a:p>
+        </p:txBody>
+      </p:sp>
+      <p:sp>
+        <p:nvSpPr>
+          <p:cNvPr id="4" name="TextBox 3">
+            <a:extLst>
+              <a:ext uri="{FF2B5EF4-FFF2-40B4-BE49-F238E27FC236}">
+                <a16:creationId xmlns:a16="http://schemas.microsoft.com/office/drawing/2014/main" id="{24726A4E-3219-2582-DC75-D500915B2F75}"/>
+              </a:ext>
+            </a:extLst>
+          </p:cNvPr>
+          <p:cNvSpPr txBox="1"/>
+          <p:nvPr/>
+        </p:nvSpPr>
+        <p:spPr>
+          <a:xfrm>
+            <a:off x="0" y="6550223"/>
+            <a:ext cx="12192000" cy="307777"/>
+          </a:xfrm>
+          <a:prstGeom prst="rect">
+            <a:avLst/>
+          </a:prstGeom>
+          <a:noFill/>
+        </p:spPr>
+        <p:txBody>
+          <a:bodyPr wrap="square" rtlCol="0">
+            <a:spAutoFit/>
+          </a:bodyPr>
+          <a:lstStyle/>
+          <a:p>
+            <a:pPr algn="ctr"/>
+            <a:r>
+              <a:rPr lang="en-US" sz="1400" b="0" strike="noStrike" dirty="0" err="1">
+                <a:solidFill>
+                  <a:schemeClr val="bg1">
+                    <a:lumMod val="25000"/>
+                  </a:schemeClr>
+                </a:solidFill>
+                <a:effectLst/>
+                <a:latin typeface="+mj-lt"/>
+              </a:rPr>
+              <a:t>Tomado</a:t>
+            </a:r>
+            <a:r>
+              <a:rPr lang="en-US" sz="1400" b="0" strike="noStrike" dirty="0">
+                <a:solidFill>
+                  <a:schemeClr val="bg1">
+                    <a:lumMod val="25000"/>
+                  </a:schemeClr>
+                </a:solidFill>
+                <a:effectLst/>
+                <a:latin typeface="+mj-lt"/>
+              </a:rPr>
+              <a:t> y/o </a:t>
+            </a:r>
+            <a:r>
+              <a:rPr lang="en-US" sz="1400" b="0" strike="noStrike" dirty="0" err="1">
+                <a:solidFill>
+                  <a:schemeClr val="bg1">
+                    <a:lumMod val="25000"/>
+                  </a:schemeClr>
+                </a:solidFill>
+                <a:effectLst/>
+                <a:latin typeface="+mj-lt"/>
+              </a:rPr>
+              <a:t>adaptado</a:t>
+            </a:r>
+            <a:r>
+              <a:rPr lang="en-US" sz="1400" b="0" strike="noStrike" dirty="0">
+                <a:solidFill>
+                  <a:schemeClr val="bg1">
+                    <a:lumMod val="25000"/>
+                  </a:schemeClr>
+                </a:solidFill>
+                <a:effectLst/>
+                <a:latin typeface="+mj-lt"/>
+              </a:rPr>
+              <a:t> de: </a:t>
+            </a:r>
+            <a:r>
+              <a:rPr lang="en-US" sz="1400" b="0" strike="noStrike" dirty="0">
+                <a:solidFill>
+                  <a:schemeClr val="bg1">
+                    <a:lumMod val="25000"/>
+                  </a:schemeClr>
+                </a:solidFill>
+                <a:effectLst/>
+                <a:latin typeface="+mj-lt"/>
+                <a:hlinkClick r:id="rId5"/>
+              </a:rPr>
+              <a:t>https://www.atlassian.com/es/git/tutorials/what-is-git</a:t>
+            </a:r>
+            <a:r>
+              <a:rPr lang="en-US" sz="1400" b="0" strike="noStrike" dirty="0">
+                <a:solidFill>
+                  <a:schemeClr val="bg1">
+                    <a:lumMod val="25000"/>
+                  </a:schemeClr>
+                </a:solidFill>
+                <a:effectLst/>
+                <a:latin typeface="+mj-lt"/>
+              </a:rPr>
+              <a:t> </a:t>
+            </a:r>
+            <a:endParaRPr lang="es-CO" sz="1400" dirty="0">
+              <a:solidFill>
+                <a:schemeClr val="bg1">
+                  <a:lumMod val="25000"/>
+                </a:schemeClr>
+              </a:solidFill>
+              <a:latin typeface="+mj-lt"/>
+            </a:endParaRPr>
+          </a:p>
+        </p:txBody>
+      </p:sp>
+    </p:spTree>
+    <p:extLst>
+      <p:ext uri="{BB962C8B-B14F-4D97-AF65-F5344CB8AC3E}">
+        <p14:creationId xmlns:p14="http://schemas.microsoft.com/office/powerpoint/2010/main" val="3585836537"/>
+      </p:ext>
+    </p:extLst>
+  </p:cSld>
+  <p:clrMapOvr>
+    <a:masterClrMapping/>
+  </p:clrMapOvr>
+</p:sld>
+</file>
+
+<file path=ppt/slides/slide17.xml><?xml version="1.0" encoding="utf-8"?>
+<p:sld xmlns:a="http://schemas.openxmlformats.org/drawingml/2006/main" xmlns:r="http://schemas.openxmlformats.org/officeDocument/2006/relationships" xmlns:p="http://schemas.openxmlformats.org/presentationml/2006/main">
+  <p:cSld>
+    <p:spTree>
+      <p:nvGrpSpPr>
+        <p:cNvPr id="1" name=""/>
+        <p:cNvGrpSpPr/>
+        <p:nvPr/>
+      </p:nvGrpSpPr>
+      <p:grpSpPr>
+        <a:xfrm>
+          <a:off x="0" y="0"/>
+          <a:ext cx="0" cy="0"/>
+          <a:chOff x="0" y="0"/>
+          <a:chExt cx="0" cy="0"/>
+        </a:xfrm>
+      </p:grpSpPr>
+      <p:sp>
+        <p:nvSpPr>
+          <p:cNvPr id="3" name="Title 1">
+            <a:extLst>
+              <a:ext uri="{FF2B5EF4-FFF2-40B4-BE49-F238E27FC236}">
+                <a16:creationId xmlns:a16="http://schemas.microsoft.com/office/drawing/2014/main" id="{5293DDAA-B5E7-2D95-74A3-91A199E94E6C}"/>
+              </a:ext>
+            </a:extLst>
+          </p:cNvPr>
+          <p:cNvSpPr txBox="1">
+            <a:spLocks/>
+          </p:cNvSpPr>
+          <p:nvPr/>
+        </p:nvSpPr>
+        <p:spPr>
+          <a:xfrm>
+            <a:off x="1575196" y="2139949"/>
+            <a:ext cx="9041607" cy="2578100"/>
+          </a:xfrm>
+          <a:prstGeom prst="rect">
+            <a:avLst/>
+          </a:prstGeom>
+        </p:spPr>
+        <p:txBody>
+          <a:bodyPr vert="horz" lIns="91440" tIns="45720" rIns="91440" bIns="45720" rtlCol="0" anchor="ctr" anchorCtr="0">
+            <a:noAutofit/>
+          </a:bodyPr>
+          <a:lstStyle>
+            <a:lvl1pPr algn="l" defTabSz="914377" rtl="0" eaLnBrk="1" latinLnBrk="0" hangingPunct="1">
+              <a:lnSpc>
+                <a:spcPct val="90000"/>
+              </a:lnSpc>
+              <a:spcBef>
+                <a:spcPct val="0"/>
+              </a:spcBef>
+              <a:buNone/>
+              <a:defRPr sz="2600" kern="1200">
+                <a:solidFill>
+                  <a:schemeClr val="tx1"/>
+                </a:solidFill>
+                <a:latin typeface="+mj-lt"/>
+                <a:ea typeface="+mj-ea"/>
+                <a:cs typeface="+mj-cs"/>
+              </a:defRPr>
+            </a:lvl1pPr>
+          </a:lstStyle>
+          <a:p>
+            <a:pPr algn="ctr"/>
+            <a:r>
+              <a:rPr lang="es-CO" sz="2800" b="1" dirty="0" err="1">
+                <a:solidFill>
+                  <a:schemeClr val="bg1">
+                    <a:lumMod val="25000"/>
+                  </a:schemeClr>
+                </a:solidFill>
+                <a:latin typeface="Segoe UI" panose="020B0502040204020203" pitchFamily="34" charset="0"/>
+                <a:ea typeface="Segoe UI Black" panose="020B0A02040204020203" pitchFamily="34" charset="0"/>
+                <a:cs typeface="Segoe UI" panose="020B0502040204020203" pitchFamily="34" charset="0"/>
+              </a:rPr>
+              <a:t>Fork</a:t>
+            </a:r>
+            <a:r>
+              <a:rPr lang="es-CO" sz="2800" dirty="0">
+                <a:solidFill>
+                  <a:schemeClr val="bg1">
+                    <a:lumMod val="25000"/>
+                  </a:schemeClr>
+                </a:solidFill>
+                <a:latin typeface="Segoe UI" panose="020B0502040204020203" pitchFamily="34" charset="0"/>
+                <a:ea typeface="Segoe UI Black" panose="020B0A02040204020203" pitchFamily="34" charset="0"/>
+                <a:cs typeface="Segoe UI" panose="020B0502040204020203" pitchFamily="34" charset="0"/>
+              </a:rPr>
+              <a:t>: en GitHub, cualquier usuario puede clonar un repositorio público creado por otro usuario y este aparecerá dentro de los repositorios del usuario que realizó la clonación. Complementariamente, usuarios pueden descargar un comprimido completo de un repositorio específico.</a:t>
+            </a:r>
+          </a:p>
+        </p:txBody>
+      </p:sp>
+      <p:sp>
+        <p:nvSpPr>
+          <p:cNvPr id="10" name="Title 1">
+            <a:extLst>
+              <a:ext uri="{FF2B5EF4-FFF2-40B4-BE49-F238E27FC236}">
+                <a16:creationId xmlns:a16="http://schemas.microsoft.com/office/drawing/2014/main" id="{D1E501D3-D7FB-F12B-6451-5E4D23F65CA8}"/>
+              </a:ext>
+            </a:extLst>
+          </p:cNvPr>
+          <p:cNvSpPr txBox="1">
+            <a:spLocks/>
+          </p:cNvSpPr>
+          <p:nvPr/>
+        </p:nvSpPr>
+        <p:spPr>
+          <a:xfrm rot="16200000">
+            <a:off x="-3069000" y="3068999"/>
+            <a:ext cx="6858001" cy="720000"/>
+          </a:xfrm>
+          <a:prstGeom prst="rect">
+            <a:avLst/>
+          </a:prstGeom>
+          <a:solidFill>
+            <a:schemeClr val="bg1">
+              <a:lumMod val="25000"/>
+            </a:schemeClr>
+          </a:solidFill>
+        </p:spPr>
+        <p:txBody>
+          <a:bodyPr vert="horz" lIns="91440" tIns="45720" rIns="91440" bIns="45720" rtlCol="0" anchor="ctr" anchorCtr="0">
+            <a:normAutofit/>
+          </a:bodyPr>
+          <a:lstStyle>
+            <a:lvl1pPr algn="l" defTabSz="914377" rtl="0" eaLnBrk="1" latinLnBrk="0" hangingPunct="1">
+              <a:lnSpc>
+                <a:spcPct val="90000"/>
+              </a:lnSpc>
+              <a:spcBef>
+                <a:spcPct val="0"/>
+              </a:spcBef>
+              <a:buNone/>
+              <a:defRPr sz="2600" kern="1200">
+                <a:solidFill>
+                  <a:schemeClr val="tx1"/>
+                </a:solidFill>
+                <a:latin typeface="+mj-lt"/>
+                <a:ea typeface="+mj-ea"/>
+                <a:cs typeface="+mj-cs"/>
+              </a:defRPr>
+            </a:lvl1pPr>
+          </a:lstStyle>
+          <a:p>
+            <a:pPr algn="ctr"/>
+            <a:r>
+              <a:rPr lang="es-CO" b="1" dirty="0">
+                <a:solidFill>
+                  <a:schemeClr val="bg1"/>
+                </a:solidFill>
+                <a:latin typeface="Segoe UI" panose="020B0502040204020203" pitchFamily="34" charset="0"/>
+                <a:ea typeface="Segoe UI Black" panose="020B0A02040204020203" pitchFamily="34" charset="0"/>
+                <a:cs typeface="Segoe UI" panose="020B0502040204020203" pitchFamily="34" charset="0"/>
+              </a:rPr>
+              <a:t>Ciclo de vida </a:t>
+            </a:r>
+            <a:r>
+              <a:rPr lang="es-CO" dirty="0">
+                <a:solidFill>
+                  <a:schemeClr val="bg1"/>
+                </a:solidFill>
+                <a:latin typeface="Segoe UI" panose="020B0502040204020203" pitchFamily="34" charset="0"/>
+                <a:ea typeface="Segoe UI Black" panose="020B0A02040204020203" pitchFamily="34" charset="0"/>
+                <a:cs typeface="Segoe UI" panose="020B0502040204020203" pitchFamily="34" charset="0"/>
+              </a:rPr>
+              <a:t>de repositorios en </a:t>
+            </a:r>
+            <a:r>
+              <a:rPr lang="es-CO" b="1" dirty="0">
+                <a:solidFill>
+                  <a:schemeClr val="bg1"/>
+                </a:solidFill>
+                <a:latin typeface="Segoe UI" panose="020B0502040204020203" pitchFamily="34" charset="0"/>
+                <a:ea typeface="Segoe UI Black" panose="020B0A02040204020203" pitchFamily="34" charset="0"/>
+                <a:cs typeface="Segoe UI" panose="020B0502040204020203" pitchFamily="34" charset="0"/>
+              </a:rPr>
+              <a:t>GitHub</a:t>
+            </a:r>
+          </a:p>
+        </p:txBody>
+      </p:sp>
+    </p:spTree>
+    <p:extLst>
+      <p:ext uri="{BB962C8B-B14F-4D97-AF65-F5344CB8AC3E}">
+        <p14:creationId xmlns:p14="http://schemas.microsoft.com/office/powerpoint/2010/main" val="3188887305"/>
+      </p:ext>
+    </p:extLst>
+  </p:cSld>
+  <p:clrMapOvr>
+    <a:masterClrMapping/>
+  </p:clrMapOvr>
+</p:sld>
+</file>
+
+<file path=ppt/slides/slide18.xml><?xml version="1.0" encoding="utf-8"?>
+<p:sld xmlns:a="http://schemas.openxmlformats.org/drawingml/2006/main" xmlns:r="http://schemas.openxmlformats.org/officeDocument/2006/relationships" xmlns:p="http://schemas.openxmlformats.org/presentationml/2006/main">
+  <p:cSld>
+    <p:spTree>
+      <p:nvGrpSpPr>
+        <p:cNvPr id="1" name=""/>
+        <p:cNvGrpSpPr/>
+        <p:nvPr/>
+      </p:nvGrpSpPr>
+      <p:grpSpPr>
+        <a:xfrm>
+          <a:off x="0" y="0"/>
+          <a:ext cx="0" cy="0"/>
+          <a:chOff x="0" y="0"/>
+          <a:chExt cx="0" cy="0"/>
+        </a:xfrm>
+      </p:grpSpPr>
+      <p:sp>
+        <p:nvSpPr>
+          <p:cNvPr id="3" name="Title 1">
+            <a:extLst>
+              <a:ext uri="{FF2B5EF4-FFF2-40B4-BE49-F238E27FC236}">
+                <a16:creationId xmlns:a16="http://schemas.microsoft.com/office/drawing/2014/main" id="{5293DDAA-B5E7-2D95-74A3-91A199E94E6C}"/>
+              </a:ext>
+            </a:extLst>
+          </p:cNvPr>
+          <p:cNvSpPr txBox="1">
+            <a:spLocks/>
+          </p:cNvSpPr>
+          <p:nvPr/>
+        </p:nvSpPr>
+        <p:spPr>
+          <a:xfrm>
+            <a:off x="1240639" y="2062408"/>
+            <a:ext cx="9710721" cy="2733182"/>
+          </a:xfrm>
+          <a:prstGeom prst="rect">
+            <a:avLst/>
+          </a:prstGeom>
+        </p:spPr>
+        <p:txBody>
+          <a:bodyPr vert="horz" lIns="91440" tIns="45720" rIns="91440" bIns="45720" rtlCol="0" anchor="ctr" anchorCtr="0">
+            <a:noAutofit/>
+          </a:bodyPr>
+          <a:lstStyle>
+            <a:lvl1pPr algn="l" defTabSz="914377" rtl="0" eaLnBrk="1" latinLnBrk="0" hangingPunct="1">
+              <a:lnSpc>
+                <a:spcPct val="90000"/>
+              </a:lnSpc>
+              <a:spcBef>
+                <a:spcPct val="0"/>
+              </a:spcBef>
+              <a:buNone/>
+              <a:defRPr sz="2600" kern="1200">
+                <a:solidFill>
+                  <a:schemeClr val="tx1"/>
+                </a:solidFill>
+                <a:latin typeface="+mj-lt"/>
+                <a:ea typeface="+mj-ea"/>
+                <a:cs typeface="+mj-cs"/>
+              </a:defRPr>
+            </a:lvl1pPr>
+          </a:lstStyle>
+          <a:p>
+            <a:pPr algn="ctr"/>
+            <a:r>
+              <a:rPr lang="es-CO" sz="2800" b="1" dirty="0">
+                <a:solidFill>
+                  <a:schemeClr val="bg1">
+                    <a:lumMod val="25000"/>
+                  </a:schemeClr>
+                </a:solidFill>
+                <a:latin typeface="Segoe UI" panose="020B0502040204020203" pitchFamily="34" charset="0"/>
+                <a:ea typeface="Segoe UI Black" panose="020B0A02040204020203" pitchFamily="34" charset="0"/>
+                <a:cs typeface="Segoe UI" panose="020B0502040204020203" pitchFamily="34" charset="0"/>
+              </a:rPr>
+              <a:t>Branch</a:t>
+            </a:r>
+            <a:r>
+              <a:rPr lang="es-CO" sz="2800" dirty="0">
+                <a:solidFill>
+                  <a:schemeClr val="bg1">
+                    <a:lumMod val="25000"/>
+                  </a:schemeClr>
+                </a:solidFill>
+                <a:latin typeface="Segoe UI" panose="020B0502040204020203" pitchFamily="34" charset="0"/>
+                <a:ea typeface="Segoe UI Black" panose="020B0A02040204020203" pitchFamily="34" charset="0"/>
+                <a:cs typeface="Segoe UI" panose="020B0502040204020203" pitchFamily="34" charset="0"/>
+              </a:rPr>
+              <a:t>: las ramas en Git son utilizadas para de forma aislada, realizar modificaciones y depuraciones de prueba en el código o la documentación sin afectar la rama principal. En un repositorio pueden existir múltiples ramificaciones y una vez se verifica que los cambios son válidos, estos son incorporados a la rama principal.</a:t>
+            </a:r>
+          </a:p>
+        </p:txBody>
+      </p:sp>
+      <p:sp>
+        <p:nvSpPr>
+          <p:cNvPr id="5" name="TextBox 4">
+            <a:extLst>
+              <a:ext uri="{FF2B5EF4-FFF2-40B4-BE49-F238E27FC236}">
+                <a16:creationId xmlns:a16="http://schemas.microsoft.com/office/drawing/2014/main" id="{543D69CF-78DD-F467-E379-536B4FE81DEC}"/>
+              </a:ext>
+            </a:extLst>
+          </p:cNvPr>
+          <p:cNvSpPr txBox="1"/>
+          <p:nvPr/>
+        </p:nvSpPr>
+        <p:spPr>
+          <a:xfrm>
+            <a:off x="720000" y="6550223"/>
+            <a:ext cx="11471999" cy="307777"/>
+          </a:xfrm>
+          <a:prstGeom prst="rect">
+            <a:avLst/>
+          </a:prstGeom>
+          <a:noFill/>
+        </p:spPr>
+        <p:txBody>
+          <a:bodyPr wrap="square" rtlCol="0">
+            <a:spAutoFit/>
+          </a:bodyPr>
+          <a:lstStyle/>
+          <a:p>
+            <a:pPr algn="ctr"/>
+            <a:r>
+              <a:rPr lang="en-US" sz="1400" b="0" strike="noStrike" dirty="0">
+                <a:solidFill>
+                  <a:schemeClr val="bg1">
+                    <a:lumMod val="25000"/>
+                  </a:schemeClr>
+                </a:solidFill>
+                <a:effectLst/>
+                <a:latin typeface="+mj-lt"/>
+                <a:hlinkClick r:id="rId3"/>
+              </a:rPr>
+              <a:t>https://docs.github.com/es/pull-requests/collaborating-with-pull-requests/proposing-changes-to-your-work-with-pull-requests/about-branches</a:t>
+            </a:r>
+            <a:r>
+              <a:rPr lang="en-US" sz="1400" b="0" strike="noStrike" dirty="0">
+                <a:solidFill>
+                  <a:schemeClr val="bg1">
+                    <a:lumMod val="25000"/>
+                  </a:schemeClr>
+                </a:solidFill>
+                <a:effectLst/>
+                <a:latin typeface="+mj-lt"/>
+              </a:rPr>
+              <a:t> </a:t>
+            </a:r>
+            <a:endParaRPr lang="es-CO" sz="1400" dirty="0">
+              <a:solidFill>
+                <a:schemeClr val="bg1">
+                  <a:lumMod val="25000"/>
+                </a:schemeClr>
+              </a:solidFill>
+              <a:latin typeface="+mj-lt"/>
+            </a:endParaRPr>
+          </a:p>
+        </p:txBody>
+      </p:sp>
+      <p:sp>
+        <p:nvSpPr>
+          <p:cNvPr id="8" name="Title 1">
+            <a:extLst>
+              <a:ext uri="{FF2B5EF4-FFF2-40B4-BE49-F238E27FC236}">
+                <a16:creationId xmlns:a16="http://schemas.microsoft.com/office/drawing/2014/main" id="{FD2A8E2B-3998-6DC5-F5F4-8677B09028E2}"/>
+              </a:ext>
+            </a:extLst>
+          </p:cNvPr>
+          <p:cNvSpPr txBox="1">
+            <a:spLocks/>
+          </p:cNvSpPr>
+          <p:nvPr/>
+        </p:nvSpPr>
+        <p:spPr>
+          <a:xfrm rot="16200000">
+            <a:off x="-3069000" y="3068999"/>
+            <a:ext cx="6858001" cy="720000"/>
+          </a:xfrm>
+          <a:prstGeom prst="rect">
+            <a:avLst/>
+          </a:prstGeom>
+          <a:solidFill>
+            <a:schemeClr val="bg1">
+              <a:lumMod val="25000"/>
+            </a:schemeClr>
+          </a:solidFill>
+        </p:spPr>
+        <p:txBody>
+          <a:bodyPr vert="horz" lIns="91440" tIns="45720" rIns="91440" bIns="45720" rtlCol="0" anchor="ctr" anchorCtr="0">
+            <a:normAutofit/>
+          </a:bodyPr>
+          <a:lstStyle>
+            <a:lvl1pPr algn="l" defTabSz="914377" rtl="0" eaLnBrk="1" latinLnBrk="0" hangingPunct="1">
+              <a:lnSpc>
+                <a:spcPct val="90000"/>
+              </a:lnSpc>
+              <a:spcBef>
+                <a:spcPct val="0"/>
+              </a:spcBef>
+              <a:buNone/>
+              <a:defRPr sz="2600" kern="1200">
+                <a:solidFill>
+                  <a:schemeClr val="tx1"/>
+                </a:solidFill>
+                <a:latin typeface="+mj-lt"/>
+                <a:ea typeface="+mj-ea"/>
+                <a:cs typeface="+mj-cs"/>
+              </a:defRPr>
+            </a:lvl1pPr>
+          </a:lstStyle>
+          <a:p>
+            <a:pPr algn="ctr"/>
+            <a:r>
+              <a:rPr lang="es-CO" sz="2800" b="1" dirty="0">
+                <a:solidFill>
+                  <a:schemeClr val="bg1"/>
+                </a:solidFill>
+                <a:latin typeface="Segoe UI" panose="020B0502040204020203" pitchFamily="34" charset="0"/>
+                <a:ea typeface="Segoe UI Black" panose="020B0A02040204020203" pitchFamily="34" charset="0"/>
+                <a:cs typeface="Segoe UI" panose="020B0502040204020203" pitchFamily="34" charset="0"/>
+              </a:rPr>
+              <a:t>Ciclo de vida </a:t>
+            </a:r>
+            <a:r>
+              <a:rPr lang="es-CO" sz="2800" dirty="0">
+                <a:solidFill>
+                  <a:schemeClr val="bg1"/>
+                </a:solidFill>
+                <a:latin typeface="Segoe UI" panose="020B0502040204020203" pitchFamily="34" charset="0"/>
+                <a:ea typeface="Segoe UI Black" panose="020B0A02040204020203" pitchFamily="34" charset="0"/>
+                <a:cs typeface="Segoe UI" panose="020B0502040204020203" pitchFamily="34" charset="0"/>
+              </a:rPr>
+              <a:t>de repositorios en </a:t>
+            </a:r>
+            <a:r>
+              <a:rPr lang="es-CO" sz="2800" b="1" dirty="0">
+                <a:solidFill>
+                  <a:schemeClr val="bg1"/>
+                </a:solidFill>
+                <a:latin typeface="Segoe UI" panose="020B0502040204020203" pitchFamily="34" charset="0"/>
+                <a:ea typeface="Segoe UI Black" panose="020B0A02040204020203" pitchFamily="34" charset="0"/>
+                <a:cs typeface="Segoe UI" panose="020B0502040204020203" pitchFamily="34" charset="0"/>
+              </a:rPr>
+              <a:t>GitHub</a:t>
+            </a:r>
+          </a:p>
+        </p:txBody>
+      </p:sp>
+    </p:spTree>
+    <p:extLst>
+      <p:ext uri="{BB962C8B-B14F-4D97-AF65-F5344CB8AC3E}">
+        <p14:creationId xmlns:p14="http://schemas.microsoft.com/office/powerpoint/2010/main" val="1404069144"/>
+      </p:ext>
+    </p:extLst>
+  </p:cSld>
+  <p:clrMapOvr>
+    <a:masterClrMapping/>
+  </p:clrMapOvr>
+</p:sld>
+</file>
+
+<file path=ppt/slides/slide19.xml><?xml version="1.0" encoding="utf-8"?>
+<p:sld xmlns:a="http://schemas.openxmlformats.org/drawingml/2006/main" xmlns:r="http://schemas.openxmlformats.org/officeDocument/2006/relationships" xmlns:p="http://schemas.openxmlformats.org/presentationml/2006/main">
+  <p:cSld>
+    <p:spTree>
+      <p:nvGrpSpPr>
+        <p:cNvPr id="1" name=""/>
+        <p:cNvGrpSpPr/>
+        <p:nvPr/>
+      </p:nvGrpSpPr>
+      <p:grpSpPr>
+        <a:xfrm>
+          <a:off x="0" y="0"/>
+          <a:ext cx="0" cy="0"/>
+          <a:chOff x="0" y="0"/>
+          <a:chExt cx="0" cy="0"/>
+        </a:xfrm>
+      </p:grpSpPr>
+      <p:sp>
+        <p:nvSpPr>
+          <p:cNvPr id="3" name="Title 1">
+            <a:extLst>
+              <a:ext uri="{FF2B5EF4-FFF2-40B4-BE49-F238E27FC236}">
+                <a16:creationId xmlns:a16="http://schemas.microsoft.com/office/drawing/2014/main" id="{5293DDAA-B5E7-2D95-74A3-91A199E94E6C}"/>
+              </a:ext>
+            </a:extLst>
+          </p:cNvPr>
+          <p:cNvSpPr txBox="1">
+            <a:spLocks/>
+          </p:cNvSpPr>
+          <p:nvPr/>
+        </p:nvSpPr>
+        <p:spPr>
+          <a:xfrm>
+            <a:off x="1327150" y="2062408"/>
+            <a:ext cx="9537699" cy="2733182"/>
+          </a:xfrm>
+          <a:prstGeom prst="rect">
+            <a:avLst/>
+          </a:prstGeom>
+        </p:spPr>
+        <p:txBody>
+          <a:bodyPr vert="horz" lIns="91440" tIns="45720" rIns="91440" bIns="45720" rtlCol="0" anchor="ctr" anchorCtr="0">
+            <a:noAutofit/>
+          </a:bodyPr>
+          <a:lstStyle>
+            <a:lvl1pPr algn="l" defTabSz="914377" rtl="0" eaLnBrk="1" latinLnBrk="0" hangingPunct="1">
+              <a:lnSpc>
+                <a:spcPct val="90000"/>
+              </a:lnSpc>
+              <a:spcBef>
+                <a:spcPct val="0"/>
+              </a:spcBef>
+              <a:buNone/>
+              <a:defRPr sz="2600" kern="1200">
+                <a:solidFill>
+                  <a:schemeClr val="tx1"/>
+                </a:solidFill>
+                <a:latin typeface="+mj-lt"/>
+                <a:ea typeface="+mj-ea"/>
+                <a:cs typeface="+mj-cs"/>
+              </a:defRPr>
+            </a:lvl1pPr>
+          </a:lstStyle>
+          <a:p>
+            <a:pPr algn="ctr"/>
+            <a:r>
+              <a:rPr lang="es-CO" sz="2800" b="1" dirty="0">
+                <a:solidFill>
+                  <a:schemeClr val="bg1">
+                    <a:lumMod val="25000"/>
+                  </a:schemeClr>
+                </a:solidFill>
+                <a:latin typeface="Segoe UI" panose="020B0502040204020203" pitchFamily="34" charset="0"/>
+                <a:ea typeface="Segoe UI Black" panose="020B0A02040204020203" pitchFamily="34" charset="0"/>
+                <a:cs typeface="Segoe UI" panose="020B0502040204020203" pitchFamily="34" charset="0"/>
+              </a:rPr>
+              <a:t>Pull-request</a:t>
+            </a:r>
+            <a:r>
+              <a:rPr lang="es-CO" sz="2800" dirty="0">
+                <a:solidFill>
+                  <a:schemeClr val="bg1">
+                    <a:lumMod val="25000"/>
+                  </a:schemeClr>
+                </a:solidFill>
+                <a:latin typeface="Segoe UI" panose="020B0502040204020203" pitchFamily="34" charset="0"/>
+                <a:ea typeface="Segoe UI Black" panose="020B0A02040204020203" pitchFamily="34" charset="0"/>
+                <a:cs typeface="Segoe UI" panose="020B0502040204020203" pitchFamily="34" charset="0"/>
+              </a:rPr>
+              <a:t>: una solicitud de incorporación de cambios es una forma de pedirle a otro desarrollador que fusione una de tus ramas en su repositorio. Esto no solo permite a los responsables del proyecto realizar un seguimiento de los cambios más fácilmente, sino que además permite a los desarrolladores iniciar debates sobre su trabajo antes de integrarlo con el resto de los archivos o el código base.</a:t>
+            </a:r>
+          </a:p>
+        </p:txBody>
+      </p:sp>
+      <p:sp>
+        <p:nvSpPr>
+          <p:cNvPr id="5" name="TextBox 4">
+            <a:extLst>
+              <a:ext uri="{FF2B5EF4-FFF2-40B4-BE49-F238E27FC236}">
+                <a16:creationId xmlns:a16="http://schemas.microsoft.com/office/drawing/2014/main" id="{543D69CF-78DD-F467-E379-536B4FE81DEC}"/>
+              </a:ext>
+            </a:extLst>
+          </p:cNvPr>
+          <p:cNvSpPr txBox="1"/>
+          <p:nvPr/>
+        </p:nvSpPr>
+        <p:spPr>
+          <a:xfrm>
+            <a:off x="0" y="6550223"/>
+            <a:ext cx="12192000" cy="307777"/>
+          </a:xfrm>
+          <a:prstGeom prst="rect">
+            <a:avLst/>
+          </a:prstGeom>
+          <a:noFill/>
+        </p:spPr>
+        <p:txBody>
+          <a:bodyPr wrap="square" rtlCol="0">
+            <a:spAutoFit/>
+          </a:bodyPr>
+          <a:lstStyle/>
+          <a:p>
+            <a:pPr algn="ctr"/>
+            <a:r>
+              <a:rPr lang="en-US" sz="1400" b="0" strike="noStrike" dirty="0">
+                <a:solidFill>
+                  <a:schemeClr val="bg1">
+                    <a:lumMod val="25000"/>
+                  </a:schemeClr>
+                </a:solidFill>
+                <a:effectLst/>
+                <a:latin typeface="+mj-lt"/>
+                <a:hlinkClick r:id="rId3"/>
+              </a:rPr>
+              <a:t>https://www.atlassian.com/es/git/tutorials/why-git</a:t>
+            </a:r>
+            <a:r>
+              <a:rPr lang="en-US" sz="1400" b="0" strike="noStrike" dirty="0">
+                <a:solidFill>
+                  <a:schemeClr val="bg1">
+                    <a:lumMod val="25000"/>
+                  </a:schemeClr>
+                </a:solidFill>
+                <a:effectLst/>
+                <a:latin typeface="+mj-lt"/>
+              </a:rPr>
+              <a:t> </a:t>
+            </a:r>
+            <a:endParaRPr lang="es-CO" sz="1400" dirty="0">
+              <a:solidFill>
+                <a:schemeClr val="bg1">
+                  <a:lumMod val="25000"/>
+                </a:schemeClr>
+              </a:solidFill>
+              <a:latin typeface="+mj-lt"/>
+            </a:endParaRPr>
+          </a:p>
+        </p:txBody>
+      </p:sp>
+      <p:sp>
+        <p:nvSpPr>
+          <p:cNvPr id="11" name="Title 1">
+            <a:extLst>
+              <a:ext uri="{FF2B5EF4-FFF2-40B4-BE49-F238E27FC236}">
+                <a16:creationId xmlns:a16="http://schemas.microsoft.com/office/drawing/2014/main" id="{0369D344-9BC3-0CFF-4FC6-CFDD016CE691}"/>
+              </a:ext>
+            </a:extLst>
+          </p:cNvPr>
+          <p:cNvSpPr txBox="1">
+            <a:spLocks/>
+          </p:cNvSpPr>
+          <p:nvPr/>
+        </p:nvSpPr>
+        <p:spPr>
+          <a:xfrm rot="16200000">
+            <a:off x="-3069000" y="3068999"/>
+            <a:ext cx="6858001" cy="720000"/>
+          </a:xfrm>
+          <a:prstGeom prst="rect">
+            <a:avLst/>
+          </a:prstGeom>
+          <a:solidFill>
+            <a:schemeClr val="bg1">
+              <a:lumMod val="25000"/>
+            </a:schemeClr>
+          </a:solidFill>
+        </p:spPr>
+        <p:txBody>
+          <a:bodyPr vert="horz" lIns="91440" tIns="45720" rIns="91440" bIns="45720" rtlCol="0" anchor="ctr" anchorCtr="0">
+            <a:normAutofit/>
+          </a:bodyPr>
+          <a:lstStyle>
+            <a:lvl1pPr algn="l" defTabSz="914377" rtl="0" eaLnBrk="1" latinLnBrk="0" hangingPunct="1">
+              <a:lnSpc>
+                <a:spcPct val="90000"/>
+              </a:lnSpc>
+              <a:spcBef>
+                <a:spcPct val="0"/>
+              </a:spcBef>
+              <a:buNone/>
+              <a:defRPr sz="2600" kern="1200">
+                <a:solidFill>
+                  <a:schemeClr val="tx1"/>
+                </a:solidFill>
+                <a:latin typeface="+mj-lt"/>
+                <a:ea typeface="+mj-ea"/>
+                <a:cs typeface="+mj-cs"/>
+              </a:defRPr>
+            </a:lvl1pPr>
+          </a:lstStyle>
+          <a:p>
+            <a:pPr algn="ctr"/>
+            <a:r>
+              <a:rPr lang="es-CO" sz="2800" b="1" dirty="0">
+                <a:solidFill>
+                  <a:schemeClr val="bg1"/>
+                </a:solidFill>
+                <a:latin typeface="Segoe UI" panose="020B0502040204020203" pitchFamily="34" charset="0"/>
+                <a:ea typeface="Segoe UI Black" panose="020B0A02040204020203" pitchFamily="34" charset="0"/>
+                <a:cs typeface="Segoe UI" panose="020B0502040204020203" pitchFamily="34" charset="0"/>
+              </a:rPr>
+              <a:t>Ciclo de vida </a:t>
+            </a:r>
+            <a:r>
+              <a:rPr lang="es-CO" sz="2800" dirty="0">
+                <a:solidFill>
+                  <a:schemeClr val="bg1"/>
+                </a:solidFill>
+                <a:latin typeface="Segoe UI" panose="020B0502040204020203" pitchFamily="34" charset="0"/>
+                <a:ea typeface="Segoe UI Black" panose="020B0A02040204020203" pitchFamily="34" charset="0"/>
+                <a:cs typeface="Segoe UI" panose="020B0502040204020203" pitchFamily="34" charset="0"/>
+              </a:rPr>
+              <a:t>de repositorios en </a:t>
+            </a:r>
+            <a:r>
+              <a:rPr lang="es-CO" sz="2800" b="1" dirty="0">
+                <a:solidFill>
+                  <a:schemeClr val="bg1"/>
+                </a:solidFill>
+                <a:latin typeface="Segoe UI" panose="020B0502040204020203" pitchFamily="34" charset="0"/>
+                <a:ea typeface="Segoe UI Black" panose="020B0A02040204020203" pitchFamily="34" charset="0"/>
+                <a:cs typeface="Segoe UI" panose="020B0502040204020203" pitchFamily="34" charset="0"/>
+              </a:rPr>
+              <a:t>GitHub</a:t>
+            </a:r>
+          </a:p>
+        </p:txBody>
+      </p:sp>
+    </p:spTree>
+    <p:extLst>
+      <p:ext uri="{BB962C8B-B14F-4D97-AF65-F5344CB8AC3E}">
+        <p14:creationId xmlns:p14="http://schemas.microsoft.com/office/powerpoint/2010/main" val="3211188241"/>
+      </p:ext>
+    </p:extLst>
+  </p:cSld>
+  <p:clrMapOvr>
+    <a:masterClrMapping/>
+  </p:clrMapOvr>
+</p:sld>
+</file>
+
 <file path=ppt/slides/slide2.xml><?xml version="1.0" encoding="utf-8"?>
 <p:sld xmlns:a="http://schemas.openxmlformats.org/drawingml/2006/main" xmlns:r="http://schemas.openxmlformats.org/officeDocument/2006/relationships" xmlns:p="http://schemas.openxmlformats.org/presentationml/2006/main">
   <p:cSld>
@@ -10865,6 +13712,1365 @@
     <p:extLst>
       <p:ext uri="{BB962C8B-B14F-4D97-AF65-F5344CB8AC3E}">
         <p14:creationId xmlns:p14="http://schemas.microsoft.com/office/powerpoint/2010/main" val="526481340"/>
+      </p:ext>
+    </p:extLst>
+  </p:cSld>
+  <p:clrMapOvr>
+    <a:masterClrMapping/>
+  </p:clrMapOvr>
+</p:sld>
+</file>
+
+<file path=ppt/slides/slide20.xml><?xml version="1.0" encoding="utf-8"?>
+<p:sld xmlns:a="http://schemas.openxmlformats.org/drawingml/2006/main" xmlns:r="http://schemas.openxmlformats.org/officeDocument/2006/relationships" xmlns:p="http://schemas.openxmlformats.org/presentationml/2006/main">
+  <p:cSld>
+    <p:spTree>
+      <p:nvGrpSpPr>
+        <p:cNvPr id="1" name=""/>
+        <p:cNvGrpSpPr/>
+        <p:nvPr/>
+      </p:nvGrpSpPr>
+      <p:grpSpPr>
+        <a:xfrm>
+          <a:off x="0" y="0"/>
+          <a:ext cx="0" cy="0"/>
+          <a:chOff x="0" y="0"/>
+          <a:chExt cx="0" cy="0"/>
+        </a:xfrm>
+      </p:grpSpPr>
+      <p:sp>
+        <p:nvSpPr>
+          <p:cNvPr id="3" name="Title 1">
+            <a:extLst>
+              <a:ext uri="{FF2B5EF4-FFF2-40B4-BE49-F238E27FC236}">
+                <a16:creationId xmlns:a16="http://schemas.microsoft.com/office/drawing/2014/main" id="{5293DDAA-B5E7-2D95-74A3-91A199E94E6C}"/>
+              </a:ext>
+            </a:extLst>
+          </p:cNvPr>
+          <p:cNvSpPr txBox="1">
+            <a:spLocks/>
+          </p:cNvSpPr>
+          <p:nvPr/>
+        </p:nvSpPr>
+        <p:spPr>
+          <a:xfrm>
+            <a:off x="1762125" y="2539999"/>
+            <a:ext cx="8667750" cy="1778000"/>
+          </a:xfrm>
+          <a:prstGeom prst="rect">
+            <a:avLst/>
+          </a:prstGeom>
+        </p:spPr>
+        <p:txBody>
+          <a:bodyPr vert="horz" lIns="91440" tIns="45720" rIns="91440" bIns="45720" rtlCol="0" anchor="ctr" anchorCtr="0">
+            <a:noAutofit/>
+          </a:bodyPr>
+          <a:lstStyle>
+            <a:lvl1pPr algn="l" defTabSz="914377" rtl="0" eaLnBrk="1" latinLnBrk="0" hangingPunct="1">
+              <a:lnSpc>
+                <a:spcPct val="90000"/>
+              </a:lnSpc>
+              <a:spcBef>
+                <a:spcPct val="0"/>
+              </a:spcBef>
+              <a:buNone/>
+              <a:defRPr sz="2600" kern="1200">
+                <a:solidFill>
+                  <a:schemeClr val="tx1"/>
+                </a:solidFill>
+                <a:latin typeface="+mj-lt"/>
+                <a:ea typeface="+mj-ea"/>
+                <a:cs typeface="+mj-cs"/>
+              </a:defRPr>
+            </a:lvl1pPr>
+          </a:lstStyle>
+          <a:p>
+            <a:pPr algn="ctr"/>
+            <a:r>
+              <a:rPr lang="es-CO" sz="2800" b="1" dirty="0" err="1">
+                <a:solidFill>
+                  <a:schemeClr val="bg1">
+                    <a:lumMod val="25000"/>
+                  </a:schemeClr>
+                </a:solidFill>
+                <a:latin typeface="Segoe UI" panose="020B0502040204020203" pitchFamily="34" charset="0"/>
+                <a:ea typeface="Segoe UI Black" panose="020B0A02040204020203" pitchFamily="34" charset="0"/>
+                <a:cs typeface="Segoe UI" panose="020B0502040204020203" pitchFamily="34" charset="0"/>
+              </a:rPr>
+              <a:t>Push</a:t>
+            </a:r>
+            <a:r>
+              <a:rPr lang="es-CO" sz="2800" dirty="0">
+                <a:solidFill>
+                  <a:schemeClr val="bg1">
+                    <a:lumMod val="25000"/>
+                  </a:schemeClr>
+                </a:solidFill>
+                <a:latin typeface="Segoe UI" panose="020B0502040204020203" pitchFamily="34" charset="0"/>
+                <a:ea typeface="Segoe UI Black" panose="020B0A02040204020203" pitchFamily="34" charset="0"/>
+                <a:cs typeface="Segoe UI" panose="020B0502040204020203" pitchFamily="34" charset="0"/>
+              </a:rPr>
+              <a:t>: la incorporación de las modificaciones realizadas a un documento </a:t>
+            </a:r>
+            <a:r>
+              <a:rPr lang="es-CO" sz="2800" dirty="0" err="1">
+                <a:solidFill>
+                  <a:schemeClr val="bg1">
+                    <a:lumMod val="25000"/>
+                  </a:schemeClr>
+                </a:solidFill>
+                <a:latin typeface="Segoe UI" panose="020B0502040204020203" pitchFamily="34" charset="0"/>
+                <a:ea typeface="Segoe UI Black" panose="020B0A02040204020203" pitchFamily="34" charset="0"/>
+                <a:cs typeface="Segoe UI" panose="020B0502040204020203" pitchFamily="34" charset="0"/>
+              </a:rPr>
+              <a:t>Markdown</a:t>
+            </a:r>
+            <a:r>
+              <a:rPr lang="es-CO" sz="2800" dirty="0">
+                <a:solidFill>
+                  <a:schemeClr val="bg1">
+                    <a:lumMod val="25000"/>
+                  </a:schemeClr>
+                </a:solidFill>
+                <a:latin typeface="Segoe UI" panose="020B0502040204020203" pitchFamily="34" charset="0"/>
+                <a:ea typeface="Segoe UI Black" panose="020B0A02040204020203" pitchFamily="34" charset="0"/>
+                <a:cs typeface="Segoe UI" panose="020B0502040204020203" pitchFamily="34" charset="0"/>
+              </a:rPr>
+              <a:t>, a un código o a cualquier elemento nuevo dentro del repositorio, son realizadas a través de una carga o </a:t>
+            </a:r>
+            <a:r>
+              <a:rPr lang="es-CO" sz="2800" dirty="0" err="1">
+                <a:solidFill>
+                  <a:schemeClr val="bg1">
+                    <a:lumMod val="25000"/>
+                  </a:schemeClr>
+                </a:solidFill>
+                <a:latin typeface="Segoe UI" panose="020B0502040204020203" pitchFamily="34" charset="0"/>
+                <a:ea typeface="Segoe UI Black" panose="020B0A02040204020203" pitchFamily="34" charset="0"/>
+                <a:cs typeface="Segoe UI" panose="020B0502040204020203" pitchFamily="34" charset="0"/>
+              </a:rPr>
+              <a:t>Push</a:t>
+            </a:r>
+            <a:r>
+              <a:rPr lang="es-CO" sz="2800" dirty="0">
+                <a:solidFill>
+                  <a:schemeClr val="bg1">
+                    <a:lumMod val="25000"/>
+                  </a:schemeClr>
+                </a:solidFill>
+                <a:latin typeface="Segoe UI" panose="020B0502040204020203" pitchFamily="34" charset="0"/>
+                <a:ea typeface="Segoe UI Black" panose="020B0A02040204020203" pitchFamily="34" charset="0"/>
+                <a:cs typeface="Segoe UI" panose="020B0502040204020203" pitchFamily="34" charset="0"/>
+              </a:rPr>
+              <a:t>.</a:t>
+            </a:r>
+          </a:p>
+        </p:txBody>
+      </p:sp>
+      <p:sp>
+        <p:nvSpPr>
+          <p:cNvPr id="10" name="Title 1">
+            <a:extLst>
+              <a:ext uri="{FF2B5EF4-FFF2-40B4-BE49-F238E27FC236}">
+                <a16:creationId xmlns:a16="http://schemas.microsoft.com/office/drawing/2014/main" id="{DA2C1DF5-236A-3388-E376-129110D22F55}"/>
+              </a:ext>
+            </a:extLst>
+          </p:cNvPr>
+          <p:cNvSpPr txBox="1">
+            <a:spLocks/>
+          </p:cNvSpPr>
+          <p:nvPr/>
+        </p:nvSpPr>
+        <p:spPr>
+          <a:xfrm rot="16200000">
+            <a:off x="-3069000" y="3068999"/>
+            <a:ext cx="6858001" cy="720000"/>
+          </a:xfrm>
+          <a:prstGeom prst="rect">
+            <a:avLst/>
+          </a:prstGeom>
+          <a:solidFill>
+            <a:schemeClr val="bg1">
+              <a:lumMod val="25000"/>
+            </a:schemeClr>
+          </a:solidFill>
+        </p:spPr>
+        <p:txBody>
+          <a:bodyPr vert="horz" lIns="91440" tIns="45720" rIns="91440" bIns="45720" rtlCol="0" anchor="ctr" anchorCtr="0">
+            <a:normAutofit/>
+          </a:bodyPr>
+          <a:lstStyle>
+            <a:lvl1pPr algn="l" defTabSz="914377" rtl="0" eaLnBrk="1" latinLnBrk="0" hangingPunct="1">
+              <a:lnSpc>
+                <a:spcPct val="90000"/>
+              </a:lnSpc>
+              <a:spcBef>
+                <a:spcPct val="0"/>
+              </a:spcBef>
+              <a:buNone/>
+              <a:defRPr sz="2600" kern="1200">
+                <a:solidFill>
+                  <a:schemeClr val="tx1"/>
+                </a:solidFill>
+                <a:latin typeface="+mj-lt"/>
+                <a:ea typeface="+mj-ea"/>
+                <a:cs typeface="+mj-cs"/>
+              </a:defRPr>
+            </a:lvl1pPr>
+          </a:lstStyle>
+          <a:p>
+            <a:pPr algn="ctr"/>
+            <a:r>
+              <a:rPr lang="es-CO" sz="2800" b="1" dirty="0">
+                <a:solidFill>
+                  <a:schemeClr val="bg1"/>
+                </a:solidFill>
+                <a:latin typeface="Segoe UI" panose="020B0502040204020203" pitchFamily="34" charset="0"/>
+                <a:ea typeface="Segoe UI Black" panose="020B0A02040204020203" pitchFamily="34" charset="0"/>
+                <a:cs typeface="Segoe UI" panose="020B0502040204020203" pitchFamily="34" charset="0"/>
+              </a:rPr>
+              <a:t>Ciclo de vida </a:t>
+            </a:r>
+            <a:r>
+              <a:rPr lang="es-CO" sz="2800" dirty="0">
+                <a:solidFill>
+                  <a:schemeClr val="bg1"/>
+                </a:solidFill>
+                <a:latin typeface="Segoe UI" panose="020B0502040204020203" pitchFamily="34" charset="0"/>
+                <a:ea typeface="Segoe UI Black" panose="020B0A02040204020203" pitchFamily="34" charset="0"/>
+                <a:cs typeface="Segoe UI" panose="020B0502040204020203" pitchFamily="34" charset="0"/>
+              </a:rPr>
+              <a:t>de repositorios en </a:t>
+            </a:r>
+            <a:r>
+              <a:rPr lang="es-CO" sz="2800" b="1" dirty="0">
+                <a:solidFill>
+                  <a:schemeClr val="bg1"/>
+                </a:solidFill>
+                <a:latin typeface="Segoe UI" panose="020B0502040204020203" pitchFamily="34" charset="0"/>
+                <a:ea typeface="Segoe UI Black" panose="020B0A02040204020203" pitchFamily="34" charset="0"/>
+                <a:cs typeface="Segoe UI" panose="020B0502040204020203" pitchFamily="34" charset="0"/>
+              </a:rPr>
+              <a:t>GitHub</a:t>
+            </a:r>
+          </a:p>
+        </p:txBody>
+      </p:sp>
+    </p:spTree>
+    <p:extLst>
+      <p:ext uri="{BB962C8B-B14F-4D97-AF65-F5344CB8AC3E}">
+        <p14:creationId xmlns:p14="http://schemas.microsoft.com/office/powerpoint/2010/main" val="1623742609"/>
+      </p:ext>
+    </p:extLst>
+  </p:cSld>
+  <p:clrMapOvr>
+    <a:masterClrMapping/>
+  </p:clrMapOvr>
+</p:sld>
+</file>
+
+<file path=ppt/slides/slide21.xml><?xml version="1.0" encoding="utf-8"?>
+<p:sld xmlns:a="http://schemas.openxmlformats.org/drawingml/2006/main" xmlns:r="http://schemas.openxmlformats.org/officeDocument/2006/relationships" xmlns:p="http://schemas.openxmlformats.org/presentationml/2006/main">
+  <p:cSld>
+    <p:spTree>
+      <p:nvGrpSpPr>
+        <p:cNvPr id="1" name=""/>
+        <p:cNvGrpSpPr/>
+        <p:nvPr/>
+      </p:nvGrpSpPr>
+      <p:grpSpPr>
+        <a:xfrm>
+          <a:off x="0" y="0"/>
+          <a:ext cx="0" cy="0"/>
+          <a:chOff x="0" y="0"/>
+          <a:chExt cx="0" cy="0"/>
+        </a:xfrm>
+      </p:grpSpPr>
+      <p:sp>
+        <p:nvSpPr>
+          <p:cNvPr id="3" name="Title 1">
+            <a:extLst>
+              <a:ext uri="{FF2B5EF4-FFF2-40B4-BE49-F238E27FC236}">
+                <a16:creationId xmlns:a16="http://schemas.microsoft.com/office/drawing/2014/main" id="{5293DDAA-B5E7-2D95-74A3-91A199E94E6C}"/>
+              </a:ext>
+            </a:extLst>
+          </p:cNvPr>
+          <p:cNvSpPr txBox="1">
+            <a:spLocks/>
+          </p:cNvSpPr>
+          <p:nvPr/>
+        </p:nvSpPr>
+        <p:spPr>
+          <a:xfrm>
+            <a:off x="1120775" y="2495549"/>
+            <a:ext cx="9950450" cy="1866900"/>
+          </a:xfrm>
+          <a:prstGeom prst="rect">
+            <a:avLst/>
+          </a:prstGeom>
+        </p:spPr>
+        <p:txBody>
+          <a:bodyPr vert="horz" lIns="91440" tIns="45720" rIns="91440" bIns="45720" rtlCol="0" anchor="ctr" anchorCtr="0">
+            <a:noAutofit/>
+          </a:bodyPr>
+          <a:lstStyle>
+            <a:lvl1pPr algn="l" defTabSz="914377" rtl="0" eaLnBrk="1" latinLnBrk="0" hangingPunct="1">
+              <a:lnSpc>
+                <a:spcPct val="90000"/>
+              </a:lnSpc>
+              <a:spcBef>
+                <a:spcPct val="0"/>
+              </a:spcBef>
+              <a:buNone/>
+              <a:defRPr sz="2600" kern="1200">
+                <a:solidFill>
+                  <a:schemeClr val="tx1"/>
+                </a:solidFill>
+                <a:latin typeface="+mj-lt"/>
+                <a:ea typeface="+mj-ea"/>
+                <a:cs typeface="+mj-cs"/>
+              </a:defRPr>
+            </a:lvl1pPr>
+          </a:lstStyle>
+          <a:p>
+            <a:pPr algn="ctr"/>
+            <a:r>
+              <a:rPr lang="es-CO" sz="2800" b="1" dirty="0" err="1">
+                <a:solidFill>
+                  <a:schemeClr val="bg1">
+                    <a:lumMod val="25000"/>
+                  </a:schemeClr>
+                </a:solidFill>
+                <a:latin typeface="Segoe UI" panose="020B0502040204020203" pitchFamily="34" charset="0"/>
+                <a:ea typeface="Segoe UI Black" panose="020B0A02040204020203" pitchFamily="34" charset="0"/>
+                <a:cs typeface="Segoe UI" panose="020B0502040204020203" pitchFamily="34" charset="0"/>
+              </a:rPr>
+              <a:t>Commit</a:t>
+            </a:r>
+            <a:r>
+              <a:rPr lang="es-CO" sz="2800" dirty="0">
+                <a:solidFill>
+                  <a:schemeClr val="bg1">
+                    <a:lumMod val="25000"/>
+                  </a:schemeClr>
+                </a:solidFill>
+                <a:latin typeface="Segoe UI" panose="020B0502040204020203" pitchFamily="34" charset="0"/>
+                <a:ea typeface="Segoe UI Black" panose="020B0A02040204020203" pitchFamily="34" charset="0"/>
+                <a:cs typeface="Segoe UI" panose="020B0502040204020203" pitchFamily="34" charset="0"/>
+              </a:rPr>
+              <a:t>: al realizar modificaciones sobre el código o la documentación, es necesario incluir comentarios que ayuden a los demás usuarios a entender los cambios realizados.</a:t>
+            </a:r>
+          </a:p>
+        </p:txBody>
+      </p:sp>
+      <p:sp>
+        <p:nvSpPr>
+          <p:cNvPr id="13" name="Title 1">
+            <a:extLst>
+              <a:ext uri="{FF2B5EF4-FFF2-40B4-BE49-F238E27FC236}">
+                <a16:creationId xmlns:a16="http://schemas.microsoft.com/office/drawing/2014/main" id="{C5926AB3-60A5-5F71-6BDF-248779AEDB90}"/>
+              </a:ext>
+            </a:extLst>
+          </p:cNvPr>
+          <p:cNvSpPr txBox="1">
+            <a:spLocks/>
+          </p:cNvSpPr>
+          <p:nvPr/>
+        </p:nvSpPr>
+        <p:spPr>
+          <a:xfrm rot="16200000">
+            <a:off x="-3069000" y="3068999"/>
+            <a:ext cx="6858001" cy="720000"/>
+          </a:xfrm>
+          <a:prstGeom prst="rect">
+            <a:avLst/>
+          </a:prstGeom>
+          <a:solidFill>
+            <a:schemeClr val="bg1">
+              <a:lumMod val="25000"/>
+            </a:schemeClr>
+          </a:solidFill>
+        </p:spPr>
+        <p:txBody>
+          <a:bodyPr vert="horz" lIns="91440" tIns="45720" rIns="91440" bIns="45720" rtlCol="0" anchor="ctr" anchorCtr="0">
+            <a:normAutofit/>
+          </a:bodyPr>
+          <a:lstStyle>
+            <a:lvl1pPr algn="l" defTabSz="914377" rtl="0" eaLnBrk="1" latinLnBrk="0" hangingPunct="1">
+              <a:lnSpc>
+                <a:spcPct val="90000"/>
+              </a:lnSpc>
+              <a:spcBef>
+                <a:spcPct val="0"/>
+              </a:spcBef>
+              <a:buNone/>
+              <a:defRPr sz="2600" kern="1200">
+                <a:solidFill>
+                  <a:schemeClr val="tx1"/>
+                </a:solidFill>
+                <a:latin typeface="+mj-lt"/>
+                <a:ea typeface="+mj-ea"/>
+                <a:cs typeface="+mj-cs"/>
+              </a:defRPr>
+            </a:lvl1pPr>
+          </a:lstStyle>
+          <a:p>
+            <a:pPr algn="ctr"/>
+            <a:r>
+              <a:rPr lang="es-CO" sz="2800" b="1" dirty="0">
+                <a:solidFill>
+                  <a:schemeClr val="bg1"/>
+                </a:solidFill>
+                <a:latin typeface="Segoe UI" panose="020B0502040204020203" pitchFamily="34" charset="0"/>
+                <a:ea typeface="Segoe UI Black" panose="020B0A02040204020203" pitchFamily="34" charset="0"/>
+                <a:cs typeface="Segoe UI" panose="020B0502040204020203" pitchFamily="34" charset="0"/>
+              </a:rPr>
+              <a:t>Ciclo de vida </a:t>
+            </a:r>
+            <a:r>
+              <a:rPr lang="es-CO" sz="2800" dirty="0">
+                <a:solidFill>
+                  <a:schemeClr val="bg1"/>
+                </a:solidFill>
+                <a:latin typeface="Segoe UI" panose="020B0502040204020203" pitchFamily="34" charset="0"/>
+                <a:ea typeface="Segoe UI Black" panose="020B0A02040204020203" pitchFamily="34" charset="0"/>
+                <a:cs typeface="Segoe UI" panose="020B0502040204020203" pitchFamily="34" charset="0"/>
+              </a:rPr>
+              <a:t>de repositorios en </a:t>
+            </a:r>
+            <a:r>
+              <a:rPr lang="es-CO" sz="2800" b="1" dirty="0">
+                <a:solidFill>
+                  <a:schemeClr val="bg1"/>
+                </a:solidFill>
+                <a:latin typeface="Segoe UI" panose="020B0502040204020203" pitchFamily="34" charset="0"/>
+                <a:ea typeface="Segoe UI Black" panose="020B0A02040204020203" pitchFamily="34" charset="0"/>
+                <a:cs typeface="Segoe UI" panose="020B0502040204020203" pitchFamily="34" charset="0"/>
+              </a:rPr>
+              <a:t>GitHub</a:t>
+            </a:r>
+          </a:p>
+        </p:txBody>
+      </p:sp>
+    </p:spTree>
+    <p:extLst>
+      <p:ext uri="{BB962C8B-B14F-4D97-AF65-F5344CB8AC3E}">
+        <p14:creationId xmlns:p14="http://schemas.microsoft.com/office/powerpoint/2010/main" val="2449469188"/>
+      </p:ext>
+    </p:extLst>
+  </p:cSld>
+  <p:clrMapOvr>
+    <a:masterClrMapping/>
+  </p:clrMapOvr>
+</p:sld>
+</file>
+
+<file path=ppt/slides/slide22.xml><?xml version="1.0" encoding="utf-8"?>
+<p:sld xmlns:a="http://schemas.openxmlformats.org/drawingml/2006/main" xmlns:r="http://schemas.openxmlformats.org/officeDocument/2006/relationships" xmlns:p="http://schemas.openxmlformats.org/presentationml/2006/main">
+  <p:cSld>
+    <p:bg>
+      <p:bgPr>
+        <a:solidFill>
+          <a:schemeClr val="bg1">
+            <a:lumMod val="90000"/>
+          </a:schemeClr>
+        </a:solidFill>
+        <a:effectLst/>
+      </p:bgPr>
+    </p:bg>
+    <p:spTree>
+      <p:nvGrpSpPr>
+        <p:cNvPr id="1" name=""/>
+        <p:cNvGrpSpPr/>
+        <p:nvPr/>
+      </p:nvGrpSpPr>
+      <p:grpSpPr>
+        <a:xfrm>
+          <a:off x="0" y="0"/>
+          <a:ext cx="0" cy="0"/>
+          <a:chOff x="0" y="0"/>
+          <a:chExt cx="0" cy="0"/>
+        </a:xfrm>
+      </p:grpSpPr>
+      <p:sp>
+        <p:nvSpPr>
+          <p:cNvPr id="15" name="Title 1">
+            <a:extLst>
+              <a:ext uri="{FF2B5EF4-FFF2-40B4-BE49-F238E27FC236}">
+                <a16:creationId xmlns:a16="http://schemas.microsoft.com/office/drawing/2014/main" id="{D8113FAF-0AA7-0EDA-4B5D-4E57EA2995CE}"/>
+              </a:ext>
+            </a:extLst>
+          </p:cNvPr>
+          <p:cNvSpPr>
+            <a:spLocks noGrp="1"/>
+          </p:cNvSpPr>
+          <p:nvPr>
+            <p:ph type="title"/>
+          </p:nvPr>
+        </p:nvSpPr>
+        <p:spPr>
+          <a:xfrm>
+            <a:off x="1" y="3738188"/>
+            <a:ext cx="12191999" cy="930208"/>
+          </a:xfrm>
+        </p:spPr>
+        <p:txBody>
+          <a:bodyPr anchor="ctr" anchorCtr="0">
+            <a:normAutofit/>
+          </a:bodyPr>
+          <a:lstStyle/>
+          <a:p>
+            <a:pPr algn="ctr"/>
+            <a:r>
+              <a:rPr lang="es-CO" sz="3600" dirty="0">
+                <a:solidFill>
+                  <a:schemeClr val="bg1">
+                    <a:lumMod val="25000"/>
+                  </a:schemeClr>
+                </a:solidFill>
+                <a:latin typeface="Segoe UI" panose="020B0502040204020203" pitchFamily="34" charset="0"/>
+                <a:ea typeface="Segoe UI Black" panose="020B0A02040204020203" pitchFamily="34" charset="0"/>
+                <a:cs typeface="Segoe UI" panose="020B0502040204020203" pitchFamily="34" charset="0"/>
+              </a:rPr>
+              <a:t>Lenguaje </a:t>
+            </a:r>
+            <a:r>
+              <a:rPr lang="es-CO" sz="3600" b="1" dirty="0" err="1">
+                <a:solidFill>
+                  <a:schemeClr val="bg1">
+                    <a:lumMod val="25000"/>
+                  </a:schemeClr>
+                </a:solidFill>
+                <a:latin typeface="Segoe UI" panose="020B0502040204020203" pitchFamily="34" charset="0"/>
+                <a:ea typeface="Segoe UI Black" panose="020B0A02040204020203" pitchFamily="34" charset="0"/>
+                <a:cs typeface="Segoe UI" panose="020B0502040204020203" pitchFamily="34" charset="0"/>
+              </a:rPr>
+              <a:t>Markdown</a:t>
+            </a:r>
+            <a:r>
+              <a:rPr lang="es-CO" sz="3600" dirty="0">
+                <a:solidFill>
+                  <a:schemeClr val="bg1">
+                    <a:lumMod val="25000"/>
+                  </a:schemeClr>
+                </a:solidFill>
+                <a:latin typeface="Segoe UI" panose="020B0502040204020203" pitchFamily="34" charset="0"/>
+                <a:ea typeface="Segoe UI Black" panose="020B0A02040204020203" pitchFamily="34" charset="0"/>
+                <a:cs typeface="Segoe UI" panose="020B0502040204020203" pitchFamily="34" charset="0"/>
+              </a:rPr>
+              <a:t> y escritura </a:t>
+            </a:r>
+            <a:r>
+              <a:rPr lang="es-CO" sz="3600" b="1" dirty="0">
+                <a:solidFill>
+                  <a:schemeClr val="bg1">
+                    <a:lumMod val="25000"/>
+                  </a:schemeClr>
+                </a:solidFill>
+                <a:latin typeface="Segoe UI" panose="020B0502040204020203" pitchFamily="34" charset="0"/>
+                <a:ea typeface="Segoe UI Black" panose="020B0A02040204020203" pitchFamily="34" charset="0"/>
+                <a:cs typeface="Segoe UI" panose="020B0502040204020203" pitchFamily="34" charset="0"/>
+              </a:rPr>
+              <a:t>en GitHub</a:t>
+            </a:r>
+          </a:p>
+        </p:txBody>
+      </p:sp>
+      <p:sp>
+        <p:nvSpPr>
+          <p:cNvPr id="2" name="TextBox 1">
+            <a:extLst>
+              <a:ext uri="{FF2B5EF4-FFF2-40B4-BE49-F238E27FC236}">
+                <a16:creationId xmlns:a16="http://schemas.microsoft.com/office/drawing/2014/main" id="{5B323161-4A44-48EB-011B-1D0368B6ABAF}"/>
+              </a:ext>
+            </a:extLst>
+          </p:cNvPr>
+          <p:cNvSpPr txBox="1"/>
+          <p:nvPr/>
+        </p:nvSpPr>
+        <p:spPr>
+          <a:xfrm>
+            <a:off x="0" y="6550223"/>
+            <a:ext cx="12192000" cy="307777"/>
+          </a:xfrm>
+          <a:prstGeom prst="rect">
+            <a:avLst/>
+          </a:prstGeom>
+          <a:noFill/>
+        </p:spPr>
+        <p:txBody>
+          <a:bodyPr wrap="square" rtlCol="0">
+            <a:spAutoFit/>
+          </a:bodyPr>
+          <a:lstStyle/>
+          <a:p>
+            <a:pPr algn="ctr"/>
+            <a:r>
+              <a:rPr lang="en-US" sz="1400" dirty="0">
+                <a:solidFill>
+                  <a:schemeClr val="bg1">
+                    <a:lumMod val="25000"/>
+                  </a:schemeClr>
+                </a:solidFill>
+                <a:latin typeface="+mj-lt"/>
+                <a:hlinkClick r:id="rId3"/>
+              </a:rPr>
+              <a:t>https://github.com/rcfdtools/R.TeachingResearchGuide/tree/main/Section01/Markdown#lenguaje-markdown-y-escritura-en-github</a:t>
+            </a:r>
+            <a:r>
+              <a:rPr lang="en-US" sz="1400" dirty="0">
+                <a:solidFill>
+                  <a:schemeClr val="bg1">
+                    <a:lumMod val="25000"/>
+                  </a:schemeClr>
+                </a:solidFill>
+                <a:latin typeface="+mj-lt"/>
+              </a:rPr>
+              <a:t> </a:t>
+            </a:r>
+            <a:endParaRPr lang="en-US" sz="1400" b="0" strike="noStrike" dirty="0">
+              <a:solidFill>
+                <a:schemeClr val="bg1">
+                  <a:lumMod val="25000"/>
+                </a:schemeClr>
+              </a:solidFill>
+              <a:effectLst/>
+              <a:latin typeface="+mj-lt"/>
+            </a:endParaRPr>
+          </a:p>
+        </p:txBody>
+      </p:sp>
+      <p:pic>
+        <p:nvPicPr>
+          <p:cNvPr id="5" name="Graphic 4">
+            <a:extLst>
+              <a:ext uri="{FF2B5EF4-FFF2-40B4-BE49-F238E27FC236}">
+                <a16:creationId xmlns:a16="http://schemas.microsoft.com/office/drawing/2014/main" id="{2D3075CE-1B35-C843-5BB8-8416537A5DCB}"/>
+              </a:ext>
+            </a:extLst>
+          </p:cNvPr>
+          <p:cNvPicPr>
+            <a:picLocks noChangeAspect="1"/>
+          </p:cNvPicPr>
+          <p:nvPr/>
+        </p:nvPicPr>
+        <p:blipFill>
+          <a:blip r:embed="rId4">
+            <a:extLst>
+              <a:ext uri="{96DAC541-7B7A-43D3-8B79-37D633B846F1}">
+                <asvg:svgBlip xmlns:asvg="http://schemas.microsoft.com/office/drawing/2016/SVG/main" r:embed="rId5"/>
+              </a:ext>
+            </a:extLst>
+          </a:blip>
+          <a:stretch>
+            <a:fillRect/>
+          </a:stretch>
+        </p:blipFill>
+        <p:spPr>
+          <a:xfrm>
+            <a:off x="4926620" y="2077275"/>
+            <a:ext cx="2338759" cy="1440000"/>
+          </a:xfrm>
+          <a:prstGeom prst="rect">
+            <a:avLst/>
+          </a:prstGeom>
+        </p:spPr>
+      </p:pic>
+    </p:spTree>
+    <p:extLst>
+      <p:ext uri="{BB962C8B-B14F-4D97-AF65-F5344CB8AC3E}">
+        <p14:creationId xmlns:p14="http://schemas.microsoft.com/office/powerpoint/2010/main" val="1770472625"/>
+      </p:ext>
+    </p:extLst>
+  </p:cSld>
+  <p:clrMapOvr>
+    <a:masterClrMapping/>
+  </p:clrMapOvr>
+</p:sld>
+</file>
+
+<file path=ppt/slides/slide23.xml><?xml version="1.0" encoding="utf-8"?>
+<p:sld xmlns:a="http://schemas.openxmlformats.org/drawingml/2006/main" xmlns:r="http://schemas.openxmlformats.org/officeDocument/2006/relationships" xmlns:p="http://schemas.openxmlformats.org/presentationml/2006/main">
+  <p:cSld>
+    <p:bg>
+      <p:bgPr>
+        <a:solidFill>
+          <a:schemeClr val="bg1">
+            <a:lumMod val="90000"/>
+          </a:schemeClr>
+        </a:solidFill>
+        <a:effectLst/>
+      </p:bgPr>
+    </p:bg>
+    <p:spTree>
+      <p:nvGrpSpPr>
+        <p:cNvPr id="1" name=""/>
+        <p:cNvGrpSpPr/>
+        <p:nvPr/>
+      </p:nvGrpSpPr>
+      <p:grpSpPr>
+        <a:xfrm>
+          <a:off x="0" y="0"/>
+          <a:ext cx="0" cy="0"/>
+          <a:chOff x="0" y="0"/>
+          <a:chExt cx="0" cy="0"/>
+        </a:xfrm>
+      </p:grpSpPr>
+      <p:sp>
+        <p:nvSpPr>
+          <p:cNvPr id="15" name="Title 1">
+            <a:extLst>
+              <a:ext uri="{FF2B5EF4-FFF2-40B4-BE49-F238E27FC236}">
+                <a16:creationId xmlns:a16="http://schemas.microsoft.com/office/drawing/2014/main" id="{D8113FAF-0AA7-0EDA-4B5D-4E57EA2995CE}"/>
+              </a:ext>
+            </a:extLst>
+          </p:cNvPr>
+          <p:cNvSpPr>
+            <a:spLocks noGrp="1"/>
+          </p:cNvSpPr>
+          <p:nvPr>
+            <p:ph type="title"/>
+          </p:nvPr>
+        </p:nvSpPr>
+        <p:spPr>
+          <a:xfrm>
+            <a:off x="1719400" y="1676400"/>
+            <a:ext cx="10256698" cy="812800"/>
+          </a:xfrm>
+        </p:spPr>
+        <p:txBody>
+          <a:bodyPr anchor="ctr" anchorCtr="0">
+            <a:normAutofit/>
+          </a:bodyPr>
+          <a:lstStyle/>
+          <a:p>
+            <a:r>
+              <a:rPr lang="es-CO" sz="2800" dirty="0">
+                <a:solidFill>
+                  <a:schemeClr val="bg1">
+                    <a:lumMod val="25000"/>
+                  </a:schemeClr>
+                </a:solidFill>
+                <a:latin typeface="Segoe UI" panose="020B0502040204020203" pitchFamily="34" charset="0"/>
+                <a:ea typeface="Segoe UI Black" panose="020B0A02040204020203" pitchFamily="34" charset="0"/>
+                <a:cs typeface="Segoe UI" panose="020B0502040204020203" pitchFamily="34" charset="0"/>
+              </a:rPr>
+              <a:t>Creación y gestión en línea de repositorios y documentos.</a:t>
+            </a:r>
+            <a:endParaRPr lang="es-CO" sz="2800" b="1" dirty="0">
+              <a:solidFill>
+                <a:schemeClr val="bg1">
+                  <a:lumMod val="25000"/>
+                </a:schemeClr>
+              </a:solidFill>
+              <a:latin typeface="Segoe UI" panose="020B0502040204020203" pitchFamily="34" charset="0"/>
+              <a:ea typeface="Segoe UI Black" panose="020B0A02040204020203" pitchFamily="34" charset="0"/>
+              <a:cs typeface="Segoe UI" panose="020B0502040204020203" pitchFamily="34" charset="0"/>
+            </a:endParaRPr>
+          </a:p>
+        </p:txBody>
+      </p:sp>
+      <p:sp>
+        <p:nvSpPr>
+          <p:cNvPr id="3" name="Title 1">
+            <a:extLst>
+              <a:ext uri="{FF2B5EF4-FFF2-40B4-BE49-F238E27FC236}">
+                <a16:creationId xmlns:a16="http://schemas.microsoft.com/office/drawing/2014/main" id="{DFC3B8F7-2DC2-B432-4FB4-70ABEBB93A52}"/>
+              </a:ext>
+            </a:extLst>
+          </p:cNvPr>
+          <p:cNvSpPr txBox="1">
+            <a:spLocks/>
+          </p:cNvSpPr>
+          <p:nvPr/>
+        </p:nvSpPr>
+        <p:spPr>
+          <a:xfrm>
+            <a:off x="0" y="359988"/>
+            <a:ext cx="12191999" cy="930208"/>
+          </a:xfrm>
+          <a:prstGeom prst="rect">
+            <a:avLst/>
+          </a:prstGeom>
+        </p:spPr>
+        <p:txBody>
+          <a:bodyPr vert="horz" lIns="91440" tIns="45720" rIns="91440" bIns="45720" rtlCol="0" anchor="ctr" anchorCtr="0">
+            <a:normAutofit/>
+          </a:bodyPr>
+          <a:lstStyle>
+            <a:lvl1pPr algn="l" defTabSz="914377" rtl="0" eaLnBrk="1" latinLnBrk="0" hangingPunct="1">
+              <a:lnSpc>
+                <a:spcPct val="90000"/>
+              </a:lnSpc>
+              <a:spcBef>
+                <a:spcPct val="0"/>
+              </a:spcBef>
+              <a:buNone/>
+              <a:defRPr sz="2600" kern="1200">
+                <a:solidFill>
+                  <a:schemeClr val="tx1"/>
+                </a:solidFill>
+                <a:latin typeface="+mj-lt"/>
+                <a:ea typeface="+mj-ea"/>
+                <a:cs typeface="+mj-cs"/>
+              </a:defRPr>
+            </a:lvl1pPr>
+          </a:lstStyle>
+          <a:p>
+            <a:pPr algn="ctr"/>
+            <a:r>
+              <a:rPr lang="es-CO" sz="3600" b="1" dirty="0">
+                <a:solidFill>
+                  <a:schemeClr val="bg1">
+                    <a:lumMod val="25000"/>
+                  </a:schemeClr>
+                </a:solidFill>
+                <a:latin typeface="Segoe UI" panose="020B0502040204020203" pitchFamily="34" charset="0"/>
+                <a:ea typeface="Segoe UI Black" panose="020B0A02040204020203" pitchFamily="34" charset="0"/>
+                <a:cs typeface="Segoe UI" panose="020B0502040204020203" pitchFamily="34" charset="0"/>
+              </a:rPr>
+              <a:t>Actividades prácticas </a:t>
+            </a:r>
+            <a:r>
+              <a:rPr lang="es-CO" sz="3600" dirty="0">
+                <a:solidFill>
+                  <a:schemeClr val="bg1">
+                    <a:lumMod val="25000"/>
+                  </a:schemeClr>
+                </a:solidFill>
+                <a:latin typeface="Segoe UI" panose="020B0502040204020203" pitchFamily="34" charset="0"/>
+                <a:ea typeface="Segoe UI Black" panose="020B0A02040204020203" pitchFamily="34" charset="0"/>
+                <a:cs typeface="Segoe UI" panose="020B0502040204020203" pitchFamily="34" charset="0"/>
+              </a:rPr>
+              <a:t>en GitHub</a:t>
+            </a:r>
+            <a:endParaRPr lang="es-CO" sz="3600" b="1" dirty="0">
+              <a:solidFill>
+                <a:schemeClr val="bg1">
+                  <a:lumMod val="25000"/>
+                </a:schemeClr>
+              </a:solidFill>
+              <a:latin typeface="Segoe UI" panose="020B0502040204020203" pitchFamily="34" charset="0"/>
+              <a:ea typeface="Segoe UI Black" panose="020B0A02040204020203" pitchFamily="34" charset="0"/>
+              <a:cs typeface="Segoe UI" panose="020B0502040204020203" pitchFamily="34" charset="0"/>
+            </a:endParaRPr>
+          </a:p>
+        </p:txBody>
+      </p:sp>
+      <p:pic>
+        <p:nvPicPr>
+          <p:cNvPr id="8" name="Graphic 7" descr="Badge New outline">
+            <a:hlinkClick r:id="rId3"/>
+            <a:extLst>
+              <a:ext uri="{FF2B5EF4-FFF2-40B4-BE49-F238E27FC236}">
+                <a16:creationId xmlns:a16="http://schemas.microsoft.com/office/drawing/2014/main" id="{F6B64D60-C2F1-61A7-465D-F93914C41F63}"/>
+              </a:ext>
+            </a:extLst>
+          </p:cNvPr>
+          <p:cNvPicPr>
+            <a:picLocks noChangeAspect="1"/>
+          </p:cNvPicPr>
+          <p:nvPr/>
+        </p:nvPicPr>
+        <p:blipFill>
+          <a:blip r:embed="rId4">
+            <a:extLst>
+              <a:ext uri="{96DAC541-7B7A-43D3-8B79-37D633B846F1}">
+                <asvg:svgBlip xmlns:asvg="http://schemas.microsoft.com/office/drawing/2016/SVG/main" r:embed="rId5"/>
+              </a:ext>
+            </a:extLst>
+          </a:blip>
+          <a:stretch>
+            <a:fillRect/>
+          </a:stretch>
+        </p:blipFill>
+        <p:spPr>
+          <a:xfrm>
+            <a:off x="459402" y="1542800"/>
+            <a:ext cx="1080000" cy="1080000"/>
+          </a:xfrm>
+          <a:prstGeom prst="rect">
+            <a:avLst/>
+          </a:prstGeom>
+        </p:spPr>
+      </p:pic>
+      <p:sp>
+        <p:nvSpPr>
+          <p:cNvPr id="9" name="Title 1">
+            <a:extLst>
+              <a:ext uri="{FF2B5EF4-FFF2-40B4-BE49-F238E27FC236}">
+                <a16:creationId xmlns:a16="http://schemas.microsoft.com/office/drawing/2014/main" id="{EBFD7121-9F48-4F86-879E-D1CC29FFA981}"/>
+              </a:ext>
+            </a:extLst>
+          </p:cNvPr>
+          <p:cNvSpPr txBox="1">
+            <a:spLocks/>
+          </p:cNvSpPr>
+          <p:nvPr/>
+        </p:nvSpPr>
+        <p:spPr>
+          <a:xfrm>
+            <a:off x="1719402" y="2888908"/>
+            <a:ext cx="10256698" cy="812800"/>
+          </a:xfrm>
+          <a:prstGeom prst="rect">
+            <a:avLst/>
+          </a:prstGeom>
+        </p:spPr>
+        <p:txBody>
+          <a:bodyPr vert="horz" lIns="91440" tIns="45720" rIns="91440" bIns="45720" rtlCol="0" anchor="ctr" anchorCtr="0">
+            <a:normAutofit/>
+          </a:bodyPr>
+          <a:lstStyle>
+            <a:lvl1pPr algn="l" defTabSz="914377" rtl="0" eaLnBrk="1" latinLnBrk="0" hangingPunct="1">
+              <a:lnSpc>
+                <a:spcPct val="90000"/>
+              </a:lnSpc>
+              <a:spcBef>
+                <a:spcPct val="0"/>
+              </a:spcBef>
+              <a:buNone/>
+              <a:defRPr sz="2600" kern="1200">
+                <a:solidFill>
+                  <a:schemeClr val="tx1"/>
+                </a:solidFill>
+                <a:latin typeface="+mj-lt"/>
+                <a:ea typeface="+mj-ea"/>
+                <a:cs typeface="+mj-cs"/>
+              </a:defRPr>
+            </a:lvl1pPr>
+          </a:lstStyle>
+          <a:p>
+            <a:r>
+              <a:rPr lang="es-CO" sz="2800" dirty="0">
+                <a:solidFill>
+                  <a:schemeClr val="bg1">
+                    <a:lumMod val="25000"/>
+                  </a:schemeClr>
+                </a:solidFill>
+                <a:latin typeface="Segoe UI" panose="020B0502040204020203" pitchFamily="34" charset="0"/>
+                <a:ea typeface="Segoe UI Black" panose="020B0A02040204020203" pitchFamily="34" charset="0"/>
+                <a:cs typeface="Segoe UI" panose="020B0502040204020203" pitchFamily="34" charset="0"/>
+              </a:rPr>
+              <a:t>Fundamentos de organizaciones y equipos.</a:t>
+            </a:r>
+            <a:endParaRPr lang="es-CO" sz="2800" b="1" dirty="0">
+              <a:solidFill>
+                <a:schemeClr val="bg1">
+                  <a:lumMod val="25000"/>
+                </a:schemeClr>
+              </a:solidFill>
+              <a:latin typeface="Segoe UI" panose="020B0502040204020203" pitchFamily="34" charset="0"/>
+              <a:ea typeface="Segoe UI Black" panose="020B0A02040204020203" pitchFamily="34" charset="0"/>
+              <a:cs typeface="Segoe UI" panose="020B0502040204020203" pitchFamily="34" charset="0"/>
+            </a:endParaRPr>
+          </a:p>
+        </p:txBody>
+      </p:sp>
+      <p:sp>
+        <p:nvSpPr>
+          <p:cNvPr id="11" name="Title 1">
+            <a:extLst>
+              <a:ext uri="{FF2B5EF4-FFF2-40B4-BE49-F238E27FC236}">
+                <a16:creationId xmlns:a16="http://schemas.microsoft.com/office/drawing/2014/main" id="{0BBCF007-101C-6956-2CFF-EEDFF4373580}"/>
+              </a:ext>
+            </a:extLst>
+          </p:cNvPr>
+          <p:cNvSpPr txBox="1">
+            <a:spLocks/>
+          </p:cNvSpPr>
+          <p:nvPr/>
+        </p:nvSpPr>
+        <p:spPr>
+          <a:xfrm>
+            <a:off x="1719402" y="4101416"/>
+            <a:ext cx="10256698" cy="812800"/>
+          </a:xfrm>
+          <a:prstGeom prst="rect">
+            <a:avLst/>
+          </a:prstGeom>
+        </p:spPr>
+        <p:txBody>
+          <a:bodyPr vert="horz" lIns="91440" tIns="45720" rIns="91440" bIns="45720" rtlCol="0" anchor="ctr" anchorCtr="0">
+            <a:normAutofit/>
+          </a:bodyPr>
+          <a:lstStyle>
+            <a:lvl1pPr algn="l" defTabSz="914377" rtl="0" eaLnBrk="1" latinLnBrk="0" hangingPunct="1">
+              <a:lnSpc>
+                <a:spcPct val="90000"/>
+              </a:lnSpc>
+              <a:spcBef>
+                <a:spcPct val="0"/>
+              </a:spcBef>
+              <a:buNone/>
+              <a:defRPr sz="2600" kern="1200">
+                <a:solidFill>
+                  <a:schemeClr val="tx1"/>
+                </a:solidFill>
+                <a:latin typeface="+mj-lt"/>
+                <a:ea typeface="+mj-ea"/>
+                <a:cs typeface="+mj-cs"/>
+              </a:defRPr>
+            </a:lvl1pPr>
+          </a:lstStyle>
+          <a:p>
+            <a:r>
+              <a:rPr lang="es-CO" sz="2800" dirty="0">
+                <a:solidFill>
+                  <a:schemeClr val="bg1">
+                    <a:lumMod val="25000"/>
+                  </a:schemeClr>
+                </a:solidFill>
+                <a:latin typeface="Segoe UI" panose="020B0502040204020203" pitchFamily="34" charset="0"/>
+                <a:ea typeface="Segoe UI Black" panose="020B0A02040204020203" pitchFamily="34" charset="0"/>
+                <a:cs typeface="Segoe UI" panose="020B0502040204020203" pitchFamily="34" charset="0"/>
+              </a:rPr>
+              <a:t>Centro de documentación Wiki.</a:t>
+            </a:r>
+            <a:endParaRPr lang="es-CO" sz="2800" b="1" dirty="0">
+              <a:solidFill>
+                <a:schemeClr val="bg1">
+                  <a:lumMod val="25000"/>
+                </a:schemeClr>
+              </a:solidFill>
+              <a:latin typeface="Segoe UI" panose="020B0502040204020203" pitchFamily="34" charset="0"/>
+              <a:ea typeface="Segoe UI Black" panose="020B0A02040204020203" pitchFamily="34" charset="0"/>
+              <a:cs typeface="Segoe UI" panose="020B0502040204020203" pitchFamily="34" charset="0"/>
+            </a:endParaRPr>
+          </a:p>
+        </p:txBody>
+      </p:sp>
+      <p:pic>
+        <p:nvPicPr>
+          <p:cNvPr id="13" name="Graphic 12" descr="Badge New outline">
+            <a:hlinkClick r:id="rId6"/>
+            <a:extLst>
+              <a:ext uri="{FF2B5EF4-FFF2-40B4-BE49-F238E27FC236}">
+                <a16:creationId xmlns:a16="http://schemas.microsoft.com/office/drawing/2014/main" id="{50F5B7CC-2A92-5877-BDC2-B4B59358B95D}"/>
+              </a:ext>
+            </a:extLst>
+          </p:cNvPr>
+          <p:cNvPicPr>
+            <a:picLocks noChangeAspect="1"/>
+          </p:cNvPicPr>
+          <p:nvPr/>
+        </p:nvPicPr>
+        <p:blipFill>
+          <a:blip r:embed="rId4">
+            <a:extLst>
+              <a:ext uri="{96DAC541-7B7A-43D3-8B79-37D633B846F1}">
+                <asvg:svgBlip xmlns:asvg="http://schemas.microsoft.com/office/drawing/2016/SVG/main" r:embed="rId5"/>
+              </a:ext>
+            </a:extLst>
+          </a:blip>
+          <a:stretch>
+            <a:fillRect/>
+          </a:stretch>
+        </p:blipFill>
+        <p:spPr>
+          <a:xfrm>
+            <a:off x="459402" y="2755308"/>
+            <a:ext cx="1080000" cy="1080000"/>
+          </a:xfrm>
+          <a:prstGeom prst="rect">
+            <a:avLst/>
+          </a:prstGeom>
+        </p:spPr>
+      </p:pic>
+      <p:pic>
+        <p:nvPicPr>
+          <p:cNvPr id="14" name="Graphic 13" descr="Badge New outline">
+            <a:hlinkClick r:id="rId7"/>
+            <a:extLst>
+              <a:ext uri="{FF2B5EF4-FFF2-40B4-BE49-F238E27FC236}">
+                <a16:creationId xmlns:a16="http://schemas.microsoft.com/office/drawing/2014/main" id="{0D997A4C-9CA8-EE30-11E0-68B619E713EF}"/>
+              </a:ext>
+            </a:extLst>
+          </p:cNvPr>
+          <p:cNvPicPr>
+            <a:picLocks noChangeAspect="1"/>
+          </p:cNvPicPr>
+          <p:nvPr/>
+        </p:nvPicPr>
+        <p:blipFill>
+          <a:blip r:embed="rId4">
+            <a:extLst>
+              <a:ext uri="{96DAC541-7B7A-43D3-8B79-37D633B846F1}">
+                <asvg:svgBlip xmlns:asvg="http://schemas.microsoft.com/office/drawing/2016/SVG/main" r:embed="rId5"/>
+              </a:ext>
+            </a:extLst>
+          </a:blip>
+          <a:stretch>
+            <a:fillRect/>
+          </a:stretch>
+        </p:blipFill>
+        <p:spPr>
+          <a:xfrm>
+            <a:off x="459404" y="3967816"/>
+            <a:ext cx="1080000" cy="1080000"/>
+          </a:xfrm>
+          <a:prstGeom prst="rect">
+            <a:avLst/>
+          </a:prstGeom>
+        </p:spPr>
+      </p:pic>
+      <p:sp>
+        <p:nvSpPr>
+          <p:cNvPr id="16" name="Title 1">
+            <a:extLst>
+              <a:ext uri="{FF2B5EF4-FFF2-40B4-BE49-F238E27FC236}">
+                <a16:creationId xmlns:a16="http://schemas.microsoft.com/office/drawing/2014/main" id="{CF75B3B2-3713-0170-E6DC-C72F717CD78C}"/>
+              </a:ext>
+            </a:extLst>
+          </p:cNvPr>
+          <p:cNvSpPr txBox="1">
+            <a:spLocks/>
+          </p:cNvSpPr>
+          <p:nvPr/>
+        </p:nvSpPr>
+        <p:spPr>
+          <a:xfrm>
+            <a:off x="1719400" y="5313924"/>
+            <a:ext cx="10256698" cy="812800"/>
+          </a:xfrm>
+          <a:prstGeom prst="rect">
+            <a:avLst/>
+          </a:prstGeom>
+        </p:spPr>
+        <p:txBody>
+          <a:bodyPr vert="horz" lIns="91440" tIns="45720" rIns="91440" bIns="45720" rtlCol="0" anchor="ctr" anchorCtr="0">
+            <a:normAutofit/>
+          </a:bodyPr>
+          <a:lstStyle>
+            <a:lvl1pPr algn="l" defTabSz="914377" rtl="0" eaLnBrk="1" latinLnBrk="0" hangingPunct="1">
+              <a:lnSpc>
+                <a:spcPct val="90000"/>
+              </a:lnSpc>
+              <a:spcBef>
+                <a:spcPct val="0"/>
+              </a:spcBef>
+              <a:buNone/>
+              <a:defRPr sz="2600" kern="1200">
+                <a:solidFill>
+                  <a:schemeClr val="tx1"/>
+                </a:solidFill>
+                <a:latin typeface="+mj-lt"/>
+                <a:ea typeface="+mj-ea"/>
+                <a:cs typeface="+mj-cs"/>
+              </a:defRPr>
+            </a:lvl1pPr>
+          </a:lstStyle>
+          <a:p>
+            <a:r>
+              <a:rPr lang="es-CO" sz="2800" dirty="0">
+                <a:solidFill>
+                  <a:schemeClr val="bg1">
+                    <a:lumMod val="25000"/>
+                  </a:schemeClr>
+                </a:solidFill>
+                <a:latin typeface="Segoe UI" panose="020B0502040204020203" pitchFamily="34" charset="0"/>
+                <a:ea typeface="Segoe UI Black" panose="020B0A02040204020203" pitchFamily="34" charset="0"/>
+                <a:cs typeface="Segoe UI" panose="020B0502040204020203" pitchFamily="34" charset="0"/>
+              </a:rPr>
+              <a:t>Centro de discusiones.</a:t>
+            </a:r>
+            <a:endParaRPr lang="es-CO" sz="2800" b="1" dirty="0">
+              <a:solidFill>
+                <a:schemeClr val="bg1">
+                  <a:lumMod val="25000"/>
+                </a:schemeClr>
+              </a:solidFill>
+              <a:latin typeface="Segoe UI" panose="020B0502040204020203" pitchFamily="34" charset="0"/>
+              <a:ea typeface="Segoe UI Black" panose="020B0A02040204020203" pitchFamily="34" charset="0"/>
+              <a:cs typeface="Segoe UI" panose="020B0502040204020203" pitchFamily="34" charset="0"/>
+            </a:endParaRPr>
+          </a:p>
+        </p:txBody>
+      </p:sp>
+      <p:pic>
+        <p:nvPicPr>
+          <p:cNvPr id="17" name="Graphic 16" descr="Badge New outline">
+            <a:hlinkClick r:id="rId8"/>
+            <a:extLst>
+              <a:ext uri="{FF2B5EF4-FFF2-40B4-BE49-F238E27FC236}">
+                <a16:creationId xmlns:a16="http://schemas.microsoft.com/office/drawing/2014/main" id="{3EC9CBF1-B826-94BC-3E81-E4C78DF28EF9}"/>
+              </a:ext>
+            </a:extLst>
+          </p:cNvPr>
+          <p:cNvPicPr>
+            <a:picLocks noChangeAspect="1"/>
+          </p:cNvPicPr>
+          <p:nvPr/>
+        </p:nvPicPr>
+        <p:blipFill>
+          <a:blip r:embed="rId4">
+            <a:extLst>
+              <a:ext uri="{96DAC541-7B7A-43D3-8B79-37D633B846F1}">
+                <asvg:svgBlip xmlns:asvg="http://schemas.microsoft.com/office/drawing/2016/SVG/main" r:embed="rId5"/>
+              </a:ext>
+            </a:extLst>
+          </a:blip>
+          <a:stretch>
+            <a:fillRect/>
+          </a:stretch>
+        </p:blipFill>
+        <p:spPr>
+          <a:xfrm>
+            <a:off x="459402" y="5180324"/>
+            <a:ext cx="1080000" cy="1080000"/>
+          </a:xfrm>
+          <a:prstGeom prst="rect">
+            <a:avLst/>
+          </a:prstGeom>
+        </p:spPr>
+      </p:pic>
+    </p:spTree>
+    <p:extLst>
+      <p:ext uri="{BB962C8B-B14F-4D97-AF65-F5344CB8AC3E}">
+        <p14:creationId xmlns:p14="http://schemas.microsoft.com/office/powerpoint/2010/main" val="3349285966"/>
+      </p:ext>
+    </p:extLst>
+  </p:cSld>
+  <p:clrMapOvr>
+    <a:masterClrMapping/>
+  </p:clrMapOvr>
+</p:sld>
+</file>
+
+<file path=ppt/slides/slide24.xml><?xml version="1.0" encoding="utf-8"?>
+<p:sld xmlns:a="http://schemas.openxmlformats.org/drawingml/2006/main" xmlns:r="http://schemas.openxmlformats.org/officeDocument/2006/relationships" xmlns:p="http://schemas.openxmlformats.org/presentationml/2006/main">
+  <p:cSld>
+    <p:spTree>
+      <p:nvGrpSpPr>
+        <p:cNvPr id="1" name=""/>
+        <p:cNvGrpSpPr/>
+        <p:nvPr/>
+      </p:nvGrpSpPr>
+      <p:grpSpPr>
+        <a:xfrm>
+          <a:off x="0" y="0"/>
+          <a:ext cx="0" cy="0"/>
+          <a:chOff x="0" y="0"/>
+          <a:chExt cx="0" cy="0"/>
+        </a:xfrm>
+      </p:grpSpPr>
+      <p:sp>
+        <p:nvSpPr>
+          <p:cNvPr id="3" name="Title 1">
+            <a:extLst>
+              <a:ext uri="{FF2B5EF4-FFF2-40B4-BE49-F238E27FC236}">
+                <a16:creationId xmlns:a16="http://schemas.microsoft.com/office/drawing/2014/main" id="{5293DDAA-B5E7-2D95-74A3-91A199E94E6C}"/>
+              </a:ext>
+            </a:extLst>
+          </p:cNvPr>
+          <p:cNvSpPr txBox="1">
+            <a:spLocks/>
+          </p:cNvSpPr>
+          <p:nvPr/>
+        </p:nvSpPr>
+        <p:spPr>
+          <a:xfrm>
+            <a:off x="1120775" y="2876550"/>
+            <a:ext cx="9950450" cy="1866900"/>
+          </a:xfrm>
+          <a:prstGeom prst="rect">
+            <a:avLst/>
+          </a:prstGeom>
+        </p:spPr>
+        <p:txBody>
+          <a:bodyPr vert="horz" lIns="91440" tIns="45720" rIns="91440" bIns="45720" rtlCol="0" anchor="ctr" anchorCtr="0">
+            <a:noAutofit/>
+          </a:bodyPr>
+          <a:lstStyle>
+            <a:lvl1pPr algn="l" defTabSz="914377" rtl="0" eaLnBrk="1" latinLnBrk="0" hangingPunct="1">
+              <a:lnSpc>
+                <a:spcPct val="90000"/>
+              </a:lnSpc>
+              <a:spcBef>
+                <a:spcPct val="0"/>
+              </a:spcBef>
+              <a:buNone/>
+              <a:defRPr sz="2600" kern="1200">
+                <a:solidFill>
+                  <a:schemeClr val="tx1"/>
+                </a:solidFill>
+                <a:latin typeface="+mj-lt"/>
+                <a:ea typeface="+mj-ea"/>
+                <a:cs typeface="+mj-cs"/>
+              </a:defRPr>
+            </a:lvl1pPr>
+          </a:lstStyle>
+          <a:p>
+            <a:pPr algn="ctr"/>
+            <a:r>
+              <a:rPr lang="es-CO" sz="3600" b="1" dirty="0">
+                <a:solidFill>
+                  <a:schemeClr val="bg1">
+                    <a:lumMod val="25000"/>
+                  </a:schemeClr>
+                </a:solidFill>
+                <a:latin typeface="Segoe UI" panose="020B0502040204020203" pitchFamily="34" charset="0"/>
+                <a:ea typeface="Segoe UI Black" panose="020B0A02040204020203" pitchFamily="34" charset="0"/>
+                <a:cs typeface="Segoe UI" panose="020B0502040204020203" pitchFamily="34" charset="0"/>
+              </a:rPr>
+              <a:t>Gracias </a:t>
+            </a:r>
+            <a:r>
+              <a:rPr lang="es-CO" sz="3600" dirty="0">
+                <a:solidFill>
+                  <a:schemeClr val="bg1">
+                    <a:lumMod val="25000"/>
+                  </a:schemeClr>
+                </a:solidFill>
+                <a:latin typeface="Segoe UI" panose="020B0502040204020203" pitchFamily="34" charset="0"/>
+                <a:ea typeface="Segoe UI Black" panose="020B0A02040204020203" pitchFamily="34" charset="0"/>
+                <a:cs typeface="Segoe UI" panose="020B0502040204020203" pitchFamily="34" charset="0"/>
+              </a:rPr>
+              <a:t>por su atención</a:t>
+            </a:r>
+          </a:p>
+        </p:txBody>
+      </p:sp>
+      <p:pic>
+        <p:nvPicPr>
+          <p:cNvPr id="4" name="Graphic 3" descr="3d Glasses outline">
+            <a:extLst>
+              <a:ext uri="{FF2B5EF4-FFF2-40B4-BE49-F238E27FC236}">
+                <a16:creationId xmlns:a16="http://schemas.microsoft.com/office/drawing/2014/main" id="{602E22E6-15C6-A382-F310-C10C68E14B99}"/>
+              </a:ext>
+            </a:extLst>
+          </p:cNvPr>
+          <p:cNvPicPr>
+            <a:picLocks noChangeAspect="1"/>
+          </p:cNvPicPr>
+          <p:nvPr/>
+        </p:nvPicPr>
+        <p:blipFill>
+          <a:blip r:embed="rId3">
+            <a:extLst>
+              <a:ext uri="{96DAC541-7B7A-43D3-8B79-37D633B846F1}">
+                <asvg:svgBlip xmlns:asvg="http://schemas.microsoft.com/office/drawing/2016/SVG/main" r:embed="rId4"/>
+              </a:ext>
+            </a:extLst>
+          </a:blip>
+          <a:stretch>
+            <a:fillRect/>
+          </a:stretch>
+        </p:blipFill>
+        <p:spPr>
+          <a:xfrm>
+            <a:off x="5376000" y="2156550"/>
+            <a:ext cx="1440000" cy="1440000"/>
+          </a:xfrm>
+          <a:prstGeom prst="rect">
+            <a:avLst/>
+          </a:prstGeom>
+        </p:spPr>
+      </p:pic>
+    </p:spTree>
+    <p:extLst>
+      <p:ext uri="{BB962C8B-B14F-4D97-AF65-F5344CB8AC3E}">
+        <p14:creationId xmlns:p14="http://schemas.microsoft.com/office/powerpoint/2010/main" val="3010664647"/>
       </p:ext>
     </p:extLst>
   </p:cSld>
@@ -15310,54 +19516,12 @@
 </file>
 
 <file path=customXml/item1.xml><?xml version="1.0" encoding="utf-8"?>
-<p:properties xmlns:p="http://schemas.microsoft.com/office/2006/metadata/properties" xmlns:xsi="http://www.w3.org/2001/XMLSchema-instance" xmlns:pc="http://schemas.microsoft.com/office/infopath/2007/PartnerControls">
-  <documentManagement>
-    <NotebookType xmlns="bf3e1746-bde1-4d6e-9c3f-7182572f7502" xsi:nil="true"/>
-    <CultureName xmlns="bf3e1746-bde1-4d6e-9c3f-7182572f7502" xsi:nil="true"/>
-    <Students xmlns="bf3e1746-bde1-4d6e-9c3f-7182572f7502">
-      <UserInfo>
-        <DisplayName/>
-        <AccountId xsi:nil="true"/>
-        <AccountType/>
-      </UserInfo>
-    </Students>
-    <Distribution_Groups xmlns="bf3e1746-bde1-4d6e-9c3f-7182572f7502" xsi:nil="true"/>
-    <FolderType xmlns="bf3e1746-bde1-4d6e-9c3f-7182572f7502" xsi:nil="true"/>
-    <Student_Groups xmlns="bf3e1746-bde1-4d6e-9c3f-7182572f7502">
-      <UserInfo>
-        <DisplayName/>
-        <AccountId xsi:nil="true"/>
-        <AccountType/>
-      </UserInfo>
-    </Student_Groups>
-    <Self_Registration_Enabled xmlns="bf3e1746-bde1-4d6e-9c3f-7182572f7502" xsi:nil="true"/>
-    <TeamsChannelId xmlns="bf3e1746-bde1-4d6e-9c3f-7182572f7502" xsi:nil="true"/>
-    <IsNotebookLocked xmlns="bf3e1746-bde1-4d6e-9c3f-7182572f7502" xsi:nil="true"/>
-    <DefaultSectionNames xmlns="bf3e1746-bde1-4d6e-9c3f-7182572f7502" xsi:nil="true"/>
-    <Is_Collaboration_Space_Locked xmlns="bf3e1746-bde1-4d6e-9c3f-7182572f7502" xsi:nil="true"/>
-    <Invited_Teachers xmlns="bf3e1746-bde1-4d6e-9c3f-7182572f7502" xsi:nil="true"/>
-    <Math_Settings xmlns="bf3e1746-bde1-4d6e-9c3f-7182572f7502" xsi:nil="true"/>
-    <Templates xmlns="bf3e1746-bde1-4d6e-9c3f-7182572f7502" xsi:nil="true"/>
-    <Has_Teacher_Only_SectionGroup xmlns="bf3e1746-bde1-4d6e-9c3f-7182572f7502" xsi:nil="true"/>
-    <AppVersion xmlns="bf3e1746-bde1-4d6e-9c3f-7182572f7502" xsi:nil="true"/>
-    <Invited_Students xmlns="bf3e1746-bde1-4d6e-9c3f-7182572f7502" xsi:nil="true"/>
-    <Owner xmlns="bf3e1746-bde1-4d6e-9c3f-7182572f7502">
-      <UserInfo>
-        <DisplayName/>
-        <AccountId xsi:nil="true"/>
-        <AccountType/>
-      </UserInfo>
-    </Owner>
-    <Teachers xmlns="bf3e1746-bde1-4d6e-9c3f-7182572f7502">
-      <UserInfo>
-        <DisplayName/>
-        <AccountId xsi:nil="true"/>
-        <AccountType/>
-      </UserInfo>
-    </Teachers>
-    <LMS_Mappings xmlns="bf3e1746-bde1-4d6e-9c3f-7182572f7502" xsi:nil="true"/>
-  </documentManagement>
-</p:properties>
+<?mso-contentType ?>
+<FormTemplates xmlns="http://schemas.microsoft.com/sharepoint/v3/contenttype/forms">
+  <Display>DocumentLibraryForm</Display>
+  <Edit>DocumentLibraryForm</Edit>
+  <New>DocumentLibraryForm</New>
+</FormTemplates>
 </file>
 
 <file path=customXml/item2.xml><?xml version="1.0" encoding="utf-8"?>
@@ -15752,27 +19916,60 @@
 </file>
 
 <file path=customXml/item3.xml><?xml version="1.0" encoding="utf-8"?>
-<?mso-contentType ?>
-<FormTemplates xmlns="http://schemas.microsoft.com/sharepoint/v3/contenttype/forms">
-  <Display>DocumentLibraryForm</Display>
-  <Edit>DocumentLibraryForm</Edit>
-  <New>DocumentLibraryForm</New>
-</FormTemplates>
+<p:properties xmlns:p="http://schemas.microsoft.com/office/2006/metadata/properties" xmlns:xsi="http://www.w3.org/2001/XMLSchema-instance" xmlns:pc="http://schemas.microsoft.com/office/infopath/2007/PartnerControls">
+  <documentManagement>
+    <NotebookType xmlns="bf3e1746-bde1-4d6e-9c3f-7182572f7502" xsi:nil="true"/>
+    <CultureName xmlns="bf3e1746-bde1-4d6e-9c3f-7182572f7502" xsi:nil="true"/>
+    <Students xmlns="bf3e1746-bde1-4d6e-9c3f-7182572f7502">
+      <UserInfo>
+        <DisplayName/>
+        <AccountId xsi:nil="true"/>
+        <AccountType/>
+      </UserInfo>
+    </Students>
+    <Distribution_Groups xmlns="bf3e1746-bde1-4d6e-9c3f-7182572f7502" xsi:nil="true"/>
+    <FolderType xmlns="bf3e1746-bde1-4d6e-9c3f-7182572f7502" xsi:nil="true"/>
+    <Student_Groups xmlns="bf3e1746-bde1-4d6e-9c3f-7182572f7502">
+      <UserInfo>
+        <DisplayName/>
+        <AccountId xsi:nil="true"/>
+        <AccountType/>
+      </UserInfo>
+    </Student_Groups>
+    <Self_Registration_Enabled xmlns="bf3e1746-bde1-4d6e-9c3f-7182572f7502" xsi:nil="true"/>
+    <TeamsChannelId xmlns="bf3e1746-bde1-4d6e-9c3f-7182572f7502" xsi:nil="true"/>
+    <IsNotebookLocked xmlns="bf3e1746-bde1-4d6e-9c3f-7182572f7502" xsi:nil="true"/>
+    <DefaultSectionNames xmlns="bf3e1746-bde1-4d6e-9c3f-7182572f7502" xsi:nil="true"/>
+    <Is_Collaboration_Space_Locked xmlns="bf3e1746-bde1-4d6e-9c3f-7182572f7502" xsi:nil="true"/>
+    <Invited_Teachers xmlns="bf3e1746-bde1-4d6e-9c3f-7182572f7502" xsi:nil="true"/>
+    <Math_Settings xmlns="bf3e1746-bde1-4d6e-9c3f-7182572f7502" xsi:nil="true"/>
+    <Templates xmlns="bf3e1746-bde1-4d6e-9c3f-7182572f7502" xsi:nil="true"/>
+    <Has_Teacher_Only_SectionGroup xmlns="bf3e1746-bde1-4d6e-9c3f-7182572f7502" xsi:nil="true"/>
+    <AppVersion xmlns="bf3e1746-bde1-4d6e-9c3f-7182572f7502" xsi:nil="true"/>
+    <Invited_Students xmlns="bf3e1746-bde1-4d6e-9c3f-7182572f7502" xsi:nil="true"/>
+    <Owner xmlns="bf3e1746-bde1-4d6e-9c3f-7182572f7502">
+      <UserInfo>
+        <DisplayName/>
+        <AccountId xsi:nil="true"/>
+        <AccountType/>
+      </UserInfo>
+    </Owner>
+    <Teachers xmlns="bf3e1746-bde1-4d6e-9c3f-7182572f7502">
+      <UserInfo>
+        <DisplayName/>
+        <AccountId xsi:nil="true"/>
+        <AccountType/>
+      </UserInfo>
+    </Teachers>
+    <LMS_Mappings xmlns="bf3e1746-bde1-4d6e-9c3f-7182572f7502" xsi:nil="true"/>
+  </documentManagement>
+</p:properties>
 </file>
 
 <file path=customXml/itemProps1.xml><?xml version="1.0" encoding="utf-8"?>
-<ds:datastoreItem xmlns:ds="http://schemas.openxmlformats.org/officeDocument/2006/customXml" ds:itemID="{DEDD01B8-816B-49B7-8C81-03AB51D87C54}">
+<ds:datastoreItem xmlns:ds="http://schemas.openxmlformats.org/officeDocument/2006/customXml" ds:itemID="{B024FD56-CE1B-42FC-9E83-BFBF160724C6}">
   <ds:schemaRefs>
-    <ds:schemaRef ds:uri="http://schemas.microsoft.com/office/infopath/2007/PartnerControls"/>
-    <ds:schemaRef ds:uri="http://schemas.microsoft.com/office/2006/metadata/properties"/>
-    <ds:schemaRef ds:uri="http://purl.org/dc/terms/"/>
-    <ds:schemaRef ds:uri="http://www.w3.org/XML/1998/namespace"/>
-    <ds:schemaRef ds:uri="http://schemas.openxmlformats.org/package/2006/metadata/core-properties"/>
-    <ds:schemaRef ds:uri="http://schemas.microsoft.com/office/2006/documentManagement/types"/>
-    <ds:schemaRef ds:uri="14224164-2045-4b51-92bb-313d0f626d83"/>
-    <ds:schemaRef ds:uri="bf3e1746-bde1-4d6e-9c3f-7182572f7502"/>
-    <ds:schemaRef ds:uri="http://purl.org/dc/dcmitype/"/>
-    <ds:schemaRef ds:uri="http://purl.org/dc/elements/1.1/"/>
+    <ds:schemaRef ds:uri="http://schemas.microsoft.com/sharepoint/v3/contenttype/forms"/>
   </ds:schemaRefs>
 </ds:datastoreItem>
 </file>
@@ -15797,9 +19994,18 @@
 </file>
 
 <file path=customXml/itemProps3.xml><?xml version="1.0" encoding="utf-8"?>
-<ds:datastoreItem xmlns:ds="http://schemas.openxmlformats.org/officeDocument/2006/customXml" ds:itemID="{B024FD56-CE1B-42FC-9E83-BFBF160724C6}">
+<ds:datastoreItem xmlns:ds="http://schemas.openxmlformats.org/officeDocument/2006/customXml" ds:itemID="{DEDD01B8-816B-49B7-8C81-03AB51D87C54}">
   <ds:schemaRefs>
-    <ds:schemaRef ds:uri="http://schemas.microsoft.com/sharepoint/v3/contenttype/forms"/>
+    <ds:schemaRef ds:uri="http://schemas.openxmlformats.org/package/2006/metadata/core-properties"/>
+    <ds:schemaRef ds:uri="http://schemas.microsoft.com/office/2006/documentManagement/types"/>
+    <ds:schemaRef ds:uri="http://purl.org/dc/dcmitype/"/>
+    <ds:schemaRef ds:uri="http://purl.org/dc/elements/1.1/"/>
+    <ds:schemaRef ds:uri="14224164-2045-4b51-92bb-313d0f626d83"/>
+    <ds:schemaRef ds:uri="http://purl.org/dc/terms/"/>
+    <ds:schemaRef ds:uri="http://schemas.microsoft.com/office/2006/metadata/properties"/>
+    <ds:schemaRef ds:uri="http://schemas.microsoft.com/office/infopath/2007/PartnerControls"/>
+    <ds:schemaRef ds:uri="bf3e1746-bde1-4d6e-9c3f-7182572f7502"/>
+    <ds:schemaRef ds:uri="http://www.w3.org/XML/1998/namespace"/>
   </ds:schemaRefs>
 </ds:datastoreItem>
 </file>
--- a/Section01/Section01.pptx
+++ b/Section01/Section01.pptx
@@ -271,7 +271,7 @@
             <a:pPr rtl="0"/>
             <a:fld id="{FAB3E6E3-061B-41A2-BBDC-C5312A04A40A}" type="datetime1">
               <a:rPr lang="es-ES" smtClean="0"/>
-              <a:t>22/09/2022</a:t>
+              <a:t>24/09/2022</a:t>
             </a:fld>
             <a:endParaRPr lang="es-ES" dirty="0"/>
           </a:p>
@@ -441,7 +441,7 @@
             <a:pPr rtl="0"/>
             <a:fld id="{2145992C-CBBF-4F24-8325-F5CB0EAAC0E9}" type="datetime1">
               <a:rPr lang="es-ES" noProof="0" smtClean="0"/>
-              <a:t>22/09/2022</a:t>
+              <a:t>24/09/2022</a:t>
             </a:fld>
             <a:endParaRPr lang="es-ES" noProof="0" dirty="0"/>
           </a:p>
@@ -757,20 +757,55 @@
           <a:lstStyle/>
           <a:p>
             <a:r>
-              <a:rPr lang="es-CO" sz="1000" b="0" i="0" dirty="0">
-                <a:solidFill>
-                  <a:srgbClr val="24292F"/>
-                </a:solidFill>
-                <a:effectLst/>
-                <a:latin typeface="Segoe UI Light" panose="020B0502040204020203" pitchFamily="34" charset="0"/>
-                <a:cs typeface="Segoe UI Light" panose="020B0502040204020203" pitchFamily="34" charset="0"/>
-              </a:rPr>
-              <a:t>El desarrollo colaborativo se refiere al proceso de creación de contenidos académicos y científicos a través de la interacción simultánea de más de una persona para alcanzar uno o varios objetivos comunes; es así como programadores, investigadores y educadores colaboran entre ellos para obtener un producto de calidad que puede ser un software, una investigación, un curso, un programa académico o un libro electrónico, entre otros. No existe una manera única en que esta interacción se lleve a cabo debido a que el desarrollo colaborativo es un concepto amplio que se puede abordar desde diferentes perspectivas.</a:t>
-            </a:r>
-            <a:endParaRPr lang="es-CO" sz="1000" dirty="0">
-              <a:latin typeface="Segoe UI Light" panose="020B0502040204020203" pitchFamily="34" charset="0"/>
-              <a:cs typeface="Segoe UI Light" panose="020B0502040204020203" pitchFamily="34" charset="0"/>
-            </a:endParaRPr>
+              <a:rPr lang="en-US" dirty="0" err="1"/>
+              <a:t>Bienvenido</a:t>
+            </a:r>
+            <a:r>
+              <a:rPr lang="en-US" dirty="0"/>
+              <a:t> a la </a:t>
+            </a:r>
+            <a:r>
+              <a:rPr lang="en-US" dirty="0" err="1"/>
+              <a:t>guía</a:t>
+            </a:r>
+            <a:r>
+              <a:rPr lang="en-US" dirty="0"/>
+              <a:t> para </a:t>
+            </a:r>
+            <a:r>
+              <a:rPr lang="en-US" dirty="0" err="1"/>
+              <a:t>enseñanza</a:t>
+            </a:r>
+            <a:r>
+              <a:rPr lang="en-US" dirty="0"/>
+              <a:t> e </a:t>
+            </a:r>
+            <a:r>
+              <a:rPr lang="en-US" dirty="0" err="1"/>
+              <a:t>investigación</a:t>
+            </a:r>
+            <a:r>
+              <a:rPr lang="en-US" dirty="0"/>
+              <a:t> </a:t>
+            </a:r>
+            <a:r>
+              <a:rPr lang="en-US" dirty="0" err="1"/>
+              <a:t>colaborativa</a:t>
+            </a:r>
+            <a:r>
+              <a:rPr lang="en-US" dirty="0"/>
+              <a:t> con GitHub.</a:t>
+            </a:r>
+          </a:p>
+          <a:p>
+            <a:endParaRPr lang="es-CO" dirty="0"/>
+          </a:p>
+          <a:p>
+            <a:r>
+              <a:rPr lang="es-CO" dirty="0"/>
+              <a:t>A través del enlace en pantalla, podrás acceder a los contenidos detallados de esta guía, participar en las discusiones y descargar material complementario.</a:t>
+            </a:r>
+            <a:endParaRPr lang="en-US" dirty="0"/>
           </a:p>
         </p:txBody>
       </p:sp>
@@ -792,7 +827,7 @@
             <a:pPr rtl="0"/>
             <a:fld id="{810E1E9A-E921-4174-A0FC-51868D7AC568}" type="slidenum">
               <a:rPr lang="es-ES" noProof="0" smtClean="0"/>
-              <a:t>3</a:t>
+              <a:t>1</a:t>
             </a:fld>
             <a:endParaRPr lang="es-ES" noProof="0" dirty="0"/>
           </a:p>
@@ -801,7 +836,7 @@
     </p:spTree>
     <p:extLst>
       <p:ext uri="{BB962C8B-B14F-4D97-AF65-F5344CB8AC3E}">
-        <p14:creationId xmlns:p14="http://schemas.microsoft.com/office/powerpoint/2010/main" val="2191621344"/>
+        <p14:creationId xmlns:p14="http://schemas.microsoft.com/office/powerpoint/2010/main" val="177924098"/>
       </p:ext>
     </p:extLst>
   </p:cSld>
@@ -855,6 +890,43 @@
           <a:bodyPr/>
           <a:lstStyle/>
           <a:p>
+            <a:r>
+              <a:rPr lang="es-CO" sz="1200" b="1" dirty="0">
+                <a:solidFill>
+                  <a:schemeClr val="bg1">
+                    <a:lumMod val="25000"/>
+                  </a:schemeClr>
+                </a:solidFill>
+                <a:latin typeface="Segoe UI" panose="020B0502040204020203" pitchFamily="34" charset="0"/>
+                <a:ea typeface="Segoe UI Black" panose="020B0A02040204020203" pitchFamily="34" charset="0"/>
+                <a:cs typeface="Segoe UI" panose="020B0502040204020203" pitchFamily="34" charset="0"/>
+              </a:rPr>
+              <a:t>¿Cómo?</a:t>
+            </a:r>
+          </a:p>
+          <a:p>
+            <a:endParaRPr lang="es-CO" sz="1200" dirty="0">
+              <a:solidFill>
+                <a:schemeClr val="bg1">
+                  <a:lumMod val="25000"/>
+                </a:schemeClr>
+              </a:solidFill>
+              <a:latin typeface="Segoe UI" panose="020B0502040204020203" pitchFamily="34" charset="0"/>
+              <a:ea typeface="Segoe UI Black" panose="020B0A02040204020203" pitchFamily="34" charset="0"/>
+              <a:cs typeface="Segoe UI" panose="020B0502040204020203" pitchFamily="34" charset="0"/>
+            </a:endParaRPr>
+          </a:p>
+          <a:p>
+            <a:r>
+              <a:rPr lang="es-CO" b="0" i="0" dirty="0">
+                <a:solidFill>
+                  <a:srgbClr val="24292F"/>
+                </a:solidFill>
+                <a:effectLst/>
+                <a:latin typeface="-apple-system"/>
+              </a:rPr>
+              <a:t>Crea centros de discusión en cada repositorio para documentar la interacción entre los miembros y usuarios, publica frecuentemente noticias para mantener actualizada a tu comunidad.</a:t>
+            </a:r>
             <a:endParaRPr lang="es-CO" sz="1200" b="0" i="0" dirty="0">
               <a:solidFill>
                 <a:srgbClr val="24292F"/>
@@ -884,7 +956,7 @@
             <a:pPr rtl="0"/>
             <a:fld id="{810E1E9A-E921-4174-A0FC-51868D7AC568}" type="slidenum">
               <a:rPr lang="es-ES" noProof="0" smtClean="0"/>
-              <a:t>12</a:t>
+              <a:t>10</a:t>
             </a:fld>
             <a:endParaRPr lang="es-ES" noProof="0" dirty="0"/>
           </a:p>
@@ -893,7 +965,7 @@
     </p:spTree>
     <p:extLst>
       <p:ext uri="{BB962C8B-B14F-4D97-AF65-F5344CB8AC3E}">
-        <p14:creationId xmlns:p14="http://schemas.microsoft.com/office/powerpoint/2010/main" val="2886917430"/>
+        <p14:creationId xmlns:p14="http://schemas.microsoft.com/office/powerpoint/2010/main" val="2788241539"/>
       </p:ext>
     </p:extLst>
   </p:cSld>
@@ -947,6 +1019,19 @@
           <a:bodyPr/>
           <a:lstStyle/>
           <a:p>
+            <a:pPr algn="l"/>
+            <a:r>
+              <a:rPr lang="es-CO" b="0" i="0" dirty="0">
+                <a:solidFill>
+                  <a:srgbClr val="24292F"/>
+                </a:solidFill>
+                <a:effectLst/>
+                <a:latin typeface="-apple-system"/>
+              </a:rPr>
+              <a:t>Existen diferentes herramientas o plataformas informáticas para desarrollo colaborativo que facilitan la interacción y gestión de la información. Los equipos de desarrollo ya no deben estar en el mismo lugar para poder comunicarse y crear, ni siquiera tienen que conocerse para poder dar sus criterios y participar en un proyecto. El desarrollo colaborativo es un modelo que parte de la base de que el conocimiento disponible públicamente, para ser accedido y revisado por otros investigadores, educadores o estudiantes. Debido a que este modelo está ligado al software libre, las reglas son similares: cuando un creador de contenido aporta algo a un repositorio fuente, o participa en el desarrollo colaborativo, sus aportes deben quedar públicos y disponibles para que pueda ser evaluado, mejorado o utilizado.</a:t>
+            </a:r>
+          </a:p>
+          <a:p>
             <a:endParaRPr lang="es-CO" sz="1200" b="0" i="0" dirty="0">
               <a:solidFill>
                 <a:srgbClr val="24292F"/>
@@ -976,7 +1061,7 @@
             <a:pPr rtl="0"/>
             <a:fld id="{810E1E9A-E921-4174-A0FC-51868D7AC568}" type="slidenum">
               <a:rPr lang="es-ES" noProof="0" smtClean="0"/>
-              <a:t>13</a:t>
+              <a:t>11</a:t>
             </a:fld>
             <a:endParaRPr lang="es-ES" noProof="0" dirty="0"/>
           </a:p>
@@ -985,7 +1070,7 @@
     </p:spTree>
     <p:extLst>
       <p:ext uri="{BB962C8B-B14F-4D97-AF65-F5344CB8AC3E}">
-        <p14:creationId xmlns:p14="http://schemas.microsoft.com/office/powerpoint/2010/main" val="3892636266"/>
+        <p14:creationId xmlns:p14="http://schemas.microsoft.com/office/powerpoint/2010/main" val="1133735133"/>
       </p:ext>
     </p:extLst>
   </p:cSld>
@@ -1039,18 +1124,6 @@
           <a:bodyPr/>
           <a:lstStyle/>
           <a:p>
-            <a:r>
-              <a:rPr lang="es-CO" b="0" i="0" dirty="0">
-                <a:solidFill>
-                  <a:srgbClr val="24292F"/>
-                </a:solidFill>
-                <a:effectLst/>
-                <a:latin typeface="-apple-system"/>
-              </a:rPr>
-              <a:t>Para responder esta pregunta, creemos una lista de requerimientos específicos para el enfoque de educación e investigación planteado en este curso y para las 3 plataformas más populares.</a:t>
-            </a:r>
-          </a:p>
-          <a:p>
             <a:endParaRPr lang="es-CO" sz="1200" b="0" i="0" dirty="0">
               <a:solidFill>
                 <a:srgbClr val="24292F"/>
@@ -1060,74 +1133,6 @@
               <a:cs typeface="Segoe UI Light" panose="020B0502040204020203" pitchFamily="34" charset="0"/>
             </a:endParaRPr>
           </a:p>
-          <a:p>
-            <a:r>
-              <a:rPr lang="es-CO" b="0" i="0" dirty="0">
-                <a:solidFill>
-                  <a:srgbClr val="57606A"/>
-                </a:solidFill>
-                <a:effectLst/>
-                <a:latin typeface="-apple-system"/>
-              </a:rPr>
-              <a:t>Los requerimientos presentados en la tabla anterior han sido definidos por </a:t>
-            </a:r>
-            <a:r>
-              <a:rPr lang="es-CO" b="0" i="0" u="none" strike="noStrike" dirty="0" err="1">
-                <a:effectLst/>
-                <a:latin typeface="-apple-system"/>
-                <a:hlinkClick r:id="rId3"/>
-              </a:rPr>
-              <a:t>rcfdtools</a:t>
-            </a:r>
-            <a:r>
-              <a:rPr lang="es-CO" b="0" i="0" dirty="0">
-                <a:solidFill>
-                  <a:srgbClr val="57606A"/>
-                </a:solidFill>
-                <a:effectLst/>
-                <a:latin typeface="-apple-system"/>
-              </a:rPr>
-              <a:t> y su validación puede cambiar por cambios en las políticas propias de cada plataforma.</a:t>
-            </a:r>
-            <a:endParaRPr lang="es-CO" sz="1200" b="0" i="0" dirty="0">
-              <a:solidFill>
-                <a:srgbClr val="24292F"/>
-              </a:solidFill>
-              <a:effectLst/>
-              <a:latin typeface="-apple-system"/>
-              <a:cs typeface="Segoe UI Light" panose="020B0502040204020203" pitchFamily="34" charset="0"/>
-            </a:endParaRPr>
-          </a:p>
-          <a:p>
-            <a:endParaRPr lang="es-CO" sz="1200" b="0" i="0" dirty="0">
-              <a:solidFill>
-                <a:srgbClr val="24292F"/>
-              </a:solidFill>
-              <a:effectLst/>
-              <a:latin typeface="-apple-system"/>
-              <a:cs typeface="Segoe UI Light" panose="020B0502040204020203" pitchFamily="34" charset="0"/>
-            </a:endParaRPr>
-          </a:p>
-          <a:p>
-            <a:r>
-              <a:rPr lang="es-CO" b="0" i="0" dirty="0">
-                <a:solidFill>
-                  <a:srgbClr val="24292F"/>
-                </a:solidFill>
-                <a:effectLst/>
-                <a:latin typeface="-apple-system"/>
-              </a:rPr>
-              <a:t>De acuerdo a la cobertura en los requerimientos indicados, la plataforma para el desarrollo de contenidos por desarrollo colaborativo orientado a educación e investigación es GitHub.</a:t>
-            </a:r>
-            <a:endParaRPr lang="es-CO" sz="1200" b="0" i="0" dirty="0">
-              <a:solidFill>
-                <a:srgbClr val="24292F"/>
-              </a:solidFill>
-              <a:effectLst/>
-              <a:latin typeface="-apple-system"/>
-              <a:cs typeface="Segoe UI Light" panose="020B0502040204020203" pitchFamily="34" charset="0"/>
-            </a:endParaRPr>
-          </a:p>
         </p:txBody>
       </p:sp>
       <p:sp>
@@ -1148,7 +1153,7 @@
             <a:pPr rtl="0"/>
             <a:fld id="{810E1E9A-E921-4174-A0FC-51868D7AC568}" type="slidenum">
               <a:rPr lang="es-ES" noProof="0" smtClean="0"/>
-              <a:t>14</a:t>
+              <a:t>12</a:t>
             </a:fld>
             <a:endParaRPr lang="es-ES" noProof="0" dirty="0"/>
           </a:p>
@@ -1157,7 +1162,7 @@
     </p:spTree>
     <p:extLst>
       <p:ext uri="{BB962C8B-B14F-4D97-AF65-F5344CB8AC3E}">
-        <p14:creationId xmlns:p14="http://schemas.microsoft.com/office/powerpoint/2010/main" val="2471891349"/>
+        <p14:creationId xmlns:p14="http://schemas.microsoft.com/office/powerpoint/2010/main" val="2886917430"/>
       </p:ext>
     </p:extLst>
   </p:cSld>
@@ -1211,7 +1216,6 @@
           <a:bodyPr/>
           <a:lstStyle/>
           <a:p>
-            <a:pPr algn="l"/>
             <a:endParaRPr lang="es-CO" sz="1200" b="0" i="0" dirty="0">
               <a:solidFill>
                 <a:srgbClr val="24292F"/>
@@ -1241,7 +1245,7 @@
             <a:pPr rtl="0"/>
             <a:fld id="{810E1E9A-E921-4174-A0FC-51868D7AC568}" type="slidenum">
               <a:rPr lang="es-ES" noProof="0" smtClean="0"/>
-              <a:t>15</a:t>
+              <a:t>13</a:t>
             </a:fld>
             <a:endParaRPr lang="es-ES" noProof="0" dirty="0"/>
           </a:p>
@@ -1250,7 +1254,7 @@
     </p:spTree>
     <p:extLst>
       <p:ext uri="{BB962C8B-B14F-4D97-AF65-F5344CB8AC3E}">
-        <p14:creationId xmlns:p14="http://schemas.microsoft.com/office/powerpoint/2010/main" val="1042957325"/>
+        <p14:creationId xmlns:p14="http://schemas.microsoft.com/office/powerpoint/2010/main" val="3892636266"/>
       </p:ext>
     </p:extLst>
   </p:cSld>
@@ -1304,105 +1308,18 @@
           <a:bodyPr/>
           <a:lstStyle/>
           <a:p>
-            <a:pPr algn="l"/>
-            <a:r>
-              <a:rPr lang="es-CO" b="1" i="0" dirty="0">
+            <a:r>
+              <a:rPr lang="es-CO" b="0" i="0" dirty="0">
                 <a:solidFill>
                   <a:srgbClr val="24292F"/>
                 </a:solidFill>
                 <a:effectLst/>
                 <a:latin typeface="-apple-system"/>
               </a:rPr>
-              <a:t>Rendimiento</a:t>
-            </a:r>
-          </a:p>
-          <a:p>
-            <a:pPr algn="l"/>
-            <a:r>
-              <a:rPr lang="es-CO" b="0" i="0" dirty="0">
-                <a:solidFill>
-                  <a:srgbClr val="24292F"/>
-                </a:solidFill>
-                <a:effectLst/>
-                <a:latin typeface="-apple-system"/>
-              </a:rPr>
-              <a:t>La confirmación de nuevos cambios, la ramificación, la fusión y la comparación de versiones anteriores se han optimizado en favor del rendimiento. Git no se deja engañar por los nombres de los archivos a la hora de determinar cuál debería ser el almacenamiento y el historial de versiones del árbol de archivos; en lugar de ello, se centra en el contenido del propio archivo. </a:t>
-            </a:r>
-          </a:p>
-          <a:p>
-            <a:pPr algn="l"/>
-            <a:endParaRPr lang="es-CO" b="0" i="0" dirty="0">
-              <a:solidFill>
-                <a:srgbClr val="24292F"/>
-              </a:solidFill>
-              <a:effectLst/>
-              <a:latin typeface="-apple-system"/>
-            </a:endParaRPr>
-          </a:p>
-          <a:p>
-            <a:pPr algn="l"/>
-            <a:r>
-              <a:rPr lang="es-CO" b="1" i="0" dirty="0">
-                <a:solidFill>
-                  <a:srgbClr val="24292F"/>
-                </a:solidFill>
-                <a:effectLst/>
-                <a:latin typeface="-apple-system"/>
-              </a:rPr>
-              <a:t>Seguridad</a:t>
-            </a:r>
-          </a:p>
-          <a:p>
-            <a:pPr algn="l"/>
-            <a:r>
-              <a:rPr lang="es-CO" b="0" i="0" dirty="0">
-                <a:solidFill>
-                  <a:srgbClr val="24292F"/>
-                </a:solidFill>
-                <a:effectLst/>
-                <a:latin typeface="-apple-system"/>
-              </a:rPr>
-              <a:t>Prioridad de conservar la integridad del código fuente gestionado. El contenido de los archivos y las verdaderas relaciones entre estos y los directorios, las versiones, las etiquetas y las confirmaciones, todos ellos objetos del repositorio de Git, están protegidos con un algoritmo de hash criptográficamente seguro llamado "SHA1". De este modo, se salvaguarda el código y el historial de cambios frente a las modificaciones accidentales y maliciosas, y se garantiza que el historial sea totalmente trazable.</a:t>
-            </a:r>
-          </a:p>
-          <a:p>
-            <a:pPr algn="l"/>
-            <a:endParaRPr lang="es-CO" b="0" i="0" dirty="0">
-              <a:solidFill>
-                <a:srgbClr val="24292F"/>
-              </a:solidFill>
-              <a:effectLst/>
-              <a:latin typeface="-apple-system"/>
-            </a:endParaRPr>
-          </a:p>
-          <a:p>
-            <a:pPr algn="l"/>
-            <a:r>
-              <a:rPr lang="es-CO" b="1" i="0" dirty="0">
-                <a:solidFill>
-                  <a:srgbClr val="24292F"/>
-                </a:solidFill>
-                <a:effectLst/>
-                <a:latin typeface="-apple-system"/>
-              </a:rPr>
-              <a:t>Flexibilidad</a:t>
-            </a:r>
-          </a:p>
-          <a:p>
-            <a:pPr algn="l"/>
-            <a:r>
-              <a:rPr lang="es-CO" b="0" i="0" dirty="0">
-                <a:solidFill>
-                  <a:srgbClr val="24292F"/>
-                </a:solidFill>
-                <a:effectLst/>
-                <a:latin typeface="-apple-system"/>
-              </a:rPr>
-              <a:t>Git es flexible en varios aspectos: en la capacidad para varios tipos de flujos de trabajo de desarrollo no lineal, en su eficiencia en proyectos tanto grandes como pequeños y en su compatibilidad con numerosos sistemas y protocolos.</a:t>
-            </a:r>
-          </a:p>
-          <a:p>
-            <a:pPr algn="l"/>
+              <a:t>Para responder esta pregunta, creemos una lista de requerimientos específicos para el enfoque de educación e investigación planteado en este curso y para las 3 plataformas más populares.</a:t>
+            </a:r>
+          </a:p>
+          <a:p>
             <a:endParaRPr lang="es-CO" sz="1200" b="0" i="0" dirty="0">
               <a:solidFill>
                 <a:srgbClr val="24292F"/>
@@ -1413,6 +1330,34 @@
             </a:endParaRPr>
           </a:p>
           <a:p>
+            <a:r>
+              <a:rPr lang="es-CO" b="0" i="0" dirty="0">
+                <a:solidFill>
+                  <a:srgbClr val="57606A"/>
+                </a:solidFill>
+                <a:effectLst/>
+                <a:latin typeface="-apple-system"/>
+              </a:rPr>
+              <a:t>Los requerimientos presentados en la tabla anterior han sido definidos por </a:t>
+            </a:r>
+            <a:r>
+              <a:rPr lang="es-CO" b="0" i="0" u="none" strike="noStrike" dirty="0" err="1">
+                <a:effectLst/>
+                <a:latin typeface="-apple-system"/>
+                <a:hlinkClick r:id="rId3"/>
+              </a:rPr>
+              <a:t>rcfdtools</a:t>
+            </a:r>
+            <a:r>
+              <a:rPr lang="es-CO" b="0" i="0" dirty="0">
+                <a:solidFill>
+                  <a:srgbClr val="57606A"/>
+                </a:solidFill>
+                <a:effectLst/>
+                <a:latin typeface="-apple-system"/>
+              </a:rPr>
+              <a:t> y su validación puede cambiar por cambios en las políticas propias de cada plataforma.</a:t>
+            </a:r>
             <a:endParaRPr lang="es-CO" sz="1200" b="0" i="0" dirty="0">
               <a:solidFill>
                 <a:srgbClr val="24292F"/>
@@ -1422,6 +1367,36 @@
               <a:cs typeface="Segoe UI Light" panose="020B0502040204020203" pitchFamily="34" charset="0"/>
             </a:endParaRPr>
           </a:p>
+          <a:p>
+            <a:endParaRPr lang="es-CO" sz="1200" b="0" i="0" dirty="0">
+              <a:solidFill>
+                <a:srgbClr val="24292F"/>
+              </a:solidFill>
+              <a:effectLst/>
+              <a:latin typeface="-apple-system"/>
+              <a:cs typeface="Segoe UI Light" panose="020B0502040204020203" pitchFamily="34" charset="0"/>
+            </a:endParaRPr>
+          </a:p>
+          <a:p>
+            <a:r>
+              <a:rPr lang="es-CO" b="0" i="0" dirty="0">
+                <a:solidFill>
+                  <a:srgbClr val="24292F"/>
+                </a:solidFill>
+                <a:effectLst/>
+                <a:latin typeface="-apple-system"/>
+              </a:rPr>
+              <a:t>De acuerdo a la cobertura en los requerimientos indicados, la plataforma para el desarrollo de contenidos por desarrollo colaborativo orientado a educación e investigación es GitHub.</a:t>
+            </a:r>
+            <a:endParaRPr lang="es-CO" sz="1200" b="0" i="0" dirty="0">
+              <a:solidFill>
+                <a:srgbClr val="24292F"/>
+              </a:solidFill>
+              <a:effectLst/>
+              <a:latin typeface="-apple-system"/>
+              <a:cs typeface="Segoe UI Light" panose="020B0502040204020203" pitchFamily="34" charset="0"/>
+            </a:endParaRPr>
+          </a:p>
         </p:txBody>
       </p:sp>
       <p:sp>
@@ -1442,7 +1417,7 @@
             <a:pPr rtl="0"/>
             <a:fld id="{810E1E9A-E921-4174-A0FC-51868D7AC568}" type="slidenum">
               <a:rPr lang="es-ES" noProof="0" smtClean="0"/>
-              <a:t>16</a:t>
+              <a:t>14</a:t>
             </a:fld>
             <a:endParaRPr lang="es-ES" noProof="0" dirty="0"/>
           </a:p>
@@ -1451,7 +1426,7 @@
     </p:spTree>
     <p:extLst>
       <p:ext uri="{BB962C8B-B14F-4D97-AF65-F5344CB8AC3E}">
-        <p14:creationId xmlns:p14="http://schemas.microsoft.com/office/powerpoint/2010/main" val="3511847978"/>
+        <p14:creationId xmlns:p14="http://schemas.microsoft.com/office/powerpoint/2010/main" val="2471891349"/>
       </p:ext>
     </p:extLst>
   </p:cSld>
@@ -1505,6 +1480,7 @@
           <a:bodyPr/>
           <a:lstStyle/>
           <a:p>
+            <a:pPr algn="l"/>
             <a:endParaRPr lang="es-CO" sz="1200" b="0" i="0" dirty="0">
               <a:solidFill>
                 <a:srgbClr val="24292F"/>
@@ -1534,7 +1510,7 @@
             <a:pPr rtl="0"/>
             <a:fld id="{810E1E9A-E921-4174-A0FC-51868D7AC568}" type="slidenum">
               <a:rPr lang="es-ES" noProof="0" smtClean="0"/>
-              <a:t>17</a:t>
+              <a:t>15</a:t>
             </a:fld>
             <a:endParaRPr lang="es-ES" noProof="0" dirty="0"/>
           </a:p>
@@ -1543,7 +1519,7 @@
     </p:spTree>
     <p:extLst>
       <p:ext uri="{BB962C8B-B14F-4D97-AF65-F5344CB8AC3E}">
-        <p14:creationId xmlns:p14="http://schemas.microsoft.com/office/powerpoint/2010/main" val="1991130683"/>
+        <p14:creationId xmlns:p14="http://schemas.microsoft.com/office/powerpoint/2010/main" val="1042957325"/>
       </p:ext>
     </p:extLst>
   </p:cSld>
@@ -1597,6 +1573,105 @@
           <a:bodyPr/>
           <a:lstStyle/>
           <a:p>
+            <a:pPr algn="l"/>
+            <a:r>
+              <a:rPr lang="es-CO" b="1" i="0" dirty="0">
+                <a:solidFill>
+                  <a:srgbClr val="24292F"/>
+                </a:solidFill>
+                <a:effectLst/>
+                <a:latin typeface="-apple-system"/>
+              </a:rPr>
+              <a:t>Rendimiento</a:t>
+            </a:r>
+          </a:p>
+          <a:p>
+            <a:pPr algn="l"/>
+            <a:r>
+              <a:rPr lang="es-CO" b="0" i="0" dirty="0">
+                <a:solidFill>
+                  <a:srgbClr val="24292F"/>
+                </a:solidFill>
+                <a:effectLst/>
+                <a:latin typeface="-apple-system"/>
+              </a:rPr>
+              <a:t>La confirmación de nuevos cambios, la ramificación, la fusión y la comparación de versiones anteriores se han optimizado en favor del rendimiento. Git no se deja engañar por los nombres de los archivos a la hora de determinar cuál debería ser el almacenamiento y el historial de versiones del árbol de archivos; en lugar de ello, se centra en el contenido del propio archivo. </a:t>
+            </a:r>
+          </a:p>
+          <a:p>
+            <a:pPr algn="l"/>
+            <a:endParaRPr lang="es-CO" b="0" i="0" dirty="0">
+              <a:solidFill>
+                <a:srgbClr val="24292F"/>
+              </a:solidFill>
+              <a:effectLst/>
+              <a:latin typeface="-apple-system"/>
+            </a:endParaRPr>
+          </a:p>
+          <a:p>
+            <a:pPr algn="l"/>
+            <a:r>
+              <a:rPr lang="es-CO" b="1" i="0" dirty="0">
+                <a:solidFill>
+                  <a:srgbClr val="24292F"/>
+                </a:solidFill>
+                <a:effectLst/>
+                <a:latin typeface="-apple-system"/>
+              </a:rPr>
+              <a:t>Seguridad</a:t>
+            </a:r>
+          </a:p>
+          <a:p>
+            <a:pPr algn="l"/>
+            <a:r>
+              <a:rPr lang="es-CO" b="0" i="0" dirty="0">
+                <a:solidFill>
+                  <a:srgbClr val="24292F"/>
+                </a:solidFill>
+                <a:effectLst/>
+                <a:latin typeface="-apple-system"/>
+              </a:rPr>
+              <a:t>Prioridad de conservar la integridad del código fuente gestionado. El contenido de los archivos y las verdaderas relaciones entre estos y los directorios, las versiones, las etiquetas y las confirmaciones, todos ellos objetos del repositorio de Git, están protegidos con un algoritmo de hash criptográficamente seguro llamado "SHA1". De este modo, se salvaguarda el código y el historial de cambios frente a las modificaciones accidentales y maliciosas, y se garantiza que el historial sea totalmente trazable.</a:t>
+            </a:r>
+          </a:p>
+          <a:p>
+            <a:pPr algn="l"/>
+            <a:endParaRPr lang="es-CO" b="0" i="0" dirty="0">
+              <a:solidFill>
+                <a:srgbClr val="24292F"/>
+              </a:solidFill>
+              <a:effectLst/>
+              <a:latin typeface="-apple-system"/>
+            </a:endParaRPr>
+          </a:p>
+          <a:p>
+            <a:pPr algn="l"/>
+            <a:r>
+              <a:rPr lang="es-CO" b="1" i="0" dirty="0">
+                <a:solidFill>
+                  <a:srgbClr val="24292F"/>
+                </a:solidFill>
+                <a:effectLst/>
+                <a:latin typeface="-apple-system"/>
+              </a:rPr>
+              <a:t>Flexibilidad</a:t>
+            </a:r>
+          </a:p>
+          <a:p>
+            <a:pPr algn="l"/>
+            <a:r>
+              <a:rPr lang="es-CO" b="0" i="0" dirty="0">
+                <a:solidFill>
+                  <a:srgbClr val="24292F"/>
+                </a:solidFill>
+                <a:effectLst/>
+                <a:latin typeface="-apple-system"/>
+              </a:rPr>
+              <a:t>Git es flexible en varios aspectos: en la capacidad para varios tipos de flujos de trabajo de desarrollo no lineal, en su eficiencia en proyectos tanto grandes como pequeños y en su compatibilidad con numerosos sistemas y protocolos.</a:t>
+            </a:r>
+          </a:p>
+          <a:p>
+            <a:pPr algn="l"/>
             <a:endParaRPr lang="es-CO" sz="1200" b="0" i="0" dirty="0">
               <a:solidFill>
                 <a:srgbClr val="24292F"/>
@@ -1606,6 +1681,16 @@
               <a:cs typeface="Segoe UI Light" panose="020B0502040204020203" pitchFamily="34" charset="0"/>
             </a:endParaRPr>
           </a:p>
+          <a:p>
+            <a:endParaRPr lang="es-CO" sz="1200" b="0" i="0" dirty="0">
+              <a:solidFill>
+                <a:srgbClr val="24292F"/>
+              </a:solidFill>
+              <a:effectLst/>
+              <a:latin typeface="-apple-system"/>
+              <a:cs typeface="Segoe UI Light" panose="020B0502040204020203" pitchFamily="34" charset="0"/>
+            </a:endParaRPr>
+          </a:p>
         </p:txBody>
       </p:sp>
       <p:sp>
@@ -1626,7 +1711,7 @@
             <a:pPr rtl="0"/>
             <a:fld id="{810E1E9A-E921-4174-A0FC-51868D7AC568}" type="slidenum">
               <a:rPr lang="es-ES" noProof="0" smtClean="0"/>
-              <a:t>18</a:t>
+              <a:t>16</a:t>
             </a:fld>
             <a:endParaRPr lang="es-ES" noProof="0" dirty="0"/>
           </a:p>
@@ -1635,7 +1720,7 @@
     </p:spTree>
     <p:extLst>
       <p:ext uri="{BB962C8B-B14F-4D97-AF65-F5344CB8AC3E}">
-        <p14:creationId xmlns:p14="http://schemas.microsoft.com/office/powerpoint/2010/main" val="1987997789"/>
+        <p14:creationId xmlns:p14="http://schemas.microsoft.com/office/powerpoint/2010/main" val="3511847978"/>
       </p:ext>
     </p:extLst>
   </p:cSld>
@@ -1718,7 +1803,7 @@
             <a:pPr rtl="0"/>
             <a:fld id="{810E1E9A-E921-4174-A0FC-51868D7AC568}" type="slidenum">
               <a:rPr lang="es-ES" noProof="0" smtClean="0"/>
-              <a:t>19</a:t>
+              <a:t>17</a:t>
             </a:fld>
             <a:endParaRPr lang="es-ES" noProof="0" dirty="0"/>
           </a:p>
@@ -1727,7 +1812,7 @@
     </p:spTree>
     <p:extLst>
       <p:ext uri="{BB962C8B-B14F-4D97-AF65-F5344CB8AC3E}">
-        <p14:creationId xmlns:p14="http://schemas.microsoft.com/office/powerpoint/2010/main" val="1017806530"/>
+        <p14:creationId xmlns:p14="http://schemas.microsoft.com/office/powerpoint/2010/main" val="1991130683"/>
       </p:ext>
     </p:extLst>
   </p:cSld>
@@ -1810,7 +1895,7 @@
             <a:pPr rtl="0"/>
             <a:fld id="{810E1E9A-E921-4174-A0FC-51868D7AC568}" type="slidenum">
               <a:rPr lang="es-ES" noProof="0" smtClean="0"/>
-              <a:t>20</a:t>
+              <a:t>18</a:t>
             </a:fld>
             <a:endParaRPr lang="es-ES" noProof="0" dirty="0"/>
           </a:p>
@@ -1819,7 +1904,7 @@
     </p:spTree>
     <p:extLst>
       <p:ext uri="{BB962C8B-B14F-4D97-AF65-F5344CB8AC3E}">
-        <p14:creationId xmlns:p14="http://schemas.microsoft.com/office/powerpoint/2010/main" val="3738008516"/>
+        <p14:creationId xmlns:p14="http://schemas.microsoft.com/office/powerpoint/2010/main" val="1987997789"/>
       </p:ext>
     </p:extLst>
   </p:cSld>
@@ -1902,7 +1987,7 @@
             <a:pPr rtl="0"/>
             <a:fld id="{810E1E9A-E921-4174-A0FC-51868D7AC568}" type="slidenum">
               <a:rPr lang="es-ES" noProof="0" smtClean="0"/>
-              <a:t>21</a:t>
+              <a:t>19</a:t>
             </a:fld>
             <a:endParaRPr lang="es-ES" noProof="0" dirty="0"/>
           </a:p>
@@ -1911,7 +1996,7 @@
     </p:spTree>
     <p:extLst>
       <p:ext uri="{BB962C8B-B14F-4D97-AF65-F5344CB8AC3E}">
-        <p14:creationId xmlns:p14="http://schemas.microsoft.com/office/powerpoint/2010/main" val="4162639289"/>
+        <p14:creationId xmlns:p14="http://schemas.microsoft.com/office/powerpoint/2010/main" val="1017806530"/>
       </p:ext>
     </p:extLst>
   </p:cSld>
@@ -1965,46 +2050,382 @@
           <a:bodyPr/>
           <a:lstStyle/>
           <a:p>
-            <a:pPr algn="l"/>
-            <a:r>
-              <a:rPr lang="es-CO" sz="1200" b="0" i="0" dirty="0">
-                <a:solidFill>
-                  <a:srgbClr val="24292F"/>
-                </a:solidFill>
-                <a:effectLst/>
-                <a:latin typeface="-apple-system"/>
-              </a:rPr>
-              <a:t>Tradicionalmente, pensamos que la creación de contenidos académicos y científicos se puede realizar de manera individual y aislada de otras personas; incluso, la formación profesional que recibimos en las aulas privilegia en cierto sentido esta modalidad. Es verdad que existen tareas que se pueden desarrollar en solitario, especialmente cuando se trabaja en la producción científica de trabajos de investigación y/o profundización con un alcance particular; sin embargo, cuando el nivel de dificultad de la investigación o los contenidos de los </a:t>
-            </a:r>
-            <a:r>
-              <a:rPr lang="es-CO" sz="1200" b="0" i="0" dirty="0" err="1">
-                <a:solidFill>
-                  <a:srgbClr val="24292F"/>
-                </a:solidFill>
-                <a:effectLst/>
-                <a:latin typeface="-apple-system"/>
-              </a:rPr>
-              <a:t>microcurrículos</a:t>
-            </a:r>
-            <a:r>
-              <a:rPr lang="es-CO" sz="1200" b="0" i="0" dirty="0">
-                <a:solidFill>
-                  <a:srgbClr val="24292F"/>
-                </a:solidFill>
-                <a:effectLst/>
-                <a:latin typeface="-apple-system"/>
-              </a:rPr>
-              <a:t> aumenta, ya sea por las nuevas innovaciones tecnológicas, porque requieren de conocimiento experto de múltiples disciplinas o por avances en docencia, la creación y actualización necesariamente se tiene que desarrollar en compañía de otras personas. De esta manera, la interacción humana en el proceso de creación de contenidos de calidad es en muchas ocasiones, obligatoria.</a:t>
-            </a:r>
-          </a:p>
-          <a:p>
-            <a:br>
-              <a:rPr lang="es-CO" sz="1200" dirty="0"/>
-            </a:br>
-            <a:endParaRPr lang="es-CO" sz="1000" dirty="0">
-              <a:latin typeface="Segoe UI Light" panose="020B0502040204020203" pitchFamily="34" charset="0"/>
-              <a:cs typeface="Segoe UI Light" panose="020B0502040204020203" pitchFamily="34" charset="0"/>
-            </a:endParaRPr>
+            <a:r>
+              <a:rPr lang="en-US" dirty="0" err="1"/>
+              <a:t>Esta</a:t>
+            </a:r>
+            <a:r>
+              <a:rPr lang="en-US" dirty="0"/>
+              <a:t> </a:t>
+            </a:r>
+            <a:r>
+              <a:rPr lang="en-US" dirty="0" err="1"/>
+              <a:t>guía</a:t>
+            </a:r>
+            <a:r>
+              <a:rPr lang="en-US" dirty="0"/>
+              <a:t> ha </a:t>
+            </a:r>
+            <a:r>
+              <a:rPr lang="en-US" dirty="0" err="1"/>
+              <a:t>sido</a:t>
+            </a:r>
+            <a:r>
+              <a:rPr lang="en-US" dirty="0"/>
+              <a:t> </a:t>
+            </a:r>
+            <a:r>
+              <a:rPr lang="en-US" dirty="0" err="1"/>
+              <a:t>dividida</a:t>
+            </a:r>
+            <a:r>
+              <a:rPr lang="en-US" dirty="0"/>
+              <a:t> </a:t>
+            </a:r>
+            <a:r>
+              <a:rPr lang="en-US" dirty="0" err="1"/>
+              <a:t>en</a:t>
+            </a:r>
+            <a:r>
+              <a:rPr lang="en-US" dirty="0"/>
+              <a:t> 3 </a:t>
+            </a:r>
+            <a:r>
+              <a:rPr lang="en-US" dirty="0" err="1"/>
+              <a:t>secciones</a:t>
+            </a:r>
+            <a:r>
+              <a:rPr lang="en-US" dirty="0"/>
+              <a:t>.</a:t>
+            </a:r>
+          </a:p>
+          <a:p>
+            <a:endParaRPr lang="en-US" dirty="0"/>
+          </a:p>
+          <a:p>
+            <a:r>
+              <a:rPr lang="en-US" dirty="0" err="1"/>
+              <a:t>En</a:t>
+            </a:r>
+            <a:r>
+              <a:rPr lang="en-US" dirty="0"/>
+              <a:t> la </a:t>
+            </a:r>
+            <a:r>
+              <a:rPr lang="en-US" dirty="0" err="1"/>
+              <a:t>sección</a:t>
+            </a:r>
+            <a:r>
+              <a:rPr lang="en-US" dirty="0"/>
+              <a:t> 1 </a:t>
+            </a:r>
+            <a:r>
+              <a:rPr lang="en-US" dirty="0" err="1"/>
+              <a:t>aprenderás</a:t>
+            </a:r>
+            <a:r>
+              <a:rPr lang="en-US" dirty="0"/>
+              <a:t> </a:t>
+            </a:r>
+            <a:r>
+              <a:rPr lang="en-US" dirty="0" err="1"/>
+              <a:t>fundamentos</a:t>
+            </a:r>
+            <a:r>
+              <a:rPr lang="en-US" dirty="0"/>
+              <a:t> </a:t>
+            </a:r>
+            <a:r>
+              <a:rPr lang="en-US" dirty="0" err="1"/>
+              <a:t>generales</a:t>
+            </a:r>
+            <a:r>
+              <a:rPr lang="en-US" dirty="0"/>
+              <a:t> de </a:t>
+            </a:r>
+            <a:r>
+              <a:rPr lang="en-US" dirty="0" err="1"/>
+              <a:t>desarrollo</a:t>
+            </a:r>
+            <a:r>
+              <a:rPr lang="en-US" dirty="0"/>
+              <a:t> </a:t>
+            </a:r>
+            <a:r>
+              <a:rPr lang="en-US" dirty="0" err="1"/>
+              <a:t>colaborativo</a:t>
+            </a:r>
+            <a:r>
+              <a:rPr lang="en-US" dirty="0"/>
+              <a:t> y </a:t>
+            </a:r>
+            <a:r>
+              <a:rPr lang="en-US" dirty="0" err="1"/>
+              <a:t>su</a:t>
+            </a:r>
+            <a:r>
+              <a:rPr lang="en-US" dirty="0"/>
+              <a:t> </a:t>
+            </a:r>
+            <a:r>
+              <a:rPr lang="en-US" dirty="0" err="1"/>
+              <a:t>implementación</a:t>
+            </a:r>
+            <a:r>
+              <a:rPr lang="en-US" dirty="0"/>
+              <a:t> </a:t>
+            </a:r>
+            <a:r>
+              <a:rPr lang="en-US" dirty="0" err="1"/>
+              <a:t>en</a:t>
+            </a:r>
+            <a:r>
+              <a:rPr lang="en-US" dirty="0"/>
+              <a:t> la </a:t>
+            </a:r>
+            <a:r>
+              <a:rPr lang="en-US" dirty="0" err="1"/>
+              <a:t>nube</a:t>
+            </a:r>
+            <a:r>
+              <a:rPr lang="en-US" dirty="0"/>
+              <a:t> a </a:t>
+            </a:r>
+            <a:r>
+              <a:rPr lang="en-US" dirty="0" err="1"/>
+              <a:t>través</a:t>
+            </a:r>
+            <a:r>
+              <a:rPr lang="en-US" dirty="0"/>
+              <a:t> de GitHub.</a:t>
+            </a:r>
+          </a:p>
+          <a:p>
+            <a:endParaRPr lang="en-US" dirty="0"/>
+          </a:p>
+          <a:p>
+            <a:r>
+              <a:rPr lang="en-US" dirty="0" err="1"/>
+              <a:t>En</a:t>
+            </a:r>
+            <a:r>
+              <a:rPr lang="en-US" dirty="0"/>
+              <a:t> la </a:t>
+            </a:r>
+            <a:r>
+              <a:rPr lang="en-US" dirty="0" err="1"/>
+              <a:t>sección</a:t>
+            </a:r>
+            <a:r>
+              <a:rPr lang="en-US" dirty="0"/>
+              <a:t> 2 </a:t>
+            </a:r>
+            <a:r>
+              <a:rPr lang="en-US" dirty="0" err="1"/>
+              <a:t>aprenderás</a:t>
+            </a:r>
+            <a:r>
+              <a:rPr lang="en-US" dirty="0"/>
+              <a:t> a </a:t>
+            </a:r>
+            <a:r>
+              <a:rPr lang="en-US" dirty="0" err="1"/>
+              <a:t>gestionar</a:t>
+            </a:r>
+            <a:r>
+              <a:rPr lang="en-US" dirty="0"/>
+              <a:t> </a:t>
+            </a:r>
+            <a:r>
+              <a:rPr lang="en-US" dirty="0" err="1"/>
+              <a:t>tus</a:t>
+            </a:r>
+            <a:r>
+              <a:rPr lang="en-US" dirty="0"/>
+              <a:t> </a:t>
+            </a:r>
+            <a:r>
+              <a:rPr lang="en-US" dirty="0" err="1"/>
+              <a:t>repositorios</a:t>
+            </a:r>
+            <a:r>
+              <a:rPr lang="en-US" dirty="0"/>
+              <a:t> </a:t>
+            </a:r>
+            <a:r>
+              <a:rPr lang="en-US" dirty="0" err="1"/>
+              <a:t>localmente</a:t>
+            </a:r>
+            <a:r>
+              <a:rPr lang="en-US" dirty="0"/>
+              <a:t> </a:t>
+            </a:r>
+            <a:r>
+              <a:rPr lang="en-US" dirty="0" err="1"/>
+              <a:t>utilizando</a:t>
+            </a:r>
+            <a:r>
+              <a:rPr lang="en-US" dirty="0"/>
+              <a:t> </a:t>
+            </a:r>
+            <a:r>
+              <a:rPr lang="en-US" dirty="0" err="1"/>
+              <a:t>el</a:t>
+            </a:r>
+            <a:r>
+              <a:rPr lang="en-US" dirty="0"/>
+              <a:t> </a:t>
+            </a:r>
+            <a:r>
+              <a:rPr lang="en-US" dirty="0" err="1"/>
+              <a:t>entorno</a:t>
+            </a:r>
+            <a:r>
+              <a:rPr lang="en-US" dirty="0"/>
+              <a:t> de </a:t>
+            </a:r>
+            <a:r>
+              <a:rPr lang="en-US" dirty="0" err="1"/>
+              <a:t>desarrollo</a:t>
+            </a:r>
+            <a:r>
+              <a:rPr lang="en-US" dirty="0"/>
+              <a:t> </a:t>
+            </a:r>
+            <a:r>
+              <a:rPr lang="en-US" dirty="0" err="1"/>
+              <a:t>integrado</a:t>
+            </a:r>
+            <a:r>
+              <a:rPr lang="en-US" dirty="0"/>
+              <a:t> o IDE de PyCharm Community.</a:t>
+            </a:r>
+          </a:p>
+          <a:p>
+            <a:endParaRPr lang="en-US" dirty="0"/>
+          </a:p>
+          <a:p>
+            <a:pPr marL="0" marR="0" lvl="0" indent="0" algn="l" defTabSz="914377" rtl="0" eaLnBrk="1" fontAlgn="auto" latinLnBrk="0" hangingPunct="1">
+              <a:lnSpc>
+                <a:spcPct val="100000"/>
+              </a:lnSpc>
+              <a:spcBef>
+                <a:spcPts val="0"/>
+              </a:spcBef>
+              <a:spcAft>
+                <a:spcPts val="0"/>
+              </a:spcAft>
+              <a:buClrTx/>
+              <a:buSzTx/>
+              <a:buFontTx/>
+              <a:buNone/>
+              <a:tabLst/>
+              <a:defRPr/>
+            </a:pPr>
+            <a:r>
+              <a:rPr lang="en-US" dirty="0" err="1"/>
+              <a:t>En</a:t>
+            </a:r>
+            <a:r>
+              <a:rPr lang="en-US" dirty="0"/>
+              <a:t> la </a:t>
+            </a:r>
+            <a:r>
+              <a:rPr lang="en-US" dirty="0" err="1"/>
+              <a:t>sección</a:t>
+            </a:r>
+            <a:r>
+              <a:rPr lang="en-US" dirty="0"/>
+              <a:t> 3 </a:t>
+            </a:r>
+            <a:r>
+              <a:rPr lang="en-US" dirty="0" err="1"/>
+              <a:t>aprenderás</a:t>
+            </a:r>
+            <a:r>
+              <a:rPr lang="en-US" dirty="0"/>
+              <a:t> a </a:t>
+            </a:r>
+            <a:r>
+              <a:rPr lang="en-US" dirty="0" err="1"/>
+              <a:t>gestionar</a:t>
+            </a:r>
+            <a:r>
+              <a:rPr lang="en-US" dirty="0"/>
+              <a:t> </a:t>
+            </a:r>
+            <a:r>
+              <a:rPr lang="en-US" dirty="0" err="1"/>
+              <a:t>tus</a:t>
+            </a:r>
+            <a:r>
+              <a:rPr lang="en-US" dirty="0"/>
+              <a:t> </a:t>
+            </a:r>
+            <a:r>
+              <a:rPr lang="en-US" dirty="0" err="1"/>
+              <a:t>repositorios</a:t>
+            </a:r>
+            <a:r>
+              <a:rPr lang="en-US" dirty="0"/>
+              <a:t> </a:t>
+            </a:r>
+            <a:r>
+              <a:rPr lang="en-US" dirty="0" err="1"/>
+              <a:t>localmente</a:t>
+            </a:r>
+            <a:r>
+              <a:rPr lang="en-US" dirty="0"/>
+              <a:t> </a:t>
+            </a:r>
+            <a:r>
+              <a:rPr lang="en-US" dirty="0" err="1"/>
+              <a:t>utilizando</a:t>
+            </a:r>
+            <a:r>
+              <a:rPr lang="en-US" dirty="0"/>
+              <a:t> </a:t>
+            </a:r>
+            <a:r>
+              <a:rPr lang="en-US" dirty="0" err="1"/>
+              <a:t>el</a:t>
+            </a:r>
+            <a:r>
+              <a:rPr lang="en-US" dirty="0"/>
+              <a:t> </a:t>
+            </a:r>
+            <a:r>
+              <a:rPr lang="en-US" dirty="0" err="1"/>
+              <a:t>entorno</a:t>
+            </a:r>
+            <a:r>
+              <a:rPr lang="en-US" dirty="0"/>
+              <a:t> de </a:t>
+            </a:r>
+            <a:r>
+              <a:rPr lang="en-US" dirty="0" err="1"/>
+              <a:t>desarrollo</a:t>
+            </a:r>
+            <a:r>
+              <a:rPr lang="en-US" dirty="0"/>
+              <a:t> </a:t>
+            </a:r>
+            <a:r>
+              <a:rPr lang="en-US" dirty="0" err="1"/>
+              <a:t>integrado</a:t>
+            </a:r>
+            <a:r>
+              <a:rPr lang="en-US" dirty="0"/>
+              <a:t> o </a:t>
+            </a:r>
+            <a:r>
+              <a:rPr lang="en-US"/>
+              <a:t>IDE Visual Studio Code de Microsoft.</a:t>
+            </a:r>
+            <a:endParaRPr lang="en-US" dirty="0"/>
+          </a:p>
+          <a:p>
+            <a:endParaRPr lang="es-CO" dirty="0"/>
           </a:p>
         </p:txBody>
       </p:sp>
@@ -2026,7 +2447,7 @@
             <a:pPr rtl="0"/>
             <a:fld id="{810E1E9A-E921-4174-A0FC-51868D7AC568}" type="slidenum">
               <a:rPr lang="es-ES" noProof="0" smtClean="0"/>
-              <a:t>4</a:t>
+              <a:t>2</a:t>
             </a:fld>
             <a:endParaRPr lang="es-ES" noProof="0" dirty="0"/>
           </a:p>
@@ -2035,7 +2456,7 @@
     </p:spTree>
     <p:extLst>
       <p:ext uri="{BB962C8B-B14F-4D97-AF65-F5344CB8AC3E}">
-        <p14:creationId xmlns:p14="http://schemas.microsoft.com/office/powerpoint/2010/main" val="1215802017"/>
+        <p14:creationId xmlns:p14="http://schemas.microsoft.com/office/powerpoint/2010/main" val="1087390707"/>
       </p:ext>
     </p:extLst>
   </p:cSld>
@@ -2089,80 +2510,6 @@
           <a:bodyPr/>
           <a:lstStyle/>
           <a:p>
-            <a:pPr algn="l"/>
-            <a:r>
-              <a:rPr lang="es-CO" b="0" i="0" dirty="0">
-                <a:solidFill>
-                  <a:srgbClr val="24292F"/>
-                </a:solidFill>
-                <a:effectLst/>
-                <a:latin typeface="-apple-system"/>
-              </a:rPr>
-              <a:t>Los repositorios de GitHub utilizan para su documentación el lenguaje </a:t>
-            </a:r>
-            <a:r>
-              <a:rPr lang="es-CO" b="0" i="0" dirty="0" err="1">
-                <a:solidFill>
-                  <a:srgbClr val="24292F"/>
-                </a:solidFill>
-                <a:effectLst/>
-                <a:latin typeface="-apple-system"/>
-              </a:rPr>
-              <a:t>Markdown</a:t>
-            </a:r>
-            <a:r>
-              <a:rPr lang="es-CO" b="0" i="0" dirty="0">
-                <a:solidFill>
-                  <a:srgbClr val="24292F"/>
-                </a:solidFill>
-                <a:effectLst/>
-                <a:latin typeface="-apple-system"/>
-              </a:rPr>
-              <a:t>, que permite crear texto con formato, tablas, enlaces y utilizar elementos embebidos del lenguaje de hipertextos HTML y sin tener que definir estilos o tener conocimientos de programación. En este </a:t>
-            </a:r>
-            <a:r>
-              <a:rPr lang="es-CO" b="0" i="0" dirty="0" err="1">
-                <a:solidFill>
-                  <a:srgbClr val="24292F"/>
-                </a:solidFill>
-                <a:effectLst/>
-                <a:latin typeface="-apple-system"/>
-              </a:rPr>
-              <a:t>microcontenido</a:t>
-            </a:r>
-            <a:r>
-              <a:rPr lang="es-CO" b="0" i="0" dirty="0">
-                <a:solidFill>
-                  <a:srgbClr val="24292F"/>
-                </a:solidFill>
-                <a:effectLst/>
-                <a:latin typeface="-apple-system"/>
-              </a:rPr>
-              <a:t> encontrarás diferentes recursos para la escritura de e-Books y documentación wiki usando el lenguaje de marcas </a:t>
-            </a:r>
-            <a:r>
-              <a:rPr lang="es-CO" b="0" i="0" dirty="0" err="1">
-                <a:solidFill>
-                  <a:srgbClr val="24292F"/>
-                </a:solidFill>
-                <a:effectLst/>
-                <a:latin typeface="-apple-system"/>
-              </a:rPr>
-              <a:t>Markdown</a:t>
-            </a:r>
-            <a:r>
-              <a:rPr lang="es-CO" b="0" i="0" dirty="0">
-                <a:solidFill>
-                  <a:srgbClr val="24292F"/>
-                </a:solidFill>
-                <a:effectLst/>
-                <a:latin typeface="-apple-system"/>
-              </a:rPr>
-              <a:t>.</a:t>
-            </a:r>
-          </a:p>
-          <a:p>
-            <a:pPr algn="l"/>
             <a:endParaRPr lang="es-CO" sz="1200" b="0" i="0" dirty="0">
               <a:solidFill>
                 <a:srgbClr val="24292F"/>
@@ -2172,144 +2519,6 @@
               <a:cs typeface="Segoe UI Light" panose="020B0502040204020203" pitchFamily="34" charset="0"/>
             </a:endParaRPr>
           </a:p>
-          <a:p>
-            <a:pPr algn="l"/>
-            <a:r>
-              <a:rPr lang="es-CO" b="0" i="0" dirty="0" err="1">
-                <a:solidFill>
-                  <a:srgbClr val="24292F"/>
-                </a:solidFill>
-                <a:effectLst/>
-                <a:latin typeface="-apple-system"/>
-              </a:rPr>
-              <a:t>Markdown</a:t>
-            </a:r>
-            <a:r>
-              <a:rPr lang="es-CO" b="0" i="0" dirty="0">
-                <a:solidFill>
-                  <a:srgbClr val="24292F"/>
-                </a:solidFill>
-                <a:effectLst/>
-                <a:latin typeface="-apple-system"/>
-              </a:rPr>
-              <a:t> es un lenguaje de marcas que facilita la aplicación de formato a un texto empleando una serie de caracteres de una forma especial. En principio, fue pensado para elaborar textos cuyo destino iba a ser la web con más rapidez y sencillez que si estuviésemos usando directamente HTML, y si bien ese suele ser el mejor uso que podemos darle, también podemos emplearlo para cualquier tipo de texto, independientemente de cuál vaya a ser su destino. Como explica </a:t>
-            </a:r>
-            <a:r>
-              <a:rPr lang="es-CO" b="0" i="1" u="none" strike="noStrike" dirty="0">
-                <a:effectLst/>
-                <a:latin typeface="-apple-system"/>
-                <a:hlinkClick r:id="rId3"/>
-              </a:rPr>
-              <a:t>John </a:t>
-            </a:r>
-            <a:r>
-              <a:rPr lang="es-CO" b="0" i="1" u="none" strike="noStrike" dirty="0" err="1">
-                <a:effectLst/>
-                <a:latin typeface="-apple-system"/>
-                <a:hlinkClick r:id="rId3"/>
-              </a:rPr>
-              <a:t>Gruber</a:t>
-            </a:r>
-            <a:r>
-              <a:rPr lang="es-CO" b="0" i="0" dirty="0">
-                <a:solidFill>
-                  <a:srgbClr val="24292F"/>
-                </a:solidFill>
-                <a:effectLst/>
-                <a:latin typeface="-apple-system"/>
-              </a:rPr>
-              <a:t>, uno de sus creadores, </a:t>
-            </a:r>
-            <a:r>
-              <a:rPr lang="es-CO" b="0" i="0" dirty="0" err="1">
-                <a:solidFill>
-                  <a:srgbClr val="24292F"/>
-                </a:solidFill>
-                <a:effectLst/>
-                <a:latin typeface="-apple-system"/>
-              </a:rPr>
-              <a:t>Markdown</a:t>
-            </a:r>
-            <a:r>
-              <a:rPr lang="es-CO" b="0" i="0" dirty="0">
-                <a:solidFill>
-                  <a:srgbClr val="24292F"/>
-                </a:solidFill>
-                <a:effectLst/>
-                <a:latin typeface="-apple-system"/>
-              </a:rPr>
-              <a:t> es realmente dos cosas: por un lado, el lenguaje; por otro, una herramienta de software que convierte documentos .</a:t>
-            </a:r>
-            <a:r>
-              <a:rPr lang="es-CO" b="0" i="0" dirty="0" err="1">
-                <a:solidFill>
-                  <a:srgbClr val="24292F"/>
-                </a:solidFill>
-                <a:effectLst/>
-                <a:latin typeface="-apple-system"/>
-              </a:rPr>
-              <a:t>md</a:t>
-            </a:r>
-            <a:r>
-              <a:rPr lang="es-CO" b="0" i="0" dirty="0">
-                <a:solidFill>
-                  <a:srgbClr val="24292F"/>
-                </a:solidFill>
-                <a:effectLst/>
-                <a:latin typeface="-apple-system"/>
-              </a:rPr>
-              <a:t> en lenguaje HTML válido.</a:t>
-            </a:r>
-            <a:endParaRPr lang="es-CO" sz="1200" b="0" i="0" dirty="0">
-              <a:solidFill>
-                <a:srgbClr val="24292F"/>
-              </a:solidFill>
-              <a:effectLst/>
-              <a:latin typeface="-apple-system"/>
-              <a:cs typeface="Segoe UI Light" panose="020B0502040204020203" pitchFamily="34" charset="0"/>
-            </a:endParaRPr>
-          </a:p>
-          <a:p>
-            <a:pPr algn="l"/>
-            <a:endParaRPr lang="es-CO" sz="1200" b="0" i="0" dirty="0">
-              <a:solidFill>
-                <a:srgbClr val="24292F"/>
-              </a:solidFill>
-              <a:effectLst/>
-              <a:latin typeface="-apple-system"/>
-              <a:cs typeface="Segoe UI Light" panose="020B0502040204020203" pitchFamily="34" charset="0"/>
-            </a:endParaRPr>
-          </a:p>
-          <a:p>
-            <a:pPr algn="l"/>
-            <a:r>
-              <a:rPr lang="es-CO" sz="1200" b="0" i="0" dirty="0">
-                <a:solidFill>
-                  <a:srgbClr val="24292F"/>
-                </a:solidFill>
-                <a:effectLst/>
-                <a:latin typeface="-apple-system"/>
-                <a:cs typeface="Segoe UI Light" panose="020B0502040204020203" pitchFamily="34" charset="0"/>
-              </a:rPr>
-              <a:t>Tomado o adaptado de: </a:t>
-            </a:r>
-            <a:r>
-              <a:rPr lang="es-CO" b="0" i="0" u="sng" dirty="0">
-                <a:effectLst/>
-                <a:latin typeface="-apple-system"/>
-                <a:hlinkClick r:id="rId4"/>
-              </a:rPr>
-              <a:t>https://www.genbeta.com/guia-de-inicio/que-es-markdown-para-que-sirve-y-como-usarlo</a:t>
-            </a:r>
-            <a:endParaRPr lang="es-CO" sz="1200" b="0" i="0" dirty="0">
-              <a:solidFill>
-                <a:srgbClr val="24292F"/>
-              </a:solidFill>
-              <a:effectLst/>
-              <a:latin typeface="-apple-system"/>
-              <a:cs typeface="Segoe UI Light" panose="020B0502040204020203" pitchFamily="34" charset="0"/>
-            </a:endParaRPr>
-          </a:p>
         </p:txBody>
       </p:sp>
       <p:sp>
@@ -2330,7 +2539,7 @@
             <a:pPr rtl="0"/>
             <a:fld id="{810E1E9A-E921-4174-A0FC-51868D7AC568}" type="slidenum">
               <a:rPr lang="es-ES" noProof="0" smtClean="0"/>
-              <a:t>22</a:t>
+              <a:t>20</a:t>
             </a:fld>
             <a:endParaRPr lang="es-ES" noProof="0" dirty="0"/>
           </a:p>
@@ -2339,7 +2548,7 @@
     </p:spTree>
     <p:extLst>
       <p:ext uri="{BB962C8B-B14F-4D97-AF65-F5344CB8AC3E}">
-        <p14:creationId xmlns:p14="http://schemas.microsoft.com/office/powerpoint/2010/main" val="1453507862"/>
+        <p14:creationId xmlns:p14="http://schemas.microsoft.com/office/powerpoint/2010/main" val="3738008516"/>
       </p:ext>
     </p:extLst>
   </p:cSld>
@@ -2393,6 +2602,402 @@
           <a:bodyPr/>
           <a:lstStyle/>
           <a:p>
+            <a:endParaRPr lang="es-CO" sz="1200" b="0" i="0" dirty="0">
+              <a:solidFill>
+                <a:srgbClr val="24292F"/>
+              </a:solidFill>
+              <a:effectLst/>
+              <a:latin typeface="-apple-system"/>
+              <a:cs typeface="Segoe UI Light" panose="020B0502040204020203" pitchFamily="34" charset="0"/>
+            </a:endParaRPr>
+          </a:p>
+        </p:txBody>
+      </p:sp>
+      <p:sp>
+        <p:nvSpPr>
+          <p:cNvPr id="4" name="Slide Number Placeholder 3"/>
+          <p:cNvSpPr>
+            <a:spLocks noGrp="1"/>
+          </p:cNvSpPr>
+          <p:nvPr>
+            <p:ph type="sldNum" sz="quarter" idx="5"/>
+          </p:nvPr>
+        </p:nvSpPr>
+        <p:spPr/>
+        <p:txBody>
+          <a:bodyPr/>
+          <a:lstStyle/>
+          <a:p>
+            <a:pPr rtl="0"/>
+            <a:fld id="{810E1E9A-E921-4174-A0FC-51868D7AC568}" type="slidenum">
+              <a:rPr lang="es-ES" noProof="0" smtClean="0"/>
+              <a:t>21</a:t>
+            </a:fld>
+            <a:endParaRPr lang="es-ES" noProof="0" dirty="0"/>
+          </a:p>
+        </p:txBody>
+      </p:sp>
+    </p:spTree>
+    <p:extLst>
+      <p:ext uri="{BB962C8B-B14F-4D97-AF65-F5344CB8AC3E}">
+        <p14:creationId xmlns:p14="http://schemas.microsoft.com/office/powerpoint/2010/main" val="4162639289"/>
+      </p:ext>
+    </p:extLst>
+  </p:cSld>
+  <p:clrMapOvr>
+    <a:masterClrMapping/>
+  </p:clrMapOvr>
+</p:notes>
+</file>
+
+<file path=ppt/notesSlides/notesSlide22.xml><?xml version="1.0" encoding="utf-8"?>
+<p:notes xmlns:a="http://schemas.openxmlformats.org/drawingml/2006/main" xmlns:r="http://schemas.openxmlformats.org/officeDocument/2006/relationships" xmlns:p="http://schemas.openxmlformats.org/presentationml/2006/main">
+  <p:cSld>
+    <p:spTree>
+      <p:nvGrpSpPr>
+        <p:cNvPr id="1" name=""/>
+        <p:cNvGrpSpPr/>
+        <p:nvPr/>
+      </p:nvGrpSpPr>
+      <p:grpSpPr>
+        <a:xfrm>
+          <a:off x="0" y="0"/>
+          <a:ext cx="0" cy="0"/>
+          <a:chOff x="0" y="0"/>
+          <a:chExt cx="0" cy="0"/>
+        </a:xfrm>
+      </p:grpSpPr>
+      <p:sp>
+        <p:nvSpPr>
+          <p:cNvPr id="2" name="Slide Image Placeholder 1"/>
+          <p:cNvSpPr>
+            <a:spLocks noGrp="1" noRot="1" noChangeAspect="1"/>
+          </p:cNvSpPr>
+          <p:nvPr>
+            <p:ph type="sldImg"/>
+          </p:nvPr>
+        </p:nvSpPr>
+        <p:spPr/>
+      </p:sp>
+      <p:sp>
+        <p:nvSpPr>
+          <p:cNvPr id="3" name="Notes Placeholder 2"/>
+          <p:cNvSpPr>
+            <a:spLocks noGrp="1"/>
+          </p:cNvSpPr>
+          <p:nvPr>
+            <p:ph type="body" idx="1"/>
+          </p:nvPr>
+        </p:nvSpPr>
+        <p:spPr/>
+        <p:txBody>
+          <a:bodyPr/>
+          <a:lstStyle/>
+          <a:p>
+            <a:pPr algn="l"/>
+            <a:r>
+              <a:rPr lang="es-CO" b="0" i="0" dirty="0">
+                <a:solidFill>
+                  <a:srgbClr val="24292F"/>
+                </a:solidFill>
+                <a:effectLst/>
+                <a:latin typeface="-apple-system"/>
+              </a:rPr>
+              <a:t>Los repositorios de GitHub utilizan para su documentación el lenguaje </a:t>
+            </a:r>
+            <a:r>
+              <a:rPr lang="es-CO" b="0" i="0" dirty="0" err="1">
+                <a:solidFill>
+                  <a:srgbClr val="24292F"/>
+                </a:solidFill>
+                <a:effectLst/>
+                <a:latin typeface="-apple-system"/>
+              </a:rPr>
+              <a:t>Markdown</a:t>
+            </a:r>
+            <a:r>
+              <a:rPr lang="es-CO" b="0" i="0" dirty="0">
+                <a:solidFill>
+                  <a:srgbClr val="24292F"/>
+                </a:solidFill>
+                <a:effectLst/>
+                <a:latin typeface="-apple-system"/>
+              </a:rPr>
+              <a:t>, que permite crear texto con formato, tablas, enlaces y utilizar elementos embebidos del lenguaje de hipertextos HTML y sin tener que definir estilos o tener conocimientos de programación. En este </a:t>
+            </a:r>
+            <a:r>
+              <a:rPr lang="es-CO" b="0" i="0" dirty="0" err="1">
+                <a:solidFill>
+                  <a:srgbClr val="24292F"/>
+                </a:solidFill>
+                <a:effectLst/>
+                <a:latin typeface="-apple-system"/>
+              </a:rPr>
+              <a:t>microcontenido</a:t>
+            </a:r>
+            <a:r>
+              <a:rPr lang="es-CO" b="0" i="0" dirty="0">
+                <a:solidFill>
+                  <a:srgbClr val="24292F"/>
+                </a:solidFill>
+                <a:effectLst/>
+                <a:latin typeface="-apple-system"/>
+              </a:rPr>
+              <a:t> encontrarás diferentes recursos para la escritura de e-Books y documentación wiki usando el lenguaje de marcas </a:t>
+            </a:r>
+            <a:r>
+              <a:rPr lang="es-CO" b="0" i="0" dirty="0" err="1">
+                <a:solidFill>
+                  <a:srgbClr val="24292F"/>
+                </a:solidFill>
+                <a:effectLst/>
+                <a:latin typeface="-apple-system"/>
+              </a:rPr>
+              <a:t>Markdown</a:t>
+            </a:r>
+            <a:r>
+              <a:rPr lang="es-CO" b="0" i="0" dirty="0">
+                <a:solidFill>
+                  <a:srgbClr val="24292F"/>
+                </a:solidFill>
+                <a:effectLst/>
+                <a:latin typeface="-apple-system"/>
+              </a:rPr>
+              <a:t>.</a:t>
+            </a:r>
+          </a:p>
+          <a:p>
+            <a:pPr algn="l"/>
+            <a:endParaRPr lang="es-CO" sz="1200" b="0" i="0" dirty="0">
+              <a:solidFill>
+                <a:srgbClr val="24292F"/>
+              </a:solidFill>
+              <a:effectLst/>
+              <a:latin typeface="-apple-system"/>
+              <a:cs typeface="Segoe UI Light" panose="020B0502040204020203" pitchFamily="34" charset="0"/>
+            </a:endParaRPr>
+          </a:p>
+          <a:p>
+            <a:pPr algn="l"/>
+            <a:r>
+              <a:rPr lang="es-CO" b="0" i="0" dirty="0" err="1">
+                <a:solidFill>
+                  <a:srgbClr val="24292F"/>
+                </a:solidFill>
+                <a:effectLst/>
+                <a:latin typeface="-apple-system"/>
+              </a:rPr>
+              <a:t>Markdown</a:t>
+            </a:r>
+            <a:r>
+              <a:rPr lang="es-CO" b="0" i="0" dirty="0">
+                <a:solidFill>
+                  <a:srgbClr val="24292F"/>
+                </a:solidFill>
+                <a:effectLst/>
+                <a:latin typeface="-apple-system"/>
+              </a:rPr>
+              <a:t> es un lenguaje de marcas que facilita la aplicación de formato a un texto empleando una serie de caracteres de una forma especial. En principio, fue pensado para elaborar textos cuyo destino iba a ser la web con más rapidez y sencillez que si estuviésemos usando directamente HTML, y si bien ese suele ser el mejor uso que podemos darle, también podemos emplearlo para cualquier tipo de texto, independientemente de cuál vaya a ser su destino. Como explica </a:t>
+            </a:r>
+            <a:r>
+              <a:rPr lang="es-CO" b="0" i="1" u="none" strike="noStrike" dirty="0">
+                <a:effectLst/>
+                <a:latin typeface="-apple-system"/>
+                <a:hlinkClick r:id="rId3"/>
+              </a:rPr>
+              <a:t>John </a:t>
+            </a:r>
+            <a:r>
+              <a:rPr lang="es-CO" b="0" i="1" u="none" strike="noStrike" dirty="0" err="1">
+                <a:effectLst/>
+                <a:latin typeface="-apple-system"/>
+                <a:hlinkClick r:id="rId3"/>
+              </a:rPr>
+              <a:t>Gruber</a:t>
+            </a:r>
+            <a:r>
+              <a:rPr lang="es-CO" b="0" i="0" dirty="0">
+                <a:solidFill>
+                  <a:srgbClr val="24292F"/>
+                </a:solidFill>
+                <a:effectLst/>
+                <a:latin typeface="-apple-system"/>
+              </a:rPr>
+              <a:t>, uno de sus creadores, </a:t>
+            </a:r>
+            <a:r>
+              <a:rPr lang="es-CO" b="0" i="0" dirty="0" err="1">
+                <a:solidFill>
+                  <a:srgbClr val="24292F"/>
+                </a:solidFill>
+                <a:effectLst/>
+                <a:latin typeface="-apple-system"/>
+              </a:rPr>
+              <a:t>Markdown</a:t>
+            </a:r>
+            <a:r>
+              <a:rPr lang="es-CO" b="0" i="0" dirty="0">
+                <a:solidFill>
+                  <a:srgbClr val="24292F"/>
+                </a:solidFill>
+                <a:effectLst/>
+                <a:latin typeface="-apple-system"/>
+              </a:rPr>
+              <a:t> es realmente dos cosas: por un lado, el lenguaje; por otro, una herramienta de software que convierte documentos .</a:t>
+            </a:r>
+            <a:r>
+              <a:rPr lang="es-CO" b="0" i="0" dirty="0" err="1">
+                <a:solidFill>
+                  <a:srgbClr val="24292F"/>
+                </a:solidFill>
+                <a:effectLst/>
+                <a:latin typeface="-apple-system"/>
+              </a:rPr>
+              <a:t>md</a:t>
+            </a:r>
+            <a:r>
+              <a:rPr lang="es-CO" b="0" i="0" dirty="0">
+                <a:solidFill>
+                  <a:srgbClr val="24292F"/>
+                </a:solidFill>
+                <a:effectLst/>
+                <a:latin typeface="-apple-system"/>
+              </a:rPr>
+              <a:t> en lenguaje HTML válido.</a:t>
+            </a:r>
+            <a:endParaRPr lang="es-CO" sz="1200" b="0" i="0" dirty="0">
+              <a:solidFill>
+                <a:srgbClr val="24292F"/>
+              </a:solidFill>
+              <a:effectLst/>
+              <a:latin typeface="-apple-system"/>
+              <a:cs typeface="Segoe UI Light" panose="020B0502040204020203" pitchFamily="34" charset="0"/>
+            </a:endParaRPr>
+          </a:p>
+          <a:p>
+            <a:pPr algn="l"/>
+            <a:endParaRPr lang="es-CO" sz="1200" b="0" i="0" dirty="0">
+              <a:solidFill>
+                <a:srgbClr val="24292F"/>
+              </a:solidFill>
+              <a:effectLst/>
+              <a:latin typeface="-apple-system"/>
+              <a:cs typeface="Segoe UI Light" panose="020B0502040204020203" pitchFamily="34" charset="0"/>
+            </a:endParaRPr>
+          </a:p>
+          <a:p>
+            <a:pPr algn="l"/>
+            <a:r>
+              <a:rPr lang="es-CO" sz="1200" b="0" i="0" dirty="0">
+                <a:solidFill>
+                  <a:srgbClr val="24292F"/>
+                </a:solidFill>
+                <a:effectLst/>
+                <a:latin typeface="-apple-system"/>
+                <a:cs typeface="Segoe UI Light" panose="020B0502040204020203" pitchFamily="34" charset="0"/>
+              </a:rPr>
+              <a:t>Tomado o adaptado de: </a:t>
+            </a:r>
+            <a:r>
+              <a:rPr lang="es-CO" b="0" i="0" u="sng" dirty="0">
+                <a:effectLst/>
+                <a:latin typeface="-apple-system"/>
+                <a:hlinkClick r:id="rId4"/>
+              </a:rPr>
+              <a:t>https://www.genbeta.com/guia-de-inicio/que-es-markdown-para-que-sirve-y-como-usarlo</a:t>
+            </a:r>
+            <a:endParaRPr lang="es-CO" sz="1200" b="0" i="0" dirty="0">
+              <a:solidFill>
+                <a:srgbClr val="24292F"/>
+              </a:solidFill>
+              <a:effectLst/>
+              <a:latin typeface="-apple-system"/>
+              <a:cs typeface="Segoe UI Light" panose="020B0502040204020203" pitchFamily="34" charset="0"/>
+            </a:endParaRPr>
+          </a:p>
+        </p:txBody>
+      </p:sp>
+      <p:sp>
+        <p:nvSpPr>
+          <p:cNvPr id="4" name="Slide Number Placeholder 3"/>
+          <p:cNvSpPr>
+            <a:spLocks noGrp="1"/>
+          </p:cNvSpPr>
+          <p:nvPr>
+            <p:ph type="sldNum" sz="quarter" idx="5"/>
+          </p:nvPr>
+        </p:nvSpPr>
+        <p:spPr/>
+        <p:txBody>
+          <a:bodyPr/>
+          <a:lstStyle/>
+          <a:p>
+            <a:pPr rtl="0"/>
+            <a:fld id="{810E1E9A-E921-4174-A0FC-51868D7AC568}" type="slidenum">
+              <a:rPr lang="es-ES" noProof="0" smtClean="0"/>
+              <a:t>22</a:t>
+            </a:fld>
+            <a:endParaRPr lang="es-ES" noProof="0" dirty="0"/>
+          </a:p>
+        </p:txBody>
+      </p:sp>
+    </p:spTree>
+    <p:extLst>
+      <p:ext uri="{BB962C8B-B14F-4D97-AF65-F5344CB8AC3E}">
+        <p14:creationId xmlns:p14="http://schemas.microsoft.com/office/powerpoint/2010/main" val="1453507862"/>
+      </p:ext>
+    </p:extLst>
+  </p:cSld>
+  <p:clrMapOvr>
+    <a:masterClrMapping/>
+  </p:clrMapOvr>
+</p:notes>
+</file>
+
+<file path=ppt/notesSlides/notesSlide23.xml><?xml version="1.0" encoding="utf-8"?>
+<p:notes xmlns:a="http://schemas.openxmlformats.org/drawingml/2006/main" xmlns:r="http://schemas.openxmlformats.org/officeDocument/2006/relationships" xmlns:p="http://schemas.openxmlformats.org/presentationml/2006/main">
+  <p:cSld>
+    <p:spTree>
+      <p:nvGrpSpPr>
+        <p:cNvPr id="1" name=""/>
+        <p:cNvGrpSpPr/>
+        <p:nvPr/>
+      </p:nvGrpSpPr>
+      <p:grpSpPr>
+        <a:xfrm>
+          <a:off x="0" y="0"/>
+          <a:ext cx="0" cy="0"/>
+          <a:chOff x="0" y="0"/>
+          <a:chExt cx="0" cy="0"/>
+        </a:xfrm>
+      </p:grpSpPr>
+      <p:sp>
+        <p:nvSpPr>
+          <p:cNvPr id="2" name="Slide Image Placeholder 1"/>
+          <p:cNvSpPr>
+            <a:spLocks noGrp="1" noRot="1" noChangeAspect="1"/>
+          </p:cNvSpPr>
+          <p:nvPr>
+            <p:ph type="sldImg"/>
+          </p:nvPr>
+        </p:nvSpPr>
+        <p:spPr/>
+      </p:sp>
+      <p:sp>
+        <p:nvSpPr>
+          <p:cNvPr id="3" name="Notes Placeholder 2"/>
+          <p:cNvSpPr>
+            <a:spLocks noGrp="1"/>
+          </p:cNvSpPr>
+          <p:nvPr>
+            <p:ph type="body" idx="1"/>
+          </p:nvPr>
+        </p:nvSpPr>
+        <p:spPr/>
+        <p:txBody>
+          <a:bodyPr/>
+          <a:lstStyle/>
+          <a:p>
             <a:pPr algn="l"/>
             <a:endParaRPr lang="es-CO" sz="1200" b="0" i="0" dirty="0">
               <a:solidFill>
@@ -2442,7 +3047,7 @@
 </p:notes>
 </file>
 
-<file path=ppt/notesSlides/notesSlide22.xml><?xml version="1.0" encoding="utf-8"?>
+<file path=ppt/notesSlides/notesSlide24.xml><?xml version="1.0" encoding="utf-8"?>
 <p:notes xmlns:a="http://schemas.openxmlformats.org/drawingml/2006/main" xmlns:r="http://schemas.openxmlformats.org/officeDocument/2006/relationships" xmlns:p="http://schemas.openxmlformats.org/presentationml/2006/main">
   <p:cSld>
     <p:spTree>
@@ -2578,93 +3183,17 @@
           <a:bodyPr/>
           <a:lstStyle/>
           <a:p>
-            <a:pPr algn="l">
-              <a:buFont typeface="Arial" panose="020B0604020202020204" pitchFamily="34" charset="0"/>
-              <a:buNone/>
-            </a:pPr>
-            <a:r>
-              <a:rPr lang="es-CO" b="0" i="0" dirty="0">
+            <a:r>
+              <a:rPr lang="es-CO" sz="1000" b="0" i="0" dirty="0">
                 <a:solidFill>
                   <a:srgbClr val="24292F"/>
                 </a:solidFill>
                 <a:effectLst/>
-                <a:latin typeface="-apple-system"/>
-              </a:rPr>
-              <a:t>Los contenidos producidos combinan la experticia de los integrantes del equipo de trabajo, de la facultad o el programa académico, del grupo de investigación o del centro de estudios al cual pertenecen.</a:t>
-            </a:r>
-          </a:p>
-          <a:p>
-            <a:pPr algn="l">
-              <a:buFont typeface="Arial" panose="020B0604020202020204" pitchFamily="34" charset="0"/>
-              <a:buNone/>
-            </a:pPr>
-            <a:r>
-              <a:rPr lang="es-CO" b="0" i="0" dirty="0">
-                <a:solidFill>
-                  <a:srgbClr val="24292F"/>
-                </a:solidFill>
-                <a:effectLst/>
-                <a:latin typeface="-apple-system"/>
-              </a:rPr>
-              <a:t>Creación de redes colaborativas donde los repositorios de los grupos o centros es abierta y compartida dentro de los miembros de la institución y otras instituciones y comunidades científicas.</a:t>
-            </a:r>
-          </a:p>
-          <a:p>
-            <a:pPr algn="l">
-              <a:buFont typeface="Arial" panose="020B0604020202020204" pitchFamily="34" charset="0"/>
-              <a:buNone/>
-            </a:pPr>
-            <a:r>
-              <a:rPr lang="es-CO" b="0" i="0" dirty="0">
-                <a:solidFill>
-                  <a:srgbClr val="24292F"/>
-                </a:solidFill>
-                <a:effectLst/>
-                <a:latin typeface="-apple-system"/>
-              </a:rPr>
-              <a:t>Interacción directa entre grupos, profesores y estudiantes a través de discusiones.</a:t>
-            </a:r>
-          </a:p>
-          <a:p>
-            <a:pPr algn="l">
-              <a:buFont typeface="Arial" panose="020B0604020202020204" pitchFamily="34" charset="0"/>
-              <a:buNone/>
-            </a:pPr>
-            <a:r>
-              <a:rPr lang="es-CO" b="0" i="0" dirty="0">
-                <a:solidFill>
-                  <a:srgbClr val="24292F"/>
-                </a:solidFill>
-                <a:effectLst/>
-                <a:latin typeface="-apple-system"/>
-              </a:rPr>
-              <a:t>Facilidad de desarrollo en la solución de casos de estudio debido a que los miembros de la red pueden plantear diferentes formas de abordar el problema y se pueden obtener múltiples soluciones.</a:t>
-            </a:r>
-          </a:p>
-          <a:p>
-            <a:pPr algn="l">
-              <a:buFont typeface="Arial" panose="020B0604020202020204" pitchFamily="34" charset="0"/>
-              <a:buNone/>
-            </a:pPr>
-            <a:r>
-              <a:rPr lang="es-CO" b="0" i="0" dirty="0">
-                <a:solidFill>
-                  <a:srgbClr val="24292F"/>
-                </a:solidFill>
-                <a:effectLst/>
-                <a:latin typeface="-apple-system"/>
-              </a:rPr>
-              <a:t>El conocimiento compartido facilita los procesos de enseñanza y aprendizaje debido a que una vez se cuenta con la línea base de conocimiento, los miembros del equipo buscan nuevas formas de transmitir este conocimiento de una forma más asertiva.</a:t>
-            </a:r>
-          </a:p>
-          <a:p>
-            <a:r>
-              <a:rPr lang="es-CO" dirty="0"/>
-              <a:t>Agrega valor a todos los niveles de las organizaciones a las cuales pertenecen los colaboradores.</a:t>
-            </a:r>
-            <a:br>
-              <a:rPr lang="es-CO" sz="1200" dirty="0"/>
-            </a:br>
+                <a:latin typeface="Segoe UI Light" panose="020B0502040204020203" pitchFamily="34" charset="0"/>
+                <a:cs typeface="Segoe UI Light" panose="020B0502040204020203" pitchFamily="34" charset="0"/>
+              </a:rPr>
+              <a:t>El desarrollo colaborativo se refiere al proceso de creación de contenidos académicos y científicos a través de la interacción simultánea de más de una persona para alcanzar uno o varios objetivos comunes; es así como programadores, investigadores y educadores colaboran entre ellos para obtener un producto de calidad que puede ser un software, una investigación, un curso, un programa académico o un libro electrónico, entre otros. No existe una manera única en que esta interacción se lleve a cabo debido a que el desarrollo colaborativo es un concepto amplio que se puede abordar desde diferentes perspectivas.</a:t>
+            </a:r>
             <a:endParaRPr lang="es-CO" sz="1000" dirty="0">
               <a:latin typeface="Segoe UI Light" panose="020B0502040204020203" pitchFamily="34" charset="0"/>
               <a:cs typeface="Segoe UI Light" panose="020B0502040204020203" pitchFamily="34" charset="0"/>
@@ -2690,7 +3219,7 @@
             <a:pPr rtl="0"/>
             <a:fld id="{810E1E9A-E921-4174-A0FC-51868D7AC568}" type="slidenum">
               <a:rPr lang="es-ES" noProof="0" smtClean="0"/>
-              <a:t>5</a:t>
+              <a:t>3</a:t>
             </a:fld>
             <a:endParaRPr lang="es-ES" noProof="0" dirty="0"/>
           </a:p>
@@ -2699,7 +3228,7 @@
     </p:spTree>
     <p:extLst>
       <p:ext uri="{BB962C8B-B14F-4D97-AF65-F5344CB8AC3E}">
-        <p14:creationId xmlns:p14="http://schemas.microsoft.com/office/powerpoint/2010/main" val="2767105915"/>
+        <p14:creationId xmlns:p14="http://schemas.microsoft.com/office/powerpoint/2010/main" val="2191621344"/>
       </p:ext>
     </p:extLst>
   </p:cSld>
@@ -2753,10 +3282,7 @@
           <a:bodyPr/>
           <a:lstStyle/>
           <a:p>
-            <a:pPr algn="l">
-              <a:buFont typeface="Arial" panose="020B0604020202020204" pitchFamily="34" charset="0"/>
-              <a:buNone/>
-            </a:pPr>
+            <a:pPr algn="l"/>
             <a:r>
               <a:rPr lang="es-CO" sz="1200" b="0" i="0" dirty="0">
                 <a:solidFill>
@@ -2765,9 +3291,34 @@
                 <a:effectLst/>
                 <a:latin typeface="-apple-system"/>
               </a:rPr>
-              <a:t>La cooperación y colaboración son elementos vitales en el desarrollo de procesos creativos y producción de conocimiento.</a:t>
-            </a:r>
-            <a:endParaRPr lang="es-CO" sz="1200" dirty="0">
+              <a:t>Tradicionalmente, pensamos que la creación de contenidos académicos y científicos se puede realizar de manera individual y aislada de otras personas; incluso, la formación profesional que recibimos en las aulas privilegia en cierto sentido esta modalidad. Es verdad que existen tareas que se pueden desarrollar en solitario, especialmente cuando se trabaja en la producción científica de trabajos de investigación y/o profundización con un alcance particular; sin embargo, cuando el nivel de dificultad de la investigación o los contenidos de los </a:t>
+            </a:r>
+            <a:r>
+              <a:rPr lang="es-CO" sz="1200" b="0" i="0" dirty="0" err="1">
+                <a:solidFill>
+                  <a:srgbClr val="24292F"/>
+                </a:solidFill>
+                <a:effectLst/>
+                <a:latin typeface="-apple-system"/>
+              </a:rPr>
+              <a:t>microcurrículos</a:t>
+            </a:r>
+            <a:r>
+              <a:rPr lang="es-CO" sz="1200" b="0" i="0" dirty="0">
+                <a:solidFill>
+                  <a:srgbClr val="24292F"/>
+                </a:solidFill>
+                <a:effectLst/>
+                <a:latin typeface="-apple-system"/>
+              </a:rPr>
+              <a:t> aumenta, ya sea por las nuevas innovaciones tecnológicas, porque requieren de conocimiento experto de múltiples disciplinas o por avances en docencia, la creación y actualización necesariamente se tiene que desarrollar en compañía de otras personas. De esta manera, la interacción humana en el proceso de creación de contenidos de calidad es en muchas ocasiones, obligatoria.</a:t>
+            </a:r>
+          </a:p>
+          <a:p>
+            <a:br>
+              <a:rPr lang="es-CO" sz="1200" dirty="0"/>
+            </a:br>
+            <a:endParaRPr lang="es-CO" sz="1000" dirty="0">
               <a:latin typeface="Segoe UI Light" panose="020B0502040204020203" pitchFamily="34" charset="0"/>
               <a:cs typeface="Segoe UI Light" panose="020B0502040204020203" pitchFamily="34" charset="0"/>
             </a:endParaRPr>
@@ -2792,7 +3343,7 @@
             <a:pPr rtl="0"/>
             <a:fld id="{810E1E9A-E921-4174-A0FC-51868D7AC568}" type="slidenum">
               <a:rPr lang="es-ES" noProof="0" smtClean="0"/>
-              <a:t>6</a:t>
+              <a:t>4</a:t>
             </a:fld>
             <a:endParaRPr lang="es-ES" noProof="0" dirty="0"/>
           </a:p>
@@ -2801,7 +3352,7 @@
     </p:spTree>
     <p:extLst>
       <p:ext uri="{BB962C8B-B14F-4D97-AF65-F5344CB8AC3E}">
-        <p14:creationId xmlns:p14="http://schemas.microsoft.com/office/powerpoint/2010/main" val="948185185"/>
+        <p14:creationId xmlns:p14="http://schemas.microsoft.com/office/powerpoint/2010/main" val="1215802017"/>
       </p:ext>
     </p:extLst>
   </p:cSld>
@@ -2867,7 +3418,7 @@
                 <a:effectLst/>
                 <a:latin typeface="-apple-system"/>
               </a:rPr>
-              <a:t>El desarrollo de contenidos bajo el esquema de desarrollo colaborativo, agrega valor a tu perfil profesional, a tu equipo de trabajo y a la organización a la que perteneces.</a:t>
+              <a:t>Los contenidos producidos combinan la experticia de los integrantes del equipo de trabajo, de la facultad o el programa académico, del grupo de investigación o del centro de estudios al cual pertenecen.</a:t>
             </a:r>
           </a:p>
           <a:p>
@@ -2875,81 +3426,15 @@
               <a:buFont typeface="Arial" panose="020B0604020202020204" pitchFamily="34" charset="0"/>
               <a:buNone/>
             </a:pPr>
-            <a:endParaRPr lang="es-CO" sz="1200" b="0" i="0" dirty="0">
-              <a:solidFill>
-                <a:srgbClr val="24292F"/>
-              </a:solidFill>
-              <a:effectLst/>
-              <a:latin typeface="-apple-system"/>
-              <a:cs typeface="Segoe UI Light" panose="020B0502040204020203" pitchFamily="34" charset="0"/>
-            </a:endParaRPr>
-          </a:p>
-          <a:p>
-            <a:r>
-              <a:rPr lang="es-CO" sz="1200" b="1" dirty="0">
-                <a:solidFill>
-                  <a:schemeClr val="bg1">
-                    <a:lumMod val="25000"/>
-                  </a:schemeClr>
-                </a:solidFill>
-                <a:latin typeface="Segoe UI" panose="020B0502040204020203" pitchFamily="34" charset="0"/>
-                <a:ea typeface="Segoe UI Black" panose="020B0A02040204020203" pitchFamily="34" charset="0"/>
-                <a:cs typeface="Segoe UI" panose="020B0502040204020203" pitchFamily="34" charset="0"/>
-              </a:rPr>
-              <a:t>¿Cómo?</a:t>
-            </a:r>
-          </a:p>
-          <a:p>
-            <a:endParaRPr lang="es-CO" sz="1200" dirty="0">
-              <a:solidFill>
-                <a:schemeClr val="bg1">
-                  <a:lumMod val="25000"/>
-                </a:schemeClr>
-              </a:solidFill>
-              <a:latin typeface="Segoe UI" panose="020B0502040204020203" pitchFamily="34" charset="0"/>
-              <a:ea typeface="Segoe UI Black" panose="020B0A02040204020203" pitchFamily="34" charset="0"/>
-              <a:cs typeface="Segoe UI" panose="020B0502040204020203" pitchFamily="34" charset="0"/>
-            </a:endParaRPr>
-          </a:p>
-          <a:p>
-            <a:r>
-              <a:rPr lang="es-CO" sz="1200" dirty="0">
-                <a:solidFill>
-                  <a:schemeClr val="bg1">
-                    <a:lumMod val="25000"/>
-                  </a:schemeClr>
-                </a:solidFill>
-                <a:latin typeface="Segoe UI" panose="020B0502040204020203" pitchFamily="34" charset="0"/>
-                <a:ea typeface="Segoe UI Black" panose="020B0A02040204020203" pitchFamily="34" charset="0"/>
-                <a:cs typeface="Segoe UI" panose="020B0502040204020203" pitchFamily="34" charset="0"/>
-              </a:rPr>
-              <a:t>En entornos educativos, múltiples profesores pueden enseñar la misma asignatura y a través del desarrollo colaborativo, pueden crear y desarrollar un curso global con un </a:t>
-            </a:r>
-            <a:r>
-              <a:rPr lang="es-CO" sz="1200" dirty="0" err="1">
-                <a:solidFill>
-                  <a:schemeClr val="bg1">
-                    <a:lumMod val="25000"/>
-                  </a:schemeClr>
-                </a:solidFill>
-                <a:latin typeface="Segoe UI" panose="020B0502040204020203" pitchFamily="34" charset="0"/>
-                <a:ea typeface="Segoe UI Black" panose="020B0A02040204020203" pitchFamily="34" charset="0"/>
-                <a:cs typeface="Segoe UI" panose="020B0502040204020203" pitchFamily="34" charset="0"/>
-              </a:rPr>
-              <a:t>micro-currículo</a:t>
-            </a:r>
-            <a:r>
-              <a:rPr lang="es-CO" sz="1200" dirty="0">
-                <a:solidFill>
-                  <a:schemeClr val="bg1">
-                    <a:lumMod val="25000"/>
-                  </a:schemeClr>
-                </a:solidFill>
-                <a:latin typeface="Segoe UI" panose="020B0502040204020203" pitchFamily="34" charset="0"/>
-                <a:ea typeface="Segoe UI Black" panose="020B0A02040204020203" pitchFamily="34" charset="0"/>
-                <a:cs typeface="Segoe UI" panose="020B0502040204020203" pitchFamily="34" charset="0"/>
-              </a:rPr>
-              <a:t> común que combine la experticia de los diferentes miembros del equipo.</a:t>
+            <a:r>
+              <a:rPr lang="es-CO" b="0" i="0" dirty="0">
+                <a:solidFill>
+                  <a:srgbClr val="24292F"/>
+                </a:solidFill>
+                <a:effectLst/>
+                <a:latin typeface="-apple-system"/>
+              </a:rPr>
+              <a:t>Creación de redes colaborativas donde los repositorios de los grupos o centros es abierta y compartida dentro de los miembros de la institución y otras instituciones y comunidades científicas.</a:t>
             </a:r>
           </a:p>
           <a:p>
@@ -2957,14 +3442,16 @@
               <a:buFont typeface="Arial" panose="020B0604020202020204" pitchFamily="34" charset="0"/>
               <a:buNone/>
             </a:pPr>
-            <a:endParaRPr lang="es-CO" sz="1200" b="0" i="0" dirty="0">
-              <a:solidFill>
-                <a:srgbClr val="24292F"/>
-              </a:solidFill>
-              <a:effectLst/>
-              <a:latin typeface="-apple-system"/>
-              <a:cs typeface="Segoe UI Light" panose="020B0502040204020203" pitchFamily="34" charset="0"/>
-            </a:endParaRPr>
+            <a:r>
+              <a:rPr lang="es-CO" b="0" i="0" dirty="0">
+                <a:solidFill>
+                  <a:srgbClr val="24292F"/>
+                </a:solidFill>
+                <a:effectLst/>
+                <a:latin typeface="-apple-system"/>
+              </a:rPr>
+              <a:t>Interacción directa entre grupos, profesores y estudiantes a través de discusiones.</a:t>
+            </a:r>
           </a:p>
           <a:p>
             <a:pPr algn="l">
@@ -2972,16 +3459,44 @@
               <a:buNone/>
             </a:pPr>
             <a:r>
-              <a:rPr lang="es-CO" sz="1200" b="0" i="0" dirty="0">
+              <a:rPr lang="es-CO" b="0" i="0" dirty="0">
                 <a:solidFill>
                   <a:srgbClr val="24292F"/>
                 </a:solidFill>
                 <a:effectLst/>
                 <a:latin typeface="-apple-system"/>
-                <a:cs typeface="Segoe UI Light" panose="020B0502040204020203" pitchFamily="34" charset="0"/>
-              </a:rPr>
-              <a:t>El valor que obtienes como creador de contenidos compartidos es poder incluir tus participaciones en tu portafolio personal referenciando los diferentes repositorios creados.</a:t>
-            </a:r>
+              </a:rPr>
+              <a:t>Facilidad de desarrollo en la solución de casos de estudio debido a que los miembros de la red pueden plantear diferentes formas de abordar el problema y se pueden obtener múltiples soluciones.</a:t>
+            </a:r>
+          </a:p>
+          <a:p>
+            <a:pPr algn="l">
+              <a:buFont typeface="Arial" panose="020B0604020202020204" pitchFamily="34" charset="0"/>
+              <a:buNone/>
+            </a:pPr>
+            <a:r>
+              <a:rPr lang="es-CO" b="0" i="0" dirty="0">
+                <a:solidFill>
+                  <a:srgbClr val="24292F"/>
+                </a:solidFill>
+                <a:effectLst/>
+                <a:latin typeface="-apple-system"/>
+              </a:rPr>
+              <a:t>El conocimiento compartido facilita los procesos de enseñanza y aprendizaje debido a que una vez se cuenta con la línea base de conocimiento, los miembros del equipo buscan nuevas formas de transmitir este conocimiento de una forma más asertiva.</a:t>
+            </a:r>
+          </a:p>
+          <a:p>
+            <a:r>
+              <a:rPr lang="es-CO" dirty="0"/>
+              <a:t>Agrega valor a todos los niveles de las organizaciones a las cuales pertenecen los colaboradores.</a:t>
+            </a:r>
+            <a:br>
+              <a:rPr lang="es-CO" sz="1200" dirty="0"/>
+            </a:br>
+            <a:endParaRPr lang="es-CO" sz="1000" dirty="0">
+              <a:latin typeface="Segoe UI Light" panose="020B0502040204020203" pitchFamily="34" charset="0"/>
+              <a:cs typeface="Segoe UI Light" panose="020B0502040204020203" pitchFamily="34" charset="0"/>
+            </a:endParaRPr>
           </a:p>
         </p:txBody>
       </p:sp>
@@ -3003,7 +3518,7 @@
             <a:pPr rtl="0"/>
             <a:fld id="{810E1E9A-E921-4174-A0FC-51868D7AC568}" type="slidenum">
               <a:rPr lang="es-ES" noProof="0" smtClean="0"/>
-              <a:t>7</a:t>
+              <a:t>5</a:t>
             </a:fld>
             <a:endParaRPr lang="es-ES" noProof="0" dirty="0"/>
           </a:p>
@@ -3012,7 +3527,7 @@
     </p:spTree>
     <p:extLst>
       <p:ext uri="{BB962C8B-B14F-4D97-AF65-F5344CB8AC3E}">
-        <p14:creationId xmlns:p14="http://schemas.microsoft.com/office/powerpoint/2010/main" val="295051074"/>
+        <p14:creationId xmlns:p14="http://schemas.microsoft.com/office/powerpoint/2010/main" val="2767105915"/>
       </p:ext>
     </p:extLst>
   </p:cSld>
@@ -3066,49 +3581,22 @@
           <a:bodyPr/>
           <a:lstStyle/>
           <a:p>
-            <a:r>
-              <a:rPr lang="es-CO" sz="1200" b="1" dirty="0">
-                <a:solidFill>
-                  <a:schemeClr val="bg1">
-                    <a:lumMod val="25000"/>
-                  </a:schemeClr>
-                </a:solidFill>
-                <a:latin typeface="Segoe UI" panose="020B0502040204020203" pitchFamily="34" charset="0"/>
-                <a:ea typeface="Segoe UI Black" panose="020B0A02040204020203" pitchFamily="34" charset="0"/>
-                <a:cs typeface="Segoe UI" panose="020B0502040204020203" pitchFamily="34" charset="0"/>
-              </a:rPr>
-              <a:t>¿Cómo?</a:t>
-            </a:r>
-          </a:p>
-          <a:p>
-            <a:endParaRPr lang="es-CO" sz="1200" dirty="0">
-              <a:solidFill>
-                <a:schemeClr val="bg1">
-                  <a:lumMod val="25000"/>
-                </a:schemeClr>
-              </a:solidFill>
-              <a:latin typeface="Segoe UI" panose="020B0502040204020203" pitchFamily="34" charset="0"/>
-              <a:ea typeface="Segoe UI Black" panose="020B0A02040204020203" pitchFamily="34" charset="0"/>
-              <a:cs typeface="Segoe UI" panose="020B0502040204020203" pitchFamily="34" charset="0"/>
-            </a:endParaRPr>
-          </a:p>
-          <a:p>
-            <a:r>
-              <a:rPr lang="es-CO" b="0" i="0" dirty="0">
+            <a:pPr algn="l">
+              <a:buFont typeface="Arial" panose="020B0604020202020204" pitchFamily="34" charset="0"/>
+              <a:buNone/>
+            </a:pPr>
+            <a:r>
+              <a:rPr lang="es-CO" sz="1200" b="0" i="0" dirty="0">
                 <a:solidFill>
                   <a:srgbClr val="24292F"/>
                 </a:solidFill>
                 <a:effectLst/>
                 <a:latin typeface="-apple-system"/>
               </a:rPr>
-              <a:t>Un equipo de trabajo organizado y multidisciplinar, estará al tanto de nuevos métodos y herramientas que podrá implementar en contenidos existentes dentro de la organización.</a:t>
-            </a:r>
-            <a:endParaRPr lang="es-CO" sz="1200" b="0" i="0" dirty="0">
-              <a:solidFill>
-                <a:srgbClr val="24292F"/>
-              </a:solidFill>
-              <a:effectLst/>
-              <a:latin typeface="-apple-system"/>
+              <a:t>La cooperación y colaboración son elementos vitales en el desarrollo de procesos creativos y producción de conocimiento.</a:t>
+            </a:r>
+            <a:endParaRPr lang="es-CO" sz="1200" dirty="0">
+              <a:latin typeface="Segoe UI Light" panose="020B0502040204020203" pitchFamily="34" charset="0"/>
               <a:cs typeface="Segoe UI Light" panose="020B0502040204020203" pitchFamily="34" charset="0"/>
             </a:endParaRPr>
           </a:p>
@@ -3132,7 +3620,7 @@
             <a:pPr rtl="0"/>
             <a:fld id="{810E1E9A-E921-4174-A0FC-51868D7AC568}" type="slidenum">
               <a:rPr lang="es-ES" noProof="0" smtClean="0"/>
-              <a:t>8</a:t>
+              <a:t>6</a:t>
             </a:fld>
             <a:endParaRPr lang="es-ES" noProof="0" dirty="0"/>
           </a:p>
@@ -3141,7 +3629,7 @@
     </p:spTree>
     <p:extLst>
       <p:ext uri="{BB962C8B-B14F-4D97-AF65-F5344CB8AC3E}">
-        <p14:creationId xmlns:p14="http://schemas.microsoft.com/office/powerpoint/2010/main" val="3153220204"/>
+        <p14:creationId xmlns:p14="http://schemas.microsoft.com/office/powerpoint/2010/main" val="948185185"/>
       </p:ext>
     </p:extLst>
   </p:cSld>
@@ -3195,6 +3683,36 @@
           <a:bodyPr/>
           <a:lstStyle/>
           <a:p>
+            <a:pPr algn="l">
+              <a:buFont typeface="Arial" panose="020B0604020202020204" pitchFamily="34" charset="0"/>
+              <a:buNone/>
+            </a:pPr>
+            <a:r>
+              <a:rPr lang="es-CO" b="0" i="0" dirty="0">
+                <a:solidFill>
+                  <a:srgbClr val="24292F"/>
+                </a:solidFill>
+                <a:effectLst/>
+                <a:latin typeface="-apple-system"/>
+              </a:rPr>
+              <a:t>El desarrollo de contenidos bajo el esquema de desarrollo colaborativo, agrega valor a tu perfil profesional, a tu equipo de trabajo y a la organización a la que perteneces.</a:t>
+            </a:r>
+          </a:p>
+          <a:p>
+            <a:pPr algn="l">
+              <a:buFont typeface="Arial" panose="020B0604020202020204" pitchFamily="34" charset="0"/>
+              <a:buNone/>
+            </a:pPr>
+            <a:endParaRPr lang="es-CO" sz="1200" b="0" i="0" dirty="0">
+              <a:solidFill>
+                <a:srgbClr val="24292F"/>
+              </a:solidFill>
+              <a:effectLst/>
+              <a:latin typeface="-apple-system"/>
+              <a:cs typeface="Segoe UI Light" panose="020B0502040204020203" pitchFamily="34" charset="0"/>
+            </a:endParaRPr>
+          </a:p>
+          <a:p>
             <a:r>
               <a:rPr lang="es-CO" sz="1200" b="1" dirty="0">
                 <a:solidFill>
@@ -3223,15 +3741,50 @@
           </a:p>
           <a:p>
             <a:r>
-              <a:rPr lang="es-CO" b="0" i="0" dirty="0">
-                <a:solidFill>
-                  <a:srgbClr val="24292F"/>
-                </a:solidFill>
-                <a:effectLst/>
-                <a:latin typeface="-apple-system"/>
-              </a:rPr>
-              <a:t>Al desarrollar una investigación, crear un curso, escribir un libro o participar en un proyecto, crea un repositorio documentado e invita a otros miembros de tu equipo y organización a colaborar.</a:t>
-            </a:r>
+              <a:rPr lang="es-CO" sz="1200" dirty="0">
+                <a:solidFill>
+                  <a:schemeClr val="bg1">
+                    <a:lumMod val="25000"/>
+                  </a:schemeClr>
+                </a:solidFill>
+                <a:latin typeface="Segoe UI" panose="020B0502040204020203" pitchFamily="34" charset="0"/>
+                <a:ea typeface="Segoe UI Black" panose="020B0A02040204020203" pitchFamily="34" charset="0"/>
+                <a:cs typeface="Segoe UI" panose="020B0502040204020203" pitchFamily="34" charset="0"/>
+              </a:rPr>
+              <a:t>En entornos educativos, múltiples profesores pueden enseñar la misma asignatura y a través del desarrollo colaborativo, pueden crear y desarrollar un curso global con un </a:t>
+            </a:r>
+            <a:r>
+              <a:rPr lang="es-CO" sz="1200" dirty="0" err="1">
+                <a:solidFill>
+                  <a:schemeClr val="bg1">
+                    <a:lumMod val="25000"/>
+                  </a:schemeClr>
+                </a:solidFill>
+                <a:latin typeface="Segoe UI" panose="020B0502040204020203" pitchFamily="34" charset="0"/>
+                <a:ea typeface="Segoe UI Black" panose="020B0A02040204020203" pitchFamily="34" charset="0"/>
+                <a:cs typeface="Segoe UI" panose="020B0502040204020203" pitchFamily="34" charset="0"/>
+              </a:rPr>
+              <a:t>micro-currículo</a:t>
+            </a:r>
+            <a:r>
+              <a:rPr lang="es-CO" sz="1200" dirty="0">
+                <a:solidFill>
+                  <a:schemeClr val="bg1">
+                    <a:lumMod val="25000"/>
+                  </a:schemeClr>
+                </a:solidFill>
+                <a:latin typeface="Segoe UI" panose="020B0502040204020203" pitchFamily="34" charset="0"/>
+                <a:ea typeface="Segoe UI Black" panose="020B0A02040204020203" pitchFamily="34" charset="0"/>
+                <a:cs typeface="Segoe UI" panose="020B0502040204020203" pitchFamily="34" charset="0"/>
+              </a:rPr>
+              <a:t> común que combine la experticia de los diferentes miembros del equipo.</a:t>
+            </a:r>
+          </a:p>
+          <a:p>
+            <a:pPr algn="l">
+              <a:buFont typeface="Arial" panose="020B0604020202020204" pitchFamily="34" charset="0"/>
+              <a:buNone/>
+            </a:pPr>
             <a:endParaRPr lang="es-CO" sz="1200" b="0" i="0" dirty="0">
               <a:solidFill>
                 <a:srgbClr val="24292F"/>
@@ -3241,6 +3794,23 @@
               <a:cs typeface="Segoe UI Light" panose="020B0502040204020203" pitchFamily="34" charset="0"/>
             </a:endParaRPr>
           </a:p>
+          <a:p>
+            <a:pPr algn="l">
+              <a:buFont typeface="Arial" panose="020B0604020202020204" pitchFamily="34" charset="0"/>
+              <a:buNone/>
+            </a:pPr>
+            <a:r>
+              <a:rPr lang="es-CO" sz="1200" b="0" i="0" dirty="0">
+                <a:solidFill>
+                  <a:srgbClr val="24292F"/>
+                </a:solidFill>
+                <a:effectLst/>
+                <a:latin typeface="-apple-system"/>
+                <a:cs typeface="Segoe UI Light" panose="020B0502040204020203" pitchFamily="34" charset="0"/>
+              </a:rPr>
+              <a:t>El valor que obtienes como creador de contenidos compartidos es poder incluir tus participaciones en tu portafolio personal referenciando los diferentes repositorios creados.</a:t>
+            </a:r>
+          </a:p>
         </p:txBody>
       </p:sp>
       <p:sp>
@@ -3261,7 +3831,7 @@
             <a:pPr rtl="0"/>
             <a:fld id="{810E1E9A-E921-4174-A0FC-51868D7AC568}" type="slidenum">
               <a:rPr lang="es-ES" noProof="0" smtClean="0"/>
-              <a:t>9</a:t>
+              <a:t>7</a:t>
             </a:fld>
             <a:endParaRPr lang="es-ES" noProof="0" dirty="0"/>
           </a:p>
@@ -3270,7 +3840,7 @@
     </p:spTree>
     <p:extLst>
       <p:ext uri="{BB962C8B-B14F-4D97-AF65-F5344CB8AC3E}">
-        <p14:creationId xmlns:p14="http://schemas.microsoft.com/office/powerpoint/2010/main" val="2219993216"/>
+        <p14:creationId xmlns:p14="http://schemas.microsoft.com/office/powerpoint/2010/main" val="295051074"/>
       </p:ext>
     </p:extLst>
   </p:cSld>
@@ -3359,7 +3929,7 @@
                 <a:effectLst/>
                 <a:latin typeface="-apple-system"/>
               </a:rPr>
-              <a:t>Crea centros de discusión en cada repositorio para documentar la interacción entre los miembros y usuarios, publica frecuentemente noticias para mantener actualizada a tu comunidad.</a:t>
+              <a:t>Un equipo de trabajo organizado y multidisciplinar, estará al tanto de nuevos métodos y herramientas que podrá implementar en contenidos existentes dentro de la organización.</a:t>
             </a:r>
             <a:endParaRPr lang="es-CO" sz="1200" b="0" i="0" dirty="0">
               <a:solidFill>
@@ -3390,7 +3960,7 @@
             <a:pPr rtl="0"/>
             <a:fld id="{810E1E9A-E921-4174-A0FC-51868D7AC568}" type="slidenum">
               <a:rPr lang="es-ES" noProof="0" smtClean="0"/>
-              <a:t>10</a:t>
+              <a:t>8</a:t>
             </a:fld>
             <a:endParaRPr lang="es-ES" noProof="0" dirty="0"/>
           </a:p>
@@ -3399,7 +3969,7 @@
     </p:spTree>
     <p:extLst>
       <p:ext uri="{BB962C8B-B14F-4D97-AF65-F5344CB8AC3E}">
-        <p14:creationId xmlns:p14="http://schemas.microsoft.com/office/powerpoint/2010/main" val="2788241539"/>
+        <p14:creationId xmlns:p14="http://schemas.microsoft.com/office/powerpoint/2010/main" val="3153220204"/>
       </p:ext>
     </p:extLst>
   </p:cSld>
@@ -3453,7 +4023,33 @@
           <a:bodyPr/>
           <a:lstStyle/>
           <a:p>
-            <a:pPr algn="l"/>
+            <a:r>
+              <a:rPr lang="es-CO" sz="1200" b="1" dirty="0">
+                <a:solidFill>
+                  <a:schemeClr val="bg1">
+                    <a:lumMod val="25000"/>
+                  </a:schemeClr>
+                </a:solidFill>
+                <a:latin typeface="Segoe UI" panose="020B0502040204020203" pitchFamily="34" charset="0"/>
+                <a:ea typeface="Segoe UI Black" panose="020B0A02040204020203" pitchFamily="34" charset="0"/>
+                <a:cs typeface="Segoe UI" panose="020B0502040204020203" pitchFamily="34" charset="0"/>
+              </a:rPr>
+              <a:t>¿Cómo?</a:t>
+            </a:r>
+          </a:p>
+          <a:p>
+            <a:endParaRPr lang="es-CO" sz="1200" dirty="0">
+              <a:solidFill>
+                <a:schemeClr val="bg1">
+                  <a:lumMod val="25000"/>
+                </a:schemeClr>
+              </a:solidFill>
+              <a:latin typeface="Segoe UI" panose="020B0502040204020203" pitchFamily="34" charset="0"/>
+              <a:ea typeface="Segoe UI Black" panose="020B0A02040204020203" pitchFamily="34" charset="0"/>
+              <a:cs typeface="Segoe UI" panose="020B0502040204020203" pitchFamily="34" charset="0"/>
+            </a:endParaRPr>
+          </a:p>
+          <a:p>
             <a:r>
               <a:rPr lang="es-CO" b="0" i="0" dirty="0">
                 <a:solidFill>
@@ -3462,10 +4058,8 @@
                 <a:effectLst/>
                 <a:latin typeface="-apple-system"/>
               </a:rPr>
-              <a:t>Existen diferentes herramientas o plataformas informáticas para desarrollo colaborativo que facilitan la interacción y gestión de la información. Los equipos de desarrollo ya no deben estar en el mismo lugar para poder comunicarse y crear, ni siquiera tienen que conocerse para poder dar sus criterios y participar en un proyecto. El desarrollo colaborativo es un modelo que parte de la base de que el conocimiento disponible públicamente, para ser accedido y revisado por otros investigadores, educadores o estudiantes. Debido a que este modelo está ligado al software libre, las reglas son similares: cuando un creador de contenido aporta algo a un repositorio fuente, o participa en el desarrollo colaborativo, sus aportes deben quedar públicos y disponibles para que pueda ser evaluado, mejorado o utilizado.</a:t>
-            </a:r>
-          </a:p>
-          <a:p>
+              <a:t>Al desarrollar una investigación, crear un curso, escribir un libro o participar en un proyecto, crea un repositorio documentado e invita a otros miembros de tu equipo y organización a colaborar.</a:t>
+            </a:r>
             <a:endParaRPr lang="es-CO" sz="1200" b="0" i="0" dirty="0">
               <a:solidFill>
                 <a:srgbClr val="24292F"/>
@@ -3495,7 +4089,7 @@
             <a:pPr rtl="0"/>
             <a:fld id="{810E1E9A-E921-4174-A0FC-51868D7AC568}" type="slidenum">
               <a:rPr lang="es-ES" noProof="0" smtClean="0"/>
-              <a:t>11</a:t>
+              <a:t>9</a:t>
             </a:fld>
             <a:endParaRPr lang="es-ES" noProof="0" dirty="0"/>
           </a:p>
@@ -3504,7 +4098,7 @@
     </p:spTree>
     <p:extLst>
       <p:ext uri="{BB962C8B-B14F-4D97-AF65-F5344CB8AC3E}">
-        <p14:creationId xmlns:p14="http://schemas.microsoft.com/office/powerpoint/2010/main" val="1133735133"/>
+        <p14:creationId xmlns:p14="http://schemas.microsoft.com/office/powerpoint/2010/main" val="2219993216"/>
       </p:ext>
     </p:extLst>
   </p:cSld>
@@ -3657,7 +4251,7 @@
             <a:pPr rtl="0"/>
             <a:fld id="{55224D71-97F5-4B9D-B11B-235152E09E96}" type="datetime1">
               <a:rPr lang="es-ES" noProof="0" smtClean="0"/>
-              <a:t>22/09/2022</a:t>
+              <a:t>24/09/2022</a:t>
             </a:fld>
             <a:endParaRPr lang="es-ES" noProof="0" dirty="0"/>
           </a:p>
@@ -4006,7 +4600,7 @@
             <a:pPr rtl="0"/>
             <a:fld id="{2AB3A384-AAB1-4A76-A43B-EFE930A802BF}" type="datetime1">
               <a:rPr lang="es-ES" noProof="0" smtClean="0"/>
-              <a:t>22/09/2022</a:t>
+              <a:t>24/09/2022</a:t>
             </a:fld>
             <a:endParaRPr lang="es-ES" noProof="0" dirty="0"/>
           </a:p>
@@ -4148,7 +4742,7 @@
             <a:pPr rtl="0"/>
             <a:fld id="{95F109E8-29A7-4A4D-BBAF-954B5246DC6B}" type="datetime1">
               <a:rPr lang="es-ES" noProof="0" smtClean="0"/>
-              <a:t>22/09/2022</a:t>
+              <a:t>24/09/2022</a:t>
             </a:fld>
             <a:endParaRPr lang="es-ES" noProof="0" dirty="0"/>
           </a:p>
@@ -4262,7 +4856,7 @@
             <a:pPr rtl="0"/>
             <a:fld id="{3EDF4B7F-437B-43B6-8193-868254AADFEB}" type="datetime1">
               <a:rPr lang="es-ES" noProof="0" smtClean="0"/>
-              <a:t>22/09/2022</a:t>
+              <a:t>24/09/2022</a:t>
             </a:fld>
             <a:endParaRPr lang="es-ES" noProof="0" dirty="0"/>
           </a:p>
@@ -4562,7 +5156,7 @@
             <a:pPr rtl="0"/>
             <a:fld id="{5FD9D2A0-9803-4B3F-A6B6-606959F35242}" type="datetime1">
               <a:rPr lang="es-ES" noProof="0" smtClean="0"/>
-              <a:t>22/09/2022</a:t>
+              <a:t>24/09/2022</a:t>
             </a:fld>
             <a:endParaRPr lang="es-ES" noProof="0" dirty="0"/>
           </a:p>
@@ -4833,7 +5427,7 @@
             <a:pPr rtl="0"/>
             <a:fld id="{B48CB6FA-6884-4007-A174-A67BE7A1CA93}" type="datetime1">
               <a:rPr lang="es-ES" noProof="0" smtClean="0"/>
-              <a:t>22/09/2022</a:t>
+              <a:t>24/09/2022</a:t>
             </a:fld>
             <a:endParaRPr lang="es-ES" noProof="0" dirty="0"/>
           </a:p>
@@ -5104,7 +5698,7 @@
             <a:pPr rtl="0"/>
             <a:fld id="{DCA87387-1199-4F13-92EC-EA845724990E}" type="datetime1">
               <a:rPr lang="es-ES" noProof="0" smtClean="0"/>
-              <a:t>22/09/2022</a:t>
+              <a:t>24/09/2022</a:t>
             </a:fld>
             <a:endParaRPr lang="es-ES" noProof="0" dirty="0"/>
           </a:p>
@@ -5282,7 +5876,7 @@
             <a:pPr rtl="0"/>
             <a:fld id="{0277B9E3-6C0A-45A5-BAE5-CD19B242173D}" type="datetime1">
               <a:rPr lang="es-ES" noProof="0" smtClean="0"/>
-              <a:t>22/09/2022</a:t>
+              <a:t>24/09/2022</a:t>
             </a:fld>
             <a:endParaRPr lang="es-ES" noProof="0" dirty="0"/>
           </a:p>
@@ -5470,7 +6064,7 @@
             <a:pPr rtl="0"/>
             <a:fld id="{AB41DD2C-FA4F-413E-A1B5-23565A0780B7}" type="datetime1">
               <a:rPr lang="es-ES" noProof="0" smtClean="0"/>
-              <a:t>22/09/2022</a:t>
+              <a:t>24/09/2022</a:t>
             </a:fld>
             <a:endParaRPr lang="es-ES" noProof="0" dirty="0"/>
           </a:p>
@@ -5720,7 +6314,7 @@
             <a:pPr rtl="0"/>
             <a:fld id="{0D82DBE2-B5E9-4999-A9C0-55ED93FCE73D}" type="datetime1">
               <a:rPr lang="es-ES" noProof="0" smtClean="0"/>
-              <a:t>22/09/2022</a:t>
+              <a:t>24/09/2022</a:t>
             </a:fld>
             <a:endParaRPr lang="es-ES" noProof="0" dirty="0"/>
           </a:p>
@@ -5970,7 +6564,7 @@
             <a:pPr rtl="0"/>
             <a:fld id="{89B7BC24-C90D-4DAD-A6CB-BBA58C4D57BB}" type="datetime1">
               <a:rPr lang="es-ES" noProof="0" smtClean="0"/>
-              <a:t>22/09/2022</a:t>
+              <a:t>24/09/2022</a:t>
             </a:fld>
             <a:endParaRPr lang="es-ES" noProof="0" dirty="0"/>
           </a:p>
@@ -6233,7 +6827,7 @@
             <a:pPr rtl="0"/>
             <a:fld id="{217D4995-77A4-48E5-92B1-2DC992A39FBB}" type="datetime1">
               <a:rPr lang="es-ES" noProof="0" smtClean="0"/>
-              <a:t>22/09/2022</a:t>
+              <a:t>24/09/2022</a:t>
             </a:fld>
             <a:endParaRPr lang="es-ES" noProof="0" dirty="0"/>
           </a:p>
@@ -6507,7 +7101,7 @@
             <a:pPr rtl="0"/>
             <a:fld id="{AE8112B3-1F24-452F-80DE-56BF301098EC}" type="datetime1">
               <a:rPr lang="es-ES" noProof="0" smtClean="0"/>
-              <a:t>22/09/2022</a:t>
+              <a:t>24/09/2022</a:t>
             </a:fld>
             <a:endParaRPr lang="es-ES" noProof="0" dirty="0"/>
           </a:p>
@@ -6873,7 +7467,7 @@
             <a:pPr rtl="0"/>
             <a:fld id="{39B46DA2-8C2E-44C4-A865-CD3D33CFD45F}" type="datetime1">
               <a:rPr lang="es-ES" noProof="0" smtClean="0"/>
-              <a:t>22/09/2022</a:t>
+              <a:t>24/09/2022</a:t>
             </a:fld>
             <a:endParaRPr lang="es-ES" noProof="0" dirty="0"/>
           </a:p>
@@ -7228,7 +7822,7 @@
             <a:pPr rtl="0"/>
             <a:fld id="{D1525062-C568-4AE5-A98F-45E6D6D3E9AC}" type="datetime1">
               <a:rPr lang="es-ES" noProof="0" smtClean="0"/>
-              <a:t>22/09/2022</a:t>
+              <a:t>24/09/2022</a:t>
             </a:fld>
             <a:endParaRPr lang="es-ES" noProof="0" dirty="0"/>
           </a:p>
@@ -7723,7 +8317,7 @@
             <a:pPr rtl="0"/>
             <a:fld id="{8EBA81B0-EA87-4E7B-A74D-942650D6BCED}" type="datetime1">
               <a:rPr lang="es-ES" noProof="0" smtClean="0"/>
-              <a:t>22/09/2022</a:t>
+              <a:t>24/09/2022</a:t>
             </a:fld>
             <a:endParaRPr lang="es-ES" noProof="0" dirty="0"/>
           </a:p>
@@ -8218,7 +8812,7 @@
             <a:pPr rtl="0"/>
             <a:fld id="{F6653BDA-CE15-46D4-A5A4-C9E9758DEFB2}" type="datetime1">
               <a:rPr lang="es-ES" noProof="0" smtClean="0"/>
-              <a:t>22/09/2022</a:t>
+              <a:t>24/09/2022</a:t>
             </a:fld>
             <a:endParaRPr lang="es-ES" noProof="0" dirty="0"/>
           </a:p>
@@ -8442,7 +9036,7 @@
             <a:pPr rtl="0"/>
             <a:fld id="{72696FBB-EB5C-4293-9014-59E70AE1A5E6}" type="datetime1">
               <a:rPr lang="es-ES" noProof="0" smtClean="0"/>
-              <a:t>22/09/2022</a:t>
+              <a:t>24/09/2022</a:t>
             </a:fld>
             <a:endParaRPr lang="es-ES" noProof="0" dirty="0"/>
           </a:p>
@@ -8878,36 +9472,6 @@
           <a:chExt cx="0" cy="0"/>
         </a:xfrm>
       </p:grpSpPr>
-      <p:pic>
-        <p:nvPicPr>
-          <p:cNvPr id="12" name="Picture 11" descr="Graphical user interface, text, application&#10;&#10;Description automatically generated">
-            <a:extLst>
-              <a:ext uri="{FF2B5EF4-FFF2-40B4-BE49-F238E27FC236}">
-                <a16:creationId xmlns:a16="http://schemas.microsoft.com/office/drawing/2014/main" id="{9B0509BB-AD38-FC25-B607-4A9EFCB083E1}"/>
-              </a:ext>
-            </a:extLst>
-          </p:cNvPr>
-          <p:cNvPicPr>
-            <a:picLocks noChangeAspect="1"/>
-          </p:cNvPicPr>
-          <p:nvPr/>
-        </p:nvPicPr>
-        <p:blipFill>
-          <a:blip r:embed="rId2"/>
-          <a:stretch>
-            <a:fillRect/>
-          </a:stretch>
-        </p:blipFill>
-        <p:spPr>
-          <a:xfrm>
-            <a:off x="1419650" y="1089000"/>
-            <a:ext cx="9352699" cy="4680000"/>
-          </a:xfrm>
-          <a:prstGeom prst="rect">
-            <a:avLst/>
-          </a:prstGeom>
-        </p:spPr>
-      </p:pic>
       <p:sp>
         <p:nvSpPr>
           <p:cNvPr id="2" name="TextBox 1">
@@ -8957,62 +9521,48 @@
                 </a:solidFill>
                 <a:latin typeface="+mj-lt"/>
               </a:rPr>
-              <a:t>.20220922</a:t>
-            </a:r>
-          </a:p>
-        </p:txBody>
-      </p:sp>
-      <p:sp>
-        <p:nvSpPr>
-          <p:cNvPr id="3" name="TextBox 2">
+              <a:t>.20220924</a:t>
+            </a:r>
+          </a:p>
+        </p:txBody>
+      </p:sp>
+      <p:pic>
+        <p:nvPicPr>
+          <p:cNvPr id="7" name="Graphic 6">
+            <a:hlinkClick r:id="rId3"/>
             <a:extLst>
               <a:ext uri="{FF2B5EF4-FFF2-40B4-BE49-F238E27FC236}">
-                <a16:creationId xmlns:a16="http://schemas.microsoft.com/office/drawing/2014/main" id="{8062869A-C891-4710-0EA5-16D8B88B2458}"/>
+                <a16:creationId xmlns:a16="http://schemas.microsoft.com/office/drawing/2014/main" id="{C6963580-4DA2-BD02-4234-77286479001A}"/>
               </a:ext>
             </a:extLst>
           </p:cNvPr>
-          <p:cNvSpPr txBox="1"/>
+          <p:cNvPicPr>
+            <a:picLocks noChangeAspect="1"/>
+          </p:cNvPicPr>
           <p:nvPr/>
-        </p:nvSpPr>
+        </p:nvPicPr>
+        <p:blipFill>
+          <a:blip r:embed="rId4">
+            <a:extLst>
+              <a:ext uri="{96DAC541-7B7A-43D3-8B79-37D633B846F1}">
+                <asvg:svgBlip xmlns:asvg="http://schemas.microsoft.com/office/drawing/2016/SVG/main" r:embed="rId5"/>
+              </a:ext>
+            </a:extLst>
+          </a:blip>
+          <a:stretch>
+            <a:fillRect/>
+          </a:stretch>
+        </p:blipFill>
         <p:spPr>
           <a:xfrm>
-            <a:off x="0" y="6550223"/>
-            <a:ext cx="6096000" cy="307777"/>
+            <a:off x="395287" y="983929"/>
+            <a:ext cx="11401425" cy="4890142"/>
           </a:xfrm>
           <a:prstGeom prst="rect">
             <a:avLst/>
           </a:prstGeom>
-          <a:noFill/>
         </p:spPr>
-        <p:txBody>
-          <a:bodyPr wrap="square" rtlCol="0">
-            <a:spAutoFit/>
-          </a:bodyPr>
-          <a:lstStyle/>
-          <a:p>
-            <a:r>
-              <a:rPr lang="en-US" sz="1400" dirty="0">
-                <a:solidFill>
-                  <a:schemeClr val="bg1">
-                    <a:lumMod val="25000"/>
-                  </a:schemeClr>
-                </a:solidFill>
-                <a:latin typeface="+mj-lt"/>
-                <a:hlinkClick r:id="rId3"/>
-              </a:rPr>
-              <a:t>https://github.com/rcfdtools/R.TeachingResearchGuide</a:t>
-            </a:r>
-            <a:endParaRPr lang="es-CO" sz="1400" dirty="0">
-              <a:solidFill>
-                <a:schemeClr val="bg1">
-                  <a:lumMod val="25000"/>
-                </a:schemeClr>
-              </a:solidFill>
-              <a:latin typeface="+mj-lt"/>
-            </a:endParaRPr>
-          </a:p>
-        </p:txBody>
-      </p:sp>
+      </p:pic>
     </p:spTree>
     <p:extLst>
       <p:ext uri="{BB962C8B-B14F-4D97-AF65-F5344CB8AC3E}">

--- a/Section01/Section01.pptx
+++ b/Section01/Section01.pptx
@@ -891,7 +891,34 @@
           <a:lstStyle/>
           <a:p>
             <a:r>
-              <a:rPr lang="es-CO" sz="1200" b="1" dirty="0">
+              <a:rPr lang="es-CO" sz="1200" b="0" dirty="0">
+                <a:solidFill>
+                  <a:schemeClr val="bg1">
+                    <a:lumMod val="25000"/>
+                  </a:schemeClr>
+                </a:solidFill>
+                <a:latin typeface="Segoe UI" panose="020B0502040204020203" pitchFamily="34" charset="0"/>
+                <a:ea typeface="Segoe UI Black" panose="020B0A02040204020203" pitchFamily="34" charset="0"/>
+                <a:cs typeface="Segoe UI" panose="020B0502040204020203" pitchFamily="34" charset="0"/>
+              </a:rPr>
+              <a:t>Interactúa con los miembros de tu comunidad.</a:t>
+            </a:r>
+          </a:p>
+          <a:p>
+            <a:endParaRPr lang="es-CO" sz="1200" b="0" dirty="0">
+              <a:solidFill>
+                <a:schemeClr val="bg1">
+                  <a:lumMod val="25000"/>
+                </a:schemeClr>
+              </a:solidFill>
+              <a:latin typeface="Segoe UI" panose="020B0502040204020203" pitchFamily="34" charset="0"/>
+              <a:ea typeface="Segoe UI Black" panose="020B0A02040204020203" pitchFamily="34" charset="0"/>
+              <a:cs typeface="Segoe UI" panose="020B0502040204020203" pitchFamily="34" charset="0"/>
+            </a:endParaRPr>
+          </a:p>
+          <a:p>
+            <a:r>
+              <a:rPr lang="es-CO" sz="1200" b="0" dirty="0">
                 <a:solidFill>
                   <a:schemeClr val="bg1">
                     <a:lumMod val="25000"/>
@@ -1028,7 +1055,53 @@
                 <a:effectLst/>
                 <a:latin typeface="-apple-system"/>
               </a:rPr>
-              <a:t>Existen diferentes herramientas o plataformas informáticas para desarrollo colaborativo que facilitan la interacción y gestión de la información. Los equipos de desarrollo ya no deben estar en el mismo lugar para poder comunicarse y crear, ni siquiera tienen que conocerse para poder dar sus criterios y participar en un proyecto. El desarrollo colaborativo es un modelo que parte de la base de que el conocimiento disponible públicamente, para ser accedido y revisado por otros investigadores, educadores o estudiantes. Debido a que este modelo está ligado al software libre, las reglas son similares: cuando un creador de contenido aporta algo a un repositorio fuente, o participa en el desarrollo colaborativo, sus aportes deben quedar públicos y disponibles para que pueda ser evaluado, mejorado o utilizado.</a:t>
+              <a:t>Hablemos ahora de herramientas para desarrollo colaborativo.</a:t>
+            </a:r>
+          </a:p>
+          <a:p>
+            <a:pPr algn="l"/>
+            <a:endParaRPr lang="es-CO" b="0" i="0" dirty="0">
+              <a:solidFill>
+                <a:srgbClr val="24292F"/>
+              </a:solidFill>
+              <a:effectLst/>
+              <a:latin typeface="-apple-system"/>
+            </a:endParaRPr>
+          </a:p>
+          <a:p>
+            <a:pPr algn="l"/>
+            <a:r>
+              <a:rPr lang="es-CO" b="0" i="0" dirty="0">
+                <a:solidFill>
+                  <a:srgbClr val="24292F"/>
+                </a:solidFill>
+                <a:effectLst/>
+                <a:latin typeface="-apple-system"/>
+              </a:rPr>
+              <a:t>Existen diferentes herramientas o plataformas informáticas para desarrollo colaborativo que facilitan la interacción y gestión de la información. Los equipos de desarrollo ya no deben estar en el mismo lugar para poder comunicarse y crear contenidos, ni siquiera tienen que conocerse para poder dar sus criterios, aportar sus habilidades y participar en un proyecto. </a:t>
+            </a:r>
+          </a:p>
+          <a:p>
+            <a:pPr algn="l"/>
+            <a:endParaRPr lang="es-CO" b="0" i="0" dirty="0">
+              <a:solidFill>
+                <a:srgbClr val="24292F"/>
+              </a:solidFill>
+              <a:effectLst/>
+              <a:latin typeface="-apple-system"/>
+            </a:endParaRPr>
+          </a:p>
+          <a:p>
+            <a:pPr algn="l"/>
+            <a:r>
+              <a:rPr lang="es-CO" b="0" i="0" dirty="0">
+                <a:solidFill>
+                  <a:srgbClr val="24292F"/>
+                </a:solidFill>
+                <a:effectLst/>
+                <a:latin typeface="-apple-system"/>
+              </a:rPr>
+              <a:t>El desarrollo colaborativo es un modelo que parte de la base de que el conocimiento debe ser público y abierto, para que sea accedido y revisado por otros investigadores, educadores, estudiantes o creadores de contenido. Debido a que este modelo está ligado al software libre, las reglas son similares: cuando un creador de contenido aporta algo a un repositorio fuente, o participa en el desarrollo colaborativo, sus aportes deben quedar públicos y disponibles para que pueda ser evaluado, mejorado o utilizado.</a:t>
             </a:r>
           </a:p>
           <a:p>
@@ -1124,6 +1197,232 @@
           <a:bodyPr/>
           <a:lstStyle/>
           <a:p>
+            <a:r>
+              <a:rPr lang="en-US" sz="1200" b="0" i="0" dirty="0">
+                <a:solidFill>
+                  <a:srgbClr val="24292F"/>
+                </a:solidFill>
+                <a:effectLst/>
+                <a:latin typeface="-apple-system"/>
+                <a:cs typeface="Segoe UI Light" panose="020B0502040204020203" pitchFamily="34" charset="0"/>
+              </a:rPr>
+              <a:t>¿</a:t>
+            </a:r>
+            <a:r>
+              <a:rPr lang="en-US" sz="1200" b="0" i="0" dirty="0" err="1">
+                <a:solidFill>
+                  <a:srgbClr val="24292F"/>
+                </a:solidFill>
+                <a:effectLst/>
+                <a:latin typeface="-apple-system"/>
+                <a:cs typeface="Segoe UI Light" panose="020B0502040204020203" pitchFamily="34" charset="0"/>
+              </a:rPr>
+              <a:t>Cuáles</a:t>
+            </a:r>
+            <a:r>
+              <a:rPr lang="en-US" sz="1200" b="0" i="0" dirty="0">
+                <a:solidFill>
+                  <a:srgbClr val="24292F"/>
+                </a:solidFill>
+                <a:effectLst/>
+                <a:latin typeface="-apple-system"/>
+                <a:cs typeface="Segoe UI Light" panose="020B0502040204020203" pitchFamily="34" charset="0"/>
+              </a:rPr>
+              <a:t> son las </a:t>
+            </a:r>
+            <a:r>
+              <a:rPr lang="en-US" sz="1200" b="0" i="0" dirty="0" err="1">
+                <a:solidFill>
+                  <a:srgbClr val="24292F"/>
+                </a:solidFill>
+                <a:effectLst/>
+                <a:latin typeface="-apple-system"/>
+                <a:cs typeface="Segoe UI Light" panose="020B0502040204020203" pitchFamily="34" charset="0"/>
+              </a:rPr>
+              <a:t>características</a:t>
+            </a:r>
+            <a:r>
+              <a:rPr lang="en-US" sz="1200" b="0" i="0" dirty="0">
+                <a:solidFill>
+                  <a:srgbClr val="24292F"/>
+                </a:solidFill>
+                <a:effectLst/>
+                <a:latin typeface="-apple-system"/>
+                <a:cs typeface="Segoe UI Light" panose="020B0502040204020203" pitchFamily="34" charset="0"/>
+              </a:rPr>
+              <a:t> de las </a:t>
+            </a:r>
+            <a:r>
+              <a:rPr lang="en-US" sz="1200" b="0" i="0" dirty="0" err="1">
+                <a:solidFill>
+                  <a:srgbClr val="24292F"/>
+                </a:solidFill>
+                <a:effectLst/>
+                <a:latin typeface="-apple-system"/>
+                <a:cs typeface="Segoe UI Light" panose="020B0502040204020203" pitchFamily="34" charset="0"/>
+              </a:rPr>
+              <a:t>plataformas</a:t>
+            </a:r>
+            <a:r>
+              <a:rPr lang="en-US" sz="1200" b="0" i="0" dirty="0">
+                <a:solidFill>
+                  <a:srgbClr val="24292F"/>
+                </a:solidFill>
+                <a:effectLst/>
+                <a:latin typeface="-apple-system"/>
+                <a:cs typeface="Segoe UI Light" panose="020B0502040204020203" pitchFamily="34" charset="0"/>
+              </a:rPr>
+              <a:t> de </a:t>
+            </a:r>
+            <a:r>
+              <a:rPr lang="en-US" sz="1200" b="0" i="0" dirty="0" err="1">
+                <a:solidFill>
+                  <a:srgbClr val="24292F"/>
+                </a:solidFill>
+                <a:effectLst/>
+                <a:latin typeface="-apple-system"/>
+                <a:cs typeface="Segoe UI Light" panose="020B0502040204020203" pitchFamily="34" charset="0"/>
+              </a:rPr>
+              <a:t>desarrollo</a:t>
+            </a:r>
+            <a:r>
+              <a:rPr lang="en-US" sz="1200" b="0" i="0" dirty="0">
+                <a:solidFill>
+                  <a:srgbClr val="24292F"/>
+                </a:solidFill>
+                <a:effectLst/>
+                <a:latin typeface="-apple-system"/>
+                <a:cs typeface="Segoe UI Light" panose="020B0502040204020203" pitchFamily="34" charset="0"/>
+              </a:rPr>
+              <a:t> </a:t>
+            </a:r>
+            <a:r>
+              <a:rPr lang="en-US" sz="1200" b="0" i="0" dirty="0" err="1">
+                <a:solidFill>
+                  <a:srgbClr val="24292F"/>
+                </a:solidFill>
+                <a:effectLst/>
+                <a:latin typeface="-apple-system"/>
+                <a:cs typeface="Segoe UI Light" panose="020B0502040204020203" pitchFamily="34" charset="0"/>
+              </a:rPr>
+              <a:t>colaborativo</a:t>
+            </a:r>
+            <a:r>
+              <a:rPr lang="en-US" sz="1200" b="0" i="0" dirty="0">
+                <a:solidFill>
+                  <a:srgbClr val="24292F"/>
+                </a:solidFill>
+                <a:effectLst/>
+                <a:latin typeface="-apple-system"/>
+                <a:cs typeface="Segoe UI Light" panose="020B0502040204020203" pitchFamily="34" charset="0"/>
+              </a:rPr>
+              <a:t>?</a:t>
+            </a:r>
+          </a:p>
+          <a:p>
+            <a:endParaRPr lang="en-US" sz="1200" b="0" i="0" dirty="0">
+              <a:solidFill>
+                <a:srgbClr val="24292F"/>
+              </a:solidFill>
+              <a:effectLst/>
+              <a:latin typeface="-apple-system"/>
+              <a:cs typeface="Segoe UI Light" panose="020B0502040204020203" pitchFamily="34" charset="0"/>
+            </a:endParaRPr>
+          </a:p>
+          <a:p>
+            <a:pPr marL="0" indent="0">
+              <a:buFont typeface="Wingdings" panose="05000000000000000000" pitchFamily="2" charset="2"/>
+              <a:buNone/>
+            </a:pPr>
+            <a:r>
+              <a:rPr lang="es-CO" sz="1200" dirty="0">
+                <a:solidFill>
+                  <a:schemeClr val="bg1">
+                    <a:lumMod val="25000"/>
+                  </a:schemeClr>
+                </a:solidFill>
+                <a:latin typeface="Segoe UI" panose="020B0502040204020203" pitchFamily="34" charset="0"/>
+                <a:ea typeface="Segoe UI Black" panose="020B0A02040204020203" pitchFamily="34" charset="0"/>
+                <a:cs typeface="Segoe UI" panose="020B0502040204020203" pitchFamily="34" charset="0"/>
+              </a:rPr>
+              <a:t>Disponibilidad de archivos fuente de uno o varios proyectos o contenidos.</a:t>
+            </a:r>
+          </a:p>
+          <a:p>
+            <a:pPr marL="0" indent="0">
+              <a:buFont typeface="Wingdings" panose="05000000000000000000" pitchFamily="2" charset="2"/>
+              <a:buNone/>
+            </a:pPr>
+            <a:r>
+              <a:rPr lang="es-CO" sz="1200" dirty="0">
+                <a:solidFill>
+                  <a:schemeClr val="bg1">
+                    <a:lumMod val="25000"/>
+                  </a:schemeClr>
+                </a:solidFill>
+                <a:latin typeface="Segoe UI" panose="020B0502040204020203" pitchFamily="34" charset="0"/>
+                <a:ea typeface="Segoe UI Black" panose="020B0A02040204020203" pitchFamily="34" charset="0"/>
+                <a:cs typeface="Segoe UI" panose="020B0502040204020203" pitchFamily="34" charset="0"/>
+              </a:rPr>
+              <a:t>Soporte y mantenimiento a investigaciones y sistemas informáticos ya concluidos y en explotación.</a:t>
+            </a:r>
+          </a:p>
+          <a:p>
+            <a:pPr marL="0" indent="0">
+              <a:buFont typeface="Wingdings" panose="05000000000000000000" pitchFamily="2" charset="2"/>
+              <a:buNone/>
+            </a:pPr>
+            <a:r>
+              <a:rPr lang="es-CO" sz="1200" dirty="0">
+                <a:solidFill>
+                  <a:schemeClr val="bg1">
+                    <a:lumMod val="25000"/>
+                  </a:schemeClr>
+                </a:solidFill>
+                <a:latin typeface="Segoe UI" panose="020B0502040204020203" pitchFamily="34" charset="0"/>
+                <a:ea typeface="Segoe UI Black" panose="020B0A02040204020203" pitchFamily="34" charset="0"/>
+                <a:cs typeface="Segoe UI" panose="020B0502040204020203" pitchFamily="34" charset="0"/>
+              </a:rPr>
+              <a:t>Control de versiones y trazabilidad.</a:t>
+            </a:r>
+          </a:p>
+          <a:p>
+            <a:pPr marL="0" indent="0">
+              <a:buFont typeface="Wingdings" panose="05000000000000000000" pitchFamily="2" charset="2"/>
+              <a:buNone/>
+            </a:pPr>
+            <a:r>
+              <a:rPr lang="es-CO" sz="1200" dirty="0">
+                <a:solidFill>
+                  <a:schemeClr val="bg1">
+                    <a:lumMod val="25000"/>
+                  </a:schemeClr>
+                </a:solidFill>
+                <a:latin typeface="Segoe UI" panose="020B0502040204020203" pitchFamily="34" charset="0"/>
+                <a:ea typeface="Segoe UI Black" panose="020B0A02040204020203" pitchFamily="34" charset="0"/>
+                <a:cs typeface="Segoe UI" panose="020B0502040204020203" pitchFamily="34" charset="0"/>
+              </a:rPr>
+              <a:t>Foros de discusión.</a:t>
+            </a:r>
+          </a:p>
+          <a:p>
+            <a:pPr marL="0" indent="0">
+              <a:buFont typeface="Wingdings" panose="05000000000000000000" pitchFamily="2" charset="2"/>
+              <a:buNone/>
+            </a:pPr>
+            <a:r>
+              <a:rPr lang="es-CO" sz="1200" dirty="0">
+                <a:solidFill>
+                  <a:schemeClr val="bg1">
+                    <a:lumMod val="25000"/>
+                  </a:schemeClr>
+                </a:solidFill>
+                <a:latin typeface="Segoe UI" panose="020B0502040204020203" pitchFamily="34" charset="0"/>
+                <a:ea typeface="Segoe UI Black" panose="020B0A02040204020203" pitchFamily="34" charset="0"/>
+                <a:cs typeface="Segoe UI" panose="020B0502040204020203" pitchFamily="34" charset="0"/>
+              </a:rPr>
+              <a:t>Wikis para gestionar documentación oficial.</a:t>
+            </a:r>
             <a:endParaRPr lang="es-CO" sz="1200" b="0" i="0" dirty="0">
               <a:solidFill>
                 <a:srgbClr val="24292F"/>
@@ -1216,6 +1515,421 @@
           <a:bodyPr/>
           <a:lstStyle/>
           <a:p>
+            <a:r>
+              <a:rPr lang="en-US" sz="1200" b="0" i="0" dirty="0" err="1">
+                <a:solidFill>
+                  <a:srgbClr val="24292F"/>
+                </a:solidFill>
+                <a:effectLst/>
+                <a:latin typeface="-apple-system"/>
+                <a:cs typeface="Segoe UI Light" panose="020B0502040204020203" pitchFamily="34" charset="0"/>
+              </a:rPr>
+              <a:t>Existen</a:t>
+            </a:r>
+            <a:r>
+              <a:rPr lang="en-US" sz="1200" b="0" i="0" dirty="0">
+                <a:solidFill>
+                  <a:srgbClr val="24292F"/>
+                </a:solidFill>
+                <a:effectLst/>
+                <a:latin typeface="-apple-system"/>
+                <a:cs typeface="Segoe UI Light" panose="020B0502040204020203" pitchFamily="34" charset="0"/>
+              </a:rPr>
+              <a:t> </a:t>
+            </a:r>
+            <a:r>
+              <a:rPr lang="en-US" sz="1200" b="0" i="0" dirty="0" err="1">
+                <a:solidFill>
+                  <a:srgbClr val="24292F"/>
+                </a:solidFill>
+                <a:effectLst/>
+                <a:latin typeface="-apple-system"/>
+                <a:cs typeface="Segoe UI Light" panose="020B0502040204020203" pitchFamily="34" charset="0"/>
+              </a:rPr>
+              <a:t>diferentes</a:t>
+            </a:r>
+            <a:r>
+              <a:rPr lang="en-US" sz="1200" b="0" i="0" dirty="0">
+                <a:solidFill>
+                  <a:srgbClr val="24292F"/>
+                </a:solidFill>
+                <a:effectLst/>
+                <a:latin typeface="-apple-system"/>
+                <a:cs typeface="Segoe UI Light" panose="020B0502040204020203" pitchFamily="34" charset="0"/>
+              </a:rPr>
+              <a:t> </a:t>
+            </a:r>
+            <a:r>
+              <a:rPr lang="en-US" sz="1200" b="0" i="0" dirty="0" err="1">
+                <a:solidFill>
+                  <a:srgbClr val="24292F"/>
+                </a:solidFill>
+                <a:effectLst/>
+                <a:latin typeface="-apple-system"/>
+                <a:cs typeface="Segoe UI Light" panose="020B0502040204020203" pitchFamily="34" charset="0"/>
+              </a:rPr>
+              <a:t>plataformas</a:t>
+            </a:r>
+            <a:r>
+              <a:rPr lang="en-US" sz="1200" b="0" i="0" dirty="0">
+                <a:solidFill>
+                  <a:srgbClr val="24292F"/>
+                </a:solidFill>
+                <a:effectLst/>
+                <a:latin typeface="-apple-system"/>
+                <a:cs typeface="Segoe UI Light" panose="020B0502040204020203" pitchFamily="34" charset="0"/>
+              </a:rPr>
+              <a:t> de </a:t>
+            </a:r>
+            <a:r>
+              <a:rPr lang="en-US" sz="1200" b="0" i="0" dirty="0" err="1">
+                <a:solidFill>
+                  <a:srgbClr val="24292F"/>
+                </a:solidFill>
+                <a:effectLst/>
+                <a:latin typeface="-apple-system"/>
+                <a:cs typeface="Segoe UI Light" panose="020B0502040204020203" pitchFamily="34" charset="0"/>
+              </a:rPr>
+              <a:t>desarrollo</a:t>
+            </a:r>
+            <a:r>
+              <a:rPr lang="en-US" sz="1200" b="0" i="0" dirty="0">
+                <a:solidFill>
+                  <a:srgbClr val="24292F"/>
+                </a:solidFill>
+                <a:effectLst/>
+                <a:latin typeface="-apple-system"/>
+                <a:cs typeface="Segoe UI Light" panose="020B0502040204020203" pitchFamily="34" charset="0"/>
+              </a:rPr>
+              <a:t> </a:t>
+            </a:r>
+            <a:r>
+              <a:rPr lang="en-US" sz="1200" b="0" i="0" dirty="0" err="1">
+                <a:solidFill>
+                  <a:srgbClr val="24292F"/>
+                </a:solidFill>
+                <a:effectLst/>
+                <a:latin typeface="-apple-system"/>
+                <a:cs typeface="Segoe UI Light" panose="020B0502040204020203" pitchFamily="34" charset="0"/>
+              </a:rPr>
+              <a:t>colaborativo</a:t>
+            </a:r>
+            <a:r>
+              <a:rPr lang="en-US" sz="1200" b="0" i="0" dirty="0">
+                <a:solidFill>
+                  <a:srgbClr val="24292F"/>
+                </a:solidFill>
+                <a:effectLst/>
+                <a:latin typeface="-apple-system"/>
+                <a:cs typeface="Segoe UI Light" panose="020B0502040204020203" pitchFamily="34" charset="0"/>
+              </a:rPr>
+              <a:t>, </a:t>
+            </a:r>
+            <a:r>
+              <a:rPr lang="en-US" sz="1200" b="0" i="0" dirty="0" err="1">
+                <a:solidFill>
+                  <a:srgbClr val="24292F"/>
+                </a:solidFill>
+                <a:effectLst/>
+                <a:latin typeface="-apple-system"/>
+                <a:cs typeface="Segoe UI Light" panose="020B0502040204020203" pitchFamily="34" charset="0"/>
+              </a:rPr>
+              <a:t>por</a:t>
+            </a:r>
+            <a:r>
+              <a:rPr lang="en-US" sz="1200" b="0" i="0" dirty="0">
+                <a:solidFill>
+                  <a:srgbClr val="24292F"/>
+                </a:solidFill>
+                <a:effectLst/>
+                <a:latin typeface="-apple-system"/>
+                <a:cs typeface="Segoe UI Light" panose="020B0502040204020203" pitchFamily="34" charset="0"/>
+              </a:rPr>
+              <a:t> </a:t>
+            </a:r>
+            <a:r>
+              <a:rPr lang="en-US" sz="1200" b="0" i="0" dirty="0" err="1">
+                <a:solidFill>
+                  <a:srgbClr val="24292F"/>
+                </a:solidFill>
+                <a:effectLst/>
+                <a:latin typeface="-apple-system"/>
+                <a:cs typeface="Segoe UI Light" panose="020B0502040204020203" pitchFamily="34" charset="0"/>
+              </a:rPr>
+              <a:t>ejemplo</a:t>
+            </a:r>
+            <a:r>
+              <a:rPr lang="en-US" sz="1200" b="0" i="0" dirty="0">
+                <a:solidFill>
+                  <a:srgbClr val="24292F"/>
+                </a:solidFill>
+                <a:effectLst/>
+                <a:latin typeface="-apple-system"/>
+                <a:cs typeface="Segoe UI Light" panose="020B0502040204020203" pitchFamily="34" charset="0"/>
+              </a:rPr>
+              <a:t>:</a:t>
+            </a:r>
+          </a:p>
+          <a:p>
+            <a:endParaRPr lang="en-US" sz="1200" b="0" i="0" dirty="0">
+              <a:solidFill>
+                <a:srgbClr val="24292F"/>
+              </a:solidFill>
+              <a:effectLst/>
+              <a:latin typeface="-apple-system"/>
+              <a:cs typeface="Segoe UI Light" panose="020B0502040204020203" pitchFamily="34" charset="0"/>
+            </a:endParaRPr>
+          </a:p>
+          <a:p>
+            <a:r>
+              <a:rPr lang="en-US" sz="1200" b="0" i="0" dirty="0">
+                <a:solidFill>
+                  <a:srgbClr val="24292F"/>
+                </a:solidFill>
+                <a:effectLst/>
+                <a:latin typeface="-apple-system"/>
+                <a:cs typeface="Segoe UI Light" panose="020B0502040204020203" pitchFamily="34" charset="0"/>
+              </a:rPr>
+              <a:t>GitHub e</a:t>
+            </a:r>
+            <a:r>
+              <a:rPr lang="es-CO" sz="1200" b="0" i="0" dirty="0">
+                <a:solidFill>
+                  <a:srgbClr val="24292F"/>
+                </a:solidFill>
+                <a:effectLst/>
+                <a:latin typeface="-apple-system"/>
+                <a:cs typeface="Segoe UI Light" panose="020B0502040204020203" pitchFamily="34" charset="0"/>
+              </a:rPr>
+              <a:t>s una plataforma para alojar y gestionar proyectos utilizando el sistema de control de versiones Git. Fue desarrollada en el lenguaje de programación Ruby </a:t>
+            </a:r>
+            <a:r>
+              <a:rPr lang="es-CO" sz="1200" b="0" i="0" dirty="0" err="1">
+                <a:solidFill>
+                  <a:srgbClr val="24292F"/>
+                </a:solidFill>
+                <a:effectLst/>
+                <a:latin typeface="-apple-system"/>
+                <a:cs typeface="Segoe UI Light" panose="020B0502040204020203" pitchFamily="34" charset="0"/>
+              </a:rPr>
+              <a:t>on</a:t>
+            </a:r>
+            <a:r>
+              <a:rPr lang="es-CO" sz="1200" b="0" i="0" dirty="0">
+                <a:solidFill>
+                  <a:srgbClr val="24292F"/>
+                </a:solidFill>
+                <a:effectLst/>
+                <a:latin typeface="-apple-system"/>
+                <a:cs typeface="Segoe UI Light" panose="020B0502040204020203" pitchFamily="34" charset="0"/>
+              </a:rPr>
+              <a:t> </a:t>
+            </a:r>
+            <a:r>
+              <a:rPr lang="es-CO" sz="1200" b="0" i="0" dirty="0" err="1">
+                <a:solidFill>
+                  <a:srgbClr val="24292F"/>
+                </a:solidFill>
+                <a:effectLst/>
+                <a:latin typeface="-apple-system"/>
+                <a:cs typeface="Segoe UI Light" panose="020B0502040204020203" pitchFamily="34" charset="0"/>
+              </a:rPr>
+              <a:t>Rails</a:t>
+            </a:r>
+            <a:r>
+              <a:rPr lang="es-CO" sz="1200" b="0" i="0" dirty="0">
+                <a:solidFill>
+                  <a:srgbClr val="24292F"/>
+                </a:solidFill>
+                <a:effectLst/>
+                <a:latin typeface="-apple-system"/>
+                <a:cs typeface="Segoe UI Light" panose="020B0502040204020203" pitchFamily="34" charset="0"/>
+              </a:rPr>
+              <a:t> y opera desde el 2010, en la actualidad es propiedad de Microsoft.</a:t>
+            </a:r>
+          </a:p>
+          <a:p>
+            <a:endParaRPr lang="es-CO" sz="1200" b="0" i="0" dirty="0">
+              <a:solidFill>
+                <a:srgbClr val="24292F"/>
+              </a:solidFill>
+              <a:effectLst/>
+              <a:latin typeface="-apple-system"/>
+              <a:cs typeface="Segoe UI Light" panose="020B0502040204020203" pitchFamily="34" charset="0"/>
+            </a:endParaRPr>
+          </a:p>
+          <a:p>
+            <a:r>
+              <a:rPr lang="es-CO" sz="1200" b="0" i="0" dirty="0">
+                <a:solidFill>
+                  <a:srgbClr val="24292F"/>
+                </a:solidFill>
+                <a:effectLst/>
+                <a:latin typeface="-apple-system"/>
+                <a:cs typeface="Segoe UI Light" panose="020B0502040204020203" pitchFamily="34" charset="0"/>
+              </a:rPr>
+              <a:t>GitLab maneja el control de versiones Git para los proyectos, como aspecto clave en el desarrollo colaborativo, incluye servicios DevOps para agilizar las etapas de construcción de software.</a:t>
+            </a:r>
+          </a:p>
+          <a:p>
+            <a:endParaRPr lang="es-CO" sz="1200" b="0" i="0" dirty="0">
+              <a:solidFill>
+                <a:srgbClr val="24292F"/>
+              </a:solidFill>
+              <a:effectLst/>
+              <a:latin typeface="-apple-system"/>
+              <a:cs typeface="Segoe UI Light" panose="020B0502040204020203" pitchFamily="34" charset="0"/>
+            </a:endParaRPr>
+          </a:p>
+          <a:p>
+            <a:r>
+              <a:rPr lang="es-CO" sz="1200" b="0" i="0" dirty="0">
+                <a:solidFill>
+                  <a:srgbClr val="24292F"/>
+                </a:solidFill>
+                <a:effectLst/>
+                <a:latin typeface="-apple-system"/>
+                <a:cs typeface="Segoe UI Light" panose="020B0502040204020203" pitchFamily="34" charset="0"/>
+              </a:rPr>
+              <a:t>Google </a:t>
+            </a:r>
+            <a:r>
+              <a:rPr lang="es-CO" sz="1200" b="0" i="0" dirty="0" err="1">
+                <a:solidFill>
+                  <a:srgbClr val="24292F"/>
+                </a:solidFill>
+                <a:effectLst/>
+                <a:latin typeface="-apple-system"/>
+                <a:cs typeface="Segoe UI Light" panose="020B0502040204020203" pitchFamily="34" charset="0"/>
+              </a:rPr>
+              <a:t>Colab</a:t>
+            </a:r>
+            <a:r>
+              <a:rPr lang="es-CO" sz="1200" b="0" i="0" dirty="0">
+                <a:solidFill>
+                  <a:srgbClr val="24292F"/>
+                </a:solidFill>
+                <a:effectLst/>
+                <a:latin typeface="-apple-system"/>
+                <a:cs typeface="Segoe UI Light" panose="020B0502040204020203" pitchFamily="34" charset="0"/>
+              </a:rPr>
+              <a:t> &amp; Code permite el hospedaje de código, especialmente libre y de sistemas basados en Google.</a:t>
+            </a:r>
+          </a:p>
+          <a:p>
+            <a:endParaRPr lang="es-CO" sz="1200" b="0" i="0" dirty="0">
+              <a:solidFill>
+                <a:srgbClr val="24292F"/>
+              </a:solidFill>
+              <a:effectLst/>
+              <a:latin typeface="-apple-system"/>
+              <a:cs typeface="Segoe UI Light" panose="020B0502040204020203" pitchFamily="34" charset="0"/>
+            </a:endParaRPr>
+          </a:p>
+          <a:p>
+            <a:r>
+              <a:rPr lang="es-CO" sz="1200" b="0" i="0" dirty="0">
+                <a:solidFill>
+                  <a:srgbClr val="24292F"/>
+                </a:solidFill>
+                <a:effectLst/>
+                <a:latin typeface="-apple-system"/>
+                <a:cs typeface="Segoe UI Light" panose="020B0502040204020203" pitchFamily="34" charset="0"/>
+              </a:rPr>
+              <a:t>SourceForge es una central de desarrollos de software que controla y gestiona varios proyectos de software libre y actúa como un repositorio de código fuente.</a:t>
+            </a:r>
+          </a:p>
+          <a:p>
+            <a:endParaRPr lang="es-CO" sz="1200" b="0" i="0" dirty="0">
+              <a:solidFill>
+                <a:srgbClr val="24292F"/>
+              </a:solidFill>
+              <a:effectLst/>
+              <a:latin typeface="-apple-system"/>
+              <a:cs typeface="Segoe UI Light" panose="020B0502040204020203" pitchFamily="34" charset="0"/>
+            </a:endParaRPr>
+          </a:p>
+          <a:p>
+            <a:r>
+              <a:rPr lang="es-CO" sz="1200" b="0" i="0" dirty="0">
+                <a:solidFill>
+                  <a:srgbClr val="24292F"/>
+                </a:solidFill>
+                <a:effectLst/>
+                <a:latin typeface="-apple-system"/>
+                <a:cs typeface="Segoe UI Light" panose="020B0502040204020203" pitchFamily="34" charset="0"/>
+              </a:rPr>
+              <a:t>GNU Savannah, ejecuta varios servicios para la gestión de proyectos de software libre.</a:t>
+            </a:r>
+          </a:p>
+          <a:p>
+            <a:endParaRPr lang="es-CO" sz="1200" b="0" i="0" dirty="0">
+              <a:solidFill>
+                <a:srgbClr val="24292F"/>
+              </a:solidFill>
+              <a:effectLst/>
+              <a:latin typeface="-apple-system"/>
+              <a:cs typeface="Segoe UI Light" panose="020B0502040204020203" pitchFamily="34" charset="0"/>
+            </a:endParaRPr>
+          </a:p>
+          <a:p>
+            <a:r>
+              <a:rPr lang="es-CO" sz="1200" b="0" i="0" dirty="0">
+                <a:solidFill>
+                  <a:srgbClr val="24292F"/>
+                </a:solidFill>
+                <a:effectLst/>
+                <a:latin typeface="-apple-system"/>
+                <a:cs typeface="Segoe UI Light" panose="020B0502040204020203" pitchFamily="34" charset="0"/>
+              </a:rPr>
+              <a:t>y</a:t>
+            </a:r>
+          </a:p>
+          <a:p>
+            <a:endParaRPr lang="es-CO" sz="1200" b="0" i="0" dirty="0">
+              <a:solidFill>
+                <a:srgbClr val="24292F"/>
+              </a:solidFill>
+              <a:effectLst/>
+              <a:latin typeface="-apple-system"/>
+              <a:cs typeface="Segoe UI Light" panose="020B0502040204020203" pitchFamily="34" charset="0"/>
+            </a:endParaRPr>
+          </a:p>
+          <a:p>
+            <a:r>
+              <a:rPr lang="es-CO" sz="1200" b="0" i="0" dirty="0" err="1">
+                <a:solidFill>
+                  <a:srgbClr val="24292F"/>
+                </a:solidFill>
+                <a:effectLst/>
+                <a:latin typeface="-apple-system"/>
+                <a:cs typeface="Segoe UI Light" panose="020B0502040204020203" pitchFamily="34" charset="0"/>
+              </a:rPr>
+              <a:t>Bitbucket</a:t>
+            </a:r>
+            <a:r>
+              <a:rPr lang="es-CO" sz="1200" b="0" i="0" dirty="0">
+                <a:solidFill>
+                  <a:srgbClr val="24292F"/>
+                </a:solidFill>
+                <a:effectLst/>
+                <a:latin typeface="-apple-system"/>
+                <a:cs typeface="Segoe UI Light" panose="020B0502040204020203" pitchFamily="34" charset="0"/>
+              </a:rPr>
+              <a:t>, qué es un administrador de código fuente que también utiliza el sistema de control de versiones Git.</a:t>
+            </a:r>
+          </a:p>
+          <a:p>
+            <a:endParaRPr lang="es-CO" sz="1200" b="0" i="0" dirty="0">
+              <a:solidFill>
+                <a:srgbClr val="24292F"/>
+              </a:solidFill>
+              <a:effectLst/>
+              <a:latin typeface="-apple-system"/>
+              <a:cs typeface="Segoe UI Light" panose="020B0502040204020203" pitchFamily="34" charset="0"/>
+            </a:endParaRPr>
+          </a:p>
+          <a:p>
             <a:endParaRPr lang="es-CO" sz="1200" b="0" i="0" dirty="0">
               <a:solidFill>
                 <a:srgbClr val="24292F"/>
@@ -1316,7 +2030,28 @@
                 <a:effectLst/>
                 <a:latin typeface="-apple-system"/>
               </a:rPr>
-              <a:t>Para responder esta pregunta, creemos una lista de requerimientos específicos para el enfoque de educación e investigación planteado en este curso y para las 3 plataformas más populares.</a:t>
+              <a:t>¿Cuál plataforma usar?</a:t>
+            </a:r>
+          </a:p>
+          <a:p>
+            <a:endParaRPr lang="es-CO" b="0" i="0" dirty="0">
+              <a:solidFill>
+                <a:srgbClr val="24292F"/>
+              </a:solidFill>
+              <a:effectLst/>
+              <a:latin typeface="-apple-system"/>
+            </a:endParaRPr>
+          </a:p>
+          <a:p>
+            <a:r>
+              <a:rPr lang="es-CO" b="0" i="0" dirty="0">
+                <a:solidFill>
+                  <a:srgbClr val="24292F"/>
+                </a:solidFill>
+                <a:effectLst/>
+                <a:latin typeface="-apple-system"/>
+              </a:rPr>
+              <a:t>Para responder esta pregunta, hemos creado una lista de requerimientos específicos, para el enfoque de educación e investigación planteado en este curso guía y para las 3 plataformas más populares.</a:t>
             </a:r>
           </a:p>
           <a:p>
@@ -1331,33 +2066,18 @@
           </a:p>
           <a:p>
             <a:r>
-              <a:rPr lang="es-CO" b="0" i="0" dirty="0">
-                <a:solidFill>
-                  <a:srgbClr val="57606A"/>
+              <a:rPr lang="es-CO" sz="1200" b="0" i="0" dirty="0">
+                <a:solidFill>
+                  <a:srgbClr val="24292F"/>
                 </a:solidFill>
                 <a:effectLst/>
                 <a:latin typeface="-apple-system"/>
-              </a:rPr>
-              <a:t>Los requerimientos presentados en la tabla anterior han sido definidos por </a:t>
-            </a:r>
-            <a:r>
-              <a:rPr lang="es-CO" b="0" i="0" u="none" strike="noStrike" dirty="0" err="1">
-                <a:effectLst/>
-                <a:latin typeface="-apple-system"/>
-                <a:hlinkClick r:id="rId3"/>
-              </a:rPr>
-              <a:t>rcfdtools</a:t>
-            </a:r>
-            <a:r>
-              <a:rPr lang="es-CO" b="0" i="0" dirty="0">
-                <a:solidFill>
-                  <a:srgbClr val="57606A"/>
-                </a:solidFill>
-                <a:effectLst/>
-                <a:latin typeface="-apple-system"/>
-              </a:rPr>
-              <a:t> y su validación puede cambiar por cambios en las políticas propias de cada plataforma.</a:t>
-            </a:r>
+                <a:cs typeface="Segoe UI Light" panose="020B0502040204020203" pitchFamily="34" charset="0"/>
+              </a:rPr>
+              <a:t>Como puedes observar, con GitHub puedes:</a:t>
+            </a:r>
+          </a:p>
+          <a:p>
             <a:endParaRPr lang="es-CO" sz="1200" b="0" i="0" dirty="0">
               <a:solidFill>
                 <a:srgbClr val="24292F"/>
@@ -1368,6 +2088,409 @@
             </a:endParaRPr>
           </a:p>
           <a:p>
+            <a:pPr marL="0" marR="0" lvl="0" indent="0" algn="l" defTabSz="914377" rtl="0" eaLnBrk="1" fontAlgn="auto" latinLnBrk="0" hangingPunct="1">
+              <a:lnSpc>
+                <a:spcPct val="100000"/>
+              </a:lnSpc>
+              <a:spcBef>
+                <a:spcPts val="0"/>
+              </a:spcBef>
+              <a:spcAft>
+                <a:spcPts val="0"/>
+              </a:spcAft>
+              <a:buClrTx/>
+              <a:buSzTx/>
+              <a:buFontTx/>
+              <a:buNone/>
+              <a:tabLst/>
+              <a:defRPr/>
+            </a:pPr>
+            <a:r>
+              <a:rPr lang="es-CO" sz="1200" b="0" u="none" strike="noStrike" dirty="0">
+                <a:solidFill>
+                  <a:srgbClr val="24292F"/>
+                </a:solidFill>
+                <a:effectLst/>
+                <a:latin typeface="Segoe UI" panose="020B0502040204020203" pitchFamily="34" charset="0"/>
+                <a:cs typeface="Segoe UI" panose="020B0502040204020203" pitchFamily="34" charset="0"/>
+              </a:rPr>
+              <a:t>Crear una cuenta de usuario sin versión de prueba o que expira.</a:t>
+            </a:r>
+          </a:p>
+          <a:p>
+            <a:pPr marL="0" marR="0" lvl="0" indent="0" algn="l" defTabSz="914377" rtl="0" eaLnBrk="1" fontAlgn="auto" latinLnBrk="0" hangingPunct="1">
+              <a:lnSpc>
+                <a:spcPct val="100000"/>
+              </a:lnSpc>
+              <a:spcBef>
+                <a:spcPts val="0"/>
+              </a:spcBef>
+              <a:spcAft>
+                <a:spcPts val="0"/>
+              </a:spcAft>
+              <a:buClrTx/>
+              <a:buSzTx/>
+              <a:buFontTx/>
+              <a:buNone/>
+              <a:tabLst/>
+              <a:defRPr/>
+            </a:pPr>
+            <a:r>
+              <a:rPr lang="es-CO" sz="1200" b="0" u="none" strike="noStrike" dirty="0">
+                <a:solidFill>
+                  <a:srgbClr val="24292F"/>
+                </a:solidFill>
+                <a:effectLst/>
+                <a:latin typeface="Segoe UI" panose="020B0502040204020203" pitchFamily="34" charset="0"/>
+                <a:cs typeface="Segoe UI" panose="020B0502040204020203" pitchFamily="34" charset="0"/>
+              </a:rPr>
+              <a:t>Consultar repositorios públicos sin registro o ingreso de usuario.</a:t>
+            </a:r>
+          </a:p>
+          <a:p>
+            <a:pPr marL="0" marR="0" lvl="0" indent="0" algn="l" defTabSz="914377" rtl="0" eaLnBrk="1" fontAlgn="auto" latinLnBrk="0" hangingPunct="1">
+              <a:lnSpc>
+                <a:spcPct val="100000"/>
+              </a:lnSpc>
+              <a:spcBef>
+                <a:spcPts val="0"/>
+              </a:spcBef>
+              <a:spcAft>
+                <a:spcPts val="0"/>
+              </a:spcAft>
+              <a:buClrTx/>
+              <a:buSzTx/>
+              <a:buFontTx/>
+              <a:buNone/>
+              <a:tabLst/>
+              <a:defRPr/>
+            </a:pPr>
+            <a:r>
+              <a:rPr lang="es-CO" sz="1200" b="0" u="none" strike="noStrike" dirty="0">
+                <a:solidFill>
+                  <a:srgbClr val="24292F"/>
+                </a:solidFill>
+                <a:effectLst/>
+                <a:latin typeface="Segoe UI" panose="020B0502040204020203" pitchFamily="34" charset="0"/>
+                <a:cs typeface="Segoe UI" panose="020B0502040204020203" pitchFamily="34" charset="0"/>
+              </a:rPr>
+              <a:t>Crear repositorios ilimitados por usuario y sin utilizar versiones de pago.</a:t>
+            </a:r>
+          </a:p>
+          <a:p>
+            <a:pPr marL="0" marR="0" lvl="0" indent="0" algn="l" defTabSz="914377" rtl="0" eaLnBrk="1" fontAlgn="auto" latinLnBrk="0" hangingPunct="1">
+              <a:lnSpc>
+                <a:spcPct val="100000"/>
+              </a:lnSpc>
+              <a:spcBef>
+                <a:spcPts val="0"/>
+              </a:spcBef>
+              <a:spcAft>
+                <a:spcPts val="0"/>
+              </a:spcAft>
+              <a:buClrTx/>
+              <a:buSzTx/>
+              <a:buFontTx/>
+              <a:buNone/>
+              <a:tabLst/>
+              <a:defRPr/>
+            </a:pPr>
+            <a:r>
+              <a:rPr lang="es-CO" sz="1200" b="0" u="none" strike="noStrike" dirty="0">
+                <a:solidFill>
+                  <a:srgbClr val="24292F"/>
+                </a:solidFill>
+                <a:effectLst/>
+                <a:latin typeface="Segoe UI" panose="020B0502040204020203" pitchFamily="34" charset="0"/>
+                <a:cs typeface="Segoe UI" panose="020B0502040204020203" pitchFamily="34" charset="0"/>
+              </a:rPr>
+              <a:t>Crear organizaciones y administrarlas.</a:t>
+            </a:r>
+          </a:p>
+          <a:p>
+            <a:pPr marL="0" marR="0" lvl="0" indent="0" algn="l" defTabSz="914377" rtl="0" eaLnBrk="1" fontAlgn="auto" latinLnBrk="0" hangingPunct="1">
+              <a:lnSpc>
+                <a:spcPct val="100000"/>
+              </a:lnSpc>
+              <a:spcBef>
+                <a:spcPts val="0"/>
+              </a:spcBef>
+              <a:spcAft>
+                <a:spcPts val="0"/>
+              </a:spcAft>
+              <a:buClrTx/>
+              <a:buSzTx/>
+              <a:buFontTx/>
+              <a:buNone/>
+              <a:tabLst/>
+              <a:defRPr/>
+            </a:pPr>
+            <a:r>
+              <a:rPr lang="es-CO" sz="1200" b="0" u="none" strike="noStrike" dirty="0">
+                <a:solidFill>
+                  <a:srgbClr val="24292F"/>
+                </a:solidFill>
+                <a:effectLst/>
+                <a:latin typeface="Segoe UI" panose="020B0502040204020203" pitchFamily="34" charset="0"/>
+                <a:cs typeface="Segoe UI" panose="020B0502040204020203" pitchFamily="34" charset="0"/>
+              </a:rPr>
+              <a:t>Clonar repositorios públicos entre usuarios y organizaciones.</a:t>
+            </a:r>
+          </a:p>
+          <a:p>
+            <a:pPr marL="0" marR="0" lvl="0" indent="0" algn="l" defTabSz="914377" rtl="0" eaLnBrk="1" fontAlgn="auto" latinLnBrk="0" hangingPunct="1">
+              <a:lnSpc>
+                <a:spcPct val="100000"/>
+              </a:lnSpc>
+              <a:spcBef>
+                <a:spcPts val="0"/>
+              </a:spcBef>
+              <a:spcAft>
+                <a:spcPts val="0"/>
+              </a:spcAft>
+              <a:buClrTx/>
+              <a:buSzTx/>
+              <a:buFontTx/>
+              <a:buNone/>
+              <a:tabLst/>
+              <a:defRPr/>
+            </a:pPr>
+            <a:r>
+              <a:rPr lang="es-CO" sz="1200" b="0" u="none" strike="noStrike" dirty="0">
+                <a:solidFill>
+                  <a:srgbClr val="24292F"/>
+                </a:solidFill>
+                <a:effectLst/>
+                <a:latin typeface="Segoe UI" panose="020B0502040204020203" pitchFamily="34" charset="0"/>
+                <a:cs typeface="Segoe UI" panose="020B0502040204020203" pitchFamily="34" charset="0"/>
+              </a:rPr>
+              <a:t>Buscar y descargar directamente repositorios públicos sin necesidad de un registro de usuario.</a:t>
+            </a:r>
+          </a:p>
+          <a:p>
+            <a:pPr marL="0" marR="0" lvl="0" indent="0" algn="l" defTabSz="914377" rtl="0" eaLnBrk="1" fontAlgn="auto" latinLnBrk="0" hangingPunct="1">
+              <a:lnSpc>
+                <a:spcPct val="100000"/>
+              </a:lnSpc>
+              <a:spcBef>
+                <a:spcPts val="0"/>
+              </a:spcBef>
+              <a:spcAft>
+                <a:spcPts val="0"/>
+              </a:spcAft>
+              <a:buClrTx/>
+              <a:buSzTx/>
+              <a:buFontTx/>
+              <a:buNone/>
+              <a:tabLst/>
+              <a:defRPr/>
+            </a:pPr>
+            <a:r>
+              <a:rPr lang="es-CO" sz="1200" b="0" u="none" strike="noStrike" dirty="0">
+                <a:solidFill>
+                  <a:srgbClr val="24292F"/>
+                </a:solidFill>
+                <a:effectLst/>
+                <a:latin typeface="Segoe UI" panose="020B0502040204020203" pitchFamily="34" charset="0"/>
+                <a:cs typeface="Segoe UI" panose="020B0502040204020203" pitchFamily="34" charset="0"/>
+              </a:rPr>
+              <a:t>Realizar cargues masivos de archivos inferiores a 100 MB utilizando cuentas libres.</a:t>
+            </a:r>
+          </a:p>
+          <a:p>
+            <a:pPr marL="0" marR="0" lvl="0" indent="0" algn="l" defTabSz="914377" rtl="0" eaLnBrk="1" fontAlgn="auto" latinLnBrk="0" hangingPunct="1">
+              <a:lnSpc>
+                <a:spcPct val="100000"/>
+              </a:lnSpc>
+              <a:spcBef>
+                <a:spcPts val="0"/>
+              </a:spcBef>
+              <a:spcAft>
+                <a:spcPts val="0"/>
+              </a:spcAft>
+              <a:buClrTx/>
+              <a:buSzTx/>
+              <a:buFontTx/>
+              <a:buNone/>
+              <a:tabLst/>
+              <a:defRPr/>
+            </a:pPr>
+            <a:r>
+              <a:rPr lang="es-CO" sz="1200" b="0" u="none" strike="noStrike" dirty="0">
+                <a:solidFill>
+                  <a:srgbClr val="24292F"/>
+                </a:solidFill>
+                <a:effectLst/>
+                <a:latin typeface="Segoe UI" panose="020B0502040204020203" pitchFamily="34" charset="0"/>
+                <a:cs typeface="Segoe UI" panose="020B0502040204020203" pitchFamily="34" charset="0"/>
+              </a:rPr>
+              <a:t>Gestionar localmente tus repositorio utilizando herramientas desktop.</a:t>
+            </a:r>
+            <a:endParaRPr lang="es-CO" sz="1200" b="0" i="0" u="none" strike="noStrike" dirty="0">
+              <a:solidFill>
+                <a:srgbClr val="24292F"/>
+              </a:solidFill>
+              <a:effectLst/>
+              <a:latin typeface="Segoe UI" panose="020B0502040204020203" pitchFamily="34" charset="0"/>
+              <a:cs typeface="Segoe UI" panose="020B0502040204020203" pitchFamily="34" charset="0"/>
+            </a:endParaRPr>
+          </a:p>
+          <a:p>
+            <a:pPr marL="0" marR="0" lvl="0" indent="0" algn="l" defTabSz="914377" rtl="0" eaLnBrk="1" fontAlgn="auto" latinLnBrk="0" hangingPunct="1">
+              <a:lnSpc>
+                <a:spcPct val="100000"/>
+              </a:lnSpc>
+              <a:spcBef>
+                <a:spcPts val="0"/>
+              </a:spcBef>
+              <a:spcAft>
+                <a:spcPts val="0"/>
+              </a:spcAft>
+              <a:buClrTx/>
+              <a:buSzTx/>
+              <a:buFontTx/>
+              <a:buNone/>
+              <a:tabLst/>
+              <a:defRPr/>
+            </a:pPr>
+            <a:r>
+              <a:rPr lang="es-CO" sz="1200" b="0" u="none" strike="noStrike" dirty="0">
+                <a:solidFill>
+                  <a:srgbClr val="24292F"/>
+                </a:solidFill>
+                <a:effectLst/>
+                <a:latin typeface="Segoe UI" panose="020B0502040204020203" pitchFamily="34" charset="0"/>
+                <a:cs typeface="Segoe UI" panose="020B0502040204020203" pitchFamily="34" charset="0"/>
+              </a:rPr>
+              <a:t>Crear entornos de discusión para cada repositorio público.</a:t>
+            </a:r>
+          </a:p>
+          <a:p>
+            <a:pPr marL="0" marR="0" lvl="0" indent="0" algn="l" defTabSz="914377" rtl="0" eaLnBrk="1" fontAlgn="auto" latinLnBrk="0" hangingPunct="1">
+              <a:lnSpc>
+                <a:spcPct val="100000"/>
+              </a:lnSpc>
+              <a:spcBef>
+                <a:spcPts val="0"/>
+              </a:spcBef>
+              <a:spcAft>
+                <a:spcPts val="0"/>
+              </a:spcAft>
+              <a:buClrTx/>
+              <a:buSzTx/>
+              <a:buFontTx/>
+              <a:buNone/>
+              <a:tabLst/>
+              <a:defRPr/>
+            </a:pPr>
+            <a:r>
+              <a:rPr lang="es-CO" sz="1200" b="0" u="none" strike="noStrike" dirty="0">
+                <a:solidFill>
+                  <a:srgbClr val="24292F"/>
+                </a:solidFill>
+                <a:effectLst/>
+                <a:latin typeface="Segoe UI" panose="020B0502040204020203" pitchFamily="34" charset="0"/>
+                <a:cs typeface="Segoe UI" panose="020B0502040204020203" pitchFamily="34" charset="0"/>
+              </a:rPr>
+              <a:t>Realizar el llamado de recursos entre repositorios.</a:t>
+            </a:r>
+          </a:p>
+          <a:p>
+            <a:pPr marL="0" marR="0" lvl="0" indent="0" algn="l" defTabSz="914377" rtl="0" eaLnBrk="1" fontAlgn="auto" latinLnBrk="0" hangingPunct="1">
+              <a:lnSpc>
+                <a:spcPct val="100000"/>
+              </a:lnSpc>
+              <a:spcBef>
+                <a:spcPts val="0"/>
+              </a:spcBef>
+              <a:spcAft>
+                <a:spcPts val="0"/>
+              </a:spcAft>
+              <a:buClrTx/>
+              <a:buSzTx/>
+              <a:buFontTx/>
+              <a:buNone/>
+              <a:tabLst/>
+              <a:defRPr/>
+            </a:pPr>
+            <a:r>
+              <a:rPr lang="es-CO" sz="1200" b="0" u="none" strike="noStrike" dirty="0">
+                <a:solidFill>
+                  <a:srgbClr val="24292F"/>
+                </a:solidFill>
+                <a:effectLst/>
+                <a:latin typeface="Segoe UI" panose="020B0502040204020203" pitchFamily="34" charset="0"/>
+                <a:cs typeface="Segoe UI" panose="020B0502040204020203" pitchFamily="34" charset="0"/>
+              </a:rPr>
+              <a:t>Instalar la aplicación móvil oficial, para utilizar las opciones básicas de edición, discusión, asuntos y notificaciones.</a:t>
+            </a:r>
+            <a:endParaRPr lang="es-CO" sz="1200" b="0" i="0" u="none" strike="noStrike" dirty="0">
+              <a:solidFill>
+                <a:srgbClr val="24292F"/>
+              </a:solidFill>
+              <a:effectLst/>
+              <a:latin typeface="Segoe UI" panose="020B0502040204020203" pitchFamily="34" charset="0"/>
+              <a:cs typeface="Segoe UI" panose="020B0502040204020203" pitchFamily="34" charset="0"/>
+            </a:endParaRPr>
+          </a:p>
+          <a:p>
+            <a:pPr marL="0" marR="0" lvl="0" indent="0" algn="l" defTabSz="914377" rtl="0" eaLnBrk="1" fontAlgn="auto" latinLnBrk="0" hangingPunct="1">
+              <a:lnSpc>
+                <a:spcPct val="100000"/>
+              </a:lnSpc>
+              <a:spcBef>
+                <a:spcPts val="0"/>
+              </a:spcBef>
+              <a:spcAft>
+                <a:spcPts val="0"/>
+              </a:spcAft>
+              <a:buClrTx/>
+              <a:buSzTx/>
+              <a:buFontTx/>
+              <a:buNone/>
+              <a:tabLst/>
+              <a:defRPr/>
+            </a:pPr>
+            <a:endParaRPr lang="es-CO" sz="1200" b="0" i="0" u="none" strike="noStrike" dirty="0">
+              <a:solidFill>
+                <a:srgbClr val="24292F"/>
+              </a:solidFill>
+              <a:effectLst/>
+              <a:latin typeface="Segoe UI" panose="020B0502040204020203" pitchFamily="34" charset="0"/>
+              <a:cs typeface="Segoe UI" panose="020B0502040204020203" pitchFamily="34" charset="0"/>
+            </a:endParaRPr>
+          </a:p>
+          <a:p>
+            <a:r>
+              <a:rPr lang="es-CO" b="0" i="0" dirty="0">
+                <a:solidFill>
+                  <a:srgbClr val="57606A"/>
+                </a:solidFill>
+                <a:effectLst/>
+                <a:latin typeface="-apple-system"/>
+              </a:rPr>
+              <a:t>Los requerimientos presentados en la tabla anterior han sido definidos por </a:t>
+            </a:r>
+            <a:r>
+              <a:rPr lang="es-CO" b="0" i="0" dirty="0" err="1">
+                <a:solidFill>
+                  <a:srgbClr val="57606A"/>
+                </a:solidFill>
+                <a:effectLst/>
+                <a:latin typeface="-apple-system"/>
+              </a:rPr>
+              <a:t>rcfdtools</a:t>
+            </a:r>
+            <a:r>
+              <a:rPr lang="es-CO" b="0" i="0" dirty="0">
+                <a:solidFill>
+                  <a:srgbClr val="57606A"/>
+                </a:solidFill>
+                <a:effectLst/>
+                <a:latin typeface="-apple-system"/>
+              </a:rPr>
+              <a:t>, y su validación puede cambiar debido a los ajustes en las políticas propias de cada plataforma.</a:t>
+            </a:r>
             <a:endParaRPr lang="es-CO" sz="1200" b="0" i="0" dirty="0">
               <a:solidFill>
                 <a:srgbClr val="24292F"/>
@@ -1378,6 +2501,16 @@
             </a:endParaRPr>
           </a:p>
           <a:p>
+            <a:endParaRPr lang="es-CO" sz="1200" b="0" i="0" dirty="0">
+              <a:solidFill>
+                <a:srgbClr val="24292F"/>
+              </a:solidFill>
+              <a:effectLst/>
+              <a:latin typeface="-apple-system"/>
+              <a:cs typeface="Segoe UI Light" panose="020B0502040204020203" pitchFamily="34" charset="0"/>
+            </a:endParaRPr>
+          </a:p>
+          <a:p>
             <a:r>
               <a:rPr lang="es-CO" b="0" i="0" dirty="0">
                 <a:solidFill>
@@ -1386,7 +2519,7 @@
                 <a:effectLst/>
                 <a:latin typeface="-apple-system"/>
               </a:rPr>
-              <a:t>De acuerdo a la cobertura en los requerimientos indicados, la plataforma para el desarrollo de contenidos por desarrollo colaborativo orientado a educación e investigación es GitHub.</a:t>
+              <a:t>De acuerdo a la cobertura en los requerimientos indicados, la plataforma para la creación de contenidos por desarrollo colaborativo orientado a educación e investigación que utilizaremos para el desarrollo de esta guía, es GitHub.</a:t>
             </a:r>
             <a:endParaRPr lang="es-CO" sz="1200" b="0" i="0" dirty="0">
               <a:solidFill>
@@ -2416,13 +3549,8 @@
             </a:r>
             <a:r>
               <a:rPr lang="en-US" dirty="0"/>
-              <a:t> o </a:t>
-            </a:r>
-            <a:r>
-              <a:rPr lang="en-US"/>
-              <a:t>IDE Visual Studio Code de Microsoft.</a:t>
-            </a:r>
-            <a:endParaRPr lang="en-US" dirty="0"/>
+              <a:t> o IDE Visual Studio Code de Microsoft.</a:t>
+            </a:r>
           </a:p>
           <a:p>
             <a:endParaRPr lang="es-CO" dirty="0"/>
@@ -3192,7 +4320,30 @@
                 <a:latin typeface="Segoe UI Light" panose="020B0502040204020203" pitchFamily="34" charset="0"/>
                 <a:cs typeface="Segoe UI Light" panose="020B0502040204020203" pitchFamily="34" charset="0"/>
               </a:rPr>
-              <a:t>El desarrollo colaborativo se refiere al proceso de creación de contenidos académicos y científicos a través de la interacción simultánea de más de una persona para alcanzar uno o varios objetivos comunes; es así como programadores, investigadores y educadores colaboran entre ellos para obtener un producto de calidad que puede ser un software, una investigación, un curso, un programa académico o un libro electrónico, entre otros. No existe una manera única en que esta interacción se lleve a cabo debido a que el desarrollo colaborativo es un concepto amplio que se puede abordar desde diferentes perspectivas.</a:t>
+              <a:t>¿Qué es el desarrollo colaborativo?</a:t>
+            </a:r>
+          </a:p>
+          <a:p>
+            <a:endParaRPr lang="es-CO" sz="1000" b="0" i="0" dirty="0">
+              <a:solidFill>
+                <a:srgbClr val="24292F"/>
+              </a:solidFill>
+              <a:effectLst/>
+              <a:latin typeface="Segoe UI Light" panose="020B0502040204020203" pitchFamily="34" charset="0"/>
+              <a:cs typeface="Segoe UI Light" panose="020B0502040204020203" pitchFamily="34" charset="0"/>
+            </a:endParaRPr>
+          </a:p>
+          <a:p>
+            <a:r>
+              <a:rPr lang="es-CO" sz="1000" b="0" i="0" dirty="0">
+                <a:solidFill>
+                  <a:srgbClr val="24292F"/>
+                </a:solidFill>
+                <a:effectLst/>
+                <a:latin typeface="Segoe UI Light" panose="020B0502040204020203" pitchFamily="34" charset="0"/>
+                <a:cs typeface="Segoe UI Light" panose="020B0502040204020203" pitchFamily="34" charset="0"/>
+              </a:rPr>
+              <a:t>El desarrollo colaborativo se refiere al proceso de creación de contenidos académicos y científicos a través de la interacción simultánea de más de una persona para alcanzar uno o varios objetivos comunes; es así como programadores, investigadores y educadores (denominados en esta guía como “creadores de contenido”), colaboran entre ellos para obtener un producto de calidad que puede ser un software, una investigación, un curso, un programa académico o un libro electrónico, entre otros. No existe una manera única en que esta interacción se lleve a cabo debido a que el desarrollo colaborativo es un concepto amplio que se puede abordar desde diferentes perspectivas.</a:t>
             </a:r>
             <a:endParaRPr lang="es-CO" sz="1000" dirty="0">
               <a:latin typeface="Segoe UI Light" panose="020B0502040204020203" pitchFamily="34" charset="0"/>
@@ -3291,6 +4442,29 @@
                 <a:effectLst/>
                 <a:latin typeface="-apple-system"/>
               </a:rPr>
+              <a:t>Creación de contenidos de forma individual o colectiva</a:t>
+            </a:r>
+          </a:p>
+          <a:p>
+            <a:pPr algn="l"/>
+            <a:endParaRPr lang="es-CO" sz="1200" b="0" i="0" dirty="0">
+              <a:solidFill>
+                <a:srgbClr val="24292F"/>
+              </a:solidFill>
+              <a:effectLst/>
+              <a:latin typeface="-apple-system"/>
+            </a:endParaRPr>
+          </a:p>
+          <a:p>
+            <a:pPr algn="l"/>
+            <a:r>
+              <a:rPr lang="es-CO" sz="1200" b="0" i="0" dirty="0">
+                <a:solidFill>
+                  <a:srgbClr val="24292F"/>
+                </a:solidFill>
+                <a:effectLst/>
+                <a:latin typeface="-apple-system"/>
+              </a:rPr>
               <a:t>Tradicionalmente, pensamos que la creación de contenidos académicos y científicos se puede realizar de manera individual y aislada de otras personas; incluso, la formación profesional que recibimos en las aulas privilegia en cierto sentido esta modalidad. Es verdad que existen tareas que se pueden desarrollar en solitario, especialmente cuando se trabaja en la producción científica de trabajos de investigación y/o profundización con un alcance particular; sin embargo, cuando el nivel de dificultad de la investigación o los contenidos de los </a:t>
             </a:r>
             <a:r>
@@ -3418,7 +4592,7 @@
                 <a:effectLst/>
                 <a:latin typeface="-apple-system"/>
               </a:rPr>
-              <a:t>Los contenidos producidos combinan la experticia de los integrantes del equipo de trabajo, de la facultad o el programa académico, del grupo de investigación o del centro de estudios al cual pertenecen.</a:t>
+              <a:t>Beneficios de trabajar colaborativamente</a:t>
             </a:r>
           </a:p>
           <a:p>
@@ -3426,16 +4600,13 @@
               <a:buFont typeface="Arial" panose="020B0604020202020204" pitchFamily="34" charset="0"/>
               <a:buNone/>
             </a:pPr>
-            <a:r>
-              <a:rPr lang="es-CO" b="0" i="0" dirty="0">
-                <a:solidFill>
-                  <a:srgbClr val="24292F"/>
-                </a:solidFill>
-                <a:effectLst/>
-                <a:latin typeface="-apple-system"/>
-              </a:rPr>
-              <a:t>Creación de redes colaborativas donde los repositorios de los grupos o centros es abierta y compartida dentro de los miembros de la institución y otras instituciones y comunidades científicas.</a:t>
-            </a:r>
+            <a:endParaRPr lang="es-CO" b="0" i="0" dirty="0">
+              <a:solidFill>
+                <a:srgbClr val="24292F"/>
+              </a:solidFill>
+              <a:effectLst/>
+              <a:latin typeface="-apple-system"/>
+            </a:endParaRPr>
           </a:p>
           <a:p>
             <a:pPr algn="l">
@@ -3443,14 +4614,8 @@
               <a:buNone/>
             </a:pPr>
             <a:r>
-              <a:rPr lang="es-CO" b="0" i="0" dirty="0">
-                <a:solidFill>
-                  <a:srgbClr val="24292F"/>
-                </a:solidFill>
-                <a:effectLst/>
-                <a:latin typeface="-apple-system"/>
-              </a:rPr>
-              <a:t>Interacción directa entre grupos, profesores y estudiantes a través de discusiones.</a:t>
+              <a:rPr lang="es-CO" dirty="0"/>
+              <a:t>Los contenidos producidos combinan la experticia de los integrantes del equipo de trabajo, de la facultad o el programa académico, del grupo de investigación o del centro de estudios al cual pertenecen.</a:t>
             </a:r>
           </a:p>
           <a:p>
@@ -3458,16 +4623,13 @@
               <a:buFont typeface="Arial" panose="020B0604020202020204" pitchFamily="34" charset="0"/>
               <a:buNone/>
             </a:pPr>
-            <a:r>
-              <a:rPr lang="es-CO" b="0" i="0" dirty="0">
-                <a:solidFill>
-                  <a:srgbClr val="24292F"/>
-                </a:solidFill>
-                <a:effectLst/>
-                <a:latin typeface="-apple-system"/>
-              </a:rPr>
-              <a:t>Facilidad de desarrollo en la solución de casos de estudio debido a que los miembros de la red pueden plantear diferentes formas de abordar el problema y se pueden obtener múltiples soluciones.</a:t>
-            </a:r>
+            <a:endParaRPr lang="es-CO" b="0" i="0" dirty="0">
+              <a:solidFill>
+                <a:srgbClr val="24292F"/>
+              </a:solidFill>
+              <a:effectLst/>
+              <a:latin typeface="-apple-system"/>
+            </a:endParaRPr>
           </a:p>
           <a:p>
             <a:pPr algn="l">
@@ -3482,8 +4644,108 @@
                 <a:effectLst/>
                 <a:latin typeface="-apple-system"/>
               </a:rPr>
-              <a:t>El conocimiento compartido facilita los procesos de enseñanza y aprendizaje debido a que una vez se cuenta con la línea base de conocimiento, los miembros del equipo buscan nuevas formas de transmitir este conocimiento de una forma más asertiva.</a:t>
-            </a:r>
+              <a:t>Creación de redes colaborativas, donde los repositorios de los grupos o centros es abierta y compartida dentro de los miembros de la institución, otras instituciones y comunidades científicas.</a:t>
+            </a:r>
+          </a:p>
+          <a:p>
+            <a:pPr algn="l">
+              <a:buFont typeface="Arial" panose="020B0604020202020204" pitchFamily="34" charset="0"/>
+              <a:buNone/>
+            </a:pPr>
+            <a:endParaRPr lang="es-CO" b="0" i="0" dirty="0">
+              <a:solidFill>
+                <a:srgbClr val="24292F"/>
+              </a:solidFill>
+              <a:effectLst/>
+              <a:latin typeface="-apple-system"/>
+            </a:endParaRPr>
+          </a:p>
+          <a:p>
+            <a:pPr algn="l">
+              <a:buFont typeface="Arial" panose="020B0604020202020204" pitchFamily="34" charset="0"/>
+              <a:buNone/>
+            </a:pPr>
+            <a:r>
+              <a:rPr lang="es-CO" b="0" i="0" dirty="0">
+                <a:solidFill>
+                  <a:srgbClr val="24292F"/>
+                </a:solidFill>
+                <a:effectLst/>
+                <a:latin typeface="-apple-system"/>
+              </a:rPr>
+              <a:t>Interacción directa entre grupos, profesores y estudiantes a través de discusiones.</a:t>
+            </a:r>
+          </a:p>
+          <a:p>
+            <a:pPr algn="l">
+              <a:buFont typeface="Arial" panose="020B0604020202020204" pitchFamily="34" charset="0"/>
+              <a:buNone/>
+            </a:pPr>
+            <a:endParaRPr lang="es-CO" b="0" i="0" dirty="0">
+              <a:solidFill>
+                <a:srgbClr val="24292F"/>
+              </a:solidFill>
+              <a:effectLst/>
+              <a:latin typeface="-apple-system"/>
+            </a:endParaRPr>
+          </a:p>
+          <a:p>
+            <a:pPr algn="l">
+              <a:buFont typeface="Arial" panose="020B0604020202020204" pitchFamily="34" charset="0"/>
+              <a:buNone/>
+            </a:pPr>
+            <a:r>
+              <a:rPr lang="es-CO" b="0" i="0" dirty="0">
+                <a:solidFill>
+                  <a:srgbClr val="24292F"/>
+                </a:solidFill>
+                <a:effectLst/>
+                <a:latin typeface="-apple-system"/>
+              </a:rPr>
+              <a:t>Facilidad de integración en la solución de casos de estudio, debido a que los miembros de la red pueden plantear diferentes formas de abordar el problema y se pueden obtener múltiples soluciones.</a:t>
+            </a:r>
+          </a:p>
+          <a:p>
+            <a:pPr algn="l">
+              <a:buFont typeface="Arial" panose="020B0604020202020204" pitchFamily="34" charset="0"/>
+              <a:buNone/>
+            </a:pPr>
+            <a:endParaRPr lang="es-CO" b="0" i="0" dirty="0">
+              <a:solidFill>
+                <a:srgbClr val="24292F"/>
+              </a:solidFill>
+              <a:effectLst/>
+              <a:latin typeface="-apple-system"/>
+            </a:endParaRPr>
+          </a:p>
+          <a:p>
+            <a:pPr algn="l">
+              <a:buFont typeface="Arial" panose="020B0604020202020204" pitchFamily="34" charset="0"/>
+              <a:buNone/>
+            </a:pPr>
+            <a:r>
+              <a:rPr lang="es-CO" b="0" i="0" dirty="0">
+                <a:solidFill>
+                  <a:srgbClr val="24292F"/>
+                </a:solidFill>
+                <a:effectLst/>
+                <a:latin typeface="-apple-system"/>
+              </a:rPr>
+              <a:t>El conocimiento compartido facilita los procesos de enseñanza y aprendizaje debido a que una vez se cuenta con la línea base del conocimiento, los miembros del equipo buscan nuevas formas de transmitir este conocimiento de una forma más asertiva.</a:t>
+            </a:r>
+          </a:p>
+          <a:p>
+            <a:pPr algn="l">
+              <a:buFont typeface="Arial" panose="020B0604020202020204" pitchFamily="34" charset="0"/>
+              <a:buNone/>
+            </a:pPr>
+            <a:endParaRPr lang="es-CO" b="0" i="0" dirty="0">
+              <a:solidFill>
+                <a:srgbClr val="24292F"/>
+              </a:solidFill>
+              <a:effectLst/>
+              <a:latin typeface="-apple-system"/>
+            </a:endParaRPr>
           </a:p>
           <a:p>
             <a:r>
@@ -3593,8 +4855,319 @@
                 <a:effectLst/>
                 <a:latin typeface="-apple-system"/>
               </a:rPr>
-              <a:t>La cooperación y colaboración son elementos vitales en el desarrollo de procesos creativos y producción de conocimiento.</a:t>
-            </a:r>
+              <a:t>La cooperación y la colaboración son elementos vitales en el desarrollo de procesos creativos y producción de contenidos, debido a que:</a:t>
+            </a:r>
+          </a:p>
+          <a:p>
+            <a:pPr algn="l">
+              <a:buFont typeface="Arial" panose="020B0604020202020204" pitchFamily="34" charset="0"/>
+              <a:buNone/>
+            </a:pPr>
+            <a:endParaRPr lang="es-CO" sz="1200" b="0" i="0" dirty="0">
+              <a:solidFill>
+                <a:srgbClr val="24292F"/>
+              </a:solidFill>
+              <a:effectLst/>
+              <a:latin typeface="-apple-system"/>
+              <a:cs typeface="Segoe UI Light" panose="020B0502040204020203" pitchFamily="34" charset="0"/>
+            </a:endParaRPr>
+          </a:p>
+          <a:p>
+            <a:pPr algn="l">
+              <a:buFont typeface="Arial" panose="020B0604020202020204" pitchFamily="34" charset="0"/>
+              <a:buNone/>
+            </a:pPr>
+            <a:r>
+              <a:rPr lang="es-CO" sz="1200" b="0" i="0" dirty="0">
+                <a:solidFill>
+                  <a:srgbClr val="24292F"/>
+                </a:solidFill>
+                <a:effectLst/>
+                <a:latin typeface="-apple-system"/>
+                <a:cs typeface="Segoe UI Light" panose="020B0502040204020203" pitchFamily="34" charset="0"/>
+              </a:rPr>
+              <a:t>La cooperación requiere de respeto mutuo, mientras que la colaboración incentiva la confianza mutua.</a:t>
+            </a:r>
+          </a:p>
+          <a:p>
+            <a:pPr marL="0" marR="0" lvl="0" indent="0" algn="l" defTabSz="914377" rtl="0" eaLnBrk="1" fontAlgn="auto" latinLnBrk="0" hangingPunct="1">
+              <a:lnSpc>
+                <a:spcPct val="100000"/>
+              </a:lnSpc>
+              <a:spcBef>
+                <a:spcPts val="0"/>
+              </a:spcBef>
+              <a:spcAft>
+                <a:spcPts val="0"/>
+              </a:spcAft>
+              <a:buClrTx/>
+              <a:buSzTx/>
+              <a:buFont typeface="Arial" panose="020B0604020202020204" pitchFamily="34" charset="0"/>
+              <a:buNone/>
+              <a:tabLst/>
+              <a:defRPr/>
+            </a:pPr>
+            <a:endParaRPr lang="es-CO" sz="1200" b="0" i="0" dirty="0">
+              <a:solidFill>
+                <a:srgbClr val="24292F"/>
+              </a:solidFill>
+              <a:effectLst/>
+              <a:latin typeface="-apple-system"/>
+              <a:cs typeface="Segoe UI Light" panose="020B0502040204020203" pitchFamily="34" charset="0"/>
+            </a:endParaRPr>
+          </a:p>
+          <a:p>
+            <a:pPr marL="0" marR="0" lvl="0" indent="0" algn="l" defTabSz="914377" rtl="0" eaLnBrk="1" fontAlgn="auto" latinLnBrk="0" hangingPunct="1">
+              <a:lnSpc>
+                <a:spcPct val="100000"/>
+              </a:lnSpc>
+              <a:spcBef>
+                <a:spcPts val="0"/>
+              </a:spcBef>
+              <a:spcAft>
+                <a:spcPts val="0"/>
+              </a:spcAft>
+              <a:buClrTx/>
+              <a:buSzTx/>
+              <a:buFont typeface="Arial" panose="020B0604020202020204" pitchFamily="34" charset="0"/>
+              <a:buNone/>
+              <a:tabLst/>
+              <a:defRPr/>
+            </a:pPr>
+            <a:r>
+              <a:rPr lang="es-CO" sz="1200" b="0" i="0" dirty="0">
+                <a:solidFill>
+                  <a:srgbClr val="24292F"/>
+                </a:solidFill>
+                <a:effectLst/>
+                <a:latin typeface="-apple-system"/>
+                <a:cs typeface="Segoe UI Light" panose="020B0502040204020203" pitchFamily="34" charset="0"/>
+              </a:rPr>
+              <a:t>La cooperación requiere de transparencia, mientras que la colaboración permite conocer las vulnerabilidades y fortalezas de los miembros del equipo.</a:t>
+            </a:r>
+          </a:p>
+          <a:p>
+            <a:pPr marL="0" marR="0" lvl="0" indent="0" algn="l" defTabSz="914377" rtl="0" eaLnBrk="1" fontAlgn="auto" latinLnBrk="0" hangingPunct="1">
+              <a:lnSpc>
+                <a:spcPct val="100000"/>
+              </a:lnSpc>
+              <a:spcBef>
+                <a:spcPts val="0"/>
+              </a:spcBef>
+              <a:spcAft>
+                <a:spcPts val="0"/>
+              </a:spcAft>
+              <a:buClrTx/>
+              <a:buSzTx/>
+              <a:buFont typeface="Arial" panose="020B0604020202020204" pitchFamily="34" charset="0"/>
+              <a:buNone/>
+              <a:tabLst/>
+              <a:defRPr/>
+            </a:pPr>
+            <a:endParaRPr lang="es-CO" sz="1200" b="0" i="0" dirty="0">
+              <a:solidFill>
+                <a:srgbClr val="24292F"/>
+              </a:solidFill>
+              <a:effectLst/>
+              <a:latin typeface="-apple-system"/>
+              <a:cs typeface="Segoe UI Light" panose="020B0502040204020203" pitchFamily="34" charset="0"/>
+            </a:endParaRPr>
+          </a:p>
+          <a:p>
+            <a:pPr marL="0" marR="0" lvl="0" indent="0" algn="l" defTabSz="914377" rtl="0" eaLnBrk="1" fontAlgn="auto" latinLnBrk="0" hangingPunct="1">
+              <a:lnSpc>
+                <a:spcPct val="100000"/>
+              </a:lnSpc>
+              <a:spcBef>
+                <a:spcPts val="0"/>
+              </a:spcBef>
+              <a:spcAft>
+                <a:spcPts val="0"/>
+              </a:spcAft>
+              <a:buClrTx/>
+              <a:buSzTx/>
+              <a:buFont typeface="Arial" panose="020B0604020202020204" pitchFamily="34" charset="0"/>
+              <a:buNone/>
+              <a:tabLst/>
+              <a:defRPr/>
+            </a:pPr>
+            <a:r>
+              <a:rPr lang="es-CO" sz="1200" b="0" i="0" dirty="0">
+                <a:solidFill>
+                  <a:srgbClr val="24292F"/>
+                </a:solidFill>
+                <a:effectLst/>
+                <a:latin typeface="-apple-system"/>
+                <a:cs typeface="Segoe UI Light" panose="020B0502040204020203" pitchFamily="34" charset="0"/>
+              </a:rPr>
+              <a:t>La cooperación incluye ideas compartidas, mientras que la colaboración estimula los valores compartidos.</a:t>
+            </a:r>
+          </a:p>
+          <a:p>
+            <a:pPr marL="0" marR="0" lvl="0" indent="0" algn="l" defTabSz="914377" rtl="0" eaLnBrk="1" fontAlgn="auto" latinLnBrk="0" hangingPunct="1">
+              <a:lnSpc>
+                <a:spcPct val="100000"/>
+              </a:lnSpc>
+              <a:spcBef>
+                <a:spcPts val="0"/>
+              </a:spcBef>
+              <a:spcAft>
+                <a:spcPts val="0"/>
+              </a:spcAft>
+              <a:buClrTx/>
+              <a:buSzTx/>
+              <a:buFont typeface="Arial" panose="020B0604020202020204" pitchFamily="34" charset="0"/>
+              <a:buNone/>
+              <a:tabLst/>
+              <a:defRPr/>
+            </a:pPr>
+            <a:endParaRPr lang="es-CO" sz="1200" b="0" i="0" dirty="0">
+              <a:solidFill>
+                <a:srgbClr val="24292F"/>
+              </a:solidFill>
+              <a:effectLst/>
+              <a:latin typeface="-apple-system"/>
+              <a:cs typeface="Segoe UI Light" panose="020B0502040204020203" pitchFamily="34" charset="0"/>
+            </a:endParaRPr>
+          </a:p>
+          <a:p>
+            <a:pPr marL="0" marR="0" lvl="0" indent="0" algn="l" defTabSz="914377" rtl="0" eaLnBrk="1" fontAlgn="auto" latinLnBrk="0" hangingPunct="1">
+              <a:lnSpc>
+                <a:spcPct val="100000"/>
+              </a:lnSpc>
+              <a:spcBef>
+                <a:spcPts val="0"/>
+              </a:spcBef>
+              <a:spcAft>
+                <a:spcPts val="0"/>
+              </a:spcAft>
+              <a:buClrTx/>
+              <a:buSzTx/>
+              <a:buFont typeface="Arial" panose="020B0604020202020204" pitchFamily="34" charset="0"/>
+              <a:buNone/>
+              <a:tabLst/>
+              <a:defRPr/>
+            </a:pPr>
+            <a:r>
+              <a:rPr lang="es-CO" sz="1200" b="0" i="0" dirty="0">
+                <a:solidFill>
+                  <a:srgbClr val="24292F"/>
+                </a:solidFill>
+                <a:effectLst/>
+                <a:latin typeface="-apple-system"/>
+                <a:cs typeface="Segoe UI Light" panose="020B0502040204020203" pitchFamily="34" charset="0"/>
+              </a:rPr>
+              <a:t>En la cooperación existe independencia en los miembros del equipo, mientras que en la colaboración se crea y propicia la interdependencia entre ellos.</a:t>
+            </a:r>
+          </a:p>
+          <a:p>
+            <a:pPr marL="0" marR="0" lvl="0" indent="0" algn="l" defTabSz="914377" rtl="0" eaLnBrk="1" fontAlgn="auto" latinLnBrk="0" hangingPunct="1">
+              <a:lnSpc>
+                <a:spcPct val="100000"/>
+              </a:lnSpc>
+              <a:spcBef>
+                <a:spcPts val="0"/>
+              </a:spcBef>
+              <a:spcAft>
+                <a:spcPts val="0"/>
+              </a:spcAft>
+              <a:buClrTx/>
+              <a:buSzTx/>
+              <a:buFont typeface="Arial" panose="020B0604020202020204" pitchFamily="34" charset="0"/>
+              <a:buNone/>
+              <a:tabLst/>
+              <a:defRPr/>
+            </a:pPr>
+            <a:endParaRPr lang="es-CO" sz="1200" b="0" i="0" dirty="0">
+              <a:solidFill>
+                <a:srgbClr val="24292F"/>
+              </a:solidFill>
+              <a:effectLst/>
+              <a:latin typeface="-apple-system"/>
+              <a:cs typeface="Segoe UI Light" panose="020B0502040204020203" pitchFamily="34" charset="0"/>
+            </a:endParaRPr>
+          </a:p>
+          <a:p>
+            <a:pPr algn="l">
+              <a:buFont typeface="Arial" panose="020B0604020202020204" pitchFamily="34" charset="0"/>
+              <a:buNone/>
+            </a:pPr>
+            <a:r>
+              <a:rPr lang="es-CO" sz="1200" b="0" i="0" dirty="0">
+                <a:solidFill>
+                  <a:srgbClr val="24292F"/>
+                </a:solidFill>
+                <a:effectLst/>
+                <a:latin typeface="-apple-system"/>
+                <a:cs typeface="Segoe UI Light" panose="020B0502040204020203" pitchFamily="34" charset="0"/>
+              </a:rPr>
+              <a:t>La cooperación permite crear interacciones a corto plazo, mientras que la colaboración crea la necesidad de trabajar en acciones de largo plazo.</a:t>
+            </a:r>
+          </a:p>
+          <a:p>
+            <a:pPr algn="l">
+              <a:buFont typeface="Arial" panose="020B0604020202020204" pitchFamily="34" charset="0"/>
+              <a:buNone/>
+            </a:pPr>
+            <a:endParaRPr lang="es-CO" sz="1200" b="0" i="0" dirty="0">
+              <a:solidFill>
+                <a:srgbClr val="24292F"/>
+              </a:solidFill>
+              <a:effectLst/>
+              <a:latin typeface="-apple-system"/>
+              <a:cs typeface="Segoe UI Light" panose="020B0502040204020203" pitchFamily="34" charset="0"/>
+            </a:endParaRPr>
+          </a:p>
+          <a:p>
+            <a:pPr algn="l">
+              <a:buFont typeface="Arial" panose="020B0604020202020204" pitchFamily="34" charset="0"/>
+              <a:buNone/>
+            </a:pPr>
+            <a:r>
+              <a:rPr lang="es-CO" sz="1200" b="0" i="0" dirty="0">
+                <a:solidFill>
+                  <a:srgbClr val="24292F"/>
+                </a:solidFill>
+                <a:effectLst/>
+                <a:latin typeface="-apple-system"/>
+                <a:cs typeface="Segoe UI Light" panose="020B0502040204020203" pitchFamily="34" charset="0"/>
+              </a:rPr>
+              <a:t>La cooperación involucra compartir ideas y la colaboración estimula la generación de nuevas ideas que benefician a los miembros del equipo.</a:t>
+            </a:r>
+          </a:p>
+          <a:p>
+            <a:pPr algn="l">
+              <a:buFont typeface="Arial" panose="020B0604020202020204" pitchFamily="34" charset="0"/>
+              <a:buNone/>
+            </a:pPr>
+            <a:endParaRPr lang="es-CO" sz="1200" b="0" i="0" dirty="0">
+              <a:solidFill>
+                <a:srgbClr val="24292F"/>
+              </a:solidFill>
+              <a:effectLst/>
+              <a:latin typeface="-apple-system"/>
+              <a:cs typeface="Segoe UI Light" panose="020B0502040204020203" pitchFamily="34" charset="0"/>
+            </a:endParaRPr>
+          </a:p>
+          <a:p>
+            <a:pPr algn="l">
+              <a:buFont typeface="Arial" panose="020B0604020202020204" pitchFamily="34" charset="0"/>
+              <a:buNone/>
+            </a:pPr>
+            <a:endParaRPr lang="es-CO" sz="1200" b="0" i="0" dirty="0">
+              <a:solidFill>
+                <a:srgbClr val="24292F"/>
+              </a:solidFill>
+              <a:effectLst/>
+              <a:latin typeface="-apple-system"/>
+              <a:cs typeface="Segoe UI Light" panose="020B0502040204020203" pitchFamily="34" charset="0"/>
+            </a:endParaRPr>
+          </a:p>
+          <a:p>
+            <a:pPr algn="l">
+              <a:buFont typeface="Arial" panose="020B0604020202020204" pitchFamily="34" charset="0"/>
+              <a:buNone/>
+            </a:pPr>
             <a:endParaRPr lang="es-CO" sz="1200" dirty="0">
               <a:latin typeface="Segoe UI Light" panose="020B0502040204020203" pitchFamily="34" charset="0"/>
               <a:cs typeface="Segoe UI Light" panose="020B0502040204020203" pitchFamily="34" charset="0"/>
@@ -3695,6 +5268,35 @@
                 <a:effectLst/>
                 <a:latin typeface="-apple-system"/>
               </a:rPr>
+              <a:t>Hablemos ahora de como a través del desarrollo colaborativo, puedo agregar valor a mi organización.</a:t>
+            </a:r>
+          </a:p>
+          <a:p>
+            <a:pPr algn="l">
+              <a:buFont typeface="Arial" panose="020B0604020202020204" pitchFamily="34" charset="0"/>
+              <a:buNone/>
+            </a:pPr>
+            <a:endParaRPr lang="es-CO" b="0" i="0" dirty="0">
+              <a:solidFill>
+                <a:srgbClr val="24292F"/>
+              </a:solidFill>
+              <a:effectLst/>
+              <a:latin typeface="-apple-system"/>
+            </a:endParaRPr>
+          </a:p>
+          <a:p>
+            <a:pPr algn="l">
+              <a:buFont typeface="Arial" panose="020B0604020202020204" pitchFamily="34" charset="0"/>
+              <a:buNone/>
+            </a:pPr>
+            <a:r>
+              <a:rPr lang="es-CO" b="0" i="0" dirty="0">
+                <a:solidFill>
+                  <a:srgbClr val="24292F"/>
+                </a:solidFill>
+                <a:effectLst/>
+                <a:latin typeface="-apple-system"/>
+              </a:rPr>
               <a:t>El desarrollo de contenidos bajo el esquema de desarrollo colaborativo, agrega valor a tu perfil profesional, a tu equipo de trabajo y a la organización a la que perteneces.</a:t>
             </a:r>
           </a:p>
@@ -3713,71 +5315,20 @@
             </a:endParaRPr>
           </a:p>
           <a:p>
-            <a:r>
-              <a:rPr lang="es-CO" sz="1200" b="1" dirty="0">
-                <a:solidFill>
-                  <a:schemeClr val="bg1">
-                    <a:lumMod val="25000"/>
-                  </a:schemeClr>
-                </a:solidFill>
-                <a:latin typeface="Segoe UI" panose="020B0502040204020203" pitchFamily="34" charset="0"/>
-                <a:ea typeface="Segoe UI Black" panose="020B0A02040204020203" pitchFamily="34" charset="0"/>
-                <a:cs typeface="Segoe UI" panose="020B0502040204020203" pitchFamily="34" charset="0"/>
-              </a:rPr>
-              <a:t>¿Cómo?</a:t>
-            </a:r>
-          </a:p>
-          <a:p>
-            <a:endParaRPr lang="es-CO" sz="1200" dirty="0">
-              <a:solidFill>
-                <a:schemeClr val="bg1">
-                  <a:lumMod val="25000"/>
-                </a:schemeClr>
-              </a:solidFill>
-              <a:latin typeface="Segoe UI" panose="020B0502040204020203" pitchFamily="34" charset="0"/>
-              <a:ea typeface="Segoe UI Black" panose="020B0A02040204020203" pitchFamily="34" charset="0"/>
-              <a:cs typeface="Segoe UI" panose="020B0502040204020203" pitchFamily="34" charset="0"/>
-            </a:endParaRPr>
-          </a:p>
-          <a:p>
-            <a:r>
-              <a:rPr lang="es-CO" sz="1200" dirty="0">
-                <a:solidFill>
-                  <a:schemeClr val="bg1">
-                    <a:lumMod val="25000"/>
-                  </a:schemeClr>
-                </a:solidFill>
-                <a:latin typeface="Segoe UI" panose="020B0502040204020203" pitchFamily="34" charset="0"/>
-                <a:ea typeface="Segoe UI Black" panose="020B0A02040204020203" pitchFamily="34" charset="0"/>
-                <a:cs typeface="Segoe UI" panose="020B0502040204020203" pitchFamily="34" charset="0"/>
-              </a:rPr>
-              <a:t>En entornos educativos, múltiples profesores pueden enseñar la misma asignatura y a través del desarrollo colaborativo, pueden crear y desarrollar un curso global con un </a:t>
-            </a:r>
-            <a:r>
-              <a:rPr lang="es-CO" sz="1200" dirty="0" err="1">
-                <a:solidFill>
-                  <a:schemeClr val="bg1">
-                    <a:lumMod val="25000"/>
-                  </a:schemeClr>
-                </a:solidFill>
-                <a:latin typeface="Segoe UI" panose="020B0502040204020203" pitchFamily="34" charset="0"/>
-                <a:ea typeface="Segoe UI Black" panose="020B0A02040204020203" pitchFamily="34" charset="0"/>
-                <a:cs typeface="Segoe UI" panose="020B0502040204020203" pitchFamily="34" charset="0"/>
-              </a:rPr>
-              <a:t>micro-currículo</a:t>
-            </a:r>
-            <a:r>
-              <a:rPr lang="es-CO" sz="1200" dirty="0">
-                <a:solidFill>
-                  <a:schemeClr val="bg1">
-                    <a:lumMod val="25000"/>
-                  </a:schemeClr>
-                </a:solidFill>
-                <a:latin typeface="Segoe UI" panose="020B0502040204020203" pitchFamily="34" charset="0"/>
-                <a:ea typeface="Segoe UI Black" panose="020B0A02040204020203" pitchFamily="34" charset="0"/>
-                <a:cs typeface="Segoe UI" panose="020B0502040204020203" pitchFamily="34" charset="0"/>
-              </a:rPr>
-              <a:t> común que combine la experticia de los diferentes miembros del equipo.</a:t>
+            <a:pPr algn="l">
+              <a:buFont typeface="Arial" panose="020B0604020202020204" pitchFamily="34" charset="0"/>
+              <a:buNone/>
+            </a:pPr>
+            <a:r>
+              <a:rPr lang="es-CO" sz="1200" b="0" i="0" dirty="0">
+                <a:solidFill>
+                  <a:srgbClr val="24292F"/>
+                </a:solidFill>
+                <a:effectLst/>
+                <a:latin typeface="-apple-system"/>
+                <a:cs typeface="Segoe UI Light" panose="020B0502040204020203" pitchFamily="34" charset="0"/>
+              </a:rPr>
+              <a:t>Combina tu experticia y la experticia de los miembros de tú equipo de trabajo para crear contenidos compartidos.</a:t>
             </a:r>
           </a:p>
           <a:p>
@@ -3795,10 +5346,78 @@
             </a:endParaRPr>
           </a:p>
           <a:p>
+            <a:r>
+              <a:rPr lang="es-CO" sz="1200" b="0" dirty="0">
+                <a:solidFill>
+                  <a:schemeClr val="bg1">
+                    <a:lumMod val="25000"/>
+                  </a:schemeClr>
+                </a:solidFill>
+                <a:latin typeface="Segoe UI" panose="020B0502040204020203" pitchFamily="34" charset="0"/>
+                <a:ea typeface="Segoe UI Black" panose="020B0A02040204020203" pitchFamily="34" charset="0"/>
+                <a:cs typeface="Segoe UI" panose="020B0502040204020203" pitchFamily="34" charset="0"/>
+              </a:rPr>
+              <a:t>Por ejemplo, e</a:t>
+            </a:r>
+            <a:r>
+              <a:rPr lang="es-CO" sz="1200" dirty="0">
+                <a:solidFill>
+                  <a:schemeClr val="bg1">
+                    <a:lumMod val="25000"/>
+                  </a:schemeClr>
+                </a:solidFill>
+                <a:latin typeface="Segoe UI" panose="020B0502040204020203" pitchFamily="34" charset="0"/>
+                <a:ea typeface="Segoe UI Black" panose="020B0A02040204020203" pitchFamily="34" charset="0"/>
+                <a:cs typeface="Segoe UI" panose="020B0502040204020203" pitchFamily="34" charset="0"/>
+              </a:rPr>
+              <a:t>n entornos educativos, múltiples profesores pueden enseñar la misma asignatura y a través de desarrollo colaborativo, pueden crear y desarrollar un curso global con un </a:t>
+            </a:r>
+            <a:r>
+              <a:rPr lang="es-CO" sz="1200" dirty="0" err="1">
+                <a:solidFill>
+                  <a:schemeClr val="bg1">
+                    <a:lumMod val="25000"/>
+                  </a:schemeClr>
+                </a:solidFill>
+                <a:latin typeface="Segoe UI" panose="020B0502040204020203" pitchFamily="34" charset="0"/>
+                <a:ea typeface="Segoe UI Black" panose="020B0A02040204020203" pitchFamily="34" charset="0"/>
+                <a:cs typeface="Segoe UI" panose="020B0502040204020203" pitchFamily="34" charset="0"/>
+              </a:rPr>
+              <a:t>micro-currículo</a:t>
+            </a:r>
+            <a:r>
+              <a:rPr lang="es-CO" sz="1200" dirty="0">
+                <a:solidFill>
+                  <a:schemeClr val="bg1">
+                    <a:lumMod val="25000"/>
+                  </a:schemeClr>
+                </a:solidFill>
+                <a:latin typeface="Segoe UI" panose="020B0502040204020203" pitchFamily="34" charset="0"/>
+                <a:ea typeface="Segoe UI Black" panose="020B0A02040204020203" pitchFamily="34" charset="0"/>
+                <a:cs typeface="Segoe UI" panose="020B0502040204020203" pitchFamily="34" charset="0"/>
+              </a:rPr>
+              <a:t> común que combine la experticia y conocimiento de todos ellos.</a:t>
+            </a:r>
+          </a:p>
+          <a:p>
             <a:pPr algn="l">
               <a:buFont typeface="Arial" panose="020B0604020202020204" pitchFamily="34" charset="0"/>
               <a:buNone/>
             </a:pPr>
+            <a:endParaRPr lang="es-CO" sz="1200" b="0" i="0" dirty="0">
+              <a:solidFill>
+                <a:srgbClr val="24292F"/>
+              </a:solidFill>
+              <a:effectLst/>
+              <a:latin typeface="-apple-system"/>
+              <a:cs typeface="Segoe UI Light" panose="020B0502040204020203" pitchFamily="34" charset="0"/>
+            </a:endParaRPr>
+          </a:p>
+          <a:p>
+            <a:pPr algn="l">
+              <a:buFont typeface="Arial" panose="020B0604020202020204" pitchFamily="34" charset="0"/>
+              <a:buNone/>
+            </a:pPr>
             <a:r>
               <a:rPr lang="es-CO" sz="1200" b="0" i="0" dirty="0">
                 <a:solidFill>
@@ -3808,7 +5427,7 @@
                 <a:latin typeface="-apple-system"/>
                 <a:cs typeface="Segoe UI Light" panose="020B0502040204020203" pitchFamily="34" charset="0"/>
               </a:rPr>
-              <a:t>El valor que obtienes como creador de contenidos compartidos es poder incluir tus participaciones en tu portafolio personal referenciando los diferentes repositorios creados.</a:t>
+              <a:t>El valor individual que obtienes como creador de contenidos compartidos, es poder incluir las participaciones en tu portafolio personal, referenciando los diferentes repositorios creados.</a:t>
             </a:r>
           </a:p>
         </p:txBody>
@@ -3894,8 +5513,52 @@
           <a:bodyPr/>
           <a:lstStyle/>
           <a:p>
-            <a:r>
-              <a:rPr lang="es-CO" sz="1200" b="1" dirty="0">
+            <a:pPr marL="0" marR="0" lvl="0" indent="0" algn="l" defTabSz="914377" rtl="0" eaLnBrk="1" fontAlgn="auto" latinLnBrk="0" hangingPunct="1">
+              <a:lnSpc>
+                <a:spcPct val="100000"/>
+              </a:lnSpc>
+              <a:spcBef>
+                <a:spcPts val="0"/>
+              </a:spcBef>
+              <a:spcAft>
+                <a:spcPts val="0"/>
+              </a:spcAft>
+              <a:buClrTx/>
+              <a:buSzTx/>
+              <a:buFontTx/>
+              <a:buNone/>
+              <a:tabLst/>
+              <a:defRPr/>
+            </a:pPr>
+            <a:r>
+              <a:rPr lang="es-CO" sz="1200" b="0" dirty="0">
+                <a:solidFill>
+                  <a:schemeClr val="bg1">
+                    <a:lumMod val="25000"/>
+                  </a:schemeClr>
+                </a:solidFill>
+                <a:latin typeface="Segoe UI" panose="020B0502040204020203" pitchFamily="34" charset="0"/>
+                <a:ea typeface="Segoe UI Black" panose="020B0A02040204020203" pitchFamily="34" charset="0"/>
+                <a:cs typeface="Segoe UI" panose="020B0502040204020203" pitchFamily="34" charset="0"/>
+              </a:rPr>
+              <a:t>Crea oportunamente contenidos científicos de alta calidad con actualización permanente. "Encuentra las necesidades de tus usuarios y dales lo que necesitan mucho más rápido que tus competidores"</a:t>
+            </a:r>
+          </a:p>
+          <a:p>
+            <a:endParaRPr lang="es-CO" sz="1200" b="0" dirty="0">
+              <a:solidFill>
+                <a:schemeClr val="bg1">
+                  <a:lumMod val="25000"/>
+                </a:schemeClr>
+              </a:solidFill>
+              <a:latin typeface="Segoe UI" panose="020B0502040204020203" pitchFamily="34" charset="0"/>
+              <a:ea typeface="Segoe UI Black" panose="020B0A02040204020203" pitchFamily="34" charset="0"/>
+              <a:cs typeface="Segoe UI" panose="020B0502040204020203" pitchFamily="34" charset="0"/>
+            </a:endParaRPr>
+          </a:p>
+          <a:p>
+            <a:r>
+              <a:rPr lang="es-CO" sz="1200" b="0" dirty="0">
                 <a:solidFill>
                   <a:schemeClr val="bg1">
                     <a:lumMod val="25000"/>
@@ -3931,6 +5594,18 @@
               </a:rPr>
               <a:t>Un equipo de trabajo organizado y multidisciplinar, estará al tanto de nuevos métodos y herramientas que podrá implementar en contenidos existentes dentro de la organización.</a:t>
             </a:r>
+          </a:p>
+          <a:p>
+            <a:endParaRPr lang="es-CO" sz="1200" b="0" i="0" dirty="0">
+              <a:solidFill>
+                <a:srgbClr val="24292F"/>
+              </a:solidFill>
+              <a:effectLst/>
+              <a:latin typeface="-apple-system"/>
+              <a:cs typeface="Segoe UI Light" panose="020B0502040204020203" pitchFamily="34" charset="0"/>
+            </a:endParaRPr>
+          </a:p>
+          <a:p>
             <a:endParaRPr lang="es-CO" sz="1200" b="0" i="0" dirty="0">
               <a:solidFill>
                 <a:srgbClr val="24292F"/>
@@ -4024,7 +5699,34 @@
           <a:lstStyle/>
           <a:p>
             <a:r>
-              <a:rPr lang="es-CO" sz="1200" b="1" dirty="0">
+              <a:rPr lang="es-CO" sz="1200" b="0" dirty="0">
+                <a:solidFill>
+                  <a:schemeClr val="bg1">
+                    <a:lumMod val="25000"/>
+                  </a:schemeClr>
+                </a:solidFill>
+                <a:latin typeface="Segoe UI" panose="020B0502040204020203" pitchFamily="34" charset="0"/>
+                <a:ea typeface="Segoe UI Black" panose="020B0A02040204020203" pitchFamily="34" charset="0"/>
+                <a:cs typeface="Segoe UI" panose="020B0502040204020203" pitchFamily="34" charset="0"/>
+              </a:rPr>
+              <a:t>Busca siempre la manera de dar valor agregado a todos los contenidos en los que participes.</a:t>
+            </a:r>
+          </a:p>
+          <a:p>
+            <a:endParaRPr lang="es-CO" sz="1200" b="0" dirty="0">
+              <a:solidFill>
+                <a:schemeClr val="bg1">
+                  <a:lumMod val="25000"/>
+                </a:schemeClr>
+              </a:solidFill>
+              <a:latin typeface="Segoe UI" panose="020B0502040204020203" pitchFamily="34" charset="0"/>
+              <a:ea typeface="Segoe UI Black" panose="020B0A02040204020203" pitchFamily="34" charset="0"/>
+              <a:cs typeface="Segoe UI" panose="020B0502040204020203" pitchFamily="34" charset="0"/>
+            </a:endParaRPr>
+          </a:p>
+          <a:p>
+            <a:r>
+              <a:rPr lang="es-CO" sz="1200" b="0" dirty="0">
                 <a:solidFill>
                   <a:schemeClr val="bg1">
                     <a:lumMod val="25000"/>
@@ -10446,7 +12148,7 @@
                 <a:ea typeface="Segoe UI Black" panose="020B0A02040204020203" pitchFamily="34" charset="0"/>
                 <a:cs typeface="Segoe UI" panose="020B0502040204020203" pitchFamily="34" charset="0"/>
               </a:rPr>
-              <a:t>Disponibilidad del los archivos fuente de uno o varios proyectos.</a:t>
+              <a:t>Disponibilidad de archivos fuente de uno o varios proyectos.</a:t>
             </a:r>
           </a:p>
           <a:p>
@@ -10522,7 +12224,7 @@
                 <a:ea typeface="Segoe UI Black" panose="020B0A02040204020203" pitchFamily="34" charset="0"/>
                 <a:cs typeface="Segoe UI" panose="020B0502040204020203" pitchFamily="34" charset="0"/>
               </a:rPr>
-              <a:t>Wikis para gestionar la documentación.</a:t>
+              <a:t>Wikis para gestionar documentación oficial.</a:t>
             </a:r>
           </a:p>
         </p:txBody>
@@ -11002,7 +12704,7 @@
                     <a:p>
                       <a:pPr algn="ctr" fontAlgn="ctr"/>
                       <a:r>
-                        <a:rPr lang="es-CO" sz="2000" b="1" u="none" strike="noStrike">
+                        <a:rPr lang="es-CO" sz="2000" b="1" u="none" strike="noStrike" dirty="0">
                           <a:solidFill>
                             <a:srgbClr val="24292F"/>
                           </a:solidFill>
@@ -11012,7 +12714,7 @@
                         </a:rPr>
                         <a:t>GitLab</a:t>
                       </a:r>
-                      <a:endParaRPr lang="es-CO" sz="2000" b="1" i="0" u="none" strike="noStrike">
+                      <a:endParaRPr lang="es-CO" sz="2000" b="1" i="0" u="none" strike="noStrike" dirty="0">
                         <a:solidFill>
                           <a:srgbClr val="24292F"/>
                         </a:solidFill>
@@ -11031,7 +12733,7 @@
                     <a:p>
                       <a:pPr algn="ctr" fontAlgn="ctr"/>
                       <a:r>
-                        <a:rPr lang="es-CO" sz="2000" b="1" u="none" strike="noStrike">
+                        <a:rPr lang="es-CO" sz="2000" b="1" u="none" strike="noStrike" dirty="0">
                           <a:solidFill>
                             <a:srgbClr val="24292F"/>
                           </a:solidFill>
@@ -11041,7 +12743,7 @@
                         </a:rPr>
                         <a:t>Google Code</a:t>
                       </a:r>
-                      <a:endParaRPr lang="es-CO" sz="2000" b="1" i="0" u="none" strike="noStrike">
+                      <a:endParaRPr lang="es-CO" sz="2000" b="1" i="0" u="none" strike="noStrike" dirty="0">
                         <a:solidFill>
                           <a:srgbClr val="24292F"/>
                         </a:solidFill>
@@ -11335,7 +13037,7 @@
                     <a:p>
                       <a:pPr algn="l" fontAlgn="ctr"/>
                       <a:r>
-                        <a:rPr lang="es-CO" sz="2000" b="0" u="none" strike="noStrike">
+                        <a:rPr lang="es-CO" sz="2000" b="0" u="none" strike="noStrike" dirty="0">
                           <a:solidFill>
                             <a:srgbClr val="24292F"/>
                           </a:solidFill>
@@ -11345,7 +13047,7 @@
                         </a:rPr>
                         <a:t>Repositorios ilimitados por usuario sin versión de pago</a:t>
                       </a:r>
-                      <a:endParaRPr lang="es-CO" sz="2000" b="0" i="0" u="none" strike="noStrike">
+                      <a:endParaRPr lang="es-CO" sz="2000" b="0" i="0" u="none" strike="noStrike" dirty="0">
                         <a:solidFill>
                           <a:srgbClr val="24292F"/>
                         </a:solidFill>
@@ -11581,7 +13283,7 @@
                     <a:p>
                       <a:pPr algn="l" fontAlgn="ctr"/>
                       <a:r>
-                        <a:rPr lang="es-CO" sz="2000" b="0" u="none" strike="noStrike">
+                        <a:rPr lang="es-CO" sz="2000" b="0" u="none" strike="noStrike" dirty="0">
                           <a:solidFill>
                             <a:srgbClr val="24292F"/>
                           </a:solidFill>
@@ -11591,7 +13293,7 @@
                         </a:rPr>
                         <a:t>Clonación de repositorios entre usuarios y organizaciones</a:t>
                       </a:r>
-                      <a:endParaRPr lang="es-CO" sz="2000" b="0" i="0" u="none" strike="noStrike">
+                      <a:endParaRPr lang="es-CO" sz="2000" b="0" i="0" u="none" strike="noStrike" dirty="0">
                         <a:solidFill>
                           <a:srgbClr val="24292F"/>
                         </a:solidFill>
@@ -11704,7 +13406,7 @@
                     <a:p>
                       <a:pPr algn="l" fontAlgn="ctr"/>
                       <a:r>
-                        <a:rPr lang="es-CO" sz="2000" b="0" u="none" strike="noStrike">
+                        <a:rPr lang="es-CO" sz="2000" b="0" u="none" strike="noStrike" dirty="0">
                           <a:solidFill>
                             <a:srgbClr val="24292F"/>
                           </a:solidFill>
@@ -11714,7 +13416,7 @@
                         </a:rPr>
                         <a:t>Descarga directa de repositorio sin registro de usuario</a:t>
                       </a:r>
-                      <a:endParaRPr lang="es-CO" sz="2000" b="0" i="0" u="none" strike="noStrike">
+                      <a:endParaRPr lang="es-CO" sz="2000" b="0" i="0" u="none" strike="noStrike" dirty="0">
                         <a:solidFill>
                           <a:srgbClr val="24292F"/>
                         </a:solidFill>
@@ -11827,7 +13529,7 @@
                     <a:p>
                       <a:pPr algn="l" fontAlgn="ctr"/>
                       <a:r>
-                        <a:rPr lang="es-CO" sz="2000" b="0" u="none" strike="noStrike">
+                        <a:rPr lang="es-CO" sz="2000" b="0" u="none" strike="noStrike" dirty="0">
                           <a:solidFill>
                             <a:srgbClr val="24292F"/>
                           </a:solidFill>
@@ -11837,7 +13539,7 @@
                         </a:rPr>
                         <a:t>Buscador de proyectos sin registro de usuario</a:t>
                       </a:r>
-                      <a:endParaRPr lang="es-CO" sz="2000" b="0" i="0" u="none" strike="noStrike">
+                      <a:endParaRPr lang="es-CO" sz="2000" b="0" i="0" u="none" strike="noStrike" dirty="0">
                         <a:solidFill>
                           <a:srgbClr val="24292F"/>
                         </a:solidFill>
@@ -12073,7 +13775,7 @@
                     <a:p>
                       <a:pPr algn="l" fontAlgn="ctr"/>
                       <a:r>
-                        <a:rPr lang="es-CO" sz="2000" b="0" u="none" strike="noStrike">
+                        <a:rPr lang="es-CO" sz="2000" b="0" u="none" strike="noStrike" dirty="0">
                           <a:solidFill>
                             <a:srgbClr val="24292F"/>
                           </a:solidFill>
@@ -12083,7 +13785,7 @@
                         </a:rPr>
                         <a:t>Gestión local de repositorio utilizando herramientas de desarrollo</a:t>
                       </a:r>
-                      <a:endParaRPr lang="es-CO" sz="2000" b="0" i="0" u="none" strike="noStrike">
+                      <a:endParaRPr lang="es-CO" sz="2000" b="0" i="0" u="none" strike="noStrike" dirty="0">
                         <a:solidFill>
                           <a:srgbClr val="24292F"/>
                         </a:solidFill>
@@ -12319,7 +14021,7 @@
                     <a:p>
                       <a:pPr algn="l" fontAlgn="ctr"/>
                       <a:r>
-                        <a:rPr lang="es-CO" sz="2000" b="0" u="none" strike="noStrike">
+                        <a:rPr lang="es-CO" sz="2000" b="0" u="none" strike="noStrike" dirty="0">
                           <a:solidFill>
                             <a:srgbClr val="24292F"/>
                           </a:solidFill>
@@ -12329,7 +14031,7 @@
                         </a:rPr>
                         <a:t>Llamado de recursos entre repositorios</a:t>
                       </a:r>
-                      <a:endParaRPr lang="es-CO" sz="2000" b="0" i="0" u="none" strike="noStrike">
+                      <a:endParaRPr lang="es-CO" sz="2000" b="0" i="0" u="none" strike="noStrike" dirty="0">
                         <a:solidFill>
                           <a:srgbClr val="24292F"/>
                         </a:solidFill>
@@ -17974,7 +19676,7 @@
         </p:nvSpPr>
         <p:spPr>
           <a:xfrm>
-            <a:off x="1" y="291223"/>
+            <a:off x="1" y="431902"/>
             <a:ext cx="12191999" cy="930208"/>
           </a:xfrm>
         </p:spPr>
@@ -18154,7 +19856,7 @@
         </p:blipFill>
         <p:spPr>
           <a:xfrm>
-            <a:off x="1674169" y="183711"/>
+            <a:off x="1674169" y="324390"/>
             <a:ext cx="1145231" cy="1145231"/>
           </a:xfrm>
           <a:prstGeom prst="rect">

--- a/Section01/Section01.pptx
+++ b/Section01/Section01.pptx
@@ -30,8 +30,8 @@
     <p:sldId id="337" r:id="rId21"/>
     <p:sldId id="333" r:id="rId22"/>
     <p:sldId id="334" r:id="rId23"/>
-    <p:sldId id="335" r:id="rId24"/>
-    <p:sldId id="336" r:id="rId25"/>
+    <p:sldId id="336" r:id="rId24"/>
+    <p:sldId id="335" r:id="rId25"/>
     <p:sldId id="338" r:id="rId26"/>
     <p:sldId id="339" r:id="rId27"/>
     <p:sldId id="340" r:id="rId28"/>
@@ -157,8 +157,8 @@
             <p14:sldId id="337"/>
             <p14:sldId id="333"/>
             <p14:sldId id="334"/>
+            <p14:sldId id="336"/>
             <p14:sldId id="335"/>
-            <p14:sldId id="336"/>
             <p14:sldId id="338"/>
             <p14:sldId id="339"/>
             <p14:sldId id="340"/>
@@ -271,7 +271,7 @@
             <a:pPr rtl="0"/>
             <a:fld id="{FAB3E6E3-061B-41A2-BBDC-C5312A04A40A}" type="datetime1">
               <a:rPr lang="es-ES" smtClean="0"/>
-              <a:t>24/09/2022</a:t>
+              <a:t>26/09/2022</a:t>
             </a:fld>
             <a:endParaRPr lang="es-ES" dirty="0"/>
           </a:p>
@@ -441,7 +441,7 @@
             <a:pPr rtl="0"/>
             <a:fld id="{2145992C-CBBF-4F24-8325-F5CB0EAAC0E9}" type="datetime1">
               <a:rPr lang="es-ES" noProof="0" smtClean="0"/>
-              <a:t>24/09/2022</a:t>
+              <a:t>26/09/2022</a:t>
             </a:fld>
             <a:endParaRPr lang="es-ES" noProof="0" dirty="0"/>
           </a:p>
@@ -757,8 +757,12 @@
           <a:lstStyle/>
           <a:p>
             <a:r>
+              <a:rPr lang="en-US" dirty="0"/>
+              <a:t>Hola y </a:t>
+            </a:r>
+            <a:r>
               <a:rPr lang="en-US" dirty="0" err="1"/>
-              <a:t>Bienvenido</a:t>
+              <a:t>bienvenido</a:t>
             </a:r>
             <a:r>
               <a:rPr lang="en-US" dirty="0"/>
@@ -798,7 +802,7 @@
             </a:r>
           </a:p>
           <a:p>
-            <a:endParaRPr lang="es-CO" dirty="0"/>
+            <a:endParaRPr lang="en-US" dirty="0"/>
           </a:p>
           <a:p>
             <a:r>
@@ -1078,7 +1082,7 @@
                 <a:effectLst/>
                 <a:latin typeface="-apple-system"/>
               </a:rPr>
-              <a:t>Existen diferentes herramientas o plataformas informáticas para desarrollo colaborativo que facilitan la interacción y gestión de la información. Los equipos de desarrollo ya no deben estar en el mismo lugar para poder comunicarse y crear contenidos, ni siquiera tienen que conocerse para poder dar sus criterios, aportar sus habilidades y participar en un proyecto. </a:t>
+              <a:t>Existen diferentes herramientas o plataformas informáticas para desarrollo colaborativo, que facilitan la interacción y gestión de la información. </a:t>
             </a:r>
           </a:p>
           <a:p>
@@ -1101,7 +1105,30 @@
                 <a:effectLst/>
                 <a:latin typeface="-apple-system"/>
               </a:rPr>
-              <a:t>El desarrollo colaborativo es un modelo que parte de la base de que el conocimiento debe ser público y abierto, para que sea accedido y revisado por otros investigadores, educadores, estudiantes o creadores de contenido. Debido a que este modelo está ligado al software libre, las reglas son similares: cuando un creador de contenido aporta algo a un repositorio fuente, o participa en el desarrollo colaborativo, sus aportes deben quedar públicos y disponibles para que pueda ser evaluado, mejorado o utilizado.</a:t>
+              <a:t>Los equipos de desarrollo ya no deben estar en el mismo lugar para poder comunicarse y crear contenidos, ni siquiera tienen que conocerse para poder dar sus criterios, aportar sus habilidades y participar en un proyecto. </a:t>
+            </a:r>
+          </a:p>
+          <a:p>
+            <a:pPr algn="l"/>
+            <a:endParaRPr lang="es-CO" b="0" i="0" dirty="0">
+              <a:solidFill>
+                <a:srgbClr val="24292F"/>
+              </a:solidFill>
+              <a:effectLst/>
+              <a:latin typeface="-apple-system"/>
+            </a:endParaRPr>
+          </a:p>
+          <a:p>
+            <a:pPr algn="l"/>
+            <a:r>
+              <a:rPr lang="es-CO" b="0" i="0" dirty="0">
+                <a:solidFill>
+                  <a:srgbClr val="24292F"/>
+                </a:solidFill>
+                <a:effectLst/>
+                <a:latin typeface="-apple-system"/>
+              </a:rPr>
+              <a:t>El desarrollo colaborativo, es un modelo que parte de la base, de que el conocimiento debe ser público y abierto, para que sea accedido y revisado por otros investigadores, educadores, estudiantes o creadores de contenido. Debido a que este modelo está ligado al software libre, las reglas son similares: cuando un creador de contenido aporta algo a un repositorio fuente, o participa en su desarrollo colaborativo, sus aportes deben quedar públicos y disponibles para que pueda ser evaluado, mejorado o utilizado.</a:t>
             </a:r>
           </a:p>
           <a:p>
@@ -1330,6 +1357,106 @@
             </a:endParaRPr>
           </a:p>
           <a:p>
+            <a:r>
+              <a:rPr lang="en-US" sz="1200" b="0" i="0" dirty="0" err="1">
+                <a:solidFill>
+                  <a:srgbClr val="24292F"/>
+                </a:solidFill>
+                <a:effectLst/>
+                <a:latin typeface="-apple-system"/>
+                <a:cs typeface="Segoe UI Light" panose="020B0502040204020203" pitchFamily="34" charset="0"/>
+              </a:rPr>
+              <a:t>Estas</a:t>
+            </a:r>
+            <a:r>
+              <a:rPr lang="en-US" sz="1200" b="0" i="0" dirty="0">
+                <a:solidFill>
+                  <a:srgbClr val="24292F"/>
+                </a:solidFill>
+                <a:effectLst/>
+                <a:latin typeface="-apple-system"/>
+                <a:cs typeface="Segoe UI Light" panose="020B0502040204020203" pitchFamily="34" charset="0"/>
+              </a:rPr>
+              <a:t> son </a:t>
+            </a:r>
+            <a:r>
+              <a:rPr lang="en-US" sz="1200" b="0" i="0" dirty="0" err="1">
+                <a:solidFill>
+                  <a:srgbClr val="24292F"/>
+                </a:solidFill>
+                <a:effectLst/>
+                <a:latin typeface="-apple-system"/>
+                <a:cs typeface="Segoe UI Light" panose="020B0502040204020203" pitchFamily="34" charset="0"/>
+              </a:rPr>
+              <a:t>algunas</a:t>
+            </a:r>
+            <a:r>
+              <a:rPr lang="en-US" sz="1200" b="0" i="0" dirty="0">
+                <a:solidFill>
+                  <a:srgbClr val="24292F"/>
+                </a:solidFill>
+                <a:effectLst/>
+                <a:latin typeface="-apple-system"/>
+                <a:cs typeface="Segoe UI Light" panose="020B0502040204020203" pitchFamily="34" charset="0"/>
+              </a:rPr>
+              <a:t> de </a:t>
+            </a:r>
+            <a:r>
+              <a:rPr lang="en-US" sz="1200" b="0" i="0" dirty="0" err="1">
+                <a:solidFill>
+                  <a:srgbClr val="24292F"/>
+                </a:solidFill>
+                <a:effectLst/>
+                <a:latin typeface="-apple-system"/>
+                <a:cs typeface="Segoe UI Light" panose="020B0502040204020203" pitchFamily="34" charset="0"/>
+              </a:rPr>
+              <a:t>estas</a:t>
+            </a:r>
+            <a:r>
+              <a:rPr lang="en-US" sz="1200" b="0" i="0" dirty="0">
+                <a:solidFill>
+                  <a:srgbClr val="24292F"/>
+                </a:solidFill>
+                <a:effectLst/>
+                <a:latin typeface="-apple-system"/>
+                <a:cs typeface="Segoe UI Light" panose="020B0502040204020203" pitchFamily="34" charset="0"/>
+              </a:rPr>
+              <a:t> </a:t>
+            </a:r>
+            <a:r>
+              <a:rPr lang="en-US" sz="1200" b="0" i="0" dirty="0" err="1">
+                <a:solidFill>
+                  <a:srgbClr val="24292F"/>
+                </a:solidFill>
+                <a:effectLst/>
+                <a:latin typeface="-apple-system"/>
+                <a:cs typeface="Segoe UI Light" panose="020B0502040204020203" pitchFamily="34" charset="0"/>
+              </a:rPr>
+              <a:t>características</a:t>
+            </a:r>
+            <a:r>
+              <a:rPr lang="en-US" sz="1200" b="0" i="0" dirty="0">
+                <a:solidFill>
+                  <a:srgbClr val="24292F"/>
+                </a:solidFill>
+                <a:effectLst/>
+                <a:latin typeface="-apple-system"/>
+                <a:cs typeface="Segoe UI Light" panose="020B0502040204020203" pitchFamily="34" charset="0"/>
+              </a:rPr>
+              <a:t>:</a:t>
+            </a:r>
+          </a:p>
+          <a:p>
+            <a:endParaRPr lang="en-US" sz="1200" b="0" i="0" dirty="0">
+              <a:solidFill>
+                <a:srgbClr val="24292F"/>
+              </a:solidFill>
+              <a:effectLst/>
+              <a:latin typeface="-apple-system"/>
+              <a:cs typeface="Segoe UI Light" panose="020B0502040204020203" pitchFamily="34" charset="0"/>
+            </a:endParaRPr>
+          </a:p>
+          <a:p>
             <a:pPr marL="0" indent="0">
               <a:buFont typeface="Wingdings" panose="05000000000000000000" pitchFamily="2" charset="2"/>
               <a:buNone/>
@@ -1364,7 +1491,7 @@
                 <a:ea typeface="Segoe UI Black" panose="020B0A02040204020203" pitchFamily="34" charset="0"/>
                 <a:cs typeface="Segoe UI" panose="020B0502040204020203" pitchFamily="34" charset="0"/>
               </a:rPr>
-              <a:t>Soporte y mantenimiento a investigaciones y sistemas informáticos ya concluidos y en explotación.</a:t>
+              <a:t>Soporte y mantenimiento a investigaciones y sistemas informáticos ya concluidos y en explotación y/o producción.</a:t>
             </a:r>
           </a:p>
           <a:p>
@@ -1383,7 +1510,7 @@
                 <a:ea typeface="Segoe UI Black" panose="020B0A02040204020203" pitchFamily="34" charset="0"/>
                 <a:cs typeface="Segoe UI" panose="020B0502040204020203" pitchFamily="34" charset="0"/>
               </a:rPr>
-              <a:t>Control de versiones y trazabilidad.</a:t>
+              <a:t>Control de versiones y trazabilidad de cambios.</a:t>
             </a:r>
           </a:p>
           <a:p>
@@ -1701,51 +1828,7 @@
                 <a:latin typeface="-apple-system"/>
                 <a:cs typeface="Segoe UI Light" panose="020B0502040204020203" pitchFamily="34" charset="0"/>
               </a:rPr>
-              <a:t>s una plataforma para alojar y gestionar proyectos utilizando el sistema de control de versiones Git. Fue desarrollada en el lenguaje de programación Ruby </a:t>
-            </a:r>
-            <a:r>
-              <a:rPr lang="es-CO" sz="1200" b="0" i="0" dirty="0" err="1">
-                <a:solidFill>
-                  <a:srgbClr val="24292F"/>
-                </a:solidFill>
-                <a:effectLst/>
-                <a:latin typeface="-apple-system"/>
-                <a:cs typeface="Segoe UI Light" panose="020B0502040204020203" pitchFamily="34" charset="0"/>
-              </a:rPr>
-              <a:t>on</a:t>
-            </a:r>
-            <a:r>
-              <a:rPr lang="es-CO" sz="1200" b="0" i="0" dirty="0">
-                <a:solidFill>
-                  <a:srgbClr val="24292F"/>
-                </a:solidFill>
-                <a:effectLst/>
-                <a:latin typeface="-apple-system"/>
-                <a:cs typeface="Segoe UI Light" panose="020B0502040204020203" pitchFamily="34" charset="0"/>
-              </a:rPr>
-              <a:t> </a:t>
-            </a:r>
-            <a:r>
-              <a:rPr lang="es-CO" sz="1200" b="0" i="0" dirty="0" err="1">
-                <a:solidFill>
-                  <a:srgbClr val="24292F"/>
-                </a:solidFill>
-                <a:effectLst/>
-                <a:latin typeface="-apple-system"/>
-                <a:cs typeface="Segoe UI Light" panose="020B0502040204020203" pitchFamily="34" charset="0"/>
-              </a:rPr>
-              <a:t>Rails</a:t>
-            </a:r>
-            <a:r>
-              <a:rPr lang="es-CO" sz="1200" b="0" i="0" dirty="0">
-                <a:solidFill>
-                  <a:srgbClr val="24292F"/>
-                </a:solidFill>
-                <a:effectLst/>
-                <a:latin typeface="-apple-system"/>
-                <a:cs typeface="Segoe UI Light" panose="020B0502040204020203" pitchFamily="34" charset="0"/>
-              </a:rPr>
-              <a:t> y opera desde el 2010, en la actualidad es propiedad de Microsoft.</a:t>
+              <a:t>s una plataforma para alojar y gestionar proyectos utilizando el sistema de control de versiones Git, opera desde el 2010 y en la actualidad es propiedad de Microsoft.</a:t>
             </a:r>
           </a:p>
           <a:p>
@@ -2614,6 +2697,138 @@
           <a:lstStyle/>
           <a:p>
             <a:pPr algn="l"/>
+            <a:r>
+              <a:rPr lang="en-US" sz="1200" b="0" i="0" dirty="0" err="1">
+                <a:solidFill>
+                  <a:srgbClr val="24292F"/>
+                </a:solidFill>
+                <a:effectLst/>
+                <a:latin typeface="-apple-system"/>
+                <a:cs typeface="Segoe UI Light" panose="020B0502040204020203" pitchFamily="34" charset="0"/>
+              </a:rPr>
+              <a:t>Exploremos</a:t>
+            </a:r>
+            <a:r>
+              <a:rPr lang="en-US" sz="1200" b="0" i="0" dirty="0">
+                <a:solidFill>
+                  <a:srgbClr val="24292F"/>
+                </a:solidFill>
+                <a:effectLst/>
+                <a:latin typeface="-apple-system"/>
+                <a:cs typeface="Segoe UI Light" panose="020B0502040204020203" pitchFamily="34" charset="0"/>
+              </a:rPr>
+              <a:t> </a:t>
+            </a:r>
+            <a:r>
+              <a:rPr lang="en-US" sz="1200" b="0" i="0" dirty="0" err="1">
+                <a:solidFill>
+                  <a:srgbClr val="24292F"/>
+                </a:solidFill>
+                <a:effectLst/>
+                <a:latin typeface="-apple-system"/>
+                <a:cs typeface="Segoe UI Light" panose="020B0502040204020203" pitchFamily="34" charset="0"/>
+              </a:rPr>
+              <a:t>ahora</a:t>
+            </a:r>
+            <a:r>
+              <a:rPr lang="en-US" sz="1200" b="0" i="0" dirty="0">
+                <a:solidFill>
+                  <a:srgbClr val="24292F"/>
+                </a:solidFill>
+                <a:effectLst/>
+                <a:latin typeface="-apple-system"/>
+                <a:cs typeface="Segoe UI Light" panose="020B0502040204020203" pitchFamily="34" charset="0"/>
+              </a:rPr>
+              <a:t>, </a:t>
+            </a:r>
+            <a:r>
+              <a:rPr lang="en-US" sz="1200" b="0" i="0" dirty="0" err="1">
+                <a:solidFill>
+                  <a:srgbClr val="24292F"/>
+                </a:solidFill>
+                <a:effectLst/>
+                <a:latin typeface="-apple-system"/>
+                <a:cs typeface="Segoe UI Light" panose="020B0502040204020203" pitchFamily="34" charset="0"/>
+              </a:rPr>
+              <a:t>algunos</a:t>
+            </a:r>
+            <a:r>
+              <a:rPr lang="en-US" sz="1200" b="0" i="0" dirty="0">
+                <a:solidFill>
+                  <a:srgbClr val="24292F"/>
+                </a:solidFill>
+                <a:effectLst/>
+                <a:latin typeface="-apple-system"/>
+                <a:cs typeface="Segoe UI Light" panose="020B0502040204020203" pitchFamily="34" charset="0"/>
+              </a:rPr>
+              <a:t> de </a:t>
+            </a:r>
+            <a:r>
+              <a:rPr lang="en-US" sz="1200" b="0" i="0" dirty="0" err="1">
+                <a:solidFill>
+                  <a:srgbClr val="24292F"/>
+                </a:solidFill>
+                <a:effectLst/>
+                <a:latin typeface="-apple-system"/>
+                <a:cs typeface="Segoe UI Light" panose="020B0502040204020203" pitchFamily="34" charset="0"/>
+              </a:rPr>
+              <a:t>los</a:t>
+            </a:r>
+            <a:r>
+              <a:rPr lang="en-US" sz="1200" b="0" i="0" dirty="0">
+                <a:solidFill>
+                  <a:srgbClr val="24292F"/>
+                </a:solidFill>
+                <a:effectLst/>
+                <a:latin typeface="-apple-system"/>
+                <a:cs typeface="Segoe UI Light" panose="020B0502040204020203" pitchFamily="34" charset="0"/>
+              </a:rPr>
+              <a:t> </a:t>
+            </a:r>
+            <a:r>
+              <a:rPr lang="en-US" sz="1200" b="0" i="0" dirty="0" err="1">
+                <a:solidFill>
+                  <a:srgbClr val="24292F"/>
+                </a:solidFill>
+                <a:effectLst/>
+                <a:latin typeface="-apple-system"/>
+                <a:cs typeface="Segoe UI Light" panose="020B0502040204020203" pitchFamily="34" charset="0"/>
+              </a:rPr>
+              <a:t>fundamentos</a:t>
+            </a:r>
+            <a:r>
+              <a:rPr lang="en-US" sz="1200" b="0" i="0" dirty="0">
+                <a:solidFill>
+                  <a:srgbClr val="24292F"/>
+                </a:solidFill>
+                <a:effectLst/>
+                <a:latin typeface="-apple-system"/>
+                <a:cs typeface="Segoe UI Light" panose="020B0502040204020203" pitchFamily="34" charset="0"/>
+              </a:rPr>
+              <a:t> del software de control de </a:t>
+            </a:r>
+            <a:r>
+              <a:rPr lang="en-US" sz="1200" b="0" i="0" dirty="0" err="1">
+                <a:solidFill>
+                  <a:srgbClr val="24292F"/>
+                </a:solidFill>
+                <a:effectLst/>
+                <a:latin typeface="-apple-system"/>
+                <a:cs typeface="Segoe UI Light" panose="020B0502040204020203" pitchFamily="34" charset="0"/>
+              </a:rPr>
+              <a:t>versiones</a:t>
+            </a:r>
+            <a:r>
+              <a:rPr lang="en-US" sz="1200" b="0" i="0" dirty="0">
+                <a:solidFill>
+                  <a:srgbClr val="24292F"/>
+                </a:solidFill>
+                <a:effectLst/>
+                <a:latin typeface="-apple-system"/>
+                <a:cs typeface="Segoe UI Light" panose="020B0502040204020203" pitchFamily="34" charset="0"/>
+              </a:rPr>
+              <a:t> Git.</a:t>
+            </a:r>
             <a:endParaRPr lang="es-CO" sz="1200" b="0" i="0" dirty="0">
               <a:solidFill>
                 <a:srgbClr val="24292F"/>
@@ -2708,27 +2923,14 @@
           <a:p>
             <a:pPr algn="l"/>
             <a:r>
-              <a:rPr lang="es-CO" b="1" i="0" dirty="0">
+              <a:rPr lang="es-CO" b="0" i="0" dirty="0">
                 <a:solidFill>
                   <a:srgbClr val="24292F"/>
                 </a:solidFill>
                 <a:effectLst/>
                 <a:latin typeface="-apple-system"/>
               </a:rPr>
-              <a:t>Rendimiento</a:t>
-            </a:r>
-          </a:p>
-          <a:p>
-            <a:pPr algn="l"/>
-            <a:r>
-              <a:rPr lang="es-CO" b="0" i="0" dirty="0">
-                <a:solidFill>
-                  <a:srgbClr val="24292F"/>
-                </a:solidFill>
-                <a:effectLst/>
-                <a:latin typeface="-apple-system"/>
-              </a:rPr>
-              <a:t>La confirmación de nuevos cambios, la ramificación, la fusión y la comparación de versiones anteriores se han optimizado en favor del rendimiento. Git no se deja engañar por los nombres de los archivos a la hora de determinar cuál debería ser el almacenamiento y el historial de versiones del árbol de archivos; en lugar de ello, se centra en el contenido del propio archivo. </a:t>
+              <a:t>¿Qué es Git?</a:t>
             </a:r>
           </a:p>
           <a:p>
@@ -2744,27 +2946,14 @@
           <a:p>
             <a:pPr algn="l"/>
             <a:r>
-              <a:rPr lang="es-CO" b="1" i="0" dirty="0">
+              <a:rPr lang="es-CO" b="0" i="0" dirty="0">
                 <a:solidFill>
                   <a:srgbClr val="24292F"/>
                 </a:solidFill>
                 <a:effectLst/>
                 <a:latin typeface="-apple-system"/>
               </a:rPr>
-              <a:t>Seguridad</a:t>
-            </a:r>
-          </a:p>
-          <a:p>
-            <a:pPr algn="l"/>
-            <a:r>
-              <a:rPr lang="es-CO" b="0" i="0" dirty="0">
-                <a:solidFill>
-                  <a:srgbClr val="24292F"/>
-                </a:solidFill>
-                <a:effectLst/>
-                <a:latin typeface="-apple-system"/>
-              </a:rPr>
-              <a:t>Prioridad de conservar la integridad del código fuente gestionado. El contenido de los archivos y las verdaderas relaciones entre estos y los directorios, las versiones, las etiquetas y las confirmaciones, todos ellos objetos del repositorio de Git, están protegidos con un algoritmo de hash criptográficamente seguro llamado "SHA1". De este modo, se salvaguarda el código y el historial de cambios frente a las modificaciones accidentales y maliciosas, y se garantiza que el historial sea totalmente trazable.</a:t>
+              <a:t>Git es un software que permite rastrear y validar cambios en archivos de un proyecto o un repositorio. Utiliza una arquitectura distribuida, donde el código de cada desarrollador es también un repositorio que puede albergar el historial completo de todos los cambios. </a:t>
             </a:r>
           </a:p>
           <a:p>
@@ -2780,15 +2969,25 @@
           <a:p>
             <a:pPr algn="l"/>
             <a:r>
-              <a:rPr lang="es-CO" b="1" i="0" dirty="0">
+              <a:rPr lang="es-CO" b="0" i="0" dirty="0">
                 <a:solidFill>
                   <a:srgbClr val="24292F"/>
                 </a:solidFill>
                 <a:effectLst/>
                 <a:latin typeface="-apple-system"/>
               </a:rPr>
-              <a:t>Flexibilidad</a:t>
-            </a:r>
+              <a:t>Ha sido diseñado para ofrecer a los usuarios:</a:t>
+            </a:r>
+          </a:p>
+          <a:p>
+            <a:pPr algn="l"/>
+            <a:endParaRPr lang="es-CO" b="0" i="0" dirty="0">
+              <a:solidFill>
+                <a:srgbClr val="24292F"/>
+              </a:solidFill>
+              <a:effectLst/>
+              <a:latin typeface="-apple-system"/>
+            </a:endParaRPr>
           </a:p>
           <a:p>
             <a:pPr algn="l"/>
@@ -2800,7 +2999,53 @@
                 <a:effectLst/>
                 <a:latin typeface="-apple-system"/>
               </a:rPr>
-              <a:t>Git es flexible en varios aspectos: en la capacidad para varios tipos de flujos de trabajo de desarrollo no lineal, en su eficiencia en proyectos tanto grandes como pequeños y en su compatibilidad con numerosos sistemas y protocolos.</a:t>
+              <a:t>1. Rendimiento a través de la confirmación de nuevos cambios, ramificación, fusión y comparación de versiones.</a:t>
+            </a:r>
+          </a:p>
+          <a:p>
+            <a:pPr algn="l"/>
+            <a:endParaRPr lang="es-CO" b="0" i="0" dirty="0">
+              <a:solidFill>
+                <a:srgbClr val="24292F"/>
+              </a:solidFill>
+              <a:effectLst/>
+              <a:latin typeface="-apple-system"/>
+            </a:endParaRPr>
+          </a:p>
+          <a:p>
+            <a:pPr algn="l"/>
+            <a:r>
+              <a:rPr lang="es-CO" b="0" i="0" dirty="0">
+                <a:solidFill>
+                  <a:srgbClr val="24292F"/>
+                </a:solidFill>
+                <a:effectLst/>
+                <a:latin typeface="-apple-system"/>
+              </a:rPr>
+              <a:t>2. Seguridad, cuya prioridad es conservar la integridad de los archivos gestionados. El contenido de los archivos y las verdaderas relaciones entre estos y los directorios, las versiones, las etiquetas y las confirmaciones, todos ellos objetos del repositorio de Git, están protegidos con un algoritmo que salvaguarda los fuentes y el historial de cambios frente a las modificaciones accidentales y maliciosas, garantizando que el historial sea totalmente trazable.</a:t>
+            </a:r>
+          </a:p>
+          <a:p>
+            <a:pPr algn="l"/>
+            <a:endParaRPr lang="es-CO" b="0" i="0" dirty="0">
+              <a:solidFill>
+                <a:srgbClr val="24292F"/>
+              </a:solidFill>
+              <a:effectLst/>
+              <a:latin typeface="-apple-system"/>
+            </a:endParaRPr>
+          </a:p>
+          <a:p>
+            <a:pPr algn="l"/>
+            <a:r>
+              <a:rPr lang="es-CO" b="0" i="0" dirty="0">
+                <a:solidFill>
+                  <a:srgbClr val="24292F"/>
+                </a:solidFill>
+                <a:effectLst/>
+                <a:latin typeface="-apple-system"/>
+              </a:rPr>
+              <a:t>3. Flexibilidad en varios aspectos, como varios tipos de flujos de trabajo de desarrollo no lineal, eficiencia en proyectos tanto grandes como pequeños y compatibilidad con numerosos sistemas y protocolos.</a:t>
             </a:r>
           </a:p>
           <a:p>
@@ -2907,6 +3152,102 @@
           <a:bodyPr/>
           <a:lstStyle/>
           <a:p>
+            <a:pPr marL="0" marR="0" lvl="0" indent="0" algn="l" defTabSz="914377" rtl="0" eaLnBrk="1" fontAlgn="auto" latinLnBrk="0" hangingPunct="1">
+              <a:lnSpc>
+                <a:spcPct val="100000"/>
+              </a:lnSpc>
+              <a:spcBef>
+                <a:spcPts val="0"/>
+              </a:spcBef>
+              <a:spcAft>
+                <a:spcPts val="0"/>
+              </a:spcAft>
+              <a:buClrTx/>
+              <a:buSzTx/>
+              <a:buFontTx/>
+              <a:buNone/>
+              <a:tabLst/>
+              <a:defRPr/>
+            </a:pPr>
+            <a:r>
+              <a:rPr lang="es-CO" b="0" dirty="0">
+                <a:solidFill>
+                  <a:schemeClr val="bg1"/>
+                </a:solidFill>
+                <a:latin typeface="Segoe UI" panose="020B0502040204020203" pitchFamily="34" charset="0"/>
+                <a:ea typeface="Segoe UI Black" panose="020B0A02040204020203" pitchFamily="34" charset="0"/>
+                <a:cs typeface="Segoe UI" panose="020B0502040204020203" pitchFamily="34" charset="0"/>
+              </a:rPr>
+              <a:t>En cuanto al ciclo de vida de repositorios en GitHub, tenemos la derivación o </a:t>
+            </a:r>
+            <a:r>
+              <a:rPr lang="es-CO" sz="1200" b="0" dirty="0" err="1">
+                <a:solidFill>
+                  <a:schemeClr val="bg1">
+                    <a:lumMod val="25000"/>
+                  </a:schemeClr>
+                </a:solidFill>
+                <a:latin typeface="Segoe UI" panose="020B0502040204020203" pitchFamily="34" charset="0"/>
+                <a:ea typeface="Segoe UI Black" panose="020B0A02040204020203" pitchFamily="34" charset="0"/>
+                <a:cs typeface="Segoe UI" panose="020B0502040204020203" pitchFamily="34" charset="0"/>
+              </a:rPr>
+              <a:t>Fork</a:t>
+            </a:r>
+            <a:r>
+              <a:rPr lang="es-CO" sz="1200" b="0" dirty="0">
+                <a:solidFill>
+                  <a:schemeClr val="bg1">
+                    <a:lumMod val="25000"/>
+                  </a:schemeClr>
+                </a:solidFill>
+                <a:latin typeface="Segoe UI" panose="020B0502040204020203" pitchFamily="34" charset="0"/>
+                <a:ea typeface="Segoe UI Black" panose="020B0A02040204020203" pitchFamily="34" charset="0"/>
+                <a:cs typeface="Segoe UI" panose="020B0502040204020203" pitchFamily="34" charset="0"/>
+              </a:rPr>
+              <a:t>, que permite que</a:t>
+            </a:r>
+            <a:r>
+              <a:rPr lang="es-CO" sz="1200" dirty="0">
+                <a:solidFill>
+                  <a:schemeClr val="bg1">
+                    <a:lumMod val="25000"/>
+                  </a:schemeClr>
+                </a:solidFill>
+                <a:latin typeface="Segoe UI" panose="020B0502040204020203" pitchFamily="34" charset="0"/>
+                <a:ea typeface="Segoe UI Black" panose="020B0A02040204020203" pitchFamily="34" charset="0"/>
+                <a:cs typeface="Segoe UI" panose="020B0502040204020203" pitchFamily="34" charset="0"/>
+              </a:rPr>
+              <a:t> cualquier usuario puede clonar un repositorio público creado por otro usuario, para luego ser desplegado dentro de los repositorios del usuario que realizó la clonación. Complementariamente, usuarios pueden descargar un comprimido completo de un repositorio específico.</a:t>
+            </a:r>
+          </a:p>
+          <a:p>
+            <a:pPr marL="0" marR="0" lvl="0" indent="0" algn="l" defTabSz="914377" rtl="0" eaLnBrk="1" fontAlgn="auto" latinLnBrk="0" hangingPunct="1">
+              <a:lnSpc>
+                <a:spcPct val="100000"/>
+              </a:lnSpc>
+              <a:spcBef>
+                <a:spcPts val="0"/>
+              </a:spcBef>
+              <a:spcAft>
+                <a:spcPts val="0"/>
+              </a:spcAft>
+              <a:buClrTx/>
+              <a:buSzTx/>
+              <a:buFontTx/>
+              <a:buNone/>
+              <a:tabLst/>
+              <a:defRPr/>
+            </a:pPr>
+            <a:endParaRPr lang="es-CO" b="0" dirty="0">
+              <a:solidFill>
+                <a:schemeClr val="bg1"/>
+              </a:solidFill>
+              <a:latin typeface="Segoe UI" panose="020B0502040204020203" pitchFamily="34" charset="0"/>
+              <a:ea typeface="Segoe UI Black" panose="020B0A02040204020203" pitchFamily="34" charset="0"/>
+              <a:cs typeface="Segoe UI" panose="020B0502040204020203" pitchFamily="34" charset="0"/>
+            </a:endParaRPr>
+          </a:p>
+          <a:p>
             <a:endParaRPr lang="es-CO" sz="1200" b="0" i="0" dirty="0">
               <a:solidFill>
                 <a:srgbClr val="24292F"/>
@@ -2999,6 +3340,51 @@
           <a:bodyPr/>
           <a:lstStyle/>
           <a:p>
+            <a:pPr marL="0" marR="0" lvl="0" indent="0" algn="l" defTabSz="914377" rtl="0" eaLnBrk="1" fontAlgn="auto" latinLnBrk="0" hangingPunct="1">
+              <a:lnSpc>
+                <a:spcPct val="100000"/>
+              </a:lnSpc>
+              <a:spcBef>
+                <a:spcPts val="0"/>
+              </a:spcBef>
+              <a:spcAft>
+                <a:spcPts val="0"/>
+              </a:spcAft>
+              <a:buClrTx/>
+              <a:buSzTx/>
+              <a:buFontTx/>
+              <a:buNone/>
+              <a:tabLst/>
+              <a:defRPr/>
+            </a:pPr>
+            <a:r>
+              <a:rPr lang="es-CO" sz="1200" b="0" dirty="0">
+                <a:solidFill>
+                  <a:schemeClr val="bg1">
+                    <a:lumMod val="25000"/>
+                  </a:schemeClr>
+                </a:solidFill>
+                <a:latin typeface="Segoe UI" panose="020B0502040204020203" pitchFamily="34" charset="0"/>
+                <a:ea typeface="Segoe UI Black" panose="020B0A02040204020203" pitchFamily="34" charset="0"/>
+                <a:cs typeface="Segoe UI" panose="020B0502040204020203" pitchFamily="34" charset="0"/>
+              </a:rPr>
+              <a:t>Otro elemento son los Branch o ramas de Git, que </a:t>
+            </a:r>
+            <a:r>
+              <a:rPr lang="es-CO" sz="1200" dirty="0">
+                <a:solidFill>
+                  <a:schemeClr val="bg1">
+                    <a:lumMod val="25000"/>
+                  </a:schemeClr>
+                </a:solidFill>
+                <a:latin typeface="Segoe UI" panose="020B0502040204020203" pitchFamily="34" charset="0"/>
+                <a:ea typeface="Segoe UI Black" panose="020B0A02040204020203" pitchFamily="34" charset="0"/>
+                <a:cs typeface="Segoe UI" panose="020B0502040204020203" pitchFamily="34" charset="0"/>
+              </a:rPr>
+              <a:t>son utilizadas para de forma aislada, realizar modificaciones y depuraciones de prueba a los archivos o la documentación sin afectar la rama principal. En un repositorio pueden existir múltiples ramificaciones y una vez se verifica que los cambios son válidos, estos pueden ser incorporados a la rama principal.</a:t>
+            </a:r>
+          </a:p>
+          <a:p>
             <a:endParaRPr lang="es-CO" sz="1200" b="0" i="0" dirty="0">
               <a:solidFill>
                 <a:srgbClr val="24292F"/>
@@ -3091,6 +3477,51 @@
           <a:bodyPr/>
           <a:lstStyle/>
           <a:p>
+            <a:pPr marL="0" marR="0" lvl="0" indent="0" algn="l" defTabSz="914377" rtl="0" eaLnBrk="1" fontAlgn="auto" latinLnBrk="0" hangingPunct="1">
+              <a:lnSpc>
+                <a:spcPct val="100000"/>
+              </a:lnSpc>
+              <a:spcBef>
+                <a:spcPts val="0"/>
+              </a:spcBef>
+              <a:spcAft>
+                <a:spcPts val="0"/>
+              </a:spcAft>
+              <a:buClrTx/>
+              <a:buSzTx/>
+              <a:buFontTx/>
+              <a:buNone/>
+              <a:tabLst/>
+              <a:defRPr/>
+            </a:pPr>
+            <a:r>
+              <a:rPr lang="es-CO" sz="1200" b="0" dirty="0" err="1">
+                <a:solidFill>
+                  <a:schemeClr val="bg1">
+                    <a:lumMod val="25000"/>
+                  </a:schemeClr>
+                </a:solidFill>
+                <a:latin typeface="Segoe UI" panose="020B0502040204020203" pitchFamily="34" charset="0"/>
+                <a:ea typeface="Segoe UI Black" panose="020B0A02040204020203" pitchFamily="34" charset="0"/>
+                <a:cs typeface="Segoe UI" panose="020B0502040204020203" pitchFamily="34" charset="0"/>
+              </a:rPr>
+              <a:t>Pull-request</a:t>
+            </a:r>
+            <a:r>
+              <a:rPr lang="es-CO" sz="1200" b="0" dirty="0">
+                <a:solidFill>
+                  <a:schemeClr val="bg1">
+                    <a:lumMod val="25000"/>
+                  </a:schemeClr>
+                </a:solidFill>
+                <a:latin typeface="Segoe UI" panose="020B0502040204020203" pitchFamily="34" charset="0"/>
+                <a:ea typeface="Segoe UI Black" panose="020B0A02040204020203" pitchFamily="34" charset="0"/>
+                <a:cs typeface="Segoe UI" panose="020B0502040204020203" pitchFamily="34" charset="0"/>
+              </a:rPr>
+              <a:t> consiste en una solicitud de incorporación de cambios y es la forma de pedirle a otro creador de contenido, que incluya las modificaciones realizadas por otros usuarios. Esto no solo permite a los responsables del proyecto realizar un seguimiento de los cambios más fácilmente, sino que además permite a los creadores iniciar debates sobre su trabajo antes de integrarlo con el resto de los archivos base.</a:t>
+            </a:r>
+          </a:p>
+          <a:p>
             <a:endParaRPr lang="es-CO" sz="1200" b="0" i="0" dirty="0">
               <a:solidFill>
                 <a:srgbClr val="24292F"/>
@@ -3184,8 +3615,12 @@
           <a:lstStyle/>
           <a:p>
             <a:r>
+              <a:rPr lang="en-US" dirty="0"/>
+              <a:t>La </a:t>
+            </a:r>
+            <a:r>
               <a:rPr lang="en-US" dirty="0" err="1"/>
-              <a:t>Esta</a:t>
+              <a:t>guía</a:t>
             </a:r>
             <a:r>
               <a:rPr lang="en-US" dirty="0"/>
@@ -3193,11 +3628,19 @@
             </a:r>
             <a:r>
               <a:rPr lang="en-US" dirty="0" err="1"/>
-              <a:t>guía</a:t>
+              <a:t>completa</a:t>
             </a:r>
             <a:r>
               <a:rPr lang="en-US" dirty="0"/>
-              <a:t> ha </a:t>
+              <a:t> del </a:t>
+            </a:r>
+            <a:r>
+              <a:rPr lang="en-US" dirty="0" err="1"/>
+              <a:t>curso</a:t>
+            </a:r>
+            <a:r>
+              <a:rPr lang="en-US" dirty="0"/>
+              <a:t>, ha </a:t>
             </a:r>
             <a:r>
               <a:rPr lang="en-US" dirty="0" err="1"/>
@@ -3221,7 +3664,15 @@
             </a:r>
             <a:r>
               <a:rPr lang="en-US" dirty="0"/>
-              <a:t> 3 </a:t>
+              <a:t> </a:t>
+            </a:r>
+            <a:r>
+              <a:rPr lang="en-US" dirty="0" err="1"/>
+              <a:t>diferentes</a:t>
+            </a:r>
+            <a:r>
+              <a:rPr lang="en-US" dirty="0"/>
+              <a:t> </a:t>
             </a:r>
             <a:r>
               <a:rPr lang="en-US" dirty="0" err="1"/>
@@ -3229,7 +3680,7 @@
             </a:r>
             <a:r>
               <a:rPr lang="en-US" dirty="0"/>
-              <a:t>.</a:t>
+              <a:t>:</a:t>
             </a:r>
           </a:p>
           <a:p>
@@ -3250,7 +3701,7 @@
             </a:r>
             <a:r>
               <a:rPr lang="en-US" dirty="0"/>
-              <a:t> 1 </a:t>
+              <a:t> 1, </a:t>
             </a:r>
             <a:r>
               <a:rPr lang="en-US" dirty="0" err="1"/>
@@ -3351,7 +3802,7 @@
             </a:r>
             <a:r>
               <a:rPr lang="en-US" dirty="0"/>
-              <a:t> 2 </a:t>
+              <a:t> 2, </a:t>
             </a:r>
             <a:r>
               <a:rPr lang="en-US" dirty="0" err="1"/>
@@ -3469,7 +3920,7 @@
             </a:r>
             <a:r>
               <a:rPr lang="en-US" dirty="0"/>
-              <a:t> 3 </a:t>
+              <a:t> 3, </a:t>
             </a:r>
             <a:r>
               <a:rPr lang="en-US" dirty="0" err="1"/>
@@ -3525,19 +3976,50 @@
             </a:r>
             <a:r>
               <a:rPr lang="en-US" dirty="0"/>
-              <a:t> </a:t>
-            </a:r>
+              <a:t> IDE de Visual Studio Code de Microsoft.</a:t>
+            </a:r>
+          </a:p>
+          <a:p>
+            <a:pPr marL="0" marR="0" lvl="0" indent="0" algn="l" defTabSz="914377" rtl="0" eaLnBrk="1" fontAlgn="auto" latinLnBrk="0" hangingPunct="1">
+              <a:lnSpc>
+                <a:spcPct val="100000"/>
+              </a:lnSpc>
+              <a:spcBef>
+                <a:spcPts val="0"/>
+              </a:spcBef>
+              <a:spcAft>
+                <a:spcPts val="0"/>
+              </a:spcAft>
+              <a:buClrTx/>
+              <a:buSzTx/>
+              <a:buFontTx/>
+              <a:buNone/>
+              <a:tabLst/>
+              <a:defRPr/>
+            </a:pPr>
+            <a:endParaRPr lang="en-US" dirty="0"/>
+          </a:p>
+          <a:p>
+            <a:pPr marL="0" marR="0" lvl="0" indent="0" algn="l" defTabSz="914377" rtl="0" eaLnBrk="1" fontAlgn="auto" latinLnBrk="0" hangingPunct="1">
+              <a:lnSpc>
+                <a:spcPct val="100000"/>
+              </a:lnSpc>
+              <a:spcBef>
+                <a:spcPts val="0"/>
+              </a:spcBef>
+              <a:spcAft>
+                <a:spcPts val="0"/>
+              </a:spcAft>
+              <a:buClrTx/>
+              <a:buSzTx/>
+              <a:buFontTx/>
+              <a:buNone/>
+              <a:tabLst/>
+              <a:defRPr/>
+            </a:pPr>
             <a:r>
               <a:rPr lang="en-US" dirty="0" err="1"/>
-              <a:t>entorno</a:t>
-            </a:r>
-            <a:r>
-              <a:rPr lang="en-US" dirty="0"/>
-              <a:t> de </a:t>
-            </a:r>
-            <a:r>
-              <a:rPr lang="en-US" dirty="0" err="1"/>
-              <a:t>desarrollo</a:t>
+              <a:t>En</a:t>
             </a:r>
             <a:r>
               <a:rPr lang="en-US" dirty="0"/>
@@ -3545,11 +4027,59 @@
             </a:r>
             <a:r>
               <a:rPr lang="en-US" dirty="0" err="1"/>
-              <a:t>integrado</a:t>
+              <a:t>esta</a:t>
             </a:r>
             <a:r>
               <a:rPr lang="en-US" dirty="0"/>
-              <a:t> o IDE Visual Studio Code de Microsoft.</a:t>
+              <a:t> </a:t>
+            </a:r>
+            <a:r>
+              <a:rPr lang="en-US" dirty="0" err="1"/>
+              <a:t>clase</a:t>
+            </a:r>
+            <a:r>
+              <a:rPr lang="en-US" dirty="0"/>
+              <a:t>, </a:t>
+            </a:r>
+            <a:r>
+              <a:rPr lang="en-US" dirty="0" err="1"/>
+              <a:t>exploraremos</a:t>
+            </a:r>
+            <a:r>
+              <a:rPr lang="en-US" dirty="0"/>
+              <a:t> </a:t>
+            </a:r>
+            <a:r>
+              <a:rPr lang="en-US" dirty="0" err="1"/>
+              <a:t>únicamente</a:t>
+            </a:r>
+            <a:r>
+              <a:rPr lang="en-US" dirty="0"/>
+              <a:t> </a:t>
+            </a:r>
+            <a:r>
+              <a:rPr lang="en-US" dirty="0" err="1"/>
+              <a:t>los</a:t>
+            </a:r>
+            <a:r>
+              <a:rPr lang="en-US" dirty="0"/>
+              <a:t> </a:t>
+            </a:r>
+            <a:r>
+              <a:rPr lang="en-US" dirty="0" err="1"/>
+              <a:t>contenidos</a:t>
+            </a:r>
+            <a:r>
+              <a:rPr lang="en-US" dirty="0"/>
+              <a:t> de la </a:t>
+            </a:r>
+            <a:r>
+              <a:rPr lang="en-US" dirty="0" err="1"/>
+              <a:t>sección</a:t>
+            </a:r>
+            <a:r>
+              <a:rPr lang="en-US" dirty="0"/>
+              <a:t> 1.</a:t>
             </a:r>
           </a:p>
           <a:p>
@@ -3638,6 +4168,77 @@
           <a:bodyPr/>
           <a:lstStyle/>
           <a:p>
+            <a:pPr marL="0" marR="0" lvl="0" indent="0" algn="l" defTabSz="914377" rtl="0" eaLnBrk="1" fontAlgn="auto" latinLnBrk="0" hangingPunct="1">
+              <a:lnSpc>
+                <a:spcPct val="100000"/>
+              </a:lnSpc>
+              <a:spcBef>
+                <a:spcPts val="0"/>
+              </a:spcBef>
+              <a:spcAft>
+                <a:spcPts val="0"/>
+              </a:spcAft>
+              <a:buClrTx/>
+              <a:buSzTx/>
+              <a:buFontTx/>
+              <a:buNone/>
+              <a:tabLst/>
+              <a:defRPr/>
+            </a:pPr>
+            <a:r>
+              <a:rPr lang="es-CO" sz="1200" dirty="0">
+                <a:solidFill>
+                  <a:schemeClr val="bg1">
+                    <a:lumMod val="25000"/>
+                  </a:schemeClr>
+                </a:solidFill>
+                <a:latin typeface="Segoe UI" panose="020B0502040204020203" pitchFamily="34" charset="0"/>
+                <a:ea typeface="Segoe UI Black" panose="020B0A02040204020203" pitchFamily="34" charset="0"/>
+                <a:cs typeface="Segoe UI" panose="020B0502040204020203" pitchFamily="34" charset="0"/>
+              </a:rPr>
+              <a:t>Al realizar modificaciones sobre el código, los archivos o la documentación</a:t>
+            </a:r>
+            <a:r>
+              <a:rPr lang="es-CO" sz="1200" b="0" dirty="0">
+                <a:solidFill>
+                  <a:schemeClr val="bg1">
+                    <a:lumMod val="25000"/>
+                  </a:schemeClr>
+                </a:solidFill>
+                <a:latin typeface="Segoe UI" panose="020B0502040204020203" pitchFamily="34" charset="0"/>
+                <a:ea typeface="Segoe UI Black" panose="020B0A02040204020203" pitchFamily="34" charset="0"/>
+                <a:cs typeface="Segoe UI" panose="020B0502040204020203" pitchFamily="34" charset="0"/>
+              </a:rPr>
+              <a:t>, es necesario incluir comentarios que ayuden a los demás usuarios a entender los cambios realizados, este proceso se realiza a través de </a:t>
+            </a:r>
+            <a:r>
+              <a:rPr lang="es-CO" sz="1200" b="0" dirty="0" err="1">
+                <a:solidFill>
+                  <a:schemeClr val="bg1">
+                    <a:lumMod val="25000"/>
+                  </a:schemeClr>
+                </a:solidFill>
+                <a:latin typeface="Segoe UI" panose="020B0502040204020203" pitchFamily="34" charset="0"/>
+                <a:ea typeface="Segoe UI Black" panose="020B0A02040204020203" pitchFamily="34" charset="0"/>
+                <a:cs typeface="Segoe UI" panose="020B0502040204020203" pitchFamily="34" charset="0"/>
+              </a:rPr>
+              <a:t>Commit</a:t>
+            </a:r>
+            <a:r>
+              <a:rPr lang="es-CO" sz="1200" b="0" dirty="0">
+                <a:solidFill>
+                  <a:schemeClr val="bg1">
+                    <a:lumMod val="25000"/>
+                  </a:schemeClr>
+                </a:solidFill>
+                <a:latin typeface="Segoe UI" panose="020B0502040204020203" pitchFamily="34" charset="0"/>
+                <a:ea typeface="Segoe UI Black" panose="020B0A02040204020203" pitchFamily="34" charset="0"/>
+                <a:cs typeface="Segoe UI" panose="020B0502040204020203" pitchFamily="34" charset="0"/>
+              </a:rPr>
+              <a:t>.</a:t>
+            </a:r>
+          </a:p>
+          <a:p>
             <a:endParaRPr lang="es-CO" sz="1200" b="0" i="0" dirty="0">
               <a:solidFill>
                 <a:srgbClr val="24292F"/>
@@ -3676,7 +4277,7 @@
     </p:spTree>
     <p:extLst>
       <p:ext uri="{BB962C8B-B14F-4D97-AF65-F5344CB8AC3E}">
-        <p14:creationId xmlns:p14="http://schemas.microsoft.com/office/powerpoint/2010/main" val="3738008516"/>
+        <p14:creationId xmlns:p14="http://schemas.microsoft.com/office/powerpoint/2010/main" val="4162639289"/>
       </p:ext>
     </p:extLst>
   </p:cSld>
@@ -3730,6 +4331,90 @@
           <a:bodyPr/>
           <a:lstStyle/>
           <a:p>
+            <a:pPr marL="0" marR="0" lvl="0" indent="0" algn="l" defTabSz="914377" rtl="0" eaLnBrk="1" fontAlgn="auto" latinLnBrk="0" hangingPunct="1">
+              <a:lnSpc>
+                <a:spcPct val="100000"/>
+              </a:lnSpc>
+              <a:spcBef>
+                <a:spcPts val="0"/>
+              </a:spcBef>
+              <a:spcAft>
+                <a:spcPts val="0"/>
+              </a:spcAft>
+              <a:buClrTx/>
+              <a:buSzTx/>
+              <a:buFontTx/>
+              <a:buNone/>
+              <a:tabLst/>
+              <a:defRPr/>
+            </a:pPr>
+            <a:r>
+              <a:rPr lang="es-CO" sz="1200" b="0" dirty="0">
+                <a:solidFill>
+                  <a:schemeClr val="bg1">
+                    <a:lumMod val="25000"/>
+                  </a:schemeClr>
+                </a:solidFill>
+                <a:latin typeface="Segoe UI" panose="020B0502040204020203" pitchFamily="34" charset="0"/>
+                <a:ea typeface="Segoe UI Black" panose="020B0A02040204020203" pitchFamily="34" charset="0"/>
+                <a:cs typeface="Segoe UI" panose="020B0502040204020203" pitchFamily="34" charset="0"/>
+              </a:rPr>
+              <a:t>A través de </a:t>
+            </a:r>
+            <a:r>
+              <a:rPr lang="es-CO" sz="1200" b="0" dirty="0" err="1">
+                <a:solidFill>
+                  <a:schemeClr val="bg1">
+                    <a:lumMod val="25000"/>
+                  </a:schemeClr>
+                </a:solidFill>
+                <a:latin typeface="Segoe UI" panose="020B0502040204020203" pitchFamily="34" charset="0"/>
+                <a:ea typeface="Segoe UI Black" panose="020B0A02040204020203" pitchFamily="34" charset="0"/>
+                <a:cs typeface="Segoe UI" panose="020B0502040204020203" pitchFamily="34" charset="0"/>
+              </a:rPr>
+              <a:t>Push</a:t>
+            </a:r>
+            <a:r>
+              <a:rPr lang="es-CO" sz="1200" b="0" dirty="0">
+                <a:solidFill>
+                  <a:schemeClr val="bg1">
+                    <a:lumMod val="25000"/>
+                  </a:schemeClr>
+                </a:solidFill>
+                <a:latin typeface="Segoe UI" panose="020B0502040204020203" pitchFamily="34" charset="0"/>
+                <a:ea typeface="Segoe UI Black" panose="020B0A02040204020203" pitchFamily="34" charset="0"/>
+                <a:cs typeface="Segoe UI" panose="020B0502040204020203" pitchFamily="34" charset="0"/>
+              </a:rPr>
+              <a:t>, la incorporación de las modificaciones realizadas a un documento </a:t>
+            </a:r>
+            <a:r>
+              <a:rPr lang="es-CO" sz="1200" b="0" dirty="0" err="1">
+                <a:solidFill>
+                  <a:schemeClr val="bg1">
+                    <a:lumMod val="25000"/>
+                  </a:schemeClr>
+                </a:solidFill>
+                <a:latin typeface="Segoe UI" panose="020B0502040204020203" pitchFamily="34" charset="0"/>
+                <a:ea typeface="Segoe UI Black" panose="020B0A02040204020203" pitchFamily="34" charset="0"/>
+                <a:cs typeface="Segoe UI" panose="020B0502040204020203" pitchFamily="34" charset="0"/>
+              </a:rPr>
+              <a:t>Markdown</a:t>
+            </a:r>
+            <a:r>
+              <a:rPr lang="es-CO" sz="1200" b="0" dirty="0">
+                <a:solidFill>
+                  <a:schemeClr val="bg1">
+                    <a:lumMod val="25000"/>
+                  </a:schemeClr>
+                </a:solidFill>
+                <a:latin typeface="Segoe UI" panose="020B0502040204020203" pitchFamily="34" charset="0"/>
+                <a:ea typeface="Segoe UI Black" panose="020B0A02040204020203" pitchFamily="34" charset="0"/>
+                <a:cs typeface="Segoe UI" panose="020B0502040204020203" pitchFamily="34" charset="0"/>
+              </a:rPr>
+              <a:t>, a un código o a cualquier elemento nuevo dentro del repositorio, son actualizadas y publicadas en la nube.</a:t>
+            </a:r>
+          </a:p>
+          <a:p>
             <a:endParaRPr lang="es-CO" sz="1200" b="0" i="0" dirty="0">
               <a:solidFill>
                 <a:srgbClr val="24292F"/>
@@ -3768,7 +4453,7 @@
     </p:spTree>
     <p:extLst>
       <p:ext uri="{BB962C8B-B14F-4D97-AF65-F5344CB8AC3E}">
-        <p14:creationId xmlns:p14="http://schemas.microsoft.com/office/powerpoint/2010/main" val="4162639289"/>
+        <p14:creationId xmlns:p14="http://schemas.microsoft.com/office/powerpoint/2010/main" val="3738008516"/>
       </p:ext>
     </p:extLst>
   </p:cSld>
@@ -3851,47 +4536,7 @@
                 <a:effectLst/>
                 <a:latin typeface="-apple-system"/>
               </a:rPr>
-              <a:t>, que permite crear texto con formato, tablas, enlaces y utilizar elementos embebidos del lenguaje de hipertextos HTML y sin tener que definir estilos o tener conocimientos de programación. En este </a:t>
-            </a:r>
-            <a:r>
-              <a:rPr lang="es-CO" b="0" i="0" dirty="0" err="1">
-                <a:solidFill>
-                  <a:srgbClr val="24292F"/>
-                </a:solidFill>
-                <a:effectLst/>
-                <a:latin typeface="-apple-system"/>
-              </a:rPr>
-              <a:t>microcontenido</a:t>
-            </a:r>
-            <a:r>
-              <a:rPr lang="es-CO" b="0" i="0" dirty="0">
-                <a:solidFill>
-                  <a:srgbClr val="24292F"/>
-                </a:solidFill>
-                <a:effectLst/>
-                <a:latin typeface="-apple-system"/>
-              </a:rPr>
-              <a:t> encontrarás diferentes recursos para la escritura de e-Books y documentación wiki usando el lenguaje de marcas </a:t>
-            </a:r>
-            <a:r>
-              <a:rPr lang="es-CO" b="0" i="0" dirty="0" err="1">
-                <a:solidFill>
-                  <a:srgbClr val="24292F"/>
-                </a:solidFill>
-                <a:effectLst/>
-                <a:latin typeface="-apple-system"/>
-              </a:rPr>
-              <a:t>Markdown</a:t>
-            </a:r>
-            <a:r>
-              <a:rPr lang="es-CO" b="0" i="0" dirty="0">
-                <a:solidFill>
-                  <a:srgbClr val="24292F"/>
-                </a:solidFill>
-                <a:effectLst/>
-                <a:latin typeface="-apple-system"/>
-              </a:rPr>
-              <a:t>.</a:t>
+              <a:t>, este permite crear texto con formato, tablas, enlaces y utilizar elementos embebidos del lenguaje de hipertextos HTML y sin tener que definir estilos o tener conocimientos de programación. </a:t>
             </a:r>
           </a:p>
           <a:p>
@@ -3925,114 +4570,7 @@
                 <a:effectLst/>
                 <a:latin typeface="-apple-system"/>
               </a:rPr>
-              <a:t> es un lenguaje de marcas que facilita la aplicación de formato a un texto empleando una serie de caracteres de una forma especial. En principio, fue pensado para elaborar textos cuyo destino iba a ser la web con más rapidez y sencillez que si estuviésemos usando directamente HTML, y si bien ese suele ser el mejor uso que podemos darle, también podemos emplearlo para cualquier tipo de texto, independientemente de cuál vaya a ser su destino. Como explica </a:t>
-            </a:r>
-            <a:r>
-              <a:rPr lang="es-CO" b="0" i="1" u="none" strike="noStrike" dirty="0">
-                <a:effectLst/>
-                <a:latin typeface="-apple-system"/>
-                <a:hlinkClick r:id="rId3"/>
-              </a:rPr>
-              <a:t>John </a:t>
-            </a:r>
-            <a:r>
-              <a:rPr lang="es-CO" b="0" i="1" u="none" strike="noStrike" dirty="0" err="1">
-                <a:effectLst/>
-                <a:latin typeface="-apple-system"/>
-                <a:hlinkClick r:id="rId3"/>
-              </a:rPr>
-              <a:t>Gruber</a:t>
-            </a:r>
-            <a:r>
-              <a:rPr lang="es-CO" b="0" i="0" dirty="0">
-                <a:solidFill>
-                  <a:srgbClr val="24292F"/>
-                </a:solidFill>
-                <a:effectLst/>
-                <a:latin typeface="-apple-system"/>
-              </a:rPr>
-              <a:t>, uno de sus creadores, </a:t>
-            </a:r>
-            <a:r>
-              <a:rPr lang="es-CO" b="0" i="0" dirty="0" err="1">
-                <a:solidFill>
-                  <a:srgbClr val="24292F"/>
-                </a:solidFill>
-                <a:effectLst/>
-                <a:latin typeface="-apple-system"/>
-              </a:rPr>
-              <a:t>Markdown</a:t>
-            </a:r>
-            <a:r>
-              <a:rPr lang="es-CO" b="0" i="0" dirty="0">
-                <a:solidFill>
-                  <a:srgbClr val="24292F"/>
-                </a:solidFill>
-                <a:effectLst/>
-                <a:latin typeface="-apple-system"/>
-              </a:rPr>
-              <a:t> es realmente dos cosas: por un lado, el lenguaje; por otro, una herramienta de software que convierte documentos .</a:t>
-            </a:r>
-            <a:r>
-              <a:rPr lang="es-CO" b="0" i="0" dirty="0" err="1">
-                <a:solidFill>
-                  <a:srgbClr val="24292F"/>
-                </a:solidFill>
-                <a:effectLst/>
-                <a:latin typeface="-apple-system"/>
-              </a:rPr>
-              <a:t>md</a:t>
-            </a:r>
-            <a:r>
-              <a:rPr lang="es-CO" b="0" i="0" dirty="0">
-                <a:solidFill>
-                  <a:srgbClr val="24292F"/>
-                </a:solidFill>
-                <a:effectLst/>
-                <a:latin typeface="-apple-system"/>
-              </a:rPr>
-              <a:t> en lenguaje HTML válido.</a:t>
-            </a:r>
-            <a:endParaRPr lang="es-CO" sz="1200" b="0" i="0" dirty="0">
-              <a:solidFill>
-                <a:srgbClr val="24292F"/>
-              </a:solidFill>
-              <a:effectLst/>
-              <a:latin typeface="-apple-system"/>
-              <a:cs typeface="Segoe UI Light" panose="020B0502040204020203" pitchFamily="34" charset="0"/>
-            </a:endParaRPr>
-          </a:p>
-          <a:p>
-            <a:pPr algn="l"/>
-            <a:endParaRPr lang="es-CO" sz="1200" b="0" i="0" dirty="0">
-              <a:solidFill>
-                <a:srgbClr val="24292F"/>
-              </a:solidFill>
-              <a:effectLst/>
-              <a:latin typeface="-apple-system"/>
-              <a:cs typeface="Segoe UI Light" panose="020B0502040204020203" pitchFamily="34" charset="0"/>
-            </a:endParaRPr>
-          </a:p>
-          <a:p>
-            <a:pPr algn="l"/>
-            <a:r>
-              <a:rPr lang="es-CO" sz="1200" b="0" i="0" dirty="0">
-                <a:solidFill>
-                  <a:srgbClr val="24292F"/>
-                </a:solidFill>
-                <a:effectLst/>
-                <a:latin typeface="-apple-system"/>
-                <a:cs typeface="Segoe UI Light" panose="020B0502040204020203" pitchFamily="34" charset="0"/>
-              </a:rPr>
-              <a:t>Tomado o adaptado de: </a:t>
-            </a:r>
-            <a:r>
-              <a:rPr lang="es-CO" b="0" i="0" u="sng" dirty="0">
-                <a:effectLst/>
-                <a:latin typeface="-apple-system"/>
-                <a:hlinkClick r:id="rId4"/>
-              </a:rPr>
-              <a:t>https://www.genbeta.com/guia-de-inicio/que-es-markdown-para-que-sirve-y-como-usarlo</a:t>
+              <a:t> es un lenguaje de marcas que facilita la aplicación de formato a un texto empleando una serie de caracteres de una forma especial. En principio, fue pensado para elaborar textos cuyo destino iba a ser la web con más rapidez y sencillez que si estuviésemos usando directamente HTML, y si bien ese suele ser el mejor uso que podemos darle, también podemos emplearlo para cualquier tipo de texto, independientemente de cuál vaya a ser su destino.</a:t>
             </a:r>
             <a:endParaRPr lang="es-CO" sz="1200" b="0" i="0" dirty="0">
               <a:solidFill>
@@ -4127,7 +4665,553 @@
           <a:lstStyle/>
           <a:p>
             <a:pPr algn="l"/>
+            <a:r>
+              <a:rPr lang="en-US" sz="1200" b="0" i="0" dirty="0" err="1">
+                <a:solidFill>
+                  <a:srgbClr val="24292F"/>
+                </a:solidFill>
+                <a:effectLst/>
+                <a:latin typeface="-apple-system"/>
+                <a:cs typeface="Segoe UI Light" panose="020B0502040204020203" pitchFamily="34" charset="0"/>
+              </a:rPr>
+              <a:t>Ahora</a:t>
+            </a:r>
+            <a:r>
+              <a:rPr lang="en-US" sz="1200" b="0" i="0" dirty="0">
+                <a:solidFill>
+                  <a:srgbClr val="24292F"/>
+                </a:solidFill>
+                <a:effectLst/>
+                <a:latin typeface="-apple-system"/>
+                <a:cs typeface="Segoe UI Light" panose="020B0502040204020203" pitchFamily="34" charset="0"/>
+              </a:rPr>
+              <a:t> y </a:t>
+            </a:r>
+            <a:r>
+              <a:rPr lang="en-US" sz="1200" b="0" i="0" dirty="0" err="1">
+                <a:solidFill>
+                  <a:srgbClr val="24292F"/>
+                </a:solidFill>
+                <a:effectLst/>
+                <a:latin typeface="-apple-system"/>
+                <a:cs typeface="Segoe UI Light" panose="020B0502040204020203" pitchFamily="34" charset="0"/>
+              </a:rPr>
+              <a:t>luego</a:t>
+            </a:r>
+            <a:r>
+              <a:rPr lang="en-US" sz="1200" b="0" i="0" dirty="0">
+                <a:solidFill>
+                  <a:srgbClr val="24292F"/>
+                </a:solidFill>
+                <a:effectLst/>
+                <a:latin typeface="-apple-system"/>
+                <a:cs typeface="Segoe UI Light" panose="020B0502040204020203" pitchFamily="34" charset="0"/>
+              </a:rPr>
+              <a:t> de </a:t>
+            </a:r>
+            <a:r>
+              <a:rPr lang="en-US" sz="1200" b="0" i="0" dirty="0" err="1">
+                <a:solidFill>
+                  <a:srgbClr val="24292F"/>
+                </a:solidFill>
+                <a:effectLst/>
+                <a:latin typeface="-apple-system"/>
+                <a:cs typeface="Segoe UI Light" panose="020B0502040204020203" pitchFamily="34" charset="0"/>
+              </a:rPr>
+              <a:t>haber</a:t>
+            </a:r>
+            <a:r>
+              <a:rPr lang="en-US" sz="1200" b="0" i="0" dirty="0">
+                <a:solidFill>
+                  <a:srgbClr val="24292F"/>
+                </a:solidFill>
+                <a:effectLst/>
+                <a:latin typeface="-apple-system"/>
+                <a:cs typeface="Segoe UI Light" panose="020B0502040204020203" pitchFamily="34" charset="0"/>
+              </a:rPr>
+              <a:t> visto </a:t>
+            </a:r>
+            <a:r>
+              <a:rPr lang="en-US" sz="1200" b="0" i="0" dirty="0" err="1">
+                <a:solidFill>
+                  <a:srgbClr val="24292F"/>
+                </a:solidFill>
+                <a:effectLst/>
+                <a:latin typeface="-apple-system"/>
+                <a:cs typeface="Segoe UI Light" panose="020B0502040204020203" pitchFamily="34" charset="0"/>
+              </a:rPr>
+              <a:t>los</a:t>
+            </a:r>
+            <a:r>
+              <a:rPr lang="en-US" sz="1200" b="0" i="0" dirty="0">
+                <a:solidFill>
+                  <a:srgbClr val="24292F"/>
+                </a:solidFill>
+                <a:effectLst/>
+                <a:latin typeface="-apple-system"/>
+                <a:cs typeface="Segoe UI Light" panose="020B0502040204020203" pitchFamily="34" charset="0"/>
+              </a:rPr>
+              <a:t> </a:t>
+            </a:r>
+            <a:r>
+              <a:rPr lang="en-US" sz="1200" b="0" i="0" dirty="0" err="1">
+                <a:solidFill>
+                  <a:srgbClr val="24292F"/>
+                </a:solidFill>
+                <a:effectLst/>
+                <a:latin typeface="-apple-system"/>
+                <a:cs typeface="Segoe UI Light" panose="020B0502040204020203" pitchFamily="34" charset="0"/>
+              </a:rPr>
+              <a:t>conceptos</a:t>
+            </a:r>
+            <a:r>
+              <a:rPr lang="en-US" sz="1200" b="0" i="0" dirty="0">
+                <a:solidFill>
+                  <a:srgbClr val="24292F"/>
+                </a:solidFill>
+                <a:effectLst/>
+                <a:latin typeface="-apple-system"/>
+                <a:cs typeface="Segoe UI Light" panose="020B0502040204020203" pitchFamily="34" charset="0"/>
+              </a:rPr>
+              <a:t> </a:t>
+            </a:r>
+            <a:r>
+              <a:rPr lang="en-US" sz="1200" b="0" i="0" dirty="0" err="1">
+                <a:solidFill>
+                  <a:srgbClr val="24292F"/>
+                </a:solidFill>
+                <a:effectLst/>
+                <a:latin typeface="-apple-system"/>
+                <a:cs typeface="Segoe UI Light" panose="020B0502040204020203" pitchFamily="34" charset="0"/>
+              </a:rPr>
+              <a:t>generales</a:t>
+            </a:r>
+            <a:r>
+              <a:rPr lang="en-US" sz="1200" b="0" i="0" dirty="0">
+                <a:solidFill>
+                  <a:srgbClr val="24292F"/>
+                </a:solidFill>
+                <a:effectLst/>
+                <a:latin typeface="-apple-system"/>
+                <a:cs typeface="Segoe UI Light" panose="020B0502040204020203" pitchFamily="34" charset="0"/>
+              </a:rPr>
+              <a:t>, </a:t>
+            </a:r>
+            <a:r>
+              <a:rPr lang="en-US" sz="1200" b="0" i="0" dirty="0" err="1">
+                <a:solidFill>
+                  <a:srgbClr val="24292F"/>
+                </a:solidFill>
+                <a:effectLst/>
+                <a:latin typeface="-apple-system"/>
+                <a:cs typeface="Segoe UI Light" panose="020B0502040204020203" pitchFamily="34" charset="0"/>
+              </a:rPr>
+              <a:t>pasémos</a:t>
+            </a:r>
+            <a:r>
+              <a:rPr lang="en-US" sz="1200" b="0" i="0" dirty="0">
+                <a:solidFill>
+                  <a:srgbClr val="24292F"/>
+                </a:solidFill>
+                <a:effectLst/>
+                <a:latin typeface="-apple-system"/>
+                <a:cs typeface="Segoe UI Light" panose="020B0502040204020203" pitchFamily="34" charset="0"/>
+              </a:rPr>
+              <a:t> a la </a:t>
+            </a:r>
+            <a:r>
+              <a:rPr lang="en-US" sz="1200" b="0" i="0" dirty="0" err="1">
+                <a:solidFill>
+                  <a:srgbClr val="24292F"/>
+                </a:solidFill>
+                <a:effectLst/>
+                <a:latin typeface="-apple-system"/>
+                <a:cs typeface="Segoe UI Light" panose="020B0502040204020203" pitchFamily="34" charset="0"/>
+              </a:rPr>
+              <a:t>práctica</a:t>
+            </a:r>
+            <a:r>
+              <a:rPr lang="en-US" sz="1200" b="0" i="0" dirty="0">
+                <a:solidFill>
+                  <a:srgbClr val="24292F"/>
+                </a:solidFill>
+                <a:effectLst/>
+                <a:latin typeface="-apple-system"/>
+                <a:cs typeface="Segoe UI Light" panose="020B0502040204020203" pitchFamily="34" charset="0"/>
+              </a:rPr>
+              <a:t>, </a:t>
+            </a:r>
+            <a:r>
+              <a:rPr lang="en-US" sz="1200" b="0" i="0" dirty="0" err="1">
+                <a:solidFill>
+                  <a:srgbClr val="24292F"/>
+                </a:solidFill>
+                <a:effectLst/>
+                <a:latin typeface="-apple-system"/>
+                <a:cs typeface="Segoe UI Light" panose="020B0502040204020203" pitchFamily="34" charset="0"/>
+              </a:rPr>
+              <a:t>desarrollando</a:t>
+            </a:r>
+            <a:r>
+              <a:rPr lang="en-US" sz="1200" b="0" i="0" dirty="0">
+                <a:solidFill>
+                  <a:srgbClr val="24292F"/>
+                </a:solidFill>
+                <a:effectLst/>
+                <a:latin typeface="-apple-system"/>
+                <a:cs typeface="Segoe UI Light" panose="020B0502040204020203" pitchFamily="34" charset="0"/>
+              </a:rPr>
+              <a:t> las </a:t>
+            </a:r>
+            <a:r>
+              <a:rPr lang="en-US" sz="1200" b="0" i="0" dirty="0" err="1">
+                <a:solidFill>
+                  <a:srgbClr val="24292F"/>
+                </a:solidFill>
+                <a:effectLst/>
+                <a:latin typeface="-apple-system"/>
+                <a:cs typeface="Segoe UI Light" panose="020B0502040204020203" pitchFamily="34" charset="0"/>
+              </a:rPr>
+              <a:t>siguientes</a:t>
+            </a:r>
+            <a:r>
+              <a:rPr lang="en-US" sz="1200" b="0" i="0" dirty="0">
+                <a:solidFill>
+                  <a:srgbClr val="24292F"/>
+                </a:solidFill>
+                <a:effectLst/>
+                <a:latin typeface="-apple-system"/>
+                <a:cs typeface="Segoe UI Light" panose="020B0502040204020203" pitchFamily="34" charset="0"/>
+              </a:rPr>
+              <a:t> </a:t>
+            </a:r>
+            <a:r>
+              <a:rPr lang="en-US" sz="1200" b="0" i="0" dirty="0" err="1">
+                <a:solidFill>
+                  <a:srgbClr val="24292F"/>
+                </a:solidFill>
+                <a:effectLst/>
+                <a:latin typeface="-apple-system"/>
+                <a:cs typeface="Segoe UI Light" panose="020B0502040204020203" pitchFamily="34" charset="0"/>
+              </a:rPr>
+              <a:t>actividades</a:t>
+            </a:r>
+            <a:r>
+              <a:rPr lang="en-US" sz="1200" b="0" i="0" dirty="0">
+                <a:solidFill>
+                  <a:srgbClr val="24292F"/>
+                </a:solidFill>
+                <a:effectLst/>
+                <a:latin typeface="-apple-system"/>
+                <a:cs typeface="Segoe UI Light" panose="020B0502040204020203" pitchFamily="34" charset="0"/>
+              </a:rPr>
+              <a:t> de la </a:t>
+            </a:r>
+            <a:r>
+              <a:rPr lang="en-US" sz="1200" b="0" i="0" dirty="0" err="1">
+                <a:solidFill>
+                  <a:srgbClr val="24292F"/>
+                </a:solidFill>
+                <a:effectLst/>
+                <a:latin typeface="-apple-system"/>
+                <a:cs typeface="Segoe UI Light" panose="020B0502040204020203" pitchFamily="34" charset="0"/>
+              </a:rPr>
+              <a:t>sección</a:t>
+            </a:r>
+            <a:r>
+              <a:rPr lang="en-US" sz="1200" b="0" i="0" dirty="0">
+                <a:solidFill>
+                  <a:srgbClr val="24292F"/>
+                </a:solidFill>
+                <a:effectLst/>
+                <a:latin typeface="-apple-system"/>
+                <a:cs typeface="Segoe UI Light" panose="020B0502040204020203" pitchFamily="34" charset="0"/>
+              </a:rPr>
+              <a:t> 1 de </a:t>
+            </a:r>
+            <a:r>
+              <a:rPr lang="en-US" sz="1200" b="0" i="0" dirty="0" err="1">
+                <a:solidFill>
+                  <a:srgbClr val="24292F"/>
+                </a:solidFill>
+                <a:effectLst/>
+                <a:latin typeface="-apple-system"/>
+                <a:cs typeface="Segoe UI Light" panose="020B0502040204020203" pitchFamily="34" charset="0"/>
+              </a:rPr>
+              <a:t>esta</a:t>
+            </a:r>
+            <a:r>
+              <a:rPr lang="en-US" sz="1200" b="0" i="0" dirty="0">
+                <a:solidFill>
+                  <a:srgbClr val="24292F"/>
+                </a:solidFill>
+                <a:effectLst/>
+                <a:latin typeface="-apple-system"/>
+                <a:cs typeface="Segoe UI Light" panose="020B0502040204020203" pitchFamily="34" charset="0"/>
+              </a:rPr>
+              <a:t> </a:t>
+            </a:r>
+            <a:r>
+              <a:rPr lang="en-US" sz="1200" b="0" i="0" dirty="0" err="1">
+                <a:solidFill>
+                  <a:srgbClr val="24292F"/>
+                </a:solidFill>
+                <a:effectLst/>
+                <a:latin typeface="-apple-system"/>
+                <a:cs typeface="Segoe UI Light" panose="020B0502040204020203" pitchFamily="34" charset="0"/>
+              </a:rPr>
+              <a:t>guía</a:t>
+            </a:r>
+            <a:r>
+              <a:rPr lang="en-US" sz="1200" b="0" i="0" dirty="0">
+                <a:solidFill>
+                  <a:srgbClr val="24292F"/>
+                </a:solidFill>
+                <a:effectLst/>
+                <a:latin typeface="-apple-system"/>
+                <a:cs typeface="Segoe UI Light" panose="020B0502040204020203" pitchFamily="34" charset="0"/>
+              </a:rPr>
+              <a:t>:</a:t>
+            </a:r>
+          </a:p>
+          <a:p>
+            <a:pPr algn="l"/>
+            <a:endParaRPr lang="en-US" sz="1200" b="0" i="0" dirty="0">
+              <a:solidFill>
+                <a:srgbClr val="24292F"/>
+              </a:solidFill>
+              <a:effectLst/>
+              <a:latin typeface="-apple-system"/>
+              <a:cs typeface="Segoe UI Light" panose="020B0502040204020203" pitchFamily="34" charset="0"/>
+            </a:endParaRPr>
+          </a:p>
+          <a:p>
+            <a:pPr algn="l"/>
+            <a:r>
+              <a:rPr lang="es-CO" sz="1200" b="0" dirty="0">
+                <a:solidFill>
+                  <a:schemeClr val="bg1">
+                    <a:lumMod val="25000"/>
+                  </a:schemeClr>
+                </a:solidFill>
+                <a:latin typeface="Segoe UI" panose="020B0502040204020203" pitchFamily="34" charset="0"/>
+                <a:ea typeface="Segoe UI Black" panose="020B0A02040204020203" pitchFamily="34" charset="0"/>
+                <a:cs typeface="Segoe UI" panose="020B0502040204020203" pitchFamily="34" charset="0"/>
+              </a:rPr>
+              <a:t>Iniciaremos con la creación y gestión en línea de repositorios y documentos.</a:t>
+            </a:r>
+          </a:p>
+          <a:p>
+            <a:pPr algn="l"/>
             <a:endParaRPr lang="es-CO" sz="1200" b="0" i="0" dirty="0">
+              <a:solidFill>
+                <a:schemeClr val="bg1">
+                  <a:lumMod val="25000"/>
+                </a:schemeClr>
+              </a:solidFill>
+              <a:effectLst/>
+              <a:latin typeface="Segoe UI" panose="020B0502040204020203" pitchFamily="34" charset="0"/>
+              <a:ea typeface="Segoe UI Black" panose="020B0A02040204020203" pitchFamily="34" charset="0"/>
+              <a:cs typeface="Segoe UI" panose="020B0502040204020203" pitchFamily="34" charset="0"/>
+            </a:endParaRPr>
+          </a:p>
+          <a:p>
+            <a:pPr marL="0" marR="0" lvl="0" indent="0" algn="l" defTabSz="914377" rtl="0" eaLnBrk="1" fontAlgn="auto" latinLnBrk="0" hangingPunct="1">
+              <a:lnSpc>
+                <a:spcPct val="100000"/>
+              </a:lnSpc>
+              <a:spcBef>
+                <a:spcPts val="0"/>
+              </a:spcBef>
+              <a:spcAft>
+                <a:spcPts val="0"/>
+              </a:spcAft>
+              <a:buClrTx/>
+              <a:buSzTx/>
+              <a:buFontTx/>
+              <a:buNone/>
+              <a:tabLst/>
+              <a:defRPr/>
+            </a:pPr>
+            <a:r>
+              <a:rPr lang="es-CO" sz="1200" b="0" dirty="0">
+                <a:solidFill>
+                  <a:schemeClr val="bg1">
+                    <a:lumMod val="25000"/>
+                  </a:schemeClr>
+                </a:solidFill>
+                <a:latin typeface="Segoe UI" panose="020B0502040204020203" pitchFamily="34" charset="0"/>
+                <a:ea typeface="Segoe UI Black" panose="020B0A02040204020203" pitchFamily="34" charset="0"/>
+                <a:cs typeface="Segoe UI" panose="020B0502040204020203" pitchFamily="34" charset="0"/>
+              </a:rPr>
+              <a:t>Luego veremos los fundamentos y aplicaciones de organizaciones y equipos.</a:t>
+            </a:r>
+          </a:p>
+          <a:p>
+            <a:pPr marL="0" marR="0" lvl="0" indent="0" algn="l" defTabSz="914377" rtl="0" eaLnBrk="1" fontAlgn="auto" latinLnBrk="0" hangingPunct="1">
+              <a:lnSpc>
+                <a:spcPct val="100000"/>
+              </a:lnSpc>
+              <a:spcBef>
+                <a:spcPts val="0"/>
+              </a:spcBef>
+              <a:spcAft>
+                <a:spcPts val="0"/>
+              </a:spcAft>
+              <a:buClrTx/>
+              <a:buSzTx/>
+              <a:buFontTx/>
+              <a:buNone/>
+              <a:tabLst/>
+              <a:defRPr/>
+            </a:pPr>
+            <a:endParaRPr lang="es-CO" sz="1200" b="0" dirty="0">
+              <a:solidFill>
+                <a:schemeClr val="bg1">
+                  <a:lumMod val="25000"/>
+                </a:schemeClr>
+              </a:solidFill>
+              <a:latin typeface="Segoe UI" panose="020B0502040204020203" pitchFamily="34" charset="0"/>
+              <a:ea typeface="Segoe UI Black" panose="020B0A02040204020203" pitchFamily="34" charset="0"/>
+              <a:cs typeface="Segoe UI" panose="020B0502040204020203" pitchFamily="34" charset="0"/>
+            </a:endParaRPr>
+          </a:p>
+          <a:p>
+            <a:pPr marL="0" marR="0" lvl="0" indent="0" algn="l" defTabSz="914377" rtl="0" eaLnBrk="1" fontAlgn="auto" latinLnBrk="0" hangingPunct="1">
+              <a:lnSpc>
+                <a:spcPct val="100000"/>
+              </a:lnSpc>
+              <a:spcBef>
+                <a:spcPts val="0"/>
+              </a:spcBef>
+              <a:spcAft>
+                <a:spcPts val="0"/>
+              </a:spcAft>
+              <a:buClrTx/>
+              <a:buSzTx/>
+              <a:buFontTx/>
+              <a:buNone/>
+              <a:tabLst/>
+              <a:defRPr/>
+            </a:pPr>
+            <a:r>
+              <a:rPr lang="es-CO" sz="1200" b="0" dirty="0">
+                <a:solidFill>
+                  <a:schemeClr val="bg1">
+                    <a:lumMod val="25000"/>
+                  </a:schemeClr>
+                </a:solidFill>
+                <a:latin typeface="Segoe UI" panose="020B0502040204020203" pitchFamily="34" charset="0"/>
+                <a:ea typeface="Segoe UI Black" panose="020B0A02040204020203" pitchFamily="34" charset="0"/>
+                <a:cs typeface="Segoe UI" panose="020B0502040204020203" pitchFamily="34" charset="0"/>
+              </a:rPr>
+              <a:t>Posteriormente crearemos y exploraremos los centro de documentación Wiki.</a:t>
+            </a:r>
+          </a:p>
+          <a:p>
+            <a:pPr marL="0" marR="0" lvl="0" indent="0" algn="l" defTabSz="914377" rtl="0" eaLnBrk="1" fontAlgn="auto" latinLnBrk="0" hangingPunct="1">
+              <a:lnSpc>
+                <a:spcPct val="100000"/>
+              </a:lnSpc>
+              <a:spcBef>
+                <a:spcPts val="0"/>
+              </a:spcBef>
+              <a:spcAft>
+                <a:spcPts val="0"/>
+              </a:spcAft>
+              <a:buClrTx/>
+              <a:buSzTx/>
+              <a:buFontTx/>
+              <a:buNone/>
+              <a:tabLst/>
+              <a:defRPr/>
+            </a:pPr>
+            <a:endParaRPr lang="es-CO" sz="1200" b="0" dirty="0">
+              <a:solidFill>
+                <a:schemeClr val="bg1">
+                  <a:lumMod val="25000"/>
+                </a:schemeClr>
+              </a:solidFill>
+              <a:latin typeface="Segoe UI" panose="020B0502040204020203" pitchFamily="34" charset="0"/>
+              <a:ea typeface="Segoe UI Black" panose="020B0A02040204020203" pitchFamily="34" charset="0"/>
+              <a:cs typeface="Segoe UI" panose="020B0502040204020203" pitchFamily="34" charset="0"/>
+            </a:endParaRPr>
+          </a:p>
+          <a:p>
+            <a:pPr marL="0" marR="0" lvl="0" indent="0" algn="l" defTabSz="914377" rtl="0" eaLnBrk="1" fontAlgn="auto" latinLnBrk="0" hangingPunct="1">
+              <a:lnSpc>
+                <a:spcPct val="100000"/>
+              </a:lnSpc>
+              <a:spcBef>
+                <a:spcPts val="0"/>
+              </a:spcBef>
+              <a:spcAft>
+                <a:spcPts val="0"/>
+              </a:spcAft>
+              <a:buClrTx/>
+              <a:buSzTx/>
+              <a:buFontTx/>
+              <a:buNone/>
+              <a:tabLst/>
+              <a:defRPr/>
+            </a:pPr>
+            <a:r>
+              <a:rPr lang="es-CO" sz="1200" b="0" dirty="0">
+                <a:solidFill>
+                  <a:schemeClr val="bg1">
+                    <a:lumMod val="25000"/>
+                  </a:schemeClr>
+                </a:solidFill>
+                <a:latin typeface="Segoe UI" panose="020B0502040204020203" pitchFamily="34" charset="0"/>
+                <a:ea typeface="Segoe UI Black" panose="020B0A02040204020203" pitchFamily="34" charset="0"/>
+                <a:cs typeface="Segoe UI" panose="020B0502040204020203" pitchFamily="34" charset="0"/>
+              </a:rPr>
+              <a:t>Y para finalizar, activaremos e iniciaremos el centro de discusión.</a:t>
+            </a:r>
+          </a:p>
+          <a:p>
+            <a:pPr marL="0" marR="0" lvl="0" indent="0" algn="l" defTabSz="914377" rtl="0" eaLnBrk="1" fontAlgn="auto" latinLnBrk="0" hangingPunct="1">
+              <a:lnSpc>
+                <a:spcPct val="100000"/>
+              </a:lnSpc>
+              <a:spcBef>
+                <a:spcPts val="0"/>
+              </a:spcBef>
+              <a:spcAft>
+                <a:spcPts val="0"/>
+              </a:spcAft>
+              <a:buClrTx/>
+              <a:buSzTx/>
+              <a:buFontTx/>
+              <a:buNone/>
+              <a:tabLst/>
+              <a:defRPr/>
+            </a:pPr>
+            <a:endParaRPr lang="es-CO" sz="1200" b="1" dirty="0">
+              <a:solidFill>
+                <a:schemeClr val="bg1">
+                  <a:lumMod val="25000"/>
+                </a:schemeClr>
+              </a:solidFill>
+              <a:latin typeface="Segoe UI" panose="020B0502040204020203" pitchFamily="34" charset="0"/>
+              <a:ea typeface="Segoe UI Black" panose="020B0A02040204020203" pitchFamily="34" charset="0"/>
+              <a:cs typeface="Segoe UI" panose="020B0502040204020203" pitchFamily="34" charset="0"/>
+            </a:endParaRPr>
+          </a:p>
+          <a:p>
+            <a:pPr algn="l"/>
+            <a:endParaRPr lang="en-US" sz="1200" b="0" i="0" dirty="0">
+              <a:solidFill>
+                <a:srgbClr val="24292F"/>
+              </a:solidFill>
+              <a:effectLst/>
+              <a:latin typeface="-apple-system"/>
+              <a:cs typeface="Segoe UI Light" panose="020B0502040204020203" pitchFamily="34" charset="0"/>
+            </a:endParaRPr>
+          </a:p>
+          <a:p>
+            <a:pPr algn="l"/>
+            <a:endParaRPr lang="en-US" sz="1200" b="0" i="0" dirty="0">
               <a:solidFill>
                 <a:srgbClr val="24292F"/>
               </a:solidFill>
@@ -4219,6 +5303,193 @@
           <a:bodyPr/>
           <a:lstStyle/>
           <a:p>
+            <a:r>
+              <a:rPr lang="en-US" sz="1200" b="0" i="0" dirty="0">
+                <a:solidFill>
+                  <a:srgbClr val="24292F"/>
+                </a:solidFill>
+                <a:effectLst/>
+                <a:latin typeface="-apple-system"/>
+                <a:cs typeface="Segoe UI Light" panose="020B0502040204020203" pitchFamily="34" charset="0"/>
+              </a:rPr>
+              <a:t>Gracias </a:t>
+            </a:r>
+            <a:r>
+              <a:rPr lang="en-US" sz="1200" b="0" i="0" dirty="0" err="1">
+                <a:solidFill>
+                  <a:srgbClr val="24292F"/>
+                </a:solidFill>
+                <a:effectLst/>
+                <a:latin typeface="-apple-system"/>
+                <a:cs typeface="Segoe UI Light" panose="020B0502040204020203" pitchFamily="34" charset="0"/>
+              </a:rPr>
+              <a:t>por</a:t>
+            </a:r>
+            <a:r>
+              <a:rPr lang="en-US" sz="1200" b="0" i="0" dirty="0">
+                <a:solidFill>
+                  <a:srgbClr val="24292F"/>
+                </a:solidFill>
+                <a:effectLst/>
+                <a:latin typeface="-apple-system"/>
+                <a:cs typeface="Segoe UI Light" panose="020B0502040204020203" pitchFamily="34" charset="0"/>
+              </a:rPr>
+              <a:t> </a:t>
+            </a:r>
+            <a:r>
+              <a:rPr lang="en-US" sz="1200" b="0" i="0" dirty="0" err="1">
+                <a:solidFill>
+                  <a:srgbClr val="24292F"/>
+                </a:solidFill>
+                <a:effectLst/>
+                <a:latin typeface="-apple-system"/>
+                <a:cs typeface="Segoe UI Light" panose="020B0502040204020203" pitchFamily="34" charset="0"/>
+              </a:rPr>
+              <a:t>su</a:t>
+            </a:r>
+            <a:r>
+              <a:rPr lang="en-US" sz="1200" b="0" i="0" dirty="0">
+                <a:solidFill>
+                  <a:srgbClr val="24292F"/>
+                </a:solidFill>
+                <a:effectLst/>
+                <a:latin typeface="-apple-system"/>
+                <a:cs typeface="Segoe UI Light" panose="020B0502040204020203" pitchFamily="34" charset="0"/>
+              </a:rPr>
+              <a:t> </a:t>
+            </a:r>
+            <a:r>
+              <a:rPr lang="en-US" sz="1200" b="0" i="0" dirty="0" err="1">
+                <a:solidFill>
+                  <a:srgbClr val="24292F"/>
+                </a:solidFill>
+                <a:effectLst/>
+                <a:latin typeface="-apple-system"/>
+                <a:cs typeface="Segoe UI Light" panose="020B0502040204020203" pitchFamily="34" charset="0"/>
+              </a:rPr>
+              <a:t>atención</a:t>
+            </a:r>
+            <a:r>
+              <a:rPr lang="en-US" sz="1200" b="0" i="0" dirty="0">
+                <a:solidFill>
+                  <a:srgbClr val="24292F"/>
+                </a:solidFill>
+                <a:effectLst/>
+                <a:latin typeface="-apple-system"/>
+                <a:cs typeface="Segoe UI Light" panose="020B0502040204020203" pitchFamily="34" charset="0"/>
+              </a:rPr>
+              <a:t>, </a:t>
+            </a:r>
+            <a:r>
+              <a:rPr lang="en-US" sz="1200" b="0" i="0" dirty="0" err="1">
+                <a:solidFill>
+                  <a:srgbClr val="24292F"/>
+                </a:solidFill>
+                <a:effectLst/>
+                <a:latin typeface="-apple-system"/>
+                <a:cs typeface="Segoe UI Light" panose="020B0502040204020203" pitchFamily="34" charset="0"/>
+              </a:rPr>
+              <a:t>nos</a:t>
+            </a:r>
+            <a:r>
+              <a:rPr lang="en-US" sz="1200" b="0" i="0" dirty="0">
+                <a:solidFill>
+                  <a:srgbClr val="24292F"/>
+                </a:solidFill>
+                <a:effectLst/>
+                <a:latin typeface="-apple-system"/>
+                <a:cs typeface="Segoe UI Light" panose="020B0502040204020203" pitchFamily="34" charset="0"/>
+              </a:rPr>
+              <a:t> </a:t>
+            </a:r>
+            <a:r>
+              <a:rPr lang="en-US" sz="1200" b="0" i="0" dirty="0" err="1">
+                <a:solidFill>
+                  <a:srgbClr val="24292F"/>
+                </a:solidFill>
+                <a:effectLst/>
+                <a:latin typeface="-apple-system"/>
+                <a:cs typeface="Segoe UI Light" panose="020B0502040204020203" pitchFamily="34" charset="0"/>
+              </a:rPr>
+              <a:t>vemos</a:t>
+            </a:r>
+            <a:r>
+              <a:rPr lang="en-US" sz="1200" b="0" i="0" dirty="0">
+                <a:solidFill>
+                  <a:srgbClr val="24292F"/>
+                </a:solidFill>
+                <a:effectLst/>
+                <a:latin typeface="-apple-system"/>
+                <a:cs typeface="Segoe UI Light" panose="020B0502040204020203" pitchFamily="34" charset="0"/>
+              </a:rPr>
+              <a:t> </a:t>
+            </a:r>
+            <a:r>
+              <a:rPr lang="en-US" sz="1200" b="0" i="0" dirty="0" err="1">
+                <a:solidFill>
+                  <a:srgbClr val="24292F"/>
+                </a:solidFill>
+                <a:effectLst/>
+                <a:latin typeface="-apple-system"/>
+                <a:cs typeface="Segoe UI Light" panose="020B0502040204020203" pitchFamily="34" charset="0"/>
+              </a:rPr>
+              <a:t>en</a:t>
+            </a:r>
+            <a:r>
+              <a:rPr lang="en-US" sz="1200" b="0" i="0" dirty="0">
+                <a:solidFill>
+                  <a:srgbClr val="24292F"/>
+                </a:solidFill>
+                <a:effectLst/>
+                <a:latin typeface="-apple-system"/>
+                <a:cs typeface="Segoe UI Light" panose="020B0502040204020203" pitchFamily="34" charset="0"/>
+              </a:rPr>
+              <a:t> las </a:t>
+            </a:r>
+            <a:r>
+              <a:rPr lang="en-US" sz="1200" b="0" i="0" dirty="0" err="1">
+                <a:solidFill>
+                  <a:srgbClr val="24292F"/>
+                </a:solidFill>
+                <a:effectLst/>
+                <a:latin typeface="-apple-system"/>
+                <a:cs typeface="Segoe UI Light" panose="020B0502040204020203" pitchFamily="34" charset="0"/>
+              </a:rPr>
+              <a:t>actividades</a:t>
+            </a:r>
+            <a:r>
+              <a:rPr lang="en-US" sz="1200" b="0" i="0" dirty="0">
+                <a:solidFill>
+                  <a:srgbClr val="24292F"/>
+                </a:solidFill>
+                <a:effectLst/>
+                <a:latin typeface="-apple-system"/>
+                <a:cs typeface="Segoe UI Light" panose="020B0502040204020203" pitchFamily="34" charset="0"/>
+              </a:rPr>
+              <a:t> </a:t>
+            </a:r>
+            <a:r>
+              <a:rPr lang="en-US" sz="1200" b="0" i="0" dirty="0" err="1">
+                <a:solidFill>
+                  <a:srgbClr val="24292F"/>
+                </a:solidFill>
+                <a:effectLst/>
+                <a:latin typeface="-apple-system"/>
+                <a:cs typeface="Segoe UI Light" panose="020B0502040204020203" pitchFamily="34" charset="0"/>
+              </a:rPr>
+              <a:t>practicas</a:t>
+            </a:r>
+            <a:r>
+              <a:rPr lang="en-US" sz="1200" b="0" i="0" dirty="0">
+                <a:solidFill>
+                  <a:srgbClr val="24292F"/>
+                </a:solidFill>
+                <a:effectLst/>
+                <a:latin typeface="-apple-system"/>
+                <a:cs typeface="Segoe UI Light" panose="020B0502040204020203" pitchFamily="34" charset="0"/>
+              </a:rPr>
+              <a:t>.</a:t>
+            </a:r>
             <a:endParaRPr lang="es-CO" sz="1200" b="0" i="0" dirty="0">
               <a:solidFill>
                 <a:srgbClr val="24292F"/>
@@ -4343,7 +5614,7 @@
                 <a:latin typeface="Segoe UI Light" panose="020B0502040204020203" pitchFamily="34" charset="0"/>
                 <a:cs typeface="Segoe UI Light" panose="020B0502040204020203" pitchFamily="34" charset="0"/>
               </a:rPr>
-              <a:t>El desarrollo colaborativo se refiere al proceso de creación de contenidos académicos y científicos a través de la interacción simultánea de más de una persona para alcanzar uno o varios objetivos comunes; es así como programadores, investigadores y educadores (denominados en esta guía como “creadores de contenido”), colaboran entre ellos para obtener un producto de calidad que puede ser un software, una investigación, un curso, un programa académico o un libro electrónico, entre otros. No existe una manera única en que esta interacción se lleve a cabo debido a que el desarrollo colaborativo es un concepto amplio que se puede abordar desde diferentes perspectivas.</a:t>
+              <a:t>El desarrollo colaborativo se refiere al proceso de creación de contenidos académicos y científicos a través de la interacción simultánea de más de una persona para alcanzar uno o varios objetivos comunes; es así como programadores, investigadores y educadores (denominados en esta guía como “creadores de contenido”), colaboran entre ellos para obtener un producto de calidad que puede ser un software, una investigación, un curso, un programa académico o un libro electrónico, entre otros. No existe una manera única en que esta interacción se lleve a cabo, debido a que el desarrollo colaborativo es un concepto amplio que se puede abordar desde diferentes perspectivas.</a:t>
             </a:r>
             <a:endParaRPr lang="es-CO" sz="1000" dirty="0">
               <a:latin typeface="Segoe UI Light" panose="020B0502040204020203" pitchFamily="34" charset="0"/>
@@ -4442,7 +5713,7 @@
                 <a:effectLst/>
                 <a:latin typeface="-apple-system"/>
               </a:rPr>
-              <a:t>Creación de contenidos de forma individual o colectiva</a:t>
+              <a:t>¿Creación de contenidos de forma individual o colectiva?</a:t>
             </a:r>
           </a:p>
           <a:p>
@@ -4485,7 +5756,7 @@
                 <a:effectLst/>
                 <a:latin typeface="-apple-system"/>
               </a:rPr>
-              <a:t> aumenta, ya sea por las nuevas innovaciones tecnológicas, porque requieren de conocimiento experto de múltiples disciplinas o por avances en docencia, la creación y actualización necesariamente se tiene que desarrollar en compañía de otras personas. De esta manera, la interacción humana en el proceso de creación de contenidos de calidad es en muchas ocasiones, obligatoria.</a:t>
+              <a:t> aumenta, ya sea por las nuevas innovaciones tecnológicas, porque requieren de conocimiento experto de múltiples disciplinas o por avances en docencia, la creación y actualización necesariamente se tiene que desarrollar en compañía de otras personas. De esta manera, la interacción humana en el proceso de creación de contenidos de calidad, es en muchas ocasiones, obligatoria.</a:t>
             </a:r>
           </a:p>
           <a:p>
@@ -4592,7 +5863,7 @@
                 <a:effectLst/>
                 <a:latin typeface="-apple-system"/>
               </a:rPr>
-              <a:t>Beneficios de trabajar colaborativamente</a:t>
+              <a:t>Algunos de los beneficios de trabajar colaborativamente son:</a:t>
             </a:r>
           </a:p>
           <a:p>
@@ -4615,7 +5886,7 @@
             </a:pPr>
             <a:r>
               <a:rPr lang="es-CO" dirty="0"/>
-              <a:t>Los contenidos producidos combinan la experticia de los integrantes del equipo de trabajo, de la facultad o el programa académico, del grupo de investigación o del centro de estudios al cual pertenecen.</a:t>
+              <a:t>Los contenidos producidos combinan la experticia de los integrantes del equipo de trabajo, de la facultad o programa académico, del grupo de investigación o del centro de estudios al cual pertenecen.</a:t>
             </a:r>
           </a:p>
           <a:p>
@@ -4644,7 +5915,7 @@
                 <a:effectLst/>
                 <a:latin typeface="-apple-system"/>
               </a:rPr>
-              <a:t>Creación de redes colaborativas, donde los repositorios de los grupos o centros es abierta y compartida dentro de los miembros de la institución, otras instituciones y comunidades científicas.</a:t>
+              <a:t>Induce a la creación de redes colaborativas, donde los repositorios de los grupos o centros es abierta y compartida dentro de los miembros de la institución, otras instituciones y comunidades científicas.</a:t>
             </a:r>
           </a:p>
           <a:p>
@@ -4673,7 +5944,7 @@
                 <a:effectLst/>
                 <a:latin typeface="-apple-system"/>
               </a:rPr>
-              <a:t>Interacción directa entre grupos, profesores y estudiantes a través de discusiones.</a:t>
+              <a:t>Propicia la interacción directa entre grupos, profesores y estudiantes a través de discusiones.</a:t>
             </a:r>
           </a:p>
           <a:p>
@@ -4702,7 +5973,7 @@
                 <a:effectLst/>
                 <a:latin typeface="-apple-system"/>
               </a:rPr>
-              <a:t>Facilidad de integración en la solución de casos de estudio, debido a que los miembros de la red pueden plantear diferentes formas de abordar el problema y se pueden obtener múltiples soluciones.</a:t>
+              <a:t>Optimiza la solución de casos de estudio, debido a que los miembros de la red pueden plantear diferentes formas de abordar el problema y se pueden obtener múltiples soluciones.</a:t>
             </a:r>
           </a:p>
           <a:p>
@@ -4731,7 +6002,7 @@
                 <a:effectLst/>
                 <a:latin typeface="-apple-system"/>
               </a:rPr>
-              <a:t>El conocimiento compartido facilita los procesos de enseñanza y aprendizaje debido a que una vez se cuenta con la línea base del conocimiento, los miembros del equipo buscan nuevas formas de transmitir este conocimiento de una forma más asertiva.</a:t>
+              <a:t>El conocimiento compartido facilita y complementa los procesos de enseñanza y aprendizaje, debido a que una vez se cuenta con la línea base del conocimiento, los miembros del equipo buscan nuevas formas de transmitir este conocimiento pero de una forma más asertiva.</a:t>
             </a:r>
           </a:p>
           <a:p>
@@ -4750,7 +6021,7 @@
           <a:p>
             <a:r>
               <a:rPr lang="es-CO" dirty="0"/>
-              <a:t>Agrega valor a todos los niveles de las organizaciones a las cuales pertenecen los colaboradores.</a:t>
+              <a:t>Agrega valor a todos los niveles de las organizaciones, a las cuales pertenecen los colaboradores.</a:t>
             </a:r>
             <a:br>
               <a:rPr lang="es-CO" sz="1200" dirty="0"/>
@@ -4855,7 +6126,7 @@
                 <a:effectLst/>
                 <a:latin typeface="-apple-system"/>
               </a:rPr>
-              <a:t>La cooperación y la colaboración son elementos vitales en el desarrollo de procesos creativos y producción de contenidos, debido a que:</a:t>
+              <a:t>La cooperación y la colaboración son elementos vitales que se complementan en el desarrollo de procesos creativos y producción de contenidos, debido a que:</a:t>
             </a:r>
           </a:p>
           <a:p>
@@ -5268,7 +6539,7 @@
                 <a:effectLst/>
                 <a:latin typeface="-apple-system"/>
               </a:rPr>
-              <a:t>Hablemos ahora de como a través del desarrollo colaborativo, puedo agregar valor a mi organización.</a:t>
+              <a:t>Hablemos ahora, de como a través del desarrollo colaborativo, podemos agregar valor a las organizaciones.</a:t>
             </a:r>
           </a:p>
           <a:p>
@@ -5953,7 +7224,7 @@
             <a:pPr rtl="0"/>
             <a:fld id="{55224D71-97F5-4B9D-B11B-235152E09E96}" type="datetime1">
               <a:rPr lang="es-ES" noProof="0" smtClean="0"/>
-              <a:t>24/09/2022</a:t>
+              <a:t>26/09/2022</a:t>
             </a:fld>
             <a:endParaRPr lang="es-ES" noProof="0" dirty="0"/>
           </a:p>
@@ -6302,7 +7573,7 @@
             <a:pPr rtl="0"/>
             <a:fld id="{2AB3A384-AAB1-4A76-A43B-EFE930A802BF}" type="datetime1">
               <a:rPr lang="es-ES" noProof="0" smtClean="0"/>
-              <a:t>24/09/2022</a:t>
+              <a:t>26/09/2022</a:t>
             </a:fld>
             <a:endParaRPr lang="es-ES" noProof="0" dirty="0"/>
           </a:p>
@@ -6444,7 +7715,7 @@
             <a:pPr rtl="0"/>
             <a:fld id="{95F109E8-29A7-4A4D-BBAF-954B5246DC6B}" type="datetime1">
               <a:rPr lang="es-ES" noProof="0" smtClean="0"/>
-              <a:t>24/09/2022</a:t>
+              <a:t>26/09/2022</a:t>
             </a:fld>
             <a:endParaRPr lang="es-ES" noProof="0" dirty="0"/>
           </a:p>
@@ -6558,7 +7829,7 @@
             <a:pPr rtl="0"/>
             <a:fld id="{3EDF4B7F-437B-43B6-8193-868254AADFEB}" type="datetime1">
               <a:rPr lang="es-ES" noProof="0" smtClean="0"/>
-              <a:t>24/09/2022</a:t>
+              <a:t>26/09/2022</a:t>
             </a:fld>
             <a:endParaRPr lang="es-ES" noProof="0" dirty="0"/>
           </a:p>
@@ -6858,7 +8129,7 @@
             <a:pPr rtl="0"/>
             <a:fld id="{5FD9D2A0-9803-4B3F-A6B6-606959F35242}" type="datetime1">
               <a:rPr lang="es-ES" noProof="0" smtClean="0"/>
-              <a:t>24/09/2022</a:t>
+              <a:t>26/09/2022</a:t>
             </a:fld>
             <a:endParaRPr lang="es-ES" noProof="0" dirty="0"/>
           </a:p>
@@ -7129,7 +8400,7 @@
             <a:pPr rtl="0"/>
             <a:fld id="{B48CB6FA-6884-4007-A174-A67BE7A1CA93}" type="datetime1">
               <a:rPr lang="es-ES" noProof="0" smtClean="0"/>
-              <a:t>24/09/2022</a:t>
+              <a:t>26/09/2022</a:t>
             </a:fld>
             <a:endParaRPr lang="es-ES" noProof="0" dirty="0"/>
           </a:p>
@@ -7400,7 +8671,7 @@
             <a:pPr rtl="0"/>
             <a:fld id="{DCA87387-1199-4F13-92EC-EA845724990E}" type="datetime1">
               <a:rPr lang="es-ES" noProof="0" smtClean="0"/>
-              <a:t>24/09/2022</a:t>
+              <a:t>26/09/2022</a:t>
             </a:fld>
             <a:endParaRPr lang="es-ES" noProof="0" dirty="0"/>
           </a:p>
@@ -7578,7 +8849,7 @@
             <a:pPr rtl="0"/>
             <a:fld id="{0277B9E3-6C0A-45A5-BAE5-CD19B242173D}" type="datetime1">
               <a:rPr lang="es-ES" noProof="0" smtClean="0"/>
-              <a:t>24/09/2022</a:t>
+              <a:t>26/09/2022</a:t>
             </a:fld>
             <a:endParaRPr lang="es-ES" noProof="0" dirty="0"/>
           </a:p>
@@ -7766,7 +9037,7 @@
             <a:pPr rtl="0"/>
             <a:fld id="{AB41DD2C-FA4F-413E-A1B5-23565A0780B7}" type="datetime1">
               <a:rPr lang="es-ES" noProof="0" smtClean="0"/>
-              <a:t>24/09/2022</a:t>
+              <a:t>26/09/2022</a:t>
             </a:fld>
             <a:endParaRPr lang="es-ES" noProof="0" dirty="0"/>
           </a:p>
@@ -8016,7 +9287,7 @@
             <a:pPr rtl="0"/>
             <a:fld id="{0D82DBE2-B5E9-4999-A9C0-55ED93FCE73D}" type="datetime1">
               <a:rPr lang="es-ES" noProof="0" smtClean="0"/>
-              <a:t>24/09/2022</a:t>
+              <a:t>26/09/2022</a:t>
             </a:fld>
             <a:endParaRPr lang="es-ES" noProof="0" dirty="0"/>
           </a:p>
@@ -8266,7 +9537,7 @@
             <a:pPr rtl="0"/>
             <a:fld id="{89B7BC24-C90D-4DAD-A6CB-BBA58C4D57BB}" type="datetime1">
               <a:rPr lang="es-ES" noProof="0" smtClean="0"/>
-              <a:t>24/09/2022</a:t>
+              <a:t>26/09/2022</a:t>
             </a:fld>
             <a:endParaRPr lang="es-ES" noProof="0" dirty="0"/>
           </a:p>
@@ -8529,7 +9800,7 @@
             <a:pPr rtl="0"/>
             <a:fld id="{217D4995-77A4-48E5-92B1-2DC992A39FBB}" type="datetime1">
               <a:rPr lang="es-ES" noProof="0" smtClean="0"/>
-              <a:t>24/09/2022</a:t>
+              <a:t>26/09/2022</a:t>
             </a:fld>
             <a:endParaRPr lang="es-ES" noProof="0" dirty="0"/>
           </a:p>
@@ -8803,7 +10074,7 @@
             <a:pPr rtl="0"/>
             <a:fld id="{AE8112B3-1F24-452F-80DE-56BF301098EC}" type="datetime1">
               <a:rPr lang="es-ES" noProof="0" smtClean="0"/>
-              <a:t>24/09/2022</a:t>
+              <a:t>26/09/2022</a:t>
             </a:fld>
             <a:endParaRPr lang="es-ES" noProof="0" dirty="0"/>
           </a:p>
@@ -9169,7 +10440,7 @@
             <a:pPr rtl="0"/>
             <a:fld id="{39B46DA2-8C2E-44C4-A865-CD3D33CFD45F}" type="datetime1">
               <a:rPr lang="es-ES" noProof="0" smtClean="0"/>
-              <a:t>24/09/2022</a:t>
+              <a:t>26/09/2022</a:t>
             </a:fld>
             <a:endParaRPr lang="es-ES" noProof="0" dirty="0"/>
           </a:p>
@@ -9524,7 +10795,7 @@
             <a:pPr rtl="0"/>
             <a:fld id="{D1525062-C568-4AE5-A98F-45E6D6D3E9AC}" type="datetime1">
               <a:rPr lang="es-ES" noProof="0" smtClean="0"/>
-              <a:t>24/09/2022</a:t>
+              <a:t>26/09/2022</a:t>
             </a:fld>
             <a:endParaRPr lang="es-ES" noProof="0" dirty="0"/>
           </a:p>
@@ -10019,7 +11290,7 @@
             <a:pPr rtl="0"/>
             <a:fld id="{8EBA81B0-EA87-4E7B-A74D-942650D6BCED}" type="datetime1">
               <a:rPr lang="es-ES" noProof="0" smtClean="0"/>
-              <a:t>24/09/2022</a:t>
+              <a:t>26/09/2022</a:t>
             </a:fld>
             <a:endParaRPr lang="es-ES" noProof="0" dirty="0"/>
           </a:p>
@@ -10514,7 +11785,7 @@
             <a:pPr rtl="0"/>
             <a:fld id="{F6653BDA-CE15-46D4-A5A4-C9E9758DEFB2}" type="datetime1">
               <a:rPr lang="es-ES" noProof="0" smtClean="0"/>
-              <a:t>24/09/2022</a:t>
+              <a:t>26/09/2022</a:t>
             </a:fld>
             <a:endParaRPr lang="es-ES" noProof="0" dirty="0"/>
           </a:p>
@@ -10738,7 +12009,7 @@
             <a:pPr rtl="0"/>
             <a:fld id="{72696FBB-EB5C-4293-9014-59E70AE1A5E6}" type="datetime1">
               <a:rPr lang="es-ES" noProof="0" smtClean="0"/>
-              <a:t>24/09/2022</a:t>
+              <a:t>26/09/2022</a:t>
             </a:fld>
             <a:endParaRPr lang="es-ES" noProof="0" dirty="0"/>
           </a:p>
@@ -11174,60 +12445,6 @@
           <a:chExt cx="0" cy="0"/>
         </a:xfrm>
       </p:grpSpPr>
-      <p:sp>
-        <p:nvSpPr>
-          <p:cNvPr id="2" name="TextBox 1">
-            <a:extLst>
-              <a:ext uri="{FF2B5EF4-FFF2-40B4-BE49-F238E27FC236}">
-                <a16:creationId xmlns:a16="http://schemas.microsoft.com/office/drawing/2014/main" id="{8965DC34-64E5-5129-DC3C-AFD7B41EA0A1}"/>
-              </a:ext>
-            </a:extLst>
-          </p:cNvPr>
-          <p:cNvSpPr txBox="1"/>
-          <p:nvPr/>
-        </p:nvSpPr>
-        <p:spPr>
-          <a:xfrm>
-            <a:off x="6096000" y="6550223"/>
-            <a:ext cx="6096000" cy="307777"/>
-          </a:xfrm>
-          <a:prstGeom prst="rect">
-            <a:avLst/>
-          </a:prstGeom>
-          <a:noFill/>
-        </p:spPr>
-        <p:txBody>
-          <a:bodyPr wrap="square" rtlCol="0">
-            <a:spAutoFit/>
-          </a:bodyPr>
-          <a:lstStyle/>
-          <a:p>
-            <a:pPr algn="r"/>
-            <a:r>
-              <a:rPr lang="en-US" sz="1400" dirty="0">
-                <a:solidFill>
-                  <a:schemeClr val="bg1">
-                    <a:lumMod val="25000"/>
-                  </a:schemeClr>
-                </a:solidFill>
-                <a:latin typeface="+mj-lt"/>
-              </a:rPr>
-              <a:t>v</a:t>
-            </a:r>
-            <a:r>
-              <a:rPr lang="es-CO" sz="1400" dirty="0">
-                <a:solidFill>
-                  <a:schemeClr val="bg1">
-                    <a:lumMod val="25000"/>
-                  </a:schemeClr>
-                </a:solidFill>
-                <a:latin typeface="+mj-lt"/>
-              </a:rPr>
-              <a:t>.20220924</a:t>
-            </a:r>
-          </a:p>
-        </p:txBody>
-      </p:sp>
       <p:pic>
         <p:nvPicPr>
           <p:cNvPr id="7" name="Graphic 6">
@@ -11257,14 +12474,79 @@
         </p:blipFill>
         <p:spPr>
           <a:xfrm>
-            <a:off x="395287" y="983929"/>
-            <a:ext cx="11401425" cy="4890142"/>
+            <a:off x="210420" y="223987"/>
+            <a:ext cx="7200000" cy="3088125"/>
           </a:xfrm>
           <a:prstGeom prst="rect">
             <a:avLst/>
           </a:prstGeom>
         </p:spPr>
       </p:pic>
+      <p:sp>
+        <p:nvSpPr>
+          <p:cNvPr id="4" name="Rectangle: Single Corner Rounded 3">
+            <a:extLst>
+              <a:ext uri="{FF2B5EF4-FFF2-40B4-BE49-F238E27FC236}">
+                <a16:creationId xmlns:a16="http://schemas.microsoft.com/office/drawing/2014/main" id="{1CEF7EA5-1DB3-1882-1A14-2C63C7B159BC}"/>
+              </a:ext>
+            </a:extLst>
+          </p:cNvPr>
+          <p:cNvSpPr/>
+          <p:nvPr/>
+        </p:nvSpPr>
+        <p:spPr>
+          <a:xfrm>
+            <a:off x="210420" y="5929728"/>
+            <a:ext cx="5106390" cy="540000"/>
+          </a:xfrm>
+          <a:prstGeom prst="round1Rect">
+            <a:avLst/>
+          </a:prstGeom>
+          <a:noFill/>
+          <a:ln>
+            <a:noFill/>
+          </a:ln>
+        </p:spPr>
+        <p:style>
+          <a:lnRef idx="2">
+            <a:schemeClr val="accent1">
+              <a:shade val="50000"/>
+            </a:schemeClr>
+          </a:lnRef>
+          <a:fillRef idx="1">
+            <a:schemeClr val="accent1"/>
+          </a:fillRef>
+          <a:effectRef idx="0">
+            <a:schemeClr val="accent1"/>
+          </a:effectRef>
+          <a:fontRef idx="minor">
+            <a:schemeClr val="lt1"/>
+          </a:fontRef>
+        </p:style>
+        <p:txBody>
+          <a:bodyPr rtlCol="0" anchor="ctr"/>
+          <a:lstStyle/>
+          <a:p>
+            <a:r>
+              <a:rPr lang="en-US" sz="2200" dirty="0">
+                <a:solidFill>
+                  <a:srgbClr val="3E3E3E"/>
+                </a:solidFill>
+                <a:latin typeface="Segoe UI" panose="020B0502040204020203" pitchFamily="34" charset="0"/>
+                <a:cs typeface="Segoe UI" panose="020B0502040204020203" pitchFamily="34" charset="0"/>
+              </a:rPr>
+              <a:t>Juan David Rodríguez Acevedo</a:t>
+            </a:r>
+            <a:endParaRPr lang="es-CO" sz="2200" dirty="0">
+              <a:solidFill>
+                <a:srgbClr val="3E3E3E"/>
+              </a:solidFill>
+              <a:latin typeface="Segoe UI" panose="020B0502040204020203" pitchFamily="34" charset="0"/>
+              <a:cs typeface="Segoe UI" panose="020B0502040204020203" pitchFamily="34" charset="0"/>
+            </a:endParaRPr>
+          </a:p>
+        </p:txBody>
+      </p:sp>
     </p:spTree>
     <p:extLst>
       <p:ext uri="{BB962C8B-B14F-4D97-AF65-F5344CB8AC3E}">
@@ -11297,100 +12579,6 @@
       </p:grpSpPr>
       <p:sp>
         <p:nvSpPr>
-          <p:cNvPr id="15" name="Title 1">
-            <a:extLst>
-              <a:ext uri="{FF2B5EF4-FFF2-40B4-BE49-F238E27FC236}">
-                <a16:creationId xmlns:a16="http://schemas.microsoft.com/office/drawing/2014/main" id="{D8113FAF-0AA7-0EDA-4B5D-4E57EA2995CE}"/>
-              </a:ext>
-            </a:extLst>
-          </p:cNvPr>
-          <p:cNvSpPr>
-            <a:spLocks noGrp="1"/>
-          </p:cNvSpPr>
-          <p:nvPr>
-            <p:ph type="title"/>
-          </p:nvPr>
-        </p:nvSpPr>
-        <p:spPr>
-          <a:xfrm>
-            <a:off x="1" y="1599517"/>
-            <a:ext cx="12191999" cy="930208"/>
-          </a:xfrm>
-        </p:spPr>
-        <p:txBody>
-          <a:bodyPr anchor="ctr" anchorCtr="0">
-            <a:normAutofit/>
-          </a:bodyPr>
-          <a:lstStyle/>
-          <a:p>
-            <a:pPr algn="ctr"/>
-            <a:r>
-              <a:rPr lang="es-CO" sz="3600" b="1" dirty="0">
-                <a:solidFill>
-                  <a:schemeClr val="bg1">
-                    <a:lumMod val="25000"/>
-                  </a:schemeClr>
-                </a:solidFill>
-                <a:latin typeface="Segoe UI" panose="020B0502040204020203" pitchFamily="34" charset="0"/>
-                <a:ea typeface="Segoe UI Black" panose="020B0A02040204020203" pitchFamily="34" charset="0"/>
-                <a:cs typeface="Segoe UI" panose="020B0502040204020203" pitchFamily="34" charset="0"/>
-              </a:rPr>
-              <a:t>Agregar valor </a:t>
-            </a:r>
-            <a:r>
-              <a:rPr lang="es-CO" sz="3600" dirty="0">
-                <a:solidFill>
-                  <a:schemeClr val="bg1">
-                    <a:lumMod val="25000"/>
-                  </a:schemeClr>
-                </a:solidFill>
-                <a:latin typeface="Segoe UI" panose="020B0502040204020203" pitchFamily="34" charset="0"/>
-                <a:ea typeface="Segoe UI Black" panose="020B0A02040204020203" pitchFamily="34" charset="0"/>
-                <a:cs typeface="Segoe UI" panose="020B0502040204020203" pitchFamily="34" charset="0"/>
-              </a:rPr>
-              <a:t>a mi organización</a:t>
-            </a:r>
-          </a:p>
-        </p:txBody>
-      </p:sp>
-      <p:pic>
-        <p:nvPicPr>
-          <p:cNvPr id="5" name="Graphic 4" descr="Medal outline">
-            <a:extLst>
-              <a:ext uri="{FF2B5EF4-FFF2-40B4-BE49-F238E27FC236}">
-                <a16:creationId xmlns:a16="http://schemas.microsoft.com/office/drawing/2014/main" id="{28E32130-11E7-EAC1-F4FB-043EBB871CE1}"/>
-              </a:ext>
-            </a:extLst>
-          </p:cNvPr>
-          <p:cNvPicPr>
-            <a:picLocks noChangeAspect="1"/>
-          </p:cNvPicPr>
-          <p:nvPr/>
-        </p:nvPicPr>
-        <p:blipFill>
-          <a:blip r:embed="rId3">
-            <a:extLst>
-              <a:ext uri="{96DAC541-7B7A-43D3-8B79-37D633B846F1}">
-                <asvg:svgBlip xmlns:asvg="http://schemas.microsoft.com/office/drawing/2016/SVG/main" r:embed="rId4"/>
-              </a:ext>
-            </a:extLst>
-          </a:blip>
-          <a:stretch>
-            <a:fillRect/>
-          </a:stretch>
-        </p:blipFill>
-        <p:spPr>
-          <a:xfrm>
-            <a:off x="1436719" y="1344621"/>
-            <a:ext cx="1440000" cy="1440000"/>
-          </a:xfrm>
-          <a:prstGeom prst="rect">
-            <a:avLst/>
-          </a:prstGeom>
-        </p:spPr>
-      </p:pic>
-      <p:sp>
-        <p:nvSpPr>
           <p:cNvPr id="6" name="Title 1">
             <a:extLst>
               <a:ext uri="{FF2B5EF4-FFF2-40B4-BE49-F238E27FC236}">
@@ -11405,8 +12593,8 @@
         </p:nvSpPr>
         <p:spPr>
           <a:xfrm>
-            <a:off x="1668479" y="2984757"/>
-            <a:ext cx="8855041" cy="1643514"/>
+            <a:off x="1" y="2984757"/>
+            <a:ext cx="7731260" cy="1643514"/>
           </a:xfrm>
           <a:prstGeom prst="rect">
             <a:avLst/>
@@ -11480,8 +12668,8 @@
         </p:nvSpPr>
         <p:spPr>
           <a:xfrm>
-            <a:off x="0" y="6550223"/>
-            <a:ext cx="12192000" cy="307777"/>
+            <a:off x="0" y="6334780"/>
+            <a:ext cx="7731260" cy="523220"/>
           </a:xfrm>
           <a:prstGeom prst="rect">
             <a:avLst/>
@@ -11494,91 +12682,205 @@
           </a:bodyPr>
           <a:lstStyle/>
           <a:p>
+            <a:r>
+              <a:rPr lang="en-US" sz="1400" b="0" strike="noStrike" dirty="0" err="1">
+                <a:solidFill>
+                  <a:srgbClr val="3E3E3E"/>
+                </a:solidFill>
+                <a:effectLst/>
+                <a:latin typeface="+mj-lt"/>
+              </a:rPr>
+              <a:t>Tomado</a:t>
+            </a:r>
+            <a:r>
+              <a:rPr lang="en-US" sz="1400" b="0" strike="noStrike" dirty="0">
+                <a:solidFill>
+                  <a:srgbClr val="3E3E3E"/>
+                </a:solidFill>
+                <a:effectLst/>
+                <a:latin typeface="+mj-lt"/>
+              </a:rPr>
+              <a:t> y/o </a:t>
+            </a:r>
+            <a:r>
+              <a:rPr lang="en-US" sz="1400" b="0" strike="noStrike" dirty="0" err="1">
+                <a:solidFill>
+                  <a:srgbClr val="3E3E3E"/>
+                </a:solidFill>
+                <a:effectLst/>
+                <a:latin typeface="+mj-lt"/>
+              </a:rPr>
+              <a:t>adaptado</a:t>
+            </a:r>
+            <a:r>
+              <a:rPr lang="en-US" sz="1400" b="0" strike="noStrike" dirty="0">
+                <a:solidFill>
+                  <a:srgbClr val="3E3E3E"/>
+                </a:solidFill>
+                <a:effectLst/>
+                <a:latin typeface="+mj-lt"/>
+              </a:rPr>
+              <a:t> de: 7 Ways To Add Value To Your Business | Brian Tracy, </a:t>
+            </a:r>
+            <a:r>
+              <a:rPr lang="en-US" sz="1400" b="0" strike="noStrike" dirty="0">
+                <a:solidFill>
+                  <a:srgbClr val="3E3E3E"/>
+                </a:solidFill>
+                <a:effectLst/>
+                <a:latin typeface="+mj-lt"/>
+                <a:hlinkClick r:id="rId3">
+                  <a:extLst>
+                    <a:ext uri="{A12FA001-AC4F-418D-AE19-62706E023703}">
+                      <ahyp:hlinkClr xmlns:ahyp="http://schemas.microsoft.com/office/drawing/2018/hyperlinkcolor" val="tx"/>
+                    </a:ext>
+                  </a:extLst>
+                </a:hlinkClick>
+              </a:rPr>
+              <a:t>https://www.youtube.com/watch?v=xztW-nosYn0</a:t>
+            </a:r>
+            <a:r>
+              <a:rPr lang="en-US" sz="1400" b="0" strike="noStrike" dirty="0">
+                <a:solidFill>
+                  <a:srgbClr val="3E3E3E"/>
+                </a:solidFill>
+                <a:effectLst/>
+                <a:latin typeface="+mj-lt"/>
+              </a:rPr>
+              <a:t> </a:t>
+            </a:r>
+            <a:endParaRPr lang="es-CO" sz="1400" dirty="0">
+              <a:solidFill>
+                <a:srgbClr val="3E3E3E"/>
+              </a:solidFill>
+              <a:latin typeface="+mj-lt"/>
+            </a:endParaRPr>
+          </a:p>
+        </p:txBody>
+      </p:sp>
+      <p:sp>
+        <p:nvSpPr>
+          <p:cNvPr id="7" name="Title 1">
+            <a:extLst>
+              <a:ext uri="{FF2B5EF4-FFF2-40B4-BE49-F238E27FC236}">
+                <a16:creationId xmlns:a16="http://schemas.microsoft.com/office/drawing/2014/main" id="{F3003718-F3F7-ACC4-B60A-7A121C86ED61}"/>
+              </a:ext>
+            </a:extLst>
+          </p:cNvPr>
+          <p:cNvSpPr txBox="1">
+            <a:spLocks/>
+          </p:cNvSpPr>
+          <p:nvPr/>
+        </p:nvSpPr>
+        <p:spPr>
+          <a:xfrm>
+            <a:off x="0" y="1905383"/>
+            <a:ext cx="7731261" cy="930208"/>
+          </a:xfrm>
+          <a:prstGeom prst="rect">
+            <a:avLst/>
+          </a:prstGeom>
+        </p:spPr>
+        <p:txBody>
+          <a:bodyPr vert="horz" lIns="91440" tIns="45720" rIns="91440" bIns="45720" rtlCol="0" anchor="ctr" anchorCtr="0">
+            <a:normAutofit/>
+          </a:bodyPr>
+          <a:lstStyle>
+            <a:lvl1pPr algn="l" defTabSz="914377" rtl="0" eaLnBrk="1" latinLnBrk="0" hangingPunct="1">
+              <a:lnSpc>
+                <a:spcPct val="90000"/>
+              </a:lnSpc>
+              <a:spcBef>
+                <a:spcPct val="0"/>
+              </a:spcBef>
+              <a:buNone/>
+              <a:defRPr sz="2600" kern="1200">
+                <a:solidFill>
+                  <a:schemeClr val="tx1"/>
+                </a:solidFill>
+                <a:latin typeface="+mj-lt"/>
+                <a:ea typeface="+mj-ea"/>
+                <a:cs typeface="+mj-cs"/>
+              </a:defRPr>
+            </a:lvl1pPr>
+          </a:lstStyle>
+          <a:p>
             <a:pPr algn="ctr"/>
             <a:r>
-              <a:rPr lang="en-US" sz="1400" b="0" strike="noStrike" dirty="0" err="1">
+              <a:rPr lang="es-CO" sz="3600" b="1">
                 <a:solidFill>
                   <a:schemeClr val="bg1">
                     <a:lumMod val="25000"/>
                   </a:schemeClr>
                 </a:solidFill>
-                <a:effectLst/>
-                <a:latin typeface="+mj-lt"/>
-              </a:rPr>
-              <a:t>Tomado</a:t>
-            </a:r>
-            <a:r>
-              <a:rPr lang="en-US" sz="1400" b="0" strike="noStrike" dirty="0">
+                <a:latin typeface="Segoe UI" panose="020B0502040204020203" pitchFamily="34" charset="0"/>
+                <a:ea typeface="Segoe UI Black" panose="020B0A02040204020203" pitchFamily="34" charset="0"/>
+                <a:cs typeface="Segoe UI" panose="020B0502040204020203" pitchFamily="34" charset="0"/>
+              </a:rPr>
+              <a:t>Agregar valor </a:t>
+            </a:r>
+            <a:r>
+              <a:rPr lang="es-CO" sz="3600">
                 <a:solidFill>
                   <a:schemeClr val="bg1">
                     <a:lumMod val="25000"/>
                   </a:schemeClr>
                 </a:solidFill>
-                <a:effectLst/>
-                <a:latin typeface="+mj-lt"/>
-              </a:rPr>
-              <a:t> y/o </a:t>
-            </a:r>
-            <a:r>
-              <a:rPr lang="en-US" sz="1400" b="0" strike="noStrike" dirty="0" err="1">
-                <a:solidFill>
-                  <a:schemeClr val="bg1">
-                    <a:lumMod val="25000"/>
-                  </a:schemeClr>
-                </a:solidFill>
-                <a:effectLst/>
-                <a:latin typeface="+mj-lt"/>
-              </a:rPr>
-              <a:t>adaptado</a:t>
-            </a:r>
-            <a:r>
-              <a:rPr lang="en-US" sz="1400" b="0" strike="noStrike" dirty="0">
-                <a:solidFill>
-                  <a:schemeClr val="bg1">
-                    <a:lumMod val="25000"/>
-                  </a:schemeClr>
-                </a:solidFill>
-                <a:effectLst/>
-                <a:latin typeface="+mj-lt"/>
-              </a:rPr>
-              <a:t> de: 7 Ways To Add Value To Your Business | Brian Tracy, </a:t>
-            </a:r>
-            <a:r>
-              <a:rPr lang="en-US" sz="1400" b="0" strike="noStrike" dirty="0">
-                <a:solidFill>
-                  <a:schemeClr val="bg1">
-                    <a:lumMod val="25000"/>
-                  </a:schemeClr>
-                </a:solidFill>
-                <a:effectLst/>
-                <a:latin typeface="+mj-lt"/>
-                <a:hlinkClick r:id="rId5"/>
-              </a:rPr>
-              <a:t>https://www.youtube.com/watch?v=xztW-nosYn0</a:t>
-            </a:r>
-            <a:r>
-              <a:rPr lang="en-US" sz="1400" b="0" strike="noStrike" dirty="0">
-                <a:solidFill>
-                  <a:schemeClr val="bg1">
-                    <a:lumMod val="25000"/>
-                  </a:schemeClr>
-                </a:solidFill>
-                <a:effectLst/>
-                <a:latin typeface="+mj-lt"/>
-              </a:rPr>
-              <a:t> </a:t>
-            </a:r>
-            <a:endParaRPr lang="es-CO" sz="1400" dirty="0">
+                <a:latin typeface="Segoe UI" panose="020B0502040204020203" pitchFamily="34" charset="0"/>
+                <a:ea typeface="Segoe UI Black" panose="020B0A02040204020203" pitchFamily="34" charset="0"/>
+                <a:cs typeface="Segoe UI" panose="020B0502040204020203" pitchFamily="34" charset="0"/>
+              </a:rPr>
+              <a:t>a mi organización</a:t>
+            </a:r>
+            <a:endParaRPr lang="es-CO" sz="3600" dirty="0">
               <a:solidFill>
                 <a:schemeClr val="bg1">
                   <a:lumMod val="25000"/>
                 </a:schemeClr>
               </a:solidFill>
-              <a:latin typeface="+mj-lt"/>
+              <a:latin typeface="Segoe UI" panose="020B0502040204020203" pitchFamily="34" charset="0"/>
+              <a:ea typeface="Segoe UI Black" panose="020B0A02040204020203" pitchFamily="34" charset="0"/>
+              <a:cs typeface="Segoe UI" panose="020B0502040204020203" pitchFamily="34" charset="0"/>
             </a:endParaRPr>
           </a:p>
         </p:txBody>
       </p:sp>
+      <p:pic>
+        <p:nvPicPr>
+          <p:cNvPr id="8" name="Graphic 7" descr="Medal outline">
+            <a:extLst>
+              <a:ext uri="{FF2B5EF4-FFF2-40B4-BE49-F238E27FC236}">
+                <a16:creationId xmlns:a16="http://schemas.microsoft.com/office/drawing/2014/main" id="{AFDC9B60-6424-B753-A889-3A8D92CCE2B7}"/>
+              </a:ext>
+            </a:extLst>
+          </p:cNvPr>
+          <p:cNvPicPr>
+            <a:picLocks noChangeAspect="1"/>
+          </p:cNvPicPr>
+          <p:nvPr/>
+        </p:nvPicPr>
+        <p:blipFill>
+          <a:blip r:embed="rId4">
+            <a:extLst>
+              <a:ext uri="{96DAC541-7B7A-43D3-8B79-37D633B846F1}">
+                <asvg:svgBlip xmlns:asvg="http://schemas.microsoft.com/office/drawing/2016/SVG/main" r:embed="rId5"/>
+              </a:ext>
+            </a:extLst>
+          </a:blip>
+          <a:stretch>
+            <a:fillRect/>
+          </a:stretch>
+        </p:blipFill>
+        <p:spPr>
+          <a:xfrm>
+            <a:off x="3240843" y="644437"/>
+            <a:ext cx="1440000" cy="1440000"/>
+          </a:xfrm>
+          <a:prstGeom prst="rect">
+            <a:avLst/>
+          </a:prstGeom>
+        </p:spPr>
+      </p:pic>
     </p:spTree>
     <p:extLst>
       <p:ext uri="{BB962C8B-B14F-4D97-AF65-F5344CB8AC3E}">
@@ -11638,12 +12940,12 @@
         <p:spPr>
           <a:xfrm>
             <a:off x="-1" y="3132547"/>
-            <a:ext cx="12191999" cy="930208"/>
+            <a:ext cx="7613781" cy="930208"/>
           </a:xfrm>
         </p:spPr>
         <p:txBody>
           <a:bodyPr anchor="ctr" anchorCtr="0">
-            <a:normAutofit/>
+            <a:normAutofit fontScale="90000"/>
           </a:bodyPr>
           <a:lstStyle/>
           <a:p>
@@ -11692,7 +12994,7 @@
         <p:spPr>
           <a:xfrm>
             <a:off x="0" y="6550223"/>
-            <a:ext cx="12192000" cy="307777"/>
+            <a:ext cx="7613780" cy="307777"/>
           </a:xfrm>
           <a:prstGeom prst="rect">
             <a:avLst/>
@@ -11705,26 +13007,27 @@
           </a:bodyPr>
           <a:lstStyle/>
           <a:p>
-            <a:pPr algn="ctr"/>
             <a:r>
               <a:rPr lang="en-US" sz="1400" b="0" strike="noStrike" dirty="0">
                 <a:solidFill>
-                  <a:schemeClr val="bg1">
-                    <a:lumMod val="25000"/>
-                  </a:schemeClr>
+                  <a:srgbClr val="3E3E3E"/>
                 </a:solidFill>
                 <a:effectLst/>
                 <a:latin typeface="+mj-lt"/>
-                <a:hlinkClick r:id="rId3"/>
+                <a:hlinkClick r:id="rId3">
+                  <a:extLst>
+                    <a:ext uri="{A12FA001-AC4F-418D-AE19-62706E023703}">
+                      <ahyp:hlinkClr xmlns:ahyp="http://schemas.microsoft.com/office/drawing/2018/hyperlinkcolor" val="tx"/>
+                    </a:ext>
+                  </a:extLst>
+                </a:hlinkClick>
               </a:rPr>
               <a:t>https://github.com/rcfdtools/R.TeachingResearchGuide/tree/main/Section01/CollabTools</a:t>
             </a:r>
             <a:r>
               <a:rPr lang="en-US" sz="1400" b="0" strike="noStrike" dirty="0">
                 <a:solidFill>
-                  <a:schemeClr val="bg1">
-                    <a:lumMod val="25000"/>
-                  </a:schemeClr>
+                  <a:srgbClr val="3E3E3E"/>
                 </a:solidFill>
                 <a:effectLst/>
                 <a:latin typeface="+mj-lt"/>
@@ -11733,9 +13036,7 @@
             </a:r>
             <a:endParaRPr lang="es-CO" sz="1400" dirty="0">
               <a:solidFill>
-                <a:schemeClr val="bg1">
-                  <a:lumMod val="25000"/>
-                </a:schemeClr>
+                <a:srgbClr val="3E3E3E"/>
               </a:solidFill>
               <a:latin typeface="+mj-lt"/>
             </a:endParaRPr>
@@ -11756,7 +13057,7 @@
         </p:nvGrpSpPr>
         <p:grpSpPr>
           <a:xfrm>
-            <a:off x="4655998" y="1682973"/>
+            <a:off x="2366889" y="1319079"/>
             <a:ext cx="2880000" cy="1449574"/>
             <a:chOff x="4501483" y="1682973"/>
             <a:chExt cx="2880000" cy="1449574"/>
@@ -11883,8 +13184,8 @@
         </p:nvSpPr>
         <p:spPr>
           <a:xfrm>
-            <a:off x="0" y="292448"/>
-            <a:ext cx="12191999" cy="930208"/>
+            <a:off x="1" y="292448"/>
+            <a:ext cx="7679094" cy="930208"/>
           </a:xfrm>
         </p:spPr>
         <p:txBody>
@@ -11963,8 +13264,8 @@
         </p:nvSpPr>
         <p:spPr>
           <a:xfrm>
-            <a:off x="0" y="6550223"/>
-            <a:ext cx="12192000" cy="307777"/>
+            <a:off x="0" y="6334780"/>
+            <a:ext cx="7679094" cy="523220"/>
           </a:xfrm>
           <a:prstGeom prst="rect">
             <a:avLst/>
@@ -11977,13 +13278,10 @@
           </a:bodyPr>
           <a:lstStyle/>
           <a:p>
-            <a:pPr algn="ctr"/>
             <a:r>
               <a:rPr lang="en-US" sz="1400" b="0" strike="noStrike" dirty="0" err="1">
                 <a:solidFill>
-                  <a:schemeClr val="bg1">
-                    <a:lumMod val="25000"/>
-                  </a:schemeClr>
+                  <a:srgbClr val="3E3E3E"/>
                 </a:solidFill>
                 <a:effectLst/>
                 <a:latin typeface="+mj-lt"/>
@@ -11993,9 +13291,7 @@
             <a:r>
               <a:rPr lang="en-US" sz="1400" b="0" strike="noStrike" dirty="0">
                 <a:solidFill>
-                  <a:schemeClr val="bg1">
-                    <a:lumMod val="25000"/>
-                  </a:schemeClr>
+                  <a:srgbClr val="3E3E3E"/>
                 </a:solidFill>
                 <a:effectLst/>
                 <a:latin typeface="+mj-lt"/>
@@ -12005,9 +13301,7 @@
             <a:r>
               <a:rPr lang="en-US" sz="1400" b="0" strike="noStrike" dirty="0" err="1">
                 <a:solidFill>
-                  <a:schemeClr val="bg1">
-                    <a:lumMod val="25000"/>
-                  </a:schemeClr>
+                  <a:srgbClr val="3E3E3E"/>
                 </a:solidFill>
                 <a:effectLst/>
                 <a:latin typeface="+mj-lt"/>
@@ -12017,9 +13311,7 @@
             <a:r>
               <a:rPr lang="en-US" sz="1400" b="0" strike="noStrike" dirty="0">
                 <a:solidFill>
-                  <a:schemeClr val="bg1">
-                    <a:lumMod val="25000"/>
-                  </a:schemeClr>
+                  <a:srgbClr val="3E3E3E"/>
                 </a:solidFill>
                 <a:effectLst/>
                 <a:latin typeface="+mj-lt"/>
@@ -12029,9 +13321,7 @@
             <a:r>
               <a:rPr lang="es-CO" sz="1400" b="0" strike="noStrike" dirty="0">
                 <a:solidFill>
-                  <a:schemeClr val="bg1">
-                    <a:lumMod val="25000"/>
-                  </a:schemeClr>
+                  <a:srgbClr val="3E3E3E"/>
                 </a:solidFill>
                 <a:effectLst/>
                 <a:latin typeface="+mj-lt"/>
@@ -12041,9 +13331,7 @@
             <a:r>
               <a:rPr lang="en-US" sz="1400" b="0" strike="noStrike" dirty="0">
                 <a:solidFill>
-                  <a:schemeClr val="bg1">
-                    <a:lumMod val="25000"/>
-                  </a:schemeClr>
+                  <a:srgbClr val="3E3E3E"/>
                 </a:solidFill>
                 <a:effectLst/>
                 <a:latin typeface="+mj-lt"/>
@@ -12053,22 +13341,24 @@
             <a:r>
               <a:rPr lang="en-US" sz="1400" b="0" strike="noStrike" dirty="0">
                 <a:solidFill>
-                  <a:schemeClr val="bg1">
-                    <a:lumMod val="25000"/>
-                  </a:schemeClr>
+                  <a:srgbClr val="3E3E3E"/>
                 </a:solidFill>
                 <a:effectLst/>
                 <a:latin typeface="+mj-lt"/>
-                <a:hlinkClick r:id="rId3"/>
+                <a:hlinkClick r:id="rId3">
+                  <a:extLst>
+                    <a:ext uri="{A12FA001-AC4F-418D-AE19-62706E023703}">
+                      <ahyp:hlinkClr xmlns:ahyp="http://schemas.microsoft.com/office/drawing/2018/hyperlinkcolor" val="tx"/>
+                    </a:ext>
+                  </a:extLst>
+                </a:hlinkClick>
               </a:rPr>
               <a:t>https://saasradar.net/herramientas-desarrollo-colaborativo</a:t>
             </a:r>
             <a:r>
               <a:rPr lang="en-US" sz="1400" b="0" strike="noStrike" dirty="0">
                 <a:solidFill>
-                  <a:schemeClr val="bg1">
-                    <a:lumMod val="25000"/>
-                  </a:schemeClr>
+                  <a:srgbClr val="3E3E3E"/>
                 </a:solidFill>
                 <a:effectLst/>
                 <a:latin typeface="+mj-lt"/>
@@ -12077,9 +13367,7 @@
             </a:r>
             <a:endParaRPr lang="es-CO" sz="1400" dirty="0">
               <a:solidFill>
-                <a:schemeClr val="bg1">
-                  <a:lumMod val="25000"/>
-                </a:schemeClr>
+                <a:srgbClr val="3E3E3E"/>
               </a:solidFill>
               <a:latin typeface="+mj-lt"/>
             </a:endParaRPr>
@@ -12102,8 +13390,8 @@
         </p:nvSpPr>
         <p:spPr>
           <a:xfrm>
-            <a:off x="557736" y="3335559"/>
-            <a:ext cx="11076526" cy="2550545"/>
+            <a:off x="0" y="3354220"/>
+            <a:ext cx="7679094" cy="2850637"/>
           </a:xfrm>
           <a:prstGeom prst="rect">
             <a:avLst/>
@@ -12111,7 +13399,7 @@
         </p:spPr>
         <p:txBody>
           <a:bodyPr vert="horz" lIns="91440" tIns="45720" rIns="91440" bIns="45720" rtlCol="0" anchor="ctr" anchorCtr="0">
-            <a:normAutofit/>
+            <a:normAutofit fontScale="92500" lnSpcReduction="10000"/>
           </a:bodyPr>
           <a:lstStyle>
             <a:lvl1pPr algn="l" defTabSz="914377" rtl="0" eaLnBrk="1" latinLnBrk="0" hangingPunct="1">
@@ -12257,7 +13545,7 @@
         </p:blipFill>
         <p:spPr>
           <a:xfrm>
-            <a:off x="2690633" y="1504125"/>
+            <a:off x="1250633" y="1457472"/>
             <a:ext cx="1440000" cy="1440000"/>
           </a:xfrm>
           <a:prstGeom prst="rect">
@@ -12293,7 +13581,7 @@
         </p:blipFill>
         <p:spPr>
           <a:xfrm>
-            <a:off x="8061367" y="1504125"/>
+            <a:off x="4655999" y="1457472"/>
             <a:ext cx="1440000" cy="1440000"/>
           </a:xfrm>
           <a:prstGeom prst="rect">
@@ -12329,7 +13617,7 @@
         </p:blipFill>
         <p:spPr>
           <a:xfrm>
-            <a:off x="5375999" y="1504125"/>
+            <a:off x="2918962" y="1457472"/>
             <a:ext cx="1440000" cy="1440000"/>
           </a:xfrm>
           <a:prstGeom prst="rect">
@@ -12385,13 +13673,13 @@
         </p:nvSpPr>
         <p:spPr>
           <a:xfrm>
-            <a:off x="1" y="1218723"/>
-            <a:ext cx="12191999" cy="930208"/>
+            <a:off x="1" y="732682"/>
+            <a:ext cx="7623109" cy="930208"/>
           </a:xfrm>
         </p:spPr>
         <p:txBody>
           <a:bodyPr anchor="ctr" anchorCtr="0">
-            <a:normAutofit/>
+            <a:normAutofit fontScale="90000"/>
           </a:bodyPr>
           <a:lstStyle/>
           <a:p>
@@ -12427,10 +13715,10 @@
       </p:sp>
       <p:pic>
         <p:nvPicPr>
-          <p:cNvPr id="5" name="Picture 4" descr="A picture containing text&#10;&#10;Description automatically generated">
+          <p:cNvPr id="3" name="Picture 2" descr="A picture containing shape&#10;&#10;Description automatically generated">
             <a:extLst>
               <a:ext uri="{FF2B5EF4-FFF2-40B4-BE49-F238E27FC236}">
-                <a16:creationId xmlns:a16="http://schemas.microsoft.com/office/drawing/2014/main" id="{F59E366C-5DED-B599-5E1A-D1CBCE846CC2}"/>
+                <a16:creationId xmlns:a16="http://schemas.microsoft.com/office/drawing/2014/main" id="{D6E16F75-BC8A-B193-EFF7-C6D7E511DB60}"/>
               </a:ext>
             </a:extLst>
           </p:cNvPr>
@@ -12459,8 +13747,8 @@
         </p:blipFill>
         <p:spPr>
           <a:xfrm>
-            <a:off x="380010" y="2480816"/>
-            <a:ext cx="11115304" cy="1896367"/>
+            <a:off x="1160357" y="1662890"/>
+            <a:ext cx="5302396" cy="3720447"/>
           </a:xfrm>
           <a:prstGeom prst="rect">
             <a:avLst/>
@@ -12516,7 +13804,7 @@
         <p:spPr>
           <a:xfrm>
             <a:off x="0" y="0"/>
-            <a:ext cx="12191999" cy="930208"/>
+            <a:ext cx="7660433" cy="930208"/>
           </a:xfrm>
         </p:spPr>
         <p:txBody>
@@ -12593,14 +13881,14 @@
           <p:nvPr>
             <p:extLst>
               <p:ext uri="{D42A27DB-BD31-4B8C-83A1-F6EECF244321}">
-                <p14:modId xmlns:p14="http://schemas.microsoft.com/office/powerpoint/2010/main" val="4101013780"/>
+                <p14:modId xmlns:p14="http://schemas.microsoft.com/office/powerpoint/2010/main" val="1527611845"/>
               </p:ext>
             </p:extLst>
           </p:nvPr>
         </p:nvGraphicFramePr>
         <p:xfrm>
-          <a:off x="489224" y="902115"/>
-          <a:ext cx="11213550" cy="5588234"/>
+          <a:off x="311942" y="992669"/>
+          <a:ext cx="7171209" cy="5588234"/>
         </p:xfrm>
         <a:graphic>
           <a:graphicData uri="http://schemas.openxmlformats.org/drawingml/2006/table">
@@ -12609,28 +13897,28 @@
                 <a:tableStyleId>{6E25E649-3F16-4E02-A733-19D2CDBF48F0}</a:tableStyleId>
               </a:tblPr>
               <a:tblGrid>
-                <a:gridCol w="8137841">
+                <a:gridCol w="4913200">
                   <a:extLst>
                     <a:ext uri="{9D8B030D-6E8A-4147-A177-3AD203B41FA5}">
                       <a16:colId xmlns:a16="http://schemas.microsoft.com/office/drawing/2014/main" val="1751238247"/>
                     </a:ext>
                   </a:extLst>
                 </a:gridCol>
-                <a:gridCol w="1128156">
+                <a:gridCol w="867747">
                   <a:extLst>
                     <a:ext uri="{9D8B030D-6E8A-4147-A177-3AD203B41FA5}">
                       <a16:colId xmlns:a16="http://schemas.microsoft.com/office/drawing/2014/main" val="769795539"/>
                     </a:ext>
                   </a:extLst>
                 </a:gridCol>
-                <a:gridCol w="890650">
+                <a:gridCol w="714359">
                   <a:extLst>
                     <a:ext uri="{9D8B030D-6E8A-4147-A177-3AD203B41FA5}">
                       <a16:colId xmlns:a16="http://schemas.microsoft.com/office/drawing/2014/main" val="2745942860"/>
                     </a:ext>
                   </a:extLst>
                 </a:gridCol>
-                <a:gridCol w="1056903">
+                <a:gridCol w="675903">
                   <a:extLst>
                     <a:ext uri="{9D8B030D-6E8A-4147-A177-3AD203B41FA5}">
                       <a16:colId xmlns:a16="http://schemas.microsoft.com/office/drawing/2014/main" val="3009411820"/>
@@ -12646,7 +13934,7 @@
                     <a:p>
                       <a:pPr algn="l" fontAlgn="ctr"/>
                       <a:r>
-                        <a:rPr lang="es-CO" sz="2000" b="1" u="none" strike="noStrike" dirty="0">
+                        <a:rPr lang="es-CO" sz="1600" b="1" u="none" strike="noStrike" dirty="0">
                           <a:solidFill>
                             <a:srgbClr val="24292F"/>
                           </a:solidFill>
@@ -12656,7 +13944,7 @@
                         </a:rPr>
                         <a:t>Requerimiento</a:t>
                       </a:r>
-                      <a:endParaRPr lang="es-CO" sz="2000" b="1" i="0" u="none" strike="noStrike" dirty="0">
+                      <a:endParaRPr lang="es-CO" sz="1600" b="1" i="0" u="none" strike="noStrike" dirty="0">
                         <a:solidFill>
                           <a:srgbClr val="24292F"/>
                         </a:solidFill>
@@ -12675,7 +13963,7 @@
                     <a:p>
                       <a:pPr algn="ctr" fontAlgn="ctr"/>
                       <a:r>
-                        <a:rPr lang="es-CO" sz="2000" b="1" u="none" strike="noStrike">
+                        <a:rPr lang="es-CO" sz="1600" b="0" u="none" strike="noStrike" dirty="0">
                           <a:solidFill>
                             <a:srgbClr val="24292F"/>
                           </a:solidFill>
@@ -12685,7 +13973,7 @@
                         </a:rPr>
                         <a:t>GitHub</a:t>
                       </a:r>
-                      <a:endParaRPr lang="es-CO" sz="2000" b="1" i="0" u="none" strike="noStrike">
+                      <a:endParaRPr lang="es-CO" sz="1600" b="0" i="0" u="none" strike="noStrike" dirty="0">
                         <a:solidFill>
                           <a:srgbClr val="24292F"/>
                         </a:solidFill>
@@ -12704,7 +13992,7 @@
                     <a:p>
                       <a:pPr algn="ctr" fontAlgn="ctr"/>
                       <a:r>
-                        <a:rPr lang="es-CO" sz="2000" b="1" u="none" strike="noStrike" dirty="0">
+                        <a:rPr lang="es-CO" sz="1600" b="0" u="none" strike="noStrike" dirty="0">
                           <a:solidFill>
                             <a:srgbClr val="24292F"/>
                           </a:solidFill>
@@ -12714,7 +14002,7 @@
                         </a:rPr>
                         <a:t>GitLab</a:t>
                       </a:r>
-                      <a:endParaRPr lang="es-CO" sz="2000" b="1" i="0" u="none" strike="noStrike" dirty="0">
+                      <a:endParaRPr lang="es-CO" sz="1600" b="0" i="0" u="none" strike="noStrike" dirty="0">
                         <a:solidFill>
                           <a:srgbClr val="24292F"/>
                         </a:solidFill>
@@ -12733,7 +14021,7 @@
                     <a:p>
                       <a:pPr algn="ctr" fontAlgn="ctr"/>
                       <a:r>
-                        <a:rPr lang="es-CO" sz="2000" b="1" u="none" strike="noStrike" dirty="0">
+                        <a:rPr lang="es-CO" sz="1600" b="0" u="none" strike="noStrike" dirty="0">
                           <a:solidFill>
                             <a:srgbClr val="24292F"/>
                           </a:solidFill>
@@ -12743,7 +14031,7 @@
                         </a:rPr>
                         <a:t>Google Code</a:t>
                       </a:r>
-                      <a:endParaRPr lang="es-CO" sz="2000" b="1" i="0" u="none" strike="noStrike" dirty="0">
+                      <a:endParaRPr lang="es-CO" sz="1600" b="0" i="0" u="none" strike="noStrike" dirty="0">
                         <a:solidFill>
                           <a:srgbClr val="24292F"/>
                         </a:solidFill>
@@ -12769,7 +14057,7 @@
                     <a:p>
                       <a:pPr algn="l" fontAlgn="ctr"/>
                       <a:r>
-                        <a:rPr lang="es-CO" sz="2000" b="0" u="none" strike="noStrike" dirty="0">
+                        <a:rPr lang="es-CO" sz="1600" b="0" u="none" strike="noStrike" dirty="0">
                           <a:solidFill>
                             <a:srgbClr val="24292F"/>
                           </a:solidFill>
@@ -12779,7 +14067,7 @@
                         </a:rPr>
                         <a:t>Creación de cuenta sin versión de prueba o que expira</a:t>
                       </a:r>
-                      <a:endParaRPr lang="es-CO" sz="2000" b="0" i="0" u="none" strike="noStrike" dirty="0">
+                      <a:endParaRPr lang="es-CO" sz="1600" b="0" i="0" u="none" strike="noStrike" dirty="0">
                         <a:solidFill>
                           <a:srgbClr val="24292F"/>
                         </a:solidFill>
@@ -12798,7 +14086,7 @@
                     <a:p>
                       <a:pPr algn="ctr" fontAlgn="ctr"/>
                       <a:r>
-                        <a:rPr lang="es-CO" sz="2000" b="0" u="none" strike="noStrike">
+                        <a:rPr lang="es-CO" sz="1600" b="0" u="none" strike="noStrike">
                           <a:solidFill>
                             <a:srgbClr val="24292F"/>
                           </a:solidFill>
@@ -12808,7 +14096,7 @@
                         </a:rPr>
                         <a:t>✓</a:t>
                       </a:r>
-                      <a:endParaRPr lang="es-CO" sz="2000" b="0" i="0" u="none" strike="noStrike">
+                      <a:endParaRPr lang="es-CO" sz="1600" b="0" i="0" u="none" strike="noStrike">
                         <a:solidFill>
                           <a:srgbClr val="24292F"/>
                         </a:solidFill>
@@ -12827,7 +14115,7 @@
                     <a:p>
                       <a:pPr algn="ctr" fontAlgn="ctr"/>
                       <a:r>
-                        <a:rPr lang="es-CO" sz="2000" b="0" u="none" strike="noStrike">
+                        <a:rPr lang="es-CO" sz="1600" b="0" u="none" strike="noStrike">
                           <a:solidFill>
                             <a:srgbClr val="24292F"/>
                           </a:solidFill>
@@ -12837,7 +14125,7 @@
                         </a:rPr>
                         <a:t> </a:t>
                       </a:r>
-                      <a:endParaRPr lang="es-CO" sz="2000" b="0" i="0" u="none" strike="noStrike">
+                      <a:endParaRPr lang="es-CO" sz="1600" b="0" i="0" u="none" strike="noStrike">
                         <a:solidFill>
                           <a:srgbClr val="24292F"/>
                         </a:solidFill>
@@ -12856,7 +14144,7 @@
                     <a:p>
                       <a:pPr algn="ctr" fontAlgn="ctr"/>
                       <a:r>
-                        <a:rPr lang="es-CO" sz="2000" b="0" u="none" strike="noStrike">
+                        <a:rPr lang="es-CO" sz="1600" b="0" u="none" strike="noStrike">
                           <a:solidFill>
                             <a:srgbClr val="24292F"/>
                           </a:solidFill>
@@ -12866,7 +14154,7 @@
                         </a:rPr>
                         <a:t>✓</a:t>
                       </a:r>
-                      <a:endParaRPr lang="es-CO" sz="2000" b="0" i="0" u="none" strike="noStrike">
+                      <a:endParaRPr lang="es-CO" sz="1600" b="0" i="0" u="none" strike="noStrike">
                         <a:solidFill>
                           <a:srgbClr val="24292F"/>
                         </a:solidFill>
@@ -12892,7 +14180,7 @@
                     <a:p>
                       <a:pPr algn="l" fontAlgn="ctr"/>
                       <a:r>
-                        <a:rPr lang="es-CO" sz="2000" b="0" u="none" strike="noStrike" dirty="0">
+                        <a:rPr lang="es-CO" sz="1600" b="0" u="none" strike="noStrike" dirty="0">
                           <a:solidFill>
                             <a:srgbClr val="24292F"/>
                           </a:solidFill>
@@ -12903,7 +14191,7 @@
                         <a:t>Repositorios públicos sin </a:t>
                       </a:r>
                       <a:r>
-                        <a:rPr lang="es-CO" sz="2000" b="0" u="none" strike="noStrike" dirty="0" err="1">
+                        <a:rPr lang="es-CO" sz="1600" b="0" u="none" strike="noStrike" dirty="0" err="1">
                           <a:solidFill>
                             <a:srgbClr val="24292F"/>
                           </a:solidFill>
@@ -12914,7 +14202,7 @@
                         <a:t>login</a:t>
                       </a:r>
                       <a:r>
-                        <a:rPr lang="es-CO" sz="2000" b="0" u="none" strike="noStrike" dirty="0">
+                        <a:rPr lang="es-CO" sz="1600" b="0" u="none" strike="noStrike" dirty="0">
                           <a:solidFill>
                             <a:srgbClr val="24292F"/>
                           </a:solidFill>
@@ -12924,7 +14212,7 @@
                         </a:rPr>
                         <a:t> de usuario</a:t>
                       </a:r>
-                      <a:endParaRPr lang="es-CO" sz="2000" b="0" i="0" u="none" strike="noStrike" dirty="0">
+                      <a:endParaRPr lang="es-CO" sz="1600" b="0" i="0" u="none" strike="noStrike" dirty="0">
                         <a:solidFill>
                           <a:srgbClr val="24292F"/>
                         </a:solidFill>
@@ -12943,7 +14231,7 @@
                     <a:p>
                       <a:pPr algn="ctr" fontAlgn="ctr"/>
                       <a:r>
-                        <a:rPr lang="es-CO" sz="2000" b="0" u="none" strike="noStrike">
+                        <a:rPr lang="es-CO" sz="1600" b="0" u="none" strike="noStrike">
                           <a:solidFill>
                             <a:srgbClr val="24292F"/>
                           </a:solidFill>
@@ -12953,7 +14241,7 @@
                         </a:rPr>
                         <a:t>✓</a:t>
                       </a:r>
-                      <a:endParaRPr lang="es-CO" sz="2000" b="0" i="0" u="none" strike="noStrike">
+                      <a:endParaRPr lang="es-CO" sz="1600" b="0" i="0" u="none" strike="noStrike">
                         <a:solidFill>
                           <a:srgbClr val="24292F"/>
                         </a:solidFill>
@@ -12972,7 +14260,7 @@
                     <a:p>
                       <a:pPr algn="ctr" fontAlgn="ctr"/>
                       <a:r>
-                        <a:rPr lang="es-CO" sz="2000" b="0" u="none" strike="noStrike">
+                        <a:rPr lang="es-CO" sz="1600" b="0" u="none" strike="noStrike">
                           <a:solidFill>
                             <a:srgbClr val="24292F"/>
                           </a:solidFill>
@@ -12982,7 +14270,7 @@
                         </a:rPr>
                         <a:t> </a:t>
                       </a:r>
-                      <a:endParaRPr lang="es-CO" sz="2000" b="0" i="0" u="none" strike="noStrike">
+                      <a:endParaRPr lang="es-CO" sz="1600" b="0" i="0" u="none" strike="noStrike">
                         <a:solidFill>
                           <a:srgbClr val="24292F"/>
                         </a:solidFill>
@@ -13001,7 +14289,7 @@
                     <a:p>
                       <a:pPr algn="ctr" fontAlgn="ctr"/>
                       <a:r>
-                        <a:rPr lang="es-CO" sz="2000" b="0" u="none" strike="noStrike">
+                        <a:rPr lang="es-CO" sz="1600" b="0" u="none" strike="noStrike">
                           <a:solidFill>
                             <a:srgbClr val="24292F"/>
                           </a:solidFill>
@@ -13011,7 +14299,7 @@
                         </a:rPr>
                         <a:t> </a:t>
                       </a:r>
-                      <a:endParaRPr lang="es-CO" sz="2000" b="0" i="0" u="none" strike="noStrike">
+                      <a:endParaRPr lang="es-CO" sz="1600" b="0" i="0" u="none" strike="noStrike">
                         <a:solidFill>
                           <a:srgbClr val="24292F"/>
                         </a:solidFill>
@@ -13037,7 +14325,7 @@
                     <a:p>
                       <a:pPr algn="l" fontAlgn="ctr"/>
                       <a:r>
-                        <a:rPr lang="es-CO" sz="2000" b="0" u="none" strike="noStrike" dirty="0">
+                        <a:rPr lang="es-CO" sz="1600" b="0" u="none" strike="noStrike" dirty="0">
                           <a:solidFill>
                             <a:srgbClr val="24292F"/>
                           </a:solidFill>
@@ -13047,7 +14335,7 @@
                         </a:rPr>
                         <a:t>Repositorios ilimitados por usuario sin versión de pago</a:t>
                       </a:r>
-                      <a:endParaRPr lang="es-CO" sz="2000" b="0" i="0" u="none" strike="noStrike" dirty="0">
+                      <a:endParaRPr lang="es-CO" sz="1600" b="0" i="0" u="none" strike="noStrike" dirty="0">
                         <a:solidFill>
                           <a:srgbClr val="24292F"/>
                         </a:solidFill>
@@ -13066,7 +14354,7 @@
                     <a:p>
                       <a:pPr algn="ctr" fontAlgn="ctr"/>
                       <a:r>
-                        <a:rPr lang="es-CO" sz="2000" b="0" u="none" strike="noStrike">
+                        <a:rPr lang="es-CO" sz="1600" b="0" u="none" strike="noStrike">
                           <a:solidFill>
                             <a:srgbClr val="24292F"/>
                           </a:solidFill>
@@ -13076,7 +14364,7 @@
                         </a:rPr>
                         <a:t>✓</a:t>
                       </a:r>
-                      <a:endParaRPr lang="es-CO" sz="2000" b="0" i="0" u="none" strike="noStrike">
+                      <a:endParaRPr lang="es-CO" sz="1600" b="0" i="0" u="none" strike="noStrike">
                         <a:solidFill>
                           <a:srgbClr val="24292F"/>
                         </a:solidFill>
@@ -13095,7 +14383,7 @@
                     <a:p>
                       <a:pPr algn="ctr" fontAlgn="ctr"/>
                       <a:r>
-                        <a:rPr lang="es-CO" sz="2000" b="0" u="none" strike="noStrike">
+                        <a:rPr lang="es-CO" sz="1600" b="0" u="none" strike="noStrike">
                           <a:solidFill>
                             <a:srgbClr val="24292F"/>
                           </a:solidFill>
@@ -13105,7 +14393,7 @@
                         </a:rPr>
                         <a:t> </a:t>
                       </a:r>
-                      <a:endParaRPr lang="es-CO" sz="2000" b="0" i="0" u="none" strike="noStrike">
+                      <a:endParaRPr lang="es-CO" sz="1600" b="0" i="0" u="none" strike="noStrike">
                         <a:solidFill>
                           <a:srgbClr val="24292F"/>
                         </a:solidFill>
@@ -13124,7 +14412,7 @@
                     <a:p>
                       <a:pPr algn="ctr" fontAlgn="ctr"/>
                       <a:r>
-                        <a:rPr lang="es-CO" sz="2000" b="0" u="none" strike="noStrike">
+                        <a:rPr lang="es-CO" sz="1600" b="0" u="none" strike="noStrike">
                           <a:solidFill>
                             <a:srgbClr val="24292F"/>
                           </a:solidFill>
@@ -13134,7 +14422,7 @@
                         </a:rPr>
                         <a:t> </a:t>
                       </a:r>
-                      <a:endParaRPr lang="es-CO" sz="2000" b="0" i="0" u="none" strike="noStrike">
+                      <a:endParaRPr lang="es-CO" sz="1600" b="0" i="0" u="none" strike="noStrike">
                         <a:solidFill>
                           <a:srgbClr val="24292F"/>
                         </a:solidFill>
@@ -13160,7 +14448,7 @@
                     <a:p>
                       <a:pPr algn="l" fontAlgn="ctr"/>
                       <a:r>
-                        <a:rPr lang="es-CO" sz="2000" b="0" u="none" strike="noStrike" dirty="0">
+                        <a:rPr lang="es-CO" sz="1600" b="0" u="none" strike="noStrike" dirty="0">
                           <a:solidFill>
                             <a:srgbClr val="24292F"/>
                           </a:solidFill>
@@ -13170,7 +14458,7 @@
                         </a:rPr>
                         <a:t>Creación de organizaciones</a:t>
                       </a:r>
-                      <a:endParaRPr lang="es-CO" sz="2000" b="0" i="0" u="none" strike="noStrike" dirty="0">
+                      <a:endParaRPr lang="es-CO" sz="1600" b="0" i="0" u="none" strike="noStrike" dirty="0">
                         <a:solidFill>
                           <a:srgbClr val="24292F"/>
                         </a:solidFill>
@@ -13189,7 +14477,7 @@
                     <a:p>
                       <a:pPr algn="ctr" fontAlgn="ctr"/>
                       <a:r>
-                        <a:rPr lang="es-CO" sz="2000" b="0" u="none" strike="noStrike">
+                        <a:rPr lang="es-CO" sz="1600" b="0" u="none" strike="noStrike">
                           <a:solidFill>
                             <a:srgbClr val="24292F"/>
                           </a:solidFill>
@@ -13199,7 +14487,7 @@
                         </a:rPr>
                         <a:t>✓</a:t>
                       </a:r>
-                      <a:endParaRPr lang="es-CO" sz="2000" b="0" i="0" u="none" strike="noStrike">
+                      <a:endParaRPr lang="es-CO" sz="1600" b="0" i="0" u="none" strike="noStrike">
                         <a:solidFill>
                           <a:srgbClr val="24292F"/>
                         </a:solidFill>
@@ -13218,7 +14506,7 @@
                     <a:p>
                       <a:pPr algn="ctr" fontAlgn="ctr"/>
                       <a:r>
-                        <a:rPr lang="es-CO" sz="2000" b="0" u="none" strike="noStrike">
+                        <a:rPr lang="es-CO" sz="1600" b="0" u="none" strike="noStrike">
                           <a:solidFill>
                             <a:srgbClr val="24292F"/>
                           </a:solidFill>
@@ -13228,7 +14516,7 @@
                         </a:rPr>
                         <a:t>✓</a:t>
                       </a:r>
-                      <a:endParaRPr lang="es-CO" sz="2000" b="0" i="0" u="none" strike="noStrike">
+                      <a:endParaRPr lang="es-CO" sz="1600" b="0" i="0" u="none" strike="noStrike">
                         <a:solidFill>
                           <a:srgbClr val="24292F"/>
                         </a:solidFill>
@@ -13247,7 +14535,7 @@
                     <a:p>
                       <a:pPr algn="ctr" fontAlgn="ctr"/>
                       <a:r>
-                        <a:rPr lang="es-CO" sz="2000" b="0" u="none" strike="noStrike">
+                        <a:rPr lang="es-CO" sz="1600" b="0" u="none" strike="noStrike">
                           <a:solidFill>
                             <a:srgbClr val="24292F"/>
                           </a:solidFill>
@@ -13257,7 +14545,7 @@
                         </a:rPr>
                         <a:t> </a:t>
                       </a:r>
-                      <a:endParaRPr lang="es-CO" sz="2000" b="0" i="0" u="none" strike="noStrike">
+                      <a:endParaRPr lang="es-CO" sz="1600" b="0" i="0" u="none" strike="noStrike">
                         <a:solidFill>
                           <a:srgbClr val="24292F"/>
                         </a:solidFill>
@@ -13283,7 +14571,7 @@
                     <a:p>
                       <a:pPr algn="l" fontAlgn="ctr"/>
                       <a:r>
-                        <a:rPr lang="es-CO" sz="2000" b="0" u="none" strike="noStrike" dirty="0">
+                        <a:rPr lang="es-CO" sz="1600" b="0" u="none" strike="noStrike" dirty="0">
                           <a:solidFill>
                             <a:srgbClr val="24292F"/>
                           </a:solidFill>
@@ -13293,7 +14581,7 @@
                         </a:rPr>
                         <a:t>Clonación de repositorios entre usuarios y organizaciones</a:t>
                       </a:r>
-                      <a:endParaRPr lang="es-CO" sz="2000" b="0" i="0" u="none" strike="noStrike" dirty="0">
+                      <a:endParaRPr lang="es-CO" sz="1600" b="0" i="0" u="none" strike="noStrike" dirty="0">
                         <a:solidFill>
                           <a:srgbClr val="24292F"/>
                         </a:solidFill>
@@ -13312,7 +14600,7 @@
                     <a:p>
                       <a:pPr algn="ctr" fontAlgn="ctr"/>
                       <a:r>
-                        <a:rPr lang="es-CO" sz="2000" b="0" u="none" strike="noStrike">
+                        <a:rPr lang="es-CO" sz="1600" b="0" u="none" strike="noStrike">
                           <a:solidFill>
                             <a:srgbClr val="24292F"/>
                           </a:solidFill>
@@ -13322,7 +14610,7 @@
                         </a:rPr>
                         <a:t>✓</a:t>
                       </a:r>
-                      <a:endParaRPr lang="es-CO" sz="2000" b="0" i="0" u="none" strike="noStrike">
+                      <a:endParaRPr lang="es-CO" sz="1600" b="0" i="0" u="none" strike="noStrike">
                         <a:solidFill>
                           <a:srgbClr val="24292F"/>
                         </a:solidFill>
@@ -13341,7 +14629,7 @@
                     <a:p>
                       <a:pPr algn="ctr" fontAlgn="ctr"/>
                       <a:r>
-                        <a:rPr lang="es-CO" sz="2000" b="0" u="none" strike="noStrike">
+                        <a:rPr lang="es-CO" sz="1600" b="0" u="none" strike="noStrike">
                           <a:solidFill>
                             <a:srgbClr val="24292F"/>
                           </a:solidFill>
@@ -13351,7 +14639,7 @@
                         </a:rPr>
                         <a:t>✓</a:t>
                       </a:r>
-                      <a:endParaRPr lang="es-CO" sz="2000" b="0" i="0" u="none" strike="noStrike">
+                      <a:endParaRPr lang="es-CO" sz="1600" b="0" i="0" u="none" strike="noStrike">
                         <a:solidFill>
                           <a:srgbClr val="24292F"/>
                         </a:solidFill>
@@ -13370,7 +14658,7 @@
                     <a:p>
                       <a:pPr algn="ctr" fontAlgn="ctr"/>
                       <a:r>
-                        <a:rPr lang="es-CO" sz="2000" b="0" u="none" strike="noStrike">
+                        <a:rPr lang="es-CO" sz="1600" b="0" u="none" strike="noStrike">
                           <a:solidFill>
                             <a:srgbClr val="24292F"/>
                           </a:solidFill>
@@ -13380,7 +14668,7 @@
                         </a:rPr>
                         <a:t> </a:t>
                       </a:r>
-                      <a:endParaRPr lang="es-CO" sz="2000" b="0" i="0" u="none" strike="noStrike">
+                      <a:endParaRPr lang="es-CO" sz="1600" b="0" i="0" u="none" strike="noStrike">
                         <a:solidFill>
                           <a:srgbClr val="24292F"/>
                         </a:solidFill>
@@ -13406,7 +14694,7 @@
                     <a:p>
                       <a:pPr algn="l" fontAlgn="ctr"/>
                       <a:r>
-                        <a:rPr lang="es-CO" sz="2000" b="0" u="none" strike="noStrike" dirty="0">
+                        <a:rPr lang="es-CO" sz="1600" b="0" u="none" strike="noStrike" dirty="0">
                           <a:solidFill>
                             <a:srgbClr val="24292F"/>
                           </a:solidFill>
@@ -13416,7 +14704,7 @@
                         </a:rPr>
                         <a:t>Descarga directa de repositorio sin registro de usuario</a:t>
                       </a:r>
-                      <a:endParaRPr lang="es-CO" sz="2000" b="0" i="0" u="none" strike="noStrike" dirty="0">
+                      <a:endParaRPr lang="es-CO" sz="1600" b="0" i="0" u="none" strike="noStrike" dirty="0">
                         <a:solidFill>
                           <a:srgbClr val="24292F"/>
                         </a:solidFill>
@@ -13435,7 +14723,7 @@
                     <a:p>
                       <a:pPr algn="ctr" fontAlgn="ctr"/>
                       <a:r>
-                        <a:rPr lang="es-CO" sz="2000" b="0" u="none" strike="noStrike">
+                        <a:rPr lang="es-CO" sz="1600" b="0" u="none" strike="noStrike">
                           <a:solidFill>
                             <a:srgbClr val="24292F"/>
                           </a:solidFill>
@@ -13445,7 +14733,7 @@
                         </a:rPr>
                         <a:t>✓</a:t>
                       </a:r>
-                      <a:endParaRPr lang="es-CO" sz="2000" b="0" i="0" u="none" strike="noStrike">
+                      <a:endParaRPr lang="es-CO" sz="1600" b="0" i="0" u="none" strike="noStrike">
                         <a:solidFill>
                           <a:srgbClr val="24292F"/>
                         </a:solidFill>
@@ -13464,7 +14752,7 @@
                     <a:p>
                       <a:pPr algn="ctr" fontAlgn="ctr"/>
                       <a:r>
-                        <a:rPr lang="es-CO" sz="2000" b="0" u="none" strike="noStrike">
+                        <a:rPr lang="es-CO" sz="1600" b="0" u="none" strike="noStrike">
                           <a:solidFill>
                             <a:srgbClr val="24292F"/>
                           </a:solidFill>
@@ -13474,7 +14762,7 @@
                         </a:rPr>
                         <a:t> </a:t>
                       </a:r>
-                      <a:endParaRPr lang="es-CO" sz="2000" b="0" i="0" u="none" strike="noStrike">
+                      <a:endParaRPr lang="es-CO" sz="1600" b="0" i="0" u="none" strike="noStrike">
                         <a:solidFill>
                           <a:srgbClr val="24292F"/>
                         </a:solidFill>
@@ -13493,7 +14781,7 @@
                     <a:p>
                       <a:pPr algn="ctr" fontAlgn="ctr"/>
                       <a:r>
-                        <a:rPr lang="es-CO" sz="2000" b="0" u="none" strike="noStrike">
+                        <a:rPr lang="es-CO" sz="1600" b="0" u="none" strike="noStrike">
                           <a:solidFill>
                             <a:srgbClr val="24292F"/>
                           </a:solidFill>
@@ -13503,7 +14791,7 @@
                         </a:rPr>
                         <a:t>✓</a:t>
                       </a:r>
-                      <a:endParaRPr lang="es-CO" sz="2000" b="0" i="0" u="none" strike="noStrike">
+                      <a:endParaRPr lang="es-CO" sz="1600" b="0" i="0" u="none" strike="noStrike">
                         <a:solidFill>
                           <a:srgbClr val="24292F"/>
                         </a:solidFill>
@@ -13529,7 +14817,7 @@
                     <a:p>
                       <a:pPr algn="l" fontAlgn="ctr"/>
                       <a:r>
-                        <a:rPr lang="es-CO" sz="2000" b="0" u="none" strike="noStrike" dirty="0">
+                        <a:rPr lang="es-CO" sz="1600" b="0" u="none" strike="noStrike" dirty="0">
                           <a:solidFill>
                             <a:srgbClr val="24292F"/>
                           </a:solidFill>
@@ -13539,7 +14827,7 @@
                         </a:rPr>
                         <a:t>Buscador de proyectos sin registro de usuario</a:t>
                       </a:r>
-                      <a:endParaRPr lang="es-CO" sz="2000" b="0" i="0" u="none" strike="noStrike" dirty="0">
+                      <a:endParaRPr lang="es-CO" sz="1600" b="0" i="0" u="none" strike="noStrike" dirty="0">
                         <a:solidFill>
                           <a:srgbClr val="24292F"/>
                         </a:solidFill>
@@ -13558,7 +14846,7 @@
                     <a:p>
                       <a:pPr algn="ctr" fontAlgn="ctr"/>
                       <a:r>
-                        <a:rPr lang="es-CO" sz="2000" b="0" u="none" strike="noStrike">
+                        <a:rPr lang="es-CO" sz="1600" b="0" u="none" strike="noStrike">
                           <a:solidFill>
                             <a:srgbClr val="24292F"/>
                           </a:solidFill>
@@ -13568,7 +14856,7 @@
                         </a:rPr>
                         <a:t>✓</a:t>
                       </a:r>
-                      <a:endParaRPr lang="es-CO" sz="2000" b="0" i="0" u="none" strike="noStrike">
+                      <a:endParaRPr lang="es-CO" sz="1600" b="0" i="0" u="none" strike="noStrike">
                         <a:solidFill>
                           <a:srgbClr val="24292F"/>
                         </a:solidFill>
@@ -13587,7 +14875,7 @@
                     <a:p>
                       <a:pPr algn="ctr" fontAlgn="ctr"/>
                       <a:r>
-                        <a:rPr lang="es-CO" sz="2000" b="0" u="none" strike="noStrike">
+                        <a:rPr lang="es-CO" sz="1600" b="0" u="none" strike="noStrike">
                           <a:solidFill>
                             <a:srgbClr val="24292F"/>
                           </a:solidFill>
@@ -13597,7 +14885,7 @@
                         </a:rPr>
                         <a:t> </a:t>
                       </a:r>
-                      <a:endParaRPr lang="es-CO" sz="2000" b="0" i="0" u="none" strike="noStrike">
+                      <a:endParaRPr lang="es-CO" sz="1600" b="0" i="0" u="none" strike="noStrike">
                         <a:solidFill>
                           <a:srgbClr val="24292F"/>
                         </a:solidFill>
@@ -13616,7 +14904,7 @@
                     <a:p>
                       <a:pPr algn="ctr" fontAlgn="ctr"/>
                       <a:r>
-                        <a:rPr lang="es-CO" sz="2000" b="0" u="none" strike="noStrike">
+                        <a:rPr lang="es-CO" sz="1600" b="0" u="none" strike="noStrike">
                           <a:solidFill>
                             <a:srgbClr val="24292F"/>
                           </a:solidFill>
@@ -13626,7 +14914,7 @@
                         </a:rPr>
                         <a:t> </a:t>
                       </a:r>
-                      <a:endParaRPr lang="es-CO" sz="2000" b="0" i="0" u="none" strike="noStrike">
+                      <a:endParaRPr lang="es-CO" sz="1600" b="0" i="0" u="none" strike="noStrike">
                         <a:solidFill>
                           <a:srgbClr val="24292F"/>
                         </a:solidFill>
@@ -13652,7 +14940,7 @@
                     <a:p>
                       <a:pPr algn="l" fontAlgn="ctr"/>
                       <a:r>
-                        <a:rPr lang="es-CO" sz="2000" b="0" u="none" strike="noStrike" dirty="0">
+                        <a:rPr lang="es-CO" sz="1600" b="0" u="none" strike="noStrike" dirty="0">
                           <a:solidFill>
                             <a:srgbClr val="24292F"/>
                           </a:solidFill>
@@ -13662,7 +14950,7 @@
                         </a:rPr>
                         <a:t>Cargue masivo de archivos inferiores a 100 MB en cuentas libres</a:t>
                       </a:r>
-                      <a:endParaRPr lang="es-CO" sz="2000" b="0" i="0" u="none" strike="noStrike" dirty="0">
+                      <a:endParaRPr lang="es-CO" sz="1600" b="0" i="0" u="none" strike="noStrike" dirty="0">
                         <a:solidFill>
                           <a:srgbClr val="24292F"/>
                         </a:solidFill>
@@ -13681,7 +14969,7 @@
                     <a:p>
                       <a:pPr algn="ctr" fontAlgn="ctr"/>
                       <a:r>
-                        <a:rPr lang="es-CO" sz="2000" b="0" u="none" strike="noStrike">
+                        <a:rPr lang="es-CO" sz="1600" b="0" u="none" strike="noStrike">
                           <a:solidFill>
                             <a:srgbClr val="24292F"/>
                           </a:solidFill>
@@ -13691,7 +14979,7 @@
                         </a:rPr>
                         <a:t>✓</a:t>
                       </a:r>
-                      <a:endParaRPr lang="es-CO" sz="2000" b="0" i="0" u="none" strike="noStrike">
+                      <a:endParaRPr lang="es-CO" sz="1600" b="0" i="0" u="none" strike="noStrike">
                         <a:solidFill>
                           <a:srgbClr val="24292F"/>
                         </a:solidFill>
@@ -13710,7 +14998,7 @@
                     <a:p>
                       <a:pPr algn="ctr" fontAlgn="ctr"/>
                       <a:r>
-                        <a:rPr lang="es-CO" sz="2000" b="0" u="none" strike="noStrike">
+                        <a:rPr lang="es-CO" sz="1600" b="0" u="none" strike="noStrike">
                           <a:solidFill>
                             <a:srgbClr val="24292F"/>
                           </a:solidFill>
@@ -13720,7 +15008,7 @@
                         </a:rPr>
                         <a:t> </a:t>
                       </a:r>
-                      <a:endParaRPr lang="es-CO" sz="2000" b="0" i="0" u="none" strike="noStrike">
+                      <a:endParaRPr lang="es-CO" sz="1600" b="0" i="0" u="none" strike="noStrike">
                         <a:solidFill>
                           <a:srgbClr val="24292F"/>
                         </a:solidFill>
@@ -13739,7 +15027,7 @@
                     <a:p>
                       <a:pPr algn="ctr" fontAlgn="ctr"/>
                       <a:r>
-                        <a:rPr lang="es-CO" sz="2000" b="0" u="none" strike="noStrike">
+                        <a:rPr lang="es-CO" sz="1600" b="0" u="none" strike="noStrike">
                           <a:solidFill>
                             <a:srgbClr val="24292F"/>
                           </a:solidFill>
@@ -13749,7 +15037,7 @@
                         </a:rPr>
                         <a:t> </a:t>
                       </a:r>
-                      <a:endParaRPr lang="es-CO" sz="2000" b="0" i="0" u="none" strike="noStrike">
+                      <a:endParaRPr lang="es-CO" sz="1600" b="0" i="0" u="none" strike="noStrike">
                         <a:solidFill>
                           <a:srgbClr val="24292F"/>
                         </a:solidFill>
@@ -13775,7 +15063,7 @@
                     <a:p>
                       <a:pPr algn="l" fontAlgn="ctr"/>
                       <a:r>
-                        <a:rPr lang="es-CO" sz="2000" b="0" u="none" strike="noStrike" dirty="0">
+                        <a:rPr lang="es-CO" sz="1600" b="0" u="none" strike="noStrike" dirty="0">
                           <a:solidFill>
                             <a:srgbClr val="24292F"/>
                           </a:solidFill>
@@ -13785,7 +15073,7 @@
                         </a:rPr>
                         <a:t>Gestión local de repositorio utilizando herramientas de desarrollo</a:t>
                       </a:r>
-                      <a:endParaRPr lang="es-CO" sz="2000" b="0" i="0" u="none" strike="noStrike" dirty="0">
+                      <a:endParaRPr lang="es-CO" sz="1600" b="0" i="0" u="none" strike="noStrike" dirty="0">
                         <a:solidFill>
                           <a:srgbClr val="24292F"/>
                         </a:solidFill>
@@ -13804,7 +15092,7 @@
                     <a:p>
                       <a:pPr algn="ctr" fontAlgn="ctr"/>
                       <a:r>
-                        <a:rPr lang="es-CO" sz="2000" b="0" u="none" strike="noStrike">
+                        <a:rPr lang="es-CO" sz="1600" b="0" u="none" strike="noStrike">
                           <a:solidFill>
                             <a:srgbClr val="24292F"/>
                           </a:solidFill>
@@ -13814,7 +15102,7 @@
                         </a:rPr>
                         <a:t>✓</a:t>
                       </a:r>
-                      <a:endParaRPr lang="es-CO" sz="2000" b="0" i="0" u="none" strike="noStrike">
+                      <a:endParaRPr lang="es-CO" sz="1600" b="0" i="0" u="none" strike="noStrike">
                         <a:solidFill>
                           <a:srgbClr val="24292F"/>
                         </a:solidFill>
@@ -13833,7 +15121,7 @@
                     <a:p>
                       <a:pPr algn="ctr" fontAlgn="ctr"/>
                       <a:r>
-                        <a:rPr lang="es-CO" sz="2000" b="0" u="none" strike="noStrike">
+                        <a:rPr lang="es-CO" sz="1600" b="0" u="none" strike="noStrike">
                           <a:solidFill>
                             <a:srgbClr val="24292F"/>
                           </a:solidFill>
@@ -13843,7 +15131,7 @@
                         </a:rPr>
                         <a:t>✓</a:t>
                       </a:r>
-                      <a:endParaRPr lang="es-CO" sz="2000" b="0" i="0" u="none" strike="noStrike">
+                      <a:endParaRPr lang="es-CO" sz="1600" b="0" i="0" u="none" strike="noStrike">
                         <a:solidFill>
                           <a:srgbClr val="24292F"/>
                         </a:solidFill>
@@ -13862,7 +15150,7 @@
                     <a:p>
                       <a:pPr algn="ctr" fontAlgn="ctr"/>
                       <a:r>
-                        <a:rPr lang="es-CO" sz="2000" b="0" u="none" strike="noStrike">
+                        <a:rPr lang="es-CO" sz="1600" b="0" u="none" strike="noStrike">
                           <a:solidFill>
                             <a:srgbClr val="24292F"/>
                           </a:solidFill>
@@ -13872,7 +15160,7 @@
                         </a:rPr>
                         <a:t>✓</a:t>
                       </a:r>
-                      <a:endParaRPr lang="es-CO" sz="2000" b="0" i="0" u="none" strike="noStrike">
+                      <a:endParaRPr lang="es-CO" sz="1600" b="0" i="0" u="none" strike="noStrike">
                         <a:solidFill>
                           <a:srgbClr val="24292F"/>
                         </a:solidFill>
@@ -13898,7 +15186,7 @@
                     <a:p>
                       <a:pPr algn="l" fontAlgn="ctr"/>
                       <a:r>
-                        <a:rPr lang="es-CO" sz="2000" b="0" u="none" strike="noStrike" dirty="0">
+                        <a:rPr lang="es-CO" sz="1600" b="0" u="none" strike="noStrike" dirty="0">
                           <a:solidFill>
                             <a:srgbClr val="24292F"/>
                           </a:solidFill>
@@ -13908,7 +15196,7 @@
                         </a:rPr>
                         <a:t>Entornos de discusión por repositorio público</a:t>
                       </a:r>
-                      <a:endParaRPr lang="es-CO" sz="2000" b="0" i="0" u="none" strike="noStrike" dirty="0">
+                      <a:endParaRPr lang="es-CO" sz="1600" b="0" i="0" u="none" strike="noStrike" dirty="0">
                         <a:solidFill>
                           <a:srgbClr val="24292F"/>
                         </a:solidFill>
@@ -13927,7 +15215,7 @@
                     <a:p>
                       <a:pPr algn="ctr" fontAlgn="ctr"/>
                       <a:r>
-                        <a:rPr lang="es-CO" sz="2000" b="0" u="none" strike="noStrike">
+                        <a:rPr lang="es-CO" sz="1600" b="0" u="none" strike="noStrike">
                           <a:solidFill>
                             <a:srgbClr val="24292F"/>
                           </a:solidFill>
@@ -13937,7 +15225,7 @@
                         </a:rPr>
                         <a:t>✓</a:t>
                       </a:r>
-                      <a:endParaRPr lang="es-CO" sz="2000" b="0" i="0" u="none" strike="noStrike">
+                      <a:endParaRPr lang="es-CO" sz="1600" b="0" i="0" u="none" strike="noStrike">
                         <a:solidFill>
                           <a:srgbClr val="24292F"/>
                         </a:solidFill>
@@ -13956,7 +15244,7 @@
                     <a:p>
                       <a:pPr algn="ctr" fontAlgn="ctr"/>
                       <a:r>
-                        <a:rPr lang="es-CO" sz="2000" b="0" u="none" strike="noStrike">
+                        <a:rPr lang="es-CO" sz="1600" b="0" u="none" strike="noStrike">
                           <a:solidFill>
                             <a:srgbClr val="24292F"/>
                           </a:solidFill>
@@ -13966,7 +15254,7 @@
                         </a:rPr>
                         <a:t>✓</a:t>
                       </a:r>
-                      <a:endParaRPr lang="es-CO" sz="2000" b="0" i="0" u="none" strike="noStrike">
+                      <a:endParaRPr lang="es-CO" sz="1600" b="0" i="0" u="none" strike="noStrike">
                         <a:solidFill>
                           <a:srgbClr val="24292F"/>
                         </a:solidFill>
@@ -13985,7 +15273,7 @@
                     <a:p>
                       <a:pPr algn="ctr" fontAlgn="ctr"/>
                       <a:r>
-                        <a:rPr lang="es-CO" sz="2000" b="0" u="none" strike="noStrike">
+                        <a:rPr lang="es-CO" sz="1600" b="0" u="none" strike="noStrike">
                           <a:solidFill>
                             <a:srgbClr val="24292F"/>
                           </a:solidFill>
@@ -13995,7 +15283,7 @@
                         </a:rPr>
                         <a:t>✓</a:t>
                       </a:r>
-                      <a:endParaRPr lang="es-CO" sz="2000" b="0" i="0" u="none" strike="noStrike">
+                      <a:endParaRPr lang="es-CO" sz="1600" b="0" i="0" u="none" strike="noStrike">
                         <a:solidFill>
                           <a:srgbClr val="24292F"/>
                         </a:solidFill>
@@ -14021,7 +15309,7 @@
                     <a:p>
                       <a:pPr algn="l" fontAlgn="ctr"/>
                       <a:r>
-                        <a:rPr lang="es-CO" sz="2000" b="0" u="none" strike="noStrike" dirty="0">
+                        <a:rPr lang="es-CO" sz="1600" b="0" u="none" strike="noStrike" dirty="0">
                           <a:solidFill>
                             <a:srgbClr val="24292F"/>
                           </a:solidFill>
@@ -14031,7 +15319,7 @@
                         </a:rPr>
                         <a:t>Llamado de recursos entre repositorios</a:t>
                       </a:r>
-                      <a:endParaRPr lang="es-CO" sz="2000" b="0" i="0" u="none" strike="noStrike" dirty="0">
+                      <a:endParaRPr lang="es-CO" sz="1600" b="0" i="0" u="none" strike="noStrike" dirty="0">
                         <a:solidFill>
                           <a:srgbClr val="24292F"/>
                         </a:solidFill>
@@ -14050,7 +15338,7 @@
                     <a:p>
                       <a:pPr algn="ctr" fontAlgn="ctr"/>
                       <a:r>
-                        <a:rPr lang="es-CO" sz="2000" b="0" u="none" strike="noStrike">
+                        <a:rPr lang="es-CO" sz="1600" b="0" u="none" strike="noStrike">
                           <a:solidFill>
                             <a:srgbClr val="24292F"/>
                           </a:solidFill>
@@ -14060,7 +15348,7 @@
                         </a:rPr>
                         <a:t>✓</a:t>
                       </a:r>
-                      <a:endParaRPr lang="es-CO" sz="2000" b="0" i="0" u="none" strike="noStrike">
+                      <a:endParaRPr lang="es-CO" sz="1600" b="0" i="0" u="none" strike="noStrike">
                         <a:solidFill>
                           <a:srgbClr val="24292F"/>
                         </a:solidFill>
@@ -14079,7 +15367,7 @@
                     <a:p>
                       <a:pPr algn="ctr" fontAlgn="ctr"/>
                       <a:r>
-                        <a:rPr lang="es-CO" sz="2000" b="0" u="none" strike="noStrike">
+                        <a:rPr lang="es-CO" sz="1600" b="0" u="none" strike="noStrike">
                           <a:solidFill>
                             <a:srgbClr val="24292F"/>
                           </a:solidFill>
@@ -14089,7 +15377,7 @@
                         </a:rPr>
                         <a:t>✓</a:t>
                       </a:r>
-                      <a:endParaRPr lang="es-CO" sz="2000" b="0" i="0" u="none" strike="noStrike">
+                      <a:endParaRPr lang="es-CO" sz="1600" b="0" i="0" u="none" strike="noStrike">
                         <a:solidFill>
                           <a:srgbClr val="24292F"/>
                         </a:solidFill>
@@ -14108,7 +15396,7 @@
                     <a:p>
                       <a:pPr algn="ctr" fontAlgn="ctr"/>
                       <a:r>
-                        <a:rPr lang="es-CO" sz="2000" b="0" u="none" strike="noStrike">
+                        <a:rPr lang="es-CO" sz="1600" b="0" u="none" strike="noStrike">
                           <a:solidFill>
                             <a:srgbClr val="24292F"/>
                           </a:solidFill>
@@ -14118,7 +15406,7 @@
                         </a:rPr>
                         <a:t>✓</a:t>
                       </a:r>
-                      <a:endParaRPr lang="es-CO" sz="2000" b="0" i="0" u="none" strike="noStrike">
+                      <a:endParaRPr lang="es-CO" sz="1600" b="0" i="0" u="none" strike="noStrike">
                         <a:solidFill>
                           <a:srgbClr val="24292F"/>
                         </a:solidFill>
@@ -14144,7 +15432,7 @@
                     <a:p>
                       <a:pPr algn="l" fontAlgn="ctr"/>
                       <a:r>
-                        <a:rPr lang="es-CO" sz="2000" b="0" u="none" strike="noStrike">
+                        <a:rPr lang="es-CO" sz="1600" b="0" u="none" strike="noStrike">
                           <a:solidFill>
                             <a:srgbClr val="24292F"/>
                           </a:solidFill>
@@ -14154,7 +15442,7 @@
                         </a:rPr>
                         <a:t>(archivos, paquetes de datos, librerías...)</a:t>
                       </a:r>
-                      <a:endParaRPr lang="es-CO" sz="2000" b="0" i="0" u="none" strike="noStrike">
+                      <a:endParaRPr lang="es-CO" sz="1600" b="0" i="0" u="none" strike="noStrike">
                         <a:solidFill>
                           <a:srgbClr val="24292F"/>
                         </a:solidFill>
@@ -14210,7 +15498,7 @@
                     <a:p>
                       <a:pPr algn="l" fontAlgn="ctr"/>
                       <a:r>
-                        <a:rPr lang="es-CO" sz="2000" b="0" u="none" strike="noStrike" dirty="0">
+                        <a:rPr lang="es-CO" sz="1600" b="0" u="none" strike="noStrike" dirty="0">
                           <a:solidFill>
                             <a:srgbClr val="24292F"/>
                           </a:solidFill>
@@ -14220,7 +15508,7 @@
                         </a:rPr>
                         <a:t>Aplicación móvil oficial con opciones de edición, discusiones, asuntos, notificaciones.</a:t>
                       </a:r>
-                      <a:endParaRPr lang="es-CO" sz="2000" b="0" i="0" u="none" strike="noStrike" dirty="0">
+                      <a:endParaRPr lang="es-CO" sz="1600" b="0" i="0" u="none" strike="noStrike" dirty="0">
                         <a:solidFill>
                           <a:srgbClr val="24292F"/>
                         </a:solidFill>
@@ -14239,7 +15527,7 @@
                     <a:p>
                       <a:pPr algn="ctr" fontAlgn="ctr"/>
                       <a:r>
-                        <a:rPr lang="es-CO" sz="2000" b="0" u="none" strike="noStrike">
+                        <a:rPr lang="es-CO" sz="1600" b="0" u="none" strike="noStrike">
                           <a:solidFill>
                             <a:srgbClr val="24292F"/>
                           </a:solidFill>
@@ -14249,7 +15537,7 @@
                         </a:rPr>
                         <a:t>✓</a:t>
                       </a:r>
-                      <a:endParaRPr lang="es-CO" sz="2000" b="0" i="0" u="none" strike="noStrike">
+                      <a:endParaRPr lang="es-CO" sz="1600" b="0" i="0" u="none" strike="noStrike">
                         <a:solidFill>
                           <a:srgbClr val="24292F"/>
                         </a:solidFill>
@@ -14268,7 +15556,7 @@
                     <a:p>
                       <a:pPr algn="ctr" fontAlgn="ctr"/>
                       <a:r>
-                        <a:rPr lang="es-CO" sz="2000" b="0" u="none" strike="noStrike">
+                        <a:rPr lang="es-CO" sz="1600" b="0" u="none" strike="noStrike">
                           <a:solidFill>
                             <a:srgbClr val="24292F"/>
                           </a:solidFill>
@@ -14278,7 +15566,7 @@
                         </a:rPr>
                         <a:t> </a:t>
                       </a:r>
-                      <a:endParaRPr lang="es-CO" sz="2000" b="0" i="0" u="none" strike="noStrike">
+                      <a:endParaRPr lang="es-CO" sz="1600" b="0" i="0" u="none" strike="noStrike">
                         <a:solidFill>
                           <a:srgbClr val="24292F"/>
                         </a:solidFill>
@@ -14297,7 +15585,7 @@
                     <a:p>
                       <a:pPr algn="l" fontAlgn="b"/>
                       <a:r>
-                        <a:rPr lang="es-CO" sz="2000" b="0" u="none" strike="noStrike" dirty="0">
+                        <a:rPr lang="es-CO" sz="1600" b="0" u="none" strike="noStrike" dirty="0">
                           <a:solidFill>
                             <a:srgbClr val="000000"/>
                           </a:solidFill>
@@ -14307,7 +15595,7 @@
                         </a:rPr>
                         <a:t> </a:t>
                       </a:r>
-                      <a:endParaRPr lang="es-CO" sz="2000" b="0" i="0" u="none" strike="noStrike" dirty="0">
+                      <a:endParaRPr lang="es-CO" sz="1600" b="0" i="0" u="none" strike="noStrike" dirty="0">
                         <a:solidFill>
                           <a:srgbClr val="000000"/>
                         </a:solidFill>
@@ -14388,7 +15676,7 @@
         <p:spPr>
           <a:xfrm>
             <a:off x="1" y="3738188"/>
-            <a:ext cx="12191999" cy="930208"/>
+            <a:ext cx="7679093" cy="930208"/>
           </a:xfrm>
         </p:spPr>
         <p:txBody>
@@ -14452,7 +15740,7 @@
         <p:spPr>
           <a:xfrm>
             <a:off x="0" y="6550223"/>
-            <a:ext cx="12192000" cy="307777"/>
+            <a:ext cx="7679093" cy="307777"/>
           </a:xfrm>
           <a:prstGeom prst="rect">
             <a:avLst/>
@@ -14465,25 +15753,26 @@
           </a:bodyPr>
           <a:lstStyle/>
           <a:p>
-            <a:pPr algn="ctr"/>
             <a:r>
               <a:rPr lang="en-US" sz="1400" dirty="0">
                 <a:solidFill>
-                  <a:schemeClr val="bg1">
-                    <a:lumMod val="25000"/>
-                  </a:schemeClr>
+                  <a:srgbClr val="3E3E3E"/>
                 </a:solidFill>
                 <a:latin typeface="+mj-lt"/>
-                <a:hlinkClick r:id="rId3"/>
+                <a:hlinkClick r:id="rId3">
+                  <a:extLst>
+                    <a:ext uri="{A12FA001-AC4F-418D-AE19-62706E023703}">
+                      <ahyp:hlinkClr xmlns:ahyp="http://schemas.microsoft.com/office/drawing/2018/hyperlinkcolor" val="tx"/>
+                    </a:ext>
+                  </a:extLst>
+                </a:hlinkClick>
               </a:rPr>
               <a:t>https://github.com/rcfdtools/R.TeachingResearchGuide/tree/main/Section01/GitFundamentals</a:t>
             </a:r>
             <a:r>
               <a:rPr lang="en-US" sz="1400" dirty="0">
                 <a:solidFill>
-                  <a:schemeClr val="bg1">
-                    <a:lumMod val="25000"/>
-                  </a:schemeClr>
+                  <a:srgbClr val="3E3E3E"/>
                 </a:solidFill>
                 <a:latin typeface="+mj-lt"/>
               </a:rPr>
@@ -14491,9 +15780,7 @@
             </a:r>
             <a:endParaRPr lang="en-US" sz="1400" b="0" strike="noStrike" dirty="0">
               <a:solidFill>
-                <a:schemeClr val="bg1">
-                  <a:lumMod val="25000"/>
-                </a:schemeClr>
+                <a:srgbClr val="3E3E3E"/>
               </a:solidFill>
               <a:effectLst/>
               <a:latin typeface="+mj-lt"/>
@@ -14529,7 +15816,7 @@
         </p:blipFill>
         <p:spPr>
           <a:xfrm>
-            <a:off x="4972187" y="1490563"/>
+            <a:off x="2715733" y="1181375"/>
             <a:ext cx="2247625" cy="2247625"/>
           </a:xfrm>
           <a:prstGeom prst="rect">
@@ -14585,8 +15872,8 @@
         </p:nvSpPr>
         <p:spPr>
           <a:xfrm>
-            <a:off x="1" y="662727"/>
-            <a:ext cx="12191999" cy="912073"/>
+            <a:off x="1" y="317490"/>
+            <a:ext cx="7647339" cy="912073"/>
           </a:xfrm>
         </p:spPr>
         <p:txBody>
@@ -14676,7 +15963,7 @@
         </p:blipFill>
         <p:spPr>
           <a:xfrm>
-            <a:off x="3464662" y="662727"/>
+            <a:off x="1337281" y="317490"/>
             <a:ext cx="1080000" cy="1080000"/>
           </a:xfrm>
           <a:prstGeom prst="rect">
@@ -14700,8 +15987,8 @@
         </p:nvSpPr>
         <p:spPr>
           <a:xfrm>
-            <a:off x="1240639" y="2410318"/>
-            <a:ext cx="9710721" cy="3472314"/>
+            <a:off x="0" y="1606385"/>
+            <a:ext cx="7647339" cy="4567016"/>
           </a:xfrm>
           <a:prstGeom prst="rect">
             <a:avLst/>
@@ -14980,7 +16267,7 @@
         <p:spPr>
           <a:xfrm>
             <a:off x="0" y="6550223"/>
-            <a:ext cx="12192000" cy="307777"/>
+            <a:ext cx="7647339" cy="307777"/>
           </a:xfrm>
           <a:prstGeom prst="rect">
             <a:avLst/>
@@ -14993,13 +16280,10 @@
           </a:bodyPr>
           <a:lstStyle/>
           <a:p>
-            <a:pPr algn="ctr"/>
             <a:r>
               <a:rPr lang="en-US" sz="1400" b="0" strike="noStrike" dirty="0" err="1">
                 <a:solidFill>
-                  <a:schemeClr val="bg1">
-                    <a:lumMod val="25000"/>
-                  </a:schemeClr>
+                  <a:srgbClr val="3E3E3E"/>
                 </a:solidFill>
                 <a:effectLst/>
                 <a:latin typeface="+mj-lt"/>
@@ -15009,9 +16293,7 @@
             <a:r>
               <a:rPr lang="en-US" sz="1400" b="0" strike="noStrike" dirty="0">
                 <a:solidFill>
-                  <a:schemeClr val="bg1">
-                    <a:lumMod val="25000"/>
-                  </a:schemeClr>
+                  <a:srgbClr val="3E3E3E"/>
                 </a:solidFill>
                 <a:effectLst/>
                 <a:latin typeface="+mj-lt"/>
@@ -15021,9 +16303,7 @@
             <a:r>
               <a:rPr lang="en-US" sz="1400" b="0" strike="noStrike" dirty="0" err="1">
                 <a:solidFill>
-                  <a:schemeClr val="bg1">
-                    <a:lumMod val="25000"/>
-                  </a:schemeClr>
+                  <a:srgbClr val="3E3E3E"/>
                 </a:solidFill>
                 <a:effectLst/>
                 <a:latin typeface="+mj-lt"/>
@@ -15033,9 +16313,7 @@
             <a:r>
               <a:rPr lang="en-US" sz="1400" b="0" strike="noStrike" dirty="0">
                 <a:solidFill>
-                  <a:schemeClr val="bg1">
-                    <a:lumMod val="25000"/>
-                  </a:schemeClr>
+                  <a:srgbClr val="3E3E3E"/>
                 </a:solidFill>
                 <a:effectLst/>
                 <a:latin typeface="+mj-lt"/>
@@ -15045,22 +16323,24 @@
             <a:r>
               <a:rPr lang="en-US" sz="1400" b="0" strike="noStrike" dirty="0">
                 <a:solidFill>
-                  <a:schemeClr val="bg1">
-                    <a:lumMod val="25000"/>
-                  </a:schemeClr>
+                  <a:srgbClr val="3E3E3E"/>
                 </a:solidFill>
                 <a:effectLst/>
                 <a:latin typeface="+mj-lt"/>
-                <a:hlinkClick r:id="rId5"/>
+                <a:hlinkClick r:id="rId5">
+                  <a:extLst>
+                    <a:ext uri="{A12FA001-AC4F-418D-AE19-62706E023703}">
+                      <ahyp:hlinkClr xmlns:ahyp="http://schemas.microsoft.com/office/drawing/2018/hyperlinkcolor" val="tx"/>
+                    </a:ext>
+                  </a:extLst>
+                </a:hlinkClick>
               </a:rPr>
               <a:t>https://www.atlassian.com/es/git/tutorials/what-is-git</a:t>
             </a:r>
             <a:r>
               <a:rPr lang="en-US" sz="1400" b="0" strike="noStrike" dirty="0">
                 <a:solidFill>
-                  <a:schemeClr val="bg1">
-                    <a:lumMod val="25000"/>
-                  </a:schemeClr>
+                  <a:srgbClr val="3E3E3E"/>
                 </a:solidFill>
                 <a:effectLst/>
                 <a:latin typeface="+mj-lt"/>
@@ -15069,9 +16349,7 @@
             </a:r>
             <a:endParaRPr lang="es-CO" sz="1400" dirty="0">
               <a:solidFill>
-                <a:schemeClr val="bg1">
-                  <a:lumMod val="25000"/>
-                </a:schemeClr>
+                <a:srgbClr val="3E3E3E"/>
               </a:solidFill>
               <a:latin typeface="+mj-lt"/>
             </a:endParaRPr>
@@ -15124,8 +16402,8 @@
         </p:nvSpPr>
         <p:spPr>
           <a:xfrm>
-            <a:off x="1575196" y="2139949"/>
-            <a:ext cx="9041607" cy="2578100"/>
+            <a:off x="720001" y="1573827"/>
+            <a:ext cx="6840000" cy="3710343"/>
           </a:xfrm>
           <a:prstGeom prst="rect">
             <a:avLst/>
@@ -15157,7 +16435,7 @@
           <a:p>
             <a:pPr algn="ctr"/>
             <a:r>
-              <a:rPr lang="es-CO" sz="2800" b="1" dirty="0" err="1">
+              <a:rPr lang="es-CO" sz="3600" b="1" dirty="0" err="1">
                 <a:solidFill>
                   <a:schemeClr val="bg1">
                     <a:lumMod val="25000"/>
@@ -15169,6 +16447,32 @@
               </a:rPr>
               <a:t>Fork</a:t>
             </a:r>
+            <a:endParaRPr lang="es-CO" sz="2800" b="1" dirty="0">
+              <a:solidFill>
+                <a:schemeClr val="bg1">
+                  <a:lumMod val="25000"/>
+                </a:schemeClr>
+              </a:solidFill>
+              <a:latin typeface="Segoe UI" panose="020B0502040204020203" pitchFamily="34" charset="0"/>
+              <a:ea typeface="Segoe UI Black" panose="020B0A02040204020203" pitchFamily="34" charset="0"/>
+              <a:cs typeface="Segoe UI" panose="020B0502040204020203" pitchFamily="34" charset="0"/>
+            </a:endParaRPr>
+          </a:p>
+          <a:p>
+            <a:pPr algn="ctr"/>
+            <a:endParaRPr lang="es-CO" sz="2800" b="1" dirty="0">
+              <a:solidFill>
+                <a:schemeClr val="bg1">
+                  <a:lumMod val="25000"/>
+                </a:schemeClr>
+              </a:solidFill>
+              <a:latin typeface="Segoe UI" panose="020B0502040204020203" pitchFamily="34" charset="0"/>
+              <a:ea typeface="Segoe UI Black" panose="020B0A02040204020203" pitchFamily="34" charset="0"/>
+              <a:cs typeface="Segoe UI" panose="020B0502040204020203" pitchFamily="34" charset="0"/>
+            </a:endParaRPr>
+          </a:p>
+          <a:p>
+            <a:pPr algn="ctr"/>
             <a:r>
               <a:rPr lang="es-CO" sz="2800" dirty="0">
                 <a:solidFill>
@@ -15180,7 +16484,7 @@
                 <a:ea typeface="Segoe UI Black" panose="020B0A02040204020203" pitchFamily="34" charset="0"/>
                 <a:cs typeface="Segoe UI" panose="020B0502040204020203" pitchFamily="34" charset="0"/>
               </a:rPr>
-              <a:t>: en GitHub, cualquier usuario puede clonar un repositorio público creado por otro usuario y este aparecerá dentro de los repositorios del usuario que realizó la clonación. Complementariamente, usuarios pueden descargar un comprimido completo de un repositorio específico.</a:t>
+              <a:t>En GitHub, cualquier usuario puede clonar un repositorio público creado por otro usuario y este aparecerá dentro de los repositorios del usuario que realizó la clonación.</a:t>
             </a:r>
           </a:p>
         </p:txBody>
@@ -15320,8 +16624,8 @@
         </p:nvSpPr>
         <p:spPr>
           <a:xfrm>
-            <a:off x="1240639" y="2062408"/>
-            <a:ext cx="9710721" cy="2733182"/>
+            <a:off x="720000" y="1502400"/>
+            <a:ext cx="6840000" cy="3853198"/>
           </a:xfrm>
           <a:prstGeom prst="rect">
             <a:avLst/>
@@ -15353,7 +16657,7 @@
           <a:p>
             <a:pPr algn="ctr"/>
             <a:r>
-              <a:rPr lang="es-CO" sz="2800" b="1" dirty="0">
+              <a:rPr lang="es-CO" sz="3600" b="1" dirty="0">
                 <a:solidFill>
                   <a:schemeClr val="bg1">
                     <a:lumMod val="25000"/>
@@ -15365,6 +16669,22 @@
               </a:rPr>
               <a:t>Branch</a:t>
             </a:r>
+          </a:p>
+          <a:p>
+            <a:pPr algn="ctr"/>
+            <a:endParaRPr lang="es-CO" sz="2800" b="1" dirty="0">
+              <a:solidFill>
+                <a:schemeClr val="bg1">
+                  <a:lumMod val="25000"/>
+                </a:schemeClr>
+              </a:solidFill>
+              <a:latin typeface="Segoe UI" panose="020B0502040204020203" pitchFamily="34" charset="0"/>
+              <a:ea typeface="Segoe UI Black" panose="020B0A02040204020203" pitchFamily="34" charset="0"/>
+              <a:cs typeface="Segoe UI" panose="020B0502040204020203" pitchFamily="34" charset="0"/>
+            </a:endParaRPr>
+          </a:p>
+          <a:p>
+            <a:pPr algn="ctr"/>
             <a:r>
               <a:rPr lang="es-CO" sz="2800" dirty="0">
                 <a:solidFill>
@@ -15376,7 +16696,7 @@
                 <a:ea typeface="Segoe UI Black" panose="020B0A02040204020203" pitchFamily="34" charset="0"/>
                 <a:cs typeface="Segoe UI" panose="020B0502040204020203" pitchFamily="34" charset="0"/>
               </a:rPr>
-              <a:t>: las ramas en Git son utilizadas para de forma aislada, realizar modificaciones y depuraciones de prueba en el código o la documentación sin afectar la rama principal. En un repositorio pueden existir múltiples ramificaciones y una vez se verifica que los cambios son válidos, estos son incorporados a la rama principal.</a:t>
+              <a:t>Las ramas en Git son utilizadas para de forma aislada, realizar modificaciones y depuraciones de prueba en el código o la documentación sin afectar la rama principal.</a:t>
             </a:r>
           </a:p>
         </p:txBody>
@@ -15395,8 +16715,8 @@
         </p:nvSpPr>
         <p:spPr>
           <a:xfrm>
-            <a:off x="720000" y="6550223"/>
-            <a:ext cx="11471999" cy="307777"/>
+            <a:off x="720000" y="6334780"/>
+            <a:ext cx="6840000" cy="523220"/>
           </a:xfrm>
           <a:prstGeom prst="rect">
             <a:avLst/>
@@ -15409,37 +16729,76 @@
           </a:bodyPr>
           <a:lstStyle/>
           <a:p>
-            <a:pPr algn="ctr"/>
-            <a:r>
-              <a:rPr lang="en-US" sz="1400" b="0" strike="noStrike" dirty="0">
-                <a:solidFill>
-                  <a:schemeClr val="bg1">
-                    <a:lumMod val="25000"/>
-                  </a:schemeClr>
+            <a:r>
+              <a:rPr lang="en-US" sz="1400" b="0" strike="noStrike" dirty="0" err="1">
+                <a:solidFill>
+                  <a:srgbClr val="3E3E3E"/>
                 </a:solidFill>
                 <a:effectLst/>
                 <a:latin typeface="+mj-lt"/>
-                <a:hlinkClick r:id="rId3"/>
-              </a:rPr>
-              <a:t>https://docs.github.com/es/pull-requests/collaborating-with-pull-requests/proposing-changes-to-your-work-with-pull-requests/about-branches</a:t>
+              </a:rPr>
+              <a:t>Tomado</a:t>
             </a:r>
             <a:r>
               <a:rPr lang="en-US" sz="1400" b="0" strike="noStrike" dirty="0">
                 <a:solidFill>
-                  <a:schemeClr val="bg1">
-                    <a:lumMod val="25000"/>
-                  </a:schemeClr>
+                  <a:srgbClr val="3E3E3E"/>
                 </a:solidFill>
                 <a:effectLst/>
                 <a:latin typeface="+mj-lt"/>
               </a:rPr>
+              <a:t> y/o </a:t>
+            </a:r>
+            <a:r>
+              <a:rPr lang="en-US" sz="1400" b="0" strike="noStrike" dirty="0" err="1">
+                <a:solidFill>
+                  <a:srgbClr val="3E3E3E"/>
+                </a:solidFill>
+                <a:effectLst/>
+                <a:latin typeface="+mj-lt"/>
+              </a:rPr>
+              <a:t>adaptado</a:t>
+            </a:r>
+            <a:r>
+              <a:rPr lang="en-US" sz="1400" b="0" strike="noStrike" dirty="0">
+                <a:solidFill>
+                  <a:srgbClr val="3E3E3E"/>
+                </a:solidFill>
+                <a:effectLst/>
+                <a:latin typeface="+mj-lt"/>
+              </a:rPr>
+              <a:t> de: </a:t>
+            </a:r>
+            <a:r>
+              <a:rPr lang="en-US" sz="1400" b="0" strike="noStrike" dirty="0">
+                <a:solidFill>
+                  <a:srgbClr val="3E3E3E"/>
+                </a:solidFill>
+                <a:effectLst/>
+                <a:latin typeface="+mj-lt"/>
+                <a:hlinkClick r:id="rId3">
+                  <a:extLst>
+                    <a:ext uri="{A12FA001-AC4F-418D-AE19-62706E023703}">
+                      <ahyp:hlinkClr xmlns:ahyp="http://schemas.microsoft.com/office/drawing/2018/hyperlinkcolor" val="tx"/>
+                    </a:ext>
+                  </a:extLst>
+                </a:hlinkClick>
+              </a:rPr>
+              <a:t>https://docs.github.com/es/pull-requests/collaborating-with-pull-requests/proposing-changes-to-your-work-with-pull-requests/about-branches</a:t>
+            </a:r>
+            <a:r>
+              <a:rPr lang="en-US" sz="1400" b="0" strike="noStrike" dirty="0">
+                <a:solidFill>
+                  <a:srgbClr val="3E3E3E"/>
+                </a:solidFill>
+                <a:effectLst/>
+                <a:latin typeface="+mj-lt"/>
+              </a:rPr>
               <a:t> </a:t>
             </a:r>
             <a:endParaRPr lang="es-CO" sz="1400" dirty="0">
               <a:solidFill>
-                <a:schemeClr val="bg1">
-                  <a:lumMod val="25000"/>
-                </a:schemeClr>
+                <a:srgbClr val="3E3E3E"/>
               </a:solidFill>
               <a:latin typeface="+mj-lt"/>
             </a:endParaRPr>
@@ -15581,8 +16940,8 @@
         </p:nvSpPr>
         <p:spPr>
           <a:xfrm>
-            <a:off x="1327150" y="2062408"/>
-            <a:ext cx="9537699" cy="2733182"/>
+            <a:off x="720001" y="928395"/>
+            <a:ext cx="6840000" cy="5001208"/>
           </a:xfrm>
           <a:prstGeom prst="rect">
             <a:avLst/>
@@ -15614,11 +16973,9 @@
           <a:p>
             <a:pPr algn="ctr"/>
             <a:r>
-              <a:rPr lang="es-CO" sz="2800" b="1" dirty="0">
-                <a:solidFill>
-                  <a:schemeClr val="bg1">
-                    <a:lumMod val="25000"/>
-                  </a:schemeClr>
+              <a:rPr lang="es-CO" sz="3600" b="1" dirty="0" err="1">
+                <a:solidFill>
+                  <a:srgbClr val="3E3E3E"/>
                 </a:solidFill>
                 <a:latin typeface="Segoe UI" panose="020B0502040204020203" pitchFamily="34" charset="0"/>
                 <a:ea typeface="Segoe UI Black" panose="020B0A02040204020203" pitchFamily="34" charset="0"/>
@@ -15626,18 +16983,38 @@
               </a:rPr>
               <a:t>Pull-request</a:t>
             </a:r>
+            <a:endParaRPr lang="es-CO" sz="3600" b="1" dirty="0">
+              <a:solidFill>
+                <a:srgbClr val="3E3E3E"/>
+              </a:solidFill>
+              <a:latin typeface="Segoe UI" panose="020B0502040204020203" pitchFamily="34" charset="0"/>
+              <a:ea typeface="Segoe UI Black" panose="020B0A02040204020203" pitchFamily="34" charset="0"/>
+              <a:cs typeface="Segoe UI" panose="020B0502040204020203" pitchFamily="34" charset="0"/>
+            </a:endParaRPr>
+          </a:p>
+          <a:p>
+            <a:pPr algn="ctr"/>
+            <a:endParaRPr lang="es-CO" sz="2800" dirty="0">
+              <a:solidFill>
+                <a:srgbClr val="3E3E3E"/>
+              </a:solidFill>
+              <a:latin typeface="Segoe UI" panose="020B0502040204020203" pitchFamily="34" charset="0"/>
+              <a:ea typeface="Segoe UI Black" panose="020B0A02040204020203" pitchFamily="34" charset="0"/>
+              <a:cs typeface="Segoe UI" panose="020B0502040204020203" pitchFamily="34" charset="0"/>
+            </a:endParaRPr>
+          </a:p>
+          <a:p>
+            <a:pPr algn="ctr"/>
             <a:r>
               <a:rPr lang="es-CO" sz="2800" dirty="0">
                 <a:solidFill>
-                  <a:schemeClr val="bg1">
-                    <a:lumMod val="25000"/>
-                  </a:schemeClr>
+                  <a:srgbClr val="3E3E3E"/>
                 </a:solidFill>
                 <a:latin typeface="Segoe UI" panose="020B0502040204020203" pitchFamily="34" charset="0"/>
                 <a:ea typeface="Segoe UI Black" panose="020B0A02040204020203" pitchFamily="34" charset="0"/>
                 <a:cs typeface="Segoe UI" panose="020B0502040204020203" pitchFamily="34" charset="0"/>
               </a:rPr>
-              <a:t>: una solicitud de incorporación de cambios es una forma de pedirle a otro desarrollador que fusione una de tus ramas en su repositorio. Esto no solo permite a los responsables del proyecto realizar un seguimiento de los cambios más fácilmente, sino que además permite a los desarrolladores iniciar debates sobre su trabajo antes de integrarlo con el resto de los archivos o el código base.</a:t>
+              <a:t>Una solicitud de incorporación de cambios es una forma de pedirle a otro desarrollador o creador de contenido que fusione una de tus ramas en su repositorio.</a:t>
             </a:r>
           </a:p>
         </p:txBody>
@@ -15656,8 +17033,8 @@
         </p:nvSpPr>
         <p:spPr>
           <a:xfrm>
-            <a:off x="0" y="6550223"/>
-            <a:ext cx="12192000" cy="307777"/>
+            <a:off x="720000" y="6550223"/>
+            <a:ext cx="6840001" cy="307777"/>
           </a:xfrm>
           <a:prstGeom prst="rect">
             <a:avLst/>
@@ -15670,37 +17047,76 @@
           </a:bodyPr>
           <a:lstStyle/>
           <a:p>
-            <a:pPr algn="ctr"/>
-            <a:r>
-              <a:rPr lang="en-US" sz="1400" b="0" strike="noStrike" dirty="0">
-                <a:solidFill>
-                  <a:schemeClr val="bg1">
-                    <a:lumMod val="25000"/>
-                  </a:schemeClr>
+            <a:r>
+              <a:rPr lang="en-US" sz="1400" b="0" strike="noStrike" dirty="0" err="1">
+                <a:solidFill>
+                  <a:srgbClr val="3E3E3E"/>
                 </a:solidFill>
                 <a:effectLst/>
                 <a:latin typeface="+mj-lt"/>
-                <a:hlinkClick r:id="rId3"/>
-              </a:rPr>
-              <a:t>https://www.atlassian.com/es/git/tutorials/why-git</a:t>
+              </a:rPr>
+              <a:t>Tomado</a:t>
             </a:r>
             <a:r>
               <a:rPr lang="en-US" sz="1400" b="0" strike="noStrike" dirty="0">
                 <a:solidFill>
-                  <a:schemeClr val="bg1">
-                    <a:lumMod val="25000"/>
-                  </a:schemeClr>
+                  <a:srgbClr val="3E3E3E"/>
                 </a:solidFill>
                 <a:effectLst/>
                 <a:latin typeface="+mj-lt"/>
               </a:rPr>
+              <a:t> y/o </a:t>
+            </a:r>
+            <a:r>
+              <a:rPr lang="en-US" sz="1400" b="0" strike="noStrike" dirty="0" err="1">
+                <a:solidFill>
+                  <a:srgbClr val="3E3E3E"/>
+                </a:solidFill>
+                <a:effectLst/>
+                <a:latin typeface="+mj-lt"/>
+              </a:rPr>
+              <a:t>adaptado</a:t>
+            </a:r>
+            <a:r>
+              <a:rPr lang="en-US" sz="1400" b="0" strike="noStrike" dirty="0">
+                <a:solidFill>
+                  <a:srgbClr val="3E3E3E"/>
+                </a:solidFill>
+                <a:effectLst/>
+                <a:latin typeface="+mj-lt"/>
+              </a:rPr>
+              <a:t> de: </a:t>
+            </a:r>
+            <a:r>
+              <a:rPr lang="en-US" sz="1400" b="0" strike="noStrike" dirty="0">
+                <a:solidFill>
+                  <a:srgbClr val="3E3E3E"/>
+                </a:solidFill>
+                <a:effectLst/>
+                <a:latin typeface="+mj-lt"/>
+                <a:hlinkClick r:id="rId3">
+                  <a:extLst>
+                    <a:ext uri="{A12FA001-AC4F-418D-AE19-62706E023703}">
+                      <ahyp:hlinkClr xmlns:ahyp="http://schemas.microsoft.com/office/drawing/2018/hyperlinkcolor" val="tx"/>
+                    </a:ext>
+                  </a:extLst>
+                </a:hlinkClick>
+              </a:rPr>
+              <a:t>https://www.atlassian.com/es/git/tutorials/why-git</a:t>
+            </a:r>
+            <a:r>
+              <a:rPr lang="en-US" sz="1400" b="0" strike="noStrike" dirty="0">
+                <a:solidFill>
+                  <a:srgbClr val="3E3E3E"/>
+                </a:solidFill>
+                <a:effectLst/>
+                <a:latin typeface="+mj-lt"/>
+              </a:rPr>
               <a:t> </a:t>
             </a:r>
             <a:endParaRPr lang="es-CO" sz="1400" dirty="0">
               <a:solidFill>
-                <a:schemeClr val="bg1">
-                  <a:lumMod val="25000"/>
-                </a:schemeClr>
+                <a:srgbClr val="3E3E3E"/>
               </a:solidFill>
               <a:latin typeface="+mj-lt"/>
             </a:endParaRPr>
@@ -15844,8 +17260,8 @@
         </p:nvSpPr>
         <p:spPr>
           <a:xfrm>
-            <a:off x="0" y="2624140"/>
-            <a:ext cx="12191999" cy="1609719"/>
+            <a:off x="427512" y="759712"/>
+            <a:ext cx="6840000" cy="1609719"/>
           </a:xfrm>
         </p:spPr>
         <p:txBody>
@@ -16006,8 +17422,8 @@
         </p:nvSpPr>
         <p:spPr>
           <a:xfrm>
-            <a:off x="1762125" y="2539999"/>
-            <a:ext cx="8667750" cy="1778000"/>
+            <a:off x="720001" y="1975137"/>
+            <a:ext cx="6840000" cy="2907724"/>
           </a:xfrm>
           <a:prstGeom prst="rect">
             <a:avLst/>
@@ -16039,7 +17455,7 @@
           <a:p>
             <a:pPr algn="ctr"/>
             <a:r>
-              <a:rPr lang="es-CO" sz="2800" b="1" dirty="0" err="1">
+              <a:rPr lang="es-CO" sz="3600" b="1" dirty="0" err="1">
                 <a:solidFill>
                   <a:schemeClr val="bg1">
                     <a:lumMod val="25000"/>
@@ -16049,8 +17465,34 @@
                 <a:ea typeface="Segoe UI Black" panose="020B0A02040204020203" pitchFamily="34" charset="0"/>
                 <a:cs typeface="Segoe UI" panose="020B0502040204020203" pitchFamily="34" charset="0"/>
               </a:rPr>
-              <a:t>Push</a:t>
-            </a:r>
+              <a:t>Commit</a:t>
+            </a:r>
+            <a:endParaRPr lang="es-CO" sz="2800" b="1" dirty="0">
+              <a:solidFill>
+                <a:schemeClr val="bg1">
+                  <a:lumMod val="25000"/>
+                </a:schemeClr>
+              </a:solidFill>
+              <a:latin typeface="Segoe UI" panose="020B0502040204020203" pitchFamily="34" charset="0"/>
+              <a:ea typeface="Segoe UI Black" panose="020B0A02040204020203" pitchFamily="34" charset="0"/>
+              <a:cs typeface="Segoe UI" panose="020B0502040204020203" pitchFamily="34" charset="0"/>
+            </a:endParaRPr>
+          </a:p>
+          <a:p>
+            <a:pPr algn="ctr"/>
+            <a:endParaRPr lang="es-CO" sz="2800" b="1" dirty="0">
+              <a:solidFill>
+                <a:schemeClr val="bg1">
+                  <a:lumMod val="25000"/>
+                </a:schemeClr>
+              </a:solidFill>
+              <a:latin typeface="Segoe UI" panose="020B0502040204020203" pitchFamily="34" charset="0"/>
+              <a:ea typeface="Segoe UI Black" panose="020B0A02040204020203" pitchFamily="34" charset="0"/>
+              <a:cs typeface="Segoe UI" panose="020B0502040204020203" pitchFamily="34" charset="0"/>
+            </a:endParaRPr>
+          </a:p>
+          <a:p>
+            <a:pPr algn="ctr"/>
             <a:r>
               <a:rPr lang="es-CO" sz="2800" dirty="0">
                 <a:solidFill>
@@ -16062,10 +17504,180 @@
                 <a:ea typeface="Segoe UI Black" panose="020B0A02040204020203" pitchFamily="34" charset="0"/>
                 <a:cs typeface="Segoe UI" panose="020B0502040204020203" pitchFamily="34" charset="0"/>
               </a:rPr>
-              <a:t>: la incorporación de las modificaciones realizadas a un documento </a:t>
-            </a:r>
-            <a:r>
-              <a:rPr lang="es-CO" sz="2800" dirty="0" err="1">
+              <a:t>Al realizar modificaciones sobre el código, los archivos o la documentación, es necesario incluir comentarios que ayuden a los demás usuarios a entender los cambios realizados.</a:t>
+            </a:r>
+          </a:p>
+        </p:txBody>
+      </p:sp>
+      <p:sp>
+        <p:nvSpPr>
+          <p:cNvPr id="13" name="Title 1">
+            <a:extLst>
+              <a:ext uri="{FF2B5EF4-FFF2-40B4-BE49-F238E27FC236}">
+                <a16:creationId xmlns:a16="http://schemas.microsoft.com/office/drawing/2014/main" id="{C5926AB3-60A5-5F71-6BDF-248779AEDB90}"/>
+              </a:ext>
+            </a:extLst>
+          </p:cNvPr>
+          <p:cNvSpPr txBox="1">
+            <a:spLocks/>
+          </p:cNvSpPr>
+          <p:nvPr/>
+        </p:nvSpPr>
+        <p:spPr>
+          <a:xfrm rot="16200000">
+            <a:off x="-3069000" y="3068999"/>
+            <a:ext cx="6858001" cy="720000"/>
+          </a:xfrm>
+          <a:prstGeom prst="rect">
+            <a:avLst/>
+          </a:prstGeom>
+          <a:solidFill>
+            <a:schemeClr val="bg1">
+              <a:lumMod val="25000"/>
+            </a:schemeClr>
+          </a:solidFill>
+        </p:spPr>
+        <p:txBody>
+          <a:bodyPr vert="horz" lIns="91440" tIns="45720" rIns="91440" bIns="45720" rtlCol="0" anchor="ctr" anchorCtr="0">
+            <a:normAutofit/>
+          </a:bodyPr>
+          <a:lstStyle>
+            <a:lvl1pPr algn="l" defTabSz="914377" rtl="0" eaLnBrk="1" latinLnBrk="0" hangingPunct="1">
+              <a:lnSpc>
+                <a:spcPct val="90000"/>
+              </a:lnSpc>
+              <a:spcBef>
+                <a:spcPct val="0"/>
+              </a:spcBef>
+              <a:buNone/>
+              <a:defRPr sz="2600" kern="1200">
+                <a:solidFill>
+                  <a:schemeClr val="tx1"/>
+                </a:solidFill>
+                <a:latin typeface="+mj-lt"/>
+                <a:ea typeface="+mj-ea"/>
+                <a:cs typeface="+mj-cs"/>
+              </a:defRPr>
+            </a:lvl1pPr>
+          </a:lstStyle>
+          <a:p>
+            <a:pPr algn="ctr"/>
+            <a:r>
+              <a:rPr lang="es-CO" sz="2800" b="1" dirty="0">
+                <a:solidFill>
+                  <a:schemeClr val="bg1"/>
+                </a:solidFill>
+                <a:latin typeface="Segoe UI" panose="020B0502040204020203" pitchFamily="34" charset="0"/>
+                <a:ea typeface="Segoe UI Black" panose="020B0A02040204020203" pitchFamily="34" charset="0"/>
+                <a:cs typeface="Segoe UI" panose="020B0502040204020203" pitchFamily="34" charset="0"/>
+              </a:rPr>
+              <a:t>Ciclo de vida </a:t>
+            </a:r>
+            <a:r>
+              <a:rPr lang="es-CO" sz="2800" dirty="0">
+                <a:solidFill>
+                  <a:schemeClr val="bg1"/>
+                </a:solidFill>
+                <a:latin typeface="Segoe UI" panose="020B0502040204020203" pitchFamily="34" charset="0"/>
+                <a:ea typeface="Segoe UI Black" panose="020B0A02040204020203" pitchFamily="34" charset="0"/>
+                <a:cs typeface="Segoe UI" panose="020B0502040204020203" pitchFamily="34" charset="0"/>
+              </a:rPr>
+              <a:t>de repositorios en </a:t>
+            </a:r>
+            <a:r>
+              <a:rPr lang="es-CO" sz="2800" b="1" dirty="0">
+                <a:solidFill>
+                  <a:schemeClr val="bg1"/>
+                </a:solidFill>
+                <a:latin typeface="Segoe UI" panose="020B0502040204020203" pitchFamily="34" charset="0"/>
+                <a:ea typeface="Segoe UI Black" panose="020B0A02040204020203" pitchFamily="34" charset="0"/>
+                <a:cs typeface="Segoe UI" panose="020B0502040204020203" pitchFamily="34" charset="0"/>
+              </a:rPr>
+              <a:t>GitHub</a:t>
+            </a:r>
+          </a:p>
+        </p:txBody>
+      </p:sp>
+    </p:spTree>
+    <p:extLst>
+      <p:ext uri="{BB962C8B-B14F-4D97-AF65-F5344CB8AC3E}">
+        <p14:creationId xmlns:p14="http://schemas.microsoft.com/office/powerpoint/2010/main" val="2449469188"/>
+      </p:ext>
+    </p:extLst>
+  </p:cSld>
+  <p:clrMapOvr>
+    <a:masterClrMapping/>
+  </p:clrMapOvr>
+</p:sld>
+</file>
+
+<file path=ppt/slides/slide21.xml><?xml version="1.0" encoding="utf-8"?>
+<p:sld xmlns:a="http://schemas.openxmlformats.org/drawingml/2006/main" xmlns:r="http://schemas.openxmlformats.org/officeDocument/2006/relationships" xmlns:p="http://schemas.openxmlformats.org/presentationml/2006/main">
+  <p:cSld>
+    <p:spTree>
+      <p:nvGrpSpPr>
+        <p:cNvPr id="1" name=""/>
+        <p:cNvGrpSpPr/>
+        <p:nvPr/>
+      </p:nvGrpSpPr>
+      <p:grpSpPr>
+        <a:xfrm>
+          <a:off x="0" y="0"/>
+          <a:ext cx="0" cy="0"/>
+          <a:chOff x="0" y="0"/>
+          <a:chExt cx="0" cy="0"/>
+        </a:xfrm>
+      </p:grpSpPr>
+      <p:sp>
+        <p:nvSpPr>
+          <p:cNvPr id="3" name="Title 1">
+            <a:extLst>
+              <a:ext uri="{FF2B5EF4-FFF2-40B4-BE49-F238E27FC236}">
+                <a16:creationId xmlns:a16="http://schemas.microsoft.com/office/drawing/2014/main" id="{5293DDAA-B5E7-2D95-74A3-91A199E94E6C}"/>
+              </a:ext>
+            </a:extLst>
+          </p:cNvPr>
+          <p:cNvSpPr txBox="1">
+            <a:spLocks/>
+          </p:cNvSpPr>
+          <p:nvPr/>
+        </p:nvSpPr>
+        <p:spPr>
+          <a:xfrm>
+            <a:off x="720001" y="1822202"/>
+            <a:ext cx="6915833" cy="3213594"/>
+          </a:xfrm>
+          <a:prstGeom prst="rect">
+            <a:avLst/>
+          </a:prstGeom>
+        </p:spPr>
+        <p:txBody>
+          <a:bodyPr vert="horz" lIns="91440" tIns="45720" rIns="91440" bIns="45720" rtlCol="0" anchor="ctr" anchorCtr="0">
+            <a:noAutofit/>
+          </a:bodyPr>
+          <a:lstStyle>
+            <a:lvl1pPr algn="l" defTabSz="914377" rtl="0" eaLnBrk="1" latinLnBrk="0" hangingPunct="1">
+              <a:lnSpc>
+                <a:spcPct val="90000"/>
+              </a:lnSpc>
+              <a:spcBef>
+                <a:spcPct val="0"/>
+              </a:spcBef>
+              <a:buNone/>
+              <a:defRPr sz="2600" kern="1200">
+                <a:solidFill>
+                  <a:schemeClr val="tx1"/>
+                </a:solidFill>
+                <a:latin typeface="+mj-lt"/>
+                <a:ea typeface="+mj-ea"/>
+                <a:cs typeface="+mj-cs"/>
+              </a:defRPr>
+            </a:lvl1pPr>
+          </a:lstStyle>
+          <a:p>
+            <a:pPr algn="ctr"/>
+            <a:r>
+              <a:rPr lang="es-CO" sz="3600" b="1" dirty="0" err="1">
                 <a:solidFill>
                   <a:schemeClr val="bg1">
                     <a:lumMod val="25000"/>
@@ -16075,8 +17687,34 @@
                 <a:ea typeface="Segoe UI Black" panose="020B0A02040204020203" pitchFamily="34" charset="0"/>
                 <a:cs typeface="Segoe UI" panose="020B0502040204020203" pitchFamily="34" charset="0"/>
               </a:rPr>
-              <a:t>Markdown</a:t>
-            </a:r>
+              <a:t>Push</a:t>
+            </a:r>
+            <a:endParaRPr lang="es-CO" sz="2800" b="1" dirty="0">
+              <a:solidFill>
+                <a:schemeClr val="bg1">
+                  <a:lumMod val="25000"/>
+                </a:schemeClr>
+              </a:solidFill>
+              <a:latin typeface="Segoe UI" panose="020B0502040204020203" pitchFamily="34" charset="0"/>
+              <a:ea typeface="Segoe UI Black" panose="020B0A02040204020203" pitchFamily="34" charset="0"/>
+              <a:cs typeface="Segoe UI" panose="020B0502040204020203" pitchFamily="34" charset="0"/>
+            </a:endParaRPr>
+          </a:p>
+          <a:p>
+            <a:pPr algn="ctr"/>
+            <a:endParaRPr lang="es-CO" sz="2800" dirty="0">
+              <a:solidFill>
+                <a:schemeClr val="bg1">
+                  <a:lumMod val="25000"/>
+                </a:schemeClr>
+              </a:solidFill>
+              <a:latin typeface="Segoe UI" panose="020B0502040204020203" pitchFamily="34" charset="0"/>
+              <a:ea typeface="Segoe UI Black" panose="020B0A02040204020203" pitchFamily="34" charset="0"/>
+              <a:cs typeface="Segoe UI" panose="020B0502040204020203" pitchFamily="34" charset="0"/>
+            </a:endParaRPr>
+          </a:p>
+          <a:p>
+            <a:pPr algn="ctr"/>
             <a:r>
               <a:rPr lang="es-CO" sz="2800" dirty="0">
                 <a:solidFill>
@@ -16088,7 +17726,33 @@
                 <a:ea typeface="Segoe UI Black" panose="020B0A02040204020203" pitchFamily="34" charset="0"/>
                 <a:cs typeface="Segoe UI" panose="020B0502040204020203" pitchFamily="34" charset="0"/>
               </a:rPr>
-              <a:t>, a un código o a cualquier elemento nuevo dentro del repositorio, son realizadas a través de una carga o </a:t>
+              <a:t>La incorporación de las modificaciones realizadas a un documento </a:t>
+            </a:r>
+            <a:r>
+              <a:rPr lang="es-CO" sz="2800" dirty="0" err="1">
+                <a:solidFill>
+                  <a:schemeClr val="bg1">
+                    <a:lumMod val="25000"/>
+                  </a:schemeClr>
+                </a:solidFill>
+                <a:latin typeface="Segoe UI" panose="020B0502040204020203" pitchFamily="34" charset="0"/>
+                <a:ea typeface="Segoe UI Black" panose="020B0A02040204020203" pitchFamily="34" charset="0"/>
+                <a:cs typeface="Segoe UI" panose="020B0502040204020203" pitchFamily="34" charset="0"/>
+              </a:rPr>
+              <a:t>Markdown</a:t>
+            </a:r>
+            <a:r>
+              <a:rPr lang="es-CO" sz="2800" dirty="0">
+                <a:solidFill>
+                  <a:schemeClr val="bg1">
+                    <a:lumMod val="25000"/>
+                  </a:schemeClr>
+                </a:solidFill>
+                <a:latin typeface="Segoe UI" panose="020B0502040204020203" pitchFamily="34" charset="0"/>
+                <a:ea typeface="Segoe UI Black" panose="020B0A02040204020203" pitchFamily="34" charset="0"/>
+                <a:cs typeface="Segoe UI" panose="020B0502040204020203" pitchFamily="34" charset="0"/>
+              </a:rPr>
+              <a:t>, a un archivo o a cualquier elemento nuevo dentro del repositorio, son realizadas a través de una carga o </a:t>
             </a:r>
             <a:r>
               <a:rPr lang="es-CO" sz="2800" dirty="0" err="1">
@@ -16212,202 +17876,6 @@
     <p:extLst>
       <p:ext uri="{BB962C8B-B14F-4D97-AF65-F5344CB8AC3E}">
         <p14:creationId xmlns:p14="http://schemas.microsoft.com/office/powerpoint/2010/main" val="1623742609"/>
-      </p:ext>
-    </p:extLst>
-  </p:cSld>
-  <p:clrMapOvr>
-    <a:masterClrMapping/>
-  </p:clrMapOvr>
-</p:sld>
-</file>
-
-<file path=ppt/slides/slide21.xml><?xml version="1.0" encoding="utf-8"?>
-<p:sld xmlns:a="http://schemas.openxmlformats.org/drawingml/2006/main" xmlns:r="http://schemas.openxmlformats.org/officeDocument/2006/relationships" xmlns:p="http://schemas.openxmlformats.org/presentationml/2006/main">
-  <p:cSld>
-    <p:spTree>
-      <p:nvGrpSpPr>
-        <p:cNvPr id="1" name=""/>
-        <p:cNvGrpSpPr/>
-        <p:nvPr/>
-      </p:nvGrpSpPr>
-      <p:grpSpPr>
-        <a:xfrm>
-          <a:off x="0" y="0"/>
-          <a:ext cx="0" cy="0"/>
-          <a:chOff x="0" y="0"/>
-          <a:chExt cx="0" cy="0"/>
-        </a:xfrm>
-      </p:grpSpPr>
-      <p:sp>
-        <p:nvSpPr>
-          <p:cNvPr id="3" name="Title 1">
-            <a:extLst>
-              <a:ext uri="{FF2B5EF4-FFF2-40B4-BE49-F238E27FC236}">
-                <a16:creationId xmlns:a16="http://schemas.microsoft.com/office/drawing/2014/main" id="{5293DDAA-B5E7-2D95-74A3-91A199E94E6C}"/>
-              </a:ext>
-            </a:extLst>
-          </p:cNvPr>
-          <p:cNvSpPr txBox="1">
-            <a:spLocks/>
-          </p:cNvSpPr>
-          <p:nvPr/>
-        </p:nvSpPr>
-        <p:spPr>
-          <a:xfrm>
-            <a:off x="1120775" y="2495549"/>
-            <a:ext cx="9950450" cy="1866900"/>
-          </a:xfrm>
-          <a:prstGeom prst="rect">
-            <a:avLst/>
-          </a:prstGeom>
-        </p:spPr>
-        <p:txBody>
-          <a:bodyPr vert="horz" lIns="91440" tIns="45720" rIns="91440" bIns="45720" rtlCol="0" anchor="ctr" anchorCtr="0">
-            <a:noAutofit/>
-          </a:bodyPr>
-          <a:lstStyle>
-            <a:lvl1pPr algn="l" defTabSz="914377" rtl="0" eaLnBrk="1" latinLnBrk="0" hangingPunct="1">
-              <a:lnSpc>
-                <a:spcPct val="90000"/>
-              </a:lnSpc>
-              <a:spcBef>
-                <a:spcPct val="0"/>
-              </a:spcBef>
-              <a:buNone/>
-              <a:defRPr sz="2600" kern="1200">
-                <a:solidFill>
-                  <a:schemeClr val="tx1"/>
-                </a:solidFill>
-                <a:latin typeface="+mj-lt"/>
-                <a:ea typeface="+mj-ea"/>
-                <a:cs typeface="+mj-cs"/>
-              </a:defRPr>
-            </a:lvl1pPr>
-          </a:lstStyle>
-          <a:p>
-            <a:pPr algn="ctr"/>
-            <a:r>
-              <a:rPr lang="es-CO" sz="2800" b="1" dirty="0" err="1">
-                <a:solidFill>
-                  <a:schemeClr val="bg1">
-                    <a:lumMod val="25000"/>
-                  </a:schemeClr>
-                </a:solidFill>
-                <a:latin typeface="Segoe UI" panose="020B0502040204020203" pitchFamily="34" charset="0"/>
-                <a:ea typeface="Segoe UI Black" panose="020B0A02040204020203" pitchFamily="34" charset="0"/>
-                <a:cs typeface="Segoe UI" panose="020B0502040204020203" pitchFamily="34" charset="0"/>
-              </a:rPr>
-              <a:t>Commit</a:t>
-            </a:r>
-            <a:r>
-              <a:rPr lang="es-CO" sz="2800" dirty="0">
-                <a:solidFill>
-                  <a:schemeClr val="bg1">
-                    <a:lumMod val="25000"/>
-                  </a:schemeClr>
-                </a:solidFill>
-                <a:latin typeface="Segoe UI" panose="020B0502040204020203" pitchFamily="34" charset="0"/>
-                <a:ea typeface="Segoe UI Black" panose="020B0A02040204020203" pitchFamily="34" charset="0"/>
-                <a:cs typeface="Segoe UI" panose="020B0502040204020203" pitchFamily="34" charset="0"/>
-              </a:rPr>
-              <a:t>: al realizar modificaciones sobre el código o la documentación, es necesario incluir comentarios que ayuden a los demás usuarios a entender los cambios realizados.</a:t>
-            </a:r>
-          </a:p>
-        </p:txBody>
-      </p:sp>
-      <p:sp>
-        <p:nvSpPr>
-          <p:cNvPr id="13" name="Title 1">
-            <a:extLst>
-              <a:ext uri="{FF2B5EF4-FFF2-40B4-BE49-F238E27FC236}">
-                <a16:creationId xmlns:a16="http://schemas.microsoft.com/office/drawing/2014/main" id="{C5926AB3-60A5-5F71-6BDF-248779AEDB90}"/>
-              </a:ext>
-            </a:extLst>
-          </p:cNvPr>
-          <p:cNvSpPr txBox="1">
-            <a:spLocks/>
-          </p:cNvSpPr>
-          <p:nvPr/>
-        </p:nvSpPr>
-        <p:spPr>
-          <a:xfrm rot="16200000">
-            <a:off x="-3069000" y="3068999"/>
-            <a:ext cx="6858001" cy="720000"/>
-          </a:xfrm>
-          <a:prstGeom prst="rect">
-            <a:avLst/>
-          </a:prstGeom>
-          <a:solidFill>
-            <a:schemeClr val="bg1">
-              <a:lumMod val="25000"/>
-            </a:schemeClr>
-          </a:solidFill>
-        </p:spPr>
-        <p:txBody>
-          <a:bodyPr vert="horz" lIns="91440" tIns="45720" rIns="91440" bIns="45720" rtlCol="0" anchor="ctr" anchorCtr="0">
-            <a:normAutofit/>
-          </a:bodyPr>
-          <a:lstStyle>
-            <a:lvl1pPr algn="l" defTabSz="914377" rtl="0" eaLnBrk="1" latinLnBrk="0" hangingPunct="1">
-              <a:lnSpc>
-                <a:spcPct val="90000"/>
-              </a:lnSpc>
-              <a:spcBef>
-                <a:spcPct val="0"/>
-              </a:spcBef>
-              <a:buNone/>
-              <a:defRPr sz="2600" kern="1200">
-                <a:solidFill>
-                  <a:schemeClr val="tx1"/>
-                </a:solidFill>
-                <a:latin typeface="+mj-lt"/>
-                <a:ea typeface="+mj-ea"/>
-                <a:cs typeface="+mj-cs"/>
-              </a:defRPr>
-            </a:lvl1pPr>
-          </a:lstStyle>
-          <a:p>
-            <a:pPr algn="ctr"/>
-            <a:r>
-              <a:rPr lang="es-CO" sz="2800" b="1" dirty="0">
-                <a:solidFill>
-                  <a:schemeClr val="bg1"/>
-                </a:solidFill>
-                <a:latin typeface="Segoe UI" panose="020B0502040204020203" pitchFamily="34" charset="0"/>
-                <a:ea typeface="Segoe UI Black" panose="020B0A02040204020203" pitchFamily="34" charset="0"/>
-                <a:cs typeface="Segoe UI" panose="020B0502040204020203" pitchFamily="34" charset="0"/>
-              </a:rPr>
-              <a:t>Ciclo de vida </a:t>
-            </a:r>
-            <a:r>
-              <a:rPr lang="es-CO" sz="2800" dirty="0">
-                <a:solidFill>
-                  <a:schemeClr val="bg1"/>
-                </a:solidFill>
-                <a:latin typeface="Segoe UI" panose="020B0502040204020203" pitchFamily="34" charset="0"/>
-                <a:ea typeface="Segoe UI Black" panose="020B0A02040204020203" pitchFamily="34" charset="0"/>
-                <a:cs typeface="Segoe UI" panose="020B0502040204020203" pitchFamily="34" charset="0"/>
-              </a:rPr>
-              <a:t>de repositorios en </a:t>
-            </a:r>
-            <a:r>
-              <a:rPr lang="es-CO" sz="2800" b="1" dirty="0">
-                <a:solidFill>
-                  <a:schemeClr val="bg1"/>
-                </a:solidFill>
-                <a:latin typeface="Segoe UI" panose="020B0502040204020203" pitchFamily="34" charset="0"/>
-                <a:ea typeface="Segoe UI Black" panose="020B0A02040204020203" pitchFamily="34" charset="0"/>
-                <a:cs typeface="Segoe UI" panose="020B0502040204020203" pitchFamily="34" charset="0"/>
-              </a:rPr>
-              <a:t>GitHub</a:t>
-            </a:r>
-          </a:p>
-        </p:txBody>
-      </p:sp>
-    </p:spTree>
-    <p:extLst>
-      <p:ext uri="{BB962C8B-B14F-4D97-AF65-F5344CB8AC3E}">
-        <p14:creationId xmlns:p14="http://schemas.microsoft.com/office/powerpoint/2010/main" val="2449469188"/>
       </p:ext>
     </p:extLst>
   </p:cSld>
@@ -16463,12 +17931,12 @@
         <p:spPr>
           <a:xfrm>
             <a:off x="1" y="3738188"/>
-            <a:ext cx="12191999" cy="930208"/>
+            <a:ext cx="7707085" cy="930208"/>
           </a:xfrm>
         </p:spPr>
         <p:txBody>
           <a:bodyPr anchor="ctr" anchorCtr="0">
-            <a:normAutofit/>
+            <a:normAutofit fontScale="90000"/>
           </a:bodyPr>
           <a:lstStyle/>
           <a:p>
@@ -16510,10 +17978,10 @@
                 <a:ea typeface="Segoe UI Black" panose="020B0A02040204020203" pitchFamily="34" charset="0"/>
                 <a:cs typeface="Segoe UI" panose="020B0502040204020203" pitchFamily="34" charset="0"/>
               </a:rPr>
-              <a:t> y escritura </a:t>
-            </a:r>
-            <a:r>
-              <a:rPr lang="es-CO" sz="3600" b="1" dirty="0">
+              <a:t> y</a:t>
+            </a:r>
+            <a:br>
+              <a:rPr lang="es-CO" sz="3600" dirty="0">
                 <a:solidFill>
                   <a:schemeClr val="bg1">
                     <a:lumMod val="25000"/>
@@ -16523,78 +17991,40 @@
                 <a:ea typeface="Segoe UI Black" panose="020B0A02040204020203" pitchFamily="34" charset="0"/>
                 <a:cs typeface="Segoe UI" panose="020B0502040204020203" pitchFamily="34" charset="0"/>
               </a:rPr>
-              <a:t>en GitHub</a:t>
-            </a:r>
-          </a:p>
-        </p:txBody>
-      </p:sp>
-      <p:sp>
-        <p:nvSpPr>
-          <p:cNvPr id="2" name="TextBox 1">
-            <a:extLst>
-              <a:ext uri="{FF2B5EF4-FFF2-40B4-BE49-F238E27FC236}">
-                <a16:creationId xmlns:a16="http://schemas.microsoft.com/office/drawing/2014/main" id="{5B323161-4A44-48EB-011B-1D0368B6ABAF}"/>
-              </a:ext>
-            </a:extLst>
-          </p:cNvPr>
-          <p:cNvSpPr txBox="1"/>
-          <p:nvPr/>
-        </p:nvSpPr>
-        <p:spPr>
-          <a:xfrm>
-            <a:off x="0" y="6550223"/>
-            <a:ext cx="12192000" cy="307777"/>
-          </a:xfrm>
-          <a:prstGeom prst="rect">
-            <a:avLst/>
-          </a:prstGeom>
-          <a:noFill/>
-        </p:spPr>
-        <p:txBody>
-          <a:bodyPr wrap="square" rtlCol="0">
-            <a:spAutoFit/>
-          </a:bodyPr>
-          <a:lstStyle/>
-          <a:p>
-            <a:pPr algn="ctr"/>
-            <a:r>
-              <a:rPr lang="en-US" sz="1400" dirty="0">
+            </a:br>
+            <a:r>
+              <a:rPr lang="es-CO" sz="3600" dirty="0">
                 <a:solidFill>
                   <a:schemeClr val="bg1">
                     <a:lumMod val="25000"/>
                   </a:schemeClr>
                 </a:solidFill>
-                <a:latin typeface="+mj-lt"/>
-                <a:hlinkClick r:id="rId3"/>
-              </a:rPr>
-              <a:t>https://github.com/rcfdtools/R.TeachingResearchGuide/tree/main/Section01/Markdown#lenguaje-markdown-y-escritura-en-github</a:t>
-            </a:r>
-            <a:r>
-              <a:rPr lang="en-US" sz="1400" dirty="0">
+                <a:latin typeface="Segoe UI" panose="020B0502040204020203" pitchFamily="34" charset="0"/>
+                <a:ea typeface="Segoe UI Black" panose="020B0A02040204020203" pitchFamily="34" charset="0"/>
+                <a:cs typeface="Segoe UI" panose="020B0502040204020203" pitchFamily="34" charset="0"/>
+              </a:rPr>
+              <a:t>escritura </a:t>
+            </a:r>
+            <a:r>
+              <a:rPr lang="es-CO" sz="3600" b="1" dirty="0">
                 <a:solidFill>
                   <a:schemeClr val="bg1">
                     <a:lumMod val="25000"/>
                   </a:schemeClr>
                 </a:solidFill>
-                <a:latin typeface="+mj-lt"/>
-              </a:rPr>
-              <a:t> </a:t>
-            </a:r>
-            <a:endParaRPr lang="en-US" sz="1400" b="0" strike="noStrike" dirty="0">
-              <a:solidFill>
-                <a:schemeClr val="bg1">
-                  <a:lumMod val="25000"/>
-                </a:schemeClr>
-              </a:solidFill>
-              <a:effectLst/>
-              <a:latin typeface="+mj-lt"/>
-            </a:endParaRPr>
+                <a:latin typeface="Segoe UI" panose="020B0502040204020203" pitchFamily="34" charset="0"/>
+                <a:ea typeface="Segoe UI Black" panose="020B0A02040204020203" pitchFamily="34" charset="0"/>
+                <a:cs typeface="Segoe UI" panose="020B0502040204020203" pitchFamily="34" charset="0"/>
+              </a:rPr>
+              <a:t>en GitHub</a:t>
+            </a:r>
           </a:p>
         </p:txBody>
       </p:sp>
       <p:pic>
         <p:nvPicPr>
           <p:cNvPr id="5" name="Graphic 4">
+            <a:hlinkClick r:id="rId3"/>
             <a:extLst>
               <a:ext uri="{FF2B5EF4-FFF2-40B4-BE49-F238E27FC236}">
                 <a16:creationId xmlns:a16="http://schemas.microsoft.com/office/drawing/2014/main" id="{2D3075CE-1B35-C843-5BB8-8416537A5DCB}"/>
@@ -16620,7 +18050,7 @@
         </p:blipFill>
         <p:spPr>
           <a:xfrm>
-            <a:off x="4926620" y="2077275"/>
+            <a:off x="2684163" y="1989000"/>
             <a:ext cx="2338759" cy="1440000"/>
           </a:xfrm>
           <a:prstGeom prst="rect">
@@ -16628,6 +18058,73 @@
           </a:prstGeom>
         </p:spPr>
       </p:pic>
+      <p:sp>
+        <p:nvSpPr>
+          <p:cNvPr id="3" name="TextBox 2">
+            <a:extLst>
+              <a:ext uri="{FF2B5EF4-FFF2-40B4-BE49-F238E27FC236}">
+                <a16:creationId xmlns:a16="http://schemas.microsoft.com/office/drawing/2014/main" id="{646CF333-9983-C1D4-5181-D77FF7B4866B}"/>
+              </a:ext>
+            </a:extLst>
+          </p:cNvPr>
+          <p:cNvSpPr txBox="1"/>
+          <p:nvPr/>
+        </p:nvSpPr>
+        <p:spPr>
+          <a:xfrm>
+            <a:off x="0" y="6334780"/>
+            <a:ext cx="7707086" cy="523220"/>
+          </a:xfrm>
+          <a:prstGeom prst="rect">
+            <a:avLst/>
+          </a:prstGeom>
+          <a:noFill/>
+        </p:spPr>
+        <p:txBody>
+          <a:bodyPr wrap="square" rtlCol="0">
+            <a:spAutoFit/>
+          </a:bodyPr>
+          <a:lstStyle/>
+          <a:p>
+            <a:r>
+              <a:rPr lang="pt-BR" sz="1400" b="0" strike="noStrike" dirty="0">
+                <a:solidFill>
+                  <a:srgbClr val="3E3E3E"/>
+                </a:solidFill>
+                <a:effectLst/>
+                <a:latin typeface="+mj-lt"/>
+              </a:rPr>
+              <a:t>Tomado y/o adaptado de:</a:t>
+            </a:r>
+          </a:p>
+          <a:p>
+            <a:r>
+              <a:rPr lang="pt-BR" sz="1400" b="0" strike="noStrike" dirty="0">
+                <a:solidFill>
+                  <a:srgbClr val="3E3E3E"/>
+                </a:solidFill>
+                <a:effectLst/>
+                <a:latin typeface="+mj-lt"/>
+                <a:hlinkClick r:id="rId6">
+                  <a:extLst>
+                    <a:ext uri="{A12FA001-AC4F-418D-AE19-62706E023703}">
+                      <ahyp:hlinkClr xmlns:ahyp="http://schemas.microsoft.com/office/drawing/2018/hyperlinkcolor" val="tx"/>
+                    </a:ext>
+                  </a:extLst>
+                </a:hlinkClick>
+              </a:rPr>
+              <a:t>https://www.genbeta.com/guia-de-inicio/que-es-markdown-para-que-sirve-y-como-usarlo</a:t>
+            </a:r>
+            <a:endParaRPr lang="pt-BR" sz="1400" b="0" strike="noStrike" dirty="0">
+              <a:solidFill>
+                <a:srgbClr val="3E3E3E"/>
+              </a:solidFill>
+              <a:effectLst/>
+              <a:latin typeface="+mj-lt"/>
+            </a:endParaRPr>
+          </a:p>
+        </p:txBody>
+      </p:sp>
     </p:spTree>
     <p:extLst>
       <p:ext uri="{BB962C8B-B14F-4D97-AF65-F5344CB8AC3E}">
@@ -16686,13 +18183,13 @@
         </p:nvSpPr>
         <p:spPr>
           <a:xfrm>
-            <a:off x="1719400" y="1676400"/>
-            <a:ext cx="10256698" cy="812800"/>
+            <a:off x="1149381" y="1676400"/>
+            <a:ext cx="6486454" cy="812800"/>
           </a:xfrm>
         </p:spPr>
         <p:txBody>
           <a:bodyPr anchor="ctr" anchorCtr="0">
-            <a:normAutofit/>
+            <a:normAutofit fontScale="90000"/>
           </a:bodyPr>
           <a:lstStyle/>
           <a:p>
@@ -16738,8 +18235,8 @@
         </p:nvSpPr>
         <p:spPr>
           <a:xfrm>
-            <a:off x="0" y="359988"/>
-            <a:ext cx="12191999" cy="930208"/>
+            <a:off x="1" y="359988"/>
+            <a:ext cx="7635834" cy="930208"/>
           </a:xfrm>
           <a:prstGeom prst="rect">
             <a:avLst/>
@@ -16838,7 +18335,7 @@
         </p:blipFill>
         <p:spPr>
           <a:xfrm>
-            <a:off x="459402" y="1542800"/>
+            <a:off x="55645" y="1542800"/>
             <a:ext cx="1080000" cy="1080000"/>
           </a:xfrm>
           <a:prstGeom prst="rect">
@@ -16862,8 +18359,8 @@
         </p:nvSpPr>
         <p:spPr>
           <a:xfrm>
-            <a:off x="1719402" y="2888908"/>
-            <a:ext cx="10256698" cy="812800"/>
+            <a:off x="1149383" y="2888908"/>
+            <a:ext cx="6486454" cy="812800"/>
           </a:xfrm>
           <a:prstGeom prst="rect">
             <a:avLst/>
@@ -16871,7 +18368,7 @@
         </p:spPr>
         <p:txBody>
           <a:bodyPr vert="horz" lIns="91440" tIns="45720" rIns="91440" bIns="45720" rtlCol="0" anchor="ctr" anchorCtr="0">
-            <a:normAutofit/>
+            <a:normAutofit lnSpcReduction="10000"/>
           </a:bodyPr>
           <a:lstStyle>
             <a:lvl1pPr algn="l" defTabSz="914377" rtl="0" eaLnBrk="1" latinLnBrk="0" hangingPunct="1">
@@ -16935,8 +18432,8 @@
         </p:nvSpPr>
         <p:spPr>
           <a:xfrm>
-            <a:off x="1719402" y="4101416"/>
-            <a:ext cx="10256698" cy="812800"/>
+            <a:off x="1149383" y="4101416"/>
+            <a:ext cx="6486454" cy="812800"/>
           </a:xfrm>
           <a:prstGeom prst="rect">
             <a:avLst/>
@@ -17021,7 +18518,7 @@
         </p:blipFill>
         <p:spPr>
           <a:xfrm>
-            <a:off x="459402" y="2755308"/>
+            <a:off x="55645" y="2755308"/>
             <a:ext cx="1080000" cy="1080000"/>
           </a:xfrm>
           <a:prstGeom prst="rect">
@@ -17058,7 +18555,7 @@
         </p:blipFill>
         <p:spPr>
           <a:xfrm>
-            <a:off x="459404" y="3967816"/>
+            <a:off x="55647" y="3967816"/>
             <a:ext cx="1080000" cy="1080000"/>
           </a:xfrm>
           <a:prstGeom prst="rect">
@@ -17082,8 +18579,8 @@
         </p:nvSpPr>
         <p:spPr>
           <a:xfrm>
-            <a:off x="1719400" y="5313924"/>
-            <a:ext cx="10256698" cy="812800"/>
+            <a:off x="1149381" y="5313924"/>
+            <a:ext cx="6486454" cy="812800"/>
           </a:xfrm>
           <a:prstGeom prst="rect">
             <a:avLst/>
@@ -17168,7 +18665,7 @@
         </p:blipFill>
         <p:spPr>
           <a:xfrm>
-            <a:off x="459402" y="5180324"/>
+            <a:off x="55645" y="5180324"/>
             <a:ext cx="1080000" cy="1080000"/>
           </a:xfrm>
           <a:prstGeom prst="rect">
@@ -17222,8 +18719,8 @@
         </p:nvSpPr>
         <p:spPr>
           <a:xfrm>
-            <a:off x="1120775" y="2876550"/>
-            <a:ext cx="9950450" cy="1866900"/>
+            <a:off x="0" y="2876550"/>
+            <a:ext cx="7635834" cy="1866900"/>
           </a:xfrm>
           <a:prstGeom prst="rect">
             <a:avLst/>
@@ -17311,7 +18808,7 @@
         </p:blipFill>
         <p:spPr>
           <a:xfrm>
-            <a:off x="5376000" y="2156550"/>
+            <a:off x="3097917" y="1989000"/>
             <a:ext cx="1440000" cy="1440000"/>
           </a:xfrm>
           <a:prstGeom prst="rect">
@@ -17319,6 +18816,59 @@
           </a:prstGeom>
         </p:spPr>
       </p:pic>
+      <p:sp>
+        <p:nvSpPr>
+          <p:cNvPr id="2" name="TextBox 1">
+            <a:extLst>
+              <a:ext uri="{FF2B5EF4-FFF2-40B4-BE49-F238E27FC236}">
+                <a16:creationId xmlns:a16="http://schemas.microsoft.com/office/drawing/2014/main" id="{611A30F8-9858-13DC-82BB-8FD3028B9809}"/>
+              </a:ext>
+            </a:extLst>
+          </p:cNvPr>
+          <p:cNvSpPr txBox="1"/>
+          <p:nvPr/>
+        </p:nvSpPr>
+        <p:spPr>
+          <a:xfrm>
+            <a:off x="0" y="6550223"/>
+            <a:ext cx="6096000" cy="307777"/>
+          </a:xfrm>
+          <a:prstGeom prst="rect">
+            <a:avLst/>
+          </a:prstGeom>
+          <a:noFill/>
+        </p:spPr>
+        <p:txBody>
+          <a:bodyPr wrap="square" rtlCol="0">
+            <a:spAutoFit/>
+          </a:bodyPr>
+          <a:lstStyle/>
+          <a:p>
+            <a:r>
+              <a:rPr lang="en-US" sz="1400" dirty="0">
+                <a:solidFill>
+                  <a:schemeClr val="bg1">
+                    <a:lumMod val="25000"/>
+                  </a:schemeClr>
+                </a:solidFill>
+                <a:latin typeface="+mj-lt"/>
+              </a:rPr>
+              <a:t>v</a:t>
+            </a:r>
+            <a:r>
+              <a:rPr lang="es-CO" sz="1400" dirty="0">
+                <a:solidFill>
+                  <a:schemeClr val="bg1">
+                    <a:lumMod val="25000"/>
+                  </a:schemeClr>
+                </a:solidFill>
+                <a:latin typeface="+mj-lt"/>
+              </a:rPr>
+              <a:t>.20220926</a:t>
+            </a:r>
+          </a:p>
+        </p:txBody>
+      </p:sp>
     </p:spTree>
     <p:extLst>
       <p:ext uri="{BB962C8B-B14F-4D97-AF65-F5344CB8AC3E}">
@@ -17359,735 +18909,756 @@
           <a:chExt cx="0" cy="0"/>
         </a:xfrm>
       </p:grpSpPr>
-      <p:pic>
-        <p:nvPicPr>
-          <p:cNvPr id="4" name="Graphic 3" descr="Female Profile outline">
+      <p:grpSp>
+        <p:nvGrpSpPr>
+          <p:cNvPr id="2" name="Group 1">
             <a:extLst>
               <a:ext uri="{FF2B5EF4-FFF2-40B4-BE49-F238E27FC236}">
-                <a16:creationId xmlns:a16="http://schemas.microsoft.com/office/drawing/2014/main" id="{9E580087-1848-2C74-059E-4FB712D2062B}"/>
+                <a16:creationId xmlns:a16="http://schemas.microsoft.com/office/drawing/2014/main" id="{2A585FCA-69EF-EC6A-FB92-A1A39C106593}"/>
               </a:ext>
             </a:extLst>
           </p:cNvPr>
-          <p:cNvPicPr>
-            <a:picLocks noChangeAspect="1"/>
-          </p:cNvPicPr>
+          <p:cNvGrpSpPr/>
           <p:nvPr/>
-        </p:nvPicPr>
-        <p:blipFill>
-          <a:blip r:embed="rId3">
-            <a:extLst>
-              <a:ext uri="{96DAC541-7B7A-43D3-8B79-37D633B846F1}">
-                <asvg:svgBlip xmlns:asvg="http://schemas.microsoft.com/office/drawing/2016/SVG/main" r:embed="rId4"/>
-              </a:ext>
-            </a:extLst>
-          </a:blip>
-          <a:stretch>
-            <a:fillRect/>
-          </a:stretch>
-        </p:blipFill>
-        <p:spPr>
+        </p:nvGrpSpPr>
+        <p:grpSpPr>
           <a:xfrm>
-            <a:off x="2938716" y="1930704"/>
-            <a:ext cx="1440000" cy="1440000"/>
+            <a:off x="299380" y="1668480"/>
+            <a:ext cx="7328858" cy="2566006"/>
+            <a:chOff x="859553" y="1823122"/>
+            <a:chExt cx="11091431" cy="3746727"/>
           </a:xfrm>
-          <a:prstGeom prst="rect">
-            <a:avLst/>
-          </a:prstGeom>
-        </p:spPr>
-      </p:pic>
-      <p:pic>
-        <p:nvPicPr>
-          <p:cNvPr id="6" name="Graphic 5" descr="Office worker male with solid fill">
-            <a:extLst>
-              <a:ext uri="{FF2B5EF4-FFF2-40B4-BE49-F238E27FC236}">
-                <a16:creationId xmlns:a16="http://schemas.microsoft.com/office/drawing/2014/main" id="{4D75C8EA-7B01-EDEE-9F66-28EF2EB9AA35}"/>
-              </a:ext>
-            </a:extLst>
-          </p:cNvPr>
-          <p:cNvPicPr>
-            <a:picLocks noChangeAspect="1"/>
-          </p:cNvPicPr>
-          <p:nvPr/>
-        </p:nvPicPr>
-        <p:blipFill>
-          <a:blip r:embed="rId5">
-            <a:extLst>
-              <a:ext uri="{96DAC541-7B7A-43D3-8B79-37D633B846F1}">
-                <asvg:svgBlip xmlns:asvg="http://schemas.microsoft.com/office/drawing/2016/SVG/main" r:embed="rId6"/>
-              </a:ext>
-            </a:extLst>
-          </a:blip>
-          <a:stretch>
-            <a:fillRect/>
-          </a:stretch>
-        </p:blipFill>
-        <p:spPr>
-          <a:xfrm>
-            <a:off x="2938716" y="4029560"/>
-            <a:ext cx="1440000" cy="1440000"/>
-          </a:xfrm>
-          <a:prstGeom prst="rect">
-            <a:avLst/>
-          </a:prstGeom>
-        </p:spPr>
-      </p:pic>
-      <p:pic>
-        <p:nvPicPr>
-          <p:cNvPr id="9" name="Graphic 8" descr="School boy outline">
-            <a:extLst>
-              <a:ext uri="{FF2B5EF4-FFF2-40B4-BE49-F238E27FC236}">
-                <a16:creationId xmlns:a16="http://schemas.microsoft.com/office/drawing/2014/main" id="{B952148E-0920-0FD5-1639-60A7B9A58D10}"/>
-              </a:ext>
-            </a:extLst>
-          </p:cNvPr>
-          <p:cNvPicPr>
-            <a:picLocks noChangeAspect="1"/>
-          </p:cNvPicPr>
-          <p:nvPr/>
-        </p:nvPicPr>
-        <p:blipFill>
-          <a:blip r:embed="rId7">
-            <a:extLst>
-              <a:ext uri="{96DAC541-7B7A-43D3-8B79-37D633B846F1}">
-                <asvg:svgBlip xmlns:asvg="http://schemas.microsoft.com/office/drawing/2016/SVG/main" r:embed="rId8"/>
-              </a:ext>
-            </a:extLst>
-          </a:blip>
-          <a:stretch>
-            <a:fillRect/>
-          </a:stretch>
-        </p:blipFill>
-        <p:spPr>
-          <a:xfrm>
-            <a:off x="1183036" y="3999002"/>
-            <a:ext cx="1440000" cy="1440000"/>
-          </a:xfrm>
-          <a:prstGeom prst="rect">
-            <a:avLst/>
-          </a:prstGeom>
-        </p:spPr>
-      </p:pic>
-      <p:pic>
-        <p:nvPicPr>
-          <p:cNvPr id="11" name="Graphic 10" descr="School boy outline">
-            <a:extLst>
-              <a:ext uri="{FF2B5EF4-FFF2-40B4-BE49-F238E27FC236}">
-                <a16:creationId xmlns:a16="http://schemas.microsoft.com/office/drawing/2014/main" id="{9254C4EE-8B31-AECE-9432-1A9EA90E67F5}"/>
-              </a:ext>
-            </a:extLst>
-          </p:cNvPr>
-          <p:cNvPicPr>
-            <a:picLocks noChangeAspect="1"/>
-          </p:cNvPicPr>
-          <p:nvPr/>
-        </p:nvPicPr>
-        <p:blipFill>
-          <a:blip r:embed="rId7">
-            <a:extLst>
-              <a:ext uri="{96DAC541-7B7A-43D3-8B79-37D633B846F1}">
-                <asvg:svgBlip xmlns:asvg="http://schemas.microsoft.com/office/drawing/2016/SVG/main" r:embed="rId8"/>
-              </a:ext>
-            </a:extLst>
-          </a:blip>
-          <a:stretch>
-            <a:fillRect/>
-          </a:stretch>
-        </p:blipFill>
-        <p:spPr>
-          <a:xfrm>
-            <a:off x="6281662" y="4096361"/>
-            <a:ext cx="1440000" cy="1440000"/>
-          </a:xfrm>
-          <a:prstGeom prst="rect">
-            <a:avLst/>
-          </a:prstGeom>
-        </p:spPr>
-      </p:pic>
-      <p:pic>
-        <p:nvPicPr>
-          <p:cNvPr id="12" name="Graphic 11" descr="Female Profile outline">
-            <a:extLst>
-              <a:ext uri="{FF2B5EF4-FFF2-40B4-BE49-F238E27FC236}">
-                <a16:creationId xmlns:a16="http://schemas.microsoft.com/office/drawing/2014/main" id="{ADDF707C-B255-3580-FFAF-EBB2B309957D}"/>
-              </a:ext>
-            </a:extLst>
-          </p:cNvPr>
-          <p:cNvPicPr>
-            <a:picLocks noChangeAspect="1"/>
-          </p:cNvPicPr>
-          <p:nvPr/>
-        </p:nvPicPr>
-        <p:blipFill>
-          <a:blip r:embed="rId3">
-            <a:extLst>
-              <a:ext uri="{96DAC541-7B7A-43D3-8B79-37D633B846F1}">
-                <asvg:svgBlip xmlns:asvg="http://schemas.microsoft.com/office/drawing/2016/SVG/main" r:embed="rId4"/>
-              </a:ext>
-            </a:extLst>
-          </a:blip>
-          <a:stretch>
-            <a:fillRect/>
-          </a:stretch>
-        </p:blipFill>
-        <p:spPr>
-          <a:xfrm>
-            <a:off x="7941868" y="4126411"/>
-            <a:ext cx="1440000" cy="1440000"/>
-          </a:xfrm>
-          <a:prstGeom prst="rect">
-            <a:avLst/>
-          </a:prstGeom>
-        </p:spPr>
-      </p:pic>
-      <p:pic>
-        <p:nvPicPr>
-          <p:cNvPr id="13" name="Graphic 12" descr="Office worker male with solid fill">
-            <a:extLst>
-              <a:ext uri="{FF2B5EF4-FFF2-40B4-BE49-F238E27FC236}">
-                <a16:creationId xmlns:a16="http://schemas.microsoft.com/office/drawing/2014/main" id="{5B9940A1-F079-0EA8-181C-33594F12EAC0}"/>
-              </a:ext>
-            </a:extLst>
-          </p:cNvPr>
-          <p:cNvPicPr>
-            <a:picLocks noChangeAspect="1"/>
-          </p:cNvPicPr>
-          <p:nvPr/>
-        </p:nvPicPr>
-        <p:blipFill>
-          <a:blip r:embed="rId5">
-            <a:extLst>
-              <a:ext uri="{96DAC541-7B7A-43D3-8B79-37D633B846F1}">
-                <asvg:svgBlip xmlns:asvg="http://schemas.microsoft.com/office/drawing/2016/SVG/main" r:embed="rId6"/>
-              </a:ext>
-            </a:extLst>
-          </a:blip>
-          <a:stretch>
-            <a:fillRect/>
-          </a:stretch>
-        </p:blipFill>
-        <p:spPr>
-          <a:xfrm>
-            <a:off x="5063790" y="1823122"/>
-            <a:ext cx="1440000" cy="1440000"/>
-          </a:xfrm>
-          <a:prstGeom prst="rect">
-            <a:avLst/>
-          </a:prstGeom>
-        </p:spPr>
-      </p:pic>
-      <p:pic>
-        <p:nvPicPr>
-          <p:cNvPr id="17" name="Graphic 16" descr="Construction worker male outline">
-            <a:extLst>
-              <a:ext uri="{FF2B5EF4-FFF2-40B4-BE49-F238E27FC236}">
-                <a16:creationId xmlns:a16="http://schemas.microsoft.com/office/drawing/2014/main" id="{51B4BBF5-BF99-135F-F1D6-E5073CB0263B}"/>
-              </a:ext>
-            </a:extLst>
-          </p:cNvPr>
-          <p:cNvPicPr>
-            <a:picLocks noChangeAspect="1"/>
-          </p:cNvPicPr>
-          <p:nvPr/>
-        </p:nvPicPr>
-        <p:blipFill>
-          <a:blip r:embed="rId9">
-            <a:extLst>
-              <a:ext uri="{96DAC541-7B7A-43D3-8B79-37D633B846F1}">
-                <asvg:svgBlip xmlns:asvg="http://schemas.microsoft.com/office/drawing/2016/SVG/main" r:embed="rId10"/>
-              </a:ext>
-            </a:extLst>
-          </a:blip>
-          <a:stretch>
-            <a:fillRect/>
-          </a:stretch>
-        </p:blipFill>
-        <p:spPr>
-          <a:xfrm>
-            <a:off x="8861034" y="1831086"/>
-            <a:ext cx="1440000" cy="1440000"/>
-          </a:xfrm>
-          <a:prstGeom prst="rect">
-            <a:avLst/>
-          </a:prstGeom>
-        </p:spPr>
-      </p:pic>
-      <p:sp>
-        <p:nvSpPr>
-          <p:cNvPr id="18" name="Rectangle: Rounded Corners 17">
-            <a:extLst>
-              <a:ext uri="{FF2B5EF4-FFF2-40B4-BE49-F238E27FC236}">
-                <a16:creationId xmlns:a16="http://schemas.microsoft.com/office/drawing/2014/main" id="{5CD7DB88-D856-7660-23BB-F8FF0673F2A7}"/>
-              </a:ext>
-            </a:extLst>
-          </p:cNvPr>
-          <p:cNvSpPr/>
-          <p:nvPr/>
-        </p:nvSpPr>
-        <p:spPr>
-          <a:xfrm>
-            <a:off x="1129553" y="3556361"/>
-            <a:ext cx="10101431" cy="180000"/>
-          </a:xfrm>
-          <a:prstGeom prst="roundRect">
-            <a:avLst/>
-          </a:prstGeom>
-          <a:ln>
-            <a:noFill/>
-          </a:ln>
-        </p:spPr>
-        <p:style>
-          <a:lnRef idx="2">
-            <a:schemeClr val="accent6">
-              <a:shade val="50000"/>
-            </a:schemeClr>
-          </a:lnRef>
-          <a:fillRef idx="1">
-            <a:schemeClr val="accent6"/>
-          </a:fillRef>
-          <a:effectRef idx="0">
-            <a:schemeClr val="accent6"/>
-          </a:effectRef>
-          <a:fontRef idx="minor">
-            <a:schemeClr val="lt1"/>
-          </a:fontRef>
-        </p:style>
-        <p:txBody>
-          <a:bodyPr rtlCol="0" anchor="ctr"/>
-          <a:lstStyle/>
-          <a:p>
-            <a:pPr algn="ctr"/>
-            <a:endParaRPr lang="es-CO"/>
-          </a:p>
-        </p:txBody>
-      </p:sp>
-      <p:sp>
-        <p:nvSpPr>
-          <p:cNvPr id="19" name="Oval 18">
-            <a:extLst>
-              <a:ext uri="{FF2B5EF4-FFF2-40B4-BE49-F238E27FC236}">
-                <a16:creationId xmlns:a16="http://schemas.microsoft.com/office/drawing/2014/main" id="{03D759BD-C839-F1D3-3008-AAC11B1C2029}"/>
-              </a:ext>
-            </a:extLst>
-          </p:cNvPr>
-          <p:cNvSpPr/>
-          <p:nvPr/>
-        </p:nvSpPr>
-        <p:spPr>
-          <a:xfrm>
-            <a:off x="859553" y="3376361"/>
-            <a:ext cx="540000" cy="540000"/>
-          </a:xfrm>
-          <a:prstGeom prst="ellipse">
-            <a:avLst/>
-          </a:prstGeom>
-          <a:ln>
-            <a:noFill/>
-          </a:ln>
-        </p:spPr>
-        <p:style>
-          <a:lnRef idx="2">
-            <a:schemeClr val="accent6">
-              <a:shade val="50000"/>
-            </a:schemeClr>
-          </a:lnRef>
-          <a:fillRef idx="1">
-            <a:schemeClr val="accent6"/>
-          </a:fillRef>
-          <a:effectRef idx="0">
-            <a:schemeClr val="accent6"/>
-          </a:effectRef>
-          <a:fontRef idx="minor">
-            <a:schemeClr val="lt1"/>
-          </a:fontRef>
-        </p:style>
-        <p:txBody>
-          <a:bodyPr rtlCol="0" anchor="ctr"/>
-          <a:lstStyle/>
-          <a:p>
-            <a:pPr algn="ctr"/>
-            <a:endParaRPr lang="es-CO"/>
-          </a:p>
-        </p:txBody>
-      </p:sp>
-      <p:sp>
-        <p:nvSpPr>
-          <p:cNvPr id="20" name="Oval 19">
-            <a:extLst>
-              <a:ext uri="{FF2B5EF4-FFF2-40B4-BE49-F238E27FC236}">
-                <a16:creationId xmlns:a16="http://schemas.microsoft.com/office/drawing/2014/main" id="{A9031C2A-D850-DF6F-1099-58789215474A}"/>
-              </a:ext>
-            </a:extLst>
-          </p:cNvPr>
-          <p:cNvSpPr/>
-          <p:nvPr/>
-        </p:nvSpPr>
-        <p:spPr>
-          <a:xfrm>
-            <a:off x="1713642" y="3381358"/>
-            <a:ext cx="540000" cy="540000"/>
-          </a:xfrm>
-          <a:prstGeom prst="ellipse">
-            <a:avLst/>
-          </a:prstGeom>
-          <a:ln>
-            <a:noFill/>
-          </a:ln>
-        </p:spPr>
-        <p:style>
-          <a:lnRef idx="2">
-            <a:schemeClr val="accent6">
-              <a:shade val="50000"/>
-            </a:schemeClr>
-          </a:lnRef>
-          <a:fillRef idx="1">
-            <a:schemeClr val="accent6"/>
-          </a:fillRef>
-          <a:effectRef idx="0">
-            <a:schemeClr val="accent6"/>
-          </a:effectRef>
-          <a:fontRef idx="minor">
-            <a:schemeClr val="lt1"/>
-          </a:fontRef>
-        </p:style>
-        <p:txBody>
-          <a:bodyPr rtlCol="0" anchor="ctr"/>
-          <a:lstStyle/>
-          <a:p>
-            <a:pPr algn="ctr"/>
-            <a:endParaRPr lang="es-CO"/>
-          </a:p>
-        </p:txBody>
-      </p:sp>
-      <p:sp>
-        <p:nvSpPr>
-          <p:cNvPr id="22" name="Oval 21">
-            <a:extLst>
-              <a:ext uri="{FF2B5EF4-FFF2-40B4-BE49-F238E27FC236}">
-                <a16:creationId xmlns:a16="http://schemas.microsoft.com/office/drawing/2014/main" id="{C892A092-E165-8BFA-58FE-C29B8C376DF9}"/>
-              </a:ext>
-            </a:extLst>
-          </p:cNvPr>
-          <p:cNvSpPr/>
-          <p:nvPr/>
-        </p:nvSpPr>
-        <p:spPr>
-          <a:xfrm>
-            <a:off x="3388716" y="3430132"/>
-            <a:ext cx="540000" cy="540000"/>
-          </a:xfrm>
-          <a:prstGeom prst="ellipse">
-            <a:avLst/>
-          </a:prstGeom>
-          <a:ln>
-            <a:noFill/>
-          </a:ln>
-        </p:spPr>
-        <p:style>
-          <a:lnRef idx="2">
-            <a:schemeClr val="accent6">
-              <a:shade val="50000"/>
-            </a:schemeClr>
-          </a:lnRef>
-          <a:fillRef idx="1">
-            <a:schemeClr val="accent6"/>
-          </a:fillRef>
-          <a:effectRef idx="0">
-            <a:schemeClr val="accent6"/>
-          </a:effectRef>
-          <a:fontRef idx="minor">
-            <a:schemeClr val="lt1"/>
-          </a:fontRef>
-        </p:style>
-        <p:txBody>
-          <a:bodyPr rtlCol="0" anchor="ctr"/>
-          <a:lstStyle/>
-          <a:p>
-            <a:pPr algn="ctr"/>
-            <a:endParaRPr lang="es-CO"/>
-          </a:p>
-        </p:txBody>
-      </p:sp>
-      <p:sp>
-        <p:nvSpPr>
-          <p:cNvPr id="23" name="Oval 22">
-            <a:extLst>
-              <a:ext uri="{FF2B5EF4-FFF2-40B4-BE49-F238E27FC236}">
-                <a16:creationId xmlns:a16="http://schemas.microsoft.com/office/drawing/2014/main" id="{3263FD8A-3385-A855-700E-BC83D684E9E2}"/>
-              </a:ext>
-            </a:extLst>
-          </p:cNvPr>
-          <p:cNvSpPr/>
-          <p:nvPr/>
-        </p:nvSpPr>
-        <p:spPr>
-          <a:xfrm>
-            <a:off x="5513790" y="3443362"/>
-            <a:ext cx="540000" cy="540000"/>
-          </a:xfrm>
-          <a:prstGeom prst="ellipse">
-            <a:avLst/>
-          </a:prstGeom>
-          <a:ln>
-            <a:noFill/>
-          </a:ln>
-        </p:spPr>
-        <p:style>
-          <a:lnRef idx="2">
-            <a:schemeClr val="accent6">
-              <a:shade val="50000"/>
-            </a:schemeClr>
-          </a:lnRef>
-          <a:fillRef idx="1">
-            <a:schemeClr val="accent6"/>
-          </a:fillRef>
-          <a:effectRef idx="0">
-            <a:schemeClr val="accent6"/>
-          </a:effectRef>
-          <a:fontRef idx="minor">
-            <a:schemeClr val="lt1"/>
-          </a:fontRef>
-        </p:style>
-        <p:txBody>
-          <a:bodyPr rtlCol="0" anchor="ctr"/>
-          <a:lstStyle/>
-          <a:p>
-            <a:pPr algn="ctr"/>
-            <a:endParaRPr lang="es-CO"/>
-          </a:p>
-        </p:txBody>
-      </p:sp>
-      <p:sp>
-        <p:nvSpPr>
-          <p:cNvPr id="24" name="Oval 23">
-            <a:extLst>
-              <a:ext uri="{FF2B5EF4-FFF2-40B4-BE49-F238E27FC236}">
-                <a16:creationId xmlns:a16="http://schemas.microsoft.com/office/drawing/2014/main" id="{12D97561-B200-DE23-0273-F2B688FA96FC}"/>
-              </a:ext>
-            </a:extLst>
-          </p:cNvPr>
-          <p:cNvSpPr/>
-          <p:nvPr/>
-        </p:nvSpPr>
-        <p:spPr>
-          <a:xfrm>
-            <a:off x="6731662" y="3430132"/>
-            <a:ext cx="540000" cy="540000"/>
-          </a:xfrm>
-          <a:prstGeom prst="ellipse">
-            <a:avLst/>
-          </a:prstGeom>
-          <a:ln>
-            <a:noFill/>
-          </a:ln>
-        </p:spPr>
-        <p:style>
-          <a:lnRef idx="2">
-            <a:schemeClr val="accent6">
-              <a:shade val="50000"/>
-            </a:schemeClr>
-          </a:lnRef>
-          <a:fillRef idx="1">
-            <a:schemeClr val="accent6"/>
-          </a:fillRef>
-          <a:effectRef idx="0">
-            <a:schemeClr val="accent6"/>
-          </a:effectRef>
-          <a:fontRef idx="minor">
-            <a:schemeClr val="lt1"/>
-          </a:fontRef>
-        </p:style>
-        <p:txBody>
-          <a:bodyPr rtlCol="0" anchor="ctr"/>
-          <a:lstStyle/>
-          <a:p>
-            <a:pPr algn="ctr"/>
-            <a:endParaRPr lang="es-CO"/>
-          </a:p>
-        </p:txBody>
-      </p:sp>
-      <p:sp>
-        <p:nvSpPr>
-          <p:cNvPr id="25" name="Oval 24">
-            <a:extLst>
-              <a:ext uri="{FF2B5EF4-FFF2-40B4-BE49-F238E27FC236}">
-                <a16:creationId xmlns:a16="http://schemas.microsoft.com/office/drawing/2014/main" id="{8B2BCDF1-BA0A-547E-357D-D066A9E6AB7F}"/>
-              </a:ext>
-            </a:extLst>
-          </p:cNvPr>
-          <p:cNvSpPr/>
-          <p:nvPr/>
-        </p:nvSpPr>
-        <p:spPr>
-          <a:xfrm>
-            <a:off x="8391868" y="3417705"/>
-            <a:ext cx="540000" cy="540000"/>
-          </a:xfrm>
-          <a:prstGeom prst="ellipse">
-            <a:avLst/>
-          </a:prstGeom>
-          <a:ln>
-            <a:noFill/>
-          </a:ln>
-        </p:spPr>
-        <p:style>
-          <a:lnRef idx="2">
-            <a:schemeClr val="accent6">
-              <a:shade val="50000"/>
-            </a:schemeClr>
-          </a:lnRef>
-          <a:fillRef idx="1">
-            <a:schemeClr val="accent6"/>
-          </a:fillRef>
-          <a:effectRef idx="0">
-            <a:schemeClr val="accent6"/>
-          </a:effectRef>
-          <a:fontRef idx="minor">
-            <a:schemeClr val="lt1"/>
-          </a:fontRef>
-        </p:style>
-        <p:txBody>
-          <a:bodyPr rtlCol="0" anchor="ctr"/>
-          <a:lstStyle/>
-          <a:p>
-            <a:pPr algn="ctr"/>
-            <a:endParaRPr lang="es-CO"/>
-          </a:p>
-        </p:txBody>
-      </p:sp>
-      <p:sp>
-        <p:nvSpPr>
-          <p:cNvPr id="26" name="Oval 25">
-            <a:extLst>
-              <a:ext uri="{FF2B5EF4-FFF2-40B4-BE49-F238E27FC236}">
-                <a16:creationId xmlns:a16="http://schemas.microsoft.com/office/drawing/2014/main" id="{17CE0F48-09EC-FB62-D355-2A400769C46D}"/>
-              </a:ext>
-            </a:extLst>
-          </p:cNvPr>
-          <p:cNvSpPr/>
-          <p:nvPr/>
-        </p:nvSpPr>
-        <p:spPr>
-          <a:xfrm>
-            <a:off x="9311034" y="3414825"/>
-            <a:ext cx="540000" cy="540000"/>
-          </a:xfrm>
-          <a:prstGeom prst="ellipse">
-            <a:avLst/>
-          </a:prstGeom>
-          <a:ln>
-            <a:noFill/>
-          </a:ln>
-        </p:spPr>
-        <p:style>
-          <a:lnRef idx="2">
-            <a:schemeClr val="accent6">
-              <a:shade val="50000"/>
-            </a:schemeClr>
-          </a:lnRef>
-          <a:fillRef idx="1">
-            <a:schemeClr val="accent6"/>
-          </a:fillRef>
-          <a:effectRef idx="0">
-            <a:schemeClr val="accent6"/>
-          </a:effectRef>
-          <a:fontRef idx="minor">
-            <a:schemeClr val="lt1"/>
-          </a:fontRef>
-        </p:style>
-        <p:txBody>
-          <a:bodyPr rtlCol="0" anchor="ctr"/>
-          <a:lstStyle/>
-          <a:p>
-            <a:pPr algn="ctr"/>
-            <a:endParaRPr lang="es-CO"/>
-          </a:p>
-        </p:txBody>
-      </p:sp>
-      <p:sp>
-        <p:nvSpPr>
-          <p:cNvPr id="27" name="Oval 26">
-            <a:extLst>
-              <a:ext uri="{FF2B5EF4-FFF2-40B4-BE49-F238E27FC236}">
-                <a16:creationId xmlns:a16="http://schemas.microsoft.com/office/drawing/2014/main" id="{EC57D0E6-41A3-A883-08C7-0CF10CA759B8}"/>
-              </a:ext>
-            </a:extLst>
-          </p:cNvPr>
-          <p:cNvSpPr/>
-          <p:nvPr/>
-        </p:nvSpPr>
-        <p:spPr>
-          <a:xfrm>
-            <a:off x="10960984" y="3390953"/>
-            <a:ext cx="540000" cy="540000"/>
-          </a:xfrm>
-          <a:prstGeom prst="ellipse">
-            <a:avLst/>
-          </a:prstGeom>
-          <a:ln>
-            <a:noFill/>
-          </a:ln>
-        </p:spPr>
-        <p:style>
-          <a:lnRef idx="2">
-            <a:schemeClr val="accent6">
-              <a:shade val="50000"/>
-            </a:schemeClr>
-          </a:lnRef>
-          <a:fillRef idx="1">
-            <a:schemeClr val="accent6"/>
-          </a:fillRef>
-          <a:effectRef idx="0">
-            <a:schemeClr val="accent6"/>
-          </a:effectRef>
-          <a:fontRef idx="minor">
-            <a:schemeClr val="lt1"/>
-          </a:fontRef>
-        </p:style>
-        <p:txBody>
-          <a:bodyPr rtlCol="0" anchor="ctr"/>
-          <a:lstStyle/>
-          <a:p>
-            <a:pPr algn="ctr"/>
-            <a:endParaRPr lang="es-CO"/>
-          </a:p>
-        </p:txBody>
-      </p:sp>
-      <p:pic>
-        <p:nvPicPr>
-          <p:cNvPr id="37" name="Graphic 36" descr="School boy outline">
-            <a:extLst>
-              <a:ext uri="{FF2B5EF4-FFF2-40B4-BE49-F238E27FC236}">
-                <a16:creationId xmlns:a16="http://schemas.microsoft.com/office/drawing/2014/main" id="{903E4AF8-9ACC-67E9-80AC-BF284011B3A5}"/>
-              </a:ext>
-            </a:extLst>
-          </p:cNvPr>
-          <p:cNvPicPr>
-            <a:picLocks noChangeAspect="1"/>
-          </p:cNvPicPr>
-          <p:nvPr/>
-        </p:nvPicPr>
-        <p:blipFill>
-          <a:blip r:embed="rId7">
-            <a:extLst>
-              <a:ext uri="{96DAC541-7B7A-43D3-8B79-37D633B846F1}">
-                <asvg:svgBlip xmlns:asvg="http://schemas.microsoft.com/office/drawing/2016/SVG/main" r:embed="rId8"/>
-              </a:ext>
-            </a:extLst>
-          </a:blip>
-          <a:stretch>
-            <a:fillRect/>
-          </a:stretch>
-        </p:blipFill>
-        <p:spPr>
-          <a:xfrm>
-            <a:off x="10510984" y="4129849"/>
-            <a:ext cx="1440000" cy="1440000"/>
-          </a:xfrm>
-          <a:prstGeom prst="rect">
-            <a:avLst/>
-          </a:prstGeom>
-        </p:spPr>
-      </p:pic>
+        </p:grpSpPr>
+        <p:pic>
+          <p:nvPicPr>
+            <p:cNvPr id="4" name="Graphic 3" descr="Female Profile outline">
+              <a:extLst>
+                <a:ext uri="{FF2B5EF4-FFF2-40B4-BE49-F238E27FC236}">
+                  <a16:creationId xmlns:a16="http://schemas.microsoft.com/office/drawing/2014/main" id="{9E580087-1848-2C74-059E-4FB712D2062B}"/>
+                </a:ext>
+              </a:extLst>
+            </p:cNvPr>
+            <p:cNvPicPr>
+              <a:picLocks noChangeAspect="1"/>
+            </p:cNvPicPr>
+            <p:nvPr/>
+          </p:nvPicPr>
+          <p:blipFill>
+            <a:blip r:embed="rId3">
+              <a:extLst>
+                <a:ext uri="{96DAC541-7B7A-43D3-8B79-37D633B846F1}">
+                  <asvg:svgBlip xmlns:asvg="http://schemas.microsoft.com/office/drawing/2016/SVG/main" r:embed="rId4"/>
+                </a:ext>
+              </a:extLst>
+            </a:blip>
+            <a:stretch>
+              <a:fillRect/>
+            </a:stretch>
+          </p:blipFill>
+          <p:spPr>
+            <a:xfrm>
+              <a:off x="2938716" y="1930704"/>
+              <a:ext cx="1440000" cy="1440000"/>
+            </a:xfrm>
+            <a:prstGeom prst="rect">
+              <a:avLst/>
+            </a:prstGeom>
+          </p:spPr>
+        </p:pic>
+        <p:pic>
+          <p:nvPicPr>
+            <p:cNvPr id="6" name="Graphic 5" descr="Office worker male with solid fill">
+              <a:extLst>
+                <a:ext uri="{FF2B5EF4-FFF2-40B4-BE49-F238E27FC236}">
+                  <a16:creationId xmlns:a16="http://schemas.microsoft.com/office/drawing/2014/main" id="{4D75C8EA-7B01-EDEE-9F66-28EF2EB9AA35}"/>
+                </a:ext>
+              </a:extLst>
+            </p:cNvPr>
+            <p:cNvPicPr>
+              <a:picLocks noChangeAspect="1"/>
+            </p:cNvPicPr>
+            <p:nvPr/>
+          </p:nvPicPr>
+          <p:blipFill>
+            <a:blip r:embed="rId5">
+              <a:extLst>
+                <a:ext uri="{96DAC541-7B7A-43D3-8B79-37D633B846F1}">
+                  <asvg:svgBlip xmlns:asvg="http://schemas.microsoft.com/office/drawing/2016/SVG/main" r:embed="rId6"/>
+                </a:ext>
+              </a:extLst>
+            </a:blip>
+            <a:stretch>
+              <a:fillRect/>
+            </a:stretch>
+          </p:blipFill>
+          <p:spPr>
+            <a:xfrm>
+              <a:off x="2938716" y="4029560"/>
+              <a:ext cx="1440000" cy="1440000"/>
+            </a:xfrm>
+            <a:prstGeom prst="rect">
+              <a:avLst/>
+            </a:prstGeom>
+          </p:spPr>
+        </p:pic>
+        <p:pic>
+          <p:nvPicPr>
+            <p:cNvPr id="9" name="Graphic 8" descr="School boy outline">
+              <a:extLst>
+                <a:ext uri="{FF2B5EF4-FFF2-40B4-BE49-F238E27FC236}">
+                  <a16:creationId xmlns:a16="http://schemas.microsoft.com/office/drawing/2014/main" id="{B952148E-0920-0FD5-1639-60A7B9A58D10}"/>
+                </a:ext>
+              </a:extLst>
+            </p:cNvPr>
+            <p:cNvPicPr>
+              <a:picLocks noChangeAspect="1"/>
+            </p:cNvPicPr>
+            <p:nvPr/>
+          </p:nvPicPr>
+          <p:blipFill>
+            <a:blip r:embed="rId7">
+              <a:extLst>
+                <a:ext uri="{96DAC541-7B7A-43D3-8B79-37D633B846F1}">
+                  <asvg:svgBlip xmlns:asvg="http://schemas.microsoft.com/office/drawing/2016/SVG/main" r:embed="rId8"/>
+                </a:ext>
+              </a:extLst>
+            </a:blip>
+            <a:stretch>
+              <a:fillRect/>
+            </a:stretch>
+          </p:blipFill>
+          <p:spPr>
+            <a:xfrm>
+              <a:off x="1183036" y="3999002"/>
+              <a:ext cx="1440000" cy="1440000"/>
+            </a:xfrm>
+            <a:prstGeom prst="rect">
+              <a:avLst/>
+            </a:prstGeom>
+          </p:spPr>
+        </p:pic>
+        <p:pic>
+          <p:nvPicPr>
+            <p:cNvPr id="11" name="Graphic 10" descr="School boy outline">
+              <a:extLst>
+                <a:ext uri="{FF2B5EF4-FFF2-40B4-BE49-F238E27FC236}">
+                  <a16:creationId xmlns:a16="http://schemas.microsoft.com/office/drawing/2014/main" id="{9254C4EE-8B31-AECE-9432-1A9EA90E67F5}"/>
+                </a:ext>
+              </a:extLst>
+            </p:cNvPr>
+            <p:cNvPicPr>
+              <a:picLocks noChangeAspect="1"/>
+            </p:cNvPicPr>
+            <p:nvPr/>
+          </p:nvPicPr>
+          <p:blipFill>
+            <a:blip r:embed="rId7">
+              <a:extLst>
+                <a:ext uri="{96DAC541-7B7A-43D3-8B79-37D633B846F1}">
+                  <asvg:svgBlip xmlns:asvg="http://schemas.microsoft.com/office/drawing/2016/SVG/main" r:embed="rId8"/>
+                </a:ext>
+              </a:extLst>
+            </a:blip>
+            <a:stretch>
+              <a:fillRect/>
+            </a:stretch>
+          </p:blipFill>
+          <p:spPr>
+            <a:xfrm>
+              <a:off x="6281662" y="4096361"/>
+              <a:ext cx="1440000" cy="1440000"/>
+            </a:xfrm>
+            <a:prstGeom prst="rect">
+              <a:avLst/>
+            </a:prstGeom>
+          </p:spPr>
+        </p:pic>
+        <p:pic>
+          <p:nvPicPr>
+            <p:cNvPr id="12" name="Graphic 11" descr="Female Profile outline">
+              <a:extLst>
+                <a:ext uri="{FF2B5EF4-FFF2-40B4-BE49-F238E27FC236}">
+                  <a16:creationId xmlns:a16="http://schemas.microsoft.com/office/drawing/2014/main" id="{ADDF707C-B255-3580-FFAF-EBB2B309957D}"/>
+                </a:ext>
+              </a:extLst>
+            </p:cNvPr>
+            <p:cNvPicPr>
+              <a:picLocks noChangeAspect="1"/>
+            </p:cNvPicPr>
+            <p:nvPr/>
+          </p:nvPicPr>
+          <p:blipFill>
+            <a:blip r:embed="rId3">
+              <a:extLst>
+                <a:ext uri="{96DAC541-7B7A-43D3-8B79-37D633B846F1}">
+                  <asvg:svgBlip xmlns:asvg="http://schemas.microsoft.com/office/drawing/2016/SVG/main" r:embed="rId4"/>
+                </a:ext>
+              </a:extLst>
+            </a:blip>
+            <a:stretch>
+              <a:fillRect/>
+            </a:stretch>
+          </p:blipFill>
+          <p:spPr>
+            <a:xfrm>
+              <a:off x="7941868" y="4126411"/>
+              <a:ext cx="1440000" cy="1440000"/>
+            </a:xfrm>
+            <a:prstGeom prst="rect">
+              <a:avLst/>
+            </a:prstGeom>
+          </p:spPr>
+        </p:pic>
+        <p:pic>
+          <p:nvPicPr>
+            <p:cNvPr id="13" name="Graphic 12" descr="Office worker male with solid fill">
+              <a:extLst>
+                <a:ext uri="{FF2B5EF4-FFF2-40B4-BE49-F238E27FC236}">
+                  <a16:creationId xmlns:a16="http://schemas.microsoft.com/office/drawing/2014/main" id="{5B9940A1-F079-0EA8-181C-33594F12EAC0}"/>
+                </a:ext>
+              </a:extLst>
+            </p:cNvPr>
+            <p:cNvPicPr>
+              <a:picLocks noChangeAspect="1"/>
+            </p:cNvPicPr>
+            <p:nvPr/>
+          </p:nvPicPr>
+          <p:blipFill>
+            <a:blip r:embed="rId5">
+              <a:extLst>
+                <a:ext uri="{96DAC541-7B7A-43D3-8B79-37D633B846F1}">
+                  <asvg:svgBlip xmlns:asvg="http://schemas.microsoft.com/office/drawing/2016/SVG/main" r:embed="rId6"/>
+                </a:ext>
+              </a:extLst>
+            </a:blip>
+            <a:stretch>
+              <a:fillRect/>
+            </a:stretch>
+          </p:blipFill>
+          <p:spPr>
+            <a:xfrm>
+              <a:off x="5063790" y="1823122"/>
+              <a:ext cx="1440000" cy="1440000"/>
+            </a:xfrm>
+            <a:prstGeom prst="rect">
+              <a:avLst/>
+            </a:prstGeom>
+          </p:spPr>
+        </p:pic>
+        <p:pic>
+          <p:nvPicPr>
+            <p:cNvPr id="17" name="Graphic 16" descr="Construction worker male outline">
+              <a:extLst>
+                <a:ext uri="{FF2B5EF4-FFF2-40B4-BE49-F238E27FC236}">
+                  <a16:creationId xmlns:a16="http://schemas.microsoft.com/office/drawing/2014/main" id="{51B4BBF5-BF99-135F-F1D6-E5073CB0263B}"/>
+                </a:ext>
+              </a:extLst>
+            </p:cNvPr>
+            <p:cNvPicPr>
+              <a:picLocks noChangeAspect="1"/>
+            </p:cNvPicPr>
+            <p:nvPr/>
+          </p:nvPicPr>
+          <p:blipFill>
+            <a:blip r:embed="rId9">
+              <a:extLst>
+                <a:ext uri="{96DAC541-7B7A-43D3-8B79-37D633B846F1}">
+                  <asvg:svgBlip xmlns:asvg="http://schemas.microsoft.com/office/drawing/2016/SVG/main" r:embed="rId10"/>
+                </a:ext>
+              </a:extLst>
+            </a:blip>
+            <a:stretch>
+              <a:fillRect/>
+            </a:stretch>
+          </p:blipFill>
+          <p:spPr>
+            <a:xfrm>
+              <a:off x="8861034" y="1831086"/>
+              <a:ext cx="1440000" cy="1440000"/>
+            </a:xfrm>
+            <a:prstGeom prst="rect">
+              <a:avLst/>
+            </a:prstGeom>
+          </p:spPr>
+        </p:pic>
+        <p:sp>
+          <p:nvSpPr>
+            <p:cNvPr id="18" name="Rectangle: Rounded Corners 17">
+              <a:extLst>
+                <a:ext uri="{FF2B5EF4-FFF2-40B4-BE49-F238E27FC236}">
+                  <a16:creationId xmlns:a16="http://schemas.microsoft.com/office/drawing/2014/main" id="{5CD7DB88-D856-7660-23BB-F8FF0673F2A7}"/>
+                </a:ext>
+              </a:extLst>
+            </p:cNvPr>
+            <p:cNvSpPr/>
+            <p:nvPr/>
+          </p:nvSpPr>
+          <p:spPr>
+            <a:xfrm>
+              <a:off x="1129553" y="3556361"/>
+              <a:ext cx="10101431" cy="180000"/>
+            </a:xfrm>
+            <a:prstGeom prst="roundRect">
+              <a:avLst/>
+            </a:prstGeom>
+            <a:ln>
+              <a:noFill/>
+            </a:ln>
+          </p:spPr>
+          <p:style>
+            <a:lnRef idx="2">
+              <a:schemeClr val="accent6">
+                <a:shade val="50000"/>
+              </a:schemeClr>
+            </a:lnRef>
+            <a:fillRef idx="1">
+              <a:schemeClr val="accent6"/>
+            </a:fillRef>
+            <a:effectRef idx="0">
+              <a:schemeClr val="accent6"/>
+            </a:effectRef>
+            <a:fontRef idx="minor">
+              <a:schemeClr val="lt1"/>
+            </a:fontRef>
+          </p:style>
+          <p:txBody>
+            <a:bodyPr rtlCol="0" anchor="ctr"/>
+            <a:lstStyle/>
+            <a:p>
+              <a:pPr algn="ctr"/>
+              <a:endParaRPr lang="es-CO"/>
+            </a:p>
+          </p:txBody>
+        </p:sp>
+        <p:sp>
+          <p:nvSpPr>
+            <p:cNvPr id="19" name="Oval 18">
+              <a:extLst>
+                <a:ext uri="{FF2B5EF4-FFF2-40B4-BE49-F238E27FC236}">
+                  <a16:creationId xmlns:a16="http://schemas.microsoft.com/office/drawing/2014/main" id="{03D759BD-C839-F1D3-3008-AAC11B1C2029}"/>
+                </a:ext>
+              </a:extLst>
+            </p:cNvPr>
+            <p:cNvSpPr/>
+            <p:nvPr/>
+          </p:nvSpPr>
+          <p:spPr>
+            <a:xfrm>
+              <a:off x="859553" y="3376361"/>
+              <a:ext cx="540000" cy="540000"/>
+            </a:xfrm>
+            <a:prstGeom prst="ellipse">
+              <a:avLst/>
+            </a:prstGeom>
+            <a:ln>
+              <a:noFill/>
+            </a:ln>
+          </p:spPr>
+          <p:style>
+            <a:lnRef idx="2">
+              <a:schemeClr val="accent6">
+                <a:shade val="50000"/>
+              </a:schemeClr>
+            </a:lnRef>
+            <a:fillRef idx="1">
+              <a:schemeClr val="accent6"/>
+            </a:fillRef>
+            <a:effectRef idx="0">
+              <a:schemeClr val="accent6"/>
+            </a:effectRef>
+            <a:fontRef idx="minor">
+              <a:schemeClr val="lt1"/>
+            </a:fontRef>
+          </p:style>
+          <p:txBody>
+            <a:bodyPr rtlCol="0" anchor="ctr"/>
+            <a:lstStyle/>
+            <a:p>
+              <a:pPr algn="ctr"/>
+              <a:endParaRPr lang="es-CO"/>
+            </a:p>
+          </p:txBody>
+        </p:sp>
+        <p:sp>
+          <p:nvSpPr>
+            <p:cNvPr id="20" name="Oval 19">
+              <a:extLst>
+                <a:ext uri="{FF2B5EF4-FFF2-40B4-BE49-F238E27FC236}">
+                  <a16:creationId xmlns:a16="http://schemas.microsoft.com/office/drawing/2014/main" id="{A9031C2A-D850-DF6F-1099-58789215474A}"/>
+                </a:ext>
+              </a:extLst>
+            </p:cNvPr>
+            <p:cNvSpPr/>
+            <p:nvPr/>
+          </p:nvSpPr>
+          <p:spPr>
+            <a:xfrm>
+              <a:off x="1713642" y="3381358"/>
+              <a:ext cx="540000" cy="540000"/>
+            </a:xfrm>
+            <a:prstGeom prst="ellipse">
+              <a:avLst/>
+            </a:prstGeom>
+            <a:ln>
+              <a:noFill/>
+            </a:ln>
+          </p:spPr>
+          <p:style>
+            <a:lnRef idx="2">
+              <a:schemeClr val="accent6">
+                <a:shade val="50000"/>
+              </a:schemeClr>
+            </a:lnRef>
+            <a:fillRef idx="1">
+              <a:schemeClr val="accent6"/>
+            </a:fillRef>
+            <a:effectRef idx="0">
+              <a:schemeClr val="accent6"/>
+            </a:effectRef>
+            <a:fontRef idx="minor">
+              <a:schemeClr val="lt1"/>
+            </a:fontRef>
+          </p:style>
+          <p:txBody>
+            <a:bodyPr rtlCol="0" anchor="ctr"/>
+            <a:lstStyle/>
+            <a:p>
+              <a:pPr algn="ctr"/>
+              <a:endParaRPr lang="es-CO"/>
+            </a:p>
+          </p:txBody>
+        </p:sp>
+        <p:sp>
+          <p:nvSpPr>
+            <p:cNvPr id="22" name="Oval 21">
+              <a:extLst>
+                <a:ext uri="{FF2B5EF4-FFF2-40B4-BE49-F238E27FC236}">
+                  <a16:creationId xmlns:a16="http://schemas.microsoft.com/office/drawing/2014/main" id="{C892A092-E165-8BFA-58FE-C29B8C376DF9}"/>
+                </a:ext>
+              </a:extLst>
+            </p:cNvPr>
+            <p:cNvSpPr/>
+            <p:nvPr/>
+          </p:nvSpPr>
+          <p:spPr>
+            <a:xfrm>
+              <a:off x="3388716" y="3430132"/>
+              <a:ext cx="540000" cy="540000"/>
+            </a:xfrm>
+            <a:prstGeom prst="ellipse">
+              <a:avLst/>
+            </a:prstGeom>
+            <a:ln>
+              <a:noFill/>
+            </a:ln>
+          </p:spPr>
+          <p:style>
+            <a:lnRef idx="2">
+              <a:schemeClr val="accent6">
+                <a:shade val="50000"/>
+              </a:schemeClr>
+            </a:lnRef>
+            <a:fillRef idx="1">
+              <a:schemeClr val="accent6"/>
+            </a:fillRef>
+            <a:effectRef idx="0">
+              <a:schemeClr val="accent6"/>
+            </a:effectRef>
+            <a:fontRef idx="minor">
+              <a:schemeClr val="lt1"/>
+            </a:fontRef>
+          </p:style>
+          <p:txBody>
+            <a:bodyPr rtlCol="0" anchor="ctr"/>
+            <a:lstStyle/>
+            <a:p>
+              <a:pPr algn="ctr"/>
+              <a:endParaRPr lang="es-CO"/>
+            </a:p>
+          </p:txBody>
+        </p:sp>
+        <p:sp>
+          <p:nvSpPr>
+            <p:cNvPr id="23" name="Oval 22">
+              <a:extLst>
+                <a:ext uri="{FF2B5EF4-FFF2-40B4-BE49-F238E27FC236}">
+                  <a16:creationId xmlns:a16="http://schemas.microsoft.com/office/drawing/2014/main" id="{3263FD8A-3385-A855-700E-BC83D684E9E2}"/>
+                </a:ext>
+              </a:extLst>
+            </p:cNvPr>
+            <p:cNvSpPr/>
+            <p:nvPr/>
+          </p:nvSpPr>
+          <p:spPr>
+            <a:xfrm>
+              <a:off x="5513790" y="3443362"/>
+              <a:ext cx="540000" cy="540000"/>
+            </a:xfrm>
+            <a:prstGeom prst="ellipse">
+              <a:avLst/>
+            </a:prstGeom>
+            <a:ln>
+              <a:noFill/>
+            </a:ln>
+          </p:spPr>
+          <p:style>
+            <a:lnRef idx="2">
+              <a:schemeClr val="accent6">
+                <a:shade val="50000"/>
+              </a:schemeClr>
+            </a:lnRef>
+            <a:fillRef idx="1">
+              <a:schemeClr val="accent6"/>
+            </a:fillRef>
+            <a:effectRef idx="0">
+              <a:schemeClr val="accent6"/>
+            </a:effectRef>
+            <a:fontRef idx="minor">
+              <a:schemeClr val="lt1"/>
+            </a:fontRef>
+          </p:style>
+          <p:txBody>
+            <a:bodyPr rtlCol="0" anchor="ctr"/>
+            <a:lstStyle/>
+            <a:p>
+              <a:pPr algn="ctr"/>
+              <a:endParaRPr lang="es-CO"/>
+            </a:p>
+          </p:txBody>
+        </p:sp>
+        <p:sp>
+          <p:nvSpPr>
+            <p:cNvPr id="24" name="Oval 23">
+              <a:extLst>
+                <a:ext uri="{FF2B5EF4-FFF2-40B4-BE49-F238E27FC236}">
+                  <a16:creationId xmlns:a16="http://schemas.microsoft.com/office/drawing/2014/main" id="{12D97561-B200-DE23-0273-F2B688FA96FC}"/>
+                </a:ext>
+              </a:extLst>
+            </p:cNvPr>
+            <p:cNvSpPr/>
+            <p:nvPr/>
+          </p:nvSpPr>
+          <p:spPr>
+            <a:xfrm>
+              <a:off x="6731662" y="3430132"/>
+              <a:ext cx="540000" cy="540000"/>
+            </a:xfrm>
+            <a:prstGeom prst="ellipse">
+              <a:avLst/>
+            </a:prstGeom>
+            <a:ln>
+              <a:noFill/>
+            </a:ln>
+          </p:spPr>
+          <p:style>
+            <a:lnRef idx="2">
+              <a:schemeClr val="accent6">
+                <a:shade val="50000"/>
+              </a:schemeClr>
+            </a:lnRef>
+            <a:fillRef idx="1">
+              <a:schemeClr val="accent6"/>
+            </a:fillRef>
+            <a:effectRef idx="0">
+              <a:schemeClr val="accent6"/>
+            </a:effectRef>
+            <a:fontRef idx="minor">
+              <a:schemeClr val="lt1"/>
+            </a:fontRef>
+          </p:style>
+          <p:txBody>
+            <a:bodyPr rtlCol="0" anchor="ctr"/>
+            <a:lstStyle/>
+            <a:p>
+              <a:pPr algn="ctr"/>
+              <a:endParaRPr lang="es-CO"/>
+            </a:p>
+          </p:txBody>
+        </p:sp>
+        <p:sp>
+          <p:nvSpPr>
+            <p:cNvPr id="25" name="Oval 24">
+              <a:extLst>
+                <a:ext uri="{FF2B5EF4-FFF2-40B4-BE49-F238E27FC236}">
+                  <a16:creationId xmlns:a16="http://schemas.microsoft.com/office/drawing/2014/main" id="{8B2BCDF1-BA0A-547E-357D-D066A9E6AB7F}"/>
+                </a:ext>
+              </a:extLst>
+            </p:cNvPr>
+            <p:cNvSpPr/>
+            <p:nvPr/>
+          </p:nvSpPr>
+          <p:spPr>
+            <a:xfrm>
+              <a:off x="8391868" y="3417705"/>
+              <a:ext cx="540000" cy="540000"/>
+            </a:xfrm>
+            <a:prstGeom prst="ellipse">
+              <a:avLst/>
+            </a:prstGeom>
+            <a:ln>
+              <a:noFill/>
+            </a:ln>
+          </p:spPr>
+          <p:style>
+            <a:lnRef idx="2">
+              <a:schemeClr val="accent6">
+                <a:shade val="50000"/>
+              </a:schemeClr>
+            </a:lnRef>
+            <a:fillRef idx="1">
+              <a:schemeClr val="accent6"/>
+            </a:fillRef>
+            <a:effectRef idx="0">
+              <a:schemeClr val="accent6"/>
+            </a:effectRef>
+            <a:fontRef idx="minor">
+              <a:schemeClr val="lt1"/>
+            </a:fontRef>
+          </p:style>
+          <p:txBody>
+            <a:bodyPr rtlCol="0" anchor="ctr"/>
+            <a:lstStyle/>
+            <a:p>
+              <a:pPr algn="ctr"/>
+              <a:endParaRPr lang="es-CO"/>
+            </a:p>
+          </p:txBody>
+        </p:sp>
+        <p:sp>
+          <p:nvSpPr>
+            <p:cNvPr id="26" name="Oval 25">
+              <a:extLst>
+                <a:ext uri="{FF2B5EF4-FFF2-40B4-BE49-F238E27FC236}">
+                  <a16:creationId xmlns:a16="http://schemas.microsoft.com/office/drawing/2014/main" id="{17CE0F48-09EC-FB62-D355-2A400769C46D}"/>
+                </a:ext>
+              </a:extLst>
+            </p:cNvPr>
+            <p:cNvSpPr/>
+            <p:nvPr/>
+          </p:nvSpPr>
+          <p:spPr>
+            <a:xfrm>
+              <a:off x="9311034" y="3414825"/>
+              <a:ext cx="540000" cy="540000"/>
+            </a:xfrm>
+            <a:prstGeom prst="ellipse">
+              <a:avLst/>
+            </a:prstGeom>
+            <a:ln>
+              <a:noFill/>
+            </a:ln>
+          </p:spPr>
+          <p:style>
+            <a:lnRef idx="2">
+              <a:schemeClr val="accent6">
+                <a:shade val="50000"/>
+              </a:schemeClr>
+            </a:lnRef>
+            <a:fillRef idx="1">
+              <a:schemeClr val="accent6"/>
+            </a:fillRef>
+            <a:effectRef idx="0">
+              <a:schemeClr val="accent6"/>
+            </a:effectRef>
+            <a:fontRef idx="minor">
+              <a:schemeClr val="lt1"/>
+            </a:fontRef>
+          </p:style>
+          <p:txBody>
+            <a:bodyPr rtlCol="0" anchor="ctr"/>
+            <a:lstStyle/>
+            <a:p>
+              <a:pPr algn="ctr"/>
+              <a:endParaRPr lang="es-CO"/>
+            </a:p>
+          </p:txBody>
+        </p:sp>
+        <p:sp>
+          <p:nvSpPr>
+            <p:cNvPr id="27" name="Oval 26">
+              <a:extLst>
+                <a:ext uri="{FF2B5EF4-FFF2-40B4-BE49-F238E27FC236}">
+                  <a16:creationId xmlns:a16="http://schemas.microsoft.com/office/drawing/2014/main" id="{EC57D0E6-41A3-A883-08C7-0CF10CA759B8}"/>
+                </a:ext>
+              </a:extLst>
+            </p:cNvPr>
+            <p:cNvSpPr/>
+            <p:nvPr/>
+          </p:nvSpPr>
+          <p:spPr>
+            <a:xfrm>
+              <a:off x="10960984" y="3390953"/>
+              <a:ext cx="540000" cy="540000"/>
+            </a:xfrm>
+            <a:prstGeom prst="ellipse">
+              <a:avLst/>
+            </a:prstGeom>
+            <a:ln>
+              <a:noFill/>
+            </a:ln>
+          </p:spPr>
+          <p:style>
+            <a:lnRef idx="2">
+              <a:schemeClr val="accent6">
+                <a:shade val="50000"/>
+              </a:schemeClr>
+            </a:lnRef>
+            <a:fillRef idx="1">
+              <a:schemeClr val="accent6"/>
+            </a:fillRef>
+            <a:effectRef idx="0">
+              <a:schemeClr val="accent6"/>
+            </a:effectRef>
+            <a:fontRef idx="minor">
+              <a:schemeClr val="lt1"/>
+            </a:fontRef>
+          </p:style>
+          <p:txBody>
+            <a:bodyPr rtlCol="0" anchor="ctr"/>
+            <a:lstStyle/>
+            <a:p>
+              <a:pPr algn="ctr"/>
+              <a:endParaRPr lang="es-CO"/>
+            </a:p>
+          </p:txBody>
+        </p:sp>
+        <p:pic>
+          <p:nvPicPr>
+            <p:cNvPr id="37" name="Graphic 36" descr="School boy outline">
+              <a:extLst>
+                <a:ext uri="{FF2B5EF4-FFF2-40B4-BE49-F238E27FC236}">
+                  <a16:creationId xmlns:a16="http://schemas.microsoft.com/office/drawing/2014/main" id="{903E4AF8-9ACC-67E9-80AC-BF284011B3A5}"/>
+                </a:ext>
+              </a:extLst>
+            </p:cNvPr>
+            <p:cNvPicPr>
+              <a:picLocks noChangeAspect="1"/>
+            </p:cNvPicPr>
+            <p:nvPr/>
+          </p:nvPicPr>
+          <p:blipFill>
+            <a:blip r:embed="rId7">
+              <a:extLst>
+                <a:ext uri="{96DAC541-7B7A-43D3-8B79-37D633B846F1}">
+                  <asvg:svgBlip xmlns:asvg="http://schemas.microsoft.com/office/drawing/2016/SVG/main" r:embed="rId8"/>
+                </a:ext>
+              </a:extLst>
+            </a:blip>
+            <a:stretch>
+              <a:fillRect/>
+            </a:stretch>
+          </p:blipFill>
+          <p:spPr>
+            <a:xfrm>
+              <a:off x="10510984" y="4129849"/>
+              <a:ext cx="1440000" cy="1440000"/>
+            </a:xfrm>
+            <a:prstGeom prst="rect">
+              <a:avLst/>
+            </a:prstGeom>
+          </p:spPr>
+        </p:pic>
+      </p:grpSp>
       <p:sp>
         <p:nvSpPr>
           <p:cNvPr id="39" name="Title 1">
@@ -18106,8 +19677,8 @@
         </p:nvSpPr>
         <p:spPr>
           <a:xfrm>
-            <a:off x="1" y="391431"/>
-            <a:ext cx="12191999" cy="930208"/>
+            <a:off x="130629" y="388114"/>
+            <a:ext cx="7497608" cy="930208"/>
           </a:xfrm>
         </p:spPr>
         <p:txBody>
@@ -18174,7 +19745,7 @@
         <p:spPr>
           <a:xfrm>
             <a:off x="0" y="6550223"/>
-            <a:ext cx="12192000" cy="307777"/>
+            <a:ext cx="7628237" cy="307777"/>
           </a:xfrm>
           <a:prstGeom prst="rect">
             <a:avLst/>
@@ -18187,38 +19758,28 @@
           </a:bodyPr>
           <a:lstStyle/>
           <a:p>
-            <a:pPr algn="ctr"/>
             <a:r>
               <a:rPr lang="en-US" sz="1400" b="0" strike="noStrike" dirty="0">
-                <a:solidFill>
-                  <a:schemeClr val="bg1">
-                    <a:lumMod val="25000"/>
-                  </a:schemeClr>
-                </a:solidFill>
                 <a:effectLst/>
                 <a:latin typeface="+mj-lt"/>
-                <a:hlinkClick r:id="rId11"/>
+                <a:hlinkClick r:id="rId11">
+                  <a:extLst>
+                    <a:ext uri="{A12FA001-AC4F-418D-AE19-62706E023703}">
+                      <ahyp:hlinkClr xmlns:ahyp="http://schemas.microsoft.com/office/drawing/2018/hyperlinkcolor" val="tx"/>
+                    </a:ext>
+                  </a:extLst>
+                </a:hlinkClick>
               </a:rPr>
               <a:t>https://github.com/rcfdtools/R.TeachingResearchGuide/tree/main/Section01/WhatIsCollab</a:t>
             </a:r>
             <a:r>
               <a:rPr lang="en-US" sz="1400" b="0" strike="noStrike" dirty="0">
-                <a:solidFill>
-                  <a:schemeClr val="bg1">
-                    <a:lumMod val="25000"/>
-                  </a:schemeClr>
-                </a:solidFill>
                 <a:effectLst/>
                 <a:latin typeface="+mj-lt"/>
               </a:rPr>
               <a:t> </a:t>
             </a:r>
             <a:endParaRPr lang="es-CO" sz="1400" dirty="0">
-              <a:solidFill>
-                <a:schemeClr val="bg1">
-                  <a:lumMod val="25000"/>
-                </a:schemeClr>
-              </a:solidFill>
               <a:latin typeface="+mj-lt"/>
             </a:endParaRPr>
           </a:p>
@@ -18280,13 +19841,13 @@
         </p:nvSpPr>
         <p:spPr>
           <a:xfrm>
-            <a:off x="1" y="134809"/>
-            <a:ext cx="12191999" cy="930208"/>
+            <a:off x="-2" y="414018"/>
+            <a:ext cx="7619999" cy="930208"/>
           </a:xfrm>
         </p:spPr>
         <p:txBody>
           <a:bodyPr anchor="ctr" anchorCtr="0">
-            <a:normAutofit/>
+            <a:noAutofit/>
           </a:bodyPr>
           <a:lstStyle/>
           <a:p>
@@ -18361,8 +19922,8 @@
         </p:blipFill>
         <p:spPr>
           <a:xfrm>
-            <a:off x="425755" y="956560"/>
-            <a:ext cx="11340489" cy="5579157"/>
+            <a:off x="194138" y="1955999"/>
+            <a:ext cx="7231721" cy="3557775"/>
           </a:xfrm>
           <a:prstGeom prst="rect">
             <a:avLst/>
@@ -18383,8 +19944,8 @@
         </p:nvSpPr>
         <p:spPr>
           <a:xfrm>
-            <a:off x="0" y="6550223"/>
-            <a:ext cx="12192000" cy="307777"/>
+            <a:off x="0" y="6334780"/>
+            <a:ext cx="7619999" cy="523220"/>
           </a:xfrm>
           <a:prstGeom prst="rect">
             <a:avLst/>
@@ -18397,13 +19958,10 @@
           </a:bodyPr>
           <a:lstStyle/>
           <a:p>
-            <a:pPr algn="ctr"/>
             <a:r>
               <a:rPr lang="es-CO" sz="1400" dirty="0">
                 <a:solidFill>
-                  <a:schemeClr val="bg1">
-                    <a:lumMod val="25000"/>
-                  </a:schemeClr>
+                  <a:srgbClr val="3E3E3E"/>
                 </a:solidFill>
                 <a:latin typeface="+mj-lt"/>
               </a:rPr>
@@ -18412,21 +19970,23 @@
             <a:r>
               <a:rPr lang="es-CO" sz="1400" dirty="0">
                 <a:solidFill>
-                  <a:schemeClr val="bg1">
-                    <a:lumMod val="25000"/>
-                  </a:schemeClr>
+                  <a:srgbClr val="3E3E3E"/>
                 </a:solidFill>
                 <a:latin typeface="+mj-lt"/>
-                <a:hlinkClick r:id="rId5"/>
+                <a:hlinkClick r:id="rId5">
+                  <a:extLst>
+                    <a:ext uri="{A12FA001-AC4F-418D-AE19-62706E023703}">
+                      <ahyp:hlinkClr xmlns:ahyp="http://schemas.microsoft.com/office/drawing/2018/hyperlinkcolor" val="tx"/>
+                    </a:ext>
+                  </a:extLst>
+                </a:hlinkClick>
               </a:rPr>
               <a:t>https://www.scielo.org.mx</a:t>
             </a:r>
             <a:r>
               <a:rPr lang="es-CO" sz="1400" dirty="0">
                 <a:solidFill>
-                  <a:schemeClr val="bg1">
-                    <a:lumMod val="25000"/>
-                  </a:schemeClr>
+                  <a:srgbClr val="3E3E3E"/>
                 </a:solidFill>
                 <a:latin typeface="+mj-lt"/>
               </a:rPr>
@@ -18483,13 +20043,13 @@
         </p:nvSpPr>
         <p:spPr>
           <a:xfrm>
-            <a:off x="1" y="291223"/>
-            <a:ext cx="12191999" cy="930208"/>
+            <a:off x="1" y="291222"/>
+            <a:ext cx="7619999" cy="1043307"/>
           </a:xfrm>
         </p:spPr>
         <p:txBody>
           <a:bodyPr anchor="ctr" anchorCtr="0">
-            <a:normAutofit/>
+            <a:noAutofit/>
           </a:bodyPr>
           <a:lstStyle/>
           <a:p>
@@ -18539,8 +20099,8 @@
         </p:nvSpPr>
         <p:spPr>
           <a:xfrm>
-            <a:off x="960291" y="3646682"/>
-            <a:ext cx="10271418" cy="2550545"/>
+            <a:off x="301263" y="3568283"/>
+            <a:ext cx="7318737" cy="2873705"/>
           </a:xfrm>
           <a:prstGeom prst="rect">
             <a:avLst/>
@@ -18575,7 +20135,7 @@
               <a:buChar char="ü"/>
             </a:pPr>
             <a:r>
-              <a:rPr lang="es-CO" sz="2800" dirty="0">
+              <a:rPr lang="es-CO" sz="2400" dirty="0">
                 <a:solidFill>
                   <a:schemeClr val="bg1">
                     <a:lumMod val="25000"/>
@@ -18594,7 +20154,7 @@
               <a:buChar char="ü"/>
             </a:pPr>
             <a:r>
-              <a:rPr lang="es-CO" sz="2800" dirty="0">
+              <a:rPr lang="es-CO" sz="2400" dirty="0">
                 <a:solidFill>
                   <a:schemeClr val="bg1">
                     <a:lumMod val="25000"/>
@@ -18613,7 +20173,7 @@
               <a:buChar char="ü"/>
             </a:pPr>
             <a:r>
-              <a:rPr lang="es-CO" sz="2800" dirty="0">
+              <a:rPr lang="es-CO" sz="2400" dirty="0">
                 <a:solidFill>
                   <a:schemeClr val="bg1">
                     <a:lumMod val="25000"/>
@@ -18632,7 +20192,7 @@
               <a:buChar char="ü"/>
             </a:pPr>
             <a:r>
-              <a:rPr lang="es-CO" sz="2800" dirty="0">
+              <a:rPr lang="es-CO" sz="2400" dirty="0">
                 <a:solidFill>
                   <a:schemeClr val="bg1">
                     <a:lumMod val="25000"/>
@@ -18651,7 +20211,7 @@
               <a:buChar char="ü"/>
             </a:pPr>
             <a:r>
-              <a:rPr lang="es-CO" sz="2800" dirty="0">
+              <a:rPr lang="es-CO" sz="2400" dirty="0">
                 <a:solidFill>
                   <a:schemeClr val="bg1">
                     <a:lumMod val="25000"/>
@@ -18670,7 +20230,7 @@
               <a:buChar char="ü"/>
             </a:pPr>
             <a:r>
-              <a:rPr lang="es-CO" sz="2800" dirty="0">
+              <a:rPr lang="es-CO" sz="2400" dirty="0">
                 <a:solidFill>
                   <a:schemeClr val="bg1">
                     <a:lumMod val="25000"/>
@@ -18749,7 +20309,7 @@
         </p:blipFill>
         <p:spPr>
           <a:xfrm>
-            <a:off x="9543139" y="1674857"/>
+            <a:off x="5704306" y="1674857"/>
             <a:ext cx="1440000" cy="1440000"/>
           </a:xfrm>
           <a:prstGeom prst="rect">
@@ -18785,7 +20345,7 @@
         </p:blipFill>
         <p:spPr>
           <a:xfrm>
-            <a:off x="6731052" y="1674857"/>
+            <a:off x="4070230" y="1674857"/>
             <a:ext cx="1440000" cy="1440000"/>
           </a:xfrm>
           <a:prstGeom prst="rect">
@@ -18821,7 +20381,7 @@
         </p:blipFill>
         <p:spPr>
           <a:xfrm>
-            <a:off x="3715765" y="1674857"/>
+            <a:off x="2370000" y="1674857"/>
             <a:ext cx="1440000" cy="1440000"/>
           </a:xfrm>
           <a:prstGeom prst="rect">
@@ -18874,14 +20434,14 @@
           <p:nvPr>
             <p:extLst>
               <p:ext uri="{D42A27DB-BD31-4B8C-83A1-F6EECF244321}">
-                <p14:modId xmlns:p14="http://schemas.microsoft.com/office/powerpoint/2010/main" val="3847936238"/>
+                <p14:modId xmlns:p14="http://schemas.microsoft.com/office/powerpoint/2010/main" val="4177610167"/>
               </p:ext>
             </p:extLst>
           </p:nvPr>
         </p:nvGraphicFramePr>
         <p:xfrm>
-          <a:off x="1402750" y="1802040"/>
-          <a:ext cx="9386499" cy="3826619"/>
+          <a:off x="348390" y="2177319"/>
+          <a:ext cx="7302711" cy="3277979"/>
         </p:xfrm>
         <a:graphic>
           <a:graphicData uri="http://schemas.openxmlformats.org/drawingml/2006/table">
@@ -18890,21 +20450,21 @@
                 <a:tableStyleId>{6E25E649-3F16-4E02-A733-19D2CDBF48F0}</a:tableStyleId>
               </a:tblPr>
               <a:tblGrid>
-                <a:gridCol w="2411829">
+                <a:gridCol w="1876407">
                   <a:extLst>
                     <a:ext uri="{9D8B030D-6E8A-4147-A177-3AD203B41FA5}">
                       <a16:colId xmlns:a16="http://schemas.microsoft.com/office/drawing/2014/main" val="2450113201"/>
                     </a:ext>
                   </a:extLst>
                 </a:gridCol>
-                <a:gridCol w="3099971">
+                <a:gridCol w="2411782">
                   <a:extLst>
                     <a:ext uri="{9D8B030D-6E8A-4147-A177-3AD203B41FA5}">
                       <a16:colId xmlns:a16="http://schemas.microsoft.com/office/drawing/2014/main" val="2523571973"/>
                     </a:ext>
                   </a:extLst>
                 </a:gridCol>
-                <a:gridCol w="3874699">
+                <a:gridCol w="3014522">
                   <a:extLst>
                     <a:ext uri="{9D8B030D-6E8A-4147-A177-3AD203B41FA5}">
                       <a16:colId xmlns:a16="http://schemas.microsoft.com/office/drawing/2014/main" val="2215633197"/>
@@ -18927,7 +20487,7 @@
                         </a:spcAft>
                       </a:pPr>
                       <a:r>
-                        <a:rPr lang="es-CO" sz="2600" b="1" u="none" strike="noStrike" dirty="0">
+                        <a:rPr lang="es-CO" sz="2000" b="1" u="none" strike="noStrike" dirty="0">
                           <a:solidFill>
                             <a:srgbClr val="24292F"/>
                           </a:solidFill>
@@ -18937,7 +20497,7 @@
                         </a:rPr>
                         <a:t>Alcance</a:t>
                       </a:r>
-                      <a:endParaRPr lang="es-CO" sz="2600" b="0" i="0" u="none" strike="noStrike" dirty="0">
+                      <a:endParaRPr lang="es-CO" sz="2000" b="0" i="0" u="none" strike="noStrike" dirty="0">
                         <a:effectLst/>
                         <a:latin typeface="Segoe UI" panose="020B0502040204020203" pitchFamily="34" charset="0"/>
                         <a:cs typeface="Segoe UI" panose="020B0502040204020203" pitchFamily="34" charset="0"/>
@@ -18960,7 +20520,7 @@
                         </a:spcAft>
                       </a:pPr>
                       <a:r>
-                        <a:rPr lang="es-CO" sz="2600" b="1" u="none" strike="noStrike">
+                        <a:rPr lang="es-CO" sz="2000" b="1" u="none" strike="noStrike">
                           <a:solidFill>
                             <a:srgbClr val="24292F"/>
                           </a:solidFill>
@@ -18970,7 +20530,7 @@
                         </a:rPr>
                         <a:t>Cooperación</a:t>
                       </a:r>
-                      <a:endParaRPr lang="es-CO" sz="2600" b="0" i="0" u="none" strike="noStrike">
+                      <a:endParaRPr lang="es-CO" sz="2000" b="0" i="0" u="none" strike="noStrike">
                         <a:effectLst/>
                         <a:latin typeface="Segoe UI" panose="020B0502040204020203" pitchFamily="34" charset="0"/>
                         <a:cs typeface="Segoe UI" panose="020B0502040204020203" pitchFamily="34" charset="0"/>
@@ -18993,7 +20553,7 @@
                         </a:spcAft>
                       </a:pPr>
                       <a:r>
-                        <a:rPr lang="es-CO" sz="2600" b="1" u="none" strike="noStrike" dirty="0">
+                        <a:rPr lang="es-CO" sz="2000" b="1" u="none" strike="noStrike" dirty="0">
                           <a:solidFill>
                             <a:srgbClr val="24292F"/>
                           </a:solidFill>
@@ -19003,7 +20563,7 @@
                         </a:rPr>
                         <a:t>Colaboración</a:t>
                       </a:r>
-                      <a:endParaRPr lang="es-CO" sz="2600" b="0" i="0" u="none" strike="noStrike" dirty="0">
+                      <a:endParaRPr lang="es-CO" sz="2000" b="0" i="0" u="none" strike="noStrike" dirty="0">
                         <a:effectLst/>
                         <a:latin typeface="Segoe UI" panose="020B0502040204020203" pitchFamily="34" charset="0"/>
                         <a:cs typeface="Segoe UI" panose="020B0502040204020203" pitchFamily="34" charset="0"/>
@@ -19033,7 +20593,7 @@
                         </a:spcAft>
                       </a:pPr>
                       <a:r>
-                        <a:rPr lang="es-CO" sz="2600" b="1" u="none" strike="noStrike">
+                        <a:rPr lang="es-CO" sz="2000" b="1" u="none" strike="noStrike">
                           <a:solidFill>
                             <a:srgbClr val="24292F"/>
                           </a:solidFill>
@@ -19043,7 +20603,7 @@
                         </a:rPr>
                         <a:t>Requiere</a:t>
                       </a:r>
-                      <a:endParaRPr lang="es-CO" sz="2600" b="0" i="0" u="none" strike="noStrike">
+                      <a:endParaRPr lang="es-CO" sz="2000" b="0" i="0" u="none" strike="noStrike">
                         <a:effectLst/>
                         <a:latin typeface="Segoe UI" panose="020B0502040204020203" pitchFamily="34" charset="0"/>
                         <a:cs typeface="Segoe UI" panose="020B0502040204020203" pitchFamily="34" charset="0"/>
@@ -19066,7 +20626,7 @@
                         </a:spcAft>
                       </a:pPr>
                       <a:r>
-                        <a:rPr lang="es-CO" sz="2600" b="0" u="none" strike="noStrike" dirty="0">
+                        <a:rPr lang="es-CO" sz="2000" b="0" u="none" strike="noStrike" dirty="0">
                           <a:solidFill>
                             <a:srgbClr val="24292F"/>
                           </a:solidFill>
@@ -19076,7 +20636,7 @@
                         </a:rPr>
                         <a:t>Respeto mutuo</a:t>
                       </a:r>
-                      <a:endParaRPr lang="es-CO" sz="2600" b="0" i="0" u="none" strike="noStrike" dirty="0">
+                      <a:endParaRPr lang="es-CO" sz="2000" b="0" i="0" u="none" strike="noStrike" dirty="0">
                         <a:effectLst/>
                         <a:latin typeface="Segoe UI" panose="020B0502040204020203" pitchFamily="34" charset="0"/>
                         <a:cs typeface="Segoe UI" panose="020B0502040204020203" pitchFamily="34" charset="0"/>
@@ -19099,7 +20659,7 @@
                         </a:spcAft>
                       </a:pPr>
                       <a:r>
-                        <a:rPr lang="es-CO" sz="2600" b="0" u="none" strike="noStrike">
+                        <a:rPr lang="es-CO" sz="2000" b="0" u="none" strike="noStrike">
                           <a:solidFill>
                             <a:srgbClr val="24292F"/>
                           </a:solidFill>
@@ -19109,7 +20669,7 @@
                         </a:rPr>
                         <a:t>Confianza mutua</a:t>
                       </a:r>
-                      <a:endParaRPr lang="es-CO" sz="2600" b="0" i="0" u="none" strike="noStrike">
+                      <a:endParaRPr lang="es-CO" sz="2000" b="0" i="0" u="none" strike="noStrike">
                         <a:effectLst/>
                         <a:latin typeface="Segoe UI" panose="020B0502040204020203" pitchFamily="34" charset="0"/>
                         <a:cs typeface="Segoe UI" panose="020B0502040204020203" pitchFamily="34" charset="0"/>
@@ -19139,7 +20699,7 @@
                         </a:spcAft>
                       </a:pPr>
                       <a:r>
-                        <a:rPr lang="es-CO" sz="2600" b="1" u="none" strike="noStrike">
+                        <a:rPr lang="es-CO" sz="2000" b="1" u="none" strike="noStrike">
                           <a:solidFill>
                             <a:srgbClr val="24292F"/>
                           </a:solidFill>
@@ -19149,7 +20709,7 @@
                         </a:rPr>
                         <a:t>Requiere</a:t>
                       </a:r>
-                      <a:endParaRPr lang="es-CO" sz="2600" b="0" i="0" u="none" strike="noStrike">
+                      <a:endParaRPr lang="es-CO" sz="2000" b="0" i="0" u="none" strike="noStrike">
                         <a:effectLst/>
                         <a:latin typeface="Segoe UI" panose="020B0502040204020203" pitchFamily="34" charset="0"/>
                         <a:cs typeface="Segoe UI" panose="020B0502040204020203" pitchFamily="34" charset="0"/>
@@ -19172,7 +20732,7 @@
                         </a:spcAft>
                       </a:pPr>
                       <a:r>
-                        <a:rPr lang="es-CO" sz="2600" b="0" u="none" strike="noStrike">
+                        <a:rPr lang="es-CO" sz="2000" b="0" u="none" strike="noStrike">
                           <a:solidFill>
                             <a:srgbClr val="24292F"/>
                           </a:solidFill>
@@ -19182,7 +20742,7 @@
                         </a:rPr>
                         <a:t>Transparencia</a:t>
                       </a:r>
-                      <a:endParaRPr lang="es-CO" sz="2600" b="0" i="0" u="none" strike="noStrike">
+                      <a:endParaRPr lang="es-CO" sz="2000" b="0" i="0" u="none" strike="noStrike">
                         <a:effectLst/>
                         <a:latin typeface="Segoe UI" panose="020B0502040204020203" pitchFamily="34" charset="0"/>
                         <a:cs typeface="Segoe UI" panose="020B0502040204020203" pitchFamily="34" charset="0"/>
@@ -19205,7 +20765,7 @@
                         </a:spcAft>
                       </a:pPr>
                       <a:r>
-                        <a:rPr lang="es-CO" sz="2600" b="0" u="none" strike="noStrike">
+                        <a:rPr lang="es-CO" sz="2000" b="0" u="none" strike="noStrike">
                           <a:solidFill>
                             <a:srgbClr val="24292F"/>
                           </a:solidFill>
@@ -19215,7 +20775,7 @@
                         </a:rPr>
                         <a:t>Vulnerabilidad</a:t>
                       </a:r>
-                      <a:endParaRPr lang="es-CO" sz="2600" b="0" i="0" u="none" strike="noStrike">
+                      <a:endParaRPr lang="es-CO" sz="2000" b="0" i="0" u="none" strike="noStrike">
                         <a:effectLst/>
                         <a:latin typeface="Segoe UI" panose="020B0502040204020203" pitchFamily="34" charset="0"/>
                         <a:cs typeface="Segoe UI" panose="020B0502040204020203" pitchFamily="34" charset="0"/>
@@ -19245,7 +20805,7 @@
                         </a:spcAft>
                       </a:pPr>
                       <a:r>
-                        <a:rPr lang="es-CO" sz="2600" b="1" u="none" strike="noStrike">
+                        <a:rPr lang="es-CO" sz="2000" b="1" u="none" strike="noStrike">
                           <a:solidFill>
                             <a:srgbClr val="24292F"/>
                           </a:solidFill>
@@ -19255,7 +20815,7 @@
                         </a:rPr>
                         <a:t>Incluye</a:t>
                       </a:r>
-                      <a:endParaRPr lang="es-CO" sz="2600" b="0" i="0" u="none" strike="noStrike">
+                      <a:endParaRPr lang="es-CO" sz="2000" b="0" i="0" u="none" strike="noStrike">
                         <a:effectLst/>
                         <a:latin typeface="Segoe UI" panose="020B0502040204020203" pitchFamily="34" charset="0"/>
                         <a:cs typeface="Segoe UI" panose="020B0502040204020203" pitchFamily="34" charset="0"/>
@@ -19278,7 +20838,7 @@
                         </a:spcAft>
                       </a:pPr>
                       <a:r>
-                        <a:rPr lang="es-CO" sz="2600" b="0" u="none" strike="noStrike">
+                        <a:rPr lang="es-CO" sz="2000" b="0" u="none" strike="noStrike">
                           <a:solidFill>
                             <a:srgbClr val="24292F"/>
                           </a:solidFill>
@@ -19288,7 +20848,7 @@
                         </a:rPr>
                         <a:t>Ideas compartidas</a:t>
                       </a:r>
-                      <a:endParaRPr lang="es-CO" sz="2600" b="0" i="0" u="none" strike="noStrike">
+                      <a:endParaRPr lang="es-CO" sz="2000" b="0" i="0" u="none" strike="noStrike">
                         <a:effectLst/>
                         <a:latin typeface="Segoe UI" panose="020B0502040204020203" pitchFamily="34" charset="0"/>
                         <a:cs typeface="Segoe UI" panose="020B0502040204020203" pitchFamily="34" charset="0"/>
@@ -19311,7 +20871,7 @@
                         </a:spcAft>
                       </a:pPr>
                       <a:r>
-                        <a:rPr lang="es-CO" sz="2600" b="0" u="none" strike="noStrike">
+                        <a:rPr lang="es-CO" sz="2000" b="0" u="none" strike="noStrike">
                           <a:solidFill>
                             <a:srgbClr val="24292F"/>
                           </a:solidFill>
@@ -19321,7 +20881,7 @@
                         </a:rPr>
                         <a:t>Valor compartido</a:t>
                       </a:r>
-                      <a:endParaRPr lang="es-CO" sz="2600" b="0" i="0" u="none" strike="noStrike">
+                      <a:endParaRPr lang="es-CO" sz="2000" b="0" i="0" u="none" strike="noStrike">
                         <a:effectLst/>
                         <a:latin typeface="Segoe UI" panose="020B0502040204020203" pitchFamily="34" charset="0"/>
                         <a:cs typeface="Segoe UI" panose="020B0502040204020203" pitchFamily="34" charset="0"/>
@@ -19351,7 +20911,7 @@
                         </a:spcAft>
                       </a:pPr>
                       <a:r>
-                        <a:rPr lang="es-CO" sz="2600" b="1" u="none" strike="noStrike">
+                        <a:rPr lang="es-CO" sz="2000" b="1" u="none" strike="noStrike">
                           <a:solidFill>
                             <a:srgbClr val="24292F"/>
                           </a:solidFill>
@@ -19361,7 +20921,7 @@
                         </a:rPr>
                         <a:t>Dependencia</a:t>
                       </a:r>
-                      <a:endParaRPr lang="es-CO" sz="2600" b="0" i="0" u="none" strike="noStrike">
+                      <a:endParaRPr lang="es-CO" sz="2000" b="0" i="0" u="none" strike="noStrike">
                         <a:effectLst/>
                         <a:latin typeface="Segoe UI" panose="020B0502040204020203" pitchFamily="34" charset="0"/>
                         <a:cs typeface="Segoe UI" panose="020B0502040204020203" pitchFamily="34" charset="0"/>
@@ -19384,7 +20944,7 @@
                         </a:spcAft>
                       </a:pPr>
                       <a:r>
-                        <a:rPr lang="es-CO" sz="2600" b="0" u="none" strike="noStrike">
+                        <a:rPr lang="es-CO" sz="2000" b="0" u="none" strike="noStrike">
                           <a:solidFill>
                             <a:srgbClr val="24292F"/>
                           </a:solidFill>
@@ -19394,7 +20954,7 @@
                         </a:rPr>
                         <a:t>Independencia</a:t>
                       </a:r>
-                      <a:endParaRPr lang="es-CO" sz="2600" b="0" i="0" u="none" strike="noStrike">
+                      <a:endParaRPr lang="es-CO" sz="2000" b="0" i="0" u="none" strike="noStrike">
                         <a:effectLst/>
                         <a:latin typeface="Segoe UI" panose="020B0502040204020203" pitchFamily="34" charset="0"/>
                         <a:cs typeface="Segoe UI" panose="020B0502040204020203" pitchFamily="34" charset="0"/>
@@ -19417,7 +20977,7 @@
                         </a:spcAft>
                       </a:pPr>
                       <a:r>
-                        <a:rPr lang="es-CO" sz="2600" b="0" u="none" strike="noStrike">
+                        <a:rPr lang="es-CO" sz="2000" b="0" u="none" strike="noStrike">
                           <a:solidFill>
                             <a:srgbClr val="24292F"/>
                           </a:solidFill>
@@ -19427,7 +20987,7 @@
                         </a:rPr>
                         <a:t>Interdependencia</a:t>
                       </a:r>
-                      <a:endParaRPr lang="es-CO" sz="2600" b="0" i="0" u="none" strike="noStrike">
+                      <a:endParaRPr lang="es-CO" sz="2000" b="0" i="0" u="none" strike="noStrike">
                         <a:effectLst/>
                         <a:latin typeface="Segoe UI" panose="020B0502040204020203" pitchFamily="34" charset="0"/>
                         <a:cs typeface="Segoe UI" panose="020B0502040204020203" pitchFamily="34" charset="0"/>
@@ -19457,7 +21017,7 @@
                         </a:spcAft>
                       </a:pPr>
                       <a:r>
-                        <a:rPr lang="es-CO" sz="2600" b="1" u="none" strike="noStrike">
+                        <a:rPr lang="es-CO" sz="2000" b="1" u="none" strike="noStrike">
                           <a:solidFill>
                             <a:srgbClr val="24292F"/>
                           </a:solidFill>
@@ -19467,7 +21027,7 @@
                         </a:rPr>
                         <a:t>Interacción</a:t>
                       </a:r>
-                      <a:endParaRPr lang="es-CO" sz="2600" b="0" i="0" u="none" strike="noStrike">
+                      <a:endParaRPr lang="es-CO" sz="2000" b="0" i="0" u="none" strike="noStrike">
                         <a:effectLst/>
                         <a:latin typeface="Segoe UI" panose="020B0502040204020203" pitchFamily="34" charset="0"/>
                         <a:cs typeface="Segoe UI" panose="020B0502040204020203" pitchFamily="34" charset="0"/>
@@ -19490,7 +21050,7 @@
                         </a:spcAft>
                       </a:pPr>
                       <a:r>
-                        <a:rPr lang="es-CO" sz="2600" b="0" u="none" strike="noStrike">
+                        <a:rPr lang="es-CO" sz="2000" b="0" u="none" strike="noStrike">
                           <a:solidFill>
                             <a:srgbClr val="24292F"/>
                           </a:solidFill>
@@ -19500,7 +21060,7 @@
                         </a:rPr>
                         <a:t>Corto plazo</a:t>
                       </a:r>
-                      <a:endParaRPr lang="es-CO" sz="2600" b="0" i="0" u="none" strike="noStrike">
+                      <a:endParaRPr lang="es-CO" sz="2000" b="0" i="0" u="none" strike="noStrike">
                         <a:effectLst/>
                         <a:latin typeface="Segoe UI" panose="020B0502040204020203" pitchFamily="34" charset="0"/>
                         <a:cs typeface="Segoe UI" panose="020B0502040204020203" pitchFamily="34" charset="0"/>
@@ -19523,7 +21083,7 @@
                         </a:spcAft>
                       </a:pPr>
                       <a:r>
-                        <a:rPr lang="es-CO" sz="2600" b="0" u="none" strike="noStrike">
+                        <a:rPr lang="es-CO" sz="2000" b="0" u="none" strike="noStrike">
                           <a:solidFill>
                             <a:srgbClr val="24292F"/>
                           </a:solidFill>
@@ -19533,7 +21093,7 @@
                         </a:rPr>
                         <a:t>Largo plazo</a:t>
                       </a:r>
-                      <a:endParaRPr lang="es-CO" sz="2600" b="0" i="0" u="none" strike="noStrike">
+                      <a:endParaRPr lang="es-CO" sz="2000" b="0" i="0" u="none" strike="noStrike">
                         <a:effectLst/>
                         <a:latin typeface="Segoe UI" panose="020B0502040204020203" pitchFamily="34" charset="0"/>
                         <a:cs typeface="Segoe UI" panose="020B0502040204020203" pitchFamily="34" charset="0"/>
@@ -19563,7 +21123,7 @@
                         </a:spcAft>
                       </a:pPr>
                       <a:r>
-                        <a:rPr lang="es-CO" sz="2600" b="1" u="none" strike="noStrike" dirty="0">
+                        <a:rPr lang="es-CO" sz="2000" b="1" u="none" strike="noStrike" dirty="0">
                           <a:solidFill>
                             <a:srgbClr val="24292F"/>
                           </a:solidFill>
@@ -19573,7 +21133,7 @@
                         </a:rPr>
                         <a:t>Involucra</a:t>
                       </a:r>
-                      <a:endParaRPr lang="es-CO" sz="2600" b="0" i="0" u="none" strike="noStrike" dirty="0">
+                      <a:endParaRPr lang="es-CO" sz="2000" b="0" i="0" u="none" strike="noStrike" dirty="0">
                         <a:effectLst/>
                         <a:latin typeface="Segoe UI" panose="020B0502040204020203" pitchFamily="34" charset="0"/>
                         <a:cs typeface="Segoe UI" panose="020B0502040204020203" pitchFamily="34" charset="0"/>
@@ -19596,7 +21156,7 @@
                         </a:spcAft>
                       </a:pPr>
                       <a:r>
-                        <a:rPr lang="es-CO" sz="2600" b="0" u="none" strike="noStrike">
+                        <a:rPr lang="es-CO" sz="2000" b="0" u="none" strike="noStrike">
                           <a:solidFill>
                             <a:srgbClr val="24292F"/>
                           </a:solidFill>
@@ -19606,7 +21166,7 @@
                         </a:rPr>
                         <a:t>Compartir ideas</a:t>
                       </a:r>
-                      <a:endParaRPr lang="es-CO" sz="2600" b="0" i="0" u="none" strike="noStrike">
+                      <a:endParaRPr lang="es-CO" sz="2000" b="0" i="0" u="none" strike="noStrike">
                         <a:effectLst/>
                         <a:latin typeface="Segoe UI" panose="020B0502040204020203" pitchFamily="34" charset="0"/>
                         <a:cs typeface="Segoe UI" panose="020B0502040204020203" pitchFamily="34" charset="0"/>
@@ -19629,7 +21189,7 @@
                         </a:spcAft>
                       </a:pPr>
                       <a:r>
-                        <a:rPr lang="es-CO" sz="2600" b="0" u="none" strike="noStrike" dirty="0">
+                        <a:rPr lang="es-CO" sz="2000" b="0" u="none" strike="noStrike" dirty="0">
                           <a:solidFill>
                             <a:srgbClr val="24292F"/>
                           </a:solidFill>
@@ -19639,7 +21199,7 @@
                         </a:rPr>
                         <a:t>Generar nuevas ideas</a:t>
                       </a:r>
-                      <a:endParaRPr lang="es-CO" sz="2600" b="0" i="0" u="none" strike="noStrike" dirty="0">
+                      <a:endParaRPr lang="es-CO" sz="2000" b="0" i="0" u="none" strike="noStrike" dirty="0">
                         <a:effectLst/>
                         <a:latin typeface="Segoe UI" panose="020B0502040204020203" pitchFamily="34" charset="0"/>
                         <a:cs typeface="Segoe UI" panose="020B0502040204020203" pitchFamily="34" charset="0"/>
@@ -19676,8 +21236,8 @@
         </p:nvSpPr>
         <p:spPr>
           <a:xfrm>
-            <a:off x="1" y="431902"/>
-            <a:ext cx="12191999" cy="930208"/>
+            <a:off x="0" y="579055"/>
+            <a:ext cx="7651101" cy="930208"/>
           </a:xfrm>
         </p:spPr>
         <p:txBody>
@@ -19686,7 +21246,7 @@
           </a:bodyPr>
           <a:lstStyle/>
           <a:p>
-            <a:pPr algn="ctr"/>
+            <a:pPr algn="r"/>
             <a:r>
               <a:rPr lang="es-CO" sz="3600" b="1" dirty="0">
                 <a:solidFill>
@@ -19743,8 +21303,8 @@
         </p:nvSpPr>
         <p:spPr>
           <a:xfrm>
-            <a:off x="0" y="6550223"/>
-            <a:ext cx="12192000" cy="307777"/>
+            <a:off x="-1" y="6334372"/>
+            <a:ext cx="7651101" cy="523220"/>
           </a:xfrm>
           <a:prstGeom prst="rect">
             <a:avLst/>
@@ -19757,13 +21317,10 @@
           </a:bodyPr>
           <a:lstStyle/>
           <a:p>
-            <a:pPr algn="ctr"/>
             <a:r>
               <a:rPr lang="en-US" sz="1400" dirty="0" err="1">
                 <a:solidFill>
-                  <a:schemeClr val="bg1">
-                    <a:lumMod val="25000"/>
-                  </a:schemeClr>
+                  <a:srgbClr val="3E3E3E"/>
                 </a:solidFill>
                 <a:latin typeface="+mj-lt"/>
               </a:rPr>
@@ -19772,9 +21329,7 @@
             <a:r>
               <a:rPr lang="en-US" sz="1400" dirty="0">
                 <a:solidFill>
-                  <a:schemeClr val="bg1">
-                    <a:lumMod val="25000"/>
-                  </a:schemeClr>
+                  <a:srgbClr val="3E3E3E"/>
                 </a:solidFill>
                 <a:latin typeface="+mj-lt"/>
               </a:rPr>
@@ -19783,9 +21338,7 @@
             <a:r>
               <a:rPr lang="en-US" sz="1400" dirty="0" err="1">
                 <a:solidFill>
-                  <a:schemeClr val="bg1">
-                    <a:lumMod val="25000"/>
-                  </a:schemeClr>
+                  <a:srgbClr val="3E3E3E"/>
                 </a:solidFill>
                 <a:latin typeface="+mj-lt"/>
               </a:rPr>
@@ -19794,9 +21347,7 @@
             <a:r>
               <a:rPr lang="en-US" sz="1400" dirty="0">
                 <a:solidFill>
-                  <a:schemeClr val="bg1">
-                    <a:lumMod val="25000"/>
-                  </a:schemeClr>
+                  <a:srgbClr val="3E3E3E"/>
                 </a:solidFill>
                 <a:latin typeface="+mj-lt"/>
               </a:rPr>
@@ -19805,21 +21356,23 @@
             <a:r>
               <a:rPr lang="en-US" sz="1400" dirty="0">
                 <a:solidFill>
-                  <a:schemeClr val="bg1">
-                    <a:lumMod val="25000"/>
-                  </a:schemeClr>
+                  <a:srgbClr val="3E3E3E"/>
                 </a:solidFill>
                 <a:latin typeface="+mj-lt"/>
-                <a:hlinkClick r:id="rId3"/>
+                <a:hlinkClick r:id="rId3">
+                  <a:extLst>
+                    <a:ext uri="{A12FA001-AC4F-418D-AE19-62706E023703}">
+                      <ahyp:hlinkClr xmlns:ahyp="http://schemas.microsoft.com/office/drawing/2018/hyperlinkcolor" val="tx"/>
+                    </a:ext>
+                  </a:extLst>
+                </a:hlinkClick>
               </a:rPr>
               <a:t>https://www.youtube.com/watch?v=Gr5mAboH1Kk</a:t>
             </a:r>
             <a:r>
               <a:rPr lang="en-US" sz="1400" dirty="0">
                 <a:solidFill>
-                  <a:schemeClr val="bg1">
-                    <a:lumMod val="25000"/>
-                  </a:schemeClr>
+                  <a:srgbClr val="3E3E3E"/>
                 </a:solidFill>
                 <a:latin typeface="+mj-lt"/>
               </a:rPr>
@@ -19856,7 +21409,7 @@
         </p:blipFill>
         <p:spPr>
           <a:xfrm>
-            <a:off x="1674169" y="324390"/>
+            <a:off x="257519" y="475949"/>
             <a:ext cx="1145231" cy="1145231"/>
           </a:xfrm>
           <a:prstGeom prst="rect">
@@ -19912,8 +21465,8 @@
         </p:nvSpPr>
         <p:spPr>
           <a:xfrm>
-            <a:off x="1" y="1599517"/>
-            <a:ext cx="12191999" cy="930208"/>
+            <a:off x="0" y="1905383"/>
+            <a:ext cx="7731261" cy="930208"/>
           </a:xfrm>
         </p:spPr>
         <p:txBody>
@@ -19966,8 +21519,8 @@
         </p:nvSpPr>
         <p:spPr>
           <a:xfrm>
-            <a:off x="0" y="6550223"/>
-            <a:ext cx="12192000" cy="307777"/>
+            <a:off x="0" y="6334780"/>
+            <a:ext cx="7613780" cy="523220"/>
           </a:xfrm>
           <a:prstGeom prst="rect">
             <a:avLst/>
@@ -19980,13 +21533,10 @@
           </a:bodyPr>
           <a:lstStyle/>
           <a:p>
-            <a:pPr algn="ctr"/>
             <a:r>
               <a:rPr lang="en-US" sz="1400" b="0" strike="noStrike" dirty="0" err="1">
                 <a:solidFill>
-                  <a:schemeClr val="bg1">
-                    <a:lumMod val="25000"/>
-                  </a:schemeClr>
+                  <a:srgbClr val="3E3E3E"/>
                 </a:solidFill>
                 <a:effectLst/>
                 <a:latin typeface="+mj-lt"/>
@@ -19996,9 +21546,7 @@
             <a:r>
               <a:rPr lang="en-US" sz="1400" b="0" strike="noStrike" dirty="0">
                 <a:solidFill>
-                  <a:schemeClr val="bg1">
-                    <a:lumMod val="25000"/>
-                  </a:schemeClr>
+                  <a:srgbClr val="3E3E3E"/>
                 </a:solidFill>
                 <a:effectLst/>
                 <a:latin typeface="+mj-lt"/>
@@ -20008,9 +21556,7 @@
             <a:r>
               <a:rPr lang="en-US" sz="1400" b="0" strike="noStrike" dirty="0" err="1">
                 <a:solidFill>
-                  <a:schemeClr val="bg1">
-                    <a:lumMod val="25000"/>
-                  </a:schemeClr>
+                  <a:srgbClr val="3E3E3E"/>
                 </a:solidFill>
                 <a:effectLst/>
                 <a:latin typeface="+mj-lt"/>
@@ -20020,9 +21566,7 @@
             <a:r>
               <a:rPr lang="en-US" sz="1400" b="0" strike="noStrike" dirty="0">
                 <a:solidFill>
-                  <a:schemeClr val="bg1">
-                    <a:lumMod val="25000"/>
-                  </a:schemeClr>
+                  <a:srgbClr val="3E3E3E"/>
                 </a:solidFill>
                 <a:effectLst/>
                 <a:latin typeface="+mj-lt"/>
@@ -20032,22 +21576,24 @@
             <a:r>
               <a:rPr lang="en-US" sz="1400" b="0" strike="noStrike" dirty="0">
                 <a:solidFill>
-                  <a:schemeClr val="bg1">
-                    <a:lumMod val="25000"/>
-                  </a:schemeClr>
+                  <a:srgbClr val="3E3E3E"/>
                 </a:solidFill>
                 <a:effectLst/>
                 <a:latin typeface="+mj-lt"/>
-                <a:hlinkClick r:id="rId3"/>
+                <a:hlinkClick r:id="rId3">
+                  <a:extLst>
+                    <a:ext uri="{A12FA001-AC4F-418D-AE19-62706E023703}">
+                      <ahyp:hlinkClr xmlns:ahyp="http://schemas.microsoft.com/office/drawing/2018/hyperlinkcolor" val="tx"/>
+                    </a:ext>
+                  </a:extLst>
+                </a:hlinkClick>
               </a:rPr>
               <a:t>https://www.youtube.com/watch?v=xztW-nosYn0</a:t>
             </a:r>
             <a:r>
               <a:rPr lang="en-US" sz="1400" b="0" strike="noStrike" dirty="0">
                 <a:solidFill>
-                  <a:schemeClr val="bg1">
-                    <a:lumMod val="25000"/>
-                  </a:schemeClr>
+                  <a:srgbClr val="3E3E3E"/>
                 </a:solidFill>
                 <a:effectLst/>
                 <a:latin typeface="+mj-lt"/>
@@ -20056,9 +21602,7 @@
             </a:r>
             <a:endParaRPr lang="es-CO" sz="1400" dirty="0">
               <a:solidFill>
-                <a:schemeClr val="bg1">
-                  <a:lumMod val="25000"/>
-                </a:schemeClr>
+                <a:srgbClr val="3E3E3E"/>
               </a:solidFill>
               <a:latin typeface="+mj-lt"/>
             </a:endParaRPr>
@@ -20093,7 +21637,7 @@
         </p:blipFill>
         <p:spPr>
           <a:xfrm>
-            <a:off x="1436719" y="1344621"/>
+            <a:off x="3240843" y="644437"/>
             <a:ext cx="1440000" cy="1440000"/>
           </a:xfrm>
           <a:prstGeom prst="rect">
@@ -20117,8 +21661,8 @@
         </p:nvSpPr>
         <p:spPr>
           <a:xfrm>
-            <a:off x="1668479" y="2984757"/>
-            <a:ext cx="8855041" cy="1507468"/>
+            <a:off x="1" y="3160460"/>
+            <a:ext cx="7613780" cy="1507468"/>
           </a:xfrm>
           <a:prstGeom prst="rect">
             <a:avLst/>
@@ -20262,100 +21806,6 @@
       </p:grpSpPr>
       <p:sp>
         <p:nvSpPr>
-          <p:cNvPr id="15" name="Title 1">
-            <a:extLst>
-              <a:ext uri="{FF2B5EF4-FFF2-40B4-BE49-F238E27FC236}">
-                <a16:creationId xmlns:a16="http://schemas.microsoft.com/office/drawing/2014/main" id="{D8113FAF-0AA7-0EDA-4B5D-4E57EA2995CE}"/>
-              </a:ext>
-            </a:extLst>
-          </p:cNvPr>
-          <p:cNvSpPr>
-            <a:spLocks noGrp="1"/>
-          </p:cNvSpPr>
-          <p:nvPr>
-            <p:ph type="title"/>
-          </p:nvPr>
-        </p:nvSpPr>
-        <p:spPr>
-          <a:xfrm>
-            <a:off x="1" y="1599517"/>
-            <a:ext cx="12191999" cy="930208"/>
-          </a:xfrm>
-        </p:spPr>
-        <p:txBody>
-          <a:bodyPr anchor="ctr" anchorCtr="0">
-            <a:normAutofit/>
-          </a:bodyPr>
-          <a:lstStyle/>
-          <a:p>
-            <a:pPr algn="ctr"/>
-            <a:r>
-              <a:rPr lang="es-CO" sz="3600" b="1" dirty="0">
-                <a:solidFill>
-                  <a:schemeClr val="bg1">
-                    <a:lumMod val="25000"/>
-                  </a:schemeClr>
-                </a:solidFill>
-                <a:latin typeface="Segoe UI" panose="020B0502040204020203" pitchFamily="34" charset="0"/>
-                <a:ea typeface="Segoe UI Black" panose="020B0A02040204020203" pitchFamily="34" charset="0"/>
-                <a:cs typeface="Segoe UI" panose="020B0502040204020203" pitchFamily="34" charset="0"/>
-              </a:rPr>
-              <a:t>Agregar valor </a:t>
-            </a:r>
-            <a:r>
-              <a:rPr lang="es-CO" sz="3600" dirty="0">
-                <a:solidFill>
-                  <a:schemeClr val="bg1">
-                    <a:lumMod val="25000"/>
-                  </a:schemeClr>
-                </a:solidFill>
-                <a:latin typeface="Segoe UI" panose="020B0502040204020203" pitchFamily="34" charset="0"/>
-                <a:ea typeface="Segoe UI Black" panose="020B0A02040204020203" pitchFamily="34" charset="0"/>
-                <a:cs typeface="Segoe UI" panose="020B0502040204020203" pitchFamily="34" charset="0"/>
-              </a:rPr>
-              <a:t>a mi organización</a:t>
-            </a:r>
-          </a:p>
-        </p:txBody>
-      </p:sp>
-      <p:pic>
-        <p:nvPicPr>
-          <p:cNvPr id="5" name="Graphic 4" descr="Medal outline">
-            <a:extLst>
-              <a:ext uri="{FF2B5EF4-FFF2-40B4-BE49-F238E27FC236}">
-                <a16:creationId xmlns:a16="http://schemas.microsoft.com/office/drawing/2014/main" id="{28E32130-11E7-EAC1-F4FB-043EBB871CE1}"/>
-              </a:ext>
-            </a:extLst>
-          </p:cNvPr>
-          <p:cNvPicPr>
-            <a:picLocks noChangeAspect="1"/>
-          </p:cNvPicPr>
-          <p:nvPr/>
-        </p:nvPicPr>
-        <p:blipFill>
-          <a:blip r:embed="rId3">
-            <a:extLst>
-              <a:ext uri="{96DAC541-7B7A-43D3-8B79-37D633B846F1}">
-                <asvg:svgBlip xmlns:asvg="http://schemas.microsoft.com/office/drawing/2016/SVG/main" r:embed="rId4"/>
-              </a:ext>
-            </a:extLst>
-          </a:blip>
-          <a:stretch>
-            <a:fillRect/>
-          </a:stretch>
-        </p:blipFill>
-        <p:spPr>
-          <a:xfrm>
-            <a:off x="1436719" y="1344621"/>
-            <a:ext cx="1440000" cy="1440000"/>
-          </a:xfrm>
-          <a:prstGeom prst="rect">
-            <a:avLst/>
-          </a:prstGeom>
-        </p:spPr>
-      </p:pic>
-      <p:sp>
-        <p:nvSpPr>
           <p:cNvPr id="6" name="Title 1">
             <a:extLst>
               <a:ext uri="{FF2B5EF4-FFF2-40B4-BE49-F238E27FC236}">
@@ -20370,8 +21820,8 @@
         </p:nvSpPr>
         <p:spPr>
           <a:xfrm>
-            <a:off x="1668479" y="2984757"/>
-            <a:ext cx="8855041" cy="2528622"/>
+            <a:off x="0" y="3031410"/>
+            <a:ext cx="7623110" cy="2528622"/>
           </a:xfrm>
           <a:prstGeom prst="rect">
             <a:avLst/>
@@ -20526,8 +21976,8 @@
         </p:nvSpPr>
         <p:spPr>
           <a:xfrm>
-            <a:off x="0" y="6550223"/>
-            <a:ext cx="12192000" cy="307777"/>
+            <a:off x="0" y="6334780"/>
+            <a:ext cx="7623110" cy="523220"/>
           </a:xfrm>
           <a:prstGeom prst="rect">
             <a:avLst/>
@@ -20540,91 +21990,195 @@
           </a:bodyPr>
           <a:lstStyle/>
           <a:p>
+            <a:r>
+              <a:rPr lang="en-US" sz="1400" b="0" strike="noStrike" dirty="0" err="1">
+                <a:solidFill>
+                  <a:srgbClr val="3E3E3E"/>
+                </a:solidFill>
+                <a:effectLst/>
+                <a:latin typeface="+mj-lt"/>
+              </a:rPr>
+              <a:t>Tomado</a:t>
+            </a:r>
+            <a:r>
+              <a:rPr lang="en-US" sz="1400" b="0" strike="noStrike" dirty="0">
+                <a:solidFill>
+                  <a:srgbClr val="3E3E3E"/>
+                </a:solidFill>
+                <a:effectLst/>
+                <a:latin typeface="+mj-lt"/>
+              </a:rPr>
+              <a:t> y/o </a:t>
+            </a:r>
+            <a:r>
+              <a:rPr lang="en-US" sz="1400" b="0" strike="noStrike" dirty="0" err="1">
+                <a:solidFill>
+                  <a:srgbClr val="3E3E3E"/>
+                </a:solidFill>
+                <a:effectLst/>
+                <a:latin typeface="+mj-lt"/>
+              </a:rPr>
+              <a:t>adaptado</a:t>
+            </a:r>
+            <a:r>
+              <a:rPr lang="en-US" sz="1400" b="0" strike="noStrike" dirty="0">
+                <a:solidFill>
+                  <a:srgbClr val="3E3E3E"/>
+                </a:solidFill>
+                <a:effectLst/>
+                <a:latin typeface="+mj-lt"/>
+              </a:rPr>
+              <a:t> de: 7 Ways To Add Value To Your Business | Brian Tracy, </a:t>
+            </a:r>
+            <a:r>
+              <a:rPr lang="en-US" sz="1400" b="0" strike="noStrike" dirty="0">
+                <a:solidFill>
+                  <a:srgbClr val="3E3E3E"/>
+                </a:solidFill>
+                <a:effectLst/>
+                <a:latin typeface="+mj-lt"/>
+                <a:hlinkClick r:id="rId3">
+                  <a:extLst>
+                    <a:ext uri="{A12FA001-AC4F-418D-AE19-62706E023703}">
+                      <ahyp:hlinkClr xmlns:ahyp="http://schemas.microsoft.com/office/drawing/2018/hyperlinkcolor" val="tx"/>
+                    </a:ext>
+                  </a:extLst>
+                </a:hlinkClick>
+              </a:rPr>
+              <a:t>https://www.youtube.com/watch?v=xztW-nosYn0</a:t>
+            </a:r>
+            <a:r>
+              <a:rPr lang="en-US" sz="1400" b="0" strike="noStrike" dirty="0">
+                <a:solidFill>
+                  <a:srgbClr val="3E3E3E"/>
+                </a:solidFill>
+                <a:effectLst/>
+                <a:latin typeface="+mj-lt"/>
+              </a:rPr>
+              <a:t> </a:t>
+            </a:r>
+            <a:endParaRPr lang="es-CO" sz="1400" dirty="0">
+              <a:solidFill>
+                <a:srgbClr val="3E3E3E"/>
+              </a:solidFill>
+              <a:latin typeface="+mj-lt"/>
+            </a:endParaRPr>
+          </a:p>
+        </p:txBody>
+      </p:sp>
+      <p:sp>
+        <p:nvSpPr>
+          <p:cNvPr id="7" name="Title 1">
+            <a:extLst>
+              <a:ext uri="{FF2B5EF4-FFF2-40B4-BE49-F238E27FC236}">
+                <a16:creationId xmlns:a16="http://schemas.microsoft.com/office/drawing/2014/main" id="{2392B418-A274-CC6D-AA90-F6A35A0622B2}"/>
+              </a:ext>
+            </a:extLst>
+          </p:cNvPr>
+          <p:cNvSpPr txBox="1">
+            <a:spLocks/>
+          </p:cNvSpPr>
+          <p:nvPr/>
+        </p:nvSpPr>
+        <p:spPr>
+          <a:xfrm>
+            <a:off x="0" y="1905383"/>
+            <a:ext cx="7731261" cy="930208"/>
+          </a:xfrm>
+          <a:prstGeom prst="rect">
+            <a:avLst/>
+          </a:prstGeom>
+        </p:spPr>
+        <p:txBody>
+          <a:bodyPr vert="horz" lIns="91440" tIns="45720" rIns="91440" bIns="45720" rtlCol="0" anchor="ctr" anchorCtr="0">
+            <a:normAutofit/>
+          </a:bodyPr>
+          <a:lstStyle>
+            <a:lvl1pPr algn="l" defTabSz="914377" rtl="0" eaLnBrk="1" latinLnBrk="0" hangingPunct="1">
+              <a:lnSpc>
+                <a:spcPct val="90000"/>
+              </a:lnSpc>
+              <a:spcBef>
+                <a:spcPct val="0"/>
+              </a:spcBef>
+              <a:buNone/>
+              <a:defRPr sz="2600" kern="1200">
+                <a:solidFill>
+                  <a:schemeClr val="tx1"/>
+                </a:solidFill>
+                <a:latin typeface="+mj-lt"/>
+                <a:ea typeface="+mj-ea"/>
+                <a:cs typeface="+mj-cs"/>
+              </a:defRPr>
+            </a:lvl1pPr>
+          </a:lstStyle>
+          <a:p>
             <a:pPr algn="ctr"/>
             <a:r>
-              <a:rPr lang="en-US" sz="1400" b="0" strike="noStrike" dirty="0" err="1">
+              <a:rPr lang="es-CO" sz="3600" b="1" dirty="0">
                 <a:solidFill>
                   <a:schemeClr val="bg1">
                     <a:lumMod val="25000"/>
                   </a:schemeClr>
                 </a:solidFill>
-                <a:effectLst/>
-                <a:latin typeface="+mj-lt"/>
-              </a:rPr>
-              <a:t>Tomado</a:t>
-            </a:r>
-            <a:r>
-              <a:rPr lang="en-US" sz="1400" b="0" strike="noStrike" dirty="0">
+                <a:latin typeface="Segoe UI" panose="020B0502040204020203" pitchFamily="34" charset="0"/>
+                <a:ea typeface="Segoe UI Black" panose="020B0A02040204020203" pitchFamily="34" charset="0"/>
+                <a:cs typeface="Segoe UI" panose="020B0502040204020203" pitchFamily="34" charset="0"/>
+              </a:rPr>
+              <a:t>Agregar valor </a:t>
+            </a:r>
+            <a:r>
+              <a:rPr lang="es-CO" sz="3600" dirty="0">
                 <a:solidFill>
                   <a:schemeClr val="bg1">
                     <a:lumMod val="25000"/>
                   </a:schemeClr>
                 </a:solidFill>
-                <a:effectLst/>
-                <a:latin typeface="+mj-lt"/>
-              </a:rPr>
-              <a:t> y/o </a:t>
-            </a:r>
-            <a:r>
-              <a:rPr lang="en-US" sz="1400" b="0" strike="noStrike" dirty="0" err="1">
-                <a:solidFill>
-                  <a:schemeClr val="bg1">
-                    <a:lumMod val="25000"/>
-                  </a:schemeClr>
-                </a:solidFill>
-                <a:effectLst/>
-                <a:latin typeface="+mj-lt"/>
-              </a:rPr>
-              <a:t>adaptado</a:t>
-            </a:r>
-            <a:r>
-              <a:rPr lang="en-US" sz="1400" b="0" strike="noStrike" dirty="0">
-                <a:solidFill>
-                  <a:schemeClr val="bg1">
-                    <a:lumMod val="25000"/>
-                  </a:schemeClr>
-                </a:solidFill>
-                <a:effectLst/>
-                <a:latin typeface="+mj-lt"/>
-              </a:rPr>
-              <a:t> de: 7 Ways To Add Value To Your Business | Brian Tracy, </a:t>
-            </a:r>
-            <a:r>
-              <a:rPr lang="en-US" sz="1400" b="0" strike="noStrike" dirty="0">
-                <a:solidFill>
-                  <a:schemeClr val="bg1">
-                    <a:lumMod val="25000"/>
-                  </a:schemeClr>
-                </a:solidFill>
-                <a:effectLst/>
-                <a:latin typeface="+mj-lt"/>
-                <a:hlinkClick r:id="rId5"/>
-              </a:rPr>
-              <a:t>https://www.youtube.com/watch?v=xztW-nosYn0</a:t>
-            </a:r>
-            <a:r>
-              <a:rPr lang="en-US" sz="1400" b="0" strike="noStrike" dirty="0">
-                <a:solidFill>
-                  <a:schemeClr val="bg1">
-                    <a:lumMod val="25000"/>
-                  </a:schemeClr>
-                </a:solidFill>
-                <a:effectLst/>
-                <a:latin typeface="+mj-lt"/>
-              </a:rPr>
-              <a:t> </a:t>
-            </a:r>
-            <a:endParaRPr lang="es-CO" sz="1400" dirty="0">
-              <a:solidFill>
-                <a:schemeClr val="bg1">
-                  <a:lumMod val="25000"/>
-                </a:schemeClr>
-              </a:solidFill>
-              <a:latin typeface="+mj-lt"/>
-            </a:endParaRPr>
+                <a:latin typeface="Segoe UI" panose="020B0502040204020203" pitchFamily="34" charset="0"/>
+                <a:ea typeface="Segoe UI Black" panose="020B0A02040204020203" pitchFamily="34" charset="0"/>
+                <a:cs typeface="Segoe UI" panose="020B0502040204020203" pitchFamily="34" charset="0"/>
+              </a:rPr>
+              <a:t>a mi organización</a:t>
+            </a:r>
           </a:p>
         </p:txBody>
       </p:sp>
+      <p:pic>
+        <p:nvPicPr>
+          <p:cNvPr id="8" name="Graphic 7" descr="Medal outline">
+            <a:extLst>
+              <a:ext uri="{FF2B5EF4-FFF2-40B4-BE49-F238E27FC236}">
+                <a16:creationId xmlns:a16="http://schemas.microsoft.com/office/drawing/2014/main" id="{CB0D61E4-9FBA-1DD6-8824-5776858D2151}"/>
+              </a:ext>
+            </a:extLst>
+          </p:cNvPr>
+          <p:cNvPicPr>
+            <a:picLocks noChangeAspect="1"/>
+          </p:cNvPicPr>
+          <p:nvPr/>
+        </p:nvPicPr>
+        <p:blipFill>
+          <a:blip r:embed="rId4">
+            <a:extLst>
+              <a:ext uri="{96DAC541-7B7A-43D3-8B79-37D633B846F1}">
+                <asvg:svgBlip xmlns:asvg="http://schemas.microsoft.com/office/drawing/2016/SVG/main" r:embed="rId5"/>
+              </a:ext>
+            </a:extLst>
+          </a:blip>
+          <a:stretch>
+            <a:fillRect/>
+          </a:stretch>
+        </p:blipFill>
+        <p:spPr>
+          <a:xfrm>
+            <a:off x="3240843" y="644437"/>
+            <a:ext cx="1440000" cy="1440000"/>
+          </a:xfrm>
+          <a:prstGeom prst="rect">
+            <a:avLst/>
+          </a:prstGeom>
+        </p:spPr>
+      </p:pic>
     </p:spTree>
     <p:extLst>
       <p:ext uri="{BB962C8B-B14F-4D97-AF65-F5344CB8AC3E}">
@@ -20657,100 +22211,6 @@
       </p:grpSpPr>
       <p:sp>
         <p:nvSpPr>
-          <p:cNvPr id="15" name="Title 1">
-            <a:extLst>
-              <a:ext uri="{FF2B5EF4-FFF2-40B4-BE49-F238E27FC236}">
-                <a16:creationId xmlns:a16="http://schemas.microsoft.com/office/drawing/2014/main" id="{D8113FAF-0AA7-0EDA-4B5D-4E57EA2995CE}"/>
-              </a:ext>
-            </a:extLst>
-          </p:cNvPr>
-          <p:cNvSpPr>
-            <a:spLocks noGrp="1"/>
-          </p:cNvSpPr>
-          <p:nvPr>
-            <p:ph type="title"/>
-          </p:nvPr>
-        </p:nvSpPr>
-        <p:spPr>
-          <a:xfrm>
-            <a:off x="1" y="1599517"/>
-            <a:ext cx="12191999" cy="930208"/>
-          </a:xfrm>
-        </p:spPr>
-        <p:txBody>
-          <a:bodyPr anchor="ctr" anchorCtr="0">
-            <a:normAutofit/>
-          </a:bodyPr>
-          <a:lstStyle/>
-          <a:p>
-            <a:pPr algn="ctr"/>
-            <a:r>
-              <a:rPr lang="es-CO" sz="3600" b="1" dirty="0">
-                <a:solidFill>
-                  <a:schemeClr val="bg1">
-                    <a:lumMod val="25000"/>
-                  </a:schemeClr>
-                </a:solidFill>
-                <a:latin typeface="Segoe UI" panose="020B0502040204020203" pitchFamily="34" charset="0"/>
-                <a:ea typeface="Segoe UI Black" panose="020B0A02040204020203" pitchFamily="34" charset="0"/>
-                <a:cs typeface="Segoe UI" panose="020B0502040204020203" pitchFamily="34" charset="0"/>
-              </a:rPr>
-              <a:t>Agregar valor </a:t>
-            </a:r>
-            <a:r>
-              <a:rPr lang="es-CO" sz="3600" dirty="0">
-                <a:solidFill>
-                  <a:schemeClr val="bg1">
-                    <a:lumMod val="25000"/>
-                  </a:schemeClr>
-                </a:solidFill>
-                <a:latin typeface="Segoe UI" panose="020B0502040204020203" pitchFamily="34" charset="0"/>
-                <a:ea typeface="Segoe UI Black" panose="020B0A02040204020203" pitchFamily="34" charset="0"/>
-                <a:cs typeface="Segoe UI" panose="020B0502040204020203" pitchFamily="34" charset="0"/>
-              </a:rPr>
-              <a:t>a mi organización</a:t>
-            </a:r>
-          </a:p>
-        </p:txBody>
-      </p:sp>
-      <p:pic>
-        <p:nvPicPr>
-          <p:cNvPr id="5" name="Graphic 4" descr="Medal outline">
-            <a:extLst>
-              <a:ext uri="{FF2B5EF4-FFF2-40B4-BE49-F238E27FC236}">
-                <a16:creationId xmlns:a16="http://schemas.microsoft.com/office/drawing/2014/main" id="{28E32130-11E7-EAC1-F4FB-043EBB871CE1}"/>
-              </a:ext>
-            </a:extLst>
-          </p:cNvPr>
-          <p:cNvPicPr>
-            <a:picLocks noChangeAspect="1"/>
-          </p:cNvPicPr>
-          <p:nvPr/>
-        </p:nvPicPr>
-        <p:blipFill>
-          <a:blip r:embed="rId3">
-            <a:extLst>
-              <a:ext uri="{96DAC541-7B7A-43D3-8B79-37D633B846F1}">
-                <asvg:svgBlip xmlns:asvg="http://schemas.microsoft.com/office/drawing/2016/SVG/main" r:embed="rId4"/>
-              </a:ext>
-            </a:extLst>
-          </a:blip>
-          <a:stretch>
-            <a:fillRect/>
-          </a:stretch>
-        </p:blipFill>
-        <p:spPr>
-          <a:xfrm>
-            <a:off x="1436719" y="1344621"/>
-            <a:ext cx="1440000" cy="1440000"/>
-          </a:xfrm>
-          <a:prstGeom prst="rect">
-            <a:avLst/>
-          </a:prstGeom>
-        </p:spPr>
-      </p:pic>
-      <p:sp>
-        <p:nvSpPr>
           <p:cNvPr id="6" name="Title 1">
             <a:extLst>
               <a:ext uri="{FF2B5EF4-FFF2-40B4-BE49-F238E27FC236}">
@@ -20765,8 +22225,8 @@
         </p:nvSpPr>
         <p:spPr>
           <a:xfrm>
-            <a:off x="1668479" y="2984757"/>
-            <a:ext cx="8855041" cy="1643514"/>
+            <a:off x="1" y="2984757"/>
+            <a:ext cx="7731260" cy="1643514"/>
           </a:xfrm>
           <a:prstGeom prst="rect">
             <a:avLst/>
@@ -20892,8 +22352,8 @@
         </p:nvSpPr>
         <p:spPr>
           <a:xfrm>
-            <a:off x="0" y="6550223"/>
-            <a:ext cx="12192000" cy="307777"/>
+            <a:off x="1" y="6334780"/>
+            <a:ext cx="7731260" cy="523220"/>
           </a:xfrm>
           <a:prstGeom prst="rect">
             <a:avLst/>
@@ -20906,91 +22366,205 @@
           </a:bodyPr>
           <a:lstStyle/>
           <a:p>
+            <a:r>
+              <a:rPr lang="en-US" sz="1400" b="0" strike="noStrike" dirty="0" err="1">
+                <a:solidFill>
+                  <a:srgbClr val="3E3E3E"/>
+                </a:solidFill>
+                <a:effectLst/>
+                <a:latin typeface="+mj-lt"/>
+              </a:rPr>
+              <a:t>Tomado</a:t>
+            </a:r>
+            <a:r>
+              <a:rPr lang="en-US" sz="1400" b="0" strike="noStrike" dirty="0">
+                <a:solidFill>
+                  <a:srgbClr val="3E3E3E"/>
+                </a:solidFill>
+                <a:effectLst/>
+                <a:latin typeface="+mj-lt"/>
+              </a:rPr>
+              <a:t> y/o </a:t>
+            </a:r>
+            <a:r>
+              <a:rPr lang="en-US" sz="1400" b="0" strike="noStrike" dirty="0" err="1">
+                <a:solidFill>
+                  <a:srgbClr val="3E3E3E"/>
+                </a:solidFill>
+                <a:effectLst/>
+                <a:latin typeface="+mj-lt"/>
+              </a:rPr>
+              <a:t>adaptado</a:t>
+            </a:r>
+            <a:r>
+              <a:rPr lang="en-US" sz="1400" b="0" strike="noStrike" dirty="0">
+                <a:solidFill>
+                  <a:srgbClr val="3E3E3E"/>
+                </a:solidFill>
+                <a:effectLst/>
+                <a:latin typeface="+mj-lt"/>
+              </a:rPr>
+              <a:t> de: 7 Ways To Add Value To Your Business | Brian Tracy, </a:t>
+            </a:r>
+            <a:r>
+              <a:rPr lang="en-US" sz="1400" b="0" strike="noStrike" dirty="0">
+                <a:solidFill>
+                  <a:srgbClr val="3E3E3E"/>
+                </a:solidFill>
+                <a:effectLst/>
+                <a:latin typeface="+mj-lt"/>
+                <a:hlinkClick r:id="rId3">
+                  <a:extLst>
+                    <a:ext uri="{A12FA001-AC4F-418D-AE19-62706E023703}">
+                      <ahyp:hlinkClr xmlns:ahyp="http://schemas.microsoft.com/office/drawing/2018/hyperlinkcolor" val="tx"/>
+                    </a:ext>
+                  </a:extLst>
+                </a:hlinkClick>
+              </a:rPr>
+              <a:t>https://www.youtube.com/watch?v=xztW-nosYn0</a:t>
+            </a:r>
+            <a:r>
+              <a:rPr lang="en-US" sz="1400" b="0" strike="noStrike" dirty="0">
+                <a:solidFill>
+                  <a:srgbClr val="3E3E3E"/>
+                </a:solidFill>
+                <a:effectLst/>
+                <a:latin typeface="+mj-lt"/>
+              </a:rPr>
+              <a:t> </a:t>
+            </a:r>
+            <a:endParaRPr lang="es-CO" sz="1400" dirty="0">
+              <a:solidFill>
+                <a:srgbClr val="3E3E3E"/>
+              </a:solidFill>
+              <a:latin typeface="+mj-lt"/>
+            </a:endParaRPr>
+          </a:p>
+        </p:txBody>
+      </p:sp>
+      <p:sp>
+        <p:nvSpPr>
+          <p:cNvPr id="7" name="Title 1">
+            <a:extLst>
+              <a:ext uri="{FF2B5EF4-FFF2-40B4-BE49-F238E27FC236}">
+                <a16:creationId xmlns:a16="http://schemas.microsoft.com/office/drawing/2014/main" id="{6D8D3629-D2E7-AA1D-B3DF-DB3CE5502939}"/>
+              </a:ext>
+            </a:extLst>
+          </p:cNvPr>
+          <p:cNvSpPr txBox="1">
+            <a:spLocks/>
+          </p:cNvSpPr>
+          <p:nvPr/>
+        </p:nvSpPr>
+        <p:spPr>
+          <a:xfrm>
+            <a:off x="0" y="1905383"/>
+            <a:ext cx="7731261" cy="930208"/>
+          </a:xfrm>
+          <a:prstGeom prst="rect">
+            <a:avLst/>
+          </a:prstGeom>
+        </p:spPr>
+        <p:txBody>
+          <a:bodyPr vert="horz" lIns="91440" tIns="45720" rIns="91440" bIns="45720" rtlCol="0" anchor="ctr" anchorCtr="0">
+            <a:normAutofit/>
+          </a:bodyPr>
+          <a:lstStyle>
+            <a:lvl1pPr algn="l" defTabSz="914377" rtl="0" eaLnBrk="1" latinLnBrk="0" hangingPunct="1">
+              <a:lnSpc>
+                <a:spcPct val="90000"/>
+              </a:lnSpc>
+              <a:spcBef>
+                <a:spcPct val="0"/>
+              </a:spcBef>
+              <a:buNone/>
+              <a:defRPr sz="2600" kern="1200">
+                <a:solidFill>
+                  <a:schemeClr val="tx1"/>
+                </a:solidFill>
+                <a:latin typeface="+mj-lt"/>
+                <a:ea typeface="+mj-ea"/>
+                <a:cs typeface="+mj-cs"/>
+              </a:defRPr>
+            </a:lvl1pPr>
+          </a:lstStyle>
+          <a:p>
             <a:pPr algn="ctr"/>
             <a:r>
-              <a:rPr lang="en-US" sz="1400" b="0" strike="noStrike" dirty="0" err="1">
+              <a:rPr lang="es-CO" sz="3600" b="1">
                 <a:solidFill>
                   <a:schemeClr val="bg1">
                     <a:lumMod val="25000"/>
                   </a:schemeClr>
                 </a:solidFill>
-                <a:effectLst/>
-                <a:latin typeface="+mj-lt"/>
-              </a:rPr>
-              <a:t>Tomado</a:t>
-            </a:r>
-            <a:r>
-              <a:rPr lang="en-US" sz="1400" b="0" strike="noStrike" dirty="0">
+                <a:latin typeface="Segoe UI" panose="020B0502040204020203" pitchFamily="34" charset="0"/>
+                <a:ea typeface="Segoe UI Black" panose="020B0A02040204020203" pitchFamily="34" charset="0"/>
+                <a:cs typeface="Segoe UI" panose="020B0502040204020203" pitchFamily="34" charset="0"/>
+              </a:rPr>
+              <a:t>Agregar valor </a:t>
+            </a:r>
+            <a:r>
+              <a:rPr lang="es-CO" sz="3600">
                 <a:solidFill>
                   <a:schemeClr val="bg1">
                     <a:lumMod val="25000"/>
                   </a:schemeClr>
                 </a:solidFill>
-                <a:effectLst/>
-                <a:latin typeface="+mj-lt"/>
-              </a:rPr>
-              <a:t> y/o </a:t>
-            </a:r>
-            <a:r>
-              <a:rPr lang="en-US" sz="1400" b="0" strike="noStrike" dirty="0" err="1">
-                <a:solidFill>
-                  <a:schemeClr val="bg1">
-                    <a:lumMod val="25000"/>
-                  </a:schemeClr>
-                </a:solidFill>
-                <a:effectLst/>
-                <a:latin typeface="+mj-lt"/>
-              </a:rPr>
-              <a:t>adaptado</a:t>
-            </a:r>
-            <a:r>
-              <a:rPr lang="en-US" sz="1400" b="0" strike="noStrike" dirty="0">
-                <a:solidFill>
-                  <a:schemeClr val="bg1">
-                    <a:lumMod val="25000"/>
-                  </a:schemeClr>
-                </a:solidFill>
-                <a:effectLst/>
-                <a:latin typeface="+mj-lt"/>
-              </a:rPr>
-              <a:t> de: 7 Ways To Add Value To Your Business | Brian Tracy, </a:t>
-            </a:r>
-            <a:r>
-              <a:rPr lang="en-US" sz="1400" b="0" strike="noStrike" dirty="0">
-                <a:solidFill>
-                  <a:schemeClr val="bg1">
-                    <a:lumMod val="25000"/>
-                  </a:schemeClr>
-                </a:solidFill>
-                <a:effectLst/>
-                <a:latin typeface="+mj-lt"/>
-                <a:hlinkClick r:id="rId5"/>
-              </a:rPr>
-              <a:t>https://www.youtube.com/watch?v=xztW-nosYn0</a:t>
-            </a:r>
-            <a:r>
-              <a:rPr lang="en-US" sz="1400" b="0" strike="noStrike" dirty="0">
-                <a:solidFill>
-                  <a:schemeClr val="bg1">
-                    <a:lumMod val="25000"/>
-                  </a:schemeClr>
-                </a:solidFill>
-                <a:effectLst/>
-                <a:latin typeface="+mj-lt"/>
-              </a:rPr>
-              <a:t> </a:t>
-            </a:r>
-            <a:endParaRPr lang="es-CO" sz="1400" dirty="0">
+                <a:latin typeface="Segoe UI" panose="020B0502040204020203" pitchFamily="34" charset="0"/>
+                <a:ea typeface="Segoe UI Black" panose="020B0A02040204020203" pitchFamily="34" charset="0"/>
+                <a:cs typeface="Segoe UI" panose="020B0502040204020203" pitchFamily="34" charset="0"/>
+              </a:rPr>
+              <a:t>a mi organización</a:t>
+            </a:r>
+            <a:endParaRPr lang="es-CO" sz="3600" dirty="0">
               <a:solidFill>
                 <a:schemeClr val="bg1">
                   <a:lumMod val="25000"/>
                 </a:schemeClr>
               </a:solidFill>
-              <a:latin typeface="+mj-lt"/>
+              <a:latin typeface="Segoe UI" panose="020B0502040204020203" pitchFamily="34" charset="0"/>
+              <a:ea typeface="Segoe UI Black" panose="020B0A02040204020203" pitchFamily="34" charset="0"/>
+              <a:cs typeface="Segoe UI" panose="020B0502040204020203" pitchFamily="34" charset="0"/>
             </a:endParaRPr>
           </a:p>
         </p:txBody>
       </p:sp>
+      <p:pic>
+        <p:nvPicPr>
+          <p:cNvPr id="8" name="Graphic 7" descr="Medal outline">
+            <a:extLst>
+              <a:ext uri="{FF2B5EF4-FFF2-40B4-BE49-F238E27FC236}">
+                <a16:creationId xmlns:a16="http://schemas.microsoft.com/office/drawing/2014/main" id="{EEBB5F9D-68D2-A012-42AA-9D3B91316661}"/>
+              </a:ext>
+            </a:extLst>
+          </p:cNvPr>
+          <p:cNvPicPr>
+            <a:picLocks noChangeAspect="1"/>
+          </p:cNvPicPr>
+          <p:nvPr/>
+        </p:nvPicPr>
+        <p:blipFill>
+          <a:blip r:embed="rId4">
+            <a:extLst>
+              <a:ext uri="{96DAC541-7B7A-43D3-8B79-37D633B846F1}">
+                <asvg:svgBlip xmlns:asvg="http://schemas.microsoft.com/office/drawing/2016/SVG/main" r:embed="rId5"/>
+              </a:ext>
+            </a:extLst>
+          </a:blip>
+          <a:stretch>
+            <a:fillRect/>
+          </a:stretch>
+        </p:blipFill>
+        <p:spPr>
+          <a:xfrm>
+            <a:off x="3240843" y="644437"/>
+            <a:ext cx="1440000" cy="1440000"/>
+          </a:xfrm>
+          <a:prstGeom prst="rect">
+            <a:avLst/>
+          </a:prstGeom>
+        </p:spPr>
+      </p:pic>
     </p:spTree>
     <p:extLst>
       <p:ext uri="{BB962C8B-B14F-4D97-AF65-F5344CB8AC3E}">
@@ -21768,15 +23342,6 @@
 </file>
 
 <file path=customXml/item1.xml><?xml version="1.0" encoding="utf-8"?>
-<?mso-contentType ?>
-<FormTemplates xmlns="http://schemas.microsoft.com/sharepoint/v3/contenttype/forms">
-  <Display>DocumentLibraryForm</Display>
-  <Edit>DocumentLibraryForm</Edit>
-  <New>DocumentLibraryForm</New>
-</FormTemplates>
-</file>
-
-<file path=customXml/item2.xml><?xml version="1.0" encoding="utf-8"?>
 <ct:contentTypeSchema xmlns:ct="http://schemas.microsoft.com/office/2006/metadata/contentType" xmlns:ma="http://schemas.microsoft.com/office/2006/metadata/properties/metaAttributes" ct:_="" ma:_="" ma:contentTypeName="Document" ma:contentTypeID="0x010100C089011499791B4EB69D0A56FFA67F2B" ma:contentTypeVersion="30" ma:contentTypeDescription="Create a new document." ma:contentTypeScope="" ma:versionID="f76dc847e91b26043a9f85409c9c8da8">
   <xsd:schema xmlns:xsd="http://www.w3.org/2001/XMLSchema" xmlns:xs="http://www.w3.org/2001/XMLSchema" xmlns:p="http://schemas.microsoft.com/office/2006/metadata/properties" xmlns:ns3="bf3e1746-bde1-4d6e-9c3f-7182572f7502" xmlns:ns4="14224164-2045-4b51-92bb-313d0f626d83" targetNamespace="http://schemas.microsoft.com/office/2006/metadata/properties" ma:root="true" ma:fieldsID="e77e75136ac7a83ebab10a30c2d6fe6c" ns3:_="" ns4:_="">
     <xsd:import namespace="bf3e1746-bde1-4d6e-9c3f-7182572f7502"/>
@@ -22167,7 +23732,7 @@
 </ct:contentTypeSchema>
 </file>
 
-<file path=customXml/item3.xml><?xml version="1.0" encoding="utf-8"?>
+<file path=customXml/item2.xml><?xml version="1.0" encoding="utf-8"?>
 <p:properties xmlns:p="http://schemas.microsoft.com/office/2006/metadata/properties" xmlns:xsi="http://www.w3.org/2001/XMLSchema-instance" xmlns:pc="http://schemas.microsoft.com/office/infopath/2007/PartnerControls">
   <documentManagement>
     <NotebookType xmlns="bf3e1746-bde1-4d6e-9c3f-7182572f7502" xsi:nil="true"/>
@@ -22218,15 +23783,16 @@
 </p:properties>
 </file>
 
-<file path=customXml/itemProps1.xml><?xml version="1.0" encoding="utf-8"?>
-<ds:datastoreItem xmlns:ds="http://schemas.openxmlformats.org/officeDocument/2006/customXml" ds:itemID="{B024FD56-CE1B-42FC-9E83-BFBF160724C6}">
-  <ds:schemaRefs>
-    <ds:schemaRef ds:uri="http://schemas.microsoft.com/sharepoint/v3/contenttype/forms"/>
-  </ds:schemaRefs>
-</ds:datastoreItem>
+<file path=customXml/item3.xml><?xml version="1.0" encoding="utf-8"?>
+<?mso-contentType ?>
+<FormTemplates xmlns="http://schemas.microsoft.com/sharepoint/v3/contenttype/forms">
+  <Display>DocumentLibraryForm</Display>
+  <Edit>DocumentLibraryForm</Edit>
+  <New>DocumentLibraryForm</New>
+</FormTemplates>
 </file>
 
-<file path=customXml/itemProps2.xml><?xml version="1.0" encoding="utf-8"?>
+<file path=customXml/itemProps1.xml><?xml version="1.0" encoding="utf-8"?>
 <ds:datastoreItem xmlns:ds="http://schemas.openxmlformats.org/officeDocument/2006/customXml" ds:itemID="{A129B439-51BE-4A7D-9272-FBD057297E66}">
   <ds:schemaRefs>
     <ds:schemaRef ds:uri="http://schemas.microsoft.com/office/2006/metadata/contentType"/>
@@ -22245,7 +23811,7 @@
 </ds:datastoreItem>
 </file>
 
-<file path=customXml/itemProps3.xml><?xml version="1.0" encoding="utf-8"?>
+<file path=customXml/itemProps2.xml><?xml version="1.0" encoding="utf-8"?>
 <ds:datastoreItem xmlns:ds="http://schemas.openxmlformats.org/officeDocument/2006/customXml" ds:itemID="{DEDD01B8-816B-49B7-8C81-03AB51D87C54}">
   <ds:schemaRefs>
     <ds:schemaRef ds:uri="http://schemas.openxmlformats.org/package/2006/metadata/core-properties"/>
@@ -22260,4 +23826,12 @@
     <ds:schemaRef ds:uri="http://www.w3.org/XML/1998/namespace"/>
   </ds:schemaRefs>
 </ds:datastoreItem>
+</file>
+
+<file path=customXml/itemProps3.xml><?xml version="1.0" encoding="utf-8"?>
+<ds:datastoreItem xmlns:ds="http://schemas.openxmlformats.org/officeDocument/2006/customXml" ds:itemID="{B024FD56-CE1B-42FC-9E83-BFBF160724C6}">
+  <ds:schemaRefs>
+    <ds:schemaRef ds:uri="http://schemas.microsoft.com/sharepoint/v3/contenttype/forms"/>
+  </ds:schemaRefs>
+</ds:datastoreItem>
 </file>
--- a/Section01/Section01.pptx
+++ b/Section01/Section01.pptx
@@ -12528,7 +12528,7 @@
           <a:lstStyle/>
           <a:p>
             <a:r>
-              <a:rPr lang="en-US" sz="2200" dirty="0">
+              <a:rPr lang="en-US" sz="2000" dirty="0">
                 <a:solidFill>
                   <a:srgbClr val="3E3E3E"/>
                 </a:solidFill>
@@ -12537,7 +12537,7 @@
               </a:rPr>
               <a:t>Juan David Rodríguez Acevedo</a:t>
             </a:r>
-            <a:endParaRPr lang="es-CO" sz="2200" dirty="0">
+            <a:endParaRPr lang="es-CO" sz="2000" dirty="0">
               <a:solidFill>
                 <a:srgbClr val="3E3E3E"/>
               </a:solidFill>
@@ -12547,6 +12547,42 @@
           </a:p>
         </p:txBody>
       </p:sp>
+      <p:pic>
+        <p:nvPicPr>
+          <p:cNvPr id="3" name="Graphic 2">
+            <a:extLst>
+              <a:ext uri="{FF2B5EF4-FFF2-40B4-BE49-F238E27FC236}">
+                <a16:creationId xmlns:a16="http://schemas.microsoft.com/office/drawing/2014/main" id="{F0F3E41B-3988-52CA-98B8-E351E11534BA}"/>
+              </a:ext>
+            </a:extLst>
+          </p:cNvPr>
+          <p:cNvPicPr>
+            <a:picLocks noChangeAspect="1"/>
+          </p:cNvPicPr>
+          <p:nvPr/>
+        </p:nvPicPr>
+        <p:blipFill>
+          <a:blip r:embed="rId6">
+            <a:extLst>
+              <a:ext uri="{96DAC541-7B7A-43D3-8B79-37D633B846F1}">
+                <asvg:svgBlip xmlns:asvg="http://schemas.microsoft.com/office/drawing/2016/SVG/main" r:embed="rId7"/>
+              </a:ext>
+            </a:extLst>
+          </a:blip>
+          <a:stretch>
+            <a:fillRect/>
+          </a:stretch>
+        </p:blipFill>
+        <p:spPr>
+          <a:xfrm>
+            <a:off x="420" y="3824087"/>
+            <a:ext cx="7620000" cy="914400"/>
+          </a:xfrm>
+          <a:prstGeom prst="rect">
+            <a:avLst/>
+          </a:prstGeom>
+        </p:spPr>
+      </p:pic>
     </p:spTree>
     <p:extLst>
       <p:ext uri="{BB962C8B-B14F-4D97-AF65-F5344CB8AC3E}">
@@ -18869,6 +18905,82 @@
           </a:p>
         </p:txBody>
       </p:sp>
+      <p:sp>
+        <p:nvSpPr>
+          <p:cNvPr id="5" name="Rectangle: Single Corner Rounded 4">
+            <a:extLst>
+              <a:ext uri="{FF2B5EF4-FFF2-40B4-BE49-F238E27FC236}">
+                <a16:creationId xmlns:a16="http://schemas.microsoft.com/office/drawing/2014/main" id="{4779F939-670F-A429-27E1-FFECDDF53EAD}"/>
+              </a:ext>
+            </a:extLst>
+          </p:cNvPr>
+          <p:cNvSpPr/>
+          <p:nvPr/>
+        </p:nvSpPr>
+        <p:spPr>
+          <a:xfrm>
+            <a:off x="-1" y="4198983"/>
+            <a:ext cx="7635833" cy="1130661"/>
+          </a:xfrm>
+          <a:prstGeom prst="round1Rect">
+            <a:avLst/>
+          </a:prstGeom>
+          <a:noFill/>
+          <a:ln>
+            <a:noFill/>
+          </a:ln>
+        </p:spPr>
+        <p:style>
+          <a:lnRef idx="2">
+            <a:schemeClr val="accent1">
+              <a:shade val="50000"/>
+            </a:schemeClr>
+          </a:lnRef>
+          <a:fillRef idx="1">
+            <a:schemeClr val="accent1"/>
+          </a:fillRef>
+          <a:effectRef idx="0">
+            <a:schemeClr val="accent1"/>
+          </a:effectRef>
+          <a:fontRef idx="minor">
+            <a:schemeClr val="lt1"/>
+          </a:fontRef>
+        </p:style>
+        <p:txBody>
+          <a:bodyPr rtlCol="0" anchor="ctr"/>
+          <a:lstStyle/>
+          <a:p>
+            <a:pPr algn="ctr"/>
+            <a:r>
+              <a:rPr lang="es-CO" sz="2000" b="0" i="0" dirty="0">
+                <a:solidFill>
+                  <a:srgbClr val="24292F"/>
+                </a:solidFill>
+                <a:effectLst/>
+                <a:latin typeface="Segoe UI" panose="020B0502040204020203" pitchFamily="34" charset="0"/>
+                <a:cs typeface="Segoe UI" panose="020B0502040204020203" pitchFamily="34" charset="0"/>
+              </a:rPr>
+              <a:t>Este curso guía ha sido desarrollado con el apoyo de la Escuela Colombiana de Ingeniería - Julio Garavito. Encuentra más contenidos en </a:t>
+            </a:r>
+            <a:r>
+              <a:rPr lang="es-CO" sz="2000" b="0" i="0" u="none" strike="noStrike" dirty="0">
+                <a:effectLst/>
+                <a:latin typeface="Segoe UI" panose="020B0502040204020203" pitchFamily="34" charset="0"/>
+                <a:cs typeface="Segoe UI" panose="020B0502040204020203" pitchFamily="34" charset="0"/>
+                <a:hlinkClick r:id="rId5"/>
+              </a:rPr>
+              <a:t>https://github.com/uescuelaing</a:t>
+            </a:r>
+            <a:endParaRPr lang="es-CO" sz="2000" dirty="0">
+              <a:solidFill>
+                <a:srgbClr val="3E3E3E"/>
+              </a:solidFill>
+              <a:latin typeface="Segoe UI" panose="020B0502040204020203" pitchFamily="34" charset="0"/>
+              <a:cs typeface="Segoe UI" panose="020B0502040204020203" pitchFamily="34" charset="0"/>
+            </a:endParaRPr>
+          </a:p>
+        </p:txBody>
+      </p:sp>
     </p:spTree>
     <p:extLst>
       <p:ext uri="{BB962C8B-B14F-4D97-AF65-F5344CB8AC3E}">
@@ -23342,6 +23454,66 @@
 </file>
 
 <file path=customXml/item1.xml><?xml version="1.0" encoding="utf-8"?>
+<?mso-contentType ?>
+<FormTemplates xmlns="http://schemas.microsoft.com/sharepoint/v3/contenttype/forms">
+  <Display>DocumentLibraryForm</Display>
+  <Edit>DocumentLibraryForm</Edit>
+  <New>DocumentLibraryForm</New>
+</FormTemplates>
+</file>
+
+<file path=customXml/item2.xml><?xml version="1.0" encoding="utf-8"?>
+<p:properties xmlns:p="http://schemas.microsoft.com/office/2006/metadata/properties" xmlns:xsi="http://www.w3.org/2001/XMLSchema-instance" xmlns:pc="http://schemas.microsoft.com/office/infopath/2007/PartnerControls">
+  <documentManagement>
+    <NotebookType xmlns="bf3e1746-bde1-4d6e-9c3f-7182572f7502" xsi:nil="true"/>
+    <CultureName xmlns="bf3e1746-bde1-4d6e-9c3f-7182572f7502" xsi:nil="true"/>
+    <Students xmlns="bf3e1746-bde1-4d6e-9c3f-7182572f7502">
+      <UserInfo>
+        <DisplayName/>
+        <AccountId xsi:nil="true"/>
+        <AccountType/>
+      </UserInfo>
+    </Students>
+    <Distribution_Groups xmlns="bf3e1746-bde1-4d6e-9c3f-7182572f7502" xsi:nil="true"/>
+    <FolderType xmlns="bf3e1746-bde1-4d6e-9c3f-7182572f7502" xsi:nil="true"/>
+    <Student_Groups xmlns="bf3e1746-bde1-4d6e-9c3f-7182572f7502">
+      <UserInfo>
+        <DisplayName/>
+        <AccountId xsi:nil="true"/>
+        <AccountType/>
+      </UserInfo>
+    </Student_Groups>
+    <Self_Registration_Enabled xmlns="bf3e1746-bde1-4d6e-9c3f-7182572f7502" xsi:nil="true"/>
+    <TeamsChannelId xmlns="bf3e1746-bde1-4d6e-9c3f-7182572f7502" xsi:nil="true"/>
+    <IsNotebookLocked xmlns="bf3e1746-bde1-4d6e-9c3f-7182572f7502" xsi:nil="true"/>
+    <DefaultSectionNames xmlns="bf3e1746-bde1-4d6e-9c3f-7182572f7502" xsi:nil="true"/>
+    <Is_Collaboration_Space_Locked xmlns="bf3e1746-bde1-4d6e-9c3f-7182572f7502" xsi:nil="true"/>
+    <Invited_Teachers xmlns="bf3e1746-bde1-4d6e-9c3f-7182572f7502" xsi:nil="true"/>
+    <Math_Settings xmlns="bf3e1746-bde1-4d6e-9c3f-7182572f7502" xsi:nil="true"/>
+    <Templates xmlns="bf3e1746-bde1-4d6e-9c3f-7182572f7502" xsi:nil="true"/>
+    <Has_Teacher_Only_SectionGroup xmlns="bf3e1746-bde1-4d6e-9c3f-7182572f7502" xsi:nil="true"/>
+    <AppVersion xmlns="bf3e1746-bde1-4d6e-9c3f-7182572f7502" xsi:nil="true"/>
+    <Invited_Students xmlns="bf3e1746-bde1-4d6e-9c3f-7182572f7502" xsi:nil="true"/>
+    <Owner xmlns="bf3e1746-bde1-4d6e-9c3f-7182572f7502">
+      <UserInfo>
+        <DisplayName/>
+        <AccountId xsi:nil="true"/>
+        <AccountType/>
+      </UserInfo>
+    </Owner>
+    <Teachers xmlns="bf3e1746-bde1-4d6e-9c3f-7182572f7502">
+      <UserInfo>
+        <DisplayName/>
+        <AccountId xsi:nil="true"/>
+        <AccountType/>
+      </UserInfo>
+    </Teachers>
+    <LMS_Mappings xmlns="bf3e1746-bde1-4d6e-9c3f-7182572f7502" xsi:nil="true"/>
+  </documentManagement>
+</p:properties>
+</file>
+
+<file path=customXml/item3.xml><?xml version="1.0" encoding="utf-8"?>
 <ct:contentTypeSchema xmlns:ct="http://schemas.microsoft.com/office/2006/metadata/contentType" xmlns:ma="http://schemas.microsoft.com/office/2006/metadata/properties/metaAttributes" ct:_="" ma:_="" ma:contentTypeName="Document" ma:contentTypeID="0x010100C089011499791B4EB69D0A56FFA67F2B" ma:contentTypeVersion="30" ma:contentTypeDescription="Create a new document." ma:contentTypeScope="" ma:versionID="f76dc847e91b26043a9f85409c9c8da8">
   <xsd:schema xmlns:xsd="http://www.w3.org/2001/XMLSchema" xmlns:xs="http://www.w3.org/2001/XMLSchema" xmlns:p="http://schemas.microsoft.com/office/2006/metadata/properties" xmlns:ns3="bf3e1746-bde1-4d6e-9c3f-7182572f7502" xmlns:ns4="14224164-2045-4b51-92bb-313d0f626d83" targetNamespace="http://schemas.microsoft.com/office/2006/metadata/properties" ma:root="true" ma:fieldsID="e77e75136ac7a83ebab10a30c2d6fe6c" ns3:_="" ns4:_="">
     <xsd:import namespace="bf3e1746-bde1-4d6e-9c3f-7182572f7502"/>
@@ -23732,81 +23904,10 @@
 </ct:contentTypeSchema>
 </file>
 
-<file path=customXml/item2.xml><?xml version="1.0" encoding="utf-8"?>
-<p:properties xmlns:p="http://schemas.microsoft.com/office/2006/metadata/properties" xmlns:xsi="http://www.w3.org/2001/XMLSchema-instance" xmlns:pc="http://schemas.microsoft.com/office/infopath/2007/PartnerControls">
-  <documentManagement>
-    <NotebookType xmlns="bf3e1746-bde1-4d6e-9c3f-7182572f7502" xsi:nil="true"/>
-    <CultureName xmlns="bf3e1746-bde1-4d6e-9c3f-7182572f7502" xsi:nil="true"/>
-    <Students xmlns="bf3e1746-bde1-4d6e-9c3f-7182572f7502">
-      <UserInfo>
-        <DisplayName/>
-        <AccountId xsi:nil="true"/>
-        <AccountType/>
-      </UserInfo>
-    </Students>
-    <Distribution_Groups xmlns="bf3e1746-bde1-4d6e-9c3f-7182572f7502" xsi:nil="true"/>
-    <FolderType xmlns="bf3e1746-bde1-4d6e-9c3f-7182572f7502" xsi:nil="true"/>
-    <Student_Groups xmlns="bf3e1746-bde1-4d6e-9c3f-7182572f7502">
-      <UserInfo>
-        <DisplayName/>
-        <AccountId xsi:nil="true"/>
-        <AccountType/>
-      </UserInfo>
-    </Student_Groups>
-    <Self_Registration_Enabled xmlns="bf3e1746-bde1-4d6e-9c3f-7182572f7502" xsi:nil="true"/>
-    <TeamsChannelId xmlns="bf3e1746-bde1-4d6e-9c3f-7182572f7502" xsi:nil="true"/>
-    <IsNotebookLocked xmlns="bf3e1746-bde1-4d6e-9c3f-7182572f7502" xsi:nil="true"/>
-    <DefaultSectionNames xmlns="bf3e1746-bde1-4d6e-9c3f-7182572f7502" xsi:nil="true"/>
-    <Is_Collaboration_Space_Locked xmlns="bf3e1746-bde1-4d6e-9c3f-7182572f7502" xsi:nil="true"/>
-    <Invited_Teachers xmlns="bf3e1746-bde1-4d6e-9c3f-7182572f7502" xsi:nil="true"/>
-    <Math_Settings xmlns="bf3e1746-bde1-4d6e-9c3f-7182572f7502" xsi:nil="true"/>
-    <Templates xmlns="bf3e1746-bde1-4d6e-9c3f-7182572f7502" xsi:nil="true"/>
-    <Has_Teacher_Only_SectionGroup xmlns="bf3e1746-bde1-4d6e-9c3f-7182572f7502" xsi:nil="true"/>
-    <AppVersion xmlns="bf3e1746-bde1-4d6e-9c3f-7182572f7502" xsi:nil="true"/>
-    <Invited_Students xmlns="bf3e1746-bde1-4d6e-9c3f-7182572f7502" xsi:nil="true"/>
-    <Owner xmlns="bf3e1746-bde1-4d6e-9c3f-7182572f7502">
-      <UserInfo>
-        <DisplayName/>
-        <AccountId xsi:nil="true"/>
-        <AccountType/>
-      </UserInfo>
-    </Owner>
-    <Teachers xmlns="bf3e1746-bde1-4d6e-9c3f-7182572f7502">
-      <UserInfo>
-        <DisplayName/>
-        <AccountId xsi:nil="true"/>
-        <AccountType/>
-      </UserInfo>
-    </Teachers>
-    <LMS_Mappings xmlns="bf3e1746-bde1-4d6e-9c3f-7182572f7502" xsi:nil="true"/>
-  </documentManagement>
-</p:properties>
-</file>
-
-<file path=customXml/item3.xml><?xml version="1.0" encoding="utf-8"?>
-<?mso-contentType ?>
-<FormTemplates xmlns="http://schemas.microsoft.com/sharepoint/v3/contenttype/forms">
-  <Display>DocumentLibraryForm</Display>
-  <Edit>DocumentLibraryForm</Edit>
-  <New>DocumentLibraryForm</New>
-</FormTemplates>
-</file>
-
 <file path=customXml/itemProps1.xml><?xml version="1.0" encoding="utf-8"?>
-<ds:datastoreItem xmlns:ds="http://schemas.openxmlformats.org/officeDocument/2006/customXml" ds:itemID="{A129B439-51BE-4A7D-9272-FBD057297E66}">
+<ds:datastoreItem xmlns:ds="http://schemas.openxmlformats.org/officeDocument/2006/customXml" ds:itemID="{B024FD56-CE1B-42FC-9E83-BFBF160724C6}">
   <ds:schemaRefs>
-    <ds:schemaRef ds:uri="http://schemas.microsoft.com/office/2006/metadata/contentType"/>
-    <ds:schemaRef ds:uri="http://schemas.microsoft.com/office/2006/metadata/properties/metaAttributes"/>
-    <ds:schemaRef ds:uri="http://www.w3.org/2001/XMLSchema"/>
-    <ds:schemaRef ds:uri="http://schemas.microsoft.com/office/2006/metadata/properties"/>
-    <ds:schemaRef ds:uri="bf3e1746-bde1-4d6e-9c3f-7182572f7502"/>
-    <ds:schemaRef ds:uri="14224164-2045-4b51-92bb-313d0f626d83"/>
-    <ds:schemaRef ds:uri="http://schemas.microsoft.com/office/2006/documentManagement/types"/>
-    <ds:schemaRef ds:uri="http://schemas.microsoft.com/office/infopath/2007/PartnerControls"/>
-    <ds:schemaRef ds:uri="http://schemas.openxmlformats.org/package/2006/metadata/core-properties"/>
-    <ds:schemaRef ds:uri="http://purl.org/dc/elements/1.1/"/>
-    <ds:schemaRef ds:uri="http://purl.org/dc/terms/"/>
-    <ds:schemaRef ds:uri="http://schemas.microsoft.com/internal/obd"/>
+    <ds:schemaRef ds:uri="http://schemas.microsoft.com/sharepoint/v3/contenttype/forms"/>
   </ds:schemaRefs>
 </ds:datastoreItem>
 </file>
@@ -23829,9 +23930,20 @@
 </file>
 
 <file path=customXml/itemProps3.xml><?xml version="1.0" encoding="utf-8"?>
-<ds:datastoreItem xmlns:ds="http://schemas.openxmlformats.org/officeDocument/2006/customXml" ds:itemID="{B024FD56-CE1B-42FC-9E83-BFBF160724C6}">
+<ds:datastoreItem xmlns:ds="http://schemas.openxmlformats.org/officeDocument/2006/customXml" ds:itemID="{A129B439-51BE-4A7D-9272-FBD057297E66}">
   <ds:schemaRefs>
-    <ds:schemaRef ds:uri="http://schemas.microsoft.com/sharepoint/v3/contenttype/forms"/>
+    <ds:schemaRef ds:uri="http://schemas.microsoft.com/office/2006/metadata/contentType"/>
+    <ds:schemaRef ds:uri="http://schemas.microsoft.com/office/2006/metadata/properties/metaAttributes"/>
+    <ds:schemaRef ds:uri="http://www.w3.org/2001/XMLSchema"/>
+    <ds:schemaRef ds:uri="http://schemas.microsoft.com/office/2006/metadata/properties"/>
+    <ds:schemaRef ds:uri="bf3e1746-bde1-4d6e-9c3f-7182572f7502"/>
+    <ds:schemaRef ds:uri="14224164-2045-4b51-92bb-313d0f626d83"/>
+    <ds:schemaRef ds:uri="http://schemas.microsoft.com/office/2006/documentManagement/types"/>
+    <ds:schemaRef ds:uri="http://schemas.microsoft.com/office/infopath/2007/PartnerControls"/>
+    <ds:schemaRef ds:uri="http://schemas.openxmlformats.org/package/2006/metadata/core-properties"/>
+    <ds:schemaRef ds:uri="http://purl.org/dc/elements/1.1/"/>
+    <ds:schemaRef ds:uri="http://purl.org/dc/terms/"/>
+    <ds:schemaRef ds:uri="http://schemas.microsoft.com/internal/obd"/>
   </ds:schemaRefs>
 </ds:datastoreItem>
 </file>
--- a/Section01/Section01.pptx
+++ b/Section01/Section01.pptx
@@ -271,7 +271,7 @@
             <a:pPr rtl="0"/>
             <a:fld id="{FAB3E6E3-061B-41A2-BBDC-C5312A04A40A}" type="datetime1">
               <a:rPr lang="es-ES" smtClean="0"/>
-              <a:t>26/09/2022</a:t>
+              <a:t>27/09/2022</a:t>
             </a:fld>
             <a:endParaRPr lang="es-ES" dirty="0"/>
           </a:p>
@@ -441,7 +441,7 @@
             <a:pPr rtl="0"/>
             <a:fld id="{2145992C-CBBF-4F24-8325-F5CB0EAAC0E9}" type="datetime1">
               <a:rPr lang="es-ES" noProof="0" smtClean="0"/>
-              <a:t>26/09/2022</a:t>
+              <a:t>27/09/2022</a:t>
             </a:fld>
             <a:endParaRPr lang="es-ES" noProof="0" dirty="0"/>
           </a:p>
@@ -7224,7 +7224,7 @@
             <a:pPr rtl="0"/>
             <a:fld id="{55224D71-97F5-4B9D-B11B-235152E09E96}" type="datetime1">
               <a:rPr lang="es-ES" noProof="0" smtClean="0"/>
-              <a:t>26/09/2022</a:t>
+              <a:t>27/09/2022</a:t>
             </a:fld>
             <a:endParaRPr lang="es-ES" noProof="0" dirty="0"/>
           </a:p>
@@ -7573,7 +7573,7 @@
             <a:pPr rtl="0"/>
             <a:fld id="{2AB3A384-AAB1-4A76-A43B-EFE930A802BF}" type="datetime1">
               <a:rPr lang="es-ES" noProof="0" smtClean="0"/>
-              <a:t>26/09/2022</a:t>
+              <a:t>27/09/2022</a:t>
             </a:fld>
             <a:endParaRPr lang="es-ES" noProof="0" dirty="0"/>
           </a:p>
@@ -7715,7 +7715,7 @@
             <a:pPr rtl="0"/>
             <a:fld id="{95F109E8-29A7-4A4D-BBAF-954B5246DC6B}" type="datetime1">
               <a:rPr lang="es-ES" noProof="0" smtClean="0"/>
-              <a:t>26/09/2022</a:t>
+              <a:t>27/09/2022</a:t>
             </a:fld>
             <a:endParaRPr lang="es-ES" noProof="0" dirty="0"/>
           </a:p>
@@ -7829,7 +7829,7 @@
             <a:pPr rtl="0"/>
             <a:fld id="{3EDF4B7F-437B-43B6-8193-868254AADFEB}" type="datetime1">
               <a:rPr lang="es-ES" noProof="0" smtClean="0"/>
-              <a:t>26/09/2022</a:t>
+              <a:t>27/09/2022</a:t>
             </a:fld>
             <a:endParaRPr lang="es-ES" noProof="0" dirty="0"/>
           </a:p>
@@ -8129,7 +8129,7 @@
             <a:pPr rtl="0"/>
             <a:fld id="{5FD9D2A0-9803-4B3F-A6B6-606959F35242}" type="datetime1">
               <a:rPr lang="es-ES" noProof="0" smtClean="0"/>
-              <a:t>26/09/2022</a:t>
+              <a:t>27/09/2022</a:t>
             </a:fld>
             <a:endParaRPr lang="es-ES" noProof="0" dirty="0"/>
           </a:p>
@@ -8400,7 +8400,7 @@
             <a:pPr rtl="0"/>
             <a:fld id="{B48CB6FA-6884-4007-A174-A67BE7A1CA93}" type="datetime1">
               <a:rPr lang="es-ES" noProof="0" smtClean="0"/>
-              <a:t>26/09/2022</a:t>
+              <a:t>27/09/2022</a:t>
             </a:fld>
             <a:endParaRPr lang="es-ES" noProof="0" dirty="0"/>
           </a:p>
@@ -8671,7 +8671,7 @@
             <a:pPr rtl="0"/>
             <a:fld id="{DCA87387-1199-4F13-92EC-EA845724990E}" type="datetime1">
               <a:rPr lang="es-ES" noProof="0" smtClean="0"/>
-              <a:t>26/09/2022</a:t>
+              <a:t>27/09/2022</a:t>
             </a:fld>
             <a:endParaRPr lang="es-ES" noProof="0" dirty="0"/>
           </a:p>
@@ -8849,7 +8849,7 @@
             <a:pPr rtl="0"/>
             <a:fld id="{0277B9E3-6C0A-45A5-BAE5-CD19B242173D}" type="datetime1">
               <a:rPr lang="es-ES" noProof="0" smtClean="0"/>
-              <a:t>26/09/2022</a:t>
+              <a:t>27/09/2022</a:t>
             </a:fld>
             <a:endParaRPr lang="es-ES" noProof="0" dirty="0"/>
           </a:p>
@@ -9037,7 +9037,7 @@
             <a:pPr rtl="0"/>
             <a:fld id="{AB41DD2C-FA4F-413E-A1B5-23565A0780B7}" type="datetime1">
               <a:rPr lang="es-ES" noProof="0" smtClean="0"/>
-              <a:t>26/09/2022</a:t>
+              <a:t>27/09/2022</a:t>
             </a:fld>
             <a:endParaRPr lang="es-ES" noProof="0" dirty="0"/>
           </a:p>
@@ -9287,7 +9287,7 @@
             <a:pPr rtl="0"/>
             <a:fld id="{0D82DBE2-B5E9-4999-A9C0-55ED93FCE73D}" type="datetime1">
               <a:rPr lang="es-ES" noProof="0" smtClean="0"/>
-              <a:t>26/09/2022</a:t>
+              <a:t>27/09/2022</a:t>
             </a:fld>
             <a:endParaRPr lang="es-ES" noProof="0" dirty="0"/>
           </a:p>
@@ -9537,7 +9537,7 @@
             <a:pPr rtl="0"/>
             <a:fld id="{89B7BC24-C90D-4DAD-A6CB-BBA58C4D57BB}" type="datetime1">
               <a:rPr lang="es-ES" noProof="0" smtClean="0"/>
-              <a:t>26/09/2022</a:t>
+              <a:t>27/09/2022</a:t>
             </a:fld>
             <a:endParaRPr lang="es-ES" noProof="0" dirty="0"/>
           </a:p>
@@ -9800,7 +9800,7 @@
             <a:pPr rtl="0"/>
             <a:fld id="{217D4995-77A4-48E5-92B1-2DC992A39FBB}" type="datetime1">
               <a:rPr lang="es-ES" noProof="0" smtClean="0"/>
-              <a:t>26/09/2022</a:t>
+              <a:t>27/09/2022</a:t>
             </a:fld>
             <a:endParaRPr lang="es-ES" noProof="0" dirty="0"/>
           </a:p>
@@ -10074,7 +10074,7 @@
             <a:pPr rtl="0"/>
             <a:fld id="{AE8112B3-1F24-452F-80DE-56BF301098EC}" type="datetime1">
               <a:rPr lang="es-ES" noProof="0" smtClean="0"/>
-              <a:t>26/09/2022</a:t>
+              <a:t>27/09/2022</a:t>
             </a:fld>
             <a:endParaRPr lang="es-ES" noProof="0" dirty="0"/>
           </a:p>
@@ -10440,7 +10440,7 @@
             <a:pPr rtl="0"/>
             <a:fld id="{39B46DA2-8C2E-44C4-A865-CD3D33CFD45F}" type="datetime1">
               <a:rPr lang="es-ES" noProof="0" smtClean="0"/>
-              <a:t>26/09/2022</a:t>
+              <a:t>27/09/2022</a:t>
             </a:fld>
             <a:endParaRPr lang="es-ES" noProof="0" dirty="0"/>
           </a:p>
@@ -10795,7 +10795,7 @@
             <a:pPr rtl="0"/>
             <a:fld id="{D1525062-C568-4AE5-A98F-45E6D6D3E9AC}" type="datetime1">
               <a:rPr lang="es-ES" noProof="0" smtClean="0"/>
-              <a:t>26/09/2022</a:t>
+              <a:t>27/09/2022</a:t>
             </a:fld>
             <a:endParaRPr lang="es-ES" noProof="0" dirty="0"/>
           </a:p>
@@ -11290,7 +11290,7 @@
             <a:pPr rtl="0"/>
             <a:fld id="{8EBA81B0-EA87-4E7B-A74D-942650D6BCED}" type="datetime1">
               <a:rPr lang="es-ES" noProof="0" smtClean="0"/>
-              <a:t>26/09/2022</a:t>
+              <a:t>27/09/2022</a:t>
             </a:fld>
             <a:endParaRPr lang="es-ES" noProof="0" dirty="0"/>
           </a:p>
@@ -11785,7 +11785,7 @@
             <a:pPr rtl="0"/>
             <a:fld id="{F6653BDA-CE15-46D4-A5A4-C9E9758DEFB2}" type="datetime1">
               <a:rPr lang="es-ES" noProof="0" smtClean="0"/>
-              <a:t>26/09/2022</a:t>
+              <a:t>27/09/2022</a:t>
             </a:fld>
             <a:endParaRPr lang="es-ES" noProof="0" dirty="0"/>
           </a:p>
@@ -12009,7 +12009,7 @@
             <a:pPr rtl="0"/>
             <a:fld id="{72696FBB-EB5C-4293-9014-59E70AE1A5E6}" type="datetime1">
               <a:rPr lang="es-ES" noProof="0" smtClean="0"/>
-              <a:t>26/09/2022</a:t>
+              <a:t>27/09/2022</a:t>
             </a:fld>
             <a:endParaRPr lang="es-ES" noProof="0" dirty="0"/>
           </a:p>
@@ -12547,42 +12547,6 @@
           </a:p>
         </p:txBody>
       </p:sp>
-      <p:pic>
-        <p:nvPicPr>
-          <p:cNvPr id="3" name="Graphic 2">
-            <a:extLst>
-              <a:ext uri="{FF2B5EF4-FFF2-40B4-BE49-F238E27FC236}">
-                <a16:creationId xmlns:a16="http://schemas.microsoft.com/office/drawing/2014/main" id="{F0F3E41B-3988-52CA-98B8-E351E11534BA}"/>
-              </a:ext>
-            </a:extLst>
-          </p:cNvPr>
-          <p:cNvPicPr>
-            <a:picLocks noChangeAspect="1"/>
-          </p:cNvPicPr>
-          <p:nvPr/>
-        </p:nvPicPr>
-        <p:blipFill>
-          <a:blip r:embed="rId6">
-            <a:extLst>
-              <a:ext uri="{96DAC541-7B7A-43D3-8B79-37D633B846F1}">
-                <asvg:svgBlip xmlns:asvg="http://schemas.microsoft.com/office/drawing/2016/SVG/main" r:embed="rId7"/>
-              </a:ext>
-            </a:extLst>
-          </a:blip>
-          <a:stretch>
-            <a:fillRect/>
-          </a:stretch>
-        </p:blipFill>
-        <p:spPr>
-          <a:xfrm>
-            <a:off x="420" y="3824087"/>
-            <a:ext cx="7620000" cy="914400"/>
-          </a:xfrm>
-          <a:prstGeom prst="rect">
-            <a:avLst/>
-          </a:prstGeom>
-        </p:spPr>
-      </p:pic>
     </p:spTree>
     <p:extLst>
       <p:ext uri="{BB962C8B-B14F-4D97-AF65-F5344CB8AC3E}">
@@ -18905,82 +18869,6 @@
           </a:p>
         </p:txBody>
       </p:sp>
-      <p:sp>
-        <p:nvSpPr>
-          <p:cNvPr id="5" name="Rectangle: Single Corner Rounded 4">
-            <a:extLst>
-              <a:ext uri="{FF2B5EF4-FFF2-40B4-BE49-F238E27FC236}">
-                <a16:creationId xmlns:a16="http://schemas.microsoft.com/office/drawing/2014/main" id="{4779F939-670F-A429-27E1-FFECDDF53EAD}"/>
-              </a:ext>
-            </a:extLst>
-          </p:cNvPr>
-          <p:cNvSpPr/>
-          <p:nvPr/>
-        </p:nvSpPr>
-        <p:spPr>
-          <a:xfrm>
-            <a:off x="-1" y="4198983"/>
-            <a:ext cx="7635833" cy="1130661"/>
-          </a:xfrm>
-          <a:prstGeom prst="round1Rect">
-            <a:avLst/>
-          </a:prstGeom>
-          <a:noFill/>
-          <a:ln>
-            <a:noFill/>
-          </a:ln>
-        </p:spPr>
-        <p:style>
-          <a:lnRef idx="2">
-            <a:schemeClr val="accent1">
-              <a:shade val="50000"/>
-            </a:schemeClr>
-          </a:lnRef>
-          <a:fillRef idx="1">
-            <a:schemeClr val="accent1"/>
-          </a:fillRef>
-          <a:effectRef idx="0">
-            <a:schemeClr val="accent1"/>
-          </a:effectRef>
-          <a:fontRef idx="minor">
-            <a:schemeClr val="lt1"/>
-          </a:fontRef>
-        </p:style>
-        <p:txBody>
-          <a:bodyPr rtlCol="0" anchor="ctr"/>
-          <a:lstStyle/>
-          <a:p>
-            <a:pPr algn="ctr"/>
-            <a:r>
-              <a:rPr lang="es-CO" sz="2000" b="0" i="0" dirty="0">
-                <a:solidFill>
-                  <a:srgbClr val="24292F"/>
-                </a:solidFill>
-                <a:effectLst/>
-                <a:latin typeface="Segoe UI" panose="020B0502040204020203" pitchFamily="34" charset="0"/>
-                <a:cs typeface="Segoe UI" panose="020B0502040204020203" pitchFamily="34" charset="0"/>
-              </a:rPr>
-              <a:t>Este curso guía ha sido desarrollado con el apoyo de la Escuela Colombiana de Ingeniería - Julio Garavito. Encuentra más contenidos en </a:t>
-            </a:r>
-            <a:r>
-              <a:rPr lang="es-CO" sz="2000" b="0" i="0" u="none" strike="noStrike" dirty="0">
-                <a:effectLst/>
-                <a:latin typeface="Segoe UI" panose="020B0502040204020203" pitchFamily="34" charset="0"/>
-                <a:cs typeface="Segoe UI" panose="020B0502040204020203" pitchFamily="34" charset="0"/>
-                <a:hlinkClick r:id="rId5"/>
-              </a:rPr>
-              <a:t>https://github.com/uescuelaing</a:t>
-            </a:r>
-            <a:endParaRPr lang="es-CO" sz="2000" dirty="0">
-              <a:solidFill>
-                <a:srgbClr val="3E3E3E"/>
-              </a:solidFill>
-              <a:latin typeface="Segoe UI" panose="020B0502040204020203" pitchFamily="34" charset="0"/>
-              <a:cs typeface="Segoe UI" panose="020B0502040204020203" pitchFamily="34" charset="0"/>
-            </a:endParaRPr>
-          </a:p>
-        </p:txBody>
-      </p:sp>
     </p:spTree>
     <p:extLst>
       <p:ext uri="{BB962C8B-B14F-4D97-AF65-F5344CB8AC3E}">
@@ -23454,66 +23342,6 @@
 </file>
 
 <file path=customXml/item1.xml><?xml version="1.0" encoding="utf-8"?>
-<?mso-contentType ?>
-<FormTemplates xmlns="http://schemas.microsoft.com/sharepoint/v3/contenttype/forms">
-  <Display>DocumentLibraryForm</Display>
-  <Edit>DocumentLibraryForm</Edit>
-  <New>DocumentLibraryForm</New>
-</FormTemplates>
-</file>
-
-<file path=customXml/item2.xml><?xml version="1.0" encoding="utf-8"?>
-<p:properties xmlns:p="http://schemas.microsoft.com/office/2006/metadata/properties" xmlns:xsi="http://www.w3.org/2001/XMLSchema-instance" xmlns:pc="http://schemas.microsoft.com/office/infopath/2007/PartnerControls">
-  <documentManagement>
-    <NotebookType xmlns="bf3e1746-bde1-4d6e-9c3f-7182572f7502" xsi:nil="true"/>
-    <CultureName xmlns="bf3e1746-bde1-4d6e-9c3f-7182572f7502" xsi:nil="true"/>
-    <Students xmlns="bf3e1746-bde1-4d6e-9c3f-7182572f7502">
-      <UserInfo>
-        <DisplayName/>
-        <AccountId xsi:nil="true"/>
-        <AccountType/>
-      </UserInfo>
-    </Students>
-    <Distribution_Groups xmlns="bf3e1746-bde1-4d6e-9c3f-7182572f7502" xsi:nil="true"/>
-    <FolderType xmlns="bf3e1746-bde1-4d6e-9c3f-7182572f7502" xsi:nil="true"/>
-    <Student_Groups xmlns="bf3e1746-bde1-4d6e-9c3f-7182572f7502">
-      <UserInfo>
-        <DisplayName/>
-        <AccountId xsi:nil="true"/>
-        <AccountType/>
-      </UserInfo>
-    </Student_Groups>
-    <Self_Registration_Enabled xmlns="bf3e1746-bde1-4d6e-9c3f-7182572f7502" xsi:nil="true"/>
-    <TeamsChannelId xmlns="bf3e1746-bde1-4d6e-9c3f-7182572f7502" xsi:nil="true"/>
-    <IsNotebookLocked xmlns="bf3e1746-bde1-4d6e-9c3f-7182572f7502" xsi:nil="true"/>
-    <DefaultSectionNames xmlns="bf3e1746-bde1-4d6e-9c3f-7182572f7502" xsi:nil="true"/>
-    <Is_Collaboration_Space_Locked xmlns="bf3e1746-bde1-4d6e-9c3f-7182572f7502" xsi:nil="true"/>
-    <Invited_Teachers xmlns="bf3e1746-bde1-4d6e-9c3f-7182572f7502" xsi:nil="true"/>
-    <Math_Settings xmlns="bf3e1746-bde1-4d6e-9c3f-7182572f7502" xsi:nil="true"/>
-    <Templates xmlns="bf3e1746-bde1-4d6e-9c3f-7182572f7502" xsi:nil="true"/>
-    <Has_Teacher_Only_SectionGroup xmlns="bf3e1746-bde1-4d6e-9c3f-7182572f7502" xsi:nil="true"/>
-    <AppVersion xmlns="bf3e1746-bde1-4d6e-9c3f-7182572f7502" xsi:nil="true"/>
-    <Invited_Students xmlns="bf3e1746-bde1-4d6e-9c3f-7182572f7502" xsi:nil="true"/>
-    <Owner xmlns="bf3e1746-bde1-4d6e-9c3f-7182572f7502">
-      <UserInfo>
-        <DisplayName/>
-        <AccountId xsi:nil="true"/>
-        <AccountType/>
-      </UserInfo>
-    </Owner>
-    <Teachers xmlns="bf3e1746-bde1-4d6e-9c3f-7182572f7502">
-      <UserInfo>
-        <DisplayName/>
-        <AccountId xsi:nil="true"/>
-        <AccountType/>
-      </UserInfo>
-    </Teachers>
-    <LMS_Mappings xmlns="bf3e1746-bde1-4d6e-9c3f-7182572f7502" xsi:nil="true"/>
-  </documentManagement>
-</p:properties>
-</file>
-
-<file path=customXml/item3.xml><?xml version="1.0" encoding="utf-8"?>
 <ct:contentTypeSchema xmlns:ct="http://schemas.microsoft.com/office/2006/metadata/contentType" xmlns:ma="http://schemas.microsoft.com/office/2006/metadata/properties/metaAttributes" ct:_="" ma:_="" ma:contentTypeName="Document" ma:contentTypeID="0x010100C089011499791B4EB69D0A56FFA67F2B" ma:contentTypeVersion="30" ma:contentTypeDescription="Create a new document." ma:contentTypeScope="" ma:versionID="f76dc847e91b26043a9f85409c9c8da8">
   <xsd:schema xmlns:xsd="http://www.w3.org/2001/XMLSchema" xmlns:xs="http://www.w3.org/2001/XMLSchema" xmlns:p="http://schemas.microsoft.com/office/2006/metadata/properties" xmlns:ns3="bf3e1746-bde1-4d6e-9c3f-7182572f7502" xmlns:ns4="14224164-2045-4b51-92bb-313d0f626d83" targetNamespace="http://schemas.microsoft.com/office/2006/metadata/properties" ma:root="true" ma:fieldsID="e77e75136ac7a83ebab10a30c2d6fe6c" ns3:_="" ns4:_="">
     <xsd:import namespace="bf3e1746-bde1-4d6e-9c3f-7182572f7502"/>
@@ -23904,10 +23732,81 @@
 </ct:contentTypeSchema>
 </file>
 
+<file path=customXml/item2.xml><?xml version="1.0" encoding="utf-8"?>
+<p:properties xmlns:p="http://schemas.microsoft.com/office/2006/metadata/properties" xmlns:xsi="http://www.w3.org/2001/XMLSchema-instance" xmlns:pc="http://schemas.microsoft.com/office/infopath/2007/PartnerControls">
+  <documentManagement>
+    <NotebookType xmlns="bf3e1746-bde1-4d6e-9c3f-7182572f7502" xsi:nil="true"/>
+    <CultureName xmlns="bf3e1746-bde1-4d6e-9c3f-7182572f7502" xsi:nil="true"/>
+    <Students xmlns="bf3e1746-bde1-4d6e-9c3f-7182572f7502">
+      <UserInfo>
+        <DisplayName/>
+        <AccountId xsi:nil="true"/>
+        <AccountType/>
+      </UserInfo>
+    </Students>
+    <Distribution_Groups xmlns="bf3e1746-bde1-4d6e-9c3f-7182572f7502" xsi:nil="true"/>
+    <FolderType xmlns="bf3e1746-bde1-4d6e-9c3f-7182572f7502" xsi:nil="true"/>
+    <Student_Groups xmlns="bf3e1746-bde1-4d6e-9c3f-7182572f7502">
+      <UserInfo>
+        <DisplayName/>
+        <AccountId xsi:nil="true"/>
+        <AccountType/>
+      </UserInfo>
+    </Student_Groups>
+    <Self_Registration_Enabled xmlns="bf3e1746-bde1-4d6e-9c3f-7182572f7502" xsi:nil="true"/>
+    <TeamsChannelId xmlns="bf3e1746-bde1-4d6e-9c3f-7182572f7502" xsi:nil="true"/>
+    <IsNotebookLocked xmlns="bf3e1746-bde1-4d6e-9c3f-7182572f7502" xsi:nil="true"/>
+    <DefaultSectionNames xmlns="bf3e1746-bde1-4d6e-9c3f-7182572f7502" xsi:nil="true"/>
+    <Is_Collaboration_Space_Locked xmlns="bf3e1746-bde1-4d6e-9c3f-7182572f7502" xsi:nil="true"/>
+    <Invited_Teachers xmlns="bf3e1746-bde1-4d6e-9c3f-7182572f7502" xsi:nil="true"/>
+    <Math_Settings xmlns="bf3e1746-bde1-4d6e-9c3f-7182572f7502" xsi:nil="true"/>
+    <Templates xmlns="bf3e1746-bde1-4d6e-9c3f-7182572f7502" xsi:nil="true"/>
+    <Has_Teacher_Only_SectionGroup xmlns="bf3e1746-bde1-4d6e-9c3f-7182572f7502" xsi:nil="true"/>
+    <AppVersion xmlns="bf3e1746-bde1-4d6e-9c3f-7182572f7502" xsi:nil="true"/>
+    <Invited_Students xmlns="bf3e1746-bde1-4d6e-9c3f-7182572f7502" xsi:nil="true"/>
+    <Owner xmlns="bf3e1746-bde1-4d6e-9c3f-7182572f7502">
+      <UserInfo>
+        <DisplayName/>
+        <AccountId xsi:nil="true"/>
+        <AccountType/>
+      </UserInfo>
+    </Owner>
+    <Teachers xmlns="bf3e1746-bde1-4d6e-9c3f-7182572f7502">
+      <UserInfo>
+        <DisplayName/>
+        <AccountId xsi:nil="true"/>
+        <AccountType/>
+      </UserInfo>
+    </Teachers>
+    <LMS_Mappings xmlns="bf3e1746-bde1-4d6e-9c3f-7182572f7502" xsi:nil="true"/>
+  </documentManagement>
+</p:properties>
+</file>
+
+<file path=customXml/item3.xml><?xml version="1.0" encoding="utf-8"?>
+<?mso-contentType ?>
+<FormTemplates xmlns="http://schemas.microsoft.com/sharepoint/v3/contenttype/forms">
+  <Display>DocumentLibraryForm</Display>
+  <Edit>DocumentLibraryForm</Edit>
+  <New>DocumentLibraryForm</New>
+</FormTemplates>
+</file>
+
 <file path=customXml/itemProps1.xml><?xml version="1.0" encoding="utf-8"?>
-<ds:datastoreItem xmlns:ds="http://schemas.openxmlformats.org/officeDocument/2006/customXml" ds:itemID="{B024FD56-CE1B-42FC-9E83-BFBF160724C6}">
+<ds:datastoreItem xmlns:ds="http://schemas.openxmlformats.org/officeDocument/2006/customXml" ds:itemID="{A129B439-51BE-4A7D-9272-FBD057297E66}">
   <ds:schemaRefs>
-    <ds:schemaRef ds:uri="http://schemas.microsoft.com/sharepoint/v3/contenttype/forms"/>
+    <ds:schemaRef ds:uri="http://schemas.microsoft.com/office/2006/metadata/contentType"/>
+    <ds:schemaRef ds:uri="http://schemas.microsoft.com/office/2006/metadata/properties/metaAttributes"/>
+    <ds:schemaRef ds:uri="http://www.w3.org/2001/XMLSchema"/>
+    <ds:schemaRef ds:uri="http://schemas.microsoft.com/office/2006/metadata/properties"/>
+    <ds:schemaRef ds:uri="bf3e1746-bde1-4d6e-9c3f-7182572f7502"/>
+    <ds:schemaRef ds:uri="14224164-2045-4b51-92bb-313d0f626d83"/>
+    <ds:schemaRef ds:uri="http://schemas.microsoft.com/office/2006/documentManagement/types"/>
+    <ds:schemaRef ds:uri="http://schemas.microsoft.com/office/infopath/2007/PartnerControls"/>
+    <ds:schemaRef ds:uri="http://schemas.openxmlformats.org/package/2006/metadata/core-properties"/>
+    <ds:schemaRef ds:uri="http://purl.org/dc/elements/1.1/"/>
+    <ds:schemaRef ds:uri="http://purl.org/dc/terms/"/>
+    <ds:schemaRef ds:uri="http://schemas.microsoft.com/internal/obd"/>
   </ds:schemaRefs>
 </ds:datastoreItem>
 </file>
@@ -23930,20 +23829,9 @@
 </file>
 
 <file path=customXml/itemProps3.xml><?xml version="1.0" encoding="utf-8"?>
-<ds:datastoreItem xmlns:ds="http://schemas.openxmlformats.org/officeDocument/2006/customXml" ds:itemID="{A129B439-51BE-4A7D-9272-FBD057297E66}">
+<ds:datastoreItem xmlns:ds="http://schemas.openxmlformats.org/officeDocument/2006/customXml" ds:itemID="{B024FD56-CE1B-42FC-9E83-BFBF160724C6}">
   <ds:schemaRefs>
-    <ds:schemaRef ds:uri="http://schemas.microsoft.com/office/2006/metadata/contentType"/>
-    <ds:schemaRef ds:uri="http://schemas.microsoft.com/office/2006/metadata/properties/metaAttributes"/>
-    <ds:schemaRef ds:uri="http://www.w3.org/2001/XMLSchema"/>
-    <ds:schemaRef ds:uri="http://schemas.microsoft.com/office/2006/metadata/properties"/>
-    <ds:schemaRef ds:uri="bf3e1746-bde1-4d6e-9c3f-7182572f7502"/>
-    <ds:schemaRef ds:uri="14224164-2045-4b51-92bb-313d0f626d83"/>
-    <ds:schemaRef ds:uri="http://schemas.microsoft.com/office/2006/documentManagement/types"/>
-    <ds:schemaRef ds:uri="http://schemas.microsoft.com/office/infopath/2007/PartnerControls"/>
-    <ds:schemaRef ds:uri="http://schemas.openxmlformats.org/package/2006/metadata/core-properties"/>
-    <ds:schemaRef ds:uri="http://purl.org/dc/elements/1.1/"/>
-    <ds:schemaRef ds:uri="http://purl.org/dc/terms/"/>
-    <ds:schemaRef ds:uri="http://schemas.microsoft.com/internal/obd"/>
+    <ds:schemaRef ds:uri="http://schemas.microsoft.com/sharepoint/v3/contenttype/forms"/>
   </ds:schemaRefs>
 </ds:datastoreItem>
 </file>
--- a/Section01/Section01.pptx
+++ b/Section01/Section01.pptx
@@ -5,10 +5,10 @@
     <p:sldMasterId id="2147483778" r:id="rId4"/>
   </p:sldMasterIdLst>
   <p:notesMasterIdLst>
-    <p:notesMasterId r:id="rId29"/>
+    <p:notesMasterId r:id="rId30"/>
   </p:notesMasterIdLst>
   <p:handoutMasterIdLst>
-    <p:handoutMasterId r:id="rId30"/>
+    <p:handoutMasterId r:id="rId31"/>
   </p:handoutMasterIdLst>
   <p:sldIdLst>
     <p:sldId id="315" r:id="rId5"/>
@@ -35,6 +35,7 @@
     <p:sldId id="338" r:id="rId26"/>
     <p:sldId id="339" r:id="rId27"/>
     <p:sldId id="340" r:id="rId28"/>
+    <p:sldId id="341" r:id="rId29"/>
   </p:sldIdLst>
   <p:sldSz cx="12192000" cy="6858000"/>
   <p:notesSz cx="6858000" cy="9144000"/>
@@ -162,6 +163,7 @@
             <p14:sldId id="338"/>
             <p14:sldId id="339"/>
             <p14:sldId id="340"/>
+            <p14:sldId id="341"/>
           </p14:sldIdLst>
         </p14:section>
       </p14:sectionLst>
@@ -271,7 +273,7 @@
             <a:pPr rtl="0"/>
             <a:fld id="{FAB3E6E3-061B-41A2-BBDC-C5312A04A40A}" type="datetime1">
               <a:rPr lang="es-ES" smtClean="0"/>
-              <a:t>27/09/2022</a:t>
+              <a:t>04/10/2022</a:t>
             </a:fld>
             <a:endParaRPr lang="es-ES" dirty="0"/>
           </a:p>
@@ -441,7 +443,7 @@
             <a:pPr rtl="0"/>
             <a:fld id="{2145992C-CBBF-4F24-8325-F5CB0EAAC0E9}" type="datetime1">
               <a:rPr lang="es-ES" noProof="0" smtClean="0"/>
-              <a:t>27/09/2022</a:t>
+              <a:t>04/10/2022</a:t>
             </a:fld>
             <a:endParaRPr lang="es-ES" noProof="0" dirty="0"/>
           </a:p>
@@ -5538,6 +5540,285 @@
 </p:notes>
 </file>
 
+<file path=ppt/notesSlides/notesSlide25.xml><?xml version="1.0" encoding="utf-8"?>
+<p:notes xmlns:a="http://schemas.openxmlformats.org/drawingml/2006/main" xmlns:r="http://schemas.openxmlformats.org/officeDocument/2006/relationships" xmlns:p="http://schemas.openxmlformats.org/presentationml/2006/main">
+  <p:cSld>
+    <p:spTree>
+      <p:nvGrpSpPr>
+        <p:cNvPr id="1" name=""/>
+        <p:cNvGrpSpPr/>
+        <p:nvPr/>
+      </p:nvGrpSpPr>
+      <p:grpSpPr>
+        <a:xfrm>
+          <a:off x="0" y="0"/>
+          <a:ext cx="0" cy="0"/>
+          <a:chOff x="0" y="0"/>
+          <a:chExt cx="0" cy="0"/>
+        </a:xfrm>
+      </p:grpSpPr>
+      <p:sp>
+        <p:nvSpPr>
+          <p:cNvPr id="2" name="Slide Image Placeholder 1"/>
+          <p:cNvSpPr>
+            <a:spLocks noGrp="1" noRot="1" noChangeAspect="1"/>
+          </p:cNvSpPr>
+          <p:nvPr>
+            <p:ph type="sldImg"/>
+          </p:nvPr>
+        </p:nvSpPr>
+        <p:spPr/>
+      </p:sp>
+      <p:sp>
+        <p:nvSpPr>
+          <p:cNvPr id="3" name="Notes Placeholder 2"/>
+          <p:cNvSpPr>
+            <a:spLocks noGrp="1"/>
+          </p:cNvSpPr>
+          <p:nvPr>
+            <p:ph type="body" idx="1"/>
+          </p:nvPr>
+        </p:nvSpPr>
+        <p:spPr/>
+        <p:txBody>
+          <a:bodyPr/>
+          <a:lstStyle/>
+          <a:p>
+            <a:r>
+              <a:rPr lang="en-US" sz="1200" b="0" i="0" dirty="0">
+                <a:solidFill>
+                  <a:srgbClr val="24292F"/>
+                </a:solidFill>
+                <a:effectLst/>
+                <a:latin typeface="-apple-system"/>
+                <a:cs typeface="Segoe UI Light" panose="020B0502040204020203" pitchFamily="34" charset="0"/>
+              </a:rPr>
+              <a:t>Gracias </a:t>
+            </a:r>
+            <a:r>
+              <a:rPr lang="en-US" sz="1200" b="0" i="0" dirty="0" err="1">
+                <a:solidFill>
+                  <a:srgbClr val="24292F"/>
+                </a:solidFill>
+                <a:effectLst/>
+                <a:latin typeface="-apple-system"/>
+                <a:cs typeface="Segoe UI Light" panose="020B0502040204020203" pitchFamily="34" charset="0"/>
+              </a:rPr>
+              <a:t>por</a:t>
+            </a:r>
+            <a:r>
+              <a:rPr lang="en-US" sz="1200" b="0" i="0" dirty="0">
+                <a:solidFill>
+                  <a:srgbClr val="24292F"/>
+                </a:solidFill>
+                <a:effectLst/>
+                <a:latin typeface="-apple-system"/>
+                <a:cs typeface="Segoe UI Light" panose="020B0502040204020203" pitchFamily="34" charset="0"/>
+              </a:rPr>
+              <a:t> </a:t>
+            </a:r>
+            <a:r>
+              <a:rPr lang="en-US" sz="1200" b="0" i="0" dirty="0" err="1">
+                <a:solidFill>
+                  <a:srgbClr val="24292F"/>
+                </a:solidFill>
+                <a:effectLst/>
+                <a:latin typeface="-apple-system"/>
+                <a:cs typeface="Segoe UI Light" panose="020B0502040204020203" pitchFamily="34" charset="0"/>
+              </a:rPr>
+              <a:t>su</a:t>
+            </a:r>
+            <a:r>
+              <a:rPr lang="en-US" sz="1200" b="0" i="0" dirty="0">
+                <a:solidFill>
+                  <a:srgbClr val="24292F"/>
+                </a:solidFill>
+                <a:effectLst/>
+                <a:latin typeface="-apple-system"/>
+                <a:cs typeface="Segoe UI Light" panose="020B0502040204020203" pitchFamily="34" charset="0"/>
+              </a:rPr>
+              <a:t> </a:t>
+            </a:r>
+            <a:r>
+              <a:rPr lang="en-US" sz="1200" b="0" i="0" dirty="0" err="1">
+                <a:solidFill>
+                  <a:srgbClr val="24292F"/>
+                </a:solidFill>
+                <a:effectLst/>
+                <a:latin typeface="-apple-system"/>
+                <a:cs typeface="Segoe UI Light" panose="020B0502040204020203" pitchFamily="34" charset="0"/>
+              </a:rPr>
+              <a:t>atención</a:t>
+            </a:r>
+            <a:r>
+              <a:rPr lang="en-US" sz="1200" b="0" i="0" dirty="0">
+                <a:solidFill>
+                  <a:srgbClr val="24292F"/>
+                </a:solidFill>
+                <a:effectLst/>
+                <a:latin typeface="-apple-system"/>
+                <a:cs typeface="Segoe UI Light" panose="020B0502040204020203" pitchFamily="34" charset="0"/>
+              </a:rPr>
+              <a:t>, </a:t>
+            </a:r>
+            <a:r>
+              <a:rPr lang="en-US" sz="1200" b="0" i="0" dirty="0" err="1">
+                <a:solidFill>
+                  <a:srgbClr val="24292F"/>
+                </a:solidFill>
+                <a:effectLst/>
+                <a:latin typeface="-apple-system"/>
+                <a:cs typeface="Segoe UI Light" panose="020B0502040204020203" pitchFamily="34" charset="0"/>
+              </a:rPr>
+              <a:t>nos</a:t>
+            </a:r>
+            <a:r>
+              <a:rPr lang="en-US" sz="1200" b="0" i="0" dirty="0">
+                <a:solidFill>
+                  <a:srgbClr val="24292F"/>
+                </a:solidFill>
+                <a:effectLst/>
+                <a:latin typeface="-apple-system"/>
+                <a:cs typeface="Segoe UI Light" panose="020B0502040204020203" pitchFamily="34" charset="0"/>
+              </a:rPr>
+              <a:t> </a:t>
+            </a:r>
+            <a:r>
+              <a:rPr lang="en-US" sz="1200" b="0" i="0" dirty="0" err="1">
+                <a:solidFill>
+                  <a:srgbClr val="24292F"/>
+                </a:solidFill>
+                <a:effectLst/>
+                <a:latin typeface="-apple-system"/>
+                <a:cs typeface="Segoe UI Light" panose="020B0502040204020203" pitchFamily="34" charset="0"/>
+              </a:rPr>
+              <a:t>vemos</a:t>
+            </a:r>
+            <a:r>
+              <a:rPr lang="en-US" sz="1200" b="0" i="0" dirty="0">
+                <a:solidFill>
+                  <a:srgbClr val="24292F"/>
+                </a:solidFill>
+                <a:effectLst/>
+                <a:latin typeface="-apple-system"/>
+                <a:cs typeface="Segoe UI Light" panose="020B0502040204020203" pitchFamily="34" charset="0"/>
+              </a:rPr>
+              <a:t> </a:t>
+            </a:r>
+            <a:r>
+              <a:rPr lang="en-US" sz="1200" b="0" i="0" dirty="0" err="1">
+                <a:solidFill>
+                  <a:srgbClr val="24292F"/>
+                </a:solidFill>
+                <a:effectLst/>
+                <a:latin typeface="-apple-system"/>
+                <a:cs typeface="Segoe UI Light" panose="020B0502040204020203" pitchFamily="34" charset="0"/>
+              </a:rPr>
+              <a:t>en</a:t>
+            </a:r>
+            <a:r>
+              <a:rPr lang="en-US" sz="1200" b="0" i="0" dirty="0">
+                <a:solidFill>
+                  <a:srgbClr val="24292F"/>
+                </a:solidFill>
+                <a:effectLst/>
+                <a:latin typeface="-apple-system"/>
+                <a:cs typeface="Segoe UI Light" panose="020B0502040204020203" pitchFamily="34" charset="0"/>
+              </a:rPr>
+              <a:t> las </a:t>
+            </a:r>
+            <a:r>
+              <a:rPr lang="en-US" sz="1200" b="0" i="0" dirty="0" err="1">
+                <a:solidFill>
+                  <a:srgbClr val="24292F"/>
+                </a:solidFill>
+                <a:effectLst/>
+                <a:latin typeface="-apple-system"/>
+                <a:cs typeface="Segoe UI Light" panose="020B0502040204020203" pitchFamily="34" charset="0"/>
+              </a:rPr>
+              <a:t>actividades</a:t>
+            </a:r>
+            <a:r>
+              <a:rPr lang="en-US" sz="1200" b="0" i="0" dirty="0">
+                <a:solidFill>
+                  <a:srgbClr val="24292F"/>
+                </a:solidFill>
+                <a:effectLst/>
+                <a:latin typeface="-apple-system"/>
+                <a:cs typeface="Segoe UI Light" panose="020B0502040204020203" pitchFamily="34" charset="0"/>
+              </a:rPr>
+              <a:t> </a:t>
+            </a:r>
+            <a:r>
+              <a:rPr lang="en-US" sz="1200" b="0" i="0" dirty="0" err="1">
+                <a:solidFill>
+                  <a:srgbClr val="24292F"/>
+                </a:solidFill>
+                <a:effectLst/>
+                <a:latin typeface="-apple-system"/>
+                <a:cs typeface="Segoe UI Light" panose="020B0502040204020203" pitchFamily="34" charset="0"/>
+              </a:rPr>
+              <a:t>practicas</a:t>
+            </a:r>
+            <a:r>
+              <a:rPr lang="en-US" sz="1200" b="0" i="0" dirty="0">
+                <a:solidFill>
+                  <a:srgbClr val="24292F"/>
+                </a:solidFill>
+                <a:effectLst/>
+                <a:latin typeface="-apple-system"/>
+                <a:cs typeface="Segoe UI Light" panose="020B0502040204020203" pitchFamily="34" charset="0"/>
+              </a:rPr>
+              <a:t>.</a:t>
+            </a:r>
+            <a:endParaRPr lang="es-CO" sz="1200" b="0" i="0" dirty="0">
+              <a:solidFill>
+                <a:srgbClr val="24292F"/>
+              </a:solidFill>
+              <a:effectLst/>
+              <a:latin typeface="-apple-system"/>
+              <a:cs typeface="Segoe UI Light" panose="020B0502040204020203" pitchFamily="34" charset="0"/>
+            </a:endParaRPr>
+          </a:p>
+        </p:txBody>
+      </p:sp>
+      <p:sp>
+        <p:nvSpPr>
+          <p:cNvPr id="4" name="Slide Number Placeholder 3"/>
+          <p:cNvSpPr>
+            <a:spLocks noGrp="1"/>
+          </p:cNvSpPr>
+          <p:nvPr>
+            <p:ph type="sldNum" sz="quarter" idx="5"/>
+          </p:nvPr>
+        </p:nvSpPr>
+        <p:spPr/>
+        <p:txBody>
+          <a:bodyPr/>
+          <a:lstStyle/>
+          <a:p>
+            <a:pPr rtl="0"/>
+            <a:fld id="{810E1E9A-E921-4174-A0FC-51868D7AC568}" type="slidenum">
+              <a:rPr lang="es-ES" noProof="0" smtClean="0"/>
+              <a:t>25</a:t>
+            </a:fld>
+            <a:endParaRPr lang="es-ES" noProof="0" dirty="0"/>
+          </a:p>
+        </p:txBody>
+      </p:sp>
+    </p:spTree>
+    <p:extLst>
+      <p:ext uri="{BB962C8B-B14F-4D97-AF65-F5344CB8AC3E}">
+        <p14:creationId xmlns:p14="http://schemas.microsoft.com/office/powerpoint/2010/main" val="3690597260"/>
+      </p:ext>
+    </p:extLst>
+  </p:cSld>
+  <p:clrMapOvr>
+    <a:masterClrMapping/>
+  </p:clrMapOvr>
+</p:notes>
+</file>
+
 <file path=ppt/notesSlides/notesSlide3.xml><?xml version="1.0" encoding="utf-8"?>
 <p:notes xmlns:a="http://schemas.openxmlformats.org/drawingml/2006/main" xmlns:r="http://schemas.openxmlformats.org/officeDocument/2006/relationships" xmlns:p="http://schemas.openxmlformats.org/presentationml/2006/main">
   <p:cSld>
@@ -7224,7 +7505,7 @@
             <a:pPr rtl="0"/>
             <a:fld id="{55224D71-97F5-4B9D-B11B-235152E09E96}" type="datetime1">
               <a:rPr lang="es-ES" noProof="0" smtClean="0"/>
-              <a:t>27/09/2022</a:t>
+              <a:t>04/10/2022</a:t>
             </a:fld>
             <a:endParaRPr lang="es-ES" noProof="0" dirty="0"/>
           </a:p>
@@ -7573,7 +7854,7 @@
             <a:pPr rtl="0"/>
             <a:fld id="{2AB3A384-AAB1-4A76-A43B-EFE930A802BF}" type="datetime1">
               <a:rPr lang="es-ES" noProof="0" smtClean="0"/>
-              <a:t>27/09/2022</a:t>
+              <a:t>04/10/2022</a:t>
             </a:fld>
             <a:endParaRPr lang="es-ES" noProof="0" dirty="0"/>
           </a:p>
@@ -7715,7 +7996,7 @@
             <a:pPr rtl="0"/>
             <a:fld id="{95F109E8-29A7-4A4D-BBAF-954B5246DC6B}" type="datetime1">
               <a:rPr lang="es-ES" noProof="0" smtClean="0"/>
-              <a:t>27/09/2022</a:t>
+              <a:t>04/10/2022</a:t>
             </a:fld>
             <a:endParaRPr lang="es-ES" noProof="0" dirty="0"/>
           </a:p>
@@ -7829,7 +8110,7 @@
             <a:pPr rtl="0"/>
             <a:fld id="{3EDF4B7F-437B-43B6-8193-868254AADFEB}" type="datetime1">
               <a:rPr lang="es-ES" noProof="0" smtClean="0"/>
-              <a:t>27/09/2022</a:t>
+              <a:t>04/10/2022</a:t>
             </a:fld>
             <a:endParaRPr lang="es-ES" noProof="0" dirty="0"/>
           </a:p>
@@ -8129,7 +8410,7 @@
             <a:pPr rtl="0"/>
             <a:fld id="{5FD9D2A0-9803-4B3F-A6B6-606959F35242}" type="datetime1">
               <a:rPr lang="es-ES" noProof="0" smtClean="0"/>
-              <a:t>27/09/2022</a:t>
+              <a:t>04/10/2022</a:t>
             </a:fld>
             <a:endParaRPr lang="es-ES" noProof="0" dirty="0"/>
           </a:p>
@@ -8400,7 +8681,7 @@
             <a:pPr rtl="0"/>
             <a:fld id="{B48CB6FA-6884-4007-A174-A67BE7A1CA93}" type="datetime1">
               <a:rPr lang="es-ES" noProof="0" smtClean="0"/>
-              <a:t>27/09/2022</a:t>
+              <a:t>04/10/2022</a:t>
             </a:fld>
             <a:endParaRPr lang="es-ES" noProof="0" dirty="0"/>
           </a:p>
@@ -8671,7 +8952,7 @@
             <a:pPr rtl="0"/>
             <a:fld id="{DCA87387-1199-4F13-92EC-EA845724990E}" type="datetime1">
               <a:rPr lang="es-ES" noProof="0" smtClean="0"/>
-              <a:t>27/09/2022</a:t>
+              <a:t>04/10/2022</a:t>
             </a:fld>
             <a:endParaRPr lang="es-ES" noProof="0" dirty="0"/>
           </a:p>
@@ -8849,7 +9130,7 @@
             <a:pPr rtl="0"/>
             <a:fld id="{0277B9E3-6C0A-45A5-BAE5-CD19B242173D}" type="datetime1">
               <a:rPr lang="es-ES" noProof="0" smtClean="0"/>
-              <a:t>27/09/2022</a:t>
+              <a:t>04/10/2022</a:t>
             </a:fld>
             <a:endParaRPr lang="es-ES" noProof="0" dirty="0"/>
           </a:p>
@@ -9037,7 +9318,7 @@
             <a:pPr rtl="0"/>
             <a:fld id="{AB41DD2C-FA4F-413E-A1B5-23565A0780B7}" type="datetime1">
               <a:rPr lang="es-ES" noProof="0" smtClean="0"/>
-              <a:t>27/09/2022</a:t>
+              <a:t>04/10/2022</a:t>
             </a:fld>
             <a:endParaRPr lang="es-ES" noProof="0" dirty="0"/>
           </a:p>
@@ -9287,7 +9568,7 @@
             <a:pPr rtl="0"/>
             <a:fld id="{0D82DBE2-B5E9-4999-A9C0-55ED93FCE73D}" type="datetime1">
               <a:rPr lang="es-ES" noProof="0" smtClean="0"/>
-              <a:t>27/09/2022</a:t>
+              <a:t>04/10/2022</a:t>
             </a:fld>
             <a:endParaRPr lang="es-ES" noProof="0" dirty="0"/>
           </a:p>
@@ -9537,7 +9818,7 @@
             <a:pPr rtl="0"/>
             <a:fld id="{89B7BC24-C90D-4DAD-A6CB-BBA58C4D57BB}" type="datetime1">
               <a:rPr lang="es-ES" noProof="0" smtClean="0"/>
-              <a:t>27/09/2022</a:t>
+              <a:t>04/10/2022</a:t>
             </a:fld>
             <a:endParaRPr lang="es-ES" noProof="0" dirty="0"/>
           </a:p>
@@ -9800,7 +10081,7 @@
             <a:pPr rtl="0"/>
             <a:fld id="{217D4995-77A4-48E5-92B1-2DC992A39FBB}" type="datetime1">
               <a:rPr lang="es-ES" noProof="0" smtClean="0"/>
-              <a:t>27/09/2022</a:t>
+              <a:t>04/10/2022</a:t>
             </a:fld>
             <a:endParaRPr lang="es-ES" noProof="0" dirty="0"/>
           </a:p>
@@ -10074,7 +10355,7 @@
             <a:pPr rtl="0"/>
             <a:fld id="{AE8112B3-1F24-452F-80DE-56BF301098EC}" type="datetime1">
               <a:rPr lang="es-ES" noProof="0" smtClean="0"/>
-              <a:t>27/09/2022</a:t>
+              <a:t>04/10/2022</a:t>
             </a:fld>
             <a:endParaRPr lang="es-ES" noProof="0" dirty="0"/>
           </a:p>
@@ -10440,7 +10721,7 @@
             <a:pPr rtl="0"/>
             <a:fld id="{39B46DA2-8C2E-44C4-A865-CD3D33CFD45F}" type="datetime1">
               <a:rPr lang="es-ES" noProof="0" smtClean="0"/>
-              <a:t>27/09/2022</a:t>
+              <a:t>04/10/2022</a:t>
             </a:fld>
             <a:endParaRPr lang="es-ES" noProof="0" dirty="0"/>
           </a:p>
@@ -10795,7 +11076,7 @@
             <a:pPr rtl="0"/>
             <a:fld id="{D1525062-C568-4AE5-A98F-45E6D6D3E9AC}" type="datetime1">
               <a:rPr lang="es-ES" noProof="0" smtClean="0"/>
-              <a:t>27/09/2022</a:t>
+              <a:t>04/10/2022</a:t>
             </a:fld>
             <a:endParaRPr lang="es-ES" noProof="0" dirty="0"/>
           </a:p>
@@ -11290,7 +11571,7 @@
             <a:pPr rtl="0"/>
             <a:fld id="{8EBA81B0-EA87-4E7B-A74D-942650D6BCED}" type="datetime1">
               <a:rPr lang="es-ES" noProof="0" smtClean="0"/>
-              <a:t>27/09/2022</a:t>
+              <a:t>04/10/2022</a:t>
             </a:fld>
             <a:endParaRPr lang="es-ES" noProof="0" dirty="0"/>
           </a:p>
@@ -11785,7 +12066,7 @@
             <a:pPr rtl="0"/>
             <a:fld id="{F6653BDA-CE15-46D4-A5A4-C9E9758DEFB2}" type="datetime1">
               <a:rPr lang="es-ES" noProof="0" smtClean="0"/>
-              <a:t>27/09/2022</a:t>
+              <a:t>04/10/2022</a:t>
             </a:fld>
             <a:endParaRPr lang="es-ES" noProof="0" dirty="0"/>
           </a:p>
@@ -12009,7 +12290,7 @@
             <a:pPr rtl="0"/>
             <a:fld id="{72696FBB-EB5C-4293-9014-59E70AE1A5E6}" type="datetime1">
               <a:rPr lang="es-ES" noProof="0" smtClean="0"/>
-              <a:t>27/09/2022</a:t>
+              <a:t>04/10/2022</a:t>
             </a:fld>
             <a:endParaRPr lang="es-ES" noProof="0" dirty="0"/>
           </a:p>
@@ -18882,6 +19163,501 @@
 </p:sld>
 </file>
 
+<file path=ppt/slides/slide25.xml><?xml version="1.0" encoding="utf-8"?>
+<p:sld xmlns:a="http://schemas.openxmlformats.org/drawingml/2006/main" xmlns:r="http://schemas.openxmlformats.org/officeDocument/2006/relationships" xmlns:p="http://schemas.openxmlformats.org/presentationml/2006/main">
+  <p:cSld>
+    <p:bg>
+      <p:bgPr>
+        <a:solidFill>
+          <a:schemeClr val="bg1">
+            <a:lumMod val="90000"/>
+          </a:schemeClr>
+        </a:solidFill>
+        <a:effectLst/>
+      </p:bgPr>
+    </p:bg>
+    <p:spTree>
+      <p:nvGrpSpPr>
+        <p:cNvPr id="1" name=""/>
+        <p:cNvGrpSpPr/>
+        <p:nvPr/>
+      </p:nvGrpSpPr>
+      <p:grpSpPr>
+        <a:xfrm>
+          <a:off x="0" y="0"/>
+          <a:ext cx="0" cy="0"/>
+          <a:chOff x="0" y="0"/>
+          <a:chExt cx="0" cy="0"/>
+        </a:xfrm>
+      </p:grpSpPr>
+      <p:sp>
+        <p:nvSpPr>
+          <p:cNvPr id="3" name="Title 1">
+            <a:extLst>
+              <a:ext uri="{FF2B5EF4-FFF2-40B4-BE49-F238E27FC236}">
+                <a16:creationId xmlns:a16="http://schemas.microsoft.com/office/drawing/2014/main" id="{5293DDAA-B5E7-2D95-74A3-91A199E94E6C}"/>
+              </a:ext>
+            </a:extLst>
+          </p:cNvPr>
+          <p:cNvSpPr txBox="1">
+            <a:spLocks/>
+          </p:cNvSpPr>
+          <p:nvPr/>
+        </p:nvSpPr>
+        <p:spPr>
+          <a:xfrm>
+            <a:off x="6095999" y="3595606"/>
+            <a:ext cx="5040000" cy="3262393"/>
+          </a:xfrm>
+          <a:prstGeom prst="rect">
+            <a:avLst/>
+          </a:prstGeom>
+        </p:spPr>
+        <p:txBody>
+          <a:bodyPr vert="horz" lIns="91440" tIns="45720" rIns="91440" bIns="45720" rtlCol="0" anchor="t" anchorCtr="0">
+            <a:noAutofit/>
+          </a:bodyPr>
+          <a:lstStyle>
+            <a:lvl1pPr algn="l" defTabSz="914377" rtl="0" eaLnBrk="1" latinLnBrk="0" hangingPunct="1">
+              <a:lnSpc>
+                <a:spcPct val="90000"/>
+              </a:lnSpc>
+              <a:spcBef>
+                <a:spcPct val="0"/>
+              </a:spcBef>
+              <a:buNone/>
+              <a:defRPr sz="2600" kern="1200">
+                <a:solidFill>
+                  <a:schemeClr val="tx1"/>
+                </a:solidFill>
+                <a:latin typeface="+mj-lt"/>
+                <a:ea typeface="+mj-ea"/>
+                <a:cs typeface="+mj-cs"/>
+              </a:defRPr>
+            </a:lvl1pPr>
+          </a:lstStyle>
+          <a:p>
+            <a:pPr algn="ctr"/>
+            <a:r>
+              <a:rPr lang="es-CO" sz="1600" dirty="0">
+                <a:solidFill>
+                  <a:schemeClr val="bg1">
+                    <a:lumMod val="25000"/>
+                  </a:schemeClr>
+                </a:solidFill>
+                <a:latin typeface="Segoe UI" panose="020B0502040204020203" pitchFamily="34" charset="0"/>
+                <a:ea typeface="Segoe UI Black" panose="020B0A02040204020203" pitchFamily="34" charset="0"/>
+                <a:cs typeface="Segoe UI" panose="020B0502040204020203" pitchFamily="34" charset="0"/>
+              </a:rPr>
+              <a:t>Presentador</a:t>
+            </a:r>
+          </a:p>
+          <a:p>
+            <a:pPr algn="ctr"/>
+            <a:r>
+              <a:rPr lang="es-CO" sz="1800" dirty="0">
+                <a:solidFill>
+                  <a:schemeClr val="bg1">
+                    <a:lumMod val="25000"/>
+                  </a:schemeClr>
+                </a:solidFill>
+                <a:latin typeface="Segoe UI" panose="020B0502040204020203" pitchFamily="34" charset="0"/>
+                <a:ea typeface="Segoe UI Black" panose="020B0A02040204020203" pitchFamily="34" charset="0"/>
+                <a:cs typeface="Segoe UI" panose="020B0502040204020203" pitchFamily="34" charset="0"/>
+              </a:rPr>
+              <a:t>Juan David Rodríguez Acevedo</a:t>
+            </a:r>
+          </a:p>
+          <a:p>
+            <a:pPr algn="ctr"/>
+            <a:r>
+              <a:rPr lang="es-CO" sz="1400" dirty="0">
+                <a:solidFill>
+                  <a:schemeClr val="bg1">
+                    <a:lumMod val="25000"/>
+                  </a:schemeClr>
+                </a:solidFill>
+                <a:latin typeface="Segoe UI" panose="020B0502040204020203" pitchFamily="34" charset="0"/>
+                <a:ea typeface="Segoe UI Black" panose="020B0A02040204020203" pitchFamily="34" charset="0"/>
+                <a:cs typeface="Segoe UI" panose="020B0502040204020203" pitchFamily="34" charset="0"/>
+              </a:rPr>
+              <a:t>juan.rodrigueza@escuelaing.edu.co</a:t>
+            </a:r>
+          </a:p>
+          <a:p>
+            <a:pPr algn="ctr"/>
+            <a:endParaRPr lang="es-CO" sz="1600" dirty="0">
+              <a:solidFill>
+                <a:schemeClr val="bg1">
+                  <a:lumMod val="25000"/>
+                </a:schemeClr>
+              </a:solidFill>
+              <a:latin typeface="Segoe UI" panose="020B0502040204020203" pitchFamily="34" charset="0"/>
+              <a:ea typeface="Segoe UI Black" panose="020B0A02040204020203" pitchFamily="34" charset="0"/>
+              <a:cs typeface="Segoe UI" panose="020B0502040204020203" pitchFamily="34" charset="0"/>
+            </a:endParaRPr>
+          </a:p>
+          <a:p>
+            <a:pPr algn="ctr"/>
+            <a:endParaRPr lang="es-CO" sz="1600" dirty="0">
+              <a:solidFill>
+                <a:schemeClr val="bg1">
+                  <a:lumMod val="25000"/>
+                </a:schemeClr>
+              </a:solidFill>
+              <a:latin typeface="Segoe UI" panose="020B0502040204020203" pitchFamily="34" charset="0"/>
+              <a:ea typeface="Segoe UI Black" panose="020B0A02040204020203" pitchFamily="34" charset="0"/>
+              <a:cs typeface="Segoe UI" panose="020B0502040204020203" pitchFamily="34" charset="0"/>
+            </a:endParaRPr>
+          </a:p>
+          <a:p>
+            <a:pPr algn="ctr"/>
+            <a:r>
+              <a:rPr lang="es-CO" sz="1600" dirty="0">
+                <a:solidFill>
+                  <a:schemeClr val="bg1">
+                    <a:lumMod val="25000"/>
+                  </a:schemeClr>
+                </a:solidFill>
+                <a:latin typeface="Segoe UI" panose="020B0502040204020203" pitchFamily="34" charset="0"/>
+                <a:ea typeface="Segoe UI Black" panose="020B0A02040204020203" pitchFamily="34" charset="0"/>
+                <a:cs typeface="Segoe UI" panose="020B0502040204020203" pitchFamily="34" charset="0"/>
+              </a:rPr>
+              <a:t>Cámara, edición y música</a:t>
+            </a:r>
+            <a:endParaRPr lang="es-CO" sz="1800" dirty="0">
+              <a:solidFill>
+                <a:schemeClr val="bg1">
+                  <a:lumMod val="25000"/>
+                </a:schemeClr>
+              </a:solidFill>
+              <a:latin typeface="Segoe UI" panose="020B0502040204020203" pitchFamily="34" charset="0"/>
+              <a:ea typeface="Segoe UI Black" panose="020B0A02040204020203" pitchFamily="34" charset="0"/>
+              <a:cs typeface="Segoe UI" panose="020B0502040204020203" pitchFamily="34" charset="0"/>
+            </a:endParaRPr>
+          </a:p>
+          <a:p>
+            <a:pPr algn="ctr"/>
+            <a:r>
+              <a:rPr lang="es-CO" sz="1800" dirty="0">
+                <a:solidFill>
+                  <a:schemeClr val="bg1">
+                    <a:lumMod val="25000"/>
+                  </a:schemeClr>
+                </a:solidFill>
+                <a:latin typeface="Segoe UI" panose="020B0502040204020203" pitchFamily="34" charset="0"/>
+                <a:ea typeface="Segoe UI Black" panose="020B0A02040204020203" pitchFamily="34" charset="0"/>
+                <a:cs typeface="Segoe UI" panose="020B0502040204020203" pitchFamily="34" charset="0"/>
+              </a:rPr>
+              <a:t>Juan Manuel Corredor</a:t>
+            </a:r>
+          </a:p>
+          <a:p>
+            <a:pPr algn="ctr"/>
+            <a:r>
+              <a:rPr lang="es-CO" sz="1400" dirty="0">
+                <a:solidFill>
+                  <a:schemeClr val="bg1">
+                    <a:lumMod val="25000"/>
+                  </a:schemeClr>
+                </a:solidFill>
+                <a:latin typeface="Segoe UI" panose="020B0502040204020203" pitchFamily="34" charset="0"/>
+                <a:ea typeface="Segoe UI Black" panose="020B0A02040204020203" pitchFamily="34" charset="0"/>
+                <a:cs typeface="Segoe UI" panose="020B0502040204020203" pitchFamily="34" charset="0"/>
+              </a:rPr>
+              <a:t>juan.corredor-u@escuelaing.edu.co</a:t>
+            </a:r>
+          </a:p>
+          <a:p>
+            <a:pPr algn="ctr"/>
+            <a:endParaRPr lang="es-CO" sz="1400" dirty="0">
+              <a:solidFill>
+                <a:schemeClr val="bg1">
+                  <a:lumMod val="25000"/>
+                </a:schemeClr>
+              </a:solidFill>
+              <a:latin typeface="Segoe UI" panose="020B0502040204020203" pitchFamily="34" charset="0"/>
+              <a:ea typeface="Segoe UI Black" panose="020B0A02040204020203" pitchFamily="34" charset="0"/>
+              <a:cs typeface="Segoe UI" panose="020B0502040204020203" pitchFamily="34" charset="0"/>
+            </a:endParaRPr>
+          </a:p>
+          <a:p>
+            <a:pPr algn="ctr"/>
+            <a:endParaRPr lang="es-CO" sz="1400" dirty="0">
+              <a:solidFill>
+                <a:schemeClr val="bg1">
+                  <a:lumMod val="25000"/>
+                </a:schemeClr>
+              </a:solidFill>
+              <a:latin typeface="Segoe UI" panose="020B0502040204020203" pitchFamily="34" charset="0"/>
+              <a:ea typeface="Segoe UI Black" panose="020B0A02040204020203" pitchFamily="34" charset="0"/>
+              <a:cs typeface="Segoe UI" panose="020B0502040204020203" pitchFamily="34" charset="0"/>
+            </a:endParaRPr>
+          </a:p>
+        </p:txBody>
+      </p:sp>
+      <p:pic>
+        <p:nvPicPr>
+          <p:cNvPr id="6" name="Graphic 5">
+            <a:extLst>
+              <a:ext uri="{FF2B5EF4-FFF2-40B4-BE49-F238E27FC236}">
+                <a16:creationId xmlns:a16="http://schemas.microsoft.com/office/drawing/2014/main" id="{F96E2D74-B331-BC57-37B8-9ED1B35919AF}"/>
+              </a:ext>
+            </a:extLst>
+          </p:cNvPr>
+          <p:cNvPicPr>
+            <a:picLocks noChangeAspect="1"/>
+          </p:cNvPicPr>
+          <p:nvPr/>
+        </p:nvPicPr>
+        <p:blipFill>
+          <a:blip r:embed="rId3">
+            <a:extLst>
+              <a:ext uri="{96DAC541-7B7A-43D3-8B79-37D633B846F1}">
+                <asvg:svgBlip xmlns:asvg="http://schemas.microsoft.com/office/drawing/2016/SVG/main" r:embed="rId4"/>
+              </a:ext>
+            </a:extLst>
+          </a:blip>
+          <a:stretch>
+            <a:fillRect/>
+          </a:stretch>
+        </p:blipFill>
+        <p:spPr>
+          <a:xfrm>
+            <a:off x="-1" y="1329887"/>
+            <a:ext cx="12192000" cy="1463040"/>
+          </a:xfrm>
+          <a:prstGeom prst="rect">
+            <a:avLst/>
+          </a:prstGeom>
+        </p:spPr>
+      </p:pic>
+      <p:sp>
+        <p:nvSpPr>
+          <p:cNvPr id="7" name="Title 1">
+            <a:extLst>
+              <a:ext uri="{FF2B5EF4-FFF2-40B4-BE49-F238E27FC236}">
+                <a16:creationId xmlns:a16="http://schemas.microsoft.com/office/drawing/2014/main" id="{4D31B05A-2637-641E-855D-FABE24D5B5FC}"/>
+              </a:ext>
+            </a:extLst>
+          </p:cNvPr>
+          <p:cNvSpPr txBox="1">
+            <a:spLocks/>
+          </p:cNvSpPr>
+          <p:nvPr/>
+        </p:nvSpPr>
+        <p:spPr>
+          <a:xfrm>
+            <a:off x="1055999" y="3595605"/>
+            <a:ext cx="5040000" cy="3262393"/>
+          </a:xfrm>
+          <a:prstGeom prst="rect">
+            <a:avLst/>
+          </a:prstGeom>
+        </p:spPr>
+        <p:txBody>
+          <a:bodyPr vert="horz" lIns="91440" tIns="45720" rIns="91440" bIns="45720" rtlCol="0" anchor="t" anchorCtr="0">
+            <a:noAutofit/>
+          </a:bodyPr>
+          <a:lstStyle>
+            <a:lvl1pPr algn="l" defTabSz="914377" rtl="0" eaLnBrk="1" latinLnBrk="0" hangingPunct="1">
+              <a:lnSpc>
+                <a:spcPct val="90000"/>
+              </a:lnSpc>
+              <a:spcBef>
+                <a:spcPct val="0"/>
+              </a:spcBef>
+              <a:buNone/>
+              <a:defRPr sz="2600" kern="1200">
+                <a:solidFill>
+                  <a:schemeClr val="tx1"/>
+                </a:solidFill>
+                <a:latin typeface="+mj-lt"/>
+                <a:ea typeface="+mj-ea"/>
+                <a:cs typeface="+mj-cs"/>
+              </a:defRPr>
+            </a:lvl1pPr>
+          </a:lstStyle>
+          <a:p>
+            <a:pPr algn="ctr"/>
+            <a:r>
+              <a:rPr lang="es-CO" sz="1600" dirty="0">
+                <a:solidFill>
+                  <a:schemeClr val="bg1">
+                    <a:lumMod val="25000"/>
+                  </a:schemeClr>
+                </a:solidFill>
+                <a:latin typeface="Segoe UI" panose="020B0502040204020203" pitchFamily="34" charset="0"/>
+                <a:ea typeface="Segoe UI Black" panose="020B0A02040204020203" pitchFamily="34" charset="0"/>
+                <a:cs typeface="Segoe UI" panose="020B0502040204020203" pitchFamily="34" charset="0"/>
+              </a:rPr>
+              <a:t>Dirección</a:t>
+            </a:r>
+            <a:endParaRPr lang="es-CO" sz="1800" dirty="0">
+              <a:solidFill>
+                <a:schemeClr val="bg1">
+                  <a:lumMod val="25000"/>
+                </a:schemeClr>
+              </a:solidFill>
+              <a:latin typeface="Segoe UI" panose="020B0502040204020203" pitchFamily="34" charset="0"/>
+              <a:ea typeface="Segoe UI Black" panose="020B0A02040204020203" pitchFamily="34" charset="0"/>
+              <a:cs typeface="Segoe UI" panose="020B0502040204020203" pitchFamily="34" charset="0"/>
+            </a:endParaRPr>
+          </a:p>
+          <a:p>
+            <a:pPr algn="ctr"/>
+            <a:r>
+              <a:rPr lang="es-CO" sz="1800" dirty="0">
+                <a:solidFill>
+                  <a:schemeClr val="bg1">
+                    <a:lumMod val="25000"/>
+                  </a:schemeClr>
+                </a:solidFill>
+                <a:latin typeface="Segoe UI" panose="020B0502040204020203" pitchFamily="34" charset="0"/>
+                <a:ea typeface="Segoe UI Black" panose="020B0A02040204020203" pitchFamily="34" charset="0"/>
+                <a:cs typeface="Segoe UI" panose="020B0502040204020203" pitchFamily="34" charset="0"/>
+              </a:rPr>
+              <a:t>Héctor Alfonso Rodríguez Díaz</a:t>
+            </a:r>
+          </a:p>
+          <a:p>
+            <a:pPr algn="ctr"/>
+            <a:r>
+              <a:rPr lang="es-CO" sz="1400" dirty="0">
+                <a:solidFill>
+                  <a:schemeClr val="bg1">
+                    <a:lumMod val="25000"/>
+                  </a:schemeClr>
+                </a:solidFill>
+                <a:latin typeface="Segoe UI" panose="020B0502040204020203" pitchFamily="34" charset="0"/>
+                <a:ea typeface="Segoe UI Black" panose="020B0A02040204020203" pitchFamily="34" charset="0"/>
+                <a:cs typeface="Segoe UI" panose="020B0502040204020203" pitchFamily="34" charset="0"/>
+              </a:rPr>
+              <a:t>alfonso.rodriguez@escuelaing.edu.co</a:t>
+            </a:r>
+          </a:p>
+          <a:p>
+            <a:pPr algn="ctr"/>
+            <a:endParaRPr lang="es-CO" sz="1400" dirty="0">
+              <a:solidFill>
+                <a:schemeClr val="bg1">
+                  <a:lumMod val="25000"/>
+                </a:schemeClr>
+              </a:solidFill>
+              <a:latin typeface="Segoe UI" panose="020B0502040204020203" pitchFamily="34" charset="0"/>
+              <a:ea typeface="Segoe UI Black" panose="020B0A02040204020203" pitchFamily="34" charset="0"/>
+              <a:cs typeface="Segoe UI" panose="020B0502040204020203" pitchFamily="34" charset="0"/>
+            </a:endParaRPr>
+          </a:p>
+          <a:p>
+            <a:pPr algn="ctr"/>
+            <a:endParaRPr lang="es-CO" sz="1400" dirty="0">
+              <a:solidFill>
+                <a:schemeClr val="bg1">
+                  <a:lumMod val="25000"/>
+                </a:schemeClr>
+              </a:solidFill>
+              <a:latin typeface="Segoe UI" panose="020B0502040204020203" pitchFamily="34" charset="0"/>
+              <a:ea typeface="Segoe UI Black" panose="020B0A02040204020203" pitchFamily="34" charset="0"/>
+              <a:cs typeface="Segoe UI" panose="020B0502040204020203" pitchFamily="34" charset="0"/>
+            </a:endParaRPr>
+          </a:p>
+          <a:p>
+            <a:pPr algn="ctr"/>
+            <a:r>
+              <a:rPr lang="es-CO" sz="1600" dirty="0" err="1">
+                <a:solidFill>
+                  <a:schemeClr val="bg1">
+                    <a:lumMod val="25000"/>
+                  </a:schemeClr>
+                </a:solidFill>
+                <a:latin typeface="Segoe UI" panose="020B0502040204020203" pitchFamily="34" charset="0"/>
+                <a:ea typeface="Segoe UI Black" panose="020B0A02040204020203" pitchFamily="34" charset="0"/>
+                <a:cs typeface="Segoe UI" panose="020B0502040204020203" pitchFamily="34" charset="0"/>
+              </a:rPr>
+              <a:t>Guión</a:t>
+            </a:r>
+            <a:endParaRPr lang="es-CO" sz="1800" dirty="0">
+              <a:solidFill>
+                <a:schemeClr val="bg1">
+                  <a:lumMod val="25000"/>
+                </a:schemeClr>
+              </a:solidFill>
+              <a:latin typeface="Segoe UI" panose="020B0502040204020203" pitchFamily="34" charset="0"/>
+              <a:ea typeface="Segoe UI Black" panose="020B0A02040204020203" pitchFamily="34" charset="0"/>
+              <a:cs typeface="Segoe UI" panose="020B0502040204020203" pitchFamily="34" charset="0"/>
+            </a:endParaRPr>
+          </a:p>
+          <a:p>
+            <a:pPr algn="ctr"/>
+            <a:r>
+              <a:rPr lang="es-CO" sz="1400" dirty="0">
+                <a:solidFill>
+                  <a:schemeClr val="bg1">
+                    <a:lumMod val="25000"/>
+                  </a:schemeClr>
+                </a:solidFill>
+                <a:latin typeface="Segoe UI" panose="020B0502040204020203" pitchFamily="34" charset="0"/>
+                <a:ea typeface="Segoe UI Black" panose="020B0A02040204020203" pitchFamily="34" charset="0"/>
+                <a:cs typeface="Segoe UI" panose="020B0502040204020203" pitchFamily="34" charset="0"/>
+              </a:rPr>
+              <a:t>https://github.com/rcfdtools/</a:t>
+            </a:r>
+          </a:p>
+          <a:p>
+            <a:pPr algn="ctr"/>
+            <a:endParaRPr lang="es-CO" sz="1600" dirty="0">
+              <a:solidFill>
+                <a:schemeClr val="bg1">
+                  <a:lumMod val="25000"/>
+                </a:schemeClr>
+              </a:solidFill>
+              <a:latin typeface="Segoe UI" panose="020B0502040204020203" pitchFamily="34" charset="0"/>
+              <a:ea typeface="Segoe UI Black" panose="020B0A02040204020203" pitchFamily="34" charset="0"/>
+              <a:cs typeface="Segoe UI" panose="020B0502040204020203" pitchFamily="34" charset="0"/>
+            </a:endParaRPr>
+          </a:p>
+          <a:p>
+            <a:pPr algn="ctr"/>
+            <a:endParaRPr lang="es-CO" sz="1400" dirty="0">
+              <a:solidFill>
+                <a:schemeClr val="bg1">
+                  <a:lumMod val="25000"/>
+                </a:schemeClr>
+              </a:solidFill>
+              <a:latin typeface="Segoe UI" panose="020B0502040204020203" pitchFamily="34" charset="0"/>
+              <a:ea typeface="Segoe UI Black" panose="020B0A02040204020203" pitchFamily="34" charset="0"/>
+              <a:cs typeface="Segoe UI" panose="020B0502040204020203" pitchFamily="34" charset="0"/>
+            </a:endParaRPr>
+          </a:p>
+          <a:p>
+            <a:pPr algn="ctr"/>
+            <a:endParaRPr lang="es-CO" sz="1400" dirty="0">
+              <a:solidFill>
+                <a:schemeClr val="bg1">
+                  <a:lumMod val="25000"/>
+                </a:schemeClr>
+              </a:solidFill>
+              <a:latin typeface="Segoe UI" panose="020B0502040204020203" pitchFamily="34" charset="0"/>
+              <a:ea typeface="Segoe UI Black" panose="020B0A02040204020203" pitchFamily="34" charset="0"/>
+              <a:cs typeface="Segoe UI" panose="020B0502040204020203" pitchFamily="34" charset="0"/>
+            </a:endParaRPr>
+          </a:p>
+        </p:txBody>
+      </p:sp>
+    </p:spTree>
+    <p:extLst>
+      <p:ext uri="{BB962C8B-B14F-4D97-AF65-F5344CB8AC3E}">
+        <p14:creationId xmlns:p14="http://schemas.microsoft.com/office/powerpoint/2010/main" val="3656004048"/>
+      </p:ext>
+    </p:extLst>
+  </p:cSld>
+  <p:clrMapOvr>
+    <a:masterClrMapping/>
+  </p:clrMapOvr>
+</p:sld>
+</file>
+
 <file path=ppt/slides/slide3.xml><?xml version="1.0" encoding="utf-8"?>
 <p:sld xmlns:a="http://schemas.openxmlformats.org/drawingml/2006/main" xmlns:r="http://schemas.openxmlformats.org/officeDocument/2006/relationships" xmlns:p="http://schemas.openxmlformats.org/presentationml/2006/main">
   <p:cSld>
@@ -23342,6 +24118,66 @@
 </file>
 
 <file path=customXml/item1.xml><?xml version="1.0" encoding="utf-8"?>
+<?mso-contentType ?>
+<FormTemplates xmlns="http://schemas.microsoft.com/sharepoint/v3/contenttype/forms">
+  <Display>DocumentLibraryForm</Display>
+  <Edit>DocumentLibraryForm</Edit>
+  <New>DocumentLibraryForm</New>
+</FormTemplates>
+</file>
+
+<file path=customXml/item2.xml><?xml version="1.0" encoding="utf-8"?>
+<p:properties xmlns:p="http://schemas.microsoft.com/office/2006/metadata/properties" xmlns:xsi="http://www.w3.org/2001/XMLSchema-instance" xmlns:pc="http://schemas.microsoft.com/office/infopath/2007/PartnerControls">
+  <documentManagement>
+    <NotebookType xmlns="bf3e1746-bde1-4d6e-9c3f-7182572f7502" xsi:nil="true"/>
+    <CultureName xmlns="bf3e1746-bde1-4d6e-9c3f-7182572f7502" xsi:nil="true"/>
+    <Students xmlns="bf3e1746-bde1-4d6e-9c3f-7182572f7502">
+      <UserInfo>
+        <DisplayName/>
+        <AccountId xsi:nil="true"/>
+        <AccountType/>
+      </UserInfo>
+    </Students>
+    <Distribution_Groups xmlns="bf3e1746-bde1-4d6e-9c3f-7182572f7502" xsi:nil="true"/>
+    <FolderType xmlns="bf3e1746-bde1-4d6e-9c3f-7182572f7502" xsi:nil="true"/>
+    <Student_Groups xmlns="bf3e1746-bde1-4d6e-9c3f-7182572f7502">
+      <UserInfo>
+        <DisplayName/>
+        <AccountId xsi:nil="true"/>
+        <AccountType/>
+      </UserInfo>
+    </Student_Groups>
+    <Self_Registration_Enabled xmlns="bf3e1746-bde1-4d6e-9c3f-7182572f7502" xsi:nil="true"/>
+    <TeamsChannelId xmlns="bf3e1746-bde1-4d6e-9c3f-7182572f7502" xsi:nil="true"/>
+    <IsNotebookLocked xmlns="bf3e1746-bde1-4d6e-9c3f-7182572f7502" xsi:nil="true"/>
+    <DefaultSectionNames xmlns="bf3e1746-bde1-4d6e-9c3f-7182572f7502" xsi:nil="true"/>
+    <Is_Collaboration_Space_Locked xmlns="bf3e1746-bde1-4d6e-9c3f-7182572f7502" xsi:nil="true"/>
+    <Invited_Teachers xmlns="bf3e1746-bde1-4d6e-9c3f-7182572f7502" xsi:nil="true"/>
+    <Math_Settings xmlns="bf3e1746-bde1-4d6e-9c3f-7182572f7502" xsi:nil="true"/>
+    <Templates xmlns="bf3e1746-bde1-4d6e-9c3f-7182572f7502" xsi:nil="true"/>
+    <Has_Teacher_Only_SectionGroup xmlns="bf3e1746-bde1-4d6e-9c3f-7182572f7502" xsi:nil="true"/>
+    <AppVersion xmlns="bf3e1746-bde1-4d6e-9c3f-7182572f7502" xsi:nil="true"/>
+    <Invited_Students xmlns="bf3e1746-bde1-4d6e-9c3f-7182572f7502" xsi:nil="true"/>
+    <Owner xmlns="bf3e1746-bde1-4d6e-9c3f-7182572f7502">
+      <UserInfo>
+        <DisplayName/>
+        <AccountId xsi:nil="true"/>
+        <AccountType/>
+      </UserInfo>
+    </Owner>
+    <Teachers xmlns="bf3e1746-bde1-4d6e-9c3f-7182572f7502">
+      <UserInfo>
+        <DisplayName/>
+        <AccountId xsi:nil="true"/>
+        <AccountType/>
+      </UserInfo>
+    </Teachers>
+    <LMS_Mappings xmlns="bf3e1746-bde1-4d6e-9c3f-7182572f7502" xsi:nil="true"/>
+  </documentManagement>
+</p:properties>
+</file>
+
+<file path=customXml/item3.xml><?xml version="1.0" encoding="utf-8"?>
 <ct:contentTypeSchema xmlns:ct="http://schemas.microsoft.com/office/2006/metadata/contentType" xmlns:ma="http://schemas.microsoft.com/office/2006/metadata/properties/metaAttributes" ct:_="" ma:_="" ma:contentTypeName="Document" ma:contentTypeID="0x010100C089011499791B4EB69D0A56FFA67F2B" ma:contentTypeVersion="30" ma:contentTypeDescription="Create a new document." ma:contentTypeScope="" ma:versionID="f76dc847e91b26043a9f85409c9c8da8">
   <xsd:schema xmlns:xsd="http://www.w3.org/2001/XMLSchema" xmlns:xs="http://www.w3.org/2001/XMLSchema" xmlns:p="http://schemas.microsoft.com/office/2006/metadata/properties" xmlns:ns3="bf3e1746-bde1-4d6e-9c3f-7182572f7502" xmlns:ns4="14224164-2045-4b51-92bb-313d0f626d83" targetNamespace="http://schemas.microsoft.com/office/2006/metadata/properties" ma:root="true" ma:fieldsID="e77e75136ac7a83ebab10a30c2d6fe6c" ns3:_="" ns4:_="">
     <xsd:import namespace="bf3e1746-bde1-4d6e-9c3f-7182572f7502"/>
@@ -23732,81 +24568,10 @@
 </ct:contentTypeSchema>
 </file>
 
-<file path=customXml/item2.xml><?xml version="1.0" encoding="utf-8"?>
-<p:properties xmlns:p="http://schemas.microsoft.com/office/2006/metadata/properties" xmlns:xsi="http://www.w3.org/2001/XMLSchema-instance" xmlns:pc="http://schemas.microsoft.com/office/infopath/2007/PartnerControls">
-  <documentManagement>
-    <NotebookType xmlns="bf3e1746-bde1-4d6e-9c3f-7182572f7502" xsi:nil="true"/>
-    <CultureName xmlns="bf3e1746-bde1-4d6e-9c3f-7182572f7502" xsi:nil="true"/>
-    <Students xmlns="bf3e1746-bde1-4d6e-9c3f-7182572f7502">
-      <UserInfo>
-        <DisplayName/>
-        <AccountId xsi:nil="true"/>
-        <AccountType/>
-      </UserInfo>
-    </Students>
-    <Distribution_Groups xmlns="bf3e1746-bde1-4d6e-9c3f-7182572f7502" xsi:nil="true"/>
-    <FolderType xmlns="bf3e1746-bde1-4d6e-9c3f-7182572f7502" xsi:nil="true"/>
-    <Student_Groups xmlns="bf3e1746-bde1-4d6e-9c3f-7182572f7502">
-      <UserInfo>
-        <DisplayName/>
-        <AccountId xsi:nil="true"/>
-        <AccountType/>
-      </UserInfo>
-    </Student_Groups>
-    <Self_Registration_Enabled xmlns="bf3e1746-bde1-4d6e-9c3f-7182572f7502" xsi:nil="true"/>
-    <TeamsChannelId xmlns="bf3e1746-bde1-4d6e-9c3f-7182572f7502" xsi:nil="true"/>
-    <IsNotebookLocked xmlns="bf3e1746-bde1-4d6e-9c3f-7182572f7502" xsi:nil="true"/>
-    <DefaultSectionNames xmlns="bf3e1746-bde1-4d6e-9c3f-7182572f7502" xsi:nil="true"/>
-    <Is_Collaboration_Space_Locked xmlns="bf3e1746-bde1-4d6e-9c3f-7182572f7502" xsi:nil="true"/>
-    <Invited_Teachers xmlns="bf3e1746-bde1-4d6e-9c3f-7182572f7502" xsi:nil="true"/>
-    <Math_Settings xmlns="bf3e1746-bde1-4d6e-9c3f-7182572f7502" xsi:nil="true"/>
-    <Templates xmlns="bf3e1746-bde1-4d6e-9c3f-7182572f7502" xsi:nil="true"/>
-    <Has_Teacher_Only_SectionGroup xmlns="bf3e1746-bde1-4d6e-9c3f-7182572f7502" xsi:nil="true"/>
-    <AppVersion xmlns="bf3e1746-bde1-4d6e-9c3f-7182572f7502" xsi:nil="true"/>
-    <Invited_Students xmlns="bf3e1746-bde1-4d6e-9c3f-7182572f7502" xsi:nil="true"/>
-    <Owner xmlns="bf3e1746-bde1-4d6e-9c3f-7182572f7502">
-      <UserInfo>
-        <DisplayName/>
-        <AccountId xsi:nil="true"/>
-        <AccountType/>
-      </UserInfo>
-    </Owner>
-    <Teachers xmlns="bf3e1746-bde1-4d6e-9c3f-7182572f7502">
-      <UserInfo>
-        <DisplayName/>
-        <AccountId xsi:nil="true"/>
-        <AccountType/>
-      </UserInfo>
-    </Teachers>
-    <LMS_Mappings xmlns="bf3e1746-bde1-4d6e-9c3f-7182572f7502" xsi:nil="true"/>
-  </documentManagement>
-</p:properties>
-</file>
-
-<file path=customXml/item3.xml><?xml version="1.0" encoding="utf-8"?>
-<?mso-contentType ?>
-<FormTemplates xmlns="http://schemas.microsoft.com/sharepoint/v3/contenttype/forms">
-  <Display>DocumentLibraryForm</Display>
-  <Edit>DocumentLibraryForm</Edit>
-  <New>DocumentLibraryForm</New>
-</FormTemplates>
-</file>
-
 <file path=customXml/itemProps1.xml><?xml version="1.0" encoding="utf-8"?>
-<ds:datastoreItem xmlns:ds="http://schemas.openxmlformats.org/officeDocument/2006/customXml" ds:itemID="{A129B439-51BE-4A7D-9272-FBD057297E66}">
+<ds:datastoreItem xmlns:ds="http://schemas.openxmlformats.org/officeDocument/2006/customXml" ds:itemID="{B024FD56-CE1B-42FC-9E83-BFBF160724C6}">
   <ds:schemaRefs>
-    <ds:schemaRef ds:uri="http://schemas.microsoft.com/office/2006/metadata/contentType"/>
-    <ds:schemaRef ds:uri="http://schemas.microsoft.com/office/2006/metadata/properties/metaAttributes"/>
-    <ds:schemaRef ds:uri="http://www.w3.org/2001/XMLSchema"/>
-    <ds:schemaRef ds:uri="http://schemas.microsoft.com/office/2006/metadata/properties"/>
-    <ds:schemaRef ds:uri="bf3e1746-bde1-4d6e-9c3f-7182572f7502"/>
-    <ds:schemaRef ds:uri="14224164-2045-4b51-92bb-313d0f626d83"/>
-    <ds:schemaRef ds:uri="http://schemas.microsoft.com/office/2006/documentManagement/types"/>
-    <ds:schemaRef ds:uri="http://schemas.microsoft.com/office/infopath/2007/PartnerControls"/>
-    <ds:schemaRef ds:uri="http://schemas.openxmlformats.org/package/2006/metadata/core-properties"/>
-    <ds:schemaRef ds:uri="http://purl.org/dc/elements/1.1/"/>
-    <ds:schemaRef ds:uri="http://purl.org/dc/terms/"/>
-    <ds:schemaRef ds:uri="http://schemas.microsoft.com/internal/obd"/>
+    <ds:schemaRef ds:uri="http://schemas.microsoft.com/sharepoint/v3/contenttype/forms"/>
   </ds:schemaRefs>
 </ds:datastoreItem>
 </file>
@@ -23829,9 +24594,20 @@
 </file>
 
 <file path=customXml/itemProps3.xml><?xml version="1.0" encoding="utf-8"?>
-<ds:datastoreItem xmlns:ds="http://schemas.openxmlformats.org/officeDocument/2006/customXml" ds:itemID="{B024FD56-CE1B-42FC-9E83-BFBF160724C6}">
+<ds:datastoreItem xmlns:ds="http://schemas.openxmlformats.org/officeDocument/2006/customXml" ds:itemID="{A129B439-51BE-4A7D-9272-FBD057297E66}">
   <ds:schemaRefs>
-    <ds:schemaRef ds:uri="http://schemas.microsoft.com/sharepoint/v3/contenttype/forms"/>
+    <ds:schemaRef ds:uri="http://schemas.microsoft.com/office/2006/metadata/contentType"/>
+    <ds:schemaRef ds:uri="http://schemas.microsoft.com/office/2006/metadata/properties/metaAttributes"/>
+    <ds:schemaRef ds:uri="http://www.w3.org/2001/XMLSchema"/>
+    <ds:schemaRef ds:uri="http://schemas.microsoft.com/office/2006/metadata/properties"/>
+    <ds:schemaRef ds:uri="bf3e1746-bde1-4d6e-9c3f-7182572f7502"/>
+    <ds:schemaRef ds:uri="14224164-2045-4b51-92bb-313d0f626d83"/>
+    <ds:schemaRef ds:uri="http://schemas.microsoft.com/office/2006/documentManagement/types"/>
+    <ds:schemaRef ds:uri="http://schemas.microsoft.com/office/infopath/2007/PartnerControls"/>
+    <ds:schemaRef ds:uri="http://schemas.openxmlformats.org/package/2006/metadata/core-properties"/>
+    <ds:schemaRef ds:uri="http://purl.org/dc/elements/1.1/"/>
+    <ds:schemaRef ds:uri="http://purl.org/dc/terms/"/>
+    <ds:schemaRef ds:uri="http://schemas.microsoft.com/internal/obd"/>
   </ds:schemaRefs>
 </ds:datastoreItem>
 </file>
--- a/Section01/Section01.pptx
+++ b/Section01/Section01.pptx
@@ -273,7 +273,7 @@
             <a:pPr rtl="0"/>
             <a:fld id="{FAB3E6E3-061B-41A2-BBDC-C5312A04A40A}" type="datetime1">
               <a:rPr lang="es-ES" smtClean="0"/>
-              <a:t>04/10/2022</a:t>
+              <a:t>05/10/2022</a:t>
             </a:fld>
             <a:endParaRPr lang="es-ES" dirty="0"/>
           </a:p>
@@ -443,7 +443,7 @@
             <a:pPr rtl="0"/>
             <a:fld id="{2145992C-CBBF-4F24-8325-F5CB0EAAC0E9}" type="datetime1">
               <a:rPr lang="es-ES" noProof="0" smtClean="0"/>
-              <a:t>04/10/2022</a:t>
+              <a:t>05/10/2022</a:t>
             </a:fld>
             <a:endParaRPr lang="es-ES" noProof="0" dirty="0"/>
           </a:p>
@@ -7505,7 +7505,7 @@
             <a:pPr rtl="0"/>
             <a:fld id="{55224D71-97F5-4B9D-B11B-235152E09E96}" type="datetime1">
               <a:rPr lang="es-ES" noProof="0" smtClean="0"/>
-              <a:t>04/10/2022</a:t>
+              <a:t>05/10/2022</a:t>
             </a:fld>
             <a:endParaRPr lang="es-ES" noProof="0" dirty="0"/>
           </a:p>
@@ -7854,7 +7854,7 @@
             <a:pPr rtl="0"/>
             <a:fld id="{2AB3A384-AAB1-4A76-A43B-EFE930A802BF}" type="datetime1">
               <a:rPr lang="es-ES" noProof="0" smtClean="0"/>
-              <a:t>04/10/2022</a:t>
+              <a:t>05/10/2022</a:t>
             </a:fld>
             <a:endParaRPr lang="es-ES" noProof="0" dirty="0"/>
           </a:p>
@@ -7996,7 +7996,7 @@
             <a:pPr rtl="0"/>
             <a:fld id="{95F109E8-29A7-4A4D-BBAF-954B5246DC6B}" type="datetime1">
               <a:rPr lang="es-ES" noProof="0" smtClean="0"/>
-              <a:t>04/10/2022</a:t>
+              <a:t>05/10/2022</a:t>
             </a:fld>
             <a:endParaRPr lang="es-ES" noProof="0" dirty="0"/>
           </a:p>
@@ -8110,7 +8110,7 @@
             <a:pPr rtl="0"/>
             <a:fld id="{3EDF4B7F-437B-43B6-8193-868254AADFEB}" type="datetime1">
               <a:rPr lang="es-ES" noProof="0" smtClean="0"/>
-              <a:t>04/10/2022</a:t>
+              <a:t>05/10/2022</a:t>
             </a:fld>
             <a:endParaRPr lang="es-ES" noProof="0" dirty="0"/>
           </a:p>
@@ -8410,7 +8410,7 @@
             <a:pPr rtl="0"/>
             <a:fld id="{5FD9D2A0-9803-4B3F-A6B6-606959F35242}" type="datetime1">
               <a:rPr lang="es-ES" noProof="0" smtClean="0"/>
-              <a:t>04/10/2022</a:t>
+              <a:t>05/10/2022</a:t>
             </a:fld>
             <a:endParaRPr lang="es-ES" noProof="0" dirty="0"/>
           </a:p>
@@ -8681,7 +8681,7 @@
             <a:pPr rtl="0"/>
             <a:fld id="{B48CB6FA-6884-4007-A174-A67BE7A1CA93}" type="datetime1">
               <a:rPr lang="es-ES" noProof="0" smtClean="0"/>
-              <a:t>04/10/2022</a:t>
+              <a:t>05/10/2022</a:t>
             </a:fld>
             <a:endParaRPr lang="es-ES" noProof="0" dirty="0"/>
           </a:p>
@@ -8952,7 +8952,7 @@
             <a:pPr rtl="0"/>
             <a:fld id="{DCA87387-1199-4F13-92EC-EA845724990E}" type="datetime1">
               <a:rPr lang="es-ES" noProof="0" smtClean="0"/>
-              <a:t>04/10/2022</a:t>
+              <a:t>05/10/2022</a:t>
             </a:fld>
             <a:endParaRPr lang="es-ES" noProof="0" dirty="0"/>
           </a:p>
@@ -9130,7 +9130,7 @@
             <a:pPr rtl="0"/>
             <a:fld id="{0277B9E3-6C0A-45A5-BAE5-CD19B242173D}" type="datetime1">
               <a:rPr lang="es-ES" noProof="0" smtClean="0"/>
-              <a:t>04/10/2022</a:t>
+              <a:t>05/10/2022</a:t>
             </a:fld>
             <a:endParaRPr lang="es-ES" noProof="0" dirty="0"/>
           </a:p>
@@ -9318,7 +9318,7 @@
             <a:pPr rtl="0"/>
             <a:fld id="{AB41DD2C-FA4F-413E-A1B5-23565A0780B7}" type="datetime1">
               <a:rPr lang="es-ES" noProof="0" smtClean="0"/>
-              <a:t>04/10/2022</a:t>
+              <a:t>05/10/2022</a:t>
             </a:fld>
             <a:endParaRPr lang="es-ES" noProof="0" dirty="0"/>
           </a:p>
@@ -9568,7 +9568,7 @@
             <a:pPr rtl="0"/>
             <a:fld id="{0D82DBE2-B5E9-4999-A9C0-55ED93FCE73D}" type="datetime1">
               <a:rPr lang="es-ES" noProof="0" smtClean="0"/>
-              <a:t>04/10/2022</a:t>
+              <a:t>05/10/2022</a:t>
             </a:fld>
             <a:endParaRPr lang="es-ES" noProof="0" dirty="0"/>
           </a:p>
@@ -9818,7 +9818,7 @@
             <a:pPr rtl="0"/>
             <a:fld id="{89B7BC24-C90D-4DAD-A6CB-BBA58C4D57BB}" type="datetime1">
               <a:rPr lang="es-ES" noProof="0" smtClean="0"/>
-              <a:t>04/10/2022</a:t>
+              <a:t>05/10/2022</a:t>
             </a:fld>
             <a:endParaRPr lang="es-ES" noProof="0" dirty="0"/>
           </a:p>
@@ -10081,7 +10081,7 @@
             <a:pPr rtl="0"/>
             <a:fld id="{217D4995-77A4-48E5-92B1-2DC992A39FBB}" type="datetime1">
               <a:rPr lang="es-ES" noProof="0" smtClean="0"/>
-              <a:t>04/10/2022</a:t>
+              <a:t>05/10/2022</a:t>
             </a:fld>
             <a:endParaRPr lang="es-ES" noProof="0" dirty="0"/>
           </a:p>
@@ -10355,7 +10355,7 @@
             <a:pPr rtl="0"/>
             <a:fld id="{AE8112B3-1F24-452F-80DE-56BF301098EC}" type="datetime1">
               <a:rPr lang="es-ES" noProof="0" smtClean="0"/>
-              <a:t>04/10/2022</a:t>
+              <a:t>05/10/2022</a:t>
             </a:fld>
             <a:endParaRPr lang="es-ES" noProof="0" dirty="0"/>
           </a:p>
@@ -10721,7 +10721,7 @@
             <a:pPr rtl="0"/>
             <a:fld id="{39B46DA2-8C2E-44C4-A865-CD3D33CFD45F}" type="datetime1">
               <a:rPr lang="es-ES" noProof="0" smtClean="0"/>
-              <a:t>04/10/2022</a:t>
+              <a:t>05/10/2022</a:t>
             </a:fld>
             <a:endParaRPr lang="es-ES" noProof="0" dirty="0"/>
           </a:p>
@@ -11076,7 +11076,7 @@
             <a:pPr rtl="0"/>
             <a:fld id="{D1525062-C568-4AE5-A98F-45E6D6D3E9AC}" type="datetime1">
               <a:rPr lang="es-ES" noProof="0" smtClean="0"/>
-              <a:t>04/10/2022</a:t>
+              <a:t>05/10/2022</a:t>
             </a:fld>
             <a:endParaRPr lang="es-ES" noProof="0" dirty="0"/>
           </a:p>
@@ -11571,7 +11571,7 @@
             <a:pPr rtl="0"/>
             <a:fld id="{8EBA81B0-EA87-4E7B-A74D-942650D6BCED}" type="datetime1">
               <a:rPr lang="es-ES" noProof="0" smtClean="0"/>
-              <a:t>04/10/2022</a:t>
+              <a:t>05/10/2022</a:t>
             </a:fld>
             <a:endParaRPr lang="es-ES" noProof="0" dirty="0"/>
           </a:p>
@@ -12066,7 +12066,7 @@
             <a:pPr rtl="0"/>
             <a:fld id="{F6653BDA-CE15-46D4-A5A4-C9E9758DEFB2}" type="datetime1">
               <a:rPr lang="es-ES" noProof="0" smtClean="0"/>
-              <a:t>04/10/2022</a:t>
+              <a:t>05/10/2022</a:t>
             </a:fld>
             <a:endParaRPr lang="es-ES" noProof="0" dirty="0"/>
           </a:p>
@@ -12290,7 +12290,7 @@
             <a:pPr rtl="0"/>
             <a:fld id="{72696FBB-EB5C-4293-9014-59E70AE1A5E6}" type="datetime1">
               <a:rPr lang="es-ES" noProof="0" smtClean="0"/>
-              <a:t>04/10/2022</a:t>
+              <a:t>05/10/2022</a:t>
             </a:fld>
             <a:endParaRPr lang="es-ES" noProof="0" dirty="0"/>
           </a:p>
@@ -19249,7 +19249,7 @@
                 <a:ea typeface="Segoe UI Black" panose="020B0A02040204020203" pitchFamily="34" charset="0"/>
                 <a:cs typeface="Segoe UI" panose="020B0502040204020203" pitchFamily="34" charset="0"/>
               </a:rPr>
-              <a:t>Presentador</a:t>
+              <a:t>Expositor</a:t>
             </a:r>
           </a:p>
           <a:p>
@@ -19282,6 +19282,22 @@
                 <a:cs typeface="Segoe UI" panose="020B0502040204020203" pitchFamily="34" charset="0"/>
               </a:rPr>
               <a:t>juan.rodrigueza@escuelaing.edu.co</a:t>
+            </a:r>
+          </a:p>
+          <a:p>
+            <a:pPr algn="ctr"/>
+            <a:r>
+              <a:rPr lang="es-CO" sz="1400" dirty="0">
+                <a:solidFill>
+                  <a:schemeClr val="bg1">
+                    <a:lumMod val="25000"/>
+                  </a:schemeClr>
+                </a:solidFill>
+                <a:latin typeface="Segoe UI" panose="020B0502040204020203" pitchFamily="34" charset="0"/>
+                <a:ea typeface="Segoe UI Black" panose="020B0A02040204020203" pitchFamily="34" charset="0"/>
+                <a:cs typeface="Segoe UI" panose="020B0502040204020203" pitchFamily="34" charset="0"/>
+              </a:rPr>
+              <a:t>https://github.com/juanrodace</a:t>
             </a:r>
           </a:p>
           <a:p>
@@ -19396,42 +19412,6 @@
           </a:p>
         </p:txBody>
       </p:sp>
-      <p:pic>
-        <p:nvPicPr>
-          <p:cNvPr id="6" name="Graphic 5">
-            <a:extLst>
-              <a:ext uri="{FF2B5EF4-FFF2-40B4-BE49-F238E27FC236}">
-                <a16:creationId xmlns:a16="http://schemas.microsoft.com/office/drawing/2014/main" id="{F96E2D74-B331-BC57-37B8-9ED1B35919AF}"/>
-              </a:ext>
-            </a:extLst>
-          </p:cNvPr>
-          <p:cNvPicPr>
-            <a:picLocks noChangeAspect="1"/>
-          </p:cNvPicPr>
-          <p:nvPr/>
-        </p:nvPicPr>
-        <p:blipFill>
-          <a:blip r:embed="rId3">
-            <a:extLst>
-              <a:ext uri="{96DAC541-7B7A-43D3-8B79-37D633B846F1}">
-                <asvg:svgBlip xmlns:asvg="http://schemas.microsoft.com/office/drawing/2016/SVG/main" r:embed="rId4"/>
-              </a:ext>
-            </a:extLst>
-          </a:blip>
-          <a:stretch>
-            <a:fillRect/>
-          </a:stretch>
-        </p:blipFill>
-        <p:spPr>
-          <a:xfrm>
-            <a:off x="-1" y="1329887"/>
-            <a:ext cx="12192000" cy="1463040"/>
-          </a:xfrm>
-          <a:prstGeom prst="rect">
-            <a:avLst/>
-          </a:prstGeom>
-        </p:spPr>
-      </p:pic>
       <p:sp>
         <p:nvSpPr>
           <p:cNvPr id="7" name="Title 1">
@@ -19565,7 +19545,7 @@
           <a:p>
             <a:pPr algn="ctr"/>
             <a:r>
-              <a:rPr lang="es-CO" sz="1600" dirty="0" err="1">
+              <a:rPr lang="es-CO" sz="1600" dirty="0">
                 <a:solidFill>
                   <a:schemeClr val="bg1">
                     <a:lumMod val="25000"/>
@@ -19645,6 +19625,114 @@
           </a:p>
         </p:txBody>
       </p:sp>
+      <p:pic>
+        <p:nvPicPr>
+          <p:cNvPr id="4" name="Graphic 3">
+            <a:extLst>
+              <a:ext uri="{FF2B5EF4-FFF2-40B4-BE49-F238E27FC236}">
+                <a16:creationId xmlns:a16="http://schemas.microsoft.com/office/drawing/2014/main" id="{50FD19C5-BDA1-AA73-30F7-387B18E48D1F}"/>
+              </a:ext>
+            </a:extLst>
+          </p:cNvPr>
+          <p:cNvPicPr>
+            <a:picLocks noChangeAspect="1"/>
+          </p:cNvPicPr>
+          <p:nvPr/>
+        </p:nvPicPr>
+        <p:blipFill>
+          <a:blip r:embed="rId3">
+            <a:extLst>
+              <a:ext uri="{96DAC541-7B7A-43D3-8B79-37D633B846F1}">
+                <asvg:svgBlip xmlns:asvg="http://schemas.microsoft.com/office/drawing/2016/SVG/main" r:embed="rId4"/>
+              </a:ext>
+            </a:extLst>
+          </a:blip>
+          <a:stretch>
+            <a:fillRect/>
+          </a:stretch>
+        </p:blipFill>
+        <p:spPr>
+          <a:xfrm>
+            <a:off x="4851374" y="1647144"/>
+            <a:ext cx="2160000" cy="1037739"/>
+          </a:xfrm>
+          <a:prstGeom prst="rect">
+            <a:avLst/>
+          </a:prstGeom>
+        </p:spPr>
+      </p:pic>
+      <p:pic>
+        <p:nvPicPr>
+          <p:cNvPr id="8" name="Graphic 7">
+            <a:extLst>
+              <a:ext uri="{FF2B5EF4-FFF2-40B4-BE49-F238E27FC236}">
+                <a16:creationId xmlns:a16="http://schemas.microsoft.com/office/drawing/2014/main" id="{75C469DA-D012-E443-0DB2-0AC049C3A920}"/>
+              </a:ext>
+            </a:extLst>
+          </p:cNvPr>
+          <p:cNvPicPr>
+            <a:picLocks noChangeAspect="1"/>
+          </p:cNvPicPr>
+          <p:nvPr/>
+        </p:nvPicPr>
+        <p:blipFill>
+          <a:blip r:embed="rId5">
+            <a:extLst>
+              <a:ext uri="{96DAC541-7B7A-43D3-8B79-37D633B846F1}">
+                <asvg:svgBlip xmlns:asvg="http://schemas.microsoft.com/office/drawing/2016/SVG/main" r:embed="rId6"/>
+              </a:ext>
+            </a:extLst>
+          </a:blip>
+          <a:stretch>
+            <a:fillRect/>
+          </a:stretch>
+        </p:blipFill>
+        <p:spPr>
+          <a:xfrm>
+            <a:off x="1415999" y="1604884"/>
+            <a:ext cx="2160000" cy="1122261"/>
+          </a:xfrm>
+          <a:prstGeom prst="rect">
+            <a:avLst/>
+          </a:prstGeom>
+        </p:spPr>
+      </p:pic>
+      <p:pic>
+        <p:nvPicPr>
+          <p:cNvPr id="10" name="Graphic 9">
+            <a:extLst>
+              <a:ext uri="{FF2B5EF4-FFF2-40B4-BE49-F238E27FC236}">
+                <a16:creationId xmlns:a16="http://schemas.microsoft.com/office/drawing/2014/main" id="{0F4EC895-97D1-6A45-FE7D-7DA1B49F55B1}"/>
+              </a:ext>
+            </a:extLst>
+          </p:cNvPr>
+          <p:cNvPicPr>
+            <a:picLocks noChangeAspect="1"/>
+          </p:cNvPicPr>
+          <p:nvPr/>
+        </p:nvPicPr>
+        <p:blipFill>
+          <a:blip r:embed="rId7">
+            <a:extLst>
+              <a:ext uri="{96DAC541-7B7A-43D3-8B79-37D633B846F1}">
+                <asvg:svgBlip xmlns:asvg="http://schemas.microsoft.com/office/drawing/2016/SVG/main" r:embed="rId8"/>
+              </a:ext>
+            </a:extLst>
+          </a:blip>
+          <a:stretch>
+            <a:fillRect/>
+          </a:stretch>
+        </p:blipFill>
+        <p:spPr>
+          <a:xfrm>
+            <a:off x="8286750" y="1658885"/>
+            <a:ext cx="2160000" cy="1014261"/>
+          </a:xfrm>
+          <a:prstGeom prst="rect">
+            <a:avLst/>
+          </a:prstGeom>
+        </p:spPr>
+      </p:pic>
     </p:spTree>
     <p:extLst>
       <p:ext uri="{BB962C8B-B14F-4D97-AF65-F5344CB8AC3E}">
@@ -24118,66 +24206,6 @@
 </file>
 
 <file path=customXml/item1.xml><?xml version="1.0" encoding="utf-8"?>
-<?mso-contentType ?>
-<FormTemplates xmlns="http://schemas.microsoft.com/sharepoint/v3/contenttype/forms">
-  <Display>DocumentLibraryForm</Display>
-  <Edit>DocumentLibraryForm</Edit>
-  <New>DocumentLibraryForm</New>
-</FormTemplates>
-</file>
-
-<file path=customXml/item2.xml><?xml version="1.0" encoding="utf-8"?>
-<p:properties xmlns:p="http://schemas.microsoft.com/office/2006/metadata/properties" xmlns:xsi="http://www.w3.org/2001/XMLSchema-instance" xmlns:pc="http://schemas.microsoft.com/office/infopath/2007/PartnerControls">
-  <documentManagement>
-    <NotebookType xmlns="bf3e1746-bde1-4d6e-9c3f-7182572f7502" xsi:nil="true"/>
-    <CultureName xmlns="bf3e1746-bde1-4d6e-9c3f-7182572f7502" xsi:nil="true"/>
-    <Students xmlns="bf3e1746-bde1-4d6e-9c3f-7182572f7502">
-      <UserInfo>
-        <DisplayName/>
-        <AccountId xsi:nil="true"/>
-        <AccountType/>
-      </UserInfo>
-    </Students>
-    <Distribution_Groups xmlns="bf3e1746-bde1-4d6e-9c3f-7182572f7502" xsi:nil="true"/>
-    <FolderType xmlns="bf3e1746-bde1-4d6e-9c3f-7182572f7502" xsi:nil="true"/>
-    <Student_Groups xmlns="bf3e1746-bde1-4d6e-9c3f-7182572f7502">
-      <UserInfo>
-        <DisplayName/>
-        <AccountId xsi:nil="true"/>
-        <AccountType/>
-      </UserInfo>
-    </Student_Groups>
-    <Self_Registration_Enabled xmlns="bf3e1746-bde1-4d6e-9c3f-7182572f7502" xsi:nil="true"/>
-    <TeamsChannelId xmlns="bf3e1746-bde1-4d6e-9c3f-7182572f7502" xsi:nil="true"/>
-    <IsNotebookLocked xmlns="bf3e1746-bde1-4d6e-9c3f-7182572f7502" xsi:nil="true"/>
-    <DefaultSectionNames xmlns="bf3e1746-bde1-4d6e-9c3f-7182572f7502" xsi:nil="true"/>
-    <Is_Collaboration_Space_Locked xmlns="bf3e1746-bde1-4d6e-9c3f-7182572f7502" xsi:nil="true"/>
-    <Invited_Teachers xmlns="bf3e1746-bde1-4d6e-9c3f-7182572f7502" xsi:nil="true"/>
-    <Math_Settings xmlns="bf3e1746-bde1-4d6e-9c3f-7182572f7502" xsi:nil="true"/>
-    <Templates xmlns="bf3e1746-bde1-4d6e-9c3f-7182572f7502" xsi:nil="true"/>
-    <Has_Teacher_Only_SectionGroup xmlns="bf3e1746-bde1-4d6e-9c3f-7182572f7502" xsi:nil="true"/>
-    <AppVersion xmlns="bf3e1746-bde1-4d6e-9c3f-7182572f7502" xsi:nil="true"/>
-    <Invited_Students xmlns="bf3e1746-bde1-4d6e-9c3f-7182572f7502" xsi:nil="true"/>
-    <Owner xmlns="bf3e1746-bde1-4d6e-9c3f-7182572f7502">
-      <UserInfo>
-        <DisplayName/>
-        <AccountId xsi:nil="true"/>
-        <AccountType/>
-      </UserInfo>
-    </Owner>
-    <Teachers xmlns="bf3e1746-bde1-4d6e-9c3f-7182572f7502">
-      <UserInfo>
-        <DisplayName/>
-        <AccountId xsi:nil="true"/>
-        <AccountType/>
-      </UserInfo>
-    </Teachers>
-    <LMS_Mappings xmlns="bf3e1746-bde1-4d6e-9c3f-7182572f7502" xsi:nil="true"/>
-  </documentManagement>
-</p:properties>
-</file>
-
-<file path=customXml/item3.xml><?xml version="1.0" encoding="utf-8"?>
 <ct:contentTypeSchema xmlns:ct="http://schemas.microsoft.com/office/2006/metadata/contentType" xmlns:ma="http://schemas.microsoft.com/office/2006/metadata/properties/metaAttributes" ct:_="" ma:_="" ma:contentTypeName="Document" ma:contentTypeID="0x010100C089011499791B4EB69D0A56FFA67F2B" ma:contentTypeVersion="30" ma:contentTypeDescription="Create a new document." ma:contentTypeScope="" ma:versionID="f76dc847e91b26043a9f85409c9c8da8">
   <xsd:schema xmlns:xsd="http://www.w3.org/2001/XMLSchema" xmlns:xs="http://www.w3.org/2001/XMLSchema" xmlns:p="http://schemas.microsoft.com/office/2006/metadata/properties" xmlns:ns3="bf3e1746-bde1-4d6e-9c3f-7182572f7502" xmlns:ns4="14224164-2045-4b51-92bb-313d0f626d83" targetNamespace="http://schemas.microsoft.com/office/2006/metadata/properties" ma:root="true" ma:fieldsID="e77e75136ac7a83ebab10a30c2d6fe6c" ns3:_="" ns4:_="">
     <xsd:import namespace="bf3e1746-bde1-4d6e-9c3f-7182572f7502"/>
@@ -24568,10 +24596,81 @@
 </ct:contentTypeSchema>
 </file>
 
+<file path=customXml/item2.xml><?xml version="1.0" encoding="utf-8"?>
+<p:properties xmlns:p="http://schemas.microsoft.com/office/2006/metadata/properties" xmlns:xsi="http://www.w3.org/2001/XMLSchema-instance" xmlns:pc="http://schemas.microsoft.com/office/infopath/2007/PartnerControls">
+  <documentManagement>
+    <NotebookType xmlns="bf3e1746-bde1-4d6e-9c3f-7182572f7502" xsi:nil="true"/>
+    <CultureName xmlns="bf3e1746-bde1-4d6e-9c3f-7182572f7502" xsi:nil="true"/>
+    <Students xmlns="bf3e1746-bde1-4d6e-9c3f-7182572f7502">
+      <UserInfo>
+        <DisplayName/>
+        <AccountId xsi:nil="true"/>
+        <AccountType/>
+      </UserInfo>
+    </Students>
+    <Distribution_Groups xmlns="bf3e1746-bde1-4d6e-9c3f-7182572f7502" xsi:nil="true"/>
+    <FolderType xmlns="bf3e1746-bde1-4d6e-9c3f-7182572f7502" xsi:nil="true"/>
+    <Student_Groups xmlns="bf3e1746-bde1-4d6e-9c3f-7182572f7502">
+      <UserInfo>
+        <DisplayName/>
+        <AccountId xsi:nil="true"/>
+        <AccountType/>
+      </UserInfo>
+    </Student_Groups>
+    <Self_Registration_Enabled xmlns="bf3e1746-bde1-4d6e-9c3f-7182572f7502" xsi:nil="true"/>
+    <TeamsChannelId xmlns="bf3e1746-bde1-4d6e-9c3f-7182572f7502" xsi:nil="true"/>
+    <IsNotebookLocked xmlns="bf3e1746-bde1-4d6e-9c3f-7182572f7502" xsi:nil="true"/>
+    <DefaultSectionNames xmlns="bf3e1746-bde1-4d6e-9c3f-7182572f7502" xsi:nil="true"/>
+    <Is_Collaboration_Space_Locked xmlns="bf3e1746-bde1-4d6e-9c3f-7182572f7502" xsi:nil="true"/>
+    <Invited_Teachers xmlns="bf3e1746-bde1-4d6e-9c3f-7182572f7502" xsi:nil="true"/>
+    <Math_Settings xmlns="bf3e1746-bde1-4d6e-9c3f-7182572f7502" xsi:nil="true"/>
+    <Templates xmlns="bf3e1746-bde1-4d6e-9c3f-7182572f7502" xsi:nil="true"/>
+    <Has_Teacher_Only_SectionGroup xmlns="bf3e1746-bde1-4d6e-9c3f-7182572f7502" xsi:nil="true"/>
+    <AppVersion xmlns="bf3e1746-bde1-4d6e-9c3f-7182572f7502" xsi:nil="true"/>
+    <Invited_Students xmlns="bf3e1746-bde1-4d6e-9c3f-7182572f7502" xsi:nil="true"/>
+    <Owner xmlns="bf3e1746-bde1-4d6e-9c3f-7182572f7502">
+      <UserInfo>
+        <DisplayName/>
+        <AccountId xsi:nil="true"/>
+        <AccountType/>
+      </UserInfo>
+    </Owner>
+    <Teachers xmlns="bf3e1746-bde1-4d6e-9c3f-7182572f7502">
+      <UserInfo>
+        <DisplayName/>
+        <AccountId xsi:nil="true"/>
+        <AccountType/>
+      </UserInfo>
+    </Teachers>
+    <LMS_Mappings xmlns="bf3e1746-bde1-4d6e-9c3f-7182572f7502" xsi:nil="true"/>
+  </documentManagement>
+</p:properties>
+</file>
+
+<file path=customXml/item3.xml><?xml version="1.0" encoding="utf-8"?>
+<?mso-contentType ?>
+<FormTemplates xmlns="http://schemas.microsoft.com/sharepoint/v3/contenttype/forms">
+  <Display>DocumentLibraryForm</Display>
+  <Edit>DocumentLibraryForm</Edit>
+  <New>DocumentLibraryForm</New>
+</FormTemplates>
+</file>
+
 <file path=customXml/itemProps1.xml><?xml version="1.0" encoding="utf-8"?>
-<ds:datastoreItem xmlns:ds="http://schemas.openxmlformats.org/officeDocument/2006/customXml" ds:itemID="{B024FD56-CE1B-42FC-9E83-BFBF160724C6}">
+<ds:datastoreItem xmlns:ds="http://schemas.openxmlformats.org/officeDocument/2006/customXml" ds:itemID="{A129B439-51BE-4A7D-9272-FBD057297E66}">
   <ds:schemaRefs>
-    <ds:schemaRef ds:uri="http://schemas.microsoft.com/sharepoint/v3/contenttype/forms"/>
+    <ds:schemaRef ds:uri="http://schemas.microsoft.com/office/2006/metadata/contentType"/>
+    <ds:schemaRef ds:uri="http://schemas.microsoft.com/office/2006/metadata/properties/metaAttributes"/>
+    <ds:schemaRef ds:uri="http://www.w3.org/2001/XMLSchema"/>
+    <ds:schemaRef ds:uri="http://schemas.microsoft.com/office/2006/metadata/properties"/>
+    <ds:schemaRef ds:uri="bf3e1746-bde1-4d6e-9c3f-7182572f7502"/>
+    <ds:schemaRef ds:uri="14224164-2045-4b51-92bb-313d0f626d83"/>
+    <ds:schemaRef ds:uri="http://schemas.microsoft.com/office/2006/documentManagement/types"/>
+    <ds:schemaRef ds:uri="http://schemas.microsoft.com/office/infopath/2007/PartnerControls"/>
+    <ds:schemaRef ds:uri="http://schemas.openxmlformats.org/package/2006/metadata/core-properties"/>
+    <ds:schemaRef ds:uri="http://purl.org/dc/elements/1.1/"/>
+    <ds:schemaRef ds:uri="http://purl.org/dc/terms/"/>
+    <ds:schemaRef ds:uri="http://schemas.microsoft.com/internal/obd"/>
   </ds:schemaRefs>
 </ds:datastoreItem>
 </file>
@@ -24594,20 +24693,9 @@
 </file>
 
 <file path=customXml/itemProps3.xml><?xml version="1.0" encoding="utf-8"?>
-<ds:datastoreItem xmlns:ds="http://schemas.openxmlformats.org/officeDocument/2006/customXml" ds:itemID="{A129B439-51BE-4A7D-9272-FBD057297E66}">
+<ds:datastoreItem xmlns:ds="http://schemas.openxmlformats.org/officeDocument/2006/customXml" ds:itemID="{B024FD56-CE1B-42FC-9E83-BFBF160724C6}">
   <ds:schemaRefs>
-    <ds:schemaRef ds:uri="http://schemas.microsoft.com/office/2006/metadata/contentType"/>
-    <ds:schemaRef ds:uri="http://schemas.microsoft.com/office/2006/metadata/properties/metaAttributes"/>
-    <ds:schemaRef ds:uri="http://www.w3.org/2001/XMLSchema"/>
-    <ds:schemaRef ds:uri="http://schemas.microsoft.com/office/2006/metadata/properties"/>
-    <ds:schemaRef ds:uri="bf3e1746-bde1-4d6e-9c3f-7182572f7502"/>
-    <ds:schemaRef ds:uri="14224164-2045-4b51-92bb-313d0f626d83"/>
-    <ds:schemaRef ds:uri="http://schemas.microsoft.com/office/2006/documentManagement/types"/>
-    <ds:schemaRef ds:uri="http://schemas.microsoft.com/office/infopath/2007/PartnerControls"/>
-    <ds:schemaRef ds:uri="http://schemas.openxmlformats.org/package/2006/metadata/core-properties"/>
-    <ds:schemaRef ds:uri="http://purl.org/dc/elements/1.1/"/>
-    <ds:schemaRef ds:uri="http://purl.org/dc/terms/"/>
-    <ds:schemaRef ds:uri="http://schemas.microsoft.com/internal/obd"/>
+    <ds:schemaRef ds:uri="http://schemas.microsoft.com/sharepoint/v3/contenttype/forms"/>
   </ds:schemaRefs>
 </ds:datastoreItem>
 </file>